--- a/图集.pptx
+++ b/图集.pptx
@@ -4,8 +4,12 @@
   <p:sldMasterIdLst>
     <p:sldMasterId id="2147483648" r:id="rId1"/>
   </p:sldMasterIdLst>
+  <p:notesMasterIdLst>
+    <p:notesMasterId r:id="rId4"/>
+  </p:notesMasterIdLst>
   <p:sldIdLst>
     <p:sldId id="256" r:id="rId2"/>
+    <p:sldId id="257" r:id="rId3"/>
   </p:sldIdLst>
   <p:sldSz cx="12192000" cy="6858000"/>
   <p:notesSz cx="6858000" cy="9144000"/>
@@ -105,6 +109,440 @@
     </a:lvl9pPr>
   </p:defaultTextStyle>
 </p:presentation>
+</file>
+
+<file path=ppt/notesMasters/notesMaster1.xml><?xml version="1.0" encoding="utf-8"?>
+<p:notesMaster xmlns:a="http://schemas.openxmlformats.org/drawingml/2006/main" xmlns:r="http://schemas.openxmlformats.org/officeDocument/2006/relationships" xmlns:p="http://schemas.openxmlformats.org/presentationml/2006/main">
+  <p:cSld>
+    <p:bg>
+      <p:bgRef idx="1001">
+        <a:schemeClr val="bg1"/>
+      </p:bgRef>
+    </p:bg>
+    <p:spTree>
+      <p:nvGrpSpPr>
+        <p:cNvPr id="1" name=""/>
+        <p:cNvGrpSpPr/>
+        <p:nvPr/>
+      </p:nvGrpSpPr>
+      <p:grpSpPr>
+        <a:xfrm>
+          <a:off x="0" y="0"/>
+          <a:ext cx="0" cy="0"/>
+          <a:chOff x="0" y="0"/>
+          <a:chExt cx="0" cy="0"/>
+        </a:xfrm>
+      </p:grpSpPr>
+      <p:sp>
+        <p:nvSpPr>
+          <p:cNvPr id="2" name="页眉占位符 1"/>
+          <p:cNvSpPr>
+            <a:spLocks noGrp="1"/>
+          </p:cNvSpPr>
+          <p:nvPr>
+            <p:ph type="hdr" sz="quarter"/>
+          </p:nvPr>
+        </p:nvSpPr>
+        <p:spPr>
+          <a:xfrm>
+            <a:off x="0" y="0"/>
+            <a:ext cx="2971800" cy="458788"/>
+          </a:xfrm>
+          <a:prstGeom prst="rect">
+            <a:avLst/>
+          </a:prstGeom>
+        </p:spPr>
+        <p:txBody>
+          <a:bodyPr vert="horz" lIns="91440" tIns="45720" rIns="91440" bIns="45720" rtlCol="0"/>
+          <a:lstStyle>
+            <a:lvl1pPr algn="l">
+              <a:defRPr sz="1200"/>
+            </a:lvl1pPr>
+          </a:lstStyle>
+          <a:p>
+            <a:endParaRPr lang="zh-CN" altLang="en-US"/>
+          </a:p>
+        </p:txBody>
+      </p:sp>
+      <p:sp>
+        <p:nvSpPr>
+          <p:cNvPr id="3" name="日期占位符 2"/>
+          <p:cNvSpPr>
+            <a:spLocks noGrp="1"/>
+          </p:cNvSpPr>
+          <p:nvPr>
+            <p:ph type="dt" idx="1"/>
+          </p:nvPr>
+        </p:nvSpPr>
+        <p:spPr>
+          <a:xfrm>
+            <a:off x="3884613" y="0"/>
+            <a:ext cx="2971800" cy="458788"/>
+          </a:xfrm>
+          <a:prstGeom prst="rect">
+            <a:avLst/>
+          </a:prstGeom>
+        </p:spPr>
+        <p:txBody>
+          <a:bodyPr vert="horz" lIns="91440" tIns="45720" rIns="91440" bIns="45720" rtlCol="0"/>
+          <a:lstStyle>
+            <a:lvl1pPr algn="r">
+              <a:defRPr sz="1200"/>
+            </a:lvl1pPr>
+          </a:lstStyle>
+          <a:p>
+            <a:fld id="{0A5C0070-62FF-4409-B5E8-A38E1A25C249}" type="datetimeFigureOut">
+              <a:rPr lang="zh-CN" altLang="en-US" smtClean="0"/>
+              <a:t>2016/11/14</a:t>
+            </a:fld>
+            <a:endParaRPr lang="zh-CN" altLang="en-US"/>
+          </a:p>
+        </p:txBody>
+      </p:sp>
+      <p:sp>
+        <p:nvSpPr>
+          <p:cNvPr id="4" name="幻灯片图像占位符 3"/>
+          <p:cNvSpPr>
+            <a:spLocks noGrp="1" noRot="1" noChangeAspect="1"/>
+          </p:cNvSpPr>
+          <p:nvPr>
+            <p:ph type="sldImg" idx="2"/>
+          </p:nvPr>
+        </p:nvSpPr>
+        <p:spPr>
+          <a:xfrm>
+            <a:off x="685800" y="1143000"/>
+            <a:ext cx="5486400" cy="3086100"/>
+          </a:xfrm>
+          <a:prstGeom prst="rect">
+            <a:avLst/>
+          </a:prstGeom>
+          <a:noFill/>
+          <a:ln w="12700">
+            <a:solidFill>
+              <a:prstClr val="black"/>
+            </a:solidFill>
+          </a:ln>
+        </p:spPr>
+        <p:txBody>
+          <a:bodyPr vert="horz" lIns="91440" tIns="45720" rIns="91440" bIns="45720" rtlCol="0" anchor="ctr"/>
+          <a:lstStyle/>
+          <a:p>
+            <a:endParaRPr lang="zh-CN" altLang="en-US"/>
+          </a:p>
+        </p:txBody>
+      </p:sp>
+      <p:sp>
+        <p:nvSpPr>
+          <p:cNvPr id="5" name="备注占位符 4"/>
+          <p:cNvSpPr>
+            <a:spLocks noGrp="1"/>
+          </p:cNvSpPr>
+          <p:nvPr>
+            <p:ph type="body" sz="quarter" idx="3"/>
+          </p:nvPr>
+        </p:nvSpPr>
+        <p:spPr>
+          <a:xfrm>
+            <a:off x="685800" y="4400550"/>
+            <a:ext cx="5486400" cy="3600450"/>
+          </a:xfrm>
+          <a:prstGeom prst="rect">
+            <a:avLst/>
+          </a:prstGeom>
+        </p:spPr>
+        <p:txBody>
+          <a:bodyPr vert="horz" lIns="91440" tIns="45720" rIns="91440" bIns="45720" rtlCol="0"/>
+          <a:lstStyle/>
+          <a:p>
+            <a:pPr lvl="0"/>
+            <a:r>
+              <a:rPr lang="zh-CN" altLang="en-US"/>
+              <a:t>编辑母版文本样式</a:t>
+            </a:r>
+          </a:p>
+          <a:p>
+            <a:pPr lvl="1"/>
+            <a:r>
+              <a:rPr lang="zh-CN" altLang="en-US"/>
+              <a:t>第二级</a:t>
+            </a:r>
+          </a:p>
+          <a:p>
+            <a:pPr lvl="2"/>
+            <a:r>
+              <a:rPr lang="zh-CN" altLang="en-US"/>
+              <a:t>第三级</a:t>
+            </a:r>
+          </a:p>
+          <a:p>
+            <a:pPr lvl="3"/>
+            <a:r>
+              <a:rPr lang="zh-CN" altLang="en-US"/>
+              <a:t>第四级</a:t>
+            </a:r>
+          </a:p>
+          <a:p>
+            <a:pPr lvl="4"/>
+            <a:r>
+              <a:rPr lang="zh-CN" altLang="en-US"/>
+              <a:t>第五级</a:t>
+            </a:r>
+            <a:endParaRPr lang="zh-CN" altLang="en-US"/>
+          </a:p>
+        </p:txBody>
+      </p:sp>
+      <p:sp>
+        <p:nvSpPr>
+          <p:cNvPr id="6" name="页脚占位符 5"/>
+          <p:cNvSpPr>
+            <a:spLocks noGrp="1"/>
+          </p:cNvSpPr>
+          <p:nvPr>
+            <p:ph type="ftr" sz="quarter" idx="4"/>
+          </p:nvPr>
+        </p:nvSpPr>
+        <p:spPr>
+          <a:xfrm>
+            <a:off x="0" y="8685213"/>
+            <a:ext cx="2971800" cy="458787"/>
+          </a:xfrm>
+          <a:prstGeom prst="rect">
+            <a:avLst/>
+          </a:prstGeom>
+        </p:spPr>
+        <p:txBody>
+          <a:bodyPr vert="horz" lIns="91440" tIns="45720" rIns="91440" bIns="45720" rtlCol="0" anchor="b"/>
+          <a:lstStyle>
+            <a:lvl1pPr algn="l">
+              <a:defRPr sz="1200"/>
+            </a:lvl1pPr>
+          </a:lstStyle>
+          <a:p>
+            <a:endParaRPr lang="zh-CN" altLang="en-US"/>
+          </a:p>
+        </p:txBody>
+      </p:sp>
+      <p:sp>
+        <p:nvSpPr>
+          <p:cNvPr id="7" name="灯片编号占位符 6"/>
+          <p:cNvSpPr>
+            <a:spLocks noGrp="1"/>
+          </p:cNvSpPr>
+          <p:nvPr>
+            <p:ph type="sldNum" sz="quarter" idx="5"/>
+          </p:nvPr>
+        </p:nvSpPr>
+        <p:spPr>
+          <a:xfrm>
+            <a:off x="3884613" y="8685213"/>
+            <a:ext cx="2971800" cy="458787"/>
+          </a:xfrm>
+          <a:prstGeom prst="rect">
+            <a:avLst/>
+          </a:prstGeom>
+        </p:spPr>
+        <p:txBody>
+          <a:bodyPr vert="horz" lIns="91440" tIns="45720" rIns="91440" bIns="45720" rtlCol="0" anchor="b"/>
+          <a:lstStyle>
+            <a:lvl1pPr algn="r">
+              <a:defRPr sz="1200"/>
+            </a:lvl1pPr>
+          </a:lstStyle>
+          <a:p>
+            <a:fld id="{5CE9C267-2C8D-44EE-A34C-CB9E8D3B98C4}" type="slidenum">
+              <a:rPr lang="zh-CN" altLang="en-US" smtClean="0"/>
+              <a:t>‹#›</a:t>
+            </a:fld>
+            <a:endParaRPr lang="zh-CN" altLang="en-US"/>
+          </a:p>
+        </p:txBody>
+      </p:sp>
+    </p:spTree>
+    <p:extLst>
+      <p:ext uri="{BB962C8B-B14F-4D97-AF65-F5344CB8AC3E}">
+        <p14:creationId xmlns:p14="http://schemas.microsoft.com/office/powerpoint/2010/main" val="3756983498"/>
+      </p:ext>
+    </p:extLst>
+  </p:cSld>
+  <p:clrMap bg1="lt1" tx1="dk1" bg2="lt2" tx2="dk2" accent1="accent1" accent2="accent2" accent3="accent3" accent4="accent4" accent5="accent5" accent6="accent6" hlink="hlink" folHlink="folHlink"/>
+  <p:notesStyle>
+    <a:lvl1pPr marL="0" algn="l" defTabSz="914400" rtl="0" eaLnBrk="1" latinLnBrk="0" hangingPunct="1">
+      <a:defRPr sz="1200" kern="1200">
+        <a:solidFill>
+          <a:schemeClr val="tx1"/>
+        </a:solidFill>
+        <a:latin typeface="+mn-lt"/>
+        <a:ea typeface="+mn-ea"/>
+        <a:cs typeface="+mn-cs"/>
+      </a:defRPr>
+    </a:lvl1pPr>
+    <a:lvl2pPr marL="457200" algn="l" defTabSz="914400" rtl="0" eaLnBrk="1" latinLnBrk="0" hangingPunct="1">
+      <a:defRPr sz="1200" kern="1200">
+        <a:solidFill>
+          <a:schemeClr val="tx1"/>
+        </a:solidFill>
+        <a:latin typeface="+mn-lt"/>
+        <a:ea typeface="+mn-ea"/>
+        <a:cs typeface="+mn-cs"/>
+      </a:defRPr>
+    </a:lvl2pPr>
+    <a:lvl3pPr marL="914400" algn="l" defTabSz="914400" rtl="0" eaLnBrk="1" latinLnBrk="0" hangingPunct="1">
+      <a:defRPr sz="1200" kern="1200">
+        <a:solidFill>
+          <a:schemeClr val="tx1"/>
+        </a:solidFill>
+        <a:latin typeface="+mn-lt"/>
+        <a:ea typeface="+mn-ea"/>
+        <a:cs typeface="+mn-cs"/>
+      </a:defRPr>
+    </a:lvl3pPr>
+    <a:lvl4pPr marL="1371600" algn="l" defTabSz="914400" rtl="0" eaLnBrk="1" latinLnBrk="0" hangingPunct="1">
+      <a:defRPr sz="1200" kern="1200">
+        <a:solidFill>
+          <a:schemeClr val="tx1"/>
+        </a:solidFill>
+        <a:latin typeface="+mn-lt"/>
+        <a:ea typeface="+mn-ea"/>
+        <a:cs typeface="+mn-cs"/>
+      </a:defRPr>
+    </a:lvl4pPr>
+    <a:lvl5pPr marL="1828800" algn="l" defTabSz="914400" rtl="0" eaLnBrk="1" latinLnBrk="0" hangingPunct="1">
+      <a:defRPr sz="1200" kern="1200">
+        <a:solidFill>
+          <a:schemeClr val="tx1"/>
+        </a:solidFill>
+        <a:latin typeface="+mn-lt"/>
+        <a:ea typeface="+mn-ea"/>
+        <a:cs typeface="+mn-cs"/>
+      </a:defRPr>
+    </a:lvl5pPr>
+    <a:lvl6pPr marL="2286000" algn="l" defTabSz="914400" rtl="0" eaLnBrk="1" latinLnBrk="0" hangingPunct="1">
+      <a:defRPr sz="1200" kern="1200">
+        <a:solidFill>
+          <a:schemeClr val="tx1"/>
+        </a:solidFill>
+        <a:latin typeface="+mn-lt"/>
+        <a:ea typeface="+mn-ea"/>
+        <a:cs typeface="+mn-cs"/>
+      </a:defRPr>
+    </a:lvl6pPr>
+    <a:lvl7pPr marL="2743200" algn="l" defTabSz="914400" rtl="0" eaLnBrk="1" latinLnBrk="0" hangingPunct="1">
+      <a:defRPr sz="1200" kern="1200">
+        <a:solidFill>
+          <a:schemeClr val="tx1"/>
+        </a:solidFill>
+        <a:latin typeface="+mn-lt"/>
+        <a:ea typeface="+mn-ea"/>
+        <a:cs typeface="+mn-cs"/>
+      </a:defRPr>
+    </a:lvl7pPr>
+    <a:lvl8pPr marL="3200400" algn="l" defTabSz="914400" rtl="0" eaLnBrk="1" latinLnBrk="0" hangingPunct="1">
+      <a:defRPr sz="1200" kern="1200">
+        <a:solidFill>
+          <a:schemeClr val="tx1"/>
+        </a:solidFill>
+        <a:latin typeface="+mn-lt"/>
+        <a:ea typeface="+mn-ea"/>
+        <a:cs typeface="+mn-cs"/>
+      </a:defRPr>
+    </a:lvl8pPr>
+    <a:lvl9pPr marL="3657600" algn="l" defTabSz="914400" rtl="0" eaLnBrk="1" latinLnBrk="0" hangingPunct="1">
+      <a:defRPr sz="1200" kern="1200">
+        <a:solidFill>
+          <a:schemeClr val="tx1"/>
+        </a:solidFill>
+        <a:latin typeface="+mn-lt"/>
+        <a:ea typeface="+mn-ea"/>
+        <a:cs typeface="+mn-cs"/>
+      </a:defRPr>
+    </a:lvl9pPr>
+  </p:notesStyle>
+</p:notesMaster>
+</file>
+
+<file path=ppt/notesSlides/notesSlide1.xml><?xml version="1.0" encoding="utf-8"?>
+<p:notes xmlns:a="http://schemas.openxmlformats.org/drawingml/2006/main" xmlns:r="http://schemas.openxmlformats.org/officeDocument/2006/relationships" xmlns:p="http://schemas.openxmlformats.org/presentationml/2006/main">
+  <p:cSld>
+    <p:spTree>
+      <p:nvGrpSpPr>
+        <p:cNvPr id="1" name=""/>
+        <p:cNvGrpSpPr/>
+        <p:nvPr/>
+      </p:nvGrpSpPr>
+      <p:grpSpPr>
+        <a:xfrm>
+          <a:off x="0" y="0"/>
+          <a:ext cx="0" cy="0"/>
+          <a:chOff x="0" y="0"/>
+          <a:chExt cx="0" cy="0"/>
+        </a:xfrm>
+      </p:grpSpPr>
+      <p:sp>
+        <p:nvSpPr>
+          <p:cNvPr id="2" name="幻灯片图像占位符 1"/>
+          <p:cNvSpPr>
+            <a:spLocks noGrp="1" noRot="1" noChangeAspect="1"/>
+          </p:cNvSpPr>
+          <p:nvPr>
+            <p:ph type="sldImg"/>
+          </p:nvPr>
+        </p:nvSpPr>
+        <p:spPr/>
+      </p:sp>
+      <p:sp>
+        <p:nvSpPr>
+          <p:cNvPr id="3" name="备注占位符 2"/>
+          <p:cNvSpPr>
+            <a:spLocks noGrp="1"/>
+          </p:cNvSpPr>
+          <p:nvPr>
+            <p:ph type="body" idx="1"/>
+          </p:nvPr>
+        </p:nvSpPr>
+        <p:spPr/>
+        <p:txBody>
+          <a:bodyPr/>
+          <a:lstStyle/>
+          <a:p>
+            <a:endParaRPr lang="zh-CN" altLang="en-US" dirty="0"/>
+          </a:p>
+        </p:txBody>
+      </p:sp>
+      <p:sp>
+        <p:nvSpPr>
+          <p:cNvPr id="4" name="灯片编号占位符 3"/>
+          <p:cNvSpPr>
+            <a:spLocks noGrp="1"/>
+          </p:cNvSpPr>
+          <p:nvPr>
+            <p:ph type="sldNum" sz="quarter" idx="10"/>
+          </p:nvPr>
+        </p:nvSpPr>
+        <p:spPr/>
+        <p:txBody>
+          <a:bodyPr/>
+          <a:lstStyle/>
+          <a:p>
+            <a:fld id="{5CE9C267-2C8D-44EE-A34C-CB9E8D3B98C4}" type="slidenum">
+              <a:rPr lang="zh-CN" altLang="en-US" smtClean="0"/>
+              <a:t>2</a:t>
+            </a:fld>
+            <a:endParaRPr lang="zh-CN" altLang="en-US"/>
+          </a:p>
+        </p:txBody>
+      </p:sp>
+    </p:spTree>
+    <p:extLst>
+      <p:ext uri="{BB962C8B-B14F-4D97-AF65-F5344CB8AC3E}">
+        <p14:creationId xmlns:p14="http://schemas.microsoft.com/office/powerpoint/2010/main" val="1629371134"/>
+      </p:ext>
+    </p:extLst>
+  </p:cSld>
+  <p:clrMapOvr>
+    <a:masterClrMapping/>
+  </p:clrMapOvr>
+</p:notes>
 </file>
 
 <file path=ppt/slideLayouts/slideLayout1.xml><?xml version="1.0" encoding="utf-8"?>
@@ -5743,6 +6181,1921 @@
 </p:sld>
 </file>
 
+<file path=ppt/slides/slide2.xml><?xml version="1.0" encoding="utf-8"?>
+<p:sld xmlns:a="http://schemas.openxmlformats.org/drawingml/2006/main" xmlns:r="http://schemas.openxmlformats.org/officeDocument/2006/relationships" xmlns:p="http://schemas.openxmlformats.org/presentationml/2006/main">
+  <p:cSld>
+    <p:spTree>
+      <p:nvGrpSpPr>
+        <p:cNvPr id="1" name=""/>
+        <p:cNvGrpSpPr/>
+        <p:nvPr/>
+      </p:nvGrpSpPr>
+      <p:grpSpPr>
+        <a:xfrm>
+          <a:off x="0" y="0"/>
+          <a:ext cx="0" cy="0"/>
+          <a:chOff x="0" y="0"/>
+          <a:chExt cx="0" cy="0"/>
+        </a:xfrm>
+      </p:grpSpPr>
+      <p:sp>
+        <p:nvSpPr>
+          <p:cNvPr id="4" name="矩形 3"/>
+          <p:cNvSpPr/>
+          <p:nvPr/>
+        </p:nvSpPr>
+        <p:spPr>
+          <a:xfrm>
+            <a:off x="1148023" y="2707688"/>
+            <a:ext cx="1204560" cy="506029"/>
+          </a:xfrm>
+          <a:prstGeom prst="rect">
+            <a:avLst/>
+          </a:prstGeom>
+          <a:solidFill>
+            <a:schemeClr val="accent1">
+              <a:lumMod val="60000"/>
+              <a:lumOff val="40000"/>
+            </a:schemeClr>
+          </a:solidFill>
+        </p:spPr>
+        <p:style>
+          <a:lnRef idx="2">
+            <a:schemeClr val="accent1">
+              <a:shade val="50000"/>
+            </a:schemeClr>
+          </a:lnRef>
+          <a:fillRef idx="1">
+            <a:schemeClr val="accent1"/>
+          </a:fillRef>
+          <a:effectRef idx="0">
+            <a:schemeClr val="accent1"/>
+          </a:effectRef>
+          <a:fontRef idx="minor">
+            <a:schemeClr val="lt1"/>
+          </a:fontRef>
+        </p:style>
+        <p:txBody>
+          <a:bodyPr rtlCol="0" anchor="ctr"/>
+          <a:lstStyle/>
+          <a:p>
+            <a:pPr algn="ctr"/>
+            <a:r>
+              <a:rPr lang="zh-CN" altLang="en-US" b="1" dirty="0">
+                <a:solidFill>
+                  <a:schemeClr val="tx1"/>
+                </a:solidFill>
+              </a:rPr>
+              <a:t>原始信号</a:t>
+            </a:r>
+          </a:p>
+        </p:txBody>
+      </p:sp>
+      <p:sp>
+        <p:nvSpPr>
+          <p:cNvPr id="5" name="矩形 4"/>
+          <p:cNvSpPr/>
+          <p:nvPr/>
+        </p:nvSpPr>
+        <p:spPr>
+          <a:xfrm>
+            <a:off x="2765238" y="2707688"/>
+            <a:ext cx="1204560" cy="506029"/>
+          </a:xfrm>
+          <a:prstGeom prst="rect">
+            <a:avLst/>
+          </a:prstGeom>
+          <a:solidFill>
+            <a:schemeClr val="accent1">
+              <a:lumMod val="60000"/>
+              <a:lumOff val="40000"/>
+            </a:schemeClr>
+          </a:solidFill>
+        </p:spPr>
+        <p:style>
+          <a:lnRef idx="2">
+            <a:schemeClr val="accent1">
+              <a:shade val="50000"/>
+            </a:schemeClr>
+          </a:lnRef>
+          <a:fillRef idx="1">
+            <a:schemeClr val="accent1"/>
+          </a:fillRef>
+          <a:effectRef idx="0">
+            <a:schemeClr val="accent1"/>
+          </a:effectRef>
+          <a:fontRef idx="minor">
+            <a:schemeClr val="lt1"/>
+          </a:fontRef>
+        </p:style>
+        <p:txBody>
+          <a:bodyPr rtlCol="0" anchor="ctr"/>
+          <a:lstStyle/>
+          <a:p>
+            <a:pPr algn="ctr"/>
+            <a:r>
+              <a:rPr lang="zh-CN" altLang="en-US" b="1" dirty="0">
+                <a:solidFill>
+                  <a:schemeClr val="tx1"/>
+                </a:solidFill>
+              </a:rPr>
+              <a:t>预处理</a:t>
+            </a:r>
+          </a:p>
+        </p:txBody>
+      </p:sp>
+      <p:sp>
+        <p:nvSpPr>
+          <p:cNvPr id="6" name="矩形 5"/>
+          <p:cNvSpPr/>
+          <p:nvPr/>
+        </p:nvSpPr>
+        <p:spPr>
+          <a:xfrm>
+            <a:off x="4446217" y="1501139"/>
+            <a:ext cx="4301543" cy="3692297"/>
+          </a:xfrm>
+          <a:prstGeom prst="rect">
+            <a:avLst/>
+          </a:prstGeom>
+          <a:solidFill>
+            <a:schemeClr val="accent1">
+              <a:lumMod val="60000"/>
+              <a:lumOff val="40000"/>
+            </a:schemeClr>
+          </a:solidFill>
+        </p:spPr>
+        <p:style>
+          <a:lnRef idx="2">
+            <a:schemeClr val="accent1">
+              <a:shade val="50000"/>
+            </a:schemeClr>
+          </a:lnRef>
+          <a:fillRef idx="1">
+            <a:schemeClr val="accent1"/>
+          </a:fillRef>
+          <a:effectRef idx="0">
+            <a:schemeClr val="accent1"/>
+          </a:effectRef>
+          <a:fontRef idx="minor">
+            <a:schemeClr val="lt1"/>
+          </a:fontRef>
+        </p:style>
+        <p:txBody>
+          <a:bodyPr rtlCol="0" anchor="ctr"/>
+          <a:lstStyle/>
+          <a:p>
+            <a:pPr algn="ctr"/>
+            <a:endParaRPr lang="zh-CN" altLang="en-US" dirty="0"/>
+          </a:p>
+        </p:txBody>
+      </p:sp>
+      <p:cxnSp>
+        <p:nvCxnSpPr>
+          <p:cNvPr id="8" name="直接箭头连接符 7"/>
+          <p:cNvCxnSpPr>
+            <a:stCxn id="5" idx="3"/>
+          </p:cNvCxnSpPr>
+          <p:nvPr/>
+        </p:nvCxnSpPr>
+        <p:spPr>
+          <a:xfrm>
+            <a:off x="3969798" y="2960703"/>
+            <a:ext cx="834346" cy="13316"/>
+          </a:xfrm>
+          <a:prstGeom prst="straightConnector1">
+            <a:avLst/>
+          </a:prstGeom>
+          <a:ln>
+            <a:tailEnd type="triangle"/>
+          </a:ln>
+        </p:spPr>
+        <p:style>
+          <a:lnRef idx="3">
+            <a:schemeClr val="dk1"/>
+          </a:lnRef>
+          <a:fillRef idx="0">
+            <a:schemeClr val="dk1"/>
+          </a:fillRef>
+          <a:effectRef idx="2">
+            <a:schemeClr val="dk1"/>
+          </a:effectRef>
+          <a:fontRef idx="minor">
+            <a:schemeClr val="tx1"/>
+          </a:fontRef>
+        </p:style>
+      </p:cxnSp>
+      <p:cxnSp>
+        <p:nvCxnSpPr>
+          <p:cNvPr id="10" name="直接箭头连接符 9"/>
+          <p:cNvCxnSpPr>
+            <a:stCxn id="4" idx="3"/>
+            <a:endCxn id="5" idx="1"/>
+          </p:cNvCxnSpPr>
+          <p:nvPr/>
+        </p:nvCxnSpPr>
+        <p:spPr>
+          <a:xfrm>
+            <a:off x="2352583" y="2960703"/>
+            <a:ext cx="412655" cy="0"/>
+          </a:xfrm>
+          <a:prstGeom prst="straightConnector1">
+            <a:avLst/>
+          </a:prstGeom>
+          <a:ln>
+            <a:tailEnd type="triangle"/>
+          </a:ln>
+        </p:spPr>
+        <p:style>
+          <a:lnRef idx="3">
+            <a:schemeClr val="dk1"/>
+          </a:lnRef>
+          <a:fillRef idx="0">
+            <a:schemeClr val="dk1"/>
+          </a:fillRef>
+          <a:effectRef idx="2">
+            <a:schemeClr val="dk1"/>
+          </a:effectRef>
+          <a:fontRef idx="minor">
+            <a:schemeClr val="tx1"/>
+          </a:fontRef>
+        </p:style>
+      </p:cxnSp>
+      <p:sp>
+        <p:nvSpPr>
+          <p:cNvPr id="11" name="文本框 10"/>
+          <p:cNvSpPr txBox="1"/>
+          <p:nvPr/>
+        </p:nvSpPr>
+        <p:spPr>
+          <a:xfrm>
+            <a:off x="3949018" y="2684892"/>
+            <a:ext cx="538930" cy="338554"/>
+          </a:xfrm>
+          <a:prstGeom prst="rect">
+            <a:avLst/>
+          </a:prstGeom>
+          <a:noFill/>
+        </p:spPr>
+        <p:txBody>
+          <a:bodyPr wrap="none" rtlCol="0">
+            <a:spAutoFit/>
+          </a:bodyPr>
+          <a:lstStyle/>
+          <a:p>
+            <a:r>
+              <a:rPr lang="en-US" altLang="zh-CN" sz="1600" b="1" dirty="0"/>
+              <a:t>EEG</a:t>
+            </a:r>
+            <a:endParaRPr lang="zh-CN" altLang="en-US" sz="1600" b="1" dirty="0"/>
+          </a:p>
+        </p:txBody>
+      </p:sp>
+      <p:cxnSp>
+        <p:nvCxnSpPr>
+          <p:cNvPr id="14" name="直接连接符 13"/>
+          <p:cNvCxnSpPr/>
+          <p:nvPr/>
+        </p:nvCxnSpPr>
+        <p:spPr>
+          <a:xfrm flipH="1">
+            <a:off x="5812071" y="2214977"/>
+            <a:ext cx="17833" cy="1970840"/>
+          </a:xfrm>
+          <a:prstGeom prst="line">
+            <a:avLst/>
+          </a:prstGeom>
+        </p:spPr>
+        <p:style>
+          <a:lnRef idx="3">
+            <a:schemeClr val="dk1"/>
+          </a:lnRef>
+          <a:fillRef idx="0">
+            <a:schemeClr val="dk1"/>
+          </a:fillRef>
+          <a:effectRef idx="2">
+            <a:schemeClr val="dk1"/>
+          </a:effectRef>
+          <a:fontRef idx="minor">
+            <a:schemeClr val="tx1"/>
+          </a:fontRef>
+        </p:style>
+      </p:cxnSp>
+      <p:sp>
+        <p:nvSpPr>
+          <p:cNvPr id="16" name="矩形: 圆角 15"/>
+          <p:cNvSpPr/>
+          <p:nvPr/>
+        </p:nvSpPr>
+        <p:spPr>
+          <a:xfrm>
+            <a:off x="6085642" y="1575786"/>
+            <a:ext cx="577049" cy="292963"/>
+          </a:xfrm>
+          <a:prstGeom prst="roundRect">
+            <a:avLst/>
+          </a:prstGeom>
+        </p:spPr>
+        <p:style>
+          <a:lnRef idx="2">
+            <a:schemeClr val="accent1">
+              <a:shade val="50000"/>
+            </a:schemeClr>
+          </a:lnRef>
+          <a:fillRef idx="1">
+            <a:schemeClr val="accent1"/>
+          </a:fillRef>
+          <a:effectRef idx="0">
+            <a:schemeClr val="accent1"/>
+          </a:effectRef>
+          <a:fontRef idx="minor">
+            <a:schemeClr val="lt1"/>
+          </a:fontRef>
+        </p:style>
+        <p:txBody>
+          <a:bodyPr rtlCol="0" anchor="ctr"/>
+          <a:lstStyle/>
+          <a:p>
+            <a:pPr algn="ctr"/>
+            <a:r>
+              <a:rPr lang="en-US" altLang="zh-CN" dirty="0"/>
+              <a:t>ALL</a:t>
+            </a:r>
+            <a:endParaRPr lang="zh-CN" altLang="en-US" dirty="0"/>
+          </a:p>
+        </p:txBody>
+      </p:sp>
+      <p:sp>
+        <p:nvSpPr>
+          <p:cNvPr id="17" name="矩形: 圆角 16"/>
+          <p:cNvSpPr/>
+          <p:nvPr/>
+        </p:nvSpPr>
+        <p:spPr>
+          <a:xfrm>
+            <a:off x="6084477" y="2068496"/>
+            <a:ext cx="577049" cy="292963"/>
+          </a:xfrm>
+          <a:prstGeom prst="roundRect">
+            <a:avLst/>
+          </a:prstGeom>
+        </p:spPr>
+        <p:style>
+          <a:lnRef idx="2">
+            <a:schemeClr val="accent1">
+              <a:shade val="50000"/>
+            </a:schemeClr>
+          </a:lnRef>
+          <a:fillRef idx="1">
+            <a:schemeClr val="accent1"/>
+          </a:fillRef>
+          <a:effectRef idx="0">
+            <a:schemeClr val="accent1"/>
+          </a:effectRef>
+          <a:fontRef idx="minor">
+            <a:schemeClr val="lt1"/>
+          </a:fontRef>
+        </p:style>
+        <p:txBody>
+          <a:bodyPr rtlCol="0" anchor="ctr"/>
+          <a:lstStyle/>
+          <a:p>
+            <a:pPr algn="ctr"/>
+            <a:r>
+              <a:rPr lang="en-US" altLang="zh-CN" dirty="0"/>
+              <a:t>γ</a:t>
+            </a:r>
+            <a:endParaRPr lang="zh-CN" altLang="en-US" dirty="0"/>
+          </a:p>
+        </p:txBody>
+      </p:sp>
+      <p:sp>
+        <p:nvSpPr>
+          <p:cNvPr id="18" name="矩形: 圆角 17"/>
+          <p:cNvSpPr/>
+          <p:nvPr/>
+        </p:nvSpPr>
+        <p:spPr>
+          <a:xfrm>
+            <a:off x="6084477" y="2561206"/>
+            <a:ext cx="577049" cy="292963"/>
+          </a:xfrm>
+          <a:prstGeom prst="roundRect">
+            <a:avLst/>
+          </a:prstGeom>
+        </p:spPr>
+        <p:style>
+          <a:lnRef idx="2">
+            <a:schemeClr val="accent1">
+              <a:shade val="50000"/>
+            </a:schemeClr>
+          </a:lnRef>
+          <a:fillRef idx="1">
+            <a:schemeClr val="accent1"/>
+          </a:fillRef>
+          <a:effectRef idx="0">
+            <a:schemeClr val="accent1"/>
+          </a:effectRef>
+          <a:fontRef idx="minor">
+            <a:schemeClr val="lt1"/>
+          </a:fontRef>
+        </p:style>
+        <p:txBody>
+          <a:bodyPr rot="0" spcFirstLastPara="0" vert="horz" wrap="square" lIns="91440" tIns="45720" rIns="91440" bIns="45720" numCol="1" spcCol="0" rtlCol="0" fromWordArt="0" anchor="ctr" anchorCtr="0" forceAA="0" compatLnSpc="1">
+            <a:prstTxWarp prst="textNoShape">
+              <a:avLst/>
+            </a:prstTxWarp>
+            <a:noAutofit/>
+          </a:bodyPr>
+          <a:lstStyle>
+            <a:defPPr>
+              <a:defRPr lang="zh-CN"/>
+            </a:defPPr>
+            <a:lvl1pPr marL="0" algn="l" defTabSz="914400" rtl="0" eaLnBrk="1" latinLnBrk="0" hangingPunct="1">
+              <a:defRPr sz="1800" kern="1200">
+                <a:solidFill>
+                  <a:schemeClr val="lt1"/>
+                </a:solidFill>
+                <a:latin typeface="+mn-lt"/>
+                <a:ea typeface="+mn-ea"/>
+                <a:cs typeface="+mn-cs"/>
+              </a:defRPr>
+            </a:lvl1pPr>
+            <a:lvl2pPr marL="457200" algn="l" defTabSz="914400" rtl="0" eaLnBrk="1" latinLnBrk="0" hangingPunct="1">
+              <a:defRPr sz="1800" kern="1200">
+                <a:solidFill>
+                  <a:schemeClr val="lt1"/>
+                </a:solidFill>
+                <a:latin typeface="+mn-lt"/>
+                <a:ea typeface="+mn-ea"/>
+                <a:cs typeface="+mn-cs"/>
+              </a:defRPr>
+            </a:lvl2pPr>
+            <a:lvl3pPr marL="914400" algn="l" defTabSz="914400" rtl="0" eaLnBrk="1" latinLnBrk="0" hangingPunct="1">
+              <a:defRPr sz="1800" kern="1200">
+                <a:solidFill>
+                  <a:schemeClr val="lt1"/>
+                </a:solidFill>
+                <a:latin typeface="+mn-lt"/>
+                <a:ea typeface="+mn-ea"/>
+                <a:cs typeface="+mn-cs"/>
+              </a:defRPr>
+            </a:lvl3pPr>
+            <a:lvl4pPr marL="1371600" algn="l" defTabSz="914400" rtl="0" eaLnBrk="1" latinLnBrk="0" hangingPunct="1">
+              <a:defRPr sz="1800" kern="1200">
+                <a:solidFill>
+                  <a:schemeClr val="lt1"/>
+                </a:solidFill>
+                <a:latin typeface="+mn-lt"/>
+                <a:ea typeface="+mn-ea"/>
+                <a:cs typeface="+mn-cs"/>
+              </a:defRPr>
+            </a:lvl4pPr>
+            <a:lvl5pPr marL="1828800" algn="l" defTabSz="914400" rtl="0" eaLnBrk="1" latinLnBrk="0" hangingPunct="1">
+              <a:defRPr sz="1800" kern="1200">
+                <a:solidFill>
+                  <a:schemeClr val="lt1"/>
+                </a:solidFill>
+                <a:latin typeface="+mn-lt"/>
+                <a:ea typeface="+mn-ea"/>
+                <a:cs typeface="+mn-cs"/>
+              </a:defRPr>
+            </a:lvl5pPr>
+            <a:lvl6pPr marL="2286000" algn="l" defTabSz="914400" rtl="0" eaLnBrk="1" latinLnBrk="0" hangingPunct="1">
+              <a:defRPr sz="1800" kern="1200">
+                <a:solidFill>
+                  <a:schemeClr val="lt1"/>
+                </a:solidFill>
+                <a:latin typeface="+mn-lt"/>
+                <a:ea typeface="+mn-ea"/>
+                <a:cs typeface="+mn-cs"/>
+              </a:defRPr>
+            </a:lvl6pPr>
+            <a:lvl7pPr marL="2743200" algn="l" defTabSz="914400" rtl="0" eaLnBrk="1" latinLnBrk="0" hangingPunct="1">
+              <a:defRPr sz="1800" kern="1200">
+                <a:solidFill>
+                  <a:schemeClr val="lt1"/>
+                </a:solidFill>
+                <a:latin typeface="+mn-lt"/>
+                <a:ea typeface="+mn-ea"/>
+                <a:cs typeface="+mn-cs"/>
+              </a:defRPr>
+            </a:lvl7pPr>
+            <a:lvl8pPr marL="3200400" algn="l" defTabSz="914400" rtl="0" eaLnBrk="1" latinLnBrk="0" hangingPunct="1">
+              <a:defRPr sz="1800" kern="1200">
+                <a:solidFill>
+                  <a:schemeClr val="lt1"/>
+                </a:solidFill>
+                <a:latin typeface="+mn-lt"/>
+                <a:ea typeface="+mn-ea"/>
+                <a:cs typeface="+mn-cs"/>
+              </a:defRPr>
+            </a:lvl8pPr>
+            <a:lvl9pPr marL="3657600" algn="l" defTabSz="914400" rtl="0" eaLnBrk="1" latinLnBrk="0" hangingPunct="1">
+              <a:defRPr sz="1800" kern="1200">
+                <a:solidFill>
+                  <a:schemeClr val="lt1"/>
+                </a:solidFill>
+                <a:latin typeface="+mn-lt"/>
+                <a:ea typeface="+mn-ea"/>
+                <a:cs typeface="+mn-cs"/>
+              </a:defRPr>
+            </a:lvl9pPr>
+          </a:lstStyle>
+          <a:p>
+            <a:pPr algn="ctr"/>
+            <a:r>
+              <a:rPr lang="el-GR" altLang="zh-CN" dirty="0"/>
+              <a:t>β</a:t>
+            </a:r>
+            <a:endParaRPr lang="zh-CN" altLang="en-US" dirty="0"/>
+          </a:p>
+        </p:txBody>
+      </p:sp>
+      <p:sp>
+        <p:nvSpPr>
+          <p:cNvPr id="19" name="矩形: 圆角 18"/>
+          <p:cNvSpPr/>
+          <p:nvPr/>
+        </p:nvSpPr>
+        <p:spPr>
+          <a:xfrm>
+            <a:off x="6084477" y="3053916"/>
+            <a:ext cx="577049" cy="292963"/>
+          </a:xfrm>
+          <a:prstGeom prst="roundRect">
+            <a:avLst/>
+          </a:prstGeom>
+        </p:spPr>
+        <p:style>
+          <a:lnRef idx="2">
+            <a:schemeClr val="accent1">
+              <a:shade val="50000"/>
+            </a:schemeClr>
+          </a:lnRef>
+          <a:fillRef idx="1">
+            <a:schemeClr val="accent1"/>
+          </a:fillRef>
+          <a:effectRef idx="0">
+            <a:schemeClr val="accent1"/>
+          </a:effectRef>
+          <a:fontRef idx="minor">
+            <a:schemeClr val="lt1"/>
+          </a:fontRef>
+        </p:style>
+        <p:txBody>
+          <a:bodyPr rot="0" spcFirstLastPara="0" vert="horz" wrap="square" lIns="91440" tIns="45720" rIns="91440" bIns="45720" numCol="1" spcCol="0" rtlCol="0" fromWordArt="0" anchor="ctr" anchorCtr="0" forceAA="0" compatLnSpc="1">
+            <a:prstTxWarp prst="textNoShape">
+              <a:avLst/>
+            </a:prstTxWarp>
+            <a:noAutofit/>
+          </a:bodyPr>
+          <a:lstStyle>
+            <a:defPPr>
+              <a:defRPr lang="zh-CN"/>
+            </a:defPPr>
+            <a:lvl1pPr marL="0" algn="l" defTabSz="914400" rtl="0" eaLnBrk="1" latinLnBrk="0" hangingPunct="1">
+              <a:defRPr sz="1800" kern="1200">
+                <a:solidFill>
+                  <a:schemeClr val="lt1"/>
+                </a:solidFill>
+                <a:latin typeface="+mn-lt"/>
+                <a:ea typeface="+mn-ea"/>
+                <a:cs typeface="+mn-cs"/>
+              </a:defRPr>
+            </a:lvl1pPr>
+            <a:lvl2pPr marL="457200" algn="l" defTabSz="914400" rtl="0" eaLnBrk="1" latinLnBrk="0" hangingPunct="1">
+              <a:defRPr sz="1800" kern="1200">
+                <a:solidFill>
+                  <a:schemeClr val="lt1"/>
+                </a:solidFill>
+                <a:latin typeface="+mn-lt"/>
+                <a:ea typeface="+mn-ea"/>
+                <a:cs typeface="+mn-cs"/>
+              </a:defRPr>
+            </a:lvl2pPr>
+            <a:lvl3pPr marL="914400" algn="l" defTabSz="914400" rtl="0" eaLnBrk="1" latinLnBrk="0" hangingPunct="1">
+              <a:defRPr sz="1800" kern="1200">
+                <a:solidFill>
+                  <a:schemeClr val="lt1"/>
+                </a:solidFill>
+                <a:latin typeface="+mn-lt"/>
+                <a:ea typeface="+mn-ea"/>
+                <a:cs typeface="+mn-cs"/>
+              </a:defRPr>
+            </a:lvl3pPr>
+            <a:lvl4pPr marL="1371600" algn="l" defTabSz="914400" rtl="0" eaLnBrk="1" latinLnBrk="0" hangingPunct="1">
+              <a:defRPr sz="1800" kern="1200">
+                <a:solidFill>
+                  <a:schemeClr val="lt1"/>
+                </a:solidFill>
+                <a:latin typeface="+mn-lt"/>
+                <a:ea typeface="+mn-ea"/>
+                <a:cs typeface="+mn-cs"/>
+              </a:defRPr>
+            </a:lvl4pPr>
+            <a:lvl5pPr marL="1828800" algn="l" defTabSz="914400" rtl="0" eaLnBrk="1" latinLnBrk="0" hangingPunct="1">
+              <a:defRPr sz="1800" kern="1200">
+                <a:solidFill>
+                  <a:schemeClr val="lt1"/>
+                </a:solidFill>
+                <a:latin typeface="+mn-lt"/>
+                <a:ea typeface="+mn-ea"/>
+                <a:cs typeface="+mn-cs"/>
+              </a:defRPr>
+            </a:lvl5pPr>
+            <a:lvl6pPr marL="2286000" algn="l" defTabSz="914400" rtl="0" eaLnBrk="1" latinLnBrk="0" hangingPunct="1">
+              <a:defRPr sz="1800" kern="1200">
+                <a:solidFill>
+                  <a:schemeClr val="lt1"/>
+                </a:solidFill>
+                <a:latin typeface="+mn-lt"/>
+                <a:ea typeface="+mn-ea"/>
+                <a:cs typeface="+mn-cs"/>
+              </a:defRPr>
+            </a:lvl6pPr>
+            <a:lvl7pPr marL="2743200" algn="l" defTabSz="914400" rtl="0" eaLnBrk="1" latinLnBrk="0" hangingPunct="1">
+              <a:defRPr sz="1800" kern="1200">
+                <a:solidFill>
+                  <a:schemeClr val="lt1"/>
+                </a:solidFill>
+                <a:latin typeface="+mn-lt"/>
+                <a:ea typeface="+mn-ea"/>
+                <a:cs typeface="+mn-cs"/>
+              </a:defRPr>
+            </a:lvl7pPr>
+            <a:lvl8pPr marL="3200400" algn="l" defTabSz="914400" rtl="0" eaLnBrk="1" latinLnBrk="0" hangingPunct="1">
+              <a:defRPr sz="1800" kern="1200">
+                <a:solidFill>
+                  <a:schemeClr val="lt1"/>
+                </a:solidFill>
+                <a:latin typeface="+mn-lt"/>
+                <a:ea typeface="+mn-ea"/>
+                <a:cs typeface="+mn-cs"/>
+              </a:defRPr>
+            </a:lvl8pPr>
+            <a:lvl9pPr marL="3657600" algn="l" defTabSz="914400" rtl="0" eaLnBrk="1" latinLnBrk="0" hangingPunct="1">
+              <a:defRPr sz="1800" kern="1200">
+                <a:solidFill>
+                  <a:schemeClr val="lt1"/>
+                </a:solidFill>
+                <a:latin typeface="+mn-lt"/>
+                <a:ea typeface="+mn-ea"/>
+                <a:cs typeface="+mn-cs"/>
+              </a:defRPr>
+            </a:lvl9pPr>
+          </a:lstStyle>
+          <a:p>
+            <a:pPr algn="ctr"/>
+            <a:r>
+              <a:rPr lang="en-US" altLang="zh-CN" dirty="0"/>
+              <a:t>α</a:t>
+            </a:r>
+            <a:endParaRPr lang="zh-CN" altLang="en-US" dirty="0"/>
+          </a:p>
+        </p:txBody>
+      </p:sp>
+      <p:sp>
+        <p:nvSpPr>
+          <p:cNvPr id="20" name="矩形: 圆角 19"/>
+          <p:cNvSpPr/>
+          <p:nvPr/>
+        </p:nvSpPr>
+        <p:spPr>
+          <a:xfrm>
+            <a:off x="6082840" y="3546626"/>
+            <a:ext cx="577049" cy="292963"/>
+          </a:xfrm>
+          <a:prstGeom prst="roundRect">
+            <a:avLst/>
+          </a:prstGeom>
+        </p:spPr>
+        <p:style>
+          <a:lnRef idx="2">
+            <a:schemeClr val="accent1">
+              <a:shade val="50000"/>
+            </a:schemeClr>
+          </a:lnRef>
+          <a:fillRef idx="1">
+            <a:schemeClr val="accent1"/>
+          </a:fillRef>
+          <a:effectRef idx="0">
+            <a:schemeClr val="accent1"/>
+          </a:effectRef>
+          <a:fontRef idx="minor">
+            <a:schemeClr val="lt1"/>
+          </a:fontRef>
+        </p:style>
+        <p:txBody>
+          <a:bodyPr rot="0" spcFirstLastPara="0" vert="horz" wrap="square" lIns="91440" tIns="45720" rIns="91440" bIns="45720" numCol="1" spcCol="0" rtlCol="0" fromWordArt="0" anchor="ctr" anchorCtr="0" forceAA="0" compatLnSpc="1">
+            <a:prstTxWarp prst="textNoShape">
+              <a:avLst/>
+            </a:prstTxWarp>
+            <a:noAutofit/>
+          </a:bodyPr>
+          <a:lstStyle>
+            <a:defPPr>
+              <a:defRPr lang="zh-CN"/>
+            </a:defPPr>
+            <a:lvl1pPr marL="0" algn="l" defTabSz="914400" rtl="0" eaLnBrk="1" latinLnBrk="0" hangingPunct="1">
+              <a:defRPr sz="1800" kern="1200">
+                <a:solidFill>
+                  <a:schemeClr val="lt1"/>
+                </a:solidFill>
+                <a:latin typeface="+mn-lt"/>
+                <a:ea typeface="+mn-ea"/>
+                <a:cs typeface="+mn-cs"/>
+              </a:defRPr>
+            </a:lvl1pPr>
+            <a:lvl2pPr marL="457200" algn="l" defTabSz="914400" rtl="0" eaLnBrk="1" latinLnBrk="0" hangingPunct="1">
+              <a:defRPr sz="1800" kern="1200">
+                <a:solidFill>
+                  <a:schemeClr val="lt1"/>
+                </a:solidFill>
+                <a:latin typeface="+mn-lt"/>
+                <a:ea typeface="+mn-ea"/>
+                <a:cs typeface="+mn-cs"/>
+              </a:defRPr>
+            </a:lvl2pPr>
+            <a:lvl3pPr marL="914400" algn="l" defTabSz="914400" rtl="0" eaLnBrk="1" latinLnBrk="0" hangingPunct="1">
+              <a:defRPr sz="1800" kern="1200">
+                <a:solidFill>
+                  <a:schemeClr val="lt1"/>
+                </a:solidFill>
+                <a:latin typeface="+mn-lt"/>
+                <a:ea typeface="+mn-ea"/>
+                <a:cs typeface="+mn-cs"/>
+              </a:defRPr>
+            </a:lvl3pPr>
+            <a:lvl4pPr marL="1371600" algn="l" defTabSz="914400" rtl="0" eaLnBrk="1" latinLnBrk="0" hangingPunct="1">
+              <a:defRPr sz="1800" kern="1200">
+                <a:solidFill>
+                  <a:schemeClr val="lt1"/>
+                </a:solidFill>
+                <a:latin typeface="+mn-lt"/>
+                <a:ea typeface="+mn-ea"/>
+                <a:cs typeface="+mn-cs"/>
+              </a:defRPr>
+            </a:lvl4pPr>
+            <a:lvl5pPr marL="1828800" algn="l" defTabSz="914400" rtl="0" eaLnBrk="1" latinLnBrk="0" hangingPunct="1">
+              <a:defRPr sz="1800" kern="1200">
+                <a:solidFill>
+                  <a:schemeClr val="lt1"/>
+                </a:solidFill>
+                <a:latin typeface="+mn-lt"/>
+                <a:ea typeface="+mn-ea"/>
+                <a:cs typeface="+mn-cs"/>
+              </a:defRPr>
+            </a:lvl5pPr>
+            <a:lvl6pPr marL="2286000" algn="l" defTabSz="914400" rtl="0" eaLnBrk="1" latinLnBrk="0" hangingPunct="1">
+              <a:defRPr sz="1800" kern="1200">
+                <a:solidFill>
+                  <a:schemeClr val="lt1"/>
+                </a:solidFill>
+                <a:latin typeface="+mn-lt"/>
+                <a:ea typeface="+mn-ea"/>
+                <a:cs typeface="+mn-cs"/>
+              </a:defRPr>
+            </a:lvl6pPr>
+            <a:lvl7pPr marL="2743200" algn="l" defTabSz="914400" rtl="0" eaLnBrk="1" latinLnBrk="0" hangingPunct="1">
+              <a:defRPr sz="1800" kern="1200">
+                <a:solidFill>
+                  <a:schemeClr val="lt1"/>
+                </a:solidFill>
+                <a:latin typeface="+mn-lt"/>
+                <a:ea typeface="+mn-ea"/>
+                <a:cs typeface="+mn-cs"/>
+              </a:defRPr>
+            </a:lvl7pPr>
+            <a:lvl8pPr marL="3200400" algn="l" defTabSz="914400" rtl="0" eaLnBrk="1" latinLnBrk="0" hangingPunct="1">
+              <a:defRPr sz="1800" kern="1200">
+                <a:solidFill>
+                  <a:schemeClr val="lt1"/>
+                </a:solidFill>
+                <a:latin typeface="+mn-lt"/>
+                <a:ea typeface="+mn-ea"/>
+                <a:cs typeface="+mn-cs"/>
+              </a:defRPr>
+            </a:lvl8pPr>
+            <a:lvl9pPr marL="3657600" algn="l" defTabSz="914400" rtl="0" eaLnBrk="1" latinLnBrk="0" hangingPunct="1">
+              <a:defRPr sz="1800" kern="1200">
+                <a:solidFill>
+                  <a:schemeClr val="lt1"/>
+                </a:solidFill>
+                <a:latin typeface="+mn-lt"/>
+                <a:ea typeface="+mn-ea"/>
+                <a:cs typeface="+mn-cs"/>
+              </a:defRPr>
+            </a:lvl9pPr>
+          </a:lstStyle>
+          <a:p>
+            <a:pPr algn="ctr"/>
+            <a:r>
+              <a:rPr lang="en-US" altLang="zh-CN" dirty="0"/>
+              <a:t>θ</a:t>
+            </a:r>
+            <a:endParaRPr lang="zh-CN" altLang="en-US" dirty="0"/>
+          </a:p>
+        </p:txBody>
+      </p:sp>
+      <p:sp>
+        <p:nvSpPr>
+          <p:cNvPr id="21" name="矩形: 圆角 20"/>
+          <p:cNvSpPr/>
+          <p:nvPr/>
+        </p:nvSpPr>
+        <p:spPr>
+          <a:xfrm>
+            <a:off x="6081203" y="4039336"/>
+            <a:ext cx="577049" cy="292963"/>
+          </a:xfrm>
+          <a:prstGeom prst="roundRect">
+            <a:avLst/>
+          </a:prstGeom>
+        </p:spPr>
+        <p:style>
+          <a:lnRef idx="2">
+            <a:schemeClr val="accent1">
+              <a:shade val="50000"/>
+            </a:schemeClr>
+          </a:lnRef>
+          <a:fillRef idx="1">
+            <a:schemeClr val="accent1"/>
+          </a:fillRef>
+          <a:effectRef idx="0">
+            <a:schemeClr val="accent1"/>
+          </a:effectRef>
+          <a:fontRef idx="minor">
+            <a:schemeClr val="lt1"/>
+          </a:fontRef>
+        </p:style>
+        <p:txBody>
+          <a:bodyPr rot="0" spcFirstLastPara="0" vert="horz" wrap="square" lIns="91440" tIns="45720" rIns="91440" bIns="45720" numCol="1" spcCol="0" rtlCol="0" fromWordArt="0" anchor="ctr" anchorCtr="0" forceAA="0" compatLnSpc="1">
+            <a:prstTxWarp prst="textNoShape">
+              <a:avLst/>
+            </a:prstTxWarp>
+            <a:noAutofit/>
+          </a:bodyPr>
+          <a:lstStyle>
+            <a:defPPr>
+              <a:defRPr lang="zh-CN"/>
+            </a:defPPr>
+            <a:lvl1pPr marL="0" algn="l" defTabSz="914400" rtl="0" eaLnBrk="1" latinLnBrk="0" hangingPunct="1">
+              <a:defRPr sz="1800" kern="1200">
+                <a:solidFill>
+                  <a:schemeClr val="lt1"/>
+                </a:solidFill>
+                <a:latin typeface="+mn-lt"/>
+                <a:ea typeface="+mn-ea"/>
+                <a:cs typeface="+mn-cs"/>
+              </a:defRPr>
+            </a:lvl1pPr>
+            <a:lvl2pPr marL="457200" algn="l" defTabSz="914400" rtl="0" eaLnBrk="1" latinLnBrk="0" hangingPunct="1">
+              <a:defRPr sz="1800" kern="1200">
+                <a:solidFill>
+                  <a:schemeClr val="lt1"/>
+                </a:solidFill>
+                <a:latin typeface="+mn-lt"/>
+                <a:ea typeface="+mn-ea"/>
+                <a:cs typeface="+mn-cs"/>
+              </a:defRPr>
+            </a:lvl2pPr>
+            <a:lvl3pPr marL="914400" algn="l" defTabSz="914400" rtl="0" eaLnBrk="1" latinLnBrk="0" hangingPunct="1">
+              <a:defRPr sz="1800" kern="1200">
+                <a:solidFill>
+                  <a:schemeClr val="lt1"/>
+                </a:solidFill>
+                <a:latin typeface="+mn-lt"/>
+                <a:ea typeface="+mn-ea"/>
+                <a:cs typeface="+mn-cs"/>
+              </a:defRPr>
+            </a:lvl3pPr>
+            <a:lvl4pPr marL="1371600" algn="l" defTabSz="914400" rtl="0" eaLnBrk="1" latinLnBrk="0" hangingPunct="1">
+              <a:defRPr sz="1800" kern="1200">
+                <a:solidFill>
+                  <a:schemeClr val="lt1"/>
+                </a:solidFill>
+                <a:latin typeface="+mn-lt"/>
+                <a:ea typeface="+mn-ea"/>
+                <a:cs typeface="+mn-cs"/>
+              </a:defRPr>
+            </a:lvl4pPr>
+            <a:lvl5pPr marL="1828800" algn="l" defTabSz="914400" rtl="0" eaLnBrk="1" latinLnBrk="0" hangingPunct="1">
+              <a:defRPr sz="1800" kern="1200">
+                <a:solidFill>
+                  <a:schemeClr val="lt1"/>
+                </a:solidFill>
+                <a:latin typeface="+mn-lt"/>
+                <a:ea typeface="+mn-ea"/>
+                <a:cs typeface="+mn-cs"/>
+              </a:defRPr>
+            </a:lvl5pPr>
+            <a:lvl6pPr marL="2286000" algn="l" defTabSz="914400" rtl="0" eaLnBrk="1" latinLnBrk="0" hangingPunct="1">
+              <a:defRPr sz="1800" kern="1200">
+                <a:solidFill>
+                  <a:schemeClr val="lt1"/>
+                </a:solidFill>
+                <a:latin typeface="+mn-lt"/>
+                <a:ea typeface="+mn-ea"/>
+                <a:cs typeface="+mn-cs"/>
+              </a:defRPr>
+            </a:lvl6pPr>
+            <a:lvl7pPr marL="2743200" algn="l" defTabSz="914400" rtl="0" eaLnBrk="1" latinLnBrk="0" hangingPunct="1">
+              <a:defRPr sz="1800" kern="1200">
+                <a:solidFill>
+                  <a:schemeClr val="lt1"/>
+                </a:solidFill>
+                <a:latin typeface="+mn-lt"/>
+                <a:ea typeface="+mn-ea"/>
+                <a:cs typeface="+mn-cs"/>
+              </a:defRPr>
+            </a:lvl7pPr>
+            <a:lvl8pPr marL="3200400" algn="l" defTabSz="914400" rtl="0" eaLnBrk="1" latinLnBrk="0" hangingPunct="1">
+              <a:defRPr sz="1800" kern="1200">
+                <a:solidFill>
+                  <a:schemeClr val="lt1"/>
+                </a:solidFill>
+                <a:latin typeface="+mn-lt"/>
+                <a:ea typeface="+mn-ea"/>
+                <a:cs typeface="+mn-cs"/>
+              </a:defRPr>
+            </a:lvl8pPr>
+            <a:lvl9pPr marL="3657600" algn="l" defTabSz="914400" rtl="0" eaLnBrk="1" latinLnBrk="0" hangingPunct="1">
+              <a:defRPr sz="1800" kern="1200">
+                <a:solidFill>
+                  <a:schemeClr val="lt1"/>
+                </a:solidFill>
+                <a:latin typeface="+mn-lt"/>
+                <a:ea typeface="+mn-ea"/>
+                <a:cs typeface="+mn-cs"/>
+              </a:defRPr>
+            </a:lvl9pPr>
+          </a:lstStyle>
+          <a:p>
+            <a:pPr algn="ctr"/>
+            <a:r>
+              <a:rPr lang="en-US" altLang="zh-CN" dirty="0"/>
+              <a:t>δ</a:t>
+            </a:r>
+            <a:endParaRPr lang="zh-CN" altLang="en-US" dirty="0"/>
+          </a:p>
+        </p:txBody>
+      </p:sp>
+      <p:sp>
+        <p:nvSpPr>
+          <p:cNvPr id="22" name="矩形: 圆角 21"/>
+          <p:cNvSpPr/>
+          <p:nvPr/>
+        </p:nvSpPr>
+        <p:spPr>
+          <a:xfrm>
+            <a:off x="4821976" y="2614473"/>
+            <a:ext cx="745724" cy="692457"/>
+          </a:xfrm>
+          <a:prstGeom prst="roundRect">
+            <a:avLst/>
+          </a:prstGeom>
+        </p:spPr>
+        <p:style>
+          <a:lnRef idx="2">
+            <a:schemeClr val="accent1">
+              <a:shade val="50000"/>
+            </a:schemeClr>
+          </a:lnRef>
+          <a:fillRef idx="1">
+            <a:schemeClr val="accent1"/>
+          </a:fillRef>
+          <a:effectRef idx="0">
+            <a:schemeClr val="accent1"/>
+          </a:effectRef>
+          <a:fontRef idx="minor">
+            <a:schemeClr val="lt1"/>
+          </a:fontRef>
+        </p:style>
+        <p:txBody>
+          <a:bodyPr rtlCol="0" anchor="ctr"/>
+          <a:lstStyle/>
+          <a:p>
+            <a:pPr algn="ctr"/>
+            <a:r>
+              <a:rPr lang="zh-CN" altLang="en-US" b="1" dirty="0"/>
+              <a:t>小波变化</a:t>
+            </a:r>
+          </a:p>
+        </p:txBody>
+      </p:sp>
+      <p:cxnSp>
+        <p:nvCxnSpPr>
+          <p:cNvPr id="24" name="直接连接符 23"/>
+          <p:cNvCxnSpPr/>
+          <p:nvPr/>
+        </p:nvCxnSpPr>
+        <p:spPr>
+          <a:xfrm>
+            <a:off x="5567700" y="2960701"/>
+            <a:ext cx="244371" cy="0"/>
+          </a:xfrm>
+          <a:prstGeom prst="line">
+            <a:avLst/>
+          </a:prstGeom>
+        </p:spPr>
+        <p:style>
+          <a:lnRef idx="3">
+            <a:schemeClr val="dk1"/>
+          </a:lnRef>
+          <a:fillRef idx="0">
+            <a:schemeClr val="dk1"/>
+          </a:fillRef>
+          <a:effectRef idx="2">
+            <a:schemeClr val="dk1"/>
+          </a:effectRef>
+          <a:fontRef idx="minor">
+            <a:schemeClr val="tx1"/>
+          </a:fontRef>
+        </p:style>
+      </p:cxnSp>
+      <p:cxnSp>
+        <p:nvCxnSpPr>
+          <p:cNvPr id="28" name="直接箭头连接符 27"/>
+          <p:cNvCxnSpPr/>
+          <p:nvPr/>
+        </p:nvCxnSpPr>
+        <p:spPr>
+          <a:xfrm>
+            <a:off x="4624646" y="1722267"/>
+            <a:ext cx="1456557" cy="0"/>
+          </a:xfrm>
+          <a:prstGeom prst="straightConnector1">
+            <a:avLst/>
+          </a:prstGeom>
+          <a:ln>
+            <a:tailEnd type="triangle"/>
+          </a:ln>
+        </p:spPr>
+        <p:style>
+          <a:lnRef idx="3">
+            <a:schemeClr val="dk1"/>
+          </a:lnRef>
+          <a:fillRef idx="0">
+            <a:schemeClr val="dk1"/>
+          </a:fillRef>
+          <a:effectRef idx="2">
+            <a:schemeClr val="dk1"/>
+          </a:effectRef>
+          <a:fontRef idx="minor">
+            <a:schemeClr val="tx1"/>
+          </a:fontRef>
+        </p:style>
+      </p:cxnSp>
+      <p:cxnSp>
+        <p:nvCxnSpPr>
+          <p:cNvPr id="29" name="直接箭头连接符 28"/>
+          <p:cNvCxnSpPr/>
+          <p:nvPr/>
+        </p:nvCxnSpPr>
+        <p:spPr>
+          <a:xfrm>
+            <a:off x="5829904" y="2214977"/>
+            <a:ext cx="269132" cy="0"/>
+          </a:xfrm>
+          <a:prstGeom prst="straightConnector1">
+            <a:avLst/>
+          </a:prstGeom>
+          <a:ln>
+            <a:tailEnd type="triangle"/>
+          </a:ln>
+        </p:spPr>
+        <p:style>
+          <a:lnRef idx="3">
+            <a:schemeClr val="dk1"/>
+          </a:lnRef>
+          <a:fillRef idx="0">
+            <a:schemeClr val="dk1"/>
+          </a:fillRef>
+          <a:effectRef idx="2">
+            <a:schemeClr val="dk1"/>
+          </a:effectRef>
+          <a:fontRef idx="minor">
+            <a:schemeClr val="tx1"/>
+          </a:fontRef>
+        </p:style>
+      </p:cxnSp>
+      <p:cxnSp>
+        <p:nvCxnSpPr>
+          <p:cNvPr id="30" name="直接箭头连接符 29"/>
+          <p:cNvCxnSpPr/>
+          <p:nvPr/>
+        </p:nvCxnSpPr>
+        <p:spPr>
+          <a:xfrm>
+            <a:off x="5812071" y="2707687"/>
+            <a:ext cx="269132" cy="0"/>
+          </a:xfrm>
+          <a:prstGeom prst="straightConnector1">
+            <a:avLst/>
+          </a:prstGeom>
+          <a:ln>
+            <a:tailEnd type="triangle"/>
+          </a:ln>
+        </p:spPr>
+        <p:style>
+          <a:lnRef idx="3">
+            <a:schemeClr val="dk1"/>
+          </a:lnRef>
+          <a:fillRef idx="0">
+            <a:schemeClr val="dk1"/>
+          </a:fillRef>
+          <a:effectRef idx="2">
+            <a:schemeClr val="dk1"/>
+          </a:effectRef>
+          <a:fontRef idx="minor">
+            <a:schemeClr val="tx1"/>
+          </a:fontRef>
+        </p:style>
+      </p:cxnSp>
+      <p:cxnSp>
+        <p:nvCxnSpPr>
+          <p:cNvPr id="31" name="直接箭头连接符 30"/>
+          <p:cNvCxnSpPr/>
+          <p:nvPr/>
+        </p:nvCxnSpPr>
+        <p:spPr>
+          <a:xfrm>
+            <a:off x="5829904" y="3211493"/>
+            <a:ext cx="269132" cy="0"/>
+          </a:xfrm>
+          <a:prstGeom prst="straightConnector1">
+            <a:avLst/>
+          </a:prstGeom>
+          <a:ln>
+            <a:tailEnd type="triangle"/>
+          </a:ln>
+        </p:spPr>
+        <p:style>
+          <a:lnRef idx="3">
+            <a:schemeClr val="dk1"/>
+          </a:lnRef>
+          <a:fillRef idx="0">
+            <a:schemeClr val="dk1"/>
+          </a:fillRef>
+          <a:effectRef idx="2">
+            <a:schemeClr val="dk1"/>
+          </a:effectRef>
+          <a:fontRef idx="minor">
+            <a:schemeClr val="tx1"/>
+          </a:fontRef>
+        </p:style>
+      </p:cxnSp>
+      <p:cxnSp>
+        <p:nvCxnSpPr>
+          <p:cNvPr id="32" name="直接箭头连接符 31"/>
+          <p:cNvCxnSpPr/>
+          <p:nvPr/>
+        </p:nvCxnSpPr>
+        <p:spPr>
+          <a:xfrm>
+            <a:off x="5829904" y="3693107"/>
+            <a:ext cx="269132" cy="0"/>
+          </a:xfrm>
+          <a:prstGeom prst="straightConnector1">
+            <a:avLst/>
+          </a:prstGeom>
+          <a:ln>
+            <a:tailEnd type="triangle"/>
+          </a:ln>
+        </p:spPr>
+        <p:style>
+          <a:lnRef idx="3">
+            <a:schemeClr val="dk1"/>
+          </a:lnRef>
+          <a:fillRef idx="0">
+            <a:schemeClr val="dk1"/>
+          </a:fillRef>
+          <a:effectRef idx="2">
+            <a:schemeClr val="dk1"/>
+          </a:effectRef>
+          <a:fontRef idx="minor">
+            <a:schemeClr val="tx1"/>
+          </a:fontRef>
+        </p:style>
+      </p:cxnSp>
+      <p:cxnSp>
+        <p:nvCxnSpPr>
+          <p:cNvPr id="33" name="直接箭头连接符 32"/>
+          <p:cNvCxnSpPr/>
+          <p:nvPr/>
+        </p:nvCxnSpPr>
+        <p:spPr>
+          <a:xfrm>
+            <a:off x="5812071" y="4185817"/>
+            <a:ext cx="269132" cy="0"/>
+          </a:xfrm>
+          <a:prstGeom prst="straightConnector1">
+            <a:avLst/>
+          </a:prstGeom>
+          <a:ln>
+            <a:tailEnd type="triangle"/>
+          </a:ln>
+        </p:spPr>
+        <p:style>
+          <a:lnRef idx="3">
+            <a:schemeClr val="dk1"/>
+          </a:lnRef>
+          <a:fillRef idx="0">
+            <a:schemeClr val="dk1"/>
+          </a:fillRef>
+          <a:effectRef idx="2">
+            <a:schemeClr val="dk1"/>
+          </a:effectRef>
+          <a:fontRef idx="minor">
+            <a:schemeClr val="tx1"/>
+          </a:fontRef>
+        </p:style>
+      </p:cxnSp>
+      <p:cxnSp>
+        <p:nvCxnSpPr>
+          <p:cNvPr id="35" name="直接箭头连接符 34"/>
+          <p:cNvCxnSpPr/>
+          <p:nvPr/>
+        </p:nvCxnSpPr>
+        <p:spPr>
+          <a:xfrm>
+            <a:off x="6658252" y="2214977"/>
+            <a:ext cx="381740" cy="0"/>
+          </a:xfrm>
+          <a:prstGeom prst="straightConnector1">
+            <a:avLst/>
+          </a:prstGeom>
+          <a:ln>
+            <a:tailEnd type="triangle"/>
+          </a:ln>
+        </p:spPr>
+        <p:style>
+          <a:lnRef idx="3">
+            <a:schemeClr val="dk1"/>
+          </a:lnRef>
+          <a:fillRef idx="0">
+            <a:schemeClr val="dk1"/>
+          </a:fillRef>
+          <a:effectRef idx="2">
+            <a:schemeClr val="dk1"/>
+          </a:effectRef>
+          <a:fontRef idx="minor">
+            <a:schemeClr val="tx1"/>
+          </a:fontRef>
+        </p:style>
+      </p:cxnSp>
+      <p:sp>
+        <p:nvSpPr>
+          <p:cNvPr id="37" name="矩形: 圆角 36"/>
+          <p:cNvSpPr/>
+          <p:nvPr/>
+        </p:nvSpPr>
+        <p:spPr>
+          <a:xfrm>
+            <a:off x="7017329" y="1722268"/>
+            <a:ext cx="1664449" cy="1824358"/>
+          </a:xfrm>
+          <a:prstGeom prst="roundRect">
+            <a:avLst/>
+          </a:prstGeom>
+        </p:spPr>
+        <p:style>
+          <a:lnRef idx="2">
+            <a:schemeClr val="accent1">
+              <a:shade val="50000"/>
+            </a:schemeClr>
+          </a:lnRef>
+          <a:fillRef idx="1">
+            <a:schemeClr val="accent1"/>
+          </a:fillRef>
+          <a:effectRef idx="0">
+            <a:schemeClr val="accent1"/>
+          </a:effectRef>
+          <a:fontRef idx="minor">
+            <a:schemeClr val="lt1"/>
+          </a:fontRef>
+        </p:style>
+        <p:txBody>
+          <a:bodyPr rtlCol="0" anchor="ctr"/>
+          <a:lstStyle/>
+          <a:p>
+            <a:pPr algn="ctr"/>
+            <a:r>
+              <a:rPr lang="en-US" altLang="zh-CN" dirty="0"/>
+              <a:t>dfa,pfd,</a:t>
+            </a:r>
+          </a:p>
+          <a:p>
+            <a:pPr algn="ctr"/>
+            <a:r>
+              <a:rPr lang="en-US" altLang="zh-CN" dirty="0"/>
+              <a:t>fisher_info,</a:t>
+            </a:r>
+          </a:p>
+          <a:p>
+            <a:pPr algn="ctr"/>
+            <a:r>
+              <a:rPr lang="en-US" altLang="zh-CN" dirty="0"/>
+              <a:t>hjorth,</a:t>
+            </a:r>
+          </a:p>
+          <a:p>
+            <a:pPr algn="ctr"/>
+            <a:r>
+              <a:rPr lang="en-US" altLang="zh-CN" dirty="0"/>
+              <a:t>spec_entropy,</a:t>
+            </a:r>
+          </a:p>
+          <a:p>
+            <a:pPr algn="ctr"/>
+            <a:r>
+              <a:rPr lang="en-US" altLang="zh-CN" dirty="0"/>
+              <a:t>svd_entropy,</a:t>
+            </a:r>
+          </a:p>
+          <a:p>
+            <a:pPr algn="ctr"/>
+            <a:r>
+              <a:rPr lang="en-US" altLang="zh-CN" dirty="0"/>
+              <a:t>ap_entropy</a:t>
+            </a:r>
+            <a:endParaRPr lang="en-US" altLang="zh-CN" dirty="0"/>
+          </a:p>
+          <a:p>
+            <a:pPr algn="ctr"/>
+            <a:r>
+              <a:rPr lang="en-US" altLang="zh-CN" dirty="0"/>
+              <a:t>…</a:t>
+            </a:r>
+            <a:endParaRPr lang="zh-CN" altLang="en-US" dirty="0"/>
+          </a:p>
+        </p:txBody>
+      </p:sp>
+      <p:sp>
+        <p:nvSpPr>
+          <p:cNvPr id="38" name="文本框 37"/>
+          <p:cNvSpPr txBox="1"/>
+          <p:nvPr/>
+        </p:nvSpPr>
+        <p:spPr>
+          <a:xfrm>
+            <a:off x="4616351" y="4812553"/>
+            <a:ext cx="1118587" cy="369332"/>
+          </a:xfrm>
+          <a:prstGeom prst="rect">
+            <a:avLst/>
+          </a:prstGeom>
+          <a:noFill/>
+        </p:spPr>
+        <p:txBody>
+          <a:bodyPr wrap="square" rtlCol="0">
+            <a:spAutoFit/>
+          </a:bodyPr>
+          <a:lstStyle/>
+          <a:p>
+            <a:r>
+              <a:rPr lang="zh-CN" altLang="en-US" b="1" dirty="0"/>
+              <a:t>特征提取</a:t>
+            </a:r>
+          </a:p>
+        </p:txBody>
+      </p:sp>
+      <p:cxnSp>
+        <p:nvCxnSpPr>
+          <p:cNvPr id="41" name="直接连接符 40"/>
+          <p:cNvCxnSpPr/>
+          <p:nvPr/>
+        </p:nvCxnSpPr>
+        <p:spPr>
+          <a:xfrm flipH="1">
+            <a:off x="4616351" y="1722267"/>
+            <a:ext cx="8295" cy="1238434"/>
+          </a:xfrm>
+          <a:prstGeom prst="line">
+            <a:avLst/>
+          </a:prstGeom>
+        </p:spPr>
+        <p:style>
+          <a:lnRef idx="3">
+            <a:schemeClr val="dk1"/>
+          </a:lnRef>
+          <a:fillRef idx="0">
+            <a:schemeClr val="dk1"/>
+          </a:fillRef>
+          <a:effectRef idx="2">
+            <a:schemeClr val="dk1"/>
+          </a:effectRef>
+          <a:fontRef idx="minor">
+            <a:schemeClr val="tx1"/>
+          </a:fontRef>
+        </p:style>
+      </p:cxnSp>
+      <p:sp>
+        <p:nvSpPr>
+          <p:cNvPr id="46" name="矩形 45"/>
+          <p:cNvSpPr/>
+          <p:nvPr/>
+        </p:nvSpPr>
+        <p:spPr>
+          <a:xfrm>
+            <a:off x="5964470" y="1998139"/>
+            <a:ext cx="757856" cy="2697480"/>
+          </a:xfrm>
+          <a:prstGeom prst="rect">
+            <a:avLst/>
+          </a:prstGeom>
+          <a:noFill/>
+          <a:ln>
+            <a:prstDash val="sysDash"/>
+          </a:ln>
+        </p:spPr>
+        <p:style>
+          <a:lnRef idx="2">
+            <a:schemeClr val="accent1">
+              <a:shade val="50000"/>
+            </a:schemeClr>
+          </a:lnRef>
+          <a:fillRef idx="1">
+            <a:schemeClr val="accent1"/>
+          </a:fillRef>
+          <a:effectRef idx="0">
+            <a:schemeClr val="accent1"/>
+          </a:effectRef>
+          <a:fontRef idx="minor">
+            <a:schemeClr val="lt1"/>
+          </a:fontRef>
+        </p:style>
+        <p:txBody>
+          <a:bodyPr rtlCol="0" anchor="ctr"/>
+          <a:lstStyle/>
+          <a:p>
+            <a:pPr algn="ctr"/>
+            <a:endParaRPr lang="zh-CN" altLang="en-US"/>
+          </a:p>
+        </p:txBody>
+      </p:sp>
+      <p:sp>
+        <p:nvSpPr>
+          <p:cNvPr id="47" name="文本框 46"/>
+          <p:cNvSpPr txBox="1"/>
+          <p:nvPr/>
+        </p:nvSpPr>
+        <p:spPr>
+          <a:xfrm>
+            <a:off x="5964470" y="4436609"/>
+            <a:ext cx="799576" cy="276999"/>
+          </a:xfrm>
+          <a:prstGeom prst="rect">
+            <a:avLst/>
+          </a:prstGeom>
+          <a:noFill/>
+        </p:spPr>
+        <p:txBody>
+          <a:bodyPr wrap="square" rtlCol="0">
+            <a:spAutoFit/>
+          </a:bodyPr>
+          <a:lstStyle/>
+          <a:p>
+            <a:r>
+              <a:rPr lang="zh-CN" altLang="en-US" sz="1200" b="1" dirty="0"/>
+              <a:t>节律信号</a:t>
+            </a:r>
+          </a:p>
+        </p:txBody>
+      </p:sp>
+      <p:sp>
+        <p:nvSpPr>
+          <p:cNvPr id="49" name="文本框 48"/>
+          <p:cNvSpPr txBox="1"/>
+          <p:nvPr/>
+        </p:nvSpPr>
+        <p:spPr>
+          <a:xfrm>
+            <a:off x="7636308" y="4000699"/>
+            <a:ext cx="440719" cy="369332"/>
+          </a:xfrm>
+          <a:prstGeom prst="rect">
+            <a:avLst/>
+          </a:prstGeom>
+          <a:noFill/>
+        </p:spPr>
+        <p:txBody>
+          <a:bodyPr wrap="square" rtlCol="0">
+            <a:spAutoFit/>
+          </a:bodyPr>
+          <a:lstStyle/>
+          <a:p>
+            <a:r>
+              <a:rPr lang="en-US" altLang="zh-CN" b="1" dirty="0"/>
+              <a:t>…</a:t>
+            </a:r>
+            <a:endParaRPr lang="zh-CN" altLang="en-US" b="1" dirty="0"/>
+          </a:p>
+        </p:txBody>
+      </p:sp>
+      <p:cxnSp>
+        <p:nvCxnSpPr>
+          <p:cNvPr id="50" name="直接箭头连接符 49"/>
+          <p:cNvCxnSpPr/>
+          <p:nvPr/>
+        </p:nvCxnSpPr>
+        <p:spPr>
+          <a:xfrm>
+            <a:off x="8747760" y="2979945"/>
+            <a:ext cx="412655" cy="0"/>
+          </a:xfrm>
+          <a:prstGeom prst="straightConnector1">
+            <a:avLst/>
+          </a:prstGeom>
+          <a:ln>
+            <a:tailEnd type="triangle"/>
+          </a:ln>
+        </p:spPr>
+        <p:style>
+          <a:lnRef idx="3">
+            <a:schemeClr val="dk1"/>
+          </a:lnRef>
+          <a:fillRef idx="0">
+            <a:schemeClr val="dk1"/>
+          </a:fillRef>
+          <a:effectRef idx="2">
+            <a:schemeClr val="dk1"/>
+          </a:effectRef>
+          <a:fontRef idx="minor">
+            <a:schemeClr val="tx1"/>
+          </a:fontRef>
+        </p:style>
+      </p:cxnSp>
+      <p:sp>
+        <p:nvSpPr>
+          <p:cNvPr id="51" name="矩形 50"/>
+          <p:cNvSpPr/>
+          <p:nvPr/>
+        </p:nvSpPr>
+        <p:spPr>
+          <a:xfrm>
+            <a:off x="9158197" y="2614474"/>
+            <a:ext cx="776988" cy="839926"/>
+          </a:xfrm>
+          <a:prstGeom prst="rect">
+            <a:avLst/>
+          </a:prstGeom>
+          <a:solidFill>
+            <a:schemeClr val="accent1">
+              <a:lumMod val="60000"/>
+              <a:lumOff val="40000"/>
+            </a:schemeClr>
+          </a:solidFill>
+        </p:spPr>
+        <p:style>
+          <a:lnRef idx="2">
+            <a:schemeClr val="accent1">
+              <a:shade val="50000"/>
+            </a:schemeClr>
+          </a:lnRef>
+          <a:fillRef idx="1">
+            <a:schemeClr val="accent1"/>
+          </a:fillRef>
+          <a:effectRef idx="0">
+            <a:schemeClr val="accent1"/>
+          </a:effectRef>
+          <a:fontRef idx="minor">
+            <a:schemeClr val="lt1"/>
+          </a:fontRef>
+        </p:style>
+        <p:txBody>
+          <a:bodyPr rtlCol="0" anchor="ctr"/>
+          <a:lstStyle/>
+          <a:p>
+            <a:pPr algn="ctr"/>
+            <a:r>
+              <a:rPr lang="zh-CN" altLang="en-US" b="1" dirty="0">
+                <a:solidFill>
+                  <a:schemeClr val="tx1"/>
+                </a:solidFill>
+              </a:rPr>
+              <a:t>特征</a:t>
+            </a:r>
+            <a:endParaRPr lang="en-US" altLang="zh-CN" b="1" dirty="0">
+              <a:solidFill>
+                <a:schemeClr val="tx1"/>
+              </a:solidFill>
+            </a:endParaRPr>
+          </a:p>
+          <a:p>
+            <a:pPr algn="ctr"/>
+            <a:r>
+              <a:rPr lang="zh-CN" altLang="en-US" b="1" dirty="0">
+                <a:solidFill>
+                  <a:schemeClr val="tx1"/>
+                </a:solidFill>
+              </a:rPr>
+              <a:t>选择</a:t>
+            </a:r>
+          </a:p>
+        </p:txBody>
+      </p:sp>
+      <p:sp>
+        <p:nvSpPr>
+          <p:cNvPr id="52" name="矩形 51"/>
+          <p:cNvSpPr/>
+          <p:nvPr/>
+        </p:nvSpPr>
+        <p:spPr>
+          <a:xfrm>
+            <a:off x="10438360" y="2614474"/>
+            <a:ext cx="839240" cy="839926"/>
+          </a:xfrm>
+          <a:prstGeom prst="rect">
+            <a:avLst/>
+          </a:prstGeom>
+          <a:solidFill>
+            <a:schemeClr val="accent1">
+              <a:lumMod val="60000"/>
+              <a:lumOff val="40000"/>
+            </a:schemeClr>
+          </a:solidFill>
+        </p:spPr>
+        <p:style>
+          <a:lnRef idx="2">
+            <a:schemeClr val="accent1">
+              <a:shade val="50000"/>
+            </a:schemeClr>
+          </a:lnRef>
+          <a:fillRef idx="1">
+            <a:schemeClr val="accent1"/>
+          </a:fillRef>
+          <a:effectRef idx="0">
+            <a:schemeClr val="accent1"/>
+          </a:effectRef>
+          <a:fontRef idx="minor">
+            <a:schemeClr val="lt1"/>
+          </a:fontRef>
+        </p:style>
+        <p:txBody>
+          <a:bodyPr rtlCol="0" anchor="ctr"/>
+          <a:lstStyle/>
+          <a:p>
+            <a:pPr algn="ctr"/>
+            <a:r>
+              <a:rPr lang="zh-CN" altLang="en-US" b="1" dirty="0">
+                <a:solidFill>
+                  <a:schemeClr val="tx1"/>
+                </a:solidFill>
+              </a:rPr>
+              <a:t>情绪识别</a:t>
+            </a:r>
+            <a:endParaRPr lang="en-US" altLang="zh-CN" b="1" dirty="0">
+              <a:solidFill>
+                <a:schemeClr val="tx1"/>
+              </a:solidFill>
+            </a:endParaRPr>
+          </a:p>
+        </p:txBody>
+      </p:sp>
+      <p:sp>
+        <p:nvSpPr>
+          <p:cNvPr id="53" name="矩形 52"/>
+          <p:cNvSpPr/>
+          <p:nvPr/>
+        </p:nvSpPr>
+        <p:spPr>
+          <a:xfrm>
+            <a:off x="10438360" y="4185816"/>
+            <a:ext cx="839240" cy="729083"/>
+          </a:xfrm>
+          <a:prstGeom prst="rect">
+            <a:avLst/>
+          </a:prstGeom>
+          <a:solidFill>
+            <a:schemeClr val="accent1">
+              <a:lumMod val="60000"/>
+              <a:lumOff val="40000"/>
+            </a:schemeClr>
+          </a:solidFill>
+        </p:spPr>
+        <p:style>
+          <a:lnRef idx="2">
+            <a:schemeClr val="accent1">
+              <a:shade val="50000"/>
+            </a:schemeClr>
+          </a:lnRef>
+          <a:fillRef idx="1">
+            <a:schemeClr val="accent1"/>
+          </a:fillRef>
+          <a:effectRef idx="0">
+            <a:schemeClr val="accent1"/>
+          </a:effectRef>
+          <a:fontRef idx="minor">
+            <a:schemeClr val="lt1"/>
+          </a:fontRef>
+        </p:style>
+        <p:txBody>
+          <a:bodyPr rot="0" spcFirstLastPara="0" vert="horz" wrap="square" lIns="91440" tIns="45720" rIns="91440" bIns="45720" numCol="1" spcCol="0" rtlCol="0" fromWordArt="0" anchor="ctr" anchorCtr="0" forceAA="0" compatLnSpc="1">
+            <a:prstTxWarp prst="textNoShape">
+              <a:avLst/>
+            </a:prstTxWarp>
+            <a:noAutofit/>
+          </a:bodyPr>
+          <a:lstStyle>
+            <a:defPPr>
+              <a:defRPr lang="zh-CN"/>
+            </a:defPPr>
+            <a:lvl1pPr marL="0" algn="l" defTabSz="914400" rtl="0" eaLnBrk="1" latinLnBrk="0" hangingPunct="1">
+              <a:defRPr sz="1800" kern="1200">
+                <a:solidFill>
+                  <a:schemeClr val="lt1"/>
+                </a:solidFill>
+                <a:latin typeface="+mn-lt"/>
+                <a:ea typeface="+mn-ea"/>
+                <a:cs typeface="+mn-cs"/>
+              </a:defRPr>
+            </a:lvl1pPr>
+            <a:lvl2pPr marL="457200" algn="l" defTabSz="914400" rtl="0" eaLnBrk="1" latinLnBrk="0" hangingPunct="1">
+              <a:defRPr sz="1800" kern="1200">
+                <a:solidFill>
+                  <a:schemeClr val="lt1"/>
+                </a:solidFill>
+                <a:latin typeface="+mn-lt"/>
+                <a:ea typeface="+mn-ea"/>
+                <a:cs typeface="+mn-cs"/>
+              </a:defRPr>
+            </a:lvl2pPr>
+            <a:lvl3pPr marL="914400" algn="l" defTabSz="914400" rtl="0" eaLnBrk="1" latinLnBrk="0" hangingPunct="1">
+              <a:defRPr sz="1800" kern="1200">
+                <a:solidFill>
+                  <a:schemeClr val="lt1"/>
+                </a:solidFill>
+                <a:latin typeface="+mn-lt"/>
+                <a:ea typeface="+mn-ea"/>
+                <a:cs typeface="+mn-cs"/>
+              </a:defRPr>
+            </a:lvl3pPr>
+            <a:lvl4pPr marL="1371600" algn="l" defTabSz="914400" rtl="0" eaLnBrk="1" latinLnBrk="0" hangingPunct="1">
+              <a:defRPr sz="1800" kern="1200">
+                <a:solidFill>
+                  <a:schemeClr val="lt1"/>
+                </a:solidFill>
+                <a:latin typeface="+mn-lt"/>
+                <a:ea typeface="+mn-ea"/>
+                <a:cs typeface="+mn-cs"/>
+              </a:defRPr>
+            </a:lvl4pPr>
+            <a:lvl5pPr marL="1828800" algn="l" defTabSz="914400" rtl="0" eaLnBrk="1" latinLnBrk="0" hangingPunct="1">
+              <a:defRPr sz="1800" kern="1200">
+                <a:solidFill>
+                  <a:schemeClr val="lt1"/>
+                </a:solidFill>
+                <a:latin typeface="+mn-lt"/>
+                <a:ea typeface="+mn-ea"/>
+                <a:cs typeface="+mn-cs"/>
+              </a:defRPr>
+            </a:lvl5pPr>
+            <a:lvl6pPr marL="2286000" algn="l" defTabSz="914400" rtl="0" eaLnBrk="1" latinLnBrk="0" hangingPunct="1">
+              <a:defRPr sz="1800" kern="1200">
+                <a:solidFill>
+                  <a:schemeClr val="lt1"/>
+                </a:solidFill>
+                <a:latin typeface="+mn-lt"/>
+                <a:ea typeface="+mn-ea"/>
+                <a:cs typeface="+mn-cs"/>
+              </a:defRPr>
+            </a:lvl6pPr>
+            <a:lvl7pPr marL="2743200" algn="l" defTabSz="914400" rtl="0" eaLnBrk="1" latinLnBrk="0" hangingPunct="1">
+              <a:defRPr sz="1800" kern="1200">
+                <a:solidFill>
+                  <a:schemeClr val="lt1"/>
+                </a:solidFill>
+                <a:latin typeface="+mn-lt"/>
+                <a:ea typeface="+mn-ea"/>
+                <a:cs typeface="+mn-cs"/>
+              </a:defRPr>
+            </a:lvl7pPr>
+            <a:lvl8pPr marL="3200400" algn="l" defTabSz="914400" rtl="0" eaLnBrk="1" latinLnBrk="0" hangingPunct="1">
+              <a:defRPr sz="1800" kern="1200">
+                <a:solidFill>
+                  <a:schemeClr val="lt1"/>
+                </a:solidFill>
+                <a:latin typeface="+mn-lt"/>
+                <a:ea typeface="+mn-ea"/>
+                <a:cs typeface="+mn-cs"/>
+              </a:defRPr>
+            </a:lvl8pPr>
+            <a:lvl9pPr marL="3657600" algn="l" defTabSz="914400" rtl="0" eaLnBrk="1" latinLnBrk="0" hangingPunct="1">
+              <a:defRPr sz="1800" kern="1200">
+                <a:solidFill>
+                  <a:schemeClr val="lt1"/>
+                </a:solidFill>
+                <a:latin typeface="+mn-lt"/>
+                <a:ea typeface="+mn-ea"/>
+                <a:cs typeface="+mn-cs"/>
+              </a:defRPr>
+            </a:lvl9pPr>
+          </a:lstStyle>
+          <a:p>
+            <a:pPr algn="ctr"/>
+            <a:r>
+              <a:rPr lang="zh-CN" altLang="en-US" b="1" dirty="0">
+                <a:solidFill>
+                  <a:schemeClr val="tx1"/>
+                </a:solidFill>
+              </a:rPr>
+              <a:t>效果评估</a:t>
+            </a:r>
+            <a:endParaRPr lang="en-US" altLang="zh-CN" b="1" dirty="0">
+              <a:solidFill>
+                <a:schemeClr val="tx1"/>
+              </a:solidFill>
+            </a:endParaRPr>
+          </a:p>
+        </p:txBody>
+      </p:sp>
+      <p:cxnSp>
+        <p:nvCxnSpPr>
+          <p:cNvPr id="55" name="直接箭头连接符 54"/>
+          <p:cNvCxnSpPr>
+            <a:stCxn id="51" idx="3"/>
+            <a:endCxn id="52" idx="1"/>
+          </p:cNvCxnSpPr>
+          <p:nvPr/>
+        </p:nvCxnSpPr>
+        <p:spPr>
+          <a:xfrm>
+            <a:off x="9935185" y="3034437"/>
+            <a:ext cx="503175" cy="0"/>
+          </a:xfrm>
+          <a:prstGeom prst="straightConnector1">
+            <a:avLst/>
+          </a:prstGeom>
+          <a:ln>
+            <a:tailEnd type="triangle"/>
+          </a:ln>
+        </p:spPr>
+        <p:style>
+          <a:lnRef idx="3">
+            <a:schemeClr val="dk1"/>
+          </a:lnRef>
+          <a:fillRef idx="0">
+            <a:schemeClr val="dk1"/>
+          </a:fillRef>
+          <a:effectRef idx="2">
+            <a:schemeClr val="dk1"/>
+          </a:effectRef>
+          <a:fontRef idx="minor">
+            <a:schemeClr val="tx1"/>
+          </a:fontRef>
+        </p:style>
+      </p:cxnSp>
+      <p:cxnSp>
+        <p:nvCxnSpPr>
+          <p:cNvPr id="57" name="直接箭头连接符 56"/>
+          <p:cNvCxnSpPr>
+            <a:stCxn id="52" idx="2"/>
+            <a:endCxn id="53" idx="0"/>
+          </p:cNvCxnSpPr>
+          <p:nvPr/>
+        </p:nvCxnSpPr>
+        <p:spPr>
+          <a:xfrm>
+            <a:off x="10857980" y="3454400"/>
+            <a:ext cx="0" cy="731416"/>
+          </a:xfrm>
+          <a:prstGeom prst="straightConnector1">
+            <a:avLst/>
+          </a:prstGeom>
+          <a:ln>
+            <a:tailEnd type="triangle"/>
+          </a:ln>
+        </p:spPr>
+        <p:style>
+          <a:lnRef idx="3">
+            <a:schemeClr val="dk1"/>
+          </a:lnRef>
+          <a:fillRef idx="0">
+            <a:schemeClr val="dk1"/>
+          </a:fillRef>
+          <a:effectRef idx="2">
+            <a:schemeClr val="dk1"/>
+          </a:effectRef>
+          <a:fontRef idx="minor">
+            <a:schemeClr val="tx1"/>
+          </a:fontRef>
+        </p:style>
+      </p:cxnSp>
+    </p:spTree>
+    <p:extLst>
+      <p:ext uri="{BB962C8B-B14F-4D97-AF65-F5344CB8AC3E}">
+        <p14:creationId xmlns:p14="http://schemas.microsoft.com/office/powerpoint/2010/main" val="2622946741"/>
+      </p:ext>
+    </p:extLst>
+  </p:cSld>
+  <p:clrMapOvr>
+    <a:masterClrMapping/>
+  </p:clrMapOvr>
+</p:sld>
+</file>
+
 <file path=ppt/theme/theme1.xml><?xml version="1.0" encoding="utf-8"?>
 <a:theme xmlns:a="http://schemas.openxmlformats.org/drawingml/2006/main" name="Office 主题​​">
   <a:themeElements>
@@ -6036,4 +8389,299 @@
     </a:ext>
   </a:extLst>
 </a:theme>
+</file>
+
+<file path=ppt/theme/theme2.xml><?xml version="1.0" encoding="utf-8"?>
+<a:theme xmlns:a="http://schemas.openxmlformats.org/drawingml/2006/main" name="Office 主题​​">
+  <a:themeElements>
+    <a:clrScheme name="Office">
+      <a:dk1>
+        <a:sysClr val="windowText" lastClr="000000"/>
+      </a:dk1>
+      <a:lt1>
+        <a:sysClr val="window" lastClr="FFFFFF"/>
+      </a:lt1>
+      <a:dk2>
+        <a:srgbClr val="44546A"/>
+      </a:dk2>
+      <a:lt2>
+        <a:srgbClr val="E7E6E6"/>
+      </a:lt2>
+      <a:accent1>
+        <a:srgbClr val="5B9BD5"/>
+      </a:accent1>
+      <a:accent2>
+        <a:srgbClr val="ED7D31"/>
+      </a:accent2>
+      <a:accent3>
+        <a:srgbClr val="A5A5A5"/>
+      </a:accent3>
+      <a:accent4>
+        <a:srgbClr val="FFC000"/>
+      </a:accent4>
+      <a:accent5>
+        <a:srgbClr val="4472C4"/>
+      </a:accent5>
+      <a:accent6>
+        <a:srgbClr val="70AD47"/>
+      </a:accent6>
+      <a:hlink>
+        <a:srgbClr val="0563C1"/>
+      </a:hlink>
+      <a:folHlink>
+        <a:srgbClr val="954F72"/>
+      </a:folHlink>
+    </a:clrScheme>
+    <a:fontScheme name="Office">
+      <a:majorFont>
+        <a:latin typeface="等线 Light" panose="020F0302020204030204"/>
+        <a:ea typeface=""/>
+        <a:cs typeface=""/>
+        <a:font script="Jpan" typeface="游ゴシック Light"/>
+        <a:font script="Hang" typeface="맑은 고딕"/>
+        <a:font script="Hans" typeface="等线 Light"/>
+        <a:font script="Hant" typeface="新細明體"/>
+        <a:font script="Arab" typeface="Times New Roman"/>
+        <a:font script="Hebr" typeface="Times New Roman"/>
+        <a:font script="Thai" typeface="Angsana New"/>
+        <a:font script="Ethi" typeface="Nyala"/>
+        <a:font script="Beng" typeface="Vrinda"/>
+        <a:font script="Gujr" typeface="Shruti"/>
+        <a:font script="Khmr" typeface="MoolBoran"/>
+        <a:font script="Knda" typeface="Tunga"/>
+        <a:font script="Guru" typeface="Raavi"/>
+        <a:font script="Cans" typeface="Euphemia"/>
+        <a:font script="Cher" typeface="Plantagenet Cherokee"/>
+        <a:font script="Yiii" typeface="Microsoft Yi Baiti"/>
+        <a:font script="Tibt" typeface="Microsoft Himalaya"/>
+        <a:font script="Thaa" typeface="MV Boli"/>
+        <a:font script="Deva" typeface="Mangal"/>
+        <a:font script="Telu" typeface="Gautami"/>
+        <a:font script="Taml" typeface="Latha"/>
+        <a:font script="Syrc" typeface="Estrangelo Edessa"/>
+        <a:font script="Orya" typeface="Kalinga"/>
+        <a:font script="Mlym" typeface="Kartika"/>
+        <a:font script="Laoo" typeface="DokChampa"/>
+        <a:font script="Sinh" typeface="Iskoola Pota"/>
+        <a:font script="Mong" typeface="Mongolian Baiti"/>
+        <a:font script="Viet" typeface="Times New Roman"/>
+        <a:font script="Uigh" typeface="Microsoft Uighur"/>
+        <a:font script="Geor" typeface="Sylfaen"/>
+        <a:font script="Armn" typeface="Arial"/>
+        <a:font script="Bugi" typeface="Leelawadee UI"/>
+        <a:font script="Bopo" typeface="Microsoft JhengHei"/>
+        <a:font script="Java" typeface="Javanese Text"/>
+        <a:font script="Lisu" typeface="Segoe UI"/>
+        <a:font script="Mymr" typeface="Myanmar Text"/>
+        <a:font script="Nkoo" typeface="Ebrima"/>
+        <a:font script="Olck" typeface="Nirmala UI"/>
+        <a:font script="Osma" typeface="Ebrima"/>
+        <a:font script="Phag" typeface="Phagspa"/>
+        <a:font script="Syrn" typeface="Estrangelo Edessa"/>
+        <a:font script="Syrj" typeface="Estrangelo Edessa"/>
+        <a:font script="Syre" typeface="Estrangelo Edessa"/>
+        <a:font script="Sora" typeface="Nirmala UI"/>
+        <a:font script="Tale" typeface="Microsoft Tai Le"/>
+        <a:font script="Talu" typeface="Microsoft New Tai Lue"/>
+        <a:font script="Tfng" typeface="Ebrima"/>
+      </a:majorFont>
+      <a:minorFont>
+        <a:latin typeface="等线" panose="020F0502020204030204"/>
+        <a:ea typeface=""/>
+        <a:cs typeface=""/>
+        <a:font script="Jpan" typeface="游ゴシック"/>
+        <a:font script="Hang" typeface="맑은 고딕"/>
+        <a:font script="Hans" typeface="等线"/>
+        <a:font script="Hant" typeface="新細明體"/>
+        <a:font script="Arab" typeface="Arial"/>
+        <a:font script="Hebr" typeface="Arial"/>
+        <a:font script="Thai" typeface="Cordia New"/>
+        <a:font script="Ethi" typeface="Nyala"/>
+        <a:font script="Beng" typeface="Vrinda"/>
+        <a:font script="Gujr" typeface="Shruti"/>
+        <a:font script="Khmr" typeface="DaunPenh"/>
+        <a:font script="Knda" typeface="Tunga"/>
+        <a:font script="Guru" typeface="Raavi"/>
+        <a:font script="Cans" typeface="Euphemia"/>
+        <a:font script="Cher" typeface="Plantagenet Cherokee"/>
+        <a:font script="Yiii" typeface="Microsoft Yi Baiti"/>
+        <a:font script="Tibt" typeface="Microsoft Himalaya"/>
+        <a:font script="Thaa" typeface="MV Boli"/>
+        <a:font script="Deva" typeface="Mangal"/>
+        <a:font script="Telu" typeface="Gautami"/>
+        <a:font script="Taml" typeface="Latha"/>
+        <a:font script="Syrc" typeface="Estrangelo Edessa"/>
+        <a:font script="Orya" typeface="Kalinga"/>
+        <a:font script="Mlym" typeface="Kartika"/>
+        <a:font script="Laoo" typeface="DokChampa"/>
+        <a:font script="Sinh" typeface="Iskoola Pota"/>
+        <a:font script="Mong" typeface="Mongolian Baiti"/>
+        <a:font script="Viet" typeface="Arial"/>
+        <a:font script="Uigh" typeface="Microsoft Uighur"/>
+        <a:font script="Geor" typeface="Sylfaen"/>
+        <a:font script="Armn" typeface="Arial"/>
+        <a:font script="Bugi" typeface="Leelawadee UI"/>
+        <a:font script="Bopo" typeface="Microsoft JhengHei"/>
+        <a:font script="Java" typeface="Javanese Text"/>
+        <a:font script="Lisu" typeface="Segoe UI"/>
+        <a:font script="Mymr" typeface="Myanmar Text"/>
+        <a:font script="Nkoo" typeface="Ebrima"/>
+        <a:font script="Olck" typeface="Nirmala UI"/>
+        <a:font script="Osma" typeface="Ebrima"/>
+        <a:font script="Phag" typeface="Phagspa"/>
+        <a:font script="Syrn" typeface="Estrangelo Edessa"/>
+        <a:font script="Syrj" typeface="Estrangelo Edessa"/>
+        <a:font script="Syre" typeface="Estrangelo Edessa"/>
+        <a:font script="Sora" typeface="Nirmala UI"/>
+        <a:font script="Tale" typeface="Microsoft Tai Le"/>
+        <a:font script="Talu" typeface="Microsoft New Tai Lue"/>
+        <a:font script="Tfng" typeface="Ebrima"/>
+      </a:minorFont>
+    </a:fontScheme>
+    <a:fmtScheme name="Office">
+      <a:fillStyleLst>
+        <a:solidFill>
+          <a:schemeClr val="phClr"/>
+        </a:solidFill>
+        <a:gradFill rotWithShape="1">
+          <a:gsLst>
+            <a:gs pos="0">
+              <a:schemeClr val="phClr">
+                <a:lumMod val="110000"/>
+                <a:satMod val="105000"/>
+                <a:tint val="67000"/>
+              </a:schemeClr>
+            </a:gs>
+            <a:gs pos="50000">
+              <a:schemeClr val="phClr">
+                <a:lumMod val="105000"/>
+                <a:satMod val="103000"/>
+                <a:tint val="73000"/>
+              </a:schemeClr>
+            </a:gs>
+            <a:gs pos="100000">
+              <a:schemeClr val="phClr">
+                <a:lumMod val="105000"/>
+                <a:satMod val="109000"/>
+                <a:tint val="81000"/>
+              </a:schemeClr>
+            </a:gs>
+          </a:gsLst>
+          <a:lin ang="5400000" scaled="0"/>
+        </a:gradFill>
+        <a:gradFill rotWithShape="1">
+          <a:gsLst>
+            <a:gs pos="0">
+              <a:schemeClr val="phClr">
+                <a:satMod val="103000"/>
+                <a:lumMod val="102000"/>
+                <a:tint val="94000"/>
+              </a:schemeClr>
+            </a:gs>
+            <a:gs pos="50000">
+              <a:schemeClr val="phClr">
+                <a:satMod val="110000"/>
+                <a:lumMod val="100000"/>
+                <a:shade val="100000"/>
+              </a:schemeClr>
+            </a:gs>
+            <a:gs pos="100000">
+              <a:schemeClr val="phClr">
+                <a:lumMod val="99000"/>
+                <a:satMod val="120000"/>
+                <a:shade val="78000"/>
+              </a:schemeClr>
+            </a:gs>
+          </a:gsLst>
+          <a:lin ang="5400000" scaled="0"/>
+        </a:gradFill>
+      </a:fillStyleLst>
+      <a:lnStyleLst>
+        <a:ln w="6350" cap="flat" cmpd="sng" algn="ctr">
+          <a:solidFill>
+            <a:schemeClr val="phClr"/>
+          </a:solidFill>
+          <a:prstDash val="solid"/>
+          <a:miter lim="800000"/>
+        </a:ln>
+        <a:ln w="12700" cap="flat" cmpd="sng" algn="ctr">
+          <a:solidFill>
+            <a:schemeClr val="phClr"/>
+          </a:solidFill>
+          <a:prstDash val="solid"/>
+          <a:miter lim="800000"/>
+        </a:ln>
+        <a:ln w="19050" cap="flat" cmpd="sng" algn="ctr">
+          <a:solidFill>
+            <a:schemeClr val="phClr"/>
+          </a:solidFill>
+          <a:prstDash val="solid"/>
+          <a:miter lim="800000"/>
+        </a:ln>
+      </a:lnStyleLst>
+      <a:effectStyleLst>
+        <a:effectStyle>
+          <a:effectLst/>
+        </a:effectStyle>
+        <a:effectStyle>
+          <a:effectLst/>
+        </a:effectStyle>
+        <a:effectStyle>
+          <a:effectLst>
+            <a:outerShdw blurRad="57150" dist="19050" dir="5400000" algn="ctr" rotWithShape="0">
+              <a:srgbClr val="000000">
+                <a:alpha val="63000"/>
+              </a:srgbClr>
+            </a:outerShdw>
+          </a:effectLst>
+        </a:effectStyle>
+      </a:effectStyleLst>
+      <a:bgFillStyleLst>
+        <a:solidFill>
+          <a:schemeClr val="phClr"/>
+        </a:solidFill>
+        <a:solidFill>
+          <a:schemeClr val="phClr">
+            <a:tint val="95000"/>
+            <a:satMod val="170000"/>
+          </a:schemeClr>
+        </a:solidFill>
+        <a:gradFill rotWithShape="1">
+          <a:gsLst>
+            <a:gs pos="0">
+              <a:schemeClr val="phClr">
+                <a:tint val="93000"/>
+                <a:satMod val="150000"/>
+                <a:shade val="98000"/>
+                <a:lumMod val="102000"/>
+              </a:schemeClr>
+            </a:gs>
+            <a:gs pos="50000">
+              <a:schemeClr val="phClr">
+                <a:tint val="98000"/>
+                <a:satMod val="130000"/>
+                <a:shade val="90000"/>
+                <a:lumMod val="103000"/>
+              </a:schemeClr>
+            </a:gs>
+            <a:gs pos="100000">
+              <a:schemeClr val="phClr">
+                <a:shade val="63000"/>
+                <a:satMod val="120000"/>
+              </a:schemeClr>
+            </a:gs>
+          </a:gsLst>
+          <a:lin ang="5400000" scaled="0"/>
+        </a:gradFill>
+      </a:bgFillStyleLst>
+    </a:fmtScheme>
+  </a:themeElements>
+  <a:objectDefaults/>
+  <a:extraClrSchemeLst/>
+  <a:extLst>
+    <a:ext uri="{05A4C25C-085E-4340-85A3-A5531E510DB2}">
+      <thm15:themeFamily xmlns:thm15="http://schemas.microsoft.com/office/thememl/2012/main" name="Office Theme" id="{62F939B6-93AF-4DB8-9C6B-D6C7DFDC589F}" vid="{4A3C46E8-61CC-4603-A589-7422A47A8E4A}"/>
+    </a:ext>
+  </a:extLst>
+</a:theme>
 </file>
--- a/图集.pptx
+++ b/图集.pptx
@@ -5,11 +5,14 @@
     <p:sldMasterId id="2147483648" r:id="rId1"/>
   </p:sldMasterIdLst>
   <p:notesMasterIdLst>
-    <p:notesMasterId r:id="rId4"/>
+    <p:notesMasterId r:id="rId7"/>
   </p:notesMasterIdLst>
   <p:sldIdLst>
     <p:sldId id="256" r:id="rId2"/>
     <p:sldId id="257" r:id="rId3"/>
+    <p:sldId id="258" r:id="rId4"/>
+    <p:sldId id="259" r:id="rId5"/>
+    <p:sldId id="260" r:id="rId6"/>
   </p:sldIdLst>
   <p:sldSz cx="12192000" cy="6858000"/>
   <p:notesSz cx="6858000" cy="9144000"/>
@@ -108,6 +111,11 @@
       </a:defRPr>
     </a:lvl9pPr>
   </p:defaultTextStyle>
+  <p:extLst>
+    <p:ext uri="{EFAFB233-063F-42B5-8137-9DF3F51BA10A}">
+      <p15:sldGuideLst xmlns:p15="http://schemas.microsoft.com/office/powerpoint/2012/main"/>
+    </p:ext>
+  </p:extLst>
 </p:presentation>
 </file>
 
@@ -193,7 +201,7 @@
           <a:p>
             <a:fld id="{0A5C0070-62FF-4409-B5E8-A38E1A25C249}" type="datetimeFigureOut">
               <a:rPr lang="zh-CN" altLang="en-US" smtClean="0"/>
-              <a:t>2016/11/14</a:t>
+              <a:t>2016/11/16</a:t>
             </a:fld>
             <a:endParaRPr lang="zh-CN" altLang="en-US"/>
           </a:p>
@@ -288,7 +296,6 @@
               <a:rPr lang="zh-CN" altLang="en-US"/>
               <a:t>第五级</a:t>
             </a:r>
-            <a:endParaRPr lang="zh-CN" altLang="en-US"/>
           </a:p>
         </p:txBody>
       </p:sp>
@@ -590,7 +597,6 @@
               <a:rPr lang="zh-CN" altLang="en-US"/>
               <a:t>单击此处编辑母版标题样式</a:t>
             </a:r>
-            <a:endParaRPr lang="zh-CN" altLang="en-US"/>
           </a:p>
         </p:txBody>
       </p:sp>
@@ -655,7 +661,6 @@
               <a:rPr lang="zh-CN" altLang="en-US"/>
               <a:t>单击以编辑母版副标题样式</a:t>
             </a:r>
-            <a:endParaRPr lang="zh-CN" altLang="en-US"/>
           </a:p>
         </p:txBody>
       </p:sp>
@@ -676,7 +681,7 @@
           <a:p>
             <a:fld id="{5CC46D4B-9541-4BC3-A144-744E4042BCF0}" type="datetimeFigureOut">
               <a:rPr lang="zh-CN" altLang="en-US" smtClean="0"/>
-              <a:t>2016/11/14</a:t>
+              <a:t>2016/11/16</a:t>
             </a:fld>
             <a:endParaRPr lang="zh-CN" altLang="en-US"/>
           </a:p>
@@ -773,7 +778,6 @@
               <a:rPr lang="zh-CN" altLang="en-US"/>
               <a:t>单击此处编辑母版标题样式</a:t>
             </a:r>
-            <a:endParaRPr lang="zh-CN" altLang="en-US"/>
           </a:p>
         </p:txBody>
       </p:sp>
@@ -825,7 +829,6 @@
               <a:rPr lang="zh-CN" altLang="en-US"/>
               <a:t>第五级</a:t>
             </a:r>
-            <a:endParaRPr lang="zh-CN" altLang="en-US"/>
           </a:p>
         </p:txBody>
       </p:sp>
@@ -846,7 +849,7 @@
           <a:p>
             <a:fld id="{5CC46D4B-9541-4BC3-A144-744E4042BCF0}" type="datetimeFigureOut">
               <a:rPr lang="zh-CN" altLang="en-US" smtClean="0"/>
-              <a:t>2016/11/14</a:t>
+              <a:t>2016/11/16</a:t>
             </a:fld>
             <a:endParaRPr lang="zh-CN" altLang="en-US"/>
           </a:p>
@@ -948,7 +951,6 @@
               <a:rPr lang="zh-CN" altLang="en-US"/>
               <a:t>单击此处编辑母版标题样式</a:t>
             </a:r>
-            <a:endParaRPr lang="zh-CN" altLang="en-US"/>
           </a:p>
         </p:txBody>
       </p:sp>
@@ -1005,7 +1007,6 @@
               <a:rPr lang="zh-CN" altLang="en-US"/>
               <a:t>第五级</a:t>
             </a:r>
-            <a:endParaRPr lang="zh-CN" altLang="en-US"/>
           </a:p>
         </p:txBody>
       </p:sp>
@@ -1026,7 +1027,7 @@
           <a:p>
             <a:fld id="{5CC46D4B-9541-4BC3-A144-744E4042BCF0}" type="datetimeFigureOut">
               <a:rPr lang="zh-CN" altLang="en-US" smtClean="0"/>
-              <a:t>2016/11/14</a:t>
+              <a:t>2016/11/16</a:t>
             </a:fld>
             <a:endParaRPr lang="zh-CN" altLang="en-US"/>
           </a:p>
@@ -1123,7 +1124,6 @@
               <a:rPr lang="zh-CN" altLang="en-US"/>
               <a:t>单击此处编辑母版标题样式</a:t>
             </a:r>
-            <a:endParaRPr lang="zh-CN" altLang="en-US"/>
           </a:p>
         </p:txBody>
       </p:sp>
@@ -1175,7 +1175,6 @@
               <a:rPr lang="zh-CN" altLang="en-US"/>
               <a:t>第五级</a:t>
             </a:r>
-            <a:endParaRPr lang="zh-CN" altLang="en-US"/>
           </a:p>
         </p:txBody>
       </p:sp>
@@ -1196,7 +1195,7 @@
           <a:p>
             <a:fld id="{5CC46D4B-9541-4BC3-A144-744E4042BCF0}" type="datetimeFigureOut">
               <a:rPr lang="zh-CN" altLang="en-US" smtClean="0"/>
-              <a:t>2016/11/14</a:t>
+              <a:t>2016/11/16</a:t>
             </a:fld>
             <a:endParaRPr lang="zh-CN" altLang="en-US"/>
           </a:p>
@@ -1302,7 +1301,6 @@
               <a:rPr lang="zh-CN" altLang="en-US"/>
               <a:t>单击此处编辑母版标题样式</a:t>
             </a:r>
-            <a:endParaRPr lang="zh-CN" altLang="en-US"/>
           </a:p>
         </p:txBody>
       </p:sp>
@@ -1442,7 +1440,7 @@
           <a:p>
             <a:fld id="{5CC46D4B-9541-4BC3-A144-744E4042BCF0}" type="datetimeFigureOut">
               <a:rPr lang="zh-CN" altLang="en-US" smtClean="0"/>
-              <a:t>2016/11/14</a:t>
+              <a:t>2016/11/16</a:t>
             </a:fld>
             <a:endParaRPr lang="zh-CN" altLang="en-US"/>
           </a:p>
@@ -1539,7 +1537,6 @@
               <a:rPr lang="zh-CN" altLang="en-US"/>
               <a:t>单击此处编辑母版标题样式</a:t>
             </a:r>
-            <a:endParaRPr lang="zh-CN" altLang="en-US"/>
           </a:p>
         </p:txBody>
       </p:sp>
@@ -1596,7 +1593,6 @@
               <a:rPr lang="zh-CN" altLang="en-US"/>
               <a:t>第五级</a:t>
             </a:r>
-            <a:endParaRPr lang="zh-CN" altLang="en-US"/>
           </a:p>
         </p:txBody>
       </p:sp>
@@ -1653,7 +1649,6 @@
               <a:rPr lang="zh-CN" altLang="en-US"/>
               <a:t>第五级</a:t>
             </a:r>
-            <a:endParaRPr lang="zh-CN" altLang="en-US"/>
           </a:p>
         </p:txBody>
       </p:sp>
@@ -1674,7 +1669,7 @@
           <a:p>
             <a:fld id="{5CC46D4B-9541-4BC3-A144-744E4042BCF0}" type="datetimeFigureOut">
               <a:rPr lang="zh-CN" altLang="en-US" smtClean="0"/>
-              <a:t>2016/11/14</a:t>
+              <a:t>2016/11/16</a:t>
             </a:fld>
             <a:endParaRPr lang="zh-CN" altLang="en-US"/>
           </a:p>
@@ -1776,7 +1771,6 @@
               <a:rPr lang="zh-CN" altLang="en-US"/>
               <a:t>单击此处编辑母版标题样式</a:t>
             </a:r>
-            <a:endParaRPr lang="zh-CN" altLang="en-US"/>
           </a:p>
         </p:txBody>
       </p:sp>
@@ -1898,7 +1892,6 @@
               <a:rPr lang="zh-CN" altLang="en-US"/>
               <a:t>第五级</a:t>
             </a:r>
-            <a:endParaRPr lang="zh-CN" altLang="en-US"/>
           </a:p>
         </p:txBody>
       </p:sp>
@@ -2020,7 +2013,6 @@
               <a:rPr lang="zh-CN" altLang="en-US"/>
               <a:t>第五级</a:t>
             </a:r>
-            <a:endParaRPr lang="zh-CN" altLang="en-US"/>
           </a:p>
         </p:txBody>
       </p:sp>
@@ -2041,7 +2033,7 @@
           <a:p>
             <a:fld id="{5CC46D4B-9541-4BC3-A144-744E4042BCF0}" type="datetimeFigureOut">
               <a:rPr lang="zh-CN" altLang="en-US" smtClean="0"/>
-              <a:t>2016/11/14</a:t>
+              <a:t>2016/11/16</a:t>
             </a:fld>
             <a:endParaRPr lang="zh-CN" altLang="en-US"/>
           </a:p>
@@ -2138,7 +2130,6 @@
               <a:rPr lang="zh-CN" altLang="en-US"/>
               <a:t>单击此处编辑母版标题样式</a:t>
             </a:r>
-            <a:endParaRPr lang="zh-CN" altLang="en-US"/>
           </a:p>
         </p:txBody>
       </p:sp>
@@ -2159,7 +2150,7 @@
           <a:p>
             <a:fld id="{5CC46D4B-9541-4BC3-A144-744E4042BCF0}" type="datetimeFigureOut">
               <a:rPr lang="zh-CN" altLang="en-US" smtClean="0"/>
-              <a:t>2016/11/14</a:t>
+              <a:t>2016/11/16</a:t>
             </a:fld>
             <a:endParaRPr lang="zh-CN" altLang="en-US"/>
           </a:p>
@@ -2254,7 +2245,7 @@
           <a:p>
             <a:fld id="{5CC46D4B-9541-4BC3-A144-744E4042BCF0}" type="datetimeFigureOut">
               <a:rPr lang="zh-CN" altLang="en-US" smtClean="0"/>
-              <a:t>2016/11/14</a:t>
+              <a:t>2016/11/16</a:t>
             </a:fld>
             <a:endParaRPr lang="zh-CN" altLang="en-US"/>
           </a:p>
@@ -2360,7 +2351,6 @@
               <a:rPr lang="zh-CN" altLang="en-US"/>
               <a:t>单击此处编辑母版标题样式</a:t>
             </a:r>
-            <a:endParaRPr lang="zh-CN" altLang="en-US"/>
           </a:p>
         </p:txBody>
       </p:sp>
@@ -2445,7 +2435,6 @@
               <a:rPr lang="zh-CN" altLang="en-US"/>
               <a:t>第五级</a:t>
             </a:r>
-            <a:endParaRPr lang="zh-CN" altLang="en-US"/>
           </a:p>
         </p:txBody>
       </p:sp>
@@ -2531,7 +2520,7 @@
           <a:p>
             <a:fld id="{5CC46D4B-9541-4BC3-A144-744E4042BCF0}" type="datetimeFigureOut">
               <a:rPr lang="zh-CN" altLang="en-US" smtClean="0"/>
-              <a:t>2016/11/14</a:t>
+              <a:t>2016/11/16</a:t>
             </a:fld>
             <a:endParaRPr lang="zh-CN" altLang="en-US"/>
           </a:p>
@@ -2637,7 +2626,6 @@
               <a:rPr lang="zh-CN" altLang="en-US"/>
               <a:t>单击此处编辑母版标题样式</a:t>
             </a:r>
-            <a:endParaRPr lang="zh-CN" altLang="en-US"/>
           </a:p>
         </p:txBody>
       </p:sp>
@@ -2784,7 +2772,7 @@
           <a:p>
             <a:fld id="{5CC46D4B-9541-4BC3-A144-744E4042BCF0}" type="datetimeFigureOut">
               <a:rPr lang="zh-CN" altLang="en-US" smtClean="0"/>
-              <a:t>2016/11/14</a:t>
+              <a:t>2016/11/16</a:t>
             </a:fld>
             <a:endParaRPr lang="zh-CN" altLang="en-US"/>
           </a:p>
@@ -2896,7 +2884,6 @@
               <a:rPr lang="zh-CN" altLang="en-US"/>
               <a:t>单击此处编辑母版标题样式</a:t>
             </a:r>
-            <a:endParaRPr lang="zh-CN" altLang="en-US"/>
           </a:p>
         </p:txBody>
       </p:sp>
@@ -2958,7 +2945,6 @@
               <a:rPr lang="zh-CN" altLang="en-US"/>
               <a:t>第五级</a:t>
             </a:r>
-            <a:endParaRPr lang="zh-CN" altLang="en-US"/>
           </a:p>
         </p:txBody>
       </p:sp>
@@ -2997,7 +2983,7 @@
           <a:p>
             <a:fld id="{5CC46D4B-9541-4BC3-A144-744E4042BCF0}" type="datetimeFigureOut">
               <a:rPr lang="zh-CN" altLang="en-US" smtClean="0"/>
-              <a:t>2016/11/14</a:t>
+              <a:t>2016/11/16</a:t>
             </a:fld>
             <a:endParaRPr lang="zh-CN" altLang="en-US"/>
           </a:p>
@@ -5454,13 +5440,7 @@
               <a:rPr lang="zh-CN" altLang="en-US" sz="2800" dirty="0">
                 <a:latin typeface="Cooper Std Black" panose="0208090304030B020404" pitchFamily="18" charset="0"/>
               </a:rPr>
-              <a:t>· </a:t>
-            </a:r>
-            <a:r>
-              <a:rPr lang="zh-CN" altLang="en-US" sz="2800" dirty="0">
-                <a:latin typeface="Cooper Std Black" panose="0208090304030B020404" pitchFamily="18" charset="0"/>
-              </a:rPr>
-              <a:t>· · </a:t>
+              <a:t>· · · </a:t>
             </a:r>
             <a:r>
               <a:rPr lang="zh-CN" altLang="en-US" dirty="0">
@@ -7179,7 +7159,7 @@
             <a:pPr algn="ctr"/>
             <a:r>
               <a:rPr lang="zh-CN" altLang="en-US" b="1" dirty="0"/>
-              <a:t>小波变化</a:t>
+              <a:t>小波变换</a:t>
             </a:r>
           </a:p>
         </p:txBody>
@@ -7453,8 +7433,8 @@
         </p:nvSpPr>
         <p:spPr>
           <a:xfrm>
-            <a:off x="7017329" y="1722268"/>
-            <a:ext cx="1664449" cy="1824358"/>
+            <a:off x="7017329" y="1722267"/>
+            <a:ext cx="1664449" cy="2117322"/>
           </a:xfrm>
           <a:prstGeom prst="roundRect">
             <a:avLst/>
@@ -7483,6 +7463,13 @@
             <a:pPr algn="ctr"/>
             <a:r>
               <a:rPr lang="en-US" altLang="zh-CN" dirty="0"/>
+              <a:t>energy,</a:t>
+            </a:r>
+          </a:p>
+          <a:p>
+            <a:pPr algn="ctr"/>
+            <a:r>
+              <a:rPr lang="en-US" altLang="zh-CN" dirty="0"/>
               <a:t>dfa,pfd,</a:t>
             </a:r>
           </a:p>
@@ -7520,7 +7507,6 @@
               <a:rPr lang="en-US" altLang="zh-CN" dirty="0"/>
               <a:t>ap_entropy</a:t>
             </a:r>
-            <a:endParaRPr lang="en-US" altLang="zh-CN" dirty="0"/>
           </a:p>
           <a:p>
             <a:pPr algn="ctr"/>
@@ -8087,6 +8073,4376 @@
     <p:extLst>
       <p:ext uri="{BB962C8B-B14F-4D97-AF65-F5344CB8AC3E}">
         <p14:creationId xmlns:p14="http://schemas.microsoft.com/office/powerpoint/2010/main" val="2622946741"/>
+      </p:ext>
+    </p:extLst>
+  </p:cSld>
+  <p:clrMapOvr>
+    <a:masterClrMapping/>
+  </p:clrMapOvr>
+</p:sld>
+</file>
+
+<file path=ppt/slides/slide3.xml><?xml version="1.0" encoding="utf-8"?>
+<p:sld xmlns:a="http://schemas.openxmlformats.org/drawingml/2006/main" xmlns:r="http://schemas.openxmlformats.org/officeDocument/2006/relationships" xmlns:p="http://schemas.openxmlformats.org/presentationml/2006/main">
+  <p:cSld>
+    <p:spTree>
+      <p:nvGrpSpPr>
+        <p:cNvPr id="1" name=""/>
+        <p:cNvGrpSpPr/>
+        <p:nvPr/>
+      </p:nvGrpSpPr>
+      <p:grpSpPr>
+        <a:xfrm>
+          <a:off x="0" y="0"/>
+          <a:ext cx="0" cy="0"/>
+          <a:chOff x="0" y="0"/>
+          <a:chExt cx="0" cy="0"/>
+        </a:xfrm>
+      </p:grpSpPr>
+      <p:cxnSp>
+        <p:nvCxnSpPr>
+          <p:cNvPr id="5" name="直接连接符 4"/>
+          <p:cNvCxnSpPr/>
+          <p:nvPr/>
+        </p:nvCxnSpPr>
+        <p:spPr>
+          <a:xfrm>
+            <a:off x="2325950" y="1571348"/>
+            <a:ext cx="8877" cy="1387752"/>
+          </a:xfrm>
+          <a:prstGeom prst="line">
+            <a:avLst/>
+          </a:prstGeom>
+        </p:spPr>
+        <p:style>
+          <a:lnRef idx="3">
+            <a:schemeClr val="dk1"/>
+          </a:lnRef>
+          <a:fillRef idx="0">
+            <a:schemeClr val="dk1"/>
+          </a:fillRef>
+          <a:effectRef idx="2">
+            <a:schemeClr val="dk1"/>
+          </a:effectRef>
+          <a:fontRef idx="minor">
+            <a:schemeClr val="tx1"/>
+          </a:fontRef>
+        </p:style>
+      </p:cxnSp>
+      <p:cxnSp>
+        <p:nvCxnSpPr>
+          <p:cNvPr id="8" name="直接箭头连接符 7"/>
+          <p:cNvCxnSpPr/>
+          <p:nvPr/>
+        </p:nvCxnSpPr>
+        <p:spPr>
+          <a:xfrm>
+            <a:off x="2336800" y="1574800"/>
+            <a:ext cx="361950" cy="0"/>
+          </a:xfrm>
+          <a:prstGeom prst="straightConnector1">
+            <a:avLst/>
+          </a:prstGeom>
+          <a:ln>
+            <a:tailEnd type="triangle"/>
+          </a:ln>
+        </p:spPr>
+        <p:style>
+          <a:lnRef idx="3">
+            <a:schemeClr val="dk1"/>
+          </a:lnRef>
+          <a:fillRef idx="0">
+            <a:schemeClr val="dk1"/>
+          </a:fillRef>
+          <a:effectRef idx="2">
+            <a:schemeClr val="dk1"/>
+          </a:effectRef>
+          <a:fontRef idx="minor">
+            <a:schemeClr val="tx1"/>
+          </a:fontRef>
+        </p:style>
+      </p:cxnSp>
+      <p:cxnSp>
+        <p:nvCxnSpPr>
+          <p:cNvPr id="9" name="直接箭头连接符 8"/>
+          <p:cNvCxnSpPr/>
+          <p:nvPr/>
+        </p:nvCxnSpPr>
+        <p:spPr>
+          <a:xfrm>
+            <a:off x="2334827" y="2959100"/>
+            <a:ext cx="361950" cy="0"/>
+          </a:xfrm>
+          <a:prstGeom prst="straightConnector1">
+            <a:avLst/>
+          </a:prstGeom>
+          <a:ln>
+            <a:tailEnd type="triangle"/>
+          </a:ln>
+        </p:spPr>
+        <p:style>
+          <a:lnRef idx="3">
+            <a:schemeClr val="dk1"/>
+          </a:lnRef>
+          <a:fillRef idx="0">
+            <a:schemeClr val="dk1"/>
+          </a:fillRef>
+          <a:effectRef idx="2">
+            <a:schemeClr val="dk1"/>
+          </a:effectRef>
+          <a:fontRef idx="minor">
+            <a:schemeClr val="tx1"/>
+          </a:fontRef>
+        </p:style>
+      </p:cxnSp>
+      <p:cxnSp>
+        <p:nvCxnSpPr>
+          <p:cNvPr id="12" name="直接连接符 11"/>
+          <p:cNvCxnSpPr/>
+          <p:nvPr/>
+        </p:nvCxnSpPr>
+        <p:spPr>
+          <a:xfrm>
+            <a:off x="2138363" y="2266950"/>
+            <a:ext cx="196464" cy="0"/>
+          </a:xfrm>
+          <a:prstGeom prst="line">
+            <a:avLst/>
+          </a:prstGeom>
+        </p:spPr>
+        <p:style>
+          <a:lnRef idx="3">
+            <a:schemeClr val="dk1"/>
+          </a:lnRef>
+          <a:fillRef idx="0">
+            <a:schemeClr val="dk1"/>
+          </a:fillRef>
+          <a:effectRef idx="2">
+            <a:schemeClr val="dk1"/>
+          </a:effectRef>
+          <a:fontRef idx="minor">
+            <a:schemeClr val="tx1"/>
+          </a:fontRef>
+        </p:style>
+      </p:cxnSp>
+      <p:sp>
+        <p:nvSpPr>
+          <p:cNvPr id="16" name="文本框 15"/>
+          <p:cNvSpPr txBox="1"/>
+          <p:nvPr/>
+        </p:nvSpPr>
+        <p:spPr>
+          <a:xfrm>
+            <a:off x="1647295" y="2080558"/>
+            <a:ext cx="546945" cy="369332"/>
+          </a:xfrm>
+          <a:prstGeom prst="rect">
+            <a:avLst/>
+          </a:prstGeom>
+          <a:noFill/>
+        </p:spPr>
+        <p:txBody>
+          <a:bodyPr wrap="none" rtlCol="0">
+            <a:spAutoFit/>
+          </a:bodyPr>
+          <a:lstStyle/>
+          <a:p>
+            <a:r>
+              <a:rPr lang="en-US" altLang="zh-CN" dirty="0"/>
+              <a:t>x[n]</a:t>
+            </a:r>
+            <a:endParaRPr lang="zh-CN" altLang="en-US" dirty="0"/>
+          </a:p>
+        </p:txBody>
+      </p:sp>
+      <p:sp>
+        <p:nvSpPr>
+          <p:cNvPr id="17" name="矩形 16"/>
+          <p:cNvSpPr/>
+          <p:nvPr/>
+        </p:nvSpPr>
+        <p:spPr>
+          <a:xfrm>
+            <a:off x="2696777" y="1365250"/>
+            <a:ext cx="795723" cy="488950"/>
+          </a:xfrm>
+          <a:prstGeom prst="rect">
+            <a:avLst/>
+          </a:prstGeom>
+          <a:ln>
+            <a:solidFill>
+              <a:schemeClr val="tx1"/>
+            </a:solidFill>
+          </a:ln>
+        </p:spPr>
+        <p:style>
+          <a:lnRef idx="2">
+            <a:schemeClr val="dk1"/>
+          </a:lnRef>
+          <a:fillRef idx="1">
+            <a:schemeClr val="lt1"/>
+          </a:fillRef>
+          <a:effectRef idx="0">
+            <a:schemeClr val="dk1"/>
+          </a:effectRef>
+          <a:fontRef idx="minor">
+            <a:schemeClr val="dk1"/>
+          </a:fontRef>
+        </p:style>
+        <p:txBody>
+          <a:bodyPr rtlCol="0" anchor="ctr"/>
+          <a:lstStyle/>
+          <a:p>
+            <a:pPr algn="ctr"/>
+            <a:r>
+              <a:rPr lang="en-US" altLang="zh-CN" dirty="0"/>
+              <a:t>h[n]</a:t>
+            </a:r>
+            <a:endParaRPr lang="zh-CN" altLang="en-US" dirty="0"/>
+          </a:p>
+        </p:txBody>
+      </p:sp>
+      <p:sp>
+        <p:nvSpPr>
+          <p:cNvPr id="18" name="矩形 17"/>
+          <p:cNvSpPr/>
+          <p:nvPr/>
+        </p:nvSpPr>
+        <p:spPr>
+          <a:xfrm>
+            <a:off x="2696777" y="2714625"/>
+            <a:ext cx="795723" cy="488950"/>
+          </a:xfrm>
+          <a:prstGeom prst="rect">
+            <a:avLst/>
+          </a:prstGeom>
+          <a:ln>
+            <a:solidFill>
+              <a:schemeClr val="tx1"/>
+            </a:solidFill>
+          </a:ln>
+        </p:spPr>
+        <p:style>
+          <a:lnRef idx="2">
+            <a:schemeClr val="dk1"/>
+          </a:lnRef>
+          <a:fillRef idx="1">
+            <a:schemeClr val="lt1"/>
+          </a:fillRef>
+          <a:effectRef idx="0">
+            <a:schemeClr val="dk1"/>
+          </a:effectRef>
+          <a:fontRef idx="minor">
+            <a:schemeClr val="dk1"/>
+          </a:fontRef>
+        </p:style>
+        <p:txBody>
+          <a:bodyPr rtlCol="0" anchor="ctr"/>
+          <a:lstStyle/>
+          <a:p>
+            <a:pPr algn="ctr"/>
+            <a:r>
+              <a:rPr lang="en-US" altLang="zh-CN" dirty="0"/>
+              <a:t>g[n]</a:t>
+            </a:r>
+            <a:endParaRPr lang="zh-CN" altLang="en-US" dirty="0"/>
+          </a:p>
+        </p:txBody>
+      </p:sp>
+      <p:sp>
+        <p:nvSpPr>
+          <p:cNvPr id="19" name="文本框 18"/>
+          <p:cNvSpPr txBox="1"/>
+          <p:nvPr/>
+        </p:nvSpPr>
+        <p:spPr>
+          <a:xfrm>
+            <a:off x="2334827" y="995918"/>
+            <a:ext cx="1625600" cy="369332"/>
+          </a:xfrm>
+          <a:prstGeom prst="rect">
+            <a:avLst/>
+          </a:prstGeom>
+          <a:noFill/>
+        </p:spPr>
+        <p:txBody>
+          <a:bodyPr wrap="square" rtlCol="0">
+            <a:spAutoFit/>
+          </a:bodyPr>
+          <a:lstStyle/>
+          <a:p>
+            <a:r>
+              <a:rPr lang="en-US" altLang="zh-CN" dirty="0"/>
+              <a:t>Low pass filter</a:t>
+            </a:r>
+            <a:endParaRPr lang="zh-CN" altLang="en-US" dirty="0"/>
+          </a:p>
+        </p:txBody>
+      </p:sp>
+      <p:sp>
+        <p:nvSpPr>
+          <p:cNvPr id="20" name="文本框 19"/>
+          <p:cNvSpPr txBox="1"/>
+          <p:nvPr/>
+        </p:nvSpPr>
+        <p:spPr>
+          <a:xfrm>
+            <a:off x="2434477" y="2288699"/>
+            <a:ext cx="1712074" cy="369332"/>
+          </a:xfrm>
+          <a:prstGeom prst="rect">
+            <a:avLst/>
+          </a:prstGeom>
+          <a:noFill/>
+        </p:spPr>
+        <p:txBody>
+          <a:bodyPr wrap="square" rtlCol="0">
+            <a:spAutoFit/>
+          </a:bodyPr>
+          <a:lstStyle/>
+          <a:p>
+            <a:r>
+              <a:rPr lang="en-US" altLang="zh-CN" dirty="0"/>
+              <a:t>High pass filter</a:t>
+            </a:r>
+            <a:endParaRPr lang="zh-CN" altLang="en-US" dirty="0"/>
+          </a:p>
+        </p:txBody>
+      </p:sp>
+      <p:cxnSp>
+        <p:nvCxnSpPr>
+          <p:cNvPr id="21" name="直接箭头连接符 20"/>
+          <p:cNvCxnSpPr/>
+          <p:nvPr/>
+        </p:nvCxnSpPr>
+        <p:spPr>
+          <a:xfrm>
+            <a:off x="3492500" y="1571348"/>
+            <a:ext cx="266700" cy="0"/>
+          </a:xfrm>
+          <a:prstGeom prst="straightConnector1">
+            <a:avLst/>
+          </a:prstGeom>
+          <a:ln>
+            <a:tailEnd type="triangle"/>
+          </a:ln>
+        </p:spPr>
+        <p:style>
+          <a:lnRef idx="3">
+            <a:schemeClr val="dk1"/>
+          </a:lnRef>
+          <a:fillRef idx="0">
+            <a:schemeClr val="dk1"/>
+          </a:fillRef>
+          <a:effectRef idx="2">
+            <a:schemeClr val="dk1"/>
+          </a:effectRef>
+          <a:fontRef idx="minor">
+            <a:schemeClr val="tx1"/>
+          </a:fontRef>
+        </p:style>
+      </p:cxnSp>
+      <p:cxnSp>
+        <p:nvCxnSpPr>
+          <p:cNvPr id="23" name="直接箭头连接符 22"/>
+          <p:cNvCxnSpPr/>
+          <p:nvPr/>
+        </p:nvCxnSpPr>
+        <p:spPr>
+          <a:xfrm>
+            <a:off x="3492500" y="2959100"/>
+            <a:ext cx="266700" cy="0"/>
+          </a:xfrm>
+          <a:prstGeom prst="straightConnector1">
+            <a:avLst/>
+          </a:prstGeom>
+          <a:ln>
+            <a:tailEnd type="triangle"/>
+          </a:ln>
+        </p:spPr>
+        <p:style>
+          <a:lnRef idx="3">
+            <a:schemeClr val="dk1"/>
+          </a:lnRef>
+          <a:fillRef idx="0">
+            <a:schemeClr val="dk1"/>
+          </a:fillRef>
+          <a:effectRef idx="2">
+            <a:schemeClr val="dk1"/>
+          </a:effectRef>
+          <a:fontRef idx="minor">
+            <a:schemeClr val="tx1"/>
+          </a:fontRef>
+        </p:style>
+      </p:cxnSp>
+      <p:sp>
+        <p:nvSpPr>
+          <p:cNvPr id="24" name="椭圆 23"/>
+          <p:cNvSpPr/>
+          <p:nvPr/>
+        </p:nvSpPr>
+        <p:spPr>
+          <a:xfrm>
+            <a:off x="3756026" y="1358623"/>
+            <a:ext cx="781050" cy="425450"/>
+          </a:xfrm>
+          <a:prstGeom prst="ellipse">
+            <a:avLst/>
+          </a:prstGeom>
+          <a:noFill/>
+          <a:ln>
+            <a:solidFill>
+              <a:schemeClr val="tx1"/>
+            </a:solidFill>
+          </a:ln>
+        </p:spPr>
+        <p:style>
+          <a:lnRef idx="2">
+            <a:schemeClr val="dk1"/>
+          </a:lnRef>
+          <a:fillRef idx="1">
+            <a:schemeClr val="lt1"/>
+          </a:fillRef>
+          <a:effectRef idx="0">
+            <a:schemeClr val="dk1"/>
+          </a:effectRef>
+          <a:fontRef idx="minor">
+            <a:schemeClr val="dk1"/>
+          </a:fontRef>
+        </p:style>
+        <p:txBody>
+          <a:bodyPr rtlCol="0" anchor="ctr"/>
+          <a:lstStyle/>
+          <a:p>
+            <a:pPr algn="ctr"/>
+            <a:r>
+              <a:rPr lang="zh-CN" altLang="en-US" dirty="0"/>
+              <a:t>↓</a:t>
+            </a:r>
+            <a:r>
+              <a:rPr lang="en-US" altLang="zh-CN" dirty="0"/>
+              <a:t>2</a:t>
+            </a:r>
+            <a:endParaRPr lang="zh-CN" altLang="en-US" dirty="0"/>
+          </a:p>
+        </p:txBody>
+      </p:sp>
+      <p:sp>
+        <p:nvSpPr>
+          <p:cNvPr id="25" name="椭圆 24"/>
+          <p:cNvSpPr/>
+          <p:nvPr/>
+        </p:nvSpPr>
+        <p:spPr>
+          <a:xfrm>
+            <a:off x="3756026" y="2737207"/>
+            <a:ext cx="781050" cy="425450"/>
+          </a:xfrm>
+          <a:prstGeom prst="ellipse">
+            <a:avLst/>
+          </a:prstGeom>
+          <a:noFill/>
+          <a:ln>
+            <a:solidFill>
+              <a:schemeClr val="tx1"/>
+            </a:solidFill>
+          </a:ln>
+        </p:spPr>
+        <p:style>
+          <a:lnRef idx="2">
+            <a:schemeClr val="dk1"/>
+          </a:lnRef>
+          <a:fillRef idx="1">
+            <a:schemeClr val="lt1"/>
+          </a:fillRef>
+          <a:effectRef idx="0">
+            <a:schemeClr val="dk1"/>
+          </a:effectRef>
+          <a:fontRef idx="minor">
+            <a:schemeClr val="dk1"/>
+          </a:fontRef>
+        </p:style>
+        <p:txBody>
+          <a:bodyPr rtlCol="0" anchor="ctr"/>
+          <a:lstStyle/>
+          <a:p>
+            <a:pPr algn="ctr"/>
+            <a:r>
+              <a:rPr lang="zh-CN" altLang="en-US" dirty="0"/>
+              <a:t>↓</a:t>
+            </a:r>
+            <a:r>
+              <a:rPr lang="en-US" altLang="zh-CN" dirty="0"/>
+              <a:t>2</a:t>
+            </a:r>
+            <a:endParaRPr lang="zh-CN" altLang="en-US" dirty="0"/>
+          </a:p>
+        </p:txBody>
+      </p:sp>
+      <p:cxnSp>
+        <p:nvCxnSpPr>
+          <p:cNvPr id="26" name="直接箭头连接符 25"/>
+          <p:cNvCxnSpPr/>
+          <p:nvPr/>
+        </p:nvCxnSpPr>
+        <p:spPr>
+          <a:xfrm>
+            <a:off x="4537076" y="1571348"/>
+            <a:ext cx="266700" cy="0"/>
+          </a:xfrm>
+          <a:prstGeom prst="straightConnector1">
+            <a:avLst/>
+          </a:prstGeom>
+          <a:ln>
+            <a:tailEnd type="triangle"/>
+          </a:ln>
+        </p:spPr>
+        <p:style>
+          <a:lnRef idx="3">
+            <a:schemeClr val="dk1"/>
+          </a:lnRef>
+          <a:fillRef idx="0">
+            <a:schemeClr val="dk1"/>
+          </a:fillRef>
+          <a:effectRef idx="2">
+            <a:schemeClr val="dk1"/>
+          </a:effectRef>
+          <a:fontRef idx="minor">
+            <a:schemeClr val="tx1"/>
+          </a:fontRef>
+        </p:style>
+      </p:cxnSp>
+      <p:cxnSp>
+        <p:nvCxnSpPr>
+          <p:cNvPr id="27" name="直接箭头连接符 26"/>
+          <p:cNvCxnSpPr/>
+          <p:nvPr/>
+        </p:nvCxnSpPr>
+        <p:spPr>
+          <a:xfrm flipV="1">
+            <a:off x="4537076" y="2944674"/>
+            <a:ext cx="473946" cy="5258"/>
+          </a:xfrm>
+          <a:prstGeom prst="straightConnector1">
+            <a:avLst/>
+          </a:prstGeom>
+          <a:ln>
+            <a:tailEnd type="triangle"/>
+          </a:ln>
+        </p:spPr>
+        <p:style>
+          <a:lnRef idx="3">
+            <a:schemeClr val="dk1"/>
+          </a:lnRef>
+          <a:fillRef idx="0">
+            <a:schemeClr val="dk1"/>
+          </a:fillRef>
+          <a:effectRef idx="2">
+            <a:schemeClr val="dk1"/>
+          </a:effectRef>
+          <a:fontRef idx="minor">
+            <a:schemeClr val="tx1"/>
+          </a:fontRef>
+        </p:style>
+      </p:cxnSp>
+      <p:sp>
+        <p:nvSpPr>
+          <p:cNvPr id="29" name="文本框 28"/>
+          <p:cNvSpPr txBox="1"/>
+          <p:nvPr/>
+        </p:nvSpPr>
+        <p:spPr>
+          <a:xfrm>
+            <a:off x="4707093" y="1380571"/>
+            <a:ext cx="465192" cy="369332"/>
+          </a:xfrm>
+          <a:prstGeom prst="rect">
+            <a:avLst/>
+          </a:prstGeom>
+          <a:noFill/>
+        </p:spPr>
+        <p:txBody>
+          <a:bodyPr wrap="none" rtlCol="0">
+            <a:spAutoFit/>
+          </a:bodyPr>
+          <a:lstStyle/>
+          <a:p>
+            <a:r>
+              <a:rPr lang="en-US" altLang="zh-CN" dirty="0"/>
+              <a:t>D1</a:t>
+            </a:r>
+            <a:endParaRPr lang="zh-CN" altLang="en-US" dirty="0"/>
+          </a:p>
+        </p:txBody>
+      </p:sp>
+      <p:sp>
+        <p:nvSpPr>
+          <p:cNvPr id="30" name="文本框 29"/>
+          <p:cNvSpPr txBox="1"/>
+          <p:nvPr/>
+        </p:nvSpPr>
+        <p:spPr>
+          <a:xfrm>
+            <a:off x="4476298" y="2609910"/>
+            <a:ext cx="453970" cy="369332"/>
+          </a:xfrm>
+          <a:prstGeom prst="rect">
+            <a:avLst/>
+          </a:prstGeom>
+          <a:noFill/>
+        </p:spPr>
+        <p:txBody>
+          <a:bodyPr wrap="none" rtlCol="0">
+            <a:spAutoFit/>
+          </a:bodyPr>
+          <a:lstStyle/>
+          <a:p>
+            <a:r>
+              <a:rPr lang="en-US" altLang="zh-CN" dirty="0"/>
+              <a:t>A1</a:t>
+            </a:r>
+            <a:endParaRPr lang="zh-CN" altLang="en-US" dirty="0"/>
+          </a:p>
+        </p:txBody>
+      </p:sp>
+      <p:cxnSp>
+        <p:nvCxnSpPr>
+          <p:cNvPr id="31" name="直接连接符 30"/>
+          <p:cNvCxnSpPr/>
+          <p:nvPr/>
+        </p:nvCxnSpPr>
+        <p:spPr>
+          <a:xfrm>
+            <a:off x="5011022" y="2258398"/>
+            <a:ext cx="8877" cy="1387752"/>
+          </a:xfrm>
+          <a:prstGeom prst="line">
+            <a:avLst/>
+          </a:prstGeom>
+        </p:spPr>
+        <p:style>
+          <a:lnRef idx="3">
+            <a:schemeClr val="dk1"/>
+          </a:lnRef>
+          <a:fillRef idx="0">
+            <a:schemeClr val="dk1"/>
+          </a:fillRef>
+          <a:effectRef idx="2">
+            <a:schemeClr val="dk1"/>
+          </a:effectRef>
+          <a:fontRef idx="minor">
+            <a:schemeClr val="tx1"/>
+          </a:fontRef>
+        </p:style>
+      </p:cxnSp>
+      <p:cxnSp>
+        <p:nvCxnSpPr>
+          <p:cNvPr id="32" name="直接箭头连接符 31"/>
+          <p:cNvCxnSpPr/>
+          <p:nvPr/>
+        </p:nvCxnSpPr>
+        <p:spPr>
+          <a:xfrm flipV="1">
+            <a:off x="5011022" y="2261850"/>
+            <a:ext cx="372800" cy="5100"/>
+          </a:xfrm>
+          <a:prstGeom prst="straightConnector1">
+            <a:avLst/>
+          </a:prstGeom>
+          <a:ln>
+            <a:tailEnd type="triangle"/>
+          </a:ln>
+        </p:spPr>
+        <p:style>
+          <a:lnRef idx="3">
+            <a:schemeClr val="dk1"/>
+          </a:lnRef>
+          <a:fillRef idx="0">
+            <a:schemeClr val="dk1"/>
+          </a:fillRef>
+          <a:effectRef idx="2">
+            <a:schemeClr val="dk1"/>
+          </a:effectRef>
+          <a:fontRef idx="minor">
+            <a:schemeClr val="tx1"/>
+          </a:fontRef>
+        </p:style>
+      </p:cxnSp>
+      <p:cxnSp>
+        <p:nvCxnSpPr>
+          <p:cNvPr id="33" name="直接箭头连接符 32"/>
+          <p:cNvCxnSpPr/>
+          <p:nvPr/>
+        </p:nvCxnSpPr>
+        <p:spPr>
+          <a:xfrm>
+            <a:off x="5019899" y="3646150"/>
+            <a:ext cx="361950" cy="0"/>
+          </a:xfrm>
+          <a:prstGeom prst="straightConnector1">
+            <a:avLst/>
+          </a:prstGeom>
+          <a:ln>
+            <a:tailEnd type="triangle"/>
+          </a:ln>
+        </p:spPr>
+        <p:style>
+          <a:lnRef idx="3">
+            <a:schemeClr val="dk1"/>
+          </a:lnRef>
+          <a:fillRef idx="0">
+            <a:schemeClr val="dk1"/>
+          </a:fillRef>
+          <a:effectRef idx="2">
+            <a:schemeClr val="dk1"/>
+          </a:effectRef>
+          <a:fontRef idx="minor">
+            <a:schemeClr val="tx1"/>
+          </a:fontRef>
+        </p:style>
+      </p:cxnSp>
+      <p:sp>
+        <p:nvSpPr>
+          <p:cNvPr id="34" name="矩形 33"/>
+          <p:cNvSpPr/>
+          <p:nvPr/>
+        </p:nvSpPr>
+        <p:spPr>
+          <a:xfrm>
+            <a:off x="5381849" y="2052300"/>
+            <a:ext cx="795723" cy="488950"/>
+          </a:xfrm>
+          <a:prstGeom prst="rect">
+            <a:avLst/>
+          </a:prstGeom>
+          <a:ln>
+            <a:solidFill>
+              <a:schemeClr val="tx1"/>
+            </a:solidFill>
+          </a:ln>
+        </p:spPr>
+        <p:style>
+          <a:lnRef idx="2">
+            <a:schemeClr val="dk1"/>
+          </a:lnRef>
+          <a:fillRef idx="1">
+            <a:schemeClr val="lt1"/>
+          </a:fillRef>
+          <a:effectRef idx="0">
+            <a:schemeClr val="dk1"/>
+          </a:effectRef>
+          <a:fontRef idx="minor">
+            <a:schemeClr val="dk1"/>
+          </a:fontRef>
+        </p:style>
+        <p:txBody>
+          <a:bodyPr rtlCol="0" anchor="ctr"/>
+          <a:lstStyle/>
+          <a:p>
+            <a:pPr algn="ctr"/>
+            <a:r>
+              <a:rPr lang="en-US" altLang="zh-CN" dirty="0"/>
+              <a:t>h[n]</a:t>
+            </a:r>
+            <a:endParaRPr lang="zh-CN" altLang="en-US" dirty="0"/>
+          </a:p>
+        </p:txBody>
+      </p:sp>
+      <p:sp>
+        <p:nvSpPr>
+          <p:cNvPr id="35" name="矩形 34"/>
+          <p:cNvSpPr/>
+          <p:nvPr/>
+        </p:nvSpPr>
+        <p:spPr>
+          <a:xfrm>
+            <a:off x="5381849" y="3401675"/>
+            <a:ext cx="795723" cy="488950"/>
+          </a:xfrm>
+          <a:prstGeom prst="rect">
+            <a:avLst/>
+          </a:prstGeom>
+          <a:ln>
+            <a:solidFill>
+              <a:schemeClr val="tx1"/>
+            </a:solidFill>
+          </a:ln>
+        </p:spPr>
+        <p:style>
+          <a:lnRef idx="2">
+            <a:schemeClr val="dk1"/>
+          </a:lnRef>
+          <a:fillRef idx="1">
+            <a:schemeClr val="lt1"/>
+          </a:fillRef>
+          <a:effectRef idx="0">
+            <a:schemeClr val="dk1"/>
+          </a:effectRef>
+          <a:fontRef idx="minor">
+            <a:schemeClr val="dk1"/>
+          </a:fontRef>
+        </p:style>
+        <p:txBody>
+          <a:bodyPr rtlCol="0" anchor="ctr"/>
+          <a:lstStyle/>
+          <a:p>
+            <a:pPr algn="ctr"/>
+            <a:r>
+              <a:rPr lang="en-US" altLang="zh-CN" dirty="0"/>
+              <a:t>g[n]</a:t>
+            </a:r>
+            <a:endParaRPr lang="zh-CN" altLang="en-US" dirty="0"/>
+          </a:p>
+        </p:txBody>
+      </p:sp>
+      <p:cxnSp>
+        <p:nvCxnSpPr>
+          <p:cNvPr id="38" name="直接箭头连接符 37"/>
+          <p:cNvCxnSpPr/>
+          <p:nvPr/>
+        </p:nvCxnSpPr>
+        <p:spPr>
+          <a:xfrm>
+            <a:off x="6177572" y="2258398"/>
+            <a:ext cx="266700" cy="0"/>
+          </a:xfrm>
+          <a:prstGeom prst="straightConnector1">
+            <a:avLst/>
+          </a:prstGeom>
+          <a:ln>
+            <a:tailEnd type="triangle"/>
+          </a:ln>
+        </p:spPr>
+        <p:style>
+          <a:lnRef idx="3">
+            <a:schemeClr val="dk1"/>
+          </a:lnRef>
+          <a:fillRef idx="0">
+            <a:schemeClr val="dk1"/>
+          </a:fillRef>
+          <a:effectRef idx="2">
+            <a:schemeClr val="dk1"/>
+          </a:effectRef>
+          <a:fontRef idx="minor">
+            <a:schemeClr val="tx1"/>
+          </a:fontRef>
+        </p:style>
+      </p:cxnSp>
+      <p:cxnSp>
+        <p:nvCxnSpPr>
+          <p:cNvPr id="39" name="直接箭头连接符 38"/>
+          <p:cNvCxnSpPr/>
+          <p:nvPr/>
+        </p:nvCxnSpPr>
+        <p:spPr>
+          <a:xfrm>
+            <a:off x="6177572" y="3646150"/>
+            <a:ext cx="266700" cy="0"/>
+          </a:xfrm>
+          <a:prstGeom prst="straightConnector1">
+            <a:avLst/>
+          </a:prstGeom>
+          <a:ln>
+            <a:tailEnd type="triangle"/>
+          </a:ln>
+        </p:spPr>
+        <p:style>
+          <a:lnRef idx="3">
+            <a:schemeClr val="dk1"/>
+          </a:lnRef>
+          <a:fillRef idx="0">
+            <a:schemeClr val="dk1"/>
+          </a:fillRef>
+          <a:effectRef idx="2">
+            <a:schemeClr val="dk1"/>
+          </a:effectRef>
+          <a:fontRef idx="minor">
+            <a:schemeClr val="tx1"/>
+          </a:fontRef>
+        </p:style>
+      </p:cxnSp>
+      <p:sp>
+        <p:nvSpPr>
+          <p:cNvPr id="40" name="椭圆 39"/>
+          <p:cNvSpPr/>
+          <p:nvPr/>
+        </p:nvSpPr>
+        <p:spPr>
+          <a:xfrm>
+            <a:off x="6441098" y="2045673"/>
+            <a:ext cx="781050" cy="425450"/>
+          </a:xfrm>
+          <a:prstGeom prst="ellipse">
+            <a:avLst/>
+          </a:prstGeom>
+          <a:noFill/>
+          <a:ln>
+            <a:solidFill>
+              <a:schemeClr val="tx1"/>
+            </a:solidFill>
+          </a:ln>
+        </p:spPr>
+        <p:style>
+          <a:lnRef idx="2">
+            <a:schemeClr val="dk1"/>
+          </a:lnRef>
+          <a:fillRef idx="1">
+            <a:schemeClr val="lt1"/>
+          </a:fillRef>
+          <a:effectRef idx="0">
+            <a:schemeClr val="dk1"/>
+          </a:effectRef>
+          <a:fontRef idx="minor">
+            <a:schemeClr val="dk1"/>
+          </a:fontRef>
+        </p:style>
+        <p:txBody>
+          <a:bodyPr rtlCol="0" anchor="ctr"/>
+          <a:lstStyle/>
+          <a:p>
+            <a:pPr algn="ctr"/>
+            <a:r>
+              <a:rPr lang="zh-CN" altLang="en-US" dirty="0"/>
+              <a:t>↓</a:t>
+            </a:r>
+            <a:r>
+              <a:rPr lang="en-US" altLang="zh-CN" dirty="0"/>
+              <a:t>2</a:t>
+            </a:r>
+            <a:endParaRPr lang="zh-CN" altLang="en-US" dirty="0"/>
+          </a:p>
+        </p:txBody>
+      </p:sp>
+      <p:sp>
+        <p:nvSpPr>
+          <p:cNvPr id="41" name="椭圆 40"/>
+          <p:cNvSpPr/>
+          <p:nvPr/>
+        </p:nvSpPr>
+        <p:spPr>
+          <a:xfrm>
+            <a:off x="6441098" y="3424257"/>
+            <a:ext cx="781050" cy="425450"/>
+          </a:xfrm>
+          <a:prstGeom prst="ellipse">
+            <a:avLst/>
+          </a:prstGeom>
+          <a:noFill/>
+          <a:ln>
+            <a:solidFill>
+              <a:schemeClr val="tx1"/>
+            </a:solidFill>
+          </a:ln>
+        </p:spPr>
+        <p:style>
+          <a:lnRef idx="2">
+            <a:schemeClr val="dk1"/>
+          </a:lnRef>
+          <a:fillRef idx="1">
+            <a:schemeClr val="lt1"/>
+          </a:fillRef>
+          <a:effectRef idx="0">
+            <a:schemeClr val="dk1"/>
+          </a:effectRef>
+          <a:fontRef idx="minor">
+            <a:schemeClr val="dk1"/>
+          </a:fontRef>
+        </p:style>
+        <p:txBody>
+          <a:bodyPr rtlCol="0" anchor="ctr"/>
+          <a:lstStyle/>
+          <a:p>
+            <a:pPr algn="ctr"/>
+            <a:r>
+              <a:rPr lang="zh-CN" altLang="en-US" dirty="0"/>
+              <a:t>↓</a:t>
+            </a:r>
+            <a:r>
+              <a:rPr lang="en-US" altLang="zh-CN" dirty="0"/>
+              <a:t>2</a:t>
+            </a:r>
+            <a:endParaRPr lang="zh-CN" altLang="en-US" dirty="0"/>
+          </a:p>
+        </p:txBody>
+      </p:sp>
+      <p:cxnSp>
+        <p:nvCxnSpPr>
+          <p:cNvPr id="42" name="直接箭头连接符 41"/>
+          <p:cNvCxnSpPr/>
+          <p:nvPr/>
+        </p:nvCxnSpPr>
+        <p:spPr>
+          <a:xfrm>
+            <a:off x="7222148" y="2258398"/>
+            <a:ext cx="266700" cy="0"/>
+          </a:xfrm>
+          <a:prstGeom prst="straightConnector1">
+            <a:avLst/>
+          </a:prstGeom>
+          <a:ln>
+            <a:tailEnd type="triangle"/>
+          </a:ln>
+        </p:spPr>
+        <p:style>
+          <a:lnRef idx="3">
+            <a:schemeClr val="dk1"/>
+          </a:lnRef>
+          <a:fillRef idx="0">
+            <a:schemeClr val="dk1"/>
+          </a:fillRef>
+          <a:effectRef idx="2">
+            <a:schemeClr val="dk1"/>
+          </a:effectRef>
+          <a:fontRef idx="minor">
+            <a:schemeClr val="tx1"/>
+          </a:fontRef>
+        </p:style>
+      </p:cxnSp>
+      <p:cxnSp>
+        <p:nvCxnSpPr>
+          <p:cNvPr id="43" name="直接箭头连接符 42"/>
+          <p:cNvCxnSpPr/>
+          <p:nvPr/>
+        </p:nvCxnSpPr>
+        <p:spPr>
+          <a:xfrm>
+            <a:off x="7222148" y="3636982"/>
+            <a:ext cx="640215" cy="0"/>
+          </a:xfrm>
+          <a:prstGeom prst="straightConnector1">
+            <a:avLst/>
+          </a:prstGeom>
+          <a:ln>
+            <a:tailEnd type="triangle"/>
+          </a:ln>
+        </p:spPr>
+        <p:style>
+          <a:lnRef idx="3">
+            <a:schemeClr val="dk1"/>
+          </a:lnRef>
+          <a:fillRef idx="0">
+            <a:schemeClr val="dk1"/>
+          </a:fillRef>
+          <a:effectRef idx="2">
+            <a:schemeClr val="dk1"/>
+          </a:effectRef>
+          <a:fontRef idx="minor">
+            <a:schemeClr val="tx1"/>
+          </a:fontRef>
+        </p:style>
+      </p:cxnSp>
+      <p:sp>
+        <p:nvSpPr>
+          <p:cNvPr id="44" name="文本框 43"/>
+          <p:cNvSpPr txBox="1"/>
+          <p:nvPr/>
+        </p:nvSpPr>
+        <p:spPr>
+          <a:xfrm>
+            <a:off x="7265725" y="3267650"/>
+            <a:ext cx="453970" cy="369332"/>
+          </a:xfrm>
+          <a:prstGeom prst="rect">
+            <a:avLst/>
+          </a:prstGeom>
+          <a:noFill/>
+        </p:spPr>
+        <p:txBody>
+          <a:bodyPr wrap="none" rtlCol="0">
+            <a:spAutoFit/>
+          </a:bodyPr>
+          <a:lstStyle/>
+          <a:p>
+            <a:r>
+              <a:rPr lang="en-US" altLang="zh-CN" dirty="0"/>
+              <a:t>A2</a:t>
+            </a:r>
+            <a:endParaRPr lang="zh-CN" altLang="en-US" dirty="0"/>
+          </a:p>
+        </p:txBody>
+      </p:sp>
+      <p:sp>
+        <p:nvSpPr>
+          <p:cNvPr id="46" name="文本框 45"/>
+          <p:cNvSpPr txBox="1"/>
+          <p:nvPr/>
+        </p:nvSpPr>
+        <p:spPr>
+          <a:xfrm>
+            <a:off x="7397775" y="2073732"/>
+            <a:ext cx="465192" cy="369332"/>
+          </a:xfrm>
+          <a:prstGeom prst="rect">
+            <a:avLst/>
+          </a:prstGeom>
+          <a:noFill/>
+        </p:spPr>
+        <p:txBody>
+          <a:bodyPr wrap="none" rtlCol="0">
+            <a:spAutoFit/>
+          </a:bodyPr>
+          <a:lstStyle/>
+          <a:p>
+            <a:r>
+              <a:rPr lang="en-US" altLang="zh-CN" dirty="0"/>
+              <a:t>D2</a:t>
+            </a:r>
+            <a:endParaRPr lang="zh-CN" altLang="en-US" dirty="0"/>
+          </a:p>
+        </p:txBody>
+      </p:sp>
+      <p:cxnSp>
+        <p:nvCxnSpPr>
+          <p:cNvPr id="63" name="直接连接符 62"/>
+          <p:cNvCxnSpPr/>
+          <p:nvPr/>
+        </p:nvCxnSpPr>
+        <p:spPr>
+          <a:xfrm>
+            <a:off x="7862363" y="2944674"/>
+            <a:ext cx="8877" cy="1387752"/>
+          </a:xfrm>
+          <a:prstGeom prst="line">
+            <a:avLst/>
+          </a:prstGeom>
+        </p:spPr>
+        <p:style>
+          <a:lnRef idx="3">
+            <a:schemeClr val="dk1"/>
+          </a:lnRef>
+          <a:fillRef idx="0">
+            <a:schemeClr val="dk1"/>
+          </a:fillRef>
+          <a:effectRef idx="2">
+            <a:schemeClr val="dk1"/>
+          </a:effectRef>
+          <a:fontRef idx="minor">
+            <a:schemeClr val="tx1"/>
+          </a:fontRef>
+        </p:style>
+      </p:cxnSp>
+      <p:cxnSp>
+        <p:nvCxnSpPr>
+          <p:cNvPr id="64" name="直接箭头连接符 63"/>
+          <p:cNvCxnSpPr/>
+          <p:nvPr/>
+        </p:nvCxnSpPr>
+        <p:spPr>
+          <a:xfrm>
+            <a:off x="7862363" y="2938910"/>
+            <a:ext cx="372800" cy="9216"/>
+          </a:xfrm>
+          <a:prstGeom prst="straightConnector1">
+            <a:avLst/>
+          </a:prstGeom>
+          <a:ln>
+            <a:tailEnd type="triangle"/>
+          </a:ln>
+        </p:spPr>
+        <p:style>
+          <a:lnRef idx="3">
+            <a:schemeClr val="dk1"/>
+          </a:lnRef>
+          <a:fillRef idx="0">
+            <a:schemeClr val="dk1"/>
+          </a:fillRef>
+          <a:effectRef idx="2">
+            <a:schemeClr val="dk1"/>
+          </a:effectRef>
+          <a:fontRef idx="minor">
+            <a:schemeClr val="tx1"/>
+          </a:fontRef>
+        </p:style>
+      </p:cxnSp>
+      <p:cxnSp>
+        <p:nvCxnSpPr>
+          <p:cNvPr id="65" name="直接箭头连接符 64"/>
+          <p:cNvCxnSpPr/>
+          <p:nvPr/>
+        </p:nvCxnSpPr>
+        <p:spPr>
+          <a:xfrm>
+            <a:off x="7871240" y="4332426"/>
+            <a:ext cx="361950" cy="0"/>
+          </a:xfrm>
+          <a:prstGeom prst="straightConnector1">
+            <a:avLst/>
+          </a:prstGeom>
+          <a:ln>
+            <a:tailEnd type="triangle"/>
+          </a:ln>
+        </p:spPr>
+        <p:style>
+          <a:lnRef idx="3">
+            <a:schemeClr val="dk1"/>
+          </a:lnRef>
+          <a:fillRef idx="0">
+            <a:schemeClr val="dk1"/>
+          </a:fillRef>
+          <a:effectRef idx="2">
+            <a:schemeClr val="dk1"/>
+          </a:effectRef>
+          <a:fontRef idx="minor">
+            <a:schemeClr val="tx1"/>
+          </a:fontRef>
+        </p:style>
+      </p:cxnSp>
+      <p:sp>
+        <p:nvSpPr>
+          <p:cNvPr id="66" name="矩形 65"/>
+          <p:cNvSpPr/>
+          <p:nvPr/>
+        </p:nvSpPr>
+        <p:spPr>
+          <a:xfrm>
+            <a:off x="8233190" y="2738576"/>
+            <a:ext cx="795723" cy="488950"/>
+          </a:xfrm>
+          <a:prstGeom prst="rect">
+            <a:avLst/>
+          </a:prstGeom>
+          <a:ln>
+            <a:solidFill>
+              <a:schemeClr val="tx1"/>
+            </a:solidFill>
+          </a:ln>
+        </p:spPr>
+        <p:style>
+          <a:lnRef idx="2">
+            <a:schemeClr val="dk1"/>
+          </a:lnRef>
+          <a:fillRef idx="1">
+            <a:schemeClr val="lt1"/>
+          </a:fillRef>
+          <a:effectRef idx="0">
+            <a:schemeClr val="dk1"/>
+          </a:effectRef>
+          <a:fontRef idx="minor">
+            <a:schemeClr val="dk1"/>
+          </a:fontRef>
+        </p:style>
+        <p:txBody>
+          <a:bodyPr rtlCol="0" anchor="ctr"/>
+          <a:lstStyle/>
+          <a:p>
+            <a:pPr algn="ctr"/>
+            <a:r>
+              <a:rPr lang="en-US" altLang="zh-CN" dirty="0"/>
+              <a:t>h[n]</a:t>
+            </a:r>
+            <a:endParaRPr lang="zh-CN" altLang="en-US" dirty="0"/>
+          </a:p>
+        </p:txBody>
+      </p:sp>
+      <p:sp>
+        <p:nvSpPr>
+          <p:cNvPr id="67" name="矩形 66"/>
+          <p:cNvSpPr/>
+          <p:nvPr/>
+        </p:nvSpPr>
+        <p:spPr>
+          <a:xfrm>
+            <a:off x="8233190" y="4087951"/>
+            <a:ext cx="795723" cy="488950"/>
+          </a:xfrm>
+          <a:prstGeom prst="rect">
+            <a:avLst/>
+          </a:prstGeom>
+          <a:ln>
+            <a:solidFill>
+              <a:schemeClr val="tx1"/>
+            </a:solidFill>
+          </a:ln>
+        </p:spPr>
+        <p:style>
+          <a:lnRef idx="2">
+            <a:schemeClr val="dk1"/>
+          </a:lnRef>
+          <a:fillRef idx="1">
+            <a:schemeClr val="lt1"/>
+          </a:fillRef>
+          <a:effectRef idx="0">
+            <a:schemeClr val="dk1"/>
+          </a:effectRef>
+          <a:fontRef idx="minor">
+            <a:schemeClr val="dk1"/>
+          </a:fontRef>
+        </p:style>
+        <p:txBody>
+          <a:bodyPr rtlCol="0" anchor="ctr"/>
+          <a:lstStyle/>
+          <a:p>
+            <a:pPr algn="ctr"/>
+            <a:r>
+              <a:rPr lang="en-US" altLang="zh-CN" dirty="0"/>
+              <a:t>g[n]</a:t>
+            </a:r>
+            <a:endParaRPr lang="zh-CN" altLang="en-US" dirty="0"/>
+          </a:p>
+        </p:txBody>
+      </p:sp>
+      <p:cxnSp>
+        <p:nvCxnSpPr>
+          <p:cNvPr id="68" name="直接箭头连接符 67"/>
+          <p:cNvCxnSpPr/>
+          <p:nvPr/>
+        </p:nvCxnSpPr>
+        <p:spPr>
+          <a:xfrm>
+            <a:off x="9028913" y="2944674"/>
+            <a:ext cx="266700" cy="0"/>
+          </a:xfrm>
+          <a:prstGeom prst="straightConnector1">
+            <a:avLst/>
+          </a:prstGeom>
+          <a:ln>
+            <a:tailEnd type="triangle"/>
+          </a:ln>
+        </p:spPr>
+        <p:style>
+          <a:lnRef idx="3">
+            <a:schemeClr val="dk1"/>
+          </a:lnRef>
+          <a:fillRef idx="0">
+            <a:schemeClr val="dk1"/>
+          </a:fillRef>
+          <a:effectRef idx="2">
+            <a:schemeClr val="dk1"/>
+          </a:effectRef>
+          <a:fontRef idx="minor">
+            <a:schemeClr val="tx1"/>
+          </a:fontRef>
+        </p:style>
+      </p:cxnSp>
+      <p:cxnSp>
+        <p:nvCxnSpPr>
+          <p:cNvPr id="69" name="直接箭头连接符 68"/>
+          <p:cNvCxnSpPr/>
+          <p:nvPr/>
+        </p:nvCxnSpPr>
+        <p:spPr>
+          <a:xfrm>
+            <a:off x="9028913" y="4332426"/>
+            <a:ext cx="266700" cy="0"/>
+          </a:xfrm>
+          <a:prstGeom prst="straightConnector1">
+            <a:avLst/>
+          </a:prstGeom>
+          <a:ln>
+            <a:tailEnd type="triangle"/>
+          </a:ln>
+        </p:spPr>
+        <p:style>
+          <a:lnRef idx="3">
+            <a:schemeClr val="dk1"/>
+          </a:lnRef>
+          <a:fillRef idx="0">
+            <a:schemeClr val="dk1"/>
+          </a:fillRef>
+          <a:effectRef idx="2">
+            <a:schemeClr val="dk1"/>
+          </a:effectRef>
+          <a:fontRef idx="minor">
+            <a:schemeClr val="tx1"/>
+          </a:fontRef>
+        </p:style>
+      </p:cxnSp>
+      <p:sp>
+        <p:nvSpPr>
+          <p:cNvPr id="70" name="椭圆 69"/>
+          <p:cNvSpPr/>
+          <p:nvPr/>
+        </p:nvSpPr>
+        <p:spPr>
+          <a:xfrm>
+            <a:off x="9292439" y="2731949"/>
+            <a:ext cx="781050" cy="425450"/>
+          </a:xfrm>
+          <a:prstGeom prst="ellipse">
+            <a:avLst/>
+          </a:prstGeom>
+          <a:noFill/>
+          <a:ln>
+            <a:solidFill>
+              <a:schemeClr val="tx1"/>
+            </a:solidFill>
+          </a:ln>
+        </p:spPr>
+        <p:style>
+          <a:lnRef idx="2">
+            <a:schemeClr val="dk1"/>
+          </a:lnRef>
+          <a:fillRef idx="1">
+            <a:schemeClr val="lt1"/>
+          </a:fillRef>
+          <a:effectRef idx="0">
+            <a:schemeClr val="dk1"/>
+          </a:effectRef>
+          <a:fontRef idx="minor">
+            <a:schemeClr val="dk1"/>
+          </a:fontRef>
+        </p:style>
+        <p:txBody>
+          <a:bodyPr rtlCol="0" anchor="ctr"/>
+          <a:lstStyle/>
+          <a:p>
+            <a:pPr algn="ctr"/>
+            <a:r>
+              <a:rPr lang="zh-CN" altLang="en-US" dirty="0"/>
+              <a:t>↓</a:t>
+            </a:r>
+            <a:r>
+              <a:rPr lang="en-US" altLang="zh-CN" dirty="0"/>
+              <a:t>2</a:t>
+            </a:r>
+            <a:endParaRPr lang="zh-CN" altLang="en-US" dirty="0"/>
+          </a:p>
+        </p:txBody>
+      </p:sp>
+      <p:sp>
+        <p:nvSpPr>
+          <p:cNvPr id="71" name="椭圆 70"/>
+          <p:cNvSpPr/>
+          <p:nvPr/>
+        </p:nvSpPr>
+        <p:spPr>
+          <a:xfrm>
+            <a:off x="9292439" y="4110533"/>
+            <a:ext cx="781050" cy="425450"/>
+          </a:xfrm>
+          <a:prstGeom prst="ellipse">
+            <a:avLst/>
+          </a:prstGeom>
+          <a:noFill/>
+          <a:ln>
+            <a:solidFill>
+              <a:schemeClr val="tx1"/>
+            </a:solidFill>
+          </a:ln>
+        </p:spPr>
+        <p:style>
+          <a:lnRef idx="2">
+            <a:schemeClr val="dk1"/>
+          </a:lnRef>
+          <a:fillRef idx="1">
+            <a:schemeClr val="lt1"/>
+          </a:fillRef>
+          <a:effectRef idx="0">
+            <a:schemeClr val="dk1"/>
+          </a:effectRef>
+          <a:fontRef idx="minor">
+            <a:schemeClr val="dk1"/>
+          </a:fontRef>
+        </p:style>
+        <p:txBody>
+          <a:bodyPr rtlCol="0" anchor="ctr"/>
+          <a:lstStyle/>
+          <a:p>
+            <a:pPr algn="ctr"/>
+            <a:r>
+              <a:rPr lang="zh-CN" altLang="en-US" dirty="0"/>
+              <a:t>↓</a:t>
+            </a:r>
+            <a:r>
+              <a:rPr lang="en-US" altLang="zh-CN" dirty="0"/>
+              <a:t>2</a:t>
+            </a:r>
+            <a:endParaRPr lang="zh-CN" altLang="en-US" dirty="0"/>
+          </a:p>
+        </p:txBody>
+      </p:sp>
+      <p:cxnSp>
+        <p:nvCxnSpPr>
+          <p:cNvPr id="72" name="直接箭头连接符 71"/>
+          <p:cNvCxnSpPr/>
+          <p:nvPr/>
+        </p:nvCxnSpPr>
+        <p:spPr>
+          <a:xfrm>
+            <a:off x="10073489" y="2944674"/>
+            <a:ext cx="266700" cy="0"/>
+          </a:xfrm>
+          <a:prstGeom prst="straightConnector1">
+            <a:avLst/>
+          </a:prstGeom>
+          <a:ln>
+            <a:tailEnd type="triangle"/>
+          </a:ln>
+        </p:spPr>
+        <p:style>
+          <a:lnRef idx="3">
+            <a:schemeClr val="dk1"/>
+          </a:lnRef>
+          <a:fillRef idx="0">
+            <a:schemeClr val="dk1"/>
+          </a:fillRef>
+          <a:effectRef idx="2">
+            <a:schemeClr val="dk1"/>
+          </a:effectRef>
+          <a:fontRef idx="minor">
+            <a:schemeClr val="tx1"/>
+          </a:fontRef>
+        </p:style>
+      </p:cxnSp>
+      <p:cxnSp>
+        <p:nvCxnSpPr>
+          <p:cNvPr id="73" name="直接箭头连接符 72"/>
+          <p:cNvCxnSpPr/>
+          <p:nvPr/>
+        </p:nvCxnSpPr>
+        <p:spPr>
+          <a:xfrm>
+            <a:off x="10073489" y="4323258"/>
+            <a:ext cx="640215" cy="0"/>
+          </a:xfrm>
+          <a:prstGeom prst="straightConnector1">
+            <a:avLst/>
+          </a:prstGeom>
+          <a:ln>
+            <a:tailEnd type="triangle"/>
+          </a:ln>
+        </p:spPr>
+        <p:style>
+          <a:lnRef idx="3">
+            <a:schemeClr val="dk1"/>
+          </a:lnRef>
+          <a:fillRef idx="0">
+            <a:schemeClr val="dk1"/>
+          </a:fillRef>
+          <a:effectRef idx="2">
+            <a:schemeClr val="dk1"/>
+          </a:effectRef>
+          <a:fontRef idx="minor">
+            <a:schemeClr val="tx1"/>
+          </a:fontRef>
+        </p:style>
+      </p:cxnSp>
+      <p:sp>
+        <p:nvSpPr>
+          <p:cNvPr id="74" name="文本框 73"/>
+          <p:cNvSpPr txBox="1"/>
+          <p:nvPr/>
+        </p:nvSpPr>
+        <p:spPr>
+          <a:xfrm>
+            <a:off x="10117066" y="3953926"/>
+            <a:ext cx="453970" cy="369332"/>
+          </a:xfrm>
+          <a:prstGeom prst="rect">
+            <a:avLst/>
+          </a:prstGeom>
+          <a:noFill/>
+        </p:spPr>
+        <p:txBody>
+          <a:bodyPr wrap="none" rtlCol="0">
+            <a:spAutoFit/>
+          </a:bodyPr>
+          <a:lstStyle/>
+          <a:p>
+            <a:r>
+              <a:rPr lang="en-US" altLang="zh-CN" dirty="0"/>
+              <a:t>A3</a:t>
+            </a:r>
+            <a:endParaRPr lang="zh-CN" altLang="en-US" dirty="0"/>
+          </a:p>
+        </p:txBody>
+      </p:sp>
+      <p:sp>
+        <p:nvSpPr>
+          <p:cNvPr id="75" name="文本框 74"/>
+          <p:cNvSpPr txBox="1"/>
+          <p:nvPr/>
+        </p:nvSpPr>
+        <p:spPr>
+          <a:xfrm>
+            <a:off x="10249116" y="2760008"/>
+            <a:ext cx="465192" cy="369332"/>
+          </a:xfrm>
+          <a:prstGeom prst="rect">
+            <a:avLst/>
+          </a:prstGeom>
+          <a:noFill/>
+        </p:spPr>
+        <p:txBody>
+          <a:bodyPr wrap="none" rtlCol="0">
+            <a:spAutoFit/>
+          </a:bodyPr>
+          <a:lstStyle/>
+          <a:p>
+            <a:r>
+              <a:rPr lang="en-US" altLang="zh-CN" dirty="0"/>
+              <a:t>D3</a:t>
+            </a:r>
+            <a:endParaRPr lang="zh-CN" altLang="en-US" dirty="0"/>
+          </a:p>
+        </p:txBody>
+      </p:sp>
+      <p:sp>
+        <p:nvSpPr>
+          <p:cNvPr id="81" name="文本框 80"/>
+          <p:cNvSpPr txBox="1"/>
+          <p:nvPr/>
+        </p:nvSpPr>
+        <p:spPr>
+          <a:xfrm>
+            <a:off x="10854539" y="3969315"/>
+            <a:ext cx="791361" cy="707886"/>
+          </a:xfrm>
+          <a:prstGeom prst="rect">
+            <a:avLst/>
+          </a:prstGeom>
+          <a:noFill/>
+        </p:spPr>
+        <p:txBody>
+          <a:bodyPr wrap="square" rtlCol="0">
+            <a:spAutoFit/>
+          </a:bodyPr>
+          <a:lstStyle/>
+          <a:p>
+            <a:r>
+              <a:rPr lang="en-US" altLang="zh-CN" sz="4000" b="1" dirty="0"/>
+              <a:t>…</a:t>
+            </a:r>
+            <a:endParaRPr lang="zh-CN" altLang="en-US" b="1" dirty="0"/>
+          </a:p>
+        </p:txBody>
+      </p:sp>
+    </p:spTree>
+    <p:extLst>
+      <p:ext uri="{BB962C8B-B14F-4D97-AF65-F5344CB8AC3E}">
+        <p14:creationId xmlns:p14="http://schemas.microsoft.com/office/powerpoint/2010/main" val="619712765"/>
+      </p:ext>
+    </p:extLst>
+  </p:cSld>
+  <p:clrMapOvr>
+    <a:masterClrMapping/>
+  </p:clrMapOvr>
+</p:sld>
+</file>
+
+<file path=ppt/slides/slide4.xml><?xml version="1.0" encoding="utf-8"?>
+<p:sld xmlns:a="http://schemas.openxmlformats.org/drawingml/2006/main" xmlns:r="http://schemas.openxmlformats.org/officeDocument/2006/relationships" xmlns:p="http://schemas.openxmlformats.org/presentationml/2006/main">
+  <p:cSld>
+    <p:spTree>
+      <p:nvGrpSpPr>
+        <p:cNvPr id="1" name=""/>
+        <p:cNvGrpSpPr/>
+        <p:nvPr/>
+      </p:nvGrpSpPr>
+      <p:grpSpPr>
+        <a:xfrm>
+          <a:off x="0" y="0"/>
+          <a:ext cx="0" cy="0"/>
+          <a:chOff x="0" y="0"/>
+          <a:chExt cx="0" cy="0"/>
+        </a:xfrm>
+      </p:grpSpPr>
+      <p:sp>
+        <p:nvSpPr>
+          <p:cNvPr id="4" name="矩形 3"/>
+          <p:cNvSpPr/>
+          <p:nvPr/>
+        </p:nvSpPr>
+        <p:spPr>
+          <a:xfrm>
+            <a:off x="2955925" y="527050"/>
+            <a:ext cx="1282700" cy="520700"/>
+          </a:xfrm>
+          <a:prstGeom prst="rect">
+            <a:avLst/>
+          </a:prstGeom>
+        </p:spPr>
+        <p:style>
+          <a:lnRef idx="2">
+            <a:schemeClr val="accent1">
+              <a:shade val="50000"/>
+            </a:schemeClr>
+          </a:lnRef>
+          <a:fillRef idx="1">
+            <a:schemeClr val="accent1"/>
+          </a:fillRef>
+          <a:effectRef idx="0">
+            <a:schemeClr val="accent1"/>
+          </a:effectRef>
+          <a:fontRef idx="minor">
+            <a:schemeClr val="lt1"/>
+          </a:fontRef>
+        </p:style>
+        <p:txBody>
+          <a:bodyPr rtlCol="0" anchor="ctr"/>
+          <a:lstStyle/>
+          <a:p>
+            <a:pPr algn="ctr"/>
+            <a:r>
+              <a:rPr lang="en-US" altLang="zh-CN" dirty="0"/>
+              <a:t>128Hz</a:t>
+            </a:r>
+            <a:endParaRPr lang="zh-CN" altLang="en-US" dirty="0"/>
+          </a:p>
+        </p:txBody>
+      </p:sp>
+      <p:sp>
+        <p:nvSpPr>
+          <p:cNvPr id="15" name="矩形 14"/>
+          <p:cNvSpPr/>
+          <p:nvPr/>
+        </p:nvSpPr>
+        <p:spPr>
+          <a:xfrm>
+            <a:off x="2159000" y="1371600"/>
+            <a:ext cx="1282700" cy="520700"/>
+          </a:xfrm>
+          <a:prstGeom prst="rect">
+            <a:avLst/>
+          </a:prstGeom>
+        </p:spPr>
+        <p:style>
+          <a:lnRef idx="2">
+            <a:schemeClr val="accent1">
+              <a:shade val="50000"/>
+            </a:schemeClr>
+          </a:lnRef>
+          <a:fillRef idx="1">
+            <a:schemeClr val="accent1"/>
+          </a:fillRef>
+          <a:effectRef idx="0">
+            <a:schemeClr val="accent1"/>
+          </a:effectRef>
+          <a:fontRef idx="minor">
+            <a:schemeClr val="lt1"/>
+          </a:fontRef>
+        </p:style>
+        <p:txBody>
+          <a:bodyPr rtlCol="0" anchor="ctr"/>
+          <a:lstStyle/>
+          <a:p>
+            <a:pPr algn="ctr"/>
+            <a:r>
+              <a:rPr lang="en-US" altLang="zh-CN" dirty="0"/>
+              <a:t>A1(0-64Hz)</a:t>
+            </a:r>
+            <a:endParaRPr lang="zh-CN" altLang="en-US" dirty="0"/>
+          </a:p>
+        </p:txBody>
+      </p:sp>
+      <p:sp>
+        <p:nvSpPr>
+          <p:cNvPr id="16" name="矩形 15"/>
+          <p:cNvSpPr/>
+          <p:nvPr/>
+        </p:nvSpPr>
+        <p:spPr>
+          <a:xfrm>
+            <a:off x="3765550" y="1371600"/>
+            <a:ext cx="1562100" cy="520700"/>
+          </a:xfrm>
+          <a:prstGeom prst="rect">
+            <a:avLst/>
+          </a:prstGeom>
+        </p:spPr>
+        <p:style>
+          <a:lnRef idx="2">
+            <a:schemeClr val="accent1">
+              <a:shade val="50000"/>
+            </a:schemeClr>
+          </a:lnRef>
+          <a:fillRef idx="1">
+            <a:schemeClr val="accent1"/>
+          </a:fillRef>
+          <a:effectRef idx="0">
+            <a:schemeClr val="accent1"/>
+          </a:effectRef>
+          <a:fontRef idx="minor">
+            <a:schemeClr val="lt1"/>
+          </a:fontRef>
+        </p:style>
+        <p:txBody>
+          <a:bodyPr rtlCol="0" anchor="ctr"/>
+          <a:lstStyle/>
+          <a:p>
+            <a:pPr algn="ctr"/>
+            <a:r>
+              <a:rPr lang="en-US" altLang="zh-CN" dirty="0"/>
+              <a:t>D1(64-128Hz)</a:t>
+            </a:r>
+            <a:endParaRPr lang="zh-CN" altLang="en-US" dirty="0"/>
+          </a:p>
+        </p:txBody>
+      </p:sp>
+      <p:sp>
+        <p:nvSpPr>
+          <p:cNvPr id="17" name="矩形 16"/>
+          <p:cNvSpPr/>
+          <p:nvPr/>
+        </p:nvSpPr>
+        <p:spPr>
+          <a:xfrm>
+            <a:off x="1657350" y="2209800"/>
+            <a:ext cx="1282700" cy="520700"/>
+          </a:xfrm>
+          <a:prstGeom prst="rect">
+            <a:avLst/>
+          </a:prstGeom>
+        </p:spPr>
+        <p:style>
+          <a:lnRef idx="2">
+            <a:schemeClr val="accent1">
+              <a:shade val="50000"/>
+            </a:schemeClr>
+          </a:lnRef>
+          <a:fillRef idx="1">
+            <a:schemeClr val="accent1"/>
+          </a:fillRef>
+          <a:effectRef idx="0">
+            <a:schemeClr val="accent1"/>
+          </a:effectRef>
+          <a:fontRef idx="minor">
+            <a:schemeClr val="lt1"/>
+          </a:fontRef>
+        </p:style>
+        <p:txBody>
+          <a:bodyPr rtlCol="0" anchor="ctr"/>
+          <a:lstStyle/>
+          <a:p>
+            <a:pPr algn="ctr"/>
+            <a:r>
+              <a:rPr lang="en-US" altLang="zh-CN" dirty="0"/>
+              <a:t>A2(0-32Hz)</a:t>
+            </a:r>
+            <a:endParaRPr lang="zh-CN" altLang="en-US" dirty="0"/>
+          </a:p>
+        </p:txBody>
+      </p:sp>
+      <p:sp>
+        <p:nvSpPr>
+          <p:cNvPr id="18" name="矩形 17"/>
+          <p:cNvSpPr/>
+          <p:nvPr/>
+        </p:nvSpPr>
+        <p:spPr>
+          <a:xfrm>
+            <a:off x="3206750" y="2209800"/>
+            <a:ext cx="1441450" cy="520700"/>
+          </a:xfrm>
+          <a:prstGeom prst="rect">
+            <a:avLst/>
+          </a:prstGeom>
+        </p:spPr>
+        <p:style>
+          <a:lnRef idx="2">
+            <a:schemeClr val="accent1">
+              <a:shade val="50000"/>
+            </a:schemeClr>
+          </a:lnRef>
+          <a:fillRef idx="1">
+            <a:schemeClr val="accent1"/>
+          </a:fillRef>
+          <a:effectRef idx="0">
+            <a:schemeClr val="accent1"/>
+          </a:effectRef>
+          <a:fontRef idx="minor">
+            <a:schemeClr val="lt1"/>
+          </a:fontRef>
+        </p:style>
+        <p:txBody>
+          <a:bodyPr rtlCol="0" anchor="ctr"/>
+          <a:lstStyle/>
+          <a:p>
+            <a:pPr algn="ctr"/>
+            <a:r>
+              <a:rPr lang="en-US" altLang="zh-CN" dirty="0"/>
+              <a:t>D2(32-64Hz)</a:t>
+            </a:r>
+            <a:endParaRPr lang="zh-CN" altLang="en-US" dirty="0"/>
+          </a:p>
+        </p:txBody>
+      </p:sp>
+      <p:sp>
+        <p:nvSpPr>
+          <p:cNvPr id="19" name="矩形 18"/>
+          <p:cNvSpPr/>
+          <p:nvPr/>
+        </p:nvSpPr>
+        <p:spPr>
+          <a:xfrm>
+            <a:off x="1168400" y="3009900"/>
+            <a:ext cx="1282700" cy="520700"/>
+          </a:xfrm>
+          <a:prstGeom prst="rect">
+            <a:avLst/>
+          </a:prstGeom>
+        </p:spPr>
+        <p:style>
+          <a:lnRef idx="2">
+            <a:schemeClr val="accent1">
+              <a:shade val="50000"/>
+            </a:schemeClr>
+          </a:lnRef>
+          <a:fillRef idx="1">
+            <a:schemeClr val="accent1"/>
+          </a:fillRef>
+          <a:effectRef idx="0">
+            <a:schemeClr val="accent1"/>
+          </a:effectRef>
+          <a:fontRef idx="minor">
+            <a:schemeClr val="lt1"/>
+          </a:fontRef>
+        </p:style>
+        <p:txBody>
+          <a:bodyPr rtlCol="0" anchor="ctr"/>
+          <a:lstStyle/>
+          <a:p>
+            <a:pPr algn="ctr"/>
+            <a:r>
+              <a:rPr lang="en-US" altLang="zh-CN" dirty="0"/>
+              <a:t>A3(0-16Hz)</a:t>
+            </a:r>
+            <a:endParaRPr lang="zh-CN" altLang="en-US" dirty="0"/>
+          </a:p>
+        </p:txBody>
+      </p:sp>
+      <p:sp>
+        <p:nvSpPr>
+          <p:cNvPr id="20" name="矩形 19"/>
+          <p:cNvSpPr/>
+          <p:nvPr/>
+        </p:nvSpPr>
+        <p:spPr>
+          <a:xfrm>
+            <a:off x="2759075" y="3035300"/>
+            <a:ext cx="1441450" cy="520700"/>
+          </a:xfrm>
+          <a:prstGeom prst="rect">
+            <a:avLst/>
+          </a:prstGeom>
+        </p:spPr>
+        <p:style>
+          <a:lnRef idx="2">
+            <a:schemeClr val="accent1">
+              <a:shade val="50000"/>
+            </a:schemeClr>
+          </a:lnRef>
+          <a:fillRef idx="1">
+            <a:schemeClr val="accent1"/>
+          </a:fillRef>
+          <a:effectRef idx="0">
+            <a:schemeClr val="accent1"/>
+          </a:effectRef>
+          <a:fontRef idx="minor">
+            <a:schemeClr val="lt1"/>
+          </a:fontRef>
+        </p:style>
+        <p:txBody>
+          <a:bodyPr rtlCol="0" anchor="ctr"/>
+          <a:lstStyle/>
+          <a:p>
+            <a:pPr algn="ctr"/>
+            <a:r>
+              <a:rPr lang="en-US" altLang="zh-CN" dirty="0"/>
+              <a:t>D3(16-32Hz)</a:t>
+            </a:r>
+            <a:endParaRPr lang="zh-CN" altLang="en-US" dirty="0"/>
+          </a:p>
+        </p:txBody>
+      </p:sp>
+      <p:sp>
+        <p:nvSpPr>
+          <p:cNvPr id="21" name="矩形 20"/>
+          <p:cNvSpPr/>
+          <p:nvPr/>
+        </p:nvSpPr>
+        <p:spPr>
+          <a:xfrm>
+            <a:off x="800100" y="3854450"/>
+            <a:ext cx="1282700" cy="520700"/>
+          </a:xfrm>
+          <a:prstGeom prst="rect">
+            <a:avLst/>
+          </a:prstGeom>
+        </p:spPr>
+        <p:style>
+          <a:lnRef idx="2">
+            <a:schemeClr val="accent1">
+              <a:shade val="50000"/>
+            </a:schemeClr>
+          </a:lnRef>
+          <a:fillRef idx="1">
+            <a:schemeClr val="accent1"/>
+          </a:fillRef>
+          <a:effectRef idx="0">
+            <a:schemeClr val="accent1"/>
+          </a:effectRef>
+          <a:fontRef idx="minor">
+            <a:schemeClr val="lt1"/>
+          </a:fontRef>
+        </p:style>
+        <p:txBody>
+          <a:bodyPr rtlCol="0" anchor="ctr"/>
+          <a:lstStyle/>
+          <a:p>
+            <a:pPr algn="ctr"/>
+            <a:r>
+              <a:rPr lang="en-US" altLang="zh-CN" dirty="0"/>
+              <a:t>A4(0-8Hz)</a:t>
+            </a:r>
+            <a:endParaRPr lang="zh-CN" altLang="en-US" dirty="0"/>
+          </a:p>
+        </p:txBody>
+      </p:sp>
+      <p:sp>
+        <p:nvSpPr>
+          <p:cNvPr id="22" name="矩形 21"/>
+          <p:cNvSpPr/>
+          <p:nvPr/>
+        </p:nvSpPr>
+        <p:spPr>
+          <a:xfrm>
+            <a:off x="2397125" y="3873500"/>
+            <a:ext cx="1441450" cy="520700"/>
+          </a:xfrm>
+          <a:prstGeom prst="rect">
+            <a:avLst/>
+          </a:prstGeom>
+        </p:spPr>
+        <p:style>
+          <a:lnRef idx="2">
+            <a:schemeClr val="accent1">
+              <a:shade val="50000"/>
+            </a:schemeClr>
+          </a:lnRef>
+          <a:fillRef idx="1">
+            <a:schemeClr val="accent1"/>
+          </a:fillRef>
+          <a:effectRef idx="0">
+            <a:schemeClr val="accent1"/>
+          </a:effectRef>
+          <a:fontRef idx="minor">
+            <a:schemeClr val="lt1"/>
+          </a:fontRef>
+        </p:style>
+        <p:txBody>
+          <a:bodyPr rtlCol="0" anchor="ctr"/>
+          <a:lstStyle/>
+          <a:p>
+            <a:pPr algn="ctr"/>
+            <a:r>
+              <a:rPr lang="en-US" altLang="zh-CN" dirty="0"/>
+              <a:t>D4(8-16Hz)</a:t>
+            </a:r>
+            <a:endParaRPr lang="zh-CN" altLang="en-US" dirty="0"/>
+          </a:p>
+        </p:txBody>
+      </p:sp>
+      <p:sp>
+        <p:nvSpPr>
+          <p:cNvPr id="23" name="矩形 22"/>
+          <p:cNvSpPr/>
+          <p:nvPr/>
+        </p:nvSpPr>
+        <p:spPr>
+          <a:xfrm>
+            <a:off x="374650" y="4699000"/>
+            <a:ext cx="1282700" cy="520700"/>
+          </a:xfrm>
+          <a:prstGeom prst="rect">
+            <a:avLst/>
+          </a:prstGeom>
+        </p:spPr>
+        <p:style>
+          <a:lnRef idx="2">
+            <a:schemeClr val="accent1">
+              <a:shade val="50000"/>
+            </a:schemeClr>
+          </a:lnRef>
+          <a:fillRef idx="1">
+            <a:schemeClr val="accent1"/>
+          </a:fillRef>
+          <a:effectRef idx="0">
+            <a:schemeClr val="accent1"/>
+          </a:effectRef>
+          <a:fontRef idx="minor">
+            <a:schemeClr val="lt1"/>
+          </a:fontRef>
+        </p:style>
+        <p:txBody>
+          <a:bodyPr rtlCol="0" anchor="ctr"/>
+          <a:lstStyle/>
+          <a:p>
+            <a:pPr algn="ctr"/>
+            <a:r>
+              <a:rPr lang="en-US" altLang="zh-CN" dirty="0"/>
+              <a:t>A5(0-4Hz)</a:t>
+            </a:r>
+            <a:endParaRPr lang="zh-CN" altLang="en-US" dirty="0"/>
+          </a:p>
+        </p:txBody>
+      </p:sp>
+      <p:sp>
+        <p:nvSpPr>
+          <p:cNvPr id="24" name="矩形 23"/>
+          <p:cNvSpPr/>
+          <p:nvPr/>
+        </p:nvSpPr>
+        <p:spPr>
+          <a:xfrm>
+            <a:off x="2000250" y="4686300"/>
+            <a:ext cx="1441450" cy="520700"/>
+          </a:xfrm>
+          <a:prstGeom prst="rect">
+            <a:avLst/>
+          </a:prstGeom>
+        </p:spPr>
+        <p:style>
+          <a:lnRef idx="2">
+            <a:schemeClr val="accent1">
+              <a:shade val="50000"/>
+            </a:schemeClr>
+          </a:lnRef>
+          <a:fillRef idx="1">
+            <a:schemeClr val="accent1"/>
+          </a:fillRef>
+          <a:effectRef idx="0">
+            <a:schemeClr val="accent1"/>
+          </a:effectRef>
+          <a:fontRef idx="minor">
+            <a:schemeClr val="lt1"/>
+          </a:fontRef>
+        </p:style>
+        <p:txBody>
+          <a:bodyPr rtlCol="0" anchor="ctr"/>
+          <a:lstStyle/>
+          <a:p>
+            <a:pPr algn="ctr"/>
+            <a:r>
+              <a:rPr lang="en-US" altLang="zh-CN" dirty="0"/>
+              <a:t>D5(4-8Hz)</a:t>
+            </a:r>
+            <a:endParaRPr lang="zh-CN" altLang="en-US" dirty="0"/>
+          </a:p>
+        </p:txBody>
+      </p:sp>
+      <p:cxnSp>
+        <p:nvCxnSpPr>
+          <p:cNvPr id="28" name="直接箭头连接符 27"/>
+          <p:cNvCxnSpPr>
+            <a:stCxn id="4" idx="2"/>
+            <a:endCxn id="15" idx="0"/>
+          </p:cNvCxnSpPr>
+          <p:nvPr/>
+        </p:nvCxnSpPr>
+        <p:spPr>
+          <a:xfrm flipH="1">
+            <a:off x="2800350" y="1047750"/>
+            <a:ext cx="796925" cy="323850"/>
+          </a:xfrm>
+          <a:prstGeom prst="straightConnector1">
+            <a:avLst/>
+          </a:prstGeom>
+          <a:ln w="38100">
+            <a:tailEnd type="triangle"/>
+          </a:ln>
+        </p:spPr>
+        <p:style>
+          <a:lnRef idx="3">
+            <a:schemeClr val="dk1"/>
+          </a:lnRef>
+          <a:fillRef idx="0">
+            <a:schemeClr val="dk1"/>
+          </a:fillRef>
+          <a:effectRef idx="2">
+            <a:schemeClr val="dk1"/>
+          </a:effectRef>
+          <a:fontRef idx="minor">
+            <a:schemeClr val="tx1"/>
+          </a:fontRef>
+        </p:style>
+      </p:cxnSp>
+      <p:cxnSp>
+        <p:nvCxnSpPr>
+          <p:cNvPr id="32" name="直接箭头连接符 31"/>
+          <p:cNvCxnSpPr>
+            <a:stCxn id="4" idx="2"/>
+            <a:endCxn id="16" idx="0"/>
+          </p:cNvCxnSpPr>
+          <p:nvPr/>
+        </p:nvCxnSpPr>
+        <p:spPr>
+          <a:xfrm>
+            <a:off x="3597275" y="1047750"/>
+            <a:ext cx="949325" cy="323850"/>
+          </a:xfrm>
+          <a:prstGeom prst="straightConnector1">
+            <a:avLst/>
+          </a:prstGeom>
+          <a:ln w="38100">
+            <a:tailEnd type="triangle"/>
+          </a:ln>
+        </p:spPr>
+        <p:style>
+          <a:lnRef idx="3">
+            <a:schemeClr val="dk1"/>
+          </a:lnRef>
+          <a:fillRef idx="0">
+            <a:schemeClr val="dk1"/>
+          </a:fillRef>
+          <a:effectRef idx="2">
+            <a:schemeClr val="dk1"/>
+          </a:effectRef>
+          <a:fontRef idx="minor">
+            <a:schemeClr val="tx1"/>
+          </a:fontRef>
+        </p:style>
+      </p:cxnSp>
+      <p:cxnSp>
+        <p:nvCxnSpPr>
+          <p:cNvPr id="33" name="直接箭头连接符 32"/>
+          <p:cNvCxnSpPr>
+            <a:stCxn id="15" idx="2"/>
+            <a:endCxn id="17" idx="0"/>
+          </p:cNvCxnSpPr>
+          <p:nvPr/>
+        </p:nvCxnSpPr>
+        <p:spPr>
+          <a:xfrm flipH="1">
+            <a:off x="2298700" y="1892300"/>
+            <a:ext cx="501650" cy="317500"/>
+          </a:xfrm>
+          <a:prstGeom prst="straightConnector1">
+            <a:avLst/>
+          </a:prstGeom>
+          <a:ln w="38100">
+            <a:tailEnd type="triangle"/>
+          </a:ln>
+        </p:spPr>
+        <p:style>
+          <a:lnRef idx="3">
+            <a:schemeClr val="dk1"/>
+          </a:lnRef>
+          <a:fillRef idx="0">
+            <a:schemeClr val="dk1"/>
+          </a:fillRef>
+          <a:effectRef idx="2">
+            <a:schemeClr val="dk1"/>
+          </a:effectRef>
+          <a:fontRef idx="minor">
+            <a:schemeClr val="tx1"/>
+          </a:fontRef>
+        </p:style>
+      </p:cxnSp>
+      <p:cxnSp>
+        <p:nvCxnSpPr>
+          <p:cNvPr id="36" name="直接箭头连接符 35"/>
+          <p:cNvCxnSpPr>
+            <a:stCxn id="15" idx="2"/>
+            <a:endCxn id="18" idx="0"/>
+          </p:cNvCxnSpPr>
+          <p:nvPr/>
+        </p:nvCxnSpPr>
+        <p:spPr>
+          <a:xfrm>
+            <a:off x="2800350" y="1892300"/>
+            <a:ext cx="1127125" cy="317500"/>
+          </a:xfrm>
+          <a:prstGeom prst="straightConnector1">
+            <a:avLst/>
+          </a:prstGeom>
+          <a:ln w="38100">
+            <a:tailEnd type="triangle"/>
+          </a:ln>
+        </p:spPr>
+        <p:style>
+          <a:lnRef idx="3">
+            <a:schemeClr val="dk1"/>
+          </a:lnRef>
+          <a:fillRef idx="0">
+            <a:schemeClr val="dk1"/>
+          </a:fillRef>
+          <a:effectRef idx="2">
+            <a:schemeClr val="dk1"/>
+          </a:effectRef>
+          <a:fontRef idx="minor">
+            <a:schemeClr val="tx1"/>
+          </a:fontRef>
+        </p:style>
+      </p:cxnSp>
+      <p:cxnSp>
+        <p:nvCxnSpPr>
+          <p:cNvPr id="39" name="直接箭头连接符 38"/>
+          <p:cNvCxnSpPr>
+            <a:stCxn id="17" idx="2"/>
+            <a:endCxn id="19" idx="0"/>
+          </p:cNvCxnSpPr>
+          <p:nvPr/>
+        </p:nvCxnSpPr>
+        <p:spPr>
+          <a:xfrm flipH="1">
+            <a:off x="1809750" y="2730500"/>
+            <a:ext cx="488950" cy="279400"/>
+          </a:xfrm>
+          <a:prstGeom prst="straightConnector1">
+            <a:avLst/>
+          </a:prstGeom>
+          <a:ln w="38100">
+            <a:tailEnd type="triangle"/>
+          </a:ln>
+        </p:spPr>
+        <p:style>
+          <a:lnRef idx="3">
+            <a:schemeClr val="dk1"/>
+          </a:lnRef>
+          <a:fillRef idx="0">
+            <a:schemeClr val="dk1"/>
+          </a:fillRef>
+          <a:effectRef idx="2">
+            <a:schemeClr val="dk1"/>
+          </a:effectRef>
+          <a:fontRef idx="minor">
+            <a:schemeClr val="tx1"/>
+          </a:fontRef>
+        </p:style>
+      </p:cxnSp>
+      <p:cxnSp>
+        <p:nvCxnSpPr>
+          <p:cNvPr id="42" name="直接箭头连接符 41"/>
+          <p:cNvCxnSpPr>
+            <a:stCxn id="17" idx="2"/>
+            <a:endCxn id="20" idx="0"/>
+          </p:cNvCxnSpPr>
+          <p:nvPr/>
+        </p:nvCxnSpPr>
+        <p:spPr>
+          <a:xfrm>
+            <a:off x="2298700" y="2730500"/>
+            <a:ext cx="1181100" cy="304800"/>
+          </a:xfrm>
+          <a:prstGeom prst="straightConnector1">
+            <a:avLst/>
+          </a:prstGeom>
+          <a:ln w="38100">
+            <a:tailEnd type="triangle"/>
+          </a:ln>
+        </p:spPr>
+        <p:style>
+          <a:lnRef idx="3">
+            <a:schemeClr val="dk1"/>
+          </a:lnRef>
+          <a:fillRef idx="0">
+            <a:schemeClr val="dk1"/>
+          </a:fillRef>
+          <a:effectRef idx="2">
+            <a:schemeClr val="dk1"/>
+          </a:effectRef>
+          <a:fontRef idx="minor">
+            <a:schemeClr val="tx1"/>
+          </a:fontRef>
+        </p:style>
+      </p:cxnSp>
+      <p:cxnSp>
+        <p:nvCxnSpPr>
+          <p:cNvPr id="45" name="直接箭头连接符 44"/>
+          <p:cNvCxnSpPr>
+            <a:stCxn id="19" idx="2"/>
+            <a:endCxn id="21" idx="0"/>
+          </p:cNvCxnSpPr>
+          <p:nvPr/>
+        </p:nvCxnSpPr>
+        <p:spPr>
+          <a:xfrm flipH="1">
+            <a:off x="1441450" y="3530600"/>
+            <a:ext cx="368300" cy="323850"/>
+          </a:xfrm>
+          <a:prstGeom prst="straightConnector1">
+            <a:avLst/>
+          </a:prstGeom>
+          <a:ln w="38100">
+            <a:tailEnd type="triangle"/>
+          </a:ln>
+        </p:spPr>
+        <p:style>
+          <a:lnRef idx="3">
+            <a:schemeClr val="dk1"/>
+          </a:lnRef>
+          <a:fillRef idx="0">
+            <a:schemeClr val="dk1"/>
+          </a:fillRef>
+          <a:effectRef idx="2">
+            <a:schemeClr val="dk1"/>
+          </a:effectRef>
+          <a:fontRef idx="minor">
+            <a:schemeClr val="tx1"/>
+          </a:fontRef>
+        </p:style>
+      </p:cxnSp>
+      <p:cxnSp>
+        <p:nvCxnSpPr>
+          <p:cNvPr id="48" name="直接箭头连接符 47"/>
+          <p:cNvCxnSpPr>
+            <a:stCxn id="19" idx="2"/>
+            <a:endCxn id="22" idx="0"/>
+          </p:cNvCxnSpPr>
+          <p:nvPr/>
+        </p:nvCxnSpPr>
+        <p:spPr>
+          <a:xfrm>
+            <a:off x="1809750" y="3530600"/>
+            <a:ext cx="1308100" cy="342900"/>
+          </a:xfrm>
+          <a:prstGeom prst="straightConnector1">
+            <a:avLst/>
+          </a:prstGeom>
+          <a:ln w="38100">
+            <a:tailEnd type="triangle"/>
+          </a:ln>
+        </p:spPr>
+        <p:style>
+          <a:lnRef idx="3">
+            <a:schemeClr val="dk1"/>
+          </a:lnRef>
+          <a:fillRef idx="0">
+            <a:schemeClr val="dk1"/>
+          </a:fillRef>
+          <a:effectRef idx="2">
+            <a:schemeClr val="dk1"/>
+          </a:effectRef>
+          <a:fontRef idx="minor">
+            <a:schemeClr val="tx1"/>
+          </a:fontRef>
+        </p:style>
+      </p:cxnSp>
+      <p:cxnSp>
+        <p:nvCxnSpPr>
+          <p:cNvPr id="51" name="直接箭头连接符 50"/>
+          <p:cNvCxnSpPr>
+            <a:stCxn id="21" idx="2"/>
+            <a:endCxn id="23" idx="0"/>
+          </p:cNvCxnSpPr>
+          <p:nvPr/>
+        </p:nvCxnSpPr>
+        <p:spPr>
+          <a:xfrm flipH="1">
+            <a:off x="1016000" y="4375150"/>
+            <a:ext cx="425450" cy="323850"/>
+          </a:xfrm>
+          <a:prstGeom prst="straightConnector1">
+            <a:avLst/>
+          </a:prstGeom>
+          <a:ln w="38100">
+            <a:tailEnd type="triangle"/>
+          </a:ln>
+        </p:spPr>
+        <p:style>
+          <a:lnRef idx="3">
+            <a:schemeClr val="dk1"/>
+          </a:lnRef>
+          <a:fillRef idx="0">
+            <a:schemeClr val="dk1"/>
+          </a:fillRef>
+          <a:effectRef idx="2">
+            <a:schemeClr val="dk1"/>
+          </a:effectRef>
+          <a:fontRef idx="minor">
+            <a:schemeClr val="tx1"/>
+          </a:fontRef>
+        </p:style>
+      </p:cxnSp>
+      <p:cxnSp>
+        <p:nvCxnSpPr>
+          <p:cNvPr id="54" name="直接箭头连接符 53"/>
+          <p:cNvCxnSpPr>
+            <a:stCxn id="21" idx="2"/>
+            <a:endCxn id="24" idx="0"/>
+          </p:cNvCxnSpPr>
+          <p:nvPr/>
+        </p:nvCxnSpPr>
+        <p:spPr>
+          <a:xfrm>
+            <a:off x="1441450" y="4375150"/>
+            <a:ext cx="1279525" cy="311150"/>
+          </a:xfrm>
+          <a:prstGeom prst="straightConnector1">
+            <a:avLst/>
+          </a:prstGeom>
+          <a:ln w="38100">
+            <a:tailEnd type="triangle"/>
+          </a:ln>
+        </p:spPr>
+        <p:style>
+          <a:lnRef idx="3">
+            <a:schemeClr val="dk1"/>
+          </a:lnRef>
+          <a:fillRef idx="0">
+            <a:schemeClr val="dk1"/>
+          </a:fillRef>
+          <a:effectRef idx="2">
+            <a:schemeClr val="dk1"/>
+          </a:effectRef>
+          <a:fontRef idx="minor">
+            <a:schemeClr val="tx1"/>
+          </a:fontRef>
+        </p:style>
+      </p:cxnSp>
+      <p:sp>
+        <p:nvSpPr>
+          <p:cNvPr id="57" name="文本框 56"/>
+          <p:cNvSpPr txBox="1"/>
+          <p:nvPr/>
+        </p:nvSpPr>
+        <p:spPr>
+          <a:xfrm>
+            <a:off x="5495926" y="1447284"/>
+            <a:ext cx="945182" cy="369332"/>
+          </a:xfrm>
+          <a:prstGeom prst="rect">
+            <a:avLst/>
+          </a:prstGeom>
+          <a:noFill/>
+        </p:spPr>
+        <p:txBody>
+          <a:bodyPr wrap="square" rtlCol="0">
+            <a:spAutoFit/>
+          </a:bodyPr>
+          <a:lstStyle/>
+          <a:p>
+            <a:r>
+              <a:rPr lang="en-US" altLang="zh-CN" b="1" dirty="0"/>
+              <a:t>Noises</a:t>
+            </a:r>
+            <a:endParaRPr lang="zh-CN" altLang="en-US" b="1" dirty="0"/>
+          </a:p>
+        </p:txBody>
+      </p:sp>
+      <p:sp>
+        <p:nvSpPr>
+          <p:cNvPr id="58" name="文本框 57"/>
+          <p:cNvSpPr txBox="1"/>
+          <p:nvPr/>
+        </p:nvSpPr>
+        <p:spPr>
+          <a:xfrm>
+            <a:off x="4675808" y="2285484"/>
+            <a:ext cx="1001092" cy="369332"/>
+          </a:xfrm>
+          <a:prstGeom prst="rect">
+            <a:avLst/>
+          </a:prstGeom>
+          <a:noFill/>
+        </p:spPr>
+        <p:txBody>
+          <a:bodyPr wrap="square" rtlCol="0">
+            <a:spAutoFit/>
+          </a:bodyPr>
+          <a:lstStyle/>
+          <a:p>
+            <a:r>
+              <a:rPr lang="en-US" altLang="zh-CN" b="1" dirty="0"/>
+              <a:t>Gamma</a:t>
+            </a:r>
+            <a:endParaRPr lang="zh-CN" altLang="en-US" b="1" dirty="0"/>
+          </a:p>
+        </p:txBody>
+      </p:sp>
+      <p:sp>
+        <p:nvSpPr>
+          <p:cNvPr id="59" name="文本框 56"/>
+          <p:cNvSpPr txBox="1"/>
+          <p:nvPr/>
+        </p:nvSpPr>
+        <p:spPr>
+          <a:xfrm>
+            <a:off x="4251325" y="3123684"/>
+            <a:ext cx="945182" cy="369332"/>
+          </a:xfrm>
+          <a:prstGeom prst="rect">
+            <a:avLst/>
+          </a:prstGeom>
+          <a:noFill/>
+        </p:spPr>
+        <p:txBody>
+          <a:bodyPr wrap="square" rtlCol="0">
+            <a:spAutoFit/>
+          </a:bodyPr>
+          <a:lstStyle>
+            <a:defPPr>
+              <a:defRPr lang="zh-CN"/>
+            </a:defPPr>
+            <a:lvl1pPr marL="0" algn="l" defTabSz="914400" rtl="0" eaLnBrk="1" latinLnBrk="0" hangingPunct="1">
+              <a:defRPr sz="1800" kern="1200">
+                <a:solidFill>
+                  <a:schemeClr val="tx1"/>
+                </a:solidFill>
+                <a:latin typeface="+mn-lt"/>
+                <a:ea typeface="+mn-ea"/>
+                <a:cs typeface="+mn-cs"/>
+              </a:defRPr>
+            </a:lvl1pPr>
+            <a:lvl2pPr marL="457200" algn="l" defTabSz="914400" rtl="0" eaLnBrk="1" latinLnBrk="0" hangingPunct="1">
+              <a:defRPr sz="1800" kern="1200">
+                <a:solidFill>
+                  <a:schemeClr val="tx1"/>
+                </a:solidFill>
+                <a:latin typeface="+mn-lt"/>
+                <a:ea typeface="+mn-ea"/>
+                <a:cs typeface="+mn-cs"/>
+              </a:defRPr>
+            </a:lvl2pPr>
+            <a:lvl3pPr marL="914400" algn="l" defTabSz="914400" rtl="0" eaLnBrk="1" latinLnBrk="0" hangingPunct="1">
+              <a:defRPr sz="1800" kern="1200">
+                <a:solidFill>
+                  <a:schemeClr val="tx1"/>
+                </a:solidFill>
+                <a:latin typeface="+mn-lt"/>
+                <a:ea typeface="+mn-ea"/>
+                <a:cs typeface="+mn-cs"/>
+              </a:defRPr>
+            </a:lvl3pPr>
+            <a:lvl4pPr marL="1371600" algn="l" defTabSz="914400" rtl="0" eaLnBrk="1" latinLnBrk="0" hangingPunct="1">
+              <a:defRPr sz="1800" kern="1200">
+                <a:solidFill>
+                  <a:schemeClr val="tx1"/>
+                </a:solidFill>
+                <a:latin typeface="+mn-lt"/>
+                <a:ea typeface="+mn-ea"/>
+                <a:cs typeface="+mn-cs"/>
+              </a:defRPr>
+            </a:lvl4pPr>
+            <a:lvl5pPr marL="1828800" algn="l" defTabSz="914400" rtl="0" eaLnBrk="1" latinLnBrk="0" hangingPunct="1">
+              <a:defRPr sz="1800" kern="1200">
+                <a:solidFill>
+                  <a:schemeClr val="tx1"/>
+                </a:solidFill>
+                <a:latin typeface="+mn-lt"/>
+                <a:ea typeface="+mn-ea"/>
+                <a:cs typeface="+mn-cs"/>
+              </a:defRPr>
+            </a:lvl5pPr>
+            <a:lvl6pPr marL="2286000" algn="l" defTabSz="914400" rtl="0" eaLnBrk="1" latinLnBrk="0" hangingPunct="1">
+              <a:defRPr sz="1800" kern="1200">
+                <a:solidFill>
+                  <a:schemeClr val="tx1"/>
+                </a:solidFill>
+                <a:latin typeface="+mn-lt"/>
+                <a:ea typeface="+mn-ea"/>
+                <a:cs typeface="+mn-cs"/>
+              </a:defRPr>
+            </a:lvl6pPr>
+            <a:lvl7pPr marL="2743200" algn="l" defTabSz="914400" rtl="0" eaLnBrk="1" latinLnBrk="0" hangingPunct="1">
+              <a:defRPr sz="1800" kern="1200">
+                <a:solidFill>
+                  <a:schemeClr val="tx1"/>
+                </a:solidFill>
+                <a:latin typeface="+mn-lt"/>
+                <a:ea typeface="+mn-ea"/>
+                <a:cs typeface="+mn-cs"/>
+              </a:defRPr>
+            </a:lvl7pPr>
+            <a:lvl8pPr marL="3200400" algn="l" defTabSz="914400" rtl="0" eaLnBrk="1" latinLnBrk="0" hangingPunct="1">
+              <a:defRPr sz="1800" kern="1200">
+                <a:solidFill>
+                  <a:schemeClr val="tx1"/>
+                </a:solidFill>
+                <a:latin typeface="+mn-lt"/>
+                <a:ea typeface="+mn-ea"/>
+                <a:cs typeface="+mn-cs"/>
+              </a:defRPr>
+            </a:lvl8pPr>
+            <a:lvl9pPr marL="3657600" algn="l" defTabSz="914400" rtl="0" eaLnBrk="1" latinLnBrk="0" hangingPunct="1">
+              <a:defRPr sz="1800" kern="1200">
+                <a:solidFill>
+                  <a:schemeClr val="tx1"/>
+                </a:solidFill>
+                <a:latin typeface="+mn-lt"/>
+                <a:ea typeface="+mn-ea"/>
+                <a:cs typeface="+mn-cs"/>
+              </a:defRPr>
+            </a:lvl9pPr>
+          </a:lstStyle>
+          <a:p>
+            <a:r>
+              <a:rPr lang="en-US" altLang="zh-CN" b="1" dirty="0"/>
+              <a:t>Beta</a:t>
+            </a:r>
+            <a:endParaRPr lang="zh-CN" altLang="en-US" b="1" dirty="0"/>
+          </a:p>
+        </p:txBody>
+      </p:sp>
+      <p:sp>
+        <p:nvSpPr>
+          <p:cNvPr id="60" name="文本框 56"/>
+          <p:cNvSpPr txBox="1"/>
+          <p:nvPr/>
+        </p:nvSpPr>
+        <p:spPr>
+          <a:xfrm>
+            <a:off x="3854451" y="3943350"/>
+            <a:ext cx="945182" cy="369332"/>
+          </a:xfrm>
+          <a:prstGeom prst="rect">
+            <a:avLst/>
+          </a:prstGeom>
+          <a:noFill/>
+        </p:spPr>
+        <p:txBody>
+          <a:bodyPr wrap="square" rtlCol="0">
+            <a:spAutoFit/>
+          </a:bodyPr>
+          <a:lstStyle>
+            <a:defPPr>
+              <a:defRPr lang="zh-CN"/>
+            </a:defPPr>
+            <a:lvl1pPr marL="0" algn="l" defTabSz="914400" rtl="0" eaLnBrk="1" latinLnBrk="0" hangingPunct="1">
+              <a:defRPr sz="1800" kern="1200">
+                <a:solidFill>
+                  <a:schemeClr val="tx1"/>
+                </a:solidFill>
+                <a:latin typeface="+mn-lt"/>
+                <a:ea typeface="+mn-ea"/>
+                <a:cs typeface="+mn-cs"/>
+              </a:defRPr>
+            </a:lvl1pPr>
+            <a:lvl2pPr marL="457200" algn="l" defTabSz="914400" rtl="0" eaLnBrk="1" latinLnBrk="0" hangingPunct="1">
+              <a:defRPr sz="1800" kern="1200">
+                <a:solidFill>
+                  <a:schemeClr val="tx1"/>
+                </a:solidFill>
+                <a:latin typeface="+mn-lt"/>
+                <a:ea typeface="+mn-ea"/>
+                <a:cs typeface="+mn-cs"/>
+              </a:defRPr>
+            </a:lvl2pPr>
+            <a:lvl3pPr marL="914400" algn="l" defTabSz="914400" rtl="0" eaLnBrk="1" latinLnBrk="0" hangingPunct="1">
+              <a:defRPr sz="1800" kern="1200">
+                <a:solidFill>
+                  <a:schemeClr val="tx1"/>
+                </a:solidFill>
+                <a:latin typeface="+mn-lt"/>
+                <a:ea typeface="+mn-ea"/>
+                <a:cs typeface="+mn-cs"/>
+              </a:defRPr>
+            </a:lvl3pPr>
+            <a:lvl4pPr marL="1371600" algn="l" defTabSz="914400" rtl="0" eaLnBrk="1" latinLnBrk="0" hangingPunct="1">
+              <a:defRPr sz="1800" kern="1200">
+                <a:solidFill>
+                  <a:schemeClr val="tx1"/>
+                </a:solidFill>
+                <a:latin typeface="+mn-lt"/>
+                <a:ea typeface="+mn-ea"/>
+                <a:cs typeface="+mn-cs"/>
+              </a:defRPr>
+            </a:lvl4pPr>
+            <a:lvl5pPr marL="1828800" algn="l" defTabSz="914400" rtl="0" eaLnBrk="1" latinLnBrk="0" hangingPunct="1">
+              <a:defRPr sz="1800" kern="1200">
+                <a:solidFill>
+                  <a:schemeClr val="tx1"/>
+                </a:solidFill>
+                <a:latin typeface="+mn-lt"/>
+                <a:ea typeface="+mn-ea"/>
+                <a:cs typeface="+mn-cs"/>
+              </a:defRPr>
+            </a:lvl5pPr>
+            <a:lvl6pPr marL="2286000" algn="l" defTabSz="914400" rtl="0" eaLnBrk="1" latinLnBrk="0" hangingPunct="1">
+              <a:defRPr sz="1800" kern="1200">
+                <a:solidFill>
+                  <a:schemeClr val="tx1"/>
+                </a:solidFill>
+                <a:latin typeface="+mn-lt"/>
+                <a:ea typeface="+mn-ea"/>
+                <a:cs typeface="+mn-cs"/>
+              </a:defRPr>
+            </a:lvl6pPr>
+            <a:lvl7pPr marL="2743200" algn="l" defTabSz="914400" rtl="0" eaLnBrk="1" latinLnBrk="0" hangingPunct="1">
+              <a:defRPr sz="1800" kern="1200">
+                <a:solidFill>
+                  <a:schemeClr val="tx1"/>
+                </a:solidFill>
+                <a:latin typeface="+mn-lt"/>
+                <a:ea typeface="+mn-ea"/>
+                <a:cs typeface="+mn-cs"/>
+              </a:defRPr>
+            </a:lvl7pPr>
+            <a:lvl8pPr marL="3200400" algn="l" defTabSz="914400" rtl="0" eaLnBrk="1" latinLnBrk="0" hangingPunct="1">
+              <a:defRPr sz="1800" kern="1200">
+                <a:solidFill>
+                  <a:schemeClr val="tx1"/>
+                </a:solidFill>
+                <a:latin typeface="+mn-lt"/>
+                <a:ea typeface="+mn-ea"/>
+                <a:cs typeface="+mn-cs"/>
+              </a:defRPr>
+            </a:lvl8pPr>
+            <a:lvl9pPr marL="3657600" algn="l" defTabSz="914400" rtl="0" eaLnBrk="1" latinLnBrk="0" hangingPunct="1">
+              <a:defRPr sz="1800" kern="1200">
+                <a:solidFill>
+                  <a:schemeClr val="tx1"/>
+                </a:solidFill>
+                <a:latin typeface="+mn-lt"/>
+                <a:ea typeface="+mn-ea"/>
+                <a:cs typeface="+mn-cs"/>
+              </a:defRPr>
+            </a:lvl9pPr>
+          </a:lstStyle>
+          <a:p>
+            <a:r>
+              <a:rPr lang="en-US" altLang="zh-CN" b="1" dirty="0"/>
+              <a:t>Alpha</a:t>
+            </a:r>
+            <a:endParaRPr lang="zh-CN" altLang="en-US" b="1" dirty="0"/>
+          </a:p>
+        </p:txBody>
+      </p:sp>
+      <p:sp>
+        <p:nvSpPr>
+          <p:cNvPr id="61" name="文本框 56"/>
+          <p:cNvSpPr txBox="1"/>
+          <p:nvPr/>
+        </p:nvSpPr>
+        <p:spPr>
+          <a:xfrm>
+            <a:off x="3479800" y="4756666"/>
+            <a:ext cx="945182" cy="369332"/>
+          </a:xfrm>
+          <a:prstGeom prst="rect">
+            <a:avLst/>
+          </a:prstGeom>
+          <a:noFill/>
+        </p:spPr>
+        <p:txBody>
+          <a:bodyPr wrap="square" rtlCol="0">
+            <a:spAutoFit/>
+          </a:bodyPr>
+          <a:lstStyle>
+            <a:defPPr>
+              <a:defRPr lang="zh-CN"/>
+            </a:defPPr>
+            <a:lvl1pPr marL="0" algn="l" defTabSz="914400" rtl="0" eaLnBrk="1" latinLnBrk="0" hangingPunct="1">
+              <a:defRPr sz="1800" kern="1200">
+                <a:solidFill>
+                  <a:schemeClr val="tx1"/>
+                </a:solidFill>
+                <a:latin typeface="+mn-lt"/>
+                <a:ea typeface="+mn-ea"/>
+                <a:cs typeface="+mn-cs"/>
+              </a:defRPr>
+            </a:lvl1pPr>
+            <a:lvl2pPr marL="457200" algn="l" defTabSz="914400" rtl="0" eaLnBrk="1" latinLnBrk="0" hangingPunct="1">
+              <a:defRPr sz="1800" kern="1200">
+                <a:solidFill>
+                  <a:schemeClr val="tx1"/>
+                </a:solidFill>
+                <a:latin typeface="+mn-lt"/>
+                <a:ea typeface="+mn-ea"/>
+                <a:cs typeface="+mn-cs"/>
+              </a:defRPr>
+            </a:lvl2pPr>
+            <a:lvl3pPr marL="914400" algn="l" defTabSz="914400" rtl="0" eaLnBrk="1" latinLnBrk="0" hangingPunct="1">
+              <a:defRPr sz="1800" kern="1200">
+                <a:solidFill>
+                  <a:schemeClr val="tx1"/>
+                </a:solidFill>
+                <a:latin typeface="+mn-lt"/>
+                <a:ea typeface="+mn-ea"/>
+                <a:cs typeface="+mn-cs"/>
+              </a:defRPr>
+            </a:lvl3pPr>
+            <a:lvl4pPr marL="1371600" algn="l" defTabSz="914400" rtl="0" eaLnBrk="1" latinLnBrk="0" hangingPunct="1">
+              <a:defRPr sz="1800" kern="1200">
+                <a:solidFill>
+                  <a:schemeClr val="tx1"/>
+                </a:solidFill>
+                <a:latin typeface="+mn-lt"/>
+                <a:ea typeface="+mn-ea"/>
+                <a:cs typeface="+mn-cs"/>
+              </a:defRPr>
+            </a:lvl4pPr>
+            <a:lvl5pPr marL="1828800" algn="l" defTabSz="914400" rtl="0" eaLnBrk="1" latinLnBrk="0" hangingPunct="1">
+              <a:defRPr sz="1800" kern="1200">
+                <a:solidFill>
+                  <a:schemeClr val="tx1"/>
+                </a:solidFill>
+                <a:latin typeface="+mn-lt"/>
+                <a:ea typeface="+mn-ea"/>
+                <a:cs typeface="+mn-cs"/>
+              </a:defRPr>
+            </a:lvl5pPr>
+            <a:lvl6pPr marL="2286000" algn="l" defTabSz="914400" rtl="0" eaLnBrk="1" latinLnBrk="0" hangingPunct="1">
+              <a:defRPr sz="1800" kern="1200">
+                <a:solidFill>
+                  <a:schemeClr val="tx1"/>
+                </a:solidFill>
+                <a:latin typeface="+mn-lt"/>
+                <a:ea typeface="+mn-ea"/>
+                <a:cs typeface="+mn-cs"/>
+              </a:defRPr>
+            </a:lvl6pPr>
+            <a:lvl7pPr marL="2743200" algn="l" defTabSz="914400" rtl="0" eaLnBrk="1" latinLnBrk="0" hangingPunct="1">
+              <a:defRPr sz="1800" kern="1200">
+                <a:solidFill>
+                  <a:schemeClr val="tx1"/>
+                </a:solidFill>
+                <a:latin typeface="+mn-lt"/>
+                <a:ea typeface="+mn-ea"/>
+                <a:cs typeface="+mn-cs"/>
+              </a:defRPr>
+            </a:lvl7pPr>
+            <a:lvl8pPr marL="3200400" algn="l" defTabSz="914400" rtl="0" eaLnBrk="1" latinLnBrk="0" hangingPunct="1">
+              <a:defRPr sz="1800" kern="1200">
+                <a:solidFill>
+                  <a:schemeClr val="tx1"/>
+                </a:solidFill>
+                <a:latin typeface="+mn-lt"/>
+                <a:ea typeface="+mn-ea"/>
+                <a:cs typeface="+mn-cs"/>
+              </a:defRPr>
+            </a:lvl8pPr>
+            <a:lvl9pPr marL="3657600" algn="l" defTabSz="914400" rtl="0" eaLnBrk="1" latinLnBrk="0" hangingPunct="1">
+              <a:defRPr sz="1800" kern="1200">
+                <a:solidFill>
+                  <a:schemeClr val="tx1"/>
+                </a:solidFill>
+                <a:latin typeface="+mn-lt"/>
+                <a:ea typeface="+mn-ea"/>
+                <a:cs typeface="+mn-cs"/>
+              </a:defRPr>
+            </a:lvl9pPr>
+          </a:lstStyle>
+          <a:p>
+            <a:r>
+              <a:rPr lang="en-US" altLang="zh-CN" b="1" dirty="0"/>
+              <a:t>Theta</a:t>
+            </a:r>
+            <a:endParaRPr lang="zh-CN" altLang="en-US" b="1" dirty="0"/>
+          </a:p>
+        </p:txBody>
+      </p:sp>
+      <p:sp>
+        <p:nvSpPr>
+          <p:cNvPr id="62" name="文本框 56"/>
+          <p:cNvSpPr txBox="1"/>
+          <p:nvPr/>
+        </p:nvSpPr>
+        <p:spPr>
+          <a:xfrm>
+            <a:off x="680418" y="5264150"/>
+            <a:ext cx="945182" cy="369332"/>
+          </a:xfrm>
+          <a:prstGeom prst="rect">
+            <a:avLst/>
+          </a:prstGeom>
+          <a:noFill/>
+        </p:spPr>
+        <p:txBody>
+          <a:bodyPr wrap="square" rtlCol="0">
+            <a:spAutoFit/>
+          </a:bodyPr>
+          <a:lstStyle>
+            <a:defPPr>
+              <a:defRPr lang="zh-CN"/>
+            </a:defPPr>
+            <a:lvl1pPr marL="0" algn="l" defTabSz="914400" rtl="0" eaLnBrk="1" latinLnBrk="0" hangingPunct="1">
+              <a:defRPr sz="1800" kern="1200">
+                <a:solidFill>
+                  <a:schemeClr val="tx1"/>
+                </a:solidFill>
+                <a:latin typeface="+mn-lt"/>
+                <a:ea typeface="+mn-ea"/>
+                <a:cs typeface="+mn-cs"/>
+              </a:defRPr>
+            </a:lvl1pPr>
+            <a:lvl2pPr marL="457200" algn="l" defTabSz="914400" rtl="0" eaLnBrk="1" latinLnBrk="0" hangingPunct="1">
+              <a:defRPr sz="1800" kern="1200">
+                <a:solidFill>
+                  <a:schemeClr val="tx1"/>
+                </a:solidFill>
+                <a:latin typeface="+mn-lt"/>
+                <a:ea typeface="+mn-ea"/>
+                <a:cs typeface="+mn-cs"/>
+              </a:defRPr>
+            </a:lvl2pPr>
+            <a:lvl3pPr marL="914400" algn="l" defTabSz="914400" rtl="0" eaLnBrk="1" latinLnBrk="0" hangingPunct="1">
+              <a:defRPr sz="1800" kern="1200">
+                <a:solidFill>
+                  <a:schemeClr val="tx1"/>
+                </a:solidFill>
+                <a:latin typeface="+mn-lt"/>
+                <a:ea typeface="+mn-ea"/>
+                <a:cs typeface="+mn-cs"/>
+              </a:defRPr>
+            </a:lvl3pPr>
+            <a:lvl4pPr marL="1371600" algn="l" defTabSz="914400" rtl="0" eaLnBrk="1" latinLnBrk="0" hangingPunct="1">
+              <a:defRPr sz="1800" kern="1200">
+                <a:solidFill>
+                  <a:schemeClr val="tx1"/>
+                </a:solidFill>
+                <a:latin typeface="+mn-lt"/>
+                <a:ea typeface="+mn-ea"/>
+                <a:cs typeface="+mn-cs"/>
+              </a:defRPr>
+            </a:lvl4pPr>
+            <a:lvl5pPr marL="1828800" algn="l" defTabSz="914400" rtl="0" eaLnBrk="1" latinLnBrk="0" hangingPunct="1">
+              <a:defRPr sz="1800" kern="1200">
+                <a:solidFill>
+                  <a:schemeClr val="tx1"/>
+                </a:solidFill>
+                <a:latin typeface="+mn-lt"/>
+                <a:ea typeface="+mn-ea"/>
+                <a:cs typeface="+mn-cs"/>
+              </a:defRPr>
+            </a:lvl5pPr>
+            <a:lvl6pPr marL="2286000" algn="l" defTabSz="914400" rtl="0" eaLnBrk="1" latinLnBrk="0" hangingPunct="1">
+              <a:defRPr sz="1800" kern="1200">
+                <a:solidFill>
+                  <a:schemeClr val="tx1"/>
+                </a:solidFill>
+                <a:latin typeface="+mn-lt"/>
+                <a:ea typeface="+mn-ea"/>
+                <a:cs typeface="+mn-cs"/>
+              </a:defRPr>
+            </a:lvl6pPr>
+            <a:lvl7pPr marL="2743200" algn="l" defTabSz="914400" rtl="0" eaLnBrk="1" latinLnBrk="0" hangingPunct="1">
+              <a:defRPr sz="1800" kern="1200">
+                <a:solidFill>
+                  <a:schemeClr val="tx1"/>
+                </a:solidFill>
+                <a:latin typeface="+mn-lt"/>
+                <a:ea typeface="+mn-ea"/>
+                <a:cs typeface="+mn-cs"/>
+              </a:defRPr>
+            </a:lvl7pPr>
+            <a:lvl8pPr marL="3200400" algn="l" defTabSz="914400" rtl="0" eaLnBrk="1" latinLnBrk="0" hangingPunct="1">
+              <a:defRPr sz="1800" kern="1200">
+                <a:solidFill>
+                  <a:schemeClr val="tx1"/>
+                </a:solidFill>
+                <a:latin typeface="+mn-lt"/>
+                <a:ea typeface="+mn-ea"/>
+                <a:cs typeface="+mn-cs"/>
+              </a:defRPr>
+            </a:lvl8pPr>
+            <a:lvl9pPr marL="3657600" algn="l" defTabSz="914400" rtl="0" eaLnBrk="1" latinLnBrk="0" hangingPunct="1">
+              <a:defRPr sz="1800" kern="1200">
+                <a:solidFill>
+                  <a:schemeClr val="tx1"/>
+                </a:solidFill>
+                <a:latin typeface="+mn-lt"/>
+                <a:ea typeface="+mn-ea"/>
+                <a:cs typeface="+mn-cs"/>
+              </a:defRPr>
+            </a:lvl9pPr>
+          </a:lstStyle>
+          <a:p>
+            <a:r>
+              <a:rPr lang="en-US" altLang="zh-CN" b="1" dirty="0"/>
+              <a:t>Delta</a:t>
+            </a:r>
+            <a:endParaRPr lang="zh-CN" altLang="en-US" b="1" dirty="0"/>
+          </a:p>
+        </p:txBody>
+      </p:sp>
+      <p:sp>
+        <p:nvSpPr>
+          <p:cNvPr id="63" name="矩形 62"/>
+          <p:cNvSpPr/>
+          <p:nvPr/>
+        </p:nvSpPr>
+        <p:spPr>
+          <a:xfrm>
+            <a:off x="3676650" y="1309688"/>
+            <a:ext cx="2673350" cy="683696"/>
+          </a:xfrm>
+          <a:prstGeom prst="rect">
+            <a:avLst/>
+          </a:prstGeom>
+          <a:noFill/>
+          <a:ln>
+            <a:prstDash val="dashDot"/>
+          </a:ln>
+        </p:spPr>
+        <p:style>
+          <a:lnRef idx="2">
+            <a:schemeClr val="dk1"/>
+          </a:lnRef>
+          <a:fillRef idx="1">
+            <a:schemeClr val="lt1"/>
+          </a:fillRef>
+          <a:effectRef idx="0">
+            <a:schemeClr val="dk1"/>
+          </a:effectRef>
+          <a:fontRef idx="minor">
+            <a:schemeClr val="dk1"/>
+          </a:fontRef>
+        </p:style>
+        <p:txBody>
+          <a:bodyPr rtlCol="0" anchor="ctr"/>
+          <a:lstStyle/>
+          <a:p>
+            <a:pPr algn="ctr"/>
+            <a:endParaRPr lang="zh-CN" altLang="en-US"/>
+          </a:p>
+        </p:txBody>
+      </p:sp>
+      <p:sp>
+        <p:nvSpPr>
+          <p:cNvPr id="64" name="矩形 63"/>
+          <p:cNvSpPr/>
+          <p:nvPr/>
+        </p:nvSpPr>
+        <p:spPr>
+          <a:xfrm>
+            <a:off x="3117850" y="2128282"/>
+            <a:ext cx="2673350" cy="683696"/>
+          </a:xfrm>
+          <a:prstGeom prst="rect">
+            <a:avLst/>
+          </a:prstGeom>
+          <a:noFill/>
+          <a:ln>
+            <a:prstDash val="dashDot"/>
+          </a:ln>
+        </p:spPr>
+        <p:style>
+          <a:lnRef idx="2">
+            <a:schemeClr val="dk1"/>
+          </a:lnRef>
+          <a:fillRef idx="1">
+            <a:schemeClr val="lt1"/>
+          </a:fillRef>
+          <a:effectRef idx="0">
+            <a:schemeClr val="dk1"/>
+          </a:effectRef>
+          <a:fontRef idx="minor">
+            <a:schemeClr val="dk1"/>
+          </a:fontRef>
+        </p:style>
+        <p:txBody>
+          <a:bodyPr rtlCol="0" anchor="ctr"/>
+          <a:lstStyle/>
+          <a:p>
+            <a:pPr algn="ctr"/>
+            <a:endParaRPr lang="zh-CN" altLang="en-US"/>
+          </a:p>
+        </p:txBody>
+      </p:sp>
+      <p:sp>
+        <p:nvSpPr>
+          <p:cNvPr id="65" name="矩形 64"/>
+          <p:cNvSpPr/>
+          <p:nvPr/>
+        </p:nvSpPr>
+        <p:spPr>
+          <a:xfrm>
+            <a:off x="2667000" y="2958287"/>
+            <a:ext cx="2328863" cy="683696"/>
+          </a:xfrm>
+          <a:prstGeom prst="rect">
+            <a:avLst/>
+          </a:prstGeom>
+          <a:noFill/>
+          <a:ln>
+            <a:prstDash val="dashDot"/>
+          </a:ln>
+        </p:spPr>
+        <p:style>
+          <a:lnRef idx="2">
+            <a:schemeClr val="dk1"/>
+          </a:lnRef>
+          <a:fillRef idx="1">
+            <a:schemeClr val="lt1"/>
+          </a:fillRef>
+          <a:effectRef idx="0">
+            <a:schemeClr val="dk1"/>
+          </a:effectRef>
+          <a:fontRef idx="minor">
+            <a:schemeClr val="dk1"/>
+          </a:fontRef>
+        </p:style>
+        <p:txBody>
+          <a:bodyPr rot="0" spcFirstLastPara="0" vert="horz" wrap="square" lIns="91440" tIns="45720" rIns="91440" bIns="45720" numCol="1" spcCol="0" rtlCol="0" fromWordArt="0" anchor="ctr" anchorCtr="0" forceAA="0" compatLnSpc="1">
+            <a:prstTxWarp prst="textNoShape">
+              <a:avLst/>
+            </a:prstTxWarp>
+            <a:noAutofit/>
+          </a:bodyPr>
+          <a:lstStyle>
+            <a:defPPr>
+              <a:defRPr lang="zh-CN"/>
+            </a:defPPr>
+            <a:lvl1pPr marL="0" algn="l" defTabSz="914400" rtl="0" eaLnBrk="1" latinLnBrk="0" hangingPunct="1">
+              <a:defRPr sz="1800" kern="1200">
+                <a:solidFill>
+                  <a:schemeClr val="dk1"/>
+                </a:solidFill>
+                <a:latin typeface="+mn-lt"/>
+                <a:ea typeface="+mn-ea"/>
+                <a:cs typeface="+mn-cs"/>
+              </a:defRPr>
+            </a:lvl1pPr>
+            <a:lvl2pPr marL="457200" algn="l" defTabSz="914400" rtl="0" eaLnBrk="1" latinLnBrk="0" hangingPunct="1">
+              <a:defRPr sz="1800" kern="1200">
+                <a:solidFill>
+                  <a:schemeClr val="dk1"/>
+                </a:solidFill>
+                <a:latin typeface="+mn-lt"/>
+                <a:ea typeface="+mn-ea"/>
+                <a:cs typeface="+mn-cs"/>
+              </a:defRPr>
+            </a:lvl2pPr>
+            <a:lvl3pPr marL="914400" algn="l" defTabSz="914400" rtl="0" eaLnBrk="1" latinLnBrk="0" hangingPunct="1">
+              <a:defRPr sz="1800" kern="1200">
+                <a:solidFill>
+                  <a:schemeClr val="dk1"/>
+                </a:solidFill>
+                <a:latin typeface="+mn-lt"/>
+                <a:ea typeface="+mn-ea"/>
+                <a:cs typeface="+mn-cs"/>
+              </a:defRPr>
+            </a:lvl3pPr>
+            <a:lvl4pPr marL="1371600" algn="l" defTabSz="914400" rtl="0" eaLnBrk="1" latinLnBrk="0" hangingPunct="1">
+              <a:defRPr sz="1800" kern="1200">
+                <a:solidFill>
+                  <a:schemeClr val="dk1"/>
+                </a:solidFill>
+                <a:latin typeface="+mn-lt"/>
+                <a:ea typeface="+mn-ea"/>
+                <a:cs typeface="+mn-cs"/>
+              </a:defRPr>
+            </a:lvl4pPr>
+            <a:lvl5pPr marL="1828800" algn="l" defTabSz="914400" rtl="0" eaLnBrk="1" latinLnBrk="0" hangingPunct="1">
+              <a:defRPr sz="1800" kern="1200">
+                <a:solidFill>
+                  <a:schemeClr val="dk1"/>
+                </a:solidFill>
+                <a:latin typeface="+mn-lt"/>
+                <a:ea typeface="+mn-ea"/>
+                <a:cs typeface="+mn-cs"/>
+              </a:defRPr>
+            </a:lvl5pPr>
+            <a:lvl6pPr marL="2286000" algn="l" defTabSz="914400" rtl="0" eaLnBrk="1" latinLnBrk="0" hangingPunct="1">
+              <a:defRPr sz="1800" kern="1200">
+                <a:solidFill>
+                  <a:schemeClr val="dk1"/>
+                </a:solidFill>
+                <a:latin typeface="+mn-lt"/>
+                <a:ea typeface="+mn-ea"/>
+                <a:cs typeface="+mn-cs"/>
+              </a:defRPr>
+            </a:lvl6pPr>
+            <a:lvl7pPr marL="2743200" algn="l" defTabSz="914400" rtl="0" eaLnBrk="1" latinLnBrk="0" hangingPunct="1">
+              <a:defRPr sz="1800" kern="1200">
+                <a:solidFill>
+                  <a:schemeClr val="dk1"/>
+                </a:solidFill>
+                <a:latin typeface="+mn-lt"/>
+                <a:ea typeface="+mn-ea"/>
+                <a:cs typeface="+mn-cs"/>
+              </a:defRPr>
+            </a:lvl7pPr>
+            <a:lvl8pPr marL="3200400" algn="l" defTabSz="914400" rtl="0" eaLnBrk="1" latinLnBrk="0" hangingPunct="1">
+              <a:defRPr sz="1800" kern="1200">
+                <a:solidFill>
+                  <a:schemeClr val="dk1"/>
+                </a:solidFill>
+                <a:latin typeface="+mn-lt"/>
+                <a:ea typeface="+mn-ea"/>
+                <a:cs typeface="+mn-cs"/>
+              </a:defRPr>
+            </a:lvl8pPr>
+            <a:lvl9pPr marL="3657600" algn="l" defTabSz="914400" rtl="0" eaLnBrk="1" latinLnBrk="0" hangingPunct="1">
+              <a:defRPr sz="1800" kern="1200">
+                <a:solidFill>
+                  <a:schemeClr val="dk1"/>
+                </a:solidFill>
+                <a:latin typeface="+mn-lt"/>
+                <a:ea typeface="+mn-ea"/>
+                <a:cs typeface="+mn-cs"/>
+              </a:defRPr>
+            </a:lvl9pPr>
+          </a:lstStyle>
+          <a:p>
+            <a:pPr algn="ctr"/>
+            <a:endParaRPr lang="zh-CN" altLang="en-US"/>
+          </a:p>
+        </p:txBody>
+      </p:sp>
+      <p:sp>
+        <p:nvSpPr>
+          <p:cNvPr id="66" name="矩形 65"/>
+          <p:cNvSpPr/>
+          <p:nvPr/>
+        </p:nvSpPr>
+        <p:spPr>
+          <a:xfrm>
+            <a:off x="2322513" y="3792002"/>
+            <a:ext cx="2353295" cy="683696"/>
+          </a:xfrm>
+          <a:prstGeom prst="rect">
+            <a:avLst/>
+          </a:prstGeom>
+          <a:noFill/>
+          <a:ln>
+            <a:prstDash val="dashDot"/>
+          </a:ln>
+        </p:spPr>
+        <p:style>
+          <a:lnRef idx="2">
+            <a:schemeClr val="dk1"/>
+          </a:lnRef>
+          <a:fillRef idx="1">
+            <a:schemeClr val="lt1"/>
+          </a:fillRef>
+          <a:effectRef idx="0">
+            <a:schemeClr val="dk1"/>
+          </a:effectRef>
+          <a:fontRef idx="minor">
+            <a:schemeClr val="dk1"/>
+          </a:fontRef>
+        </p:style>
+        <p:txBody>
+          <a:bodyPr rot="0" spcFirstLastPara="0" vert="horz" wrap="square" lIns="91440" tIns="45720" rIns="91440" bIns="45720" numCol="1" spcCol="0" rtlCol="0" fromWordArt="0" anchor="ctr" anchorCtr="0" forceAA="0" compatLnSpc="1">
+            <a:prstTxWarp prst="textNoShape">
+              <a:avLst/>
+            </a:prstTxWarp>
+            <a:noAutofit/>
+          </a:bodyPr>
+          <a:lstStyle>
+            <a:defPPr>
+              <a:defRPr lang="zh-CN"/>
+            </a:defPPr>
+            <a:lvl1pPr marL="0" algn="l" defTabSz="914400" rtl="0" eaLnBrk="1" latinLnBrk="0" hangingPunct="1">
+              <a:defRPr sz="1800" kern="1200">
+                <a:solidFill>
+                  <a:schemeClr val="dk1"/>
+                </a:solidFill>
+                <a:latin typeface="+mn-lt"/>
+                <a:ea typeface="+mn-ea"/>
+                <a:cs typeface="+mn-cs"/>
+              </a:defRPr>
+            </a:lvl1pPr>
+            <a:lvl2pPr marL="457200" algn="l" defTabSz="914400" rtl="0" eaLnBrk="1" latinLnBrk="0" hangingPunct="1">
+              <a:defRPr sz="1800" kern="1200">
+                <a:solidFill>
+                  <a:schemeClr val="dk1"/>
+                </a:solidFill>
+                <a:latin typeface="+mn-lt"/>
+                <a:ea typeface="+mn-ea"/>
+                <a:cs typeface="+mn-cs"/>
+              </a:defRPr>
+            </a:lvl2pPr>
+            <a:lvl3pPr marL="914400" algn="l" defTabSz="914400" rtl="0" eaLnBrk="1" latinLnBrk="0" hangingPunct="1">
+              <a:defRPr sz="1800" kern="1200">
+                <a:solidFill>
+                  <a:schemeClr val="dk1"/>
+                </a:solidFill>
+                <a:latin typeface="+mn-lt"/>
+                <a:ea typeface="+mn-ea"/>
+                <a:cs typeface="+mn-cs"/>
+              </a:defRPr>
+            </a:lvl3pPr>
+            <a:lvl4pPr marL="1371600" algn="l" defTabSz="914400" rtl="0" eaLnBrk="1" latinLnBrk="0" hangingPunct="1">
+              <a:defRPr sz="1800" kern="1200">
+                <a:solidFill>
+                  <a:schemeClr val="dk1"/>
+                </a:solidFill>
+                <a:latin typeface="+mn-lt"/>
+                <a:ea typeface="+mn-ea"/>
+                <a:cs typeface="+mn-cs"/>
+              </a:defRPr>
+            </a:lvl4pPr>
+            <a:lvl5pPr marL="1828800" algn="l" defTabSz="914400" rtl="0" eaLnBrk="1" latinLnBrk="0" hangingPunct="1">
+              <a:defRPr sz="1800" kern="1200">
+                <a:solidFill>
+                  <a:schemeClr val="dk1"/>
+                </a:solidFill>
+                <a:latin typeface="+mn-lt"/>
+                <a:ea typeface="+mn-ea"/>
+                <a:cs typeface="+mn-cs"/>
+              </a:defRPr>
+            </a:lvl5pPr>
+            <a:lvl6pPr marL="2286000" algn="l" defTabSz="914400" rtl="0" eaLnBrk="1" latinLnBrk="0" hangingPunct="1">
+              <a:defRPr sz="1800" kern="1200">
+                <a:solidFill>
+                  <a:schemeClr val="dk1"/>
+                </a:solidFill>
+                <a:latin typeface="+mn-lt"/>
+                <a:ea typeface="+mn-ea"/>
+                <a:cs typeface="+mn-cs"/>
+              </a:defRPr>
+            </a:lvl6pPr>
+            <a:lvl7pPr marL="2743200" algn="l" defTabSz="914400" rtl="0" eaLnBrk="1" latinLnBrk="0" hangingPunct="1">
+              <a:defRPr sz="1800" kern="1200">
+                <a:solidFill>
+                  <a:schemeClr val="dk1"/>
+                </a:solidFill>
+                <a:latin typeface="+mn-lt"/>
+                <a:ea typeface="+mn-ea"/>
+                <a:cs typeface="+mn-cs"/>
+              </a:defRPr>
+            </a:lvl7pPr>
+            <a:lvl8pPr marL="3200400" algn="l" defTabSz="914400" rtl="0" eaLnBrk="1" latinLnBrk="0" hangingPunct="1">
+              <a:defRPr sz="1800" kern="1200">
+                <a:solidFill>
+                  <a:schemeClr val="dk1"/>
+                </a:solidFill>
+                <a:latin typeface="+mn-lt"/>
+                <a:ea typeface="+mn-ea"/>
+                <a:cs typeface="+mn-cs"/>
+              </a:defRPr>
+            </a:lvl8pPr>
+            <a:lvl9pPr marL="3657600" algn="l" defTabSz="914400" rtl="0" eaLnBrk="1" latinLnBrk="0" hangingPunct="1">
+              <a:defRPr sz="1800" kern="1200">
+                <a:solidFill>
+                  <a:schemeClr val="dk1"/>
+                </a:solidFill>
+                <a:latin typeface="+mn-lt"/>
+                <a:ea typeface="+mn-ea"/>
+                <a:cs typeface="+mn-cs"/>
+              </a:defRPr>
+            </a:lvl9pPr>
+          </a:lstStyle>
+          <a:p>
+            <a:pPr algn="ctr"/>
+            <a:endParaRPr lang="zh-CN" altLang="en-US"/>
+          </a:p>
+        </p:txBody>
+      </p:sp>
+      <p:sp>
+        <p:nvSpPr>
+          <p:cNvPr id="67" name="矩形 66"/>
+          <p:cNvSpPr/>
+          <p:nvPr/>
+        </p:nvSpPr>
+        <p:spPr>
+          <a:xfrm>
+            <a:off x="1892300" y="4617502"/>
+            <a:ext cx="2359025" cy="683696"/>
+          </a:xfrm>
+          <a:prstGeom prst="rect">
+            <a:avLst/>
+          </a:prstGeom>
+          <a:noFill/>
+          <a:ln>
+            <a:prstDash val="dashDot"/>
+          </a:ln>
+        </p:spPr>
+        <p:style>
+          <a:lnRef idx="2">
+            <a:schemeClr val="dk1"/>
+          </a:lnRef>
+          <a:fillRef idx="1">
+            <a:schemeClr val="lt1"/>
+          </a:fillRef>
+          <a:effectRef idx="0">
+            <a:schemeClr val="dk1"/>
+          </a:effectRef>
+          <a:fontRef idx="minor">
+            <a:schemeClr val="dk1"/>
+          </a:fontRef>
+        </p:style>
+        <p:txBody>
+          <a:bodyPr rot="0" spcFirstLastPara="0" vert="horz" wrap="square" lIns="91440" tIns="45720" rIns="91440" bIns="45720" numCol="1" spcCol="0" rtlCol="0" fromWordArt="0" anchor="ctr" anchorCtr="0" forceAA="0" compatLnSpc="1">
+            <a:prstTxWarp prst="textNoShape">
+              <a:avLst/>
+            </a:prstTxWarp>
+            <a:noAutofit/>
+          </a:bodyPr>
+          <a:lstStyle>
+            <a:defPPr>
+              <a:defRPr lang="zh-CN"/>
+            </a:defPPr>
+            <a:lvl1pPr marL="0" algn="l" defTabSz="914400" rtl="0" eaLnBrk="1" latinLnBrk="0" hangingPunct="1">
+              <a:defRPr sz="1800" kern="1200">
+                <a:solidFill>
+                  <a:schemeClr val="dk1"/>
+                </a:solidFill>
+                <a:latin typeface="+mn-lt"/>
+                <a:ea typeface="+mn-ea"/>
+                <a:cs typeface="+mn-cs"/>
+              </a:defRPr>
+            </a:lvl1pPr>
+            <a:lvl2pPr marL="457200" algn="l" defTabSz="914400" rtl="0" eaLnBrk="1" latinLnBrk="0" hangingPunct="1">
+              <a:defRPr sz="1800" kern="1200">
+                <a:solidFill>
+                  <a:schemeClr val="dk1"/>
+                </a:solidFill>
+                <a:latin typeface="+mn-lt"/>
+                <a:ea typeface="+mn-ea"/>
+                <a:cs typeface="+mn-cs"/>
+              </a:defRPr>
+            </a:lvl2pPr>
+            <a:lvl3pPr marL="914400" algn="l" defTabSz="914400" rtl="0" eaLnBrk="1" latinLnBrk="0" hangingPunct="1">
+              <a:defRPr sz="1800" kern="1200">
+                <a:solidFill>
+                  <a:schemeClr val="dk1"/>
+                </a:solidFill>
+                <a:latin typeface="+mn-lt"/>
+                <a:ea typeface="+mn-ea"/>
+                <a:cs typeface="+mn-cs"/>
+              </a:defRPr>
+            </a:lvl3pPr>
+            <a:lvl4pPr marL="1371600" algn="l" defTabSz="914400" rtl="0" eaLnBrk="1" latinLnBrk="0" hangingPunct="1">
+              <a:defRPr sz="1800" kern="1200">
+                <a:solidFill>
+                  <a:schemeClr val="dk1"/>
+                </a:solidFill>
+                <a:latin typeface="+mn-lt"/>
+                <a:ea typeface="+mn-ea"/>
+                <a:cs typeface="+mn-cs"/>
+              </a:defRPr>
+            </a:lvl4pPr>
+            <a:lvl5pPr marL="1828800" algn="l" defTabSz="914400" rtl="0" eaLnBrk="1" latinLnBrk="0" hangingPunct="1">
+              <a:defRPr sz="1800" kern="1200">
+                <a:solidFill>
+                  <a:schemeClr val="dk1"/>
+                </a:solidFill>
+                <a:latin typeface="+mn-lt"/>
+                <a:ea typeface="+mn-ea"/>
+                <a:cs typeface="+mn-cs"/>
+              </a:defRPr>
+            </a:lvl5pPr>
+            <a:lvl6pPr marL="2286000" algn="l" defTabSz="914400" rtl="0" eaLnBrk="1" latinLnBrk="0" hangingPunct="1">
+              <a:defRPr sz="1800" kern="1200">
+                <a:solidFill>
+                  <a:schemeClr val="dk1"/>
+                </a:solidFill>
+                <a:latin typeface="+mn-lt"/>
+                <a:ea typeface="+mn-ea"/>
+                <a:cs typeface="+mn-cs"/>
+              </a:defRPr>
+            </a:lvl6pPr>
+            <a:lvl7pPr marL="2743200" algn="l" defTabSz="914400" rtl="0" eaLnBrk="1" latinLnBrk="0" hangingPunct="1">
+              <a:defRPr sz="1800" kern="1200">
+                <a:solidFill>
+                  <a:schemeClr val="dk1"/>
+                </a:solidFill>
+                <a:latin typeface="+mn-lt"/>
+                <a:ea typeface="+mn-ea"/>
+                <a:cs typeface="+mn-cs"/>
+              </a:defRPr>
+            </a:lvl7pPr>
+            <a:lvl8pPr marL="3200400" algn="l" defTabSz="914400" rtl="0" eaLnBrk="1" latinLnBrk="0" hangingPunct="1">
+              <a:defRPr sz="1800" kern="1200">
+                <a:solidFill>
+                  <a:schemeClr val="dk1"/>
+                </a:solidFill>
+                <a:latin typeface="+mn-lt"/>
+                <a:ea typeface="+mn-ea"/>
+                <a:cs typeface="+mn-cs"/>
+              </a:defRPr>
+            </a:lvl8pPr>
+            <a:lvl9pPr marL="3657600" algn="l" defTabSz="914400" rtl="0" eaLnBrk="1" latinLnBrk="0" hangingPunct="1">
+              <a:defRPr sz="1800" kern="1200">
+                <a:solidFill>
+                  <a:schemeClr val="dk1"/>
+                </a:solidFill>
+                <a:latin typeface="+mn-lt"/>
+                <a:ea typeface="+mn-ea"/>
+                <a:cs typeface="+mn-cs"/>
+              </a:defRPr>
+            </a:lvl9pPr>
+          </a:lstStyle>
+          <a:p>
+            <a:pPr algn="ctr"/>
+            <a:endParaRPr lang="zh-CN" altLang="en-US"/>
+          </a:p>
+        </p:txBody>
+      </p:sp>
+      <p:sp>
+        <p:nvSpPr>
+          <p:cNvPr id="68" name="矩形 67"/>
+          <p:cNvSpPr/>
+          <p:nvPr/>
+        </p:nvSpPr>
+        <p:spPr>
+          <a:xfrm>
+            <a:off x="323230" y="4617502"/>
+            <a:ext cx="1411288" cy="923925"/>
+          </a:xfrm>
+          <a:prstGeom prst="rect">
+            <a:avLst/>
+          </a:prstGeom>
+          <a:noFill/>
+          <a:ln>
+            <a:prstDash val="dashDot"/>
+          </a:ln>
+        </p:spPr>
+        <p:style>
+          <a:lnRef idx="2">
+            <a:schemeClr val="dk1"/>
+          </a:lnRef>
+          <a:fillRef idx="1">
+            <a:schemeClr val="lt1"/>
+          </a:fillRef>
+          <a:effectRef idx="0">
+            <a:schemeClr val="dk1"/>
+          </a:effectRef>
+          <a:fontRef idx="minor">
+            <a:schemeClr val="dk1"/>
+          </a:fontRef>
+        </p:style>
+        <p:txBody>
+          <a:bodyPr rot="0" spcFirstLastPara="0" vert="horz" wrap="square" lIns="91440" tIns="45720" rIns="91440" bIns="45720" numCol="1" spcCol="0" rtlCol="0" fromWordArt="0" anchor="ctr" anchorCtr="0" forceAA="0" compatLnSpc="1">
+            <a:prstTxWarp prst="textNoShape">
+              <a:avLst/>
+            </a:prstTxWarp>
+            <a:noAutofit/>
+          </a:bodyPr>
+          <a:lstStyle>
+            <a:defPPr>
+              <a:defRPr lang="zh-CN"/>
+            </a:defPPr>
+            <a:lvl1pPr marL="0" algn="l" defTabSz="914400" rtl="0" eaLnBrk="1" latinLnBrk="0" hangingPunct="1">
+              <a:defRPr sz="1800" kern="1200">
+                <a:solidFill>
+                  <a:schemeClr val="dk1"/>
+                </a:solidFill>
+                <a:latin typeface="+mn-lt"/>
+                <a:ea typeface="+mn-ea"/>
+                <a:cs typeface="+mn-cs"/>
+              </a:defRPr>
+            </a:lvl1pPr>
+            <a:lvl2pPr marL="457200" algn="l" defTabSz="914400" rtl="0" eaLnBrk="1" latinLnBrk="0" hangingPunct="1">
+              <a:defRPr sz="1800" kern="1200">
+                <a:solidFill>
+                  <a:schemeClr val="dk1"/>
+                </a:solidFill>
+                <a:latin typeface="+mn-lt"/>
+                <a:ea typeface="+mn-ea"/>
+                <a:cs typeface="+mn-cs"/>
+              </a:defRPr>
+            </a:lvl2pPr>
+            <a:lvl3pPr marL="914400" algn="l" defTabSz="914400" rtl="0" eaLnBrk="1" latinLnBrk="0" hangingPunct="1">
+              <a:defRPr sz="1800" kern="1200">
+                <a:solidFill>
+                  <a:schemeClr val="dk1"/>
+                </a:solidFill>
+                <a:latin typeface="+mn-lt"/>
+                <a:ea typeface="+mn-ea"/>
+                <a:cs typeface="+mn-cs"/>
+              </a:defRPr>
+            </a:lvl3pPr>
+            <a:lvl4pPr marL="1371600" algn="l" defTabSz="914400" rtl="0" eaLnBrk="1" latinLnBrk="0" hangingPunct="1">
+              <a:defRPr sz="1800" kern="1200">
+                <a:solidFill>
+                  <a:schemeClr val="dk1"/>
+                </a:solidFill>
+                <a:latin typeface="+mn-lt"/>
+                <a:ea typeface="+mn-ea"/>
+                <a:cs typeface="+mn-cs"/>
+              </a:defRPr>
+            </a:lvl4pPr>
+            <a:lvl5pPr marL="1828800" algn="l" defTabSz="914400" rtl="0" eaLnBrk="1" latinLnBrk="0" hangingPunct="1">
+              <a:defRPr sz="1800" kern="1200">
+                <a:solidFill>
+                  <a:schemeClr val="dk1"/>
+                </a:solidFill>
+                <a:latin typeface="+mn-lt"/>
+                <a:ea typeface="+mn-ea"/>
+                <a:cs typeface="+mn-cs"/>
+              </a:defRPr>
+            </a:lvl5pPr>
+            <a:lvl6pPr marL="2286000" algn="l" defTabSz="914400" rtl="0" eaLnBrk="1" latinLnBrk="0" hangingPunct="1">
+              <a:defRPr sz="1800" kern="1200">
+                <a:solidFill>
+                  <a:schemeClr val="dk1"/>
+                </a:solidFill>
+                <a:latin typeface="+mn-lt"/>
+                <a:ea typeface="+mn-ea"/>
+                <a:cs typeface="+mn-cs"/>
+              </a:defRPr>
+            </a:lvl6pPr>
+            <a:lvl7pPr marL="2743200" algn="l" defTabSz="914400" rtl="0" eaLnBrk="1" latinLnBrk="0" hangingPunct="1">
+              <a:defRPr sz="1800" kern="1200">
+                <a:solidFill>
+                  <a:schemeClr val="dk1"/>
+                </a:solidFill>
+                <a:latin typeface="+mn-lt"/>
+                <a:ea typeface="+mn-ea"/>
+                <a:cs typeface="+mn-cs"/>
+              </a:defRPr>
+            </a:lvl7pPr>
+            <a:lvl8pPr marL="3200400" algn="l" defTabSz="914400" rtl="0" eaLnBrk="1" latinLnBrk="0" hangingPunct="1">
+              <a:defRPr sz="1800" kern="1200">
+                <a:solidFill>
+                  <a:schemeClr val="dk1"/>
+                </a:solidFill>
+                <a:latin typeface="+mn-lt"/>
+                <a:ea typeface="+mn-ea"/>
+                <a:cs typeface="+mn-cs"/>
+              </a:defRPr>
+            </a:lvl8pPr>
+            <a:lvl9pPr marL="3657600" algn="l" defTabSz="914400" rtl="0" eaLnBrk="1" latinLnBrk="0" hangingPunct="1">
+              <a:defRPr sz="1800" kern="1200">
+                <a:solidFill>
+                  <a:schemeClr val="dk1"/>
+                </a:solidFill>
+                <a:latin typeface="+mn-lt"/>
+                <a:ea typeface="+mn-ea"/>
+                <a:cs typeface="+mn-cs"/>
+              </a:defRPr>
+            </a:lvl9pPr>
+          </a:lstStyle>
+          <a:p>
+            <a:pPr algn="ctr"/>
+            <a:endParaRPr lang="zh-CN" altLang="en-US"/>
+          </a:p>
+        </p:txBody>
+      </p:sp>
+    </p:spTree>
+    <p:extLst>
+      <p:ext uri="{BB962C8B-B14F-4D97-AF65-F5344CB8AC3E}">
+        <p14:creationId xmlns:p14="http://schemas.microsoft.com/office/powerpoint/2010/main" val="4095487670"/>
+      </p:ext>
+    </p:extLst>
+  </p:cSld>
+  <p:clrMapOvr>
+    <a:masterClrMapping/>
+  </p:clrMapOvr>
+</p:sld>
+</file>
+
+<file path=ppt/slides/slide5.xml><?xml version="1.0" encoding="utf-8"?>
+<p:sld xmlns:a="http://schemas.openxmlformats.org/drawingml/2006/main" xmlns:r="http://schemas.openxmlformats.org/officeDocument/2006/relationships" xmlns:p="http://schemas.openxmlformats.org/presentationml/2006/main">
+  <p:cSld>
+    <p:spTree>
+      <p:nvGrpSpPr>
+        <p:cNvPr id="1" name=""/>
+        <p:cNvGrpSpPr/>
+        <p:nvPr/>
+      </p:nvGrpSpPr>
+      <p:grpSpPr>
+        <a:xfrm>
+          <a:off x="0" y="0"/>
+          <a:ext cx="0" cy="0"/>
+          <a:chOff x="0" y="0"/>
+          <a:chExt cx="0" cy="0"/>
+        </a:xfrm>
+      </p:grpSpPr>
+      <p:cxnSp>
+        <p:nvCxnSpPr>
+          <p:cNvPr id="5" name="直接箭头连接符 4"/>
+          <p:cNvCxnSpPr/>
+          <p:nvPr/>
+        </p:nvCxnSpPr>
+        <p:spPr>
+          <a:xfrm flipV="1">
+            <a:off x="1933575" y="4038600"/>
+            <a:ext cx="3133725" cy="38100"/>
+          </a:xfrm>
+          <a:prstGeom prst="straightConnector1">
+            <a:avLst/>
+          </a:prstGeom>
+          <a:ln>
+            <a:tailEnd type="triangle"/>
+          </a:ln>
+        </p:spPr>
+        <p:style>
+          <a:lnRef idx="3">
+            <a:schemeClr val="dk1"/>
+          </a:lnRef>
+          <a:fillRef idx="0">
+            <a:schemeClr val="dk1"/>
+          </a:fillRef>
+          <a:effectRef idx="2">
+            <a:schemeClr val="dk1"/>
+          </a:effectRef>
+          <a:fontRef idx="minor">
+            <a:schemeClr val="tx1"/>
+          </a:fontRef>
+        </p:style>
+      </p:cxnSp>
+      <p:cxnSp>
+        <p:nvCxnSpPr>
+          <p:cNvPr id="9" name="直接箭头连接符 8"/>
+          <p:cNvCxnSpPr/>
+          <p:nvPr/>
+        </p:nvCxnSpPr>
+        <p:spPr>
+          <a:xfrm flipH="1" flipV="1">
+            <a:off x="2676525" y="1809750"/>
+            <a:ext cx="38100" cy="2876550"/>
+          </a:xfrm>
+          <a:prstGeom prst="straightConnector1">
+            <a:avLst/>
+          </a:prstGeom>
+          <a:ln>
+            <a:tailEnd type="triangle"/>
+          </a:ln>
+        </p:spPr>
+        <p:style>
+          <a:lnRef idx="3">
+            <a:schemeClr val="dk1"/>
+          </a:lnRef>
+          <a:fillRef idx="0">
+            <a:schemeClr val="dk1"/>
+          </a:fillRef>
+          <a:effectRef idx="2">
+            <a:schemeClr val="dk1"/>
+          </a:effectRef>
+          <a:fontRef idx="minor">
+            <a:schemeClr val="tx1"/>
+          </a:fontRef>
+        </p:style>
+      </p:cxnSp>
+      <p:sp>
+        <p:nvSpPr>
+          <p:cNvPr id="10" name="流程图: 接点 9"/>
+          <p:cNvSpPr/>
+          <p:nvPr/>
+        </p:nvSpPr>
+        <p:spPr>
+          <a:xfrm>
+            <a:off x="3057525" y="3143250"/>
+            <a:ext cx="57150" cy="57150"/>
+          </a:xfrm>
+          <a:prstGeom prst="flowChartConnector">
+            <a:avLst/>
+          </a:prstGeom>
+          <a:solidFill>
+            <a:schemeClr val="tx1"/>
+          </a:solidFill>
+          <a:ln>
+            <a:solidFill>
+              <a:schemeClr val="tx1"/>
+            </a:solidFill>
+          </a:ln>
+        </p:spPr>
+        <p:style>
+          <a:lnRef idx="2">
+            <a:schemeClr val="accent1">
+              <a:shade val="50000"/>
+            </a:schemeClr>
+          </a:lnRef>
+          <a:fillRef idx="1">
+            <a:schemeClr val="accent1"/>
+          </a:fillRef>
+          <a:effectRef idx="0">
+            <a:schemeClr val="accent1"/>
+          </a:effectRef>
+          <a:fontRef idx="minor">
+            <a:schemeClr val="lt1"/>
+          </a:fontRef>
+        </p:style>
+        <p:txBody>
+          <a:bodyPr rtlCol="0" anchor="ctr"/>
+          <a:lstStyle/>
+          <a:p>
+            <a:pPr algn="ctr"/>
+            <a:endParaRPr lang="zh-CN" altLang="en-US"/>
+          </a:p>
+        </p:txBody>
+      </p:sp>
+      <p:sp>
+        <p:nvSpPr>
+          <p:cNvPr id="11" name="流程图: 接点 10"/>
+          <p:cNvSpPr/>
+          <p:nvPr/>
+        </p:nvSpPr>
+        <p:spPr>
+          <a:xfrm flipV="1">
+            <a:off x="3900487" y="2649856"/>
+            <a:ext cx="57150" cy="45719"/>
+          </a:xfrm>
+          <a:prstGeom prst="flowChartConnector">
+            <a:avLst/>
+          </a:prstGeom>
+          <a:solidFill>
+            <a:schemeClr val="tx1"/>
+          </a:solidFill>
+          <a:ln>
+            <a:solidFill>
+              <a:schemeClr val="tx1"/>
+            </a:solidFill>
+          </a:ln>
+        </p:spPr>
+        <p:style>
+          <a:lnRef idx="2">
+            <a:schemeClr val="accent1">
+              <a:shade val="50000"/>
+            </a:schemeClr>
+          </a:lnRef>
+          <a:fillRef idx="1">
+            <a:schemeClr val="accent1"/>
+          </a:fillRef>
+          <a:effectRef idx="0">
+            <a:schemeClr val="accent1"/>
+          </a:effectRef>
+          <a:fontRef idx="minor">
+            <a:schemeClr val="lt1"/>
+          </a:fontRef>
+        </p:style>
+        <p:txBody>
+          <a:bodyPr rtlCol="0" anchor="ctr"/>
+          <a:lstStyle/>
+          <a:p>
+            <a:pPr algn="ctr"/>
+            <a:endParaRPr lang="zh-CN" altLang="en-US"/>
+          </a:p>
+        </p:txBody>
+      </p:sp>
+      <p:sp>
+        <p:nvSpPr>
+          <p:cNvPr id="12" name="流程图: 接点 11"/>
+          <p:cNvSpPr/>
+          <p:nvPr/>
+        </p:nvSpPr>
+        <p:spPr>
+          <a:xfrm>
+            <a:off x="3276600" y="2990850"/>
+            <a:ext cx="57150" cy="57150"/>
+          </a:xfrm>
+          <a:prstGeom prst="flowChartConnector">
+            <a:avLst/>
+          </a:prstGeom>
+          <a:solidFill>
+            <a:schemeClr val="tx1"/>
+          </a:solidFill>
+          <a:ln>
+            <a:solidFill>
+              <a:schemeClr val="tx1"/>
+            </a:solidFill>
+          </a:ln>
+        </p:spPr>
+        <p:style>
+          <a:lnRef idx="2">
+            <a:schemeClr val="accent1">
+              <a:shade val="50000"/>
+            </a:schemeClr>
+          </a:lnRef>
+          <a:fillRef idx="1">
+            <a:schemeClr val="accent1"/>
+          </a:fillRef>
+          <a:effectRef idx="0">
+            <a:schemeClr val="accent1"/>
+          </a:effectRef>
+          <a:fontRef idx="minor">
+            <a:schemeClr val="lt1"/>
+          </a:fontRef>
+        </p:style>
+        <p:txBody>
+          <a:bodyPr rtlCol="0" anchor="ctr"/>
+          <a:lstStyle/>
+          <a:p>
+            <a:pPr algn="ctr"/>
+            <a:endParaRPr lang="zh-CN" altLang="en-US"/>
+          </a:p>
+        </p:txBody>
+      </p:sp>
+      <p:sp>
+        <p:nvSpPr>
+          <p:cNvPr id="13" name="流程图: 接点 12"/>
+          <p:cNvSpPr/>
+          <p:nvPr/>
+        </p:nvSpPr>
+        <p:spPr>
+          <a:xfrm>
+            <a:off x="3590925" y="2847975"/>
+            <a:ext cx="57150" cy="57150"/>
+          </a:xfrm>
+          <a:prstGeom prst="flowChartConnector">
+            <a:avLst/>
+          </a:prstGeom>
+          <a:solidFill>
+            <a:schemeClr val="tx1"/>
+          </a:solidFill>
+          <a:ln>
+            <a:solidFill>
+              <a:schemeClr val="tx1"/>
+            </a:solidFill>
+          </a:ln>
+        </p:spPr>
+        <p:style>
+          <a:lnRef idx="2">
+            <a:schemeClr val="accent1">
+              <a:shade val="50000"/>
+            </a:schemeClr>
+          </a:lnRef>
+          <a:fillRef idx="1">
+            <a:schemeClr val="accent1"/>
+          </a:fillRef>
+          <a:effectRef idx="0">
+            <a:schemeClr val="accent1"/>
+          </a:effectRef>
+          <a:fontRef idx="minor">
+            <a:schemeClr val="lt1"/>
+          </a:fontRef>
+        </p:style>
+        <p:txBody>
+          <a:bodyPr rot="0" spcFirstLastPara="0" vert="horz" wrap="square" lIns="91440" tIns="45720" rIns="91440" bIns="45720" numCol="1" spcCol="0" rtlCol="0" fromWordArt="0" anchor="ctr" anchorCtr="0" forceAA="0" compatLnSpc="1">
+            <a:prstTxWarp prst="textNoShape">
+              <a:avLst/>
+            </a:prstTxWarp>
+            <a:noAutofit/>
+          </a:bodyPr>
+          <a:lstStyle>
+            <a:defPPr>
+              <a:defRPr lang="zh-CN"/>
+            </a:defPPr>
+            <a:lvl1pPr marL="0" algn="l" defTabSz="914400" rtl="0" eaLnBrk="1" latinLnBrk="0" hangingPunct="1">
+              <a:defRPr sz="1800" kern="1200">
+                <a:solidFill>
+                  <a:schemeClr val="lt1"/>
+                </a:solidFill>
+                <a:latin typeface="+mn-lt"/>
+                <a:ea typeface="+mn-ea"/>
+                <a:cs typeface="+mn-cs"/>
+              </a:defRPr>
+            </a:lvl1pPr>
+            <a:lvl2pPr marL="457200" algn="l" defTabSz="914400" rtl="0" eaLnBrk="1" latinLnBrk="0" hangingPunct="1">
+              <a:defRPr sz="1800" kern="1200">
+                <a:solidFill>
+                  <a:schemeClr val="lt1"/>
+                </a:solidFill>
+                <a:latin typeface="+mn-lt"/>
+                <a:ea typeface="+mn-ea"/>
+                <a:cs typeface="+mn-cs"/>
+              </a:defRPr>
+            </a:lvl2pPr>
+            <a:lvl3pPr marL="914400" algn="l" defTabSz="914400" rtl="0" eaLnBrk="1" latinLnBrk="0" hangingPunct="1">
+              <a:defRPr sz="1800" kern="1200">
+                <a:solidFill>
+                  <a:schemeClr val="lt1"/>
+                </a:solidFill>
+                <a:latin typeface="+mn-lt"/>
+                <a:ea typeface="+mn-ea"/>
+                <a:cs typeface="+mn-cs"/>
+              </a:defRPr>
+            </a:lvl3pPr>
+            <a:lvl4pPr marL="1371600" algn="l" defTabSz="914400" rtl="0" eaLnBrk="1" latinLnBrk="0" hangingPunct="1">
+              <a:defRPr sz="1800" kern="1200">
+                <a:solidFill>
+                  <a:schemeClr val="lt1"/>
+                </a:solidFill>
+                <a:latin typeface="+mn-lt"/>
+                <a:ea typeface="+mn-ea"/>
+                <a:cs typeface="+mn-cs"/>
+              </a:defRPr>
+            </a:lvl4pPr>
+            <a:lvl5pPr marL="1828800" algn="l" defTabSz="914400" rtl="0" eaLnBrk="1" latinLnBrk="0" hangingPunct="1">
+              <a:defRPr sz="1800" kern="1200">
+                <a:solidFill>
+                  <a:schemeClr val="lt1"/>
+                </a:solidFill>
+                <a:latin typeface="+mn-lt"/>
+                <a:ea typeface="+mn-ea"/>
+                <a:cs typeface="+mn-cs"/>
+              </a:defRPr>
+            </a:lvl5pPr>
+            <a:lvl6pPr marL="2286000" algn="l" defTabSz="914400" rtl="0" eaLnBrk="1" latinLnBrk="0" hangingPunct="1">
+              <a:defRPr sz="1800" kern="1200">
+                <a:solidFill>
+                  <a:schemeClr val="lt1"/>
+                </a:solidFill>
+                <a:latin typeface="+mn-lt"/>
+                <a:ea typeface="+mn-ea"/>
+                <a:cs typeface="+mn-cs"/>
+              </a:defRPr>
+            </a:lvl6pPr>
+            <a:lvl7pPr marL="2743200" algn="l" defTabSz="914400" rtl="0" eaLnBrk="1" latinLnBrk="0" hangingPunct="1">
+              <a:defRPr sz="1800" kern="1200">
+                <a:solidFill>
+                  <a:schemeClr val="lt1"/>
+                </a:solidFill>
+                <a:latin typeface="+mn-lt"/>
+                <a:ea typeface="+mn-ea"/>
+                <a:cs typeface="+mn-cs"/>
+              </a:defRPr>
+            </a:lvl7pPr>
+            <a:lvl8pPr marL="3200400" algn="l" defTabSz="914400" rtl="0" eaLnBrk="1" latinLnBrk="0" hangingPunct="1">
+              <a:defRPr sz="1800" kern="1200">
+                <a:solidFill>
+                  <a:schemeClr val="lt1"/>
+                </a:solidFill>
+                <a:latin typeface="+mn-lt"/>
+                <a:ea typeface="+mn-ea"/>
+                <a:cs typeface="+mn-cs"/>
+              </a:defRPr>
+            </a:lvl8pPr>
+            <a:lvl9pPr marL="3657600" algn="l" defTabSz="914400" rtl="0" eaLnBrk="1" latinLnBrk="0" hangingPunct="1">
+              <a:defRPr sz="1800" kern="1200">
+                <a:solidFill>
+                  <a:schemeClr val="lt1"/>
+                </a:solidFill>
+                <a:latin typeface="+mn-lt"/>
+                <a:ea typeface="+mn-ea"/>
+                <a:cs typeface="+mn-cs"/>
+              </a:defRPr>
+            </a:lvl9pPr>
+          </a:lstStyle>
+          <a:p>
+            <a:pPr algn="ctr"/>
+            <a:endParaRPr lang="zh-CN" altLang="en-US"/>
+          </a:p>
+        </p:txBody>
+      </p:sp>
+      <p:sp>
+        <p:nvSpPr>
+          <p:cNvPr id="14" name="流程图: 接点 13"/>
+          <p:cNvSpPr/>
+          <p:nvPr/>
+        </p:nvSpPr>
+        <p:spPr>
+          <a:xfrm>
+            <a:off x="4262437" y="2305050"/>
+            <a:ext cx="57150" cy="57150"/>
+          </a:xfrm>
+          <a:prstGeom prst="flowChartConnector">
+            <a:avLst/>
+          </a:prstGeom>
+          <a:solidFill>
+            <a:schemeClr val="tx1"/>
+          </a:solidFill>
+          <a:ln>
+            <a:solidFill>
+              <a:schemeClr val="tx1"/>
+            </a:solidFill>
+          </a:ln>
+        </p:spPr>
+        <p:style>
+          <a:lnRef idx="2">
+            <a:schemeClr val="accent1">
+              <a:shade val="50000"/>
+            </a:schemeClr>
+          </a:lnRef>
+          <a:fillRef idx="1">
+            <a:schemeClr val="accent1"/>
+          </a:fillRef>
+          <a:effectRef idx="0">
+            <a:schemeClr val="accent1"/>
+          </a:effectRef>
+          <a:fontRef idx="minor">
+            <a:schemeClr val="lt1"/>
+          </a:fontRef>
+        </p:style>
+        <p:txBody>
+          <a:bodyPr rot="0" spcFirstLastPara="0" vert="horz" wrap="square" lIns="91440" tIns="45720" rIns="91440" bIns="45720" numCol="1" spcCol="0" rtlCol="0" fromWordArt="0" anchor="ctr" anchorCtr="0" forceAA="0" compatLnSpc="1">
+            <a:prstTxWarp prst="textNoShape">
+              <a:avLst/>
+            </a:prstTxWarp>
+            <a:noAutofit/>
+          </a:bodyPr>
+          <a:lstStyle>
+            <a:defPPr>
+              <a:defRPr lang="zh-CN"/>
+            </a:defPPr>
+            <a:lvl1pPr marL="0" algn="l" defTabSz="914400" rtl="0" eaLnBrk="1" latinLnBrk="0" hangingPunct="1">
+              <a:defRPr sz="1800" kern="1200">
+                <a:solidFill>
+                  <a:schemeClr val="lt1"/>
+                </a:solidFill>
+                <a:latin typeface="+mn-lt"/>
+                <a:ea typeface="+mn-ea"/>
+                <a:cs typeface="+mn-cs"/>
+              </a:defRPr>
+            </a:lvl1pPr>
+            <a:lvl2pPr marL="457200" algn="l" defTabSz="914400" rtl="0" eaLnBrk="1" latinLnBrk="0" hangingPunct="1">
+              <a:defRPr sz="1800" kern="1200">
+                <a:solidFill>
+                  <a:schemeClr val="lt1"/>
+                </a:solidFill>
+                <a:latin typeface="+mn-lt"/>
+                <a:ea typeface="+mn-ea"/>
+                <a:cs typeface="+mn-cs"/>
+              </a:defRPr>
+            </a:lvl2pPr>
+            <a:lvl3pPr marL="914400" algn="l" defTabSz="914400" rtl="0" eaLnBrk="1" latinLnBrk="0" hangingPunct="1">
+              <a:defRPr sz="1800" kern="1200">
+                <a:solidFill>
+                  <a:schemeClr val="lt1"/>
+                </a:solidFill>
+                <a:latin typeface="+mn-lt"/>
+                <a:ea typeface="+mn-ea"/>
+                <a:cs typeface="+mn-cs"/>
+              </a:defRPr>
+            </a:lvl3pPr>
+            <a:lvl4pPr marL="1371600" algn="l" defTabSz="914400" rtl="0" eaLnBrk="1" latinLnBrk="0" hangingPunct="1">
+              <a:defRPr sz="1800" kern="1200">
+                <a:solidFill>
+                  <a:schemeClr val="lt1"/>
+                </a:solidFill>
+                <a:latin typeface="+mn-lt"/>
+                <a:ea typeface="+mn-ea"/>
+                <a:cs typeface="+mn-cs"/>
+              </a:defRPr>
+            </a:lvl4pPr>
+            <a:lvl5pPr marL="1828800" algn="l" defTabSz="914400" rtl="0" eaLnBrk="1" latinLnBrk="0" hangingPunct="1">
+              <a:defRPr sz="1800" kern="1200">
+                <a:solidFill>
+                  <a:schemeClr val="lt1"/>
+                </a:solidFill>
+                <a:latin typeface="+mn-lt"/>
+                <a:ea typeface="+mn-ea"/>
+                <a:cs typeface="+mn-cs"/>
+              </a:defRPr>
+            </a:lvl5pPr>
+            <a:lvl6pPr marL="2286000" algn="l" defTabSz="914400" rtl="0" eaLnBrk="1" latinLnBrk="0" hangingPunct="1">
+              <a:defRPr sz="1800" kern="1200">
+                <a:solidFill>
+                  <a:schemeClr val="lt1"/>
+                </a:solidFill>
+                <a:latin typeface="+mn-lt"/>
+                <a:ea typeface="+mn-ea"/>
+                <a:cs typeface="+mn-cs"/>
+              </a:defRPr>
+            </a:lvl6pPr>
+            <a:lvl7pPr marL="2743200" algn="l" defTabSz="914400" rtl="0" eaLnBrk="1" latinLnBrk="0" hangingPunct="1">
+              <a:defRPr sz="1800" kern="1200">
+                <a:solidFill>
+                  <a:schemeClr val="lt1"/>
+                </a:solidFill>
+                <a:latin typeface="+mn-lt"/>
+                <a:ea typeface="+mn-ea"/>
+                <a:cs typeface="+mn-cs"/>
+              </a:defRPr>
+            </a:lvl7pPr>
+            <a:lvl8pPr marL="3200400" algn="l" defTabSz="914400" rtl="0" eaLnBrk="1" latinLnBrk="0" hangingPunct="1">
+              <a:defRPr sz="1800" kern="1200">
+                <a:solidFill>
+                  <a:schemeClr val="lt1"/>
+                </a:solidFill>
+                <a:latin typeface="+mn-lt"/>
+                <a:ea typeface="+mn-ea"/>
+                <a:cs typeface="+mn-cs"/>
+              </a:defRPr>
+            </a:lvl8pPr>
+            <a:lvl9pPr marL="3657600" algn="l" defTabSz="914400" rtl="0" eaLnBrk="1" latinLnBrk="0" hangingPunct="1">
+              <a:defRPr sz="1800" kern="1200">
+                <a:solidFill>
+                  <a:schemeClr val="lt1"/>
+                </a:solidFill>
+                <a:latin typeface="+mn-lt"/>
+                <a:ea typeface="+mn-ea"/>
+                <a:cs typeface="+mn-cs"/>
+              </a:defRPr>
+            </a:lvl9pPr>
+          </a:lstStyle>
+          <a:p>
+            <a:pPr algn="ctr"/>
+            <a:endParaRPr lang="zh-CN" altLang="en-US"/>
+          </a:p>
+        </p:txBody>
+      </p:sp>
+      <p:sp>
+        <p:nvSpPr>
+          <p:cNvPr id="16" name="文本框 15"/>
+          <p:cNvSpPr txBox="1"/>
+          <p:nvPr/>
+        </p:nvSpPr>
+        <p:spPr>
+          <a:xfrm>
+            <a:off x="2743660" y="1734622"/>
+            <a:ext cx="904415" cy="369332"/>
+          </a:xfrm>
+          <a:prstGeom prst="rect">
+            <a:avLst/>
+          </a:prstGeom>
+          <a:noFill/>
+        </p:spPr>
+        <p:txBody>
+          <a:bodyPr wrap="none" rtlCol="0">
+            <a:spAutoFit/>
+          </a:bodyPr>
+          <a:lstStyle/>
+          <a:p>
+            <a:r>
+              <a:rPr lang="en-US" altLang="zh-CN" dirty="0"/>
+              <a:t>Ln(L(k))</a:t>
+            </a:r>
+            <a:endParaRPr lang="zh-CN" altLang="en-US" dirty="0"/>
+          </a:p>
+        </p:txBody>
+      </p:sp>
+      <p:sp>
+        <p:nvSpPr>
+          <p:cNvPr id="18" name="文本框 17"/>
+          <p:cNvSpPr txBox="1"/>
+          <p:nvPr/>
+        </p:nvSpPr>
+        <p:spPr>
+          <a:xfrm>
+            <a:off x="4319587" y="4090988"/>
+            <a:ext cx="870751" cy="369332"/>
+          </a:xfrm>
+          <a:prstGeom prst="rect">
+            <a:avLst/>
+          </a:prstGeom>
+          <a:noFill/>
+        </p:spPr>
+        <p:txBody>
+          <a:bodyPr wrap="none" rtlCol="0">
+            <a:spAutoFit/>
+          </a:bodyPr>
+          <a:lstStyle/>
+          <a:p>
+            <a:r>
+              <a:rPr lang="en-US" altLang="zh-CN" dirty="0"/>
+              <a:t>Ln(1/k)</a:t>
+            </a:r>
+            <a:endParaRPr lang="zh-CN" altLang="en-US" dirty="0"/>
+          </a:p>
+        </p:txBody>
+      </p:sp>
+      <p:sp>
+        <p:nvSpPr>
+          <p:cNvPr id="19" name="文本框 18"/>
+          <p:cNvSpPr txBox="1"/>
+          <p:nvPr/>
+        </p:nvSpPr>
+        <p:spPr>
+          <a:xfrm>
+            <a:off x="2408131" y="4038600"/>
+            <a:ext cx="306494" cy="369332"/>
+          </a:xfrm>
+          <a:prstGeom prst="rect">
+            <a:avLst/>
+          </a:prstGeom>
+          <a:noFill/>
+        </p:spPr>
+        <p:txBody>
+          <a:bodyPr wrap="none" rtlCol="0">
+            <a:spAutoFit/>
+          </a:bodyPr>
+          <a:lstStyle/>
+          <a:p>
+            <a:r>
+              <a:rPr lang="en-US" altLang="zh-CN" dirty="0"/>
+              <a:t>0</a:t>
+            </a:r>
+            <a:endParaRPr lang="zh-CN" altLang="en-US" dirty="0"/>
+          </a:p>
+        </p:txBody>
+      </p:sp>
+      <p:cxnSp>
+        <p:nvCxnSpPr>
+          <p:cNvPr id="21" name="直接连接符 20"/>
+          <p:cNvCxnSpPr/>
+          <p:nvPr/>
+        </p:nvCxnSpPr>
+        <p:spPr>
+          <a:xfrm flipH="1">
+            <a:off x="1933575" y="1809750"/>
+            <a:ext cx="2895600" cy="2413516"/>
+          </a:xfrm>
+          <a:prstGeom prst="line">
+            <a:avLst/>
+          </a:prstGeom>
+        </p:spPr>
+        <p:style>
+          <a:lnRef idx="3">
+            <a:schemeClr val="dk1"/>
+          </a:lnRef>
+          <a:fillRef idx="0">
+            <a:schemeClr val="dk1"/>
+          </a:fillRef>
+          <a:effectRef idx="2">
+            <a:schemeClr val="dk1"/>
+          </a:effectRef>
+          <a:fontRef idx="minor">
+            <a:schemeClr val="tx1"/>
+          </a:fontRef>
+        </p:style>
+      </p:cxnSp>
+    </p:spTree>
+    <p:extLst>
+      <p:ext uri="{BB962C8B-B14F-4D97-AF65-F5344CB8AC3E}">
+        <p14:creationId xmlns:p14="http://schemas.microsoft.com/office/powerpoint/2010/main" val="390467675"/>
       </p:ext>
     </p:extLst>
   </p:cSld>

--- a/图集.pptx
+++ b/图集.pptx
@@ -5,7 +5,7 @@
     <p:sldMasterId id="2147483648" r:id="rId1"/>
   </p:sldMasterIdLst>
   <p:notesMasterIdLst>
-    <p:notesMasterId r:id="rId7"/>
+    <p:notesMasterId r:id="rId10"/>
   </p:notesMasterIdLst>
   <p:sldIdLst>
     <p:sldId id="256" r:id="rId2"/>
@@ -13,6 +13,9 @@
     <p:sldId id="258" r:id="rId4"/>
     <p:sldId id="259" r:id="rId5"/>
     <p:sldId id="260" r:id="rId6"/>
+    <p:sldId id="261" r:id="rId7"/>
+    <p:sldId id="262" r:id="rId8"/>
+    <p:sldId id="263" r:id="rId9"/>
   </p:sldIdLst>
   <p:sldSz cx="12192000" cy="6858000"/>
   <p:notesSz cx="6858000" cy="9144000"/>
@@ -201,7 +204,7 @@
           <a:p>
             <a:fld id="{0A5C0070-62FF-4409-B5E8-A38E1A25C249}" type="datetimeFigureOut">
               <a:rPr lang="zh-CN" altLang="en-US" smtClean="0"/>
-              <a:t>2016/11/16</a:t>
+              <a:t>2016/11/17</a:t>
             </a:fld>
             <a:endParaRPr lang="zh-CN" altLang="en-US"/>
           </a:p>
@@ -681,7 +684,7 @@
           <a:p>
             <a:fld id="{5CC46D4B-9541-4BC3-A144-744E4042BCF0}" type="datetimeFigureOut">
               <a:rPr lang="zh-CN" altLang="en-US" smtClean="0"/>
-              <a:t>2016/11/16</a:t>
+              <a:t>2016/11/17</a:t>
             </a:fld>
             <a:endParaRPr lang="zh-CN" altLang="en-US"/>
           </a:p>
@@ -849,7 +852,7 @@
           <a:p>
             <a:fld id="{5CC46D4B-9541-4BC3-A144-744E4042BCF0}" type="datetimeFigureOut">
               <a:rPr lang="zh-CN" altLang="en-US" smtClean="0"/>
-              <a:t>2016/11/16</a:t>
+              <a:t>2016/11/17</a:t>
             </a:fld>
             <a:endParaRPr lang="zh-CN" altLang="en-US"/>
           </a:p>
@@ -1027,7 +1030,7 @@
           <a:p>
             <a:fld id="{5CC46D4B-9541-4BC3-A144-744E4042BCF0}" type="datetimeFigureOut">
               <a:rPr lang="zh-CN" altLang="en-US" smtClean="0"/>
-              <a:t>2016/11/16</a:t>
+              <a:t>2016/11/17</a:t>
             </a:fld>
             <a:endParaRPr lang="zh-CN" altLang="en-US"/>
           </a:p>
@@ -1195,7 +1198,7 @@
           <a:p>
             <a:fld id="{5CC46D4B-9541-4BC3-A144-744E4042BCF0}" type="datetimeFigureOut">
               <a:rPr lang="zh-CN" altLang="en-US" smtClean="0"/>
-              <a:t>2016/11/16</a:t>
+              <a:t>2016/11/17</a:t>
             </a:fld>
             <a:endParaRPr lang="zh-CN" altLang="en-US"/>
           </a:p>
@@ -1440,7 +1443,7 @@
           <a:p>
             <a:fld id="{5CC46D4B-9541-4BC3-A144-744E4042BCF0}" type="datetimeFigureOut">
               <a:rPr lang="zh-CN" altLang="en-US" smtClean="0"/>
-              <a:t>2016/11/16</a:t>
+              <a:t>2016/11/17</a:t>
             </a:fld>
             <a:endParaRPr lang="zh-CN" altLang="en-US"/>
           </a:p>
@@ -1669,7 +1672,7 @@
           <a:p>
             <a:fld id="{5CC46D4B-9541-4BC3-A144-744E4042BCF0}" type="datetimeFigureOut">
               <a:rPr lang="zh-CN" altLang="en-US" smtClean="0"/>
-              <a:t>2016/11/16</a:t>
+              <a:t>2016/11/17</a:t>
             </a:fld>
             <a:endParaRPr lang="zh-CN" altLang="en-US"/>
           </a:p>
@@ -2033,7 +2036,7 @@
           <a:p>
             <a:fld id="{5CC46D4B-9541-4BC3-A144-744E4042BCF0}" type="datetimeFigureOut">
               <a:rPr lang="zh-CN" altLang="en-US" smtClean="0"/>
-              <a:t>2016/11/16</a:t>
+              <a:t>2016/11/17</a:t>
             </a:fld>
             <a:endParaRPr lang="zh-CN" altLang="en-US"/>
           </a:p>
@@ -2150,7 +2153,7 @@
           <a:p>
             <a:fld id="{5CC46D4B-9541-4BC3-A144-744E4042BCF0}" type="datetimeFigureOut">
               <a:rPr lang="zh-CN" altLang="en-US" smtClean="0"/>
-              <a:t>2016/11/16</a:t>
+              <a:t>2016/11/17</a:t>
             </a:fld>
             <a:endParaRPr lang="zh-CN" altLang="en-US"/>
           </a:p>
@@ -2245,7 +2248,7 @@
           <a:p>
             <a:fld id="{5CC46D4B-9541-4BC3-A144-744E4042BCF0}" type="datetimeFigureOut">
               <a:rPr lang="zh-CN" altLang="en-US" smtClean="0"/>
-              <a:t>2016/11/16</a:t>
+              <a:t>2016/11/17</a:t>
             </a:fld>
             <a:endParaRPr lang="zh-CN" altLang="en-US"/>
           </a:p>
@@ -2520,7 +2523,7 @@
           <a:p>
             <a:fld id="{5CC46D4B-9541-4BC3-A144-744E4042BCF0}" type="datetimeFigureOut">
               <a:rPr lang="zh-CN" altLang="en-US" smtClean="0"/>
-              <a:t>2016/11/16</a:t>
+              <a:t>2016/11/17</a:t>
             </a:fld>
             <a:endParaRPr lang="zh-CN" altLang="en-US"/>
           </a:p>
@@ -2772,7 +2775,7 @@
           <a:p>
             <a:fld id="{5CC46D4B-9541-4BC3-A144-744E4042BCF0}" type="datetimeFigureOut">
               <a:rPr lang="zh-CN" altLang="en-US" smtClean="0"/>
-              <a:t>2016/11/16</a:t>
+              <a:t>2016/11/17</a:t>
             </a:fld>
             <a:endParaRPr lang="zh-CN" altLang="en-US"/>
           </a:p>
@@ -2983,7 +2986,7 @@
           <a:p>
             <a:fld id="{5CC46D4B-9541-4BC3-A144-744E4042BCF0}" type="datetimeFigureOut">
               <a:rPr lang="zh-CN" altLang="en-US" smtClean="0"/>
-              <a:t>2016/11/16</a:t>
+              <a:t>2016/11/17</a:t>
             </a:fld>
             <a:endParaRPr lang="zh-CN" altLang="en-US"/>
           </a:p>
@@ -4068,7 +4071,7 @@
         </p:nvSpPr>
         <p:spPr>
           <a:xfrm>
-            <a:off x="7018533" y="2188267"/>
+            <a:off x="7139127" y="2165990"/>
             <a:ext cx="1327016" cy="763479"/>
           </a:xfrm>
           <a:prstGeom prst="rect">
@@ -5042,7 +5045,7 @@
                 <a:latin typeface="微软雅黑" panose="020B0503020204020204" pitchFamily="34" charset="-122"/>
                 <a:ea typeface="微软雅黑" panose="020B0503020204020204" pitchFamily="34" charset="-122"/>
               </a:rPr>
-              <a:t>5</a:t>
+              <a:t>15</a:t>
             </a:r>
             <a:r>
               <a:rPr lang="zh-CN" altLang="en-US" dirty="0">
@@ -5700,7 +5703,7 @@
         <p:spPr>
           <a:xfrm>
             <a:off x="5993468" y="5433644"/>
-            <a:ext cx="631852" cy="282334"/>
+            <a:ext cx="613550" cy="282334"/>
           </a:xfrm>
           <a:prstGeom prst="rightArrow">
             <a:avLst/>
@@ -6142,6 +6145,86 @@
               </a:defRPr>
             </a:lvl9pPr>
           </a:lstStyle>
+          <a:p>
+            <a:pPr algn="ctr"/>
+            <a:endParaRPr lang="zh-CN" altLang="en-US"/>
+          </a:p>
+        </p:txBody>
+      </p:sp>
+      <p:sp>
+        <p:nvSpPr>
+          <p:cNvPr id="27" name="箭头: 右 26"/>
+          <p:cNvSpPr/>
+          <p:nvPr/>
+        </p:nvSpPr>
+        <p:spPr>
+          <a:xfrm>
+            <a:off x="3781429" y="2465437"/>
+            <a:ext cx="452462" cy="209134"/>
+          </a:xfrm>
+          <a:prstGeom prst="rightArrow">
+            <a:avLst/>
+          </a:prstGeom>
+        </p:spPr>
+        <p:style>
+          <a:lnRef idx="2">
+            <a:schemeClr val="accent1">
+              <a:shade val="50000"/>
+            </a:schemeClr>
+          </a:lnRef>
+          <a:fillRef idx="1">
+            <a:schemeClr val="accent1"/>
+          </a:fillRef>
+          <a:effectRef idx="0">
+            <a:schemeClr val="accent1"/>
+          </a:effectRef>
+          <a:fontRef idx="minor">
+            <a:schemeClr val="lt1"/>
+          </a:fontRef>
+        </p:style>
+        <p:txBody>
+          <a:bodyPr rtlCol="0" anchor="ctr"/>
+          <a:lstStyle/>
+          <a:p>
+            <a:pPr algn="ctr"/>
+            <a:endParaRPr lang="zh-CN" altLang="en-US"/>
+          </a:p>
+        </p:txBody>
+      </p:sp>
+      <p:sp>
+        <p:nvSpPr>
+          <p:cNvPr id="29" name="箭头: 右 28"/>
+          <p:cNvSpPr/>
+          <p:nvPr/>
+        </p:nvSpPr>
+        <p:spPr>
+          <a:xfrm>
+            <a:off x="6686665" y="2465437"/>
+            <a:ext cx="452462" cy="209134"/>
+          </a:xfrm>
+          <a:prstGeom prst="rightArrow">
+            <a:avLst/>
+          </a:prstGeom>
+        </p:spPr>
+        <p:style>
+          <a:lnRef idx="2">
+            <a:schemeClr val="accent1">
+              <a:shade val="50000"/>
+            </a:schemeClr>
+          </a:lnRef>
+          <a:fillRef idx="1">
+            <a:schemeClr val="accent1"/>
+          </a:fillRef>
+          <a:effectRef idx="0">
+            <a:schemeClr val="accent1"/>
+          </a:effectRef>
+          <a:fontRef idx="minor">
+            <a:schemeClr val="lt1"/>
+          </a:fontRef>
+        </p:style>
+        <p:txBody>
+          <a:bodyPr rtlCol="0" anchor="ctr"/>
+          <a:lstStyle/>
           <a:p>
             <a:pPr algn="ctr"/>
             <a:endParaRPr lang="zh-CN" altLang="en-US"/>
@@ -12439,10 +12522,3325 @@
           </a:fontRef>
         </p:style>
       </p:cxnSp>
+      <p:cxnSp>
+        <p:nvCxnSpPr>
+          <p:cNvPr id="15" name="直接箭头连接符 14"/>
+          <p:cNvCxnSpPr/>
+          <p:nvPr/>
+        </p:nvCxnSpPr>
+        <p:spPr>
+          <a:xfrm flipV="1">
+            <a:off x="7332678" y="3981450"/>
+            <a:ext cx="3133725" cy="38100"/>
+          </a:xfrm>
+          <a:prstGeom prst="straightConnector1">
+            <a:avLst/>
+          </a:prstGeom>
+          <a:ln>
+            <a:tailEnd type="triangle"/>
+          </a:ln>
+        </p:spPr>
+        <p:style>
+          <a:lnRef idx="3">
+            <a:schemeClr val="dk1"/>
+          </a:lnRef>
+          <a:fillRef idx="0">
+            <a:schemeClr val="dk1"/>
+          </a:fillRef>
+          <a:effectRef idx="2">
+            <a:schemeClr val="dk1"/>
+          </a:effectRef>
+          <a:fontRef idx="minor">
+            <a:schemeClr val="tx1"/>
+          </a:fontRef>
+        </p:style>
+      </p:cxnSp>
+      <p:cxnSp>
+        <p:nvCxnSpPr>
+          <p:cNvPr id="17" name="直接箭头连接符 16"/>
+          <p:cNvCxnSpPr/>
+          <p:nvPr/>
+        </p:nvCxnSpPr>
+        <p:spPr>
+          <a:xfrm flipH="1" flipV="1">
+            <a:off x="8075628" y="1752600"/>
+            <a:ext cx="38100" cy="2876550"/>
+          </a:xfrm>
+          <a:prstGeom prst="straightConnector1">
+            <a:avLst/>
+          </a:prstGeom>
+          <a:ln>
+            <a:tailEnd type="triangle"/>
+          </a:ln>
+        </p:spPr>
+        <p:style>
+          <a:lnRef idx="3">
+            <a:schemeClr val="dk1"/>
+          </a:lnRef>
+          <a:fillRef idx="0">
+            <a:schemeClr val="dk1"/>
+          </a:fillRef>
+          <a:effectRef idx="2">
+            <a:schemeClr val="dk1"/>
+          </a:effectRef>
+          <a:fontRef idx="minor">
+            <a:schemeClr val="tx1"/>
+          </a:fontRef>
+        </p:style>
+      </p:cxnSp>
+      <p:sp>
+        <p:nvSpPr>
+          <p:cNvPr id="20" name="流程图: 接点 19"/>
+          <p:cNvSpPr/>
+          <p:nvPr/>
+        </p:nvSpPr>
+        <p:spPr>
+          <a:xfrm>
+            <a:off x="8456628" y="3086100"/>
+            <a:ext cx="57150" cy="57150"/>
+          </a:xfrm>
+          <a:prstGeom prst="flowChartConnector">
+            <a:avLst/>
+          </a:prstGeom>
+          <a:solidFill>
+            <a:schemeClr val="tx1"/>
+          </a:solidFill>
+          <a:ln>
+            <a:solidFill>
+              <a:schemeClr val="tx1"/>
+            </a:solidFill>
+          </a:ln>
+        </p:spPr>
+        <p:style>
+          <a:lnRef idx="2">
+            <a:schemeClr val="accent1">
+              <a:shade val="50000"/>
+            </a:schemeClr>
+          </a:lnRef>
+          <a:fillRef idx="1">
+            <a:schemeClr val="accent1"/>
+          </a:fillRef>
+          <a:effectRef idx="0">
+            <a:schemeClr val="accent1"/>
+          </a:effectRef>
+          <a:fontRef idx="minor">
+            <a:schemeClr val="lt1"/>
+          </a:fontRef>
+        </p:style>
+        <p:txBody>
+          <a:bodyPr rtlCol="0" anchor="ctr"/>
+          <a:lstStyle/>
+          <a:p>
+            <a:pPr algn="ctr"/>
+            <a:endParaRPr lang="zh-CN" altLang="en-US"/>
+          </a:p>
+        </p:txBody>
+      </p:sp>
+      <p:sp>
+        <p:nvSpPr>
+          <p:cNvPr id="22" name="流程图: 接点 21"/>
+          <p:cNvSpPr/>
+          <p:nvPr/>
+        </p:nvSpPr>
+        <p:spPr>
+          <a:xfrm flipV="1">
+            <a:off x="9299590" y="2592706"/>
+            <a:ext cx="57150" cy="45719"/>
+          </a:xfrm>
+          <a:prstGeom prst="flowChartConnector">
+            <a:avLst/>
+          </a:prstGeom>
+          <a:solidFill>
+            <a:schemeClr val="tx1"/>
+          </a:solidFill>
+          <a:ln>
+            <a:solidFill>
+              <a:schemeClr val="tx1"/>
+            </a:solidFill>
+          </a:ln>
+        </p:spPr>
+        <p:style>
+          <a:lnRef idx="2">
+            <a:schemeClr val="accent1">
+              <a:shade val="50000"/>
+            </a:schemeClr>
+          </a:lnRef>
+          <a:fillRef idx="1">
+            <a:schemeClr val="accent1"/>
+          </a:fillRef>
+          <a:effectRef idx="0">
+            <a:schemeClr val="accent1"/>
+          </a:effectRef>
+          <a:fontRef idx="minor">
+            <a:schemeClr val="lt1"/>
+          </a:fontRef>
+        </p:style>
+        <p:txBody>
+          <a:bodyPr rtlCol="0" anchor="ctr"/>
+          <a:lstStyle/>
+          <a:p>
+            <a:pPr algn="ctr"/>
+            <a:endParaRPr lang="zh-CN" altLang="en-US"/>
+          </a:p>
+        </p:txBody>
+      </p:sp>
+      <p:sp>
+        <p:nvSpPr>
+          <p:cNvPr id="23" name="流程图: 接点 22"/>
+          <p:cNvSpPr/>
+          <p:nvPr/>
+        </p:nvSpPr>
+        <p:spPr>
+          <a:xfrm>
+            <a:off x="8675703" y="2933700"/>
+            <a:ext cx="57150" cy="57150"/>
+          </a:xfrm>
+          <a:prstGeom prst="flowChartConnector">
+            <a:avLst/>
+          </a:prstGeom>
+          <a:solidFill>
+            <a:schemeClr val="tx1"/>
+          </a:solidFill>
+          <a:ln>
+            <a:solidFill>
+              <a:schemeClr val="tx1"/>
+            </a:solidFill>
+          </a:ln>
+        </p:spPr>
+        <p:style>
+          <a:lnRef idx="2">
+            <a:schemeClr val="accent1">
+              <a:shade val="50000"/>
+            </a:schemeClr>
+          </a:lnRef>
+          <a:fillRef idx="1">
+            <a:schemeClr val="accent1"/>
+          </a:fillRef>
+          <a:effectRef idx="0">
+            <a:schemeClr val="accent1"/>
+          </a:effectRef>
+          <a:fontRef idx="minor">
+            <a:schemeClr val="lt1"/>
+          </a:fontRef>
+        </p:style>
+        <p:txBody>
+          <a:bodyPr rtlCol="0" anchor="ctr"/>
+          <a:lstStyle/>
+          <a:p>
+            <a:pPr algn="ctr"/>
+            <a:endParaRPr lang="zh-CN" altLang="en-US"/>
+          </a:p>
+        </p:txBody>
+      </p:sp>
+      <p:sp>
+        <p:nvSpPr>
+          <p:cNvPr id="24" name="流程图: 接点 23"/>
+          <p:cNvSpPr/>
+          <p:nvPr/>
+        </p:nvSpPr>
+        <p:spPr>
+          <a:xfrm>
+            <a:off x="8990028" y="2790825"/>
+            <a:ext cx="57150" cy="57150"/>
+          </a:xfrm>
+          <a:prstGeom prst="flowChartConnector">
+            <a:avLst/>
+          </a:prstGeom>
+          <a:solidFill>
+            <a:schemeClr val="tx1"/>
+          </a:solidFill>
+          <a:ln>
+            <a:solidFill>
+              <a:schemeClr val="tx1"/>
+            </a:solidFill>
+          </a:ln>
+        </p:spPr>
+        <p:style>
+          <a:lnRef idx="2">
+            <a:schemeClr val="accent1">
+              <a:shade val="50000"/>
+            </a:schemeClr>
+          </a:lnRef>
+          <a:fillRef idx="1">
+            <a:schemeClr val="accent1"/>
+          </a:fillRef>
+          <a:effectRef idx="0">
+            <a:schemeClr val="accent1"/>
+          </a:effectRef>
+          <a:fontRef idx="minor">
+            <a:schemeClr val="lt1"/>
+          </a:fontRef>
+        </p:style>
+        <p:txBody>
+          <a:bodyPr rot="0" spcFirstLastPara="0" vert="horz" wrap="square" lIns="91440" tIns="45720" rIns="91440" bIns="45720" numCol="1" spcCol="0" rtlCol="0" fromWordArt="0" anchor="ctr" anchorCtr="0" forceAA="0" compatLnSpc="1">
+            <a:prstTxWarp prst="textNoShape">
+              <a:avLst/>
+            </a:prstTxWarp>
+            <a:noAutofit/>
+          </a:bodyPr>
+          <a:lstStyle>
+            <a:defPPr>
+              <a:defRPr lang="zh-CN"/>
+            </a:defPPr>
+            <a:lvl1pPr marL="0" algn="l" defTabSz="914400" rtl="0" eaLnBrk="1" latinLnBrk="0" hangingPunct="1">
+              <a:defRPr sz="1800" kern="1200">
+                <a:solidFill>
+                  <a:schemeClr val="lt1"/>
+                </a:solidFill>
+                <a:latin typeface="+mn-lt"/>
+                <a:ea typeface="+mn-ea"/>
+                <a:cs typeface="+mn-cs"/>
+              </a:defRPr>
+            </a:lvl1pPr>
+            <a:lvl2pPr marL="457200" algn="l" defTabSz="914400" rtl="0" eaLnBrk="1" latinLnBrk="0" hangingPunct="1">
+              <a:defRPr sz="1800" kern="1200">
+                <a:solidFill>
+                  <a:schemeClr val="lt1"/>
+                </a:solidFill>
+                <a:latin typeface="+mn-lt"/>
+                <a:ea typeface="+mn-ea"/>
+                <a:cs typeface="+mn-cs"/>
+              </a:defRPr>
+            </a:lvl2pPr>
+            <a:lvl3pPr marL="914400" algn="l" defTabSz="914400" rtl="0" eaLnBrk="1" latinLnBrk="0" hangingPunct="1">
+              <a:defRPr sz="1800" kern="1200">
+                <a:solidFill>
+                  <a:schemeClr val="lt1"/>
+                </a:solidFill>
+                <a:latin typeface="+mn-lt"/>
+                <a:ea typeface="+mn-ea"/>
+                <a:cs typeface="+mn-cs"/>
+              </a:defRPr>
+            </a:lvl3pPr>
+            <a:lvl4pPr marL="1371600" algn="l" defTabSz="914400" rtl="0" eaLnBrk="1" latinLnBrk="0" hangingPunct="1">
+              <a:defRPr sz="1800" kern="1200">
+                <a:solidFill>
+                  <a:schemeClr val="lt1"/>
+                </a:solidFill>
+                <a:latin typeface="+mn-lt"/>
+                <a:ea typeface="+mn-ea"/>
+                <a:cs typeface="+mn-cs"/>
+              </a:defRPr>
+            </a:lvl4pPr>
+            <a:lvl5pPr marL="1828800" algn="l" defTabSz="914400" rtl="0" eaLnBrk="1" latinLnBrk="0" hangingPunct="1">
+              <a:defRPr sz="1800" kern="1200">
+                <a:solidFill>
+                  <a:schemeClr val="lt1"/>
+                </a:solidFill>
+                <a:latin typeface="+mn-lt"/>
+                <a:ea typeface="+mn-ea"/>
+                <a:cs typeface="+mn-cs"/>
+              </a:defRPr>
+            </a:lvl5pPr>
+            <a:lvl6pPr marL="2286000" algn="l" defTabSz="914400" rtl="0" eaLnBrk="1" latinLnBrk="0" hangingPunct="1">
+              <a:defRPr sz="1800" kern="1200">
+                <a:solidFill>
+                  <a:schemeClr val="lt1"/>
+                </a:solidFill>
+                <a:latin typeface="+mn-lt"/>
+                <a:ea typeface="+mn-ea"/>
+                <a:cs typeface="+mn-cs"/>
+              </a:defRPr>
+            </a:lvl6pPr>
+            <a:lvl7pPr marL="2743200" algn="l" defTabSz="914400" rtl="0" eaLnBrk="1" latinLnBrk="0" hangingPunct="1">
+              <a:defRPr sz="1800" kern="1200">
+                <a:solidFill>
+                  <a:schemeClr val="lt1"/>
+                </a:solidFill>
+                <a:latin typeface="+mn-lt"/>
+                <a:ea typeface="+mn-ea"/>
+                <a:cs typeface="+mn-cs"/>
+              </a:defRPr>
+            </a:lvl7pPr>
+            <a:lvl8pPr marL="3200400" algn="l" defTabSz="914400" rtl="0" eaLnBrk="1" latinLnBrk="0" hangingPunct="1">
+              <a:defRPr sz="1800" kern="1200">
+                <a:solidFill>
+                  <a:schemeClr val="lt1"/>
+                </a:solidFill>
+                <a:latin typeface="+mn-lt"/>
+                <a:ea typeface="+mn-ea"/>
+                <a:cs typeface="+mn-cs"/>
+              </a:defRPr>
+            </a:lvl8pPr>
+            <a:lvl9pPr marL="3657600" algn="l" defTabSz="914400" rtl="0" eaLnBrk="1" latinLnBrk="0" hangingPunct="1">
+              <a:defRPr sz="1800" kern="1200">
+                <a:solidFill>
+                  <a:schemeClr val="lt1"/>
+                </a:solidFill>
+                <a:latin typeface="+mn-lt"/>
+                <a:ea typeface="+mn-ea"/>
+                <a:cs typeface="+mn-cs"/>
+              </a:defRPr>
+            </a:lvl9pPr>
+          </a:lstStyle>
+          <a:p>
+            <a:pPr algn="ctr"/>
+            <a:endParaRPr lang="zh-CN" altLang="en-US"/>
+          </a:p>
+        </p:txBody>
+      </p:sp>
+      <p:sp>
+        <p:nvSpPr>
+          <p:cNvPr id="25" name="流程图: 接点 24"/>
+          <p:cNvSpPr/>
+          <p:nvPr/>
+        </p:nvSpPr>
+        <p:spPr>
+          <a:xfrm>
+            <a:off x="9661540" y="2247900"/>
+            <a:ext cx="57150" cy="57150"/>
+          </a:xfrm>
+          <a:prstGeom prst="flowChartConnector">
+            <a:avLst/>
+          </a:prstGeom>
+          <a:solidFill>
+            <a:schemeClr val="tx1"/>
+          </a:solidFill>
+          <a:ln>
+            <a:solidFill>
+              <a:schemeClr val="tx1"/>
+            </a:solidFill>
+          </a:ln>
+        </p:spPr>
+        <p:style>
+          <a:lnRef idx="2">
+            <a:schemeClr val="accent1">
+              <a:shade val="50000"/>
+            </a:schemeClr>
+          </a:lnRef>
+          <a:fillRef idx="1">
+            <a:schemeClr val="accent1"/>
+          </a:fillRef>
+          <a:effectRef idx="0">
+            <a:schemeClr val="accent1"/>
+          </a:effectRef>
+          <a:fontRef idx="minor">
+            <a:schemeClr val="lt1"/>
+          </a:fontRef>
+        </p:style>
+        <p:txBody>
+          <a:bodyPr rot="0" spcFirstLastPara="0" vert="horz" wrap="square" lIns="91440" tIns="45720" rIns="91440" bIns="45720" numCol="1" spcCol="0" rtlCol="0" fromWordArt="0" anchor="ctr" anchorCtr="0" forceAA="0" compatLnSpc="1">
+            <a:prstTxWarp prst="textNoShape">
+              <a:avLst/>
+            </a:prstTxWarp>
+            <a:noAutofit/>
+          </a:bodyPr>
+          <a:lstStyle>
+            <a:defPPr>
+              <a:defRPr lang="zh-CN"/>
+            </a:defPPr>
+            <a:lvl1pPr marL="0" algn="l" defTabSz="914400" rtl="0" eaLnBrk="1" latinLnBrk="0" hangingPunct="1">
+              <a:defRPr sz="1800" kern="1200">
+                <a:solidFill>
+                  <a:schemeClr val="lt1"/>
+                </a:solidFill>
+                <a:latin typeface="+mn-lt"/>
+                <a:ea typeface="+mn-ea"/>
+                <a:cs typeface="+mn-cs"/>
+              </a:defRPr>
+            </a:lvl1pPr>
+            <a:lvl2pPr marL="457200" algn="l" defTabSz="914400" rtl="0" eaLnBrk="1" latinLnBrk="0" hangingPunct="1">
+              <a:defRPr sz="1800" kern="1200">
+                <a:solidFill>
+                  <a:schemeClr val="lt1"/>
+                </a:solidFill>
+                <a:latin typeface="+mn-lt"/>
+                <a:ea typeface="+mn-ea"/>
+                <a:cs typeface="+mn-cs"/>
+              </a:defRPr>
+            </a:lvl2pPr>
+            <a:lvl3pPr marL="914400" algn="l" defTabSz="914400" rtl="0" eaLnBrk="1" latinLnBrk="0" hangingPunct="1">
+              <a:defRPr sz="1800" kern="1200">
+                <a:solidFill>
+                  <a:schemeClr val="lt1"/>
+                </a:solidFill>
+                <a:latin typeface="+mn-lt"/>
+                <a:ea typeface="+mn-ea"/>
+                <a:cs typeface="+mn-cs"/>
+              </a:defRPr>
+            </a:lvl3pPr>
+            <a:lvl4pPr marL="1371600" algn="l" defTabSz="914400" rtl="0" eaLnBrk="1" latinLnBrk="0" hangingPunct="1">
+              <a:defRPr sz="1800" kern="1200">
+                <a:solidFill>
+                  <a:schemeClr val="lt1"/>
+                </a:solidFill>
+                <a:latin typeface="+mn-lt"/>
+                <a:ea typeface="+mn-ea"/>
+                <a:cs typeface="+mn-cs"/>
+              </a:defRPr>
+            </a:lvl4pPr>
+            <a:lvl5pPr marL="1828800" algn="l" defTabSz="914400" rtl="0" eaLnBrk="1" latinLnBrk="0" hangingPunct="1">
+              <a:defRPr sz="1800" kern="1200">
+                <a:solidFill>
+                  <a:schemeClr val="lt1"/>
+                </a:solidFill>
+                <a:latin typeface="+mn-lt"/>
+                <a:ea typeface="+mn-ea"/>
+                <a:cs typeface="+mn-cs"/>
+              </a:defRPr>
+            </a:lvl5pPr>
+            <a:lvl6pPr marL="2286000" algn="l" defTabSz="914400" rtl="0" eaLnBrk="1" latinLnBrk="0" hangingPunct="1">
+              <a:defRPr sz="1800" kern="1200">
+                <a:solidFill>
+                  <a:schemeClr val="lt1"/>
+                </a:solidFill>
+                <a:latin typeface="+mn-lt"/>
+                <a:ea typeface="+mn-ea"/>
+                <a:cs typeface="+mn-cs"/>
+              </a:defRPr>
+            </a:lvl6pPr>
+            <a:lvl7pPr marL="2743200" algn="l" defTabSz="914400" rtl="0" eaLnBrk="1" latinLnBrk="0" hangingPunct="1">
+              <a:defRPr sz="1800" kern="1200">
+                <a:solidFill>
+                  <a:schemeClr val="lt1"/>
+                </a:solidFill>
+                <a:latin typeface="+mn-lt"/>
+                <a:ea typeface="+mn-ea"/>
+                <a:cs typeface="+mn-cs"/>
+              </a:defRPr>
+            </a:lvl7pPr>
+            <a:lvl8pPr marL="3200400" algn="l" defTabSz="914400" rtl="0" eaLnBrk="1" latinLnBrk="0" hangingPunct="1">
+              <a:defRPr sz="1800" kern="1200">
+                <a:solidFill>
+                  <a:schemeClr val="lt1"/>
+                </a:solidFill>
+                <a:latin typeface="+mn-lt"/>
+                <a:ea typeface="+mn-ea"/>
+                <a:cs typeface="+mn-cs"/>
+              </a:defRPr>
+            </a:lvl8pPr>
+            <a:lvl9pPr marL="3657600" algn="l" defTabSz="914400" rtl="0" eaLnBrk="1" latinLnBrk="0" hangingPunct="1">
+              <a:defRPr sz="1800" kern="1200">
+                <a:solidFill>
+                  <a:schemeClr val="lt1"/>
+                </a:solidFill>
+                <a:latin typeface="+mn-lt"/>
+                <a:ea typeface="+mn-ea"/>
+                <a:cs typeface="+mn-cs"/>
+              </a:defRPr>
+            </a:lvl9pPr>
+          </a:lstStyle>
+          <a:p>
+            <a:pPr algn="ctr"/>
+            <a:endParaRPr lang="zh-CN" altLang="en-US"/>
+          </a:p>
+        </p:txBody>
+      </p:sp>
+      <p:sp>
+        <p:nvSpPr>
+          <p:cNvPr id="26" name="文本框 25"/>
+          <p:cNvSpPr txBox="1"/>
+          <p:nvPr/>
+        </p:nvSpPr>
+        <p:spPr>
+          <a:xfrm>
+            <a:off x="8142763" y="1677472"/>
+            <a:ext cx="1414170" cy="369332"/>
+          </a:xfrm>
+          <a:prstGeom prst="rect">
+            <a:avLst/>
+          </a:prstGeom>
+          <a:noFill/>
+        </p:spPr>
+        <p:txBody>
+          <a:bodyPr wrap="none" rtlCol="0">
+            <a:spAutoFit/>
+          </a:bodyPr>
+          <a:lstStyle/>
+          <a:p>
+            <a:r>
+              <a:rPr lang="en-US" altLang="zh-CN" dirty="0"/>
+              <a:t>Ln(R(n)/S(n))</a:t>
+            </a:r>
+            <a:endParaRPr lang="zh-CN" altLang="en-US" dirty="0"/>
+          </a:p>
+        </p:txBody>
+      </p:sp>
+      <p:sp>
+        <p:nvSpPr>
+          <p:cNvPr id="27" name="文本框 26"/>
+          <p:cNvSpPr txBox="1"/>
+          <p:nvPr/>
+        </p:nvSpPr>
+        <p:spPr>
+          <a:xfrm>
+            <a:off x="9718690" y="4033838"/>
+            <a:ext cx="679994" cy="369332"/>
+          </a:xfrm>
+          <a:prstGeom prst="rect">
+            <a:avLst/>
+          </a:prstGeom>
+          <a:noFill/>
+        </p:spPr>
+        <p:txBody>
+          <a:bodyPr wrap="none" rtlCol="0">
+            <a:spAutoFit/>
+          </a:bodyPr>
+          <a:lstStyle/>
+          <a:p>
+            <a:r>
+              <a:rPr lang="en-US" altLang="zh-CN" dirty="0"/>
+              <a:t>Ln(n)</a:t>
+            </a:r>
+            <a:endParaRPr lang="zh-CN" altLang="en-US" dirty="0"/>
+          </a:p>
+        </p:txBody>
+      </p:sp>
+      <p:sp>
+        <p:nvSpPr>
+          <p:cNvPr id="28" name="文本框 27"/>
+          <p:cNvSpPr txBox="1"/>
+          <p:nvPr/>
+        </p:nvSpPr>
+        <p:spPr>
+          <a:xfrm>
+            <a:off x="7807234" y="3981450"/>
+            <a:ext cx="306494" cy="369332"/>
+          </a:xfrm>
+          <a:prstGeom prst="rect">
+            <a:avLst/>
+          </a:prstGeom>
+          <a:noFill/>
+        </p:spPr>
+        <p:txBody>
+          <a:bodyPr wrap="none" rtlCol="0">
+            <a:spAutoFit/>
+          </a:bodyPr>
+          <a:lstStyle/>
+          <a:p>
+            <a:r>
+              <a:rPr lang="en-US" altLang="zh-CN" dirty="0"/>
+              <a:t>0</a:t>
+            </a:r>
+            <a:endParaRPr lang="zh-CN" altLang="en-US" dirty="0"/>
+          </a:p>
+        </p:txBody>
+      </p:sp>
+      <p:cxnSp>
+        <p:nvCxnSpPr>
+          <p:cNvPr id="29" name="直接连接符 28"/>
+          <p:cNvCxnSpPr/>
+          <p:nvPr/>
+        </p:nvCxnSpPr>
+        <p:spPr>
+          <a:xfrm flipH="1">
+            <a:off x="7954392" y="2103954"/>
+            <a:ext cx="1828800" cy="1599128"/>
+          </a:xfrm>
+          <a:prstGeom prst="line">
+            <a:avLst/>
+          </a:prstGeom>
+        </p:spPr>
+        <p:style>
+          <a:lnRef idx="3">
+            <a:schemeClr val="dk1"/>
+          </a:lnRef>
+          <a:fillRef idx="0">
+            <a:schemeClr val="dk1"/>
+          </a:fillRef>
+          <a:effectRef idx="2">
+            <a:schemeClr val="dk1"/>
+          </a:effectRef>
+          <a:fontRef idx="minor">
+            <a:schemeClr val="tx1"/>
+          </a:fontRef>
+        </p:style>
+      </p:cxnSp>
+      <p:cxnSp>
+        <p:nvCxnSpPr>
+          <p:cNvPr id="8" name="直接连接符 7"/>
+          <p:cNvCxnSpPr/>
+          <p:nvPr/>
+        </p:nvCxnSpPr>
+        <p:spPr>
+          <a:xfrm flipV="1">
+            <a:off x="8291744" y="3371850"/>
+            <a:ext cx="1064996" cy="37176"/>
+          </a:xfrm>
+          <a:prstGeom prst="line">
+            <a:avLst/>
+          </a:prstGeom>
+          <a:ln w="9525" cap="flat" cmpd="sng" algn="ctr">
+            <a:solidFill>
+              <a:schemeClr val="dk1"/>
+            </a:solidFill>
+            <a:prstDash val="dash"/>
+            <a:round/>
+            <a:headEnd type="none" w="med" len="med"/>
+            <a:tailEnd type="none" w="med" len="med"/>
+          </a:ln>
+        </p:spPr>
+        <p:style>
+          <a:lnRef idx="0">
+            <a:scrgbClr r="0" g="0" b="0"/>
+          </a:lnRef>
+          <a:fillRef idx="0">
+            <a:scrgbClr r="0" g="0" b="0"/>
+          </a:fillRef>
+          <a:effectRef idx="0">
+            <a:scrgbClr r="0" g="0" b="0"/>
+          </a:effectRef>
+          <a:fontRef idx="minor">
+            <a:schemeClr val="tx1"/>
+          </a:fontRef>
+        </p:style>
+      </p:cxnSp>
+      <p:sp>
+        <p:nvSpPr>
+          <p:cNvPr id="32" name="弧形 31"/>
+          <p:cNvSpPr/>
+          <p:nvPr/>
+        </p:nvSpPr>
+        <p:spPr>
+          <a:xfrm rot="1172917">
+            <a:off x="8388976" y="2968794"/>
+            <a:ext cx="514335" cy="720787"/>
+          </a:xfrm>
+          <a:prstGeom prst="arc">
+            <a:avLst/>
+          </a:prstGeom>
+        </p:spPr>
+        <p:style>
+          <a:lnRef idx="1">
+            <a:schemeClr val="dk1"/>
+          </a:lnRef>
+          <a:fillRef idx="0">
+            <a:schemeClr val="dk1"/>
+          </a:fillRef>
+          <a:effectRef idx="0">
+            <a:schemeClr val="dk1"/>
+          </a:effectRef>
+          <a:fontRef idx="minor">
+            <a:schemeClr val="tx1"/>
+          </a:fontRef>
+        </p:style>
+        <p:txBody>
+          <a:bodyPr rtlCol="0" anchor="ctr"/>
+          <a:lstStyle/>
+          <a:p>
+            <a:pPr algn="ctr"/>
+            <a:endParaRPr lang="zh-CN" altLang="en-US"/>
+          </a:p>
+        </p:txBody>
+      </p:sp>
+      <p:sp>
+        <p:nvSpPr>
+          <p:cNvPr id="33" name="文本框 32"/>
+          <p:cNvSpPr txBox="1"/>
+          <p:nvPr/>
+        </p:nvSpPr>
+        <p:spPr>
+          <a:xfrm>
+            <a:off x="8824243" y="3505660"/>
+            <a:ext cx="1365936" cy="369332"/>
+          </a:xfrm>
+          <a:prstGeom prst="rect">
+            <a:avLst/>
+          </a:prstGeom>
+          <a:noFill/>
+        </p:spPr>
+        <p:txBody>
+          <a:bodyPr wrap="square" rtlCol="0">
+            <a:spAutoFit/>
+          </a:bodyPr>
+          <a:lstStyle/>
+          <a:p>
+            <a:r>
+              <a:rPr lang="en-US" altLang="zh-CN" dirty="0"/>
+              <a:t>tan</a:t>
+            </a:r>
+            <a:r>
+              <a:rPr lang="el-GR" altLang="zh-CN" dirty="0"/>
+              <a:t>α</a:t>
+            </a:r>
+            <a:r>
+              <a:rPr lang="en-US" altLang="zh-CN" dirty="0"/>
+              <a:t>=Hurst</a:t>
+            </a:r>
+          </a:p>
+        </p:txBody>
+      </p:sp>
+      <p:sp>
+        <p:nvSpPr>
+          <p:cNvPr id="34" name="文本框 33"/>
+          <p:cNvSpPr txBox="1"/>
+          <p:nvPr/>
+        </p:nvSpPr>
+        <p:spPr>
+          <a:xfrm>
+            <a:off x="8871725" y="2955964"/>
+            <a:ext cx="324128" cy="369332"/>
+          </a:xfrm>
+          <a:prstGeom prst="rect">
+            <a:avLst/>
+          </a:prstGeom>
+          <a:noFill/>
+        </p:spPr>
+        <p:txBody>
+          <a:bodyPr wrap="none" rtlCol="0">
+            <a:spAutoFit/>
+          </a:bodyPr>
+          <a:lstStyle/>
+          <a:p>
+            <a:r>
+              <a:rPr lang="el-GR" altLang="zh-CN" dirty="0"/>
+              <a:t>α</a:t>
+            </a:r>
+            <a:endParaRPr lang="en-US" altLang="zh-CN" dirty="0"/>
+          </a:p>
+        </p:txBody>
+      </p:sp>
+      <p:cxnSp>
+        <p:nvCxnSpPr>
+          <p:cNvPr id="35" name="直接连接符 34"/>
+          <p:cNvCxnSpPr/>
+          <p:nvPr/>
+        </p:nvCxnSpPr>
+        <p:spPr>
+          <a:xfrm flipV="1">
+            <a:off x="2795518" y="3458499"/>
+            <a:ext cx="1064996" cy="37176"/>
+          </a:xfrm>
+          <a:prstGeom prst="line">
+            <a:avLst/>
+          </a:prstGeom>
+          <a:ln w="9525" cap="flat" cmpd="sng" algn="ctr">
+            <a:solidFill>
+              <a:schemeClr val="dk1"/>
+            </a:solidFill>
+            <a:prstDash val="dash"/>
+            <a:round/>
+            <a:headEnd type="none" w="med" len="med"/>
+            <a:tailEnd type="none" w="med" len="med"/>
+          </a:ln>
+        </p:spPr>
+        <p:style>
+          <a:lnRef idx="0">
+            <a:scrgbClr r="0" g="0" b="0"/>
+          </a:lnRef>
+          <a:fillRef idx="0">
+            <a:scrgbClr r="0" g="0" b="0"/>
+          </a:fillRef>
+          <a:effectRef idx="0">
+            <a:scrgbClr r="0" g="0" b="0"/>
+          </a:effectRef>
+          <a:fontRef idx="minor">
+            <a:schemeClr val="tx1"/>
+          </a:fontRef>
+        </p:style>
+      </p:cxnSp>
+      <p:sp>
+        <p:nvSpPr>
+          <p:cNvPr id="36" name="文本框 35"/>
+          <p:cNvSpPr txBox="1"/>
+          <p:nvPr/>
+        </p:nvSpPr>
+        <p:spPr>
+          <a:xfrm>
+            <a:off x="3328017" y="3592309"/>
+            <a:ext cx="1365936" cy="369332"/>
+          </a:xfrm>
+          <a:prstGeom prst="rect">
+            <a:avLst/>
+          </a:prstGeom>
+          <a:noFill/>
+        </p:spPr>
+        <p:txBody>
+          <a:bodyPr wrap="square" rtlCol="0">
+            <a:spAutoFit/>
+          </a:bodyPr>
+          <a:lstStyle/>
+          <a:p>
+            <a:r>
+              <a:rPr lang="en-US" altLang="zh-CN" dirty="0"/>
+              <a:t>tan</a:t>
+            </a:r>
+            <a:r>
+              <a:rPr lang="el-GR" altLang="zh-CN" dirty="0"/>
+              <a:t>α</a:t>
+            </a:r>
+            <a:r>
+              <a:rPr lang="en-US" altLang="zh-CN" dirty="0"/>
+              <a:t>=</a:t>
+            </a:r>
+            <a:r>
+              <a:rPr lang="en-US" altLang="zh-CN" dirty="0" err="1"/>
+              <a:t>hfd</a:t>
+            </a:r>
+            <a:endParaRPr lang="en-US" altLang="zh-CN" dirty="0"/>
+          </a:p>
+        </p:txBody>
+      </p:sp>
+      <p:sp>
+        <p:nvSpPr>
+          <p:cNvPr id="37" name="文本框 36"/>
+          <p:cNvSpPr txBox="1"/>
+          <p:nvPr/>
+        </p:nvSpPr>
+        <p:spPr>
+          <a:xfrm>
+            <a:off x="3375499" y="3042613"/>
+            <a:ext cx="324128" cy="369332"/>
+          </a:xfrm>
+          <a:prstGeom prst="rect">
+            <a:avLst/>
+          </a:prstGeom>
+          <a:noFill/>
+        </p:spPr>
+        <p:txBody>
+          <a:bodyPr wrap="none" rtlCol="0">
+            <a:spAutoFit/>
+          </a:bodyPr>
+          <a:lstStyle/>
+          <a:p>
+            <a:r>
+              <a:rPr lang="el-GR" altLang="zh-CN" dirty="0"/>
+              <a:t>α</a:t>
+            </a:r>
+            <a:endParaRPr lang="en-US" altLang="zh-CN" dirty="0"/>
+          </a:p>
+        </p:txBody>
+      </p:sp>
+      <p:sp>
+        <p:nvSpPr>
+          <p:cNvPr id="38" name="弧形 37"/>
+          <p:cNvSpPr/>
+          <p:nvPr/>
+        </p:nvSpPr>
+        <p:spPr>
+          <a:xfrm rot="1172917">
+            <a:off x="2920296" y="3057530"/>
+            <a:ext cx="514335" cy="720787"/>
+          </a:xfrm>
+          <a:prstGeom prst="arc">
+            <a:avLst/>
+          </a:prstGeom>
+        </p:spPr>
+        <p:style>
+          <a:lnRef idx="1">
+            <a:schemeClr val="dk1"/>
+          </a:lnRef>
+          <a:fillRef idx="0">
+            <a:schemeClr val="dk1"/>
+          </a:fillRef>
+          <a:effectRef idx="0">
+            <a:schemeClr val="dk1"/>
+          </a:effectRef>
+          <a:fontRef idx="minor">
+            <a:schemeClr val="tx1"/>
+          </a:fontRef>
+        </p:style>
+        <p:txBody>
+          <a:bodyPr rtlCol="0" anchor="ctr"/>
+          <a:lstStyle/>
+          <a:p>
+            <a:pPr algn="ctr"/>
+            <a:endParaRPr lang="zh-CN" altLang="en-US"/>
+          </a:p>
+        </p:txBody>
+      </p:sp>
     </p:spTree>
     <p:extLst>
       <p:ext uri="{BB962C8B-B14F-4D97-AF65-F5344CB8AC3E}">
         <p14:creationId xmlns:p14="http://schemas.microsoft.com/office/powerpoint/2010/main" val="390467675"/>
+      </p:ext>
+    </p:extLst>
+  </p:cSld>
+  <p:clrMapOvr>
+    <a:masterClrMapping/>
+  </p:clrMapOvr>
+</p:sld>
+</file>
+
+<file path=ppt/slides/slide6.xml><?xml version="1.0" encoding="utf-8"?>
+<p:sld xmlns:a="http://schemas.openxmlformats.org/drawingml/2006/main" xmlns:r="http://schemas.openxmlformats.org/officeDocument/2006/relationships" xmlns:p="http://schemas.openxmlformats.org/presentationml/2006/main">
+  <p:cSld>
+    <p:spTree>
+      <p:nvGrpSpPr>
+        <p:cNvPr id="1" name=""/>
+        <p:cNvGrpSpPr/>
+        <p:nvPr/>
+      </p:nvGrpSpPr>
+      <p:grpSpPr>
+        <a:xfrm>
+          <a:off x="0" y="0"/>
+          <a:ext cx="0" cy="0"/>
+          <a:chOff x="0" y="0"/>
+          <a:chExt cx="0" cy="0"/>
+        </a:xfrm>
+      </p:grpSpPr>
+      <p:sp>
+        <p:nvSpPr>
+          <p:cNvPr id="4" name="矩形: 圆角 3"/>
+          <p:cNvSpPr/>
+          <p:nvPr/>
+        </p:nvSpPr>
+        <p:spPr>
+          <a:xfrm>
+            <a:off x="2006353" y="1722268"/>
+            <a:ext cx="2352583" cy="781235"/>
+          </a:xfrm>
+          <a:prstGeom prst="roundRect">
+            <a:avLst/>
+          </a:prstGeom>
+        </p:spPr>
+        <p:style>
+          <a:lnRef idx="2">
+            <a:schemeClr val="dk1"/>
+          </a:lnRef>
+          <a:fillRef idx="1">
+            <a:schemeClr val="lt1"/>
+          </a:fillRef>
+          <a:effectRef idx="0">
+            <a:schemeClr val="dk1"/>
+          </a:effectRef>
+          <a:fontRef idx="minor">
+            <a:schemeClr val="dk1"/>
+          </a:fontRef>
+        </p:style>
+        <p:txBody>
+          <a:bodyPr rtlCol="0" anchor="ctr"/>
+          <a:lstStyle/>
+          <a:p>
+            <a:pPr algn="ctr"/>
+            <a:r>
+              <a:rPr lang="zh-CN" altLang="en-US" dirty="0"/>
+              <a:t>个体学习器</a:t>
+            </a:r>
+            <a:r>
+              <a:rPr lang="en-US" altLang="zh-CN" dirty="0"/>
+              <a:t>1</a:t>
+            </a:r>
+            <a:endParaRPr lang="zh-CN" altLang="en-US" dirty="0"/>
+          </a:p>
+        </p:txBody>
+      </p:sp>
+      <p:sp>
+        <p:nvSpPr>
+          <p:cNvPr id="5" name="矩形: 圆角 4"/>
+          <p:cNvSpPr/>
+          <p:nvPr/>
+        </p:nvSpPr>
+        <p:spPr>
+          <a:xfrm>
+            <a:off x="2006352" y="2718047"/>
+            <a:ext cx="2352583" cy="781235"/>
+          </a:xfrm>
+          <a:prstGeom prst="roundRect">
+            <a:avLst/>
+          </a:prstGeom>
+        </p:spPr>
+        <p:style>
+          <a:lnRef idx="2">
+            <a:schemeClr val="dk1"/>
+          </a:lnRef>
+          <a:fillRef idx="1">
+            <a:schemeClr val="lt1"/>
+          </a:fillRef>
+          <a:effectRef idx="0">
+            <a:schemeClr val="dk1"/>
+          </a:effectRef>
+          <a:fontRef idx="minor">
+            <a:schemeClr val="dk1"/>
+          </a:fontRef>
+        </p:style>
+        <p:txBody>
+          <a:bodyPr rtlCol="0" anchor="ctr"/>
+          <a:lstStyle/>
+          <a:p>
+            <a:pPr algn="ctr"/>
+            <a:r>
+              <a:rPr lang="zh-CN" altLang="en-US" dirty="0"/>
+              <a:t>个体学习器</a:t>
+            </a:r>
+            <a:r>
+              <a:rPr lang="en-US" altLang="zh-CN" dirty="0"/>
+              <a:t>2</a:t>
+            </a:r>
+          </a:p>
+        </p:txBody>
+      </p:sp>
+      <p:sp>
+        <p:nvSpPr>
+          <p:cNvPr id="7" name="矩形: 圆角 6"/>
+          <p:cNvSpPr/>
+          <p:nvPr/>
+        </p:nvSpPr>
+        <p:spPr>
+          <a:xfrm>
+            <a:off x="2006352" y="4415162"/>
+            <a:ext cx="2352583" cy="781235"/>
+          </a:xfrm>
+          <a:prstGeom prst="roundRect">
+            <a:avLst/>
+          </a:prstGeom>
+        </p:spPr>
+        <p:style>
+          <a:lnRef idx="2">
+            <a:schemeClr val="dk1"/>
+          </a:lnRef>
+          <a:fillRef idx="1">
+            <a:schemeClr val="lt1"/>
+          </a:fillRef>
+          <a:effectRef idx="0">
+            <a:schemeClr val="dk1"/>
+          </a:effectRef>
+          <a:fontRef idx="minor">
+            <a:schemeClr val="dk1"/>
+          </a:fontRef>
+        </p:style>
+        <p:txBody>
+          <a:bodyPr rtlCol="0" anchor="ctr"/>
+          <a:lstStyle/>
+          <a:p>
+            <a:pPr algn="ctr"/>
+            <a:r>
+              <a:rPr lang="zh-CN" altLang="en-US" dirty="0"/>
+              <a:t>个体学习器</a:t>
+            </a:r>
+            <a:r>
+              <a:rPr lang="en-US" altLang="zh-CN" dirty="0"/>
+              <a:t>n</a:t>
+            </a:r>
+          </a:p>
+        </p:txBody>
+      </p:sp>
+      <p:sp>
+        <p:nvSpPr>
+          <p:cNvPr id="8" name="文本框 7"/>
+          <p:cNvSpPr txBox="1"/>
+          <p:nvPr/>
+        </p:nvSpPr>
+        <p:spPr>
+          <a:xfrm>
+            <a:off x="2965276" y="3726389"/>
+            <a:ext cx="434734" cy="461665"/>
+          </a:xfrm>
+          <a:prstGeom prst="rect">
+            <a:avLst/>
+          </a:prstGeom>
+          <a:noFill/>
+        </p:spPr>
+        <p:txBody>
+          <a:bodyPr wrap="none" rtlCol="0">
+            <a:spAutoFit/>
+          </a:bodyPr>
+          <a:lstStyle/>
+          <a:p>
+            <a:r>
+              <a:rPr lang="en-US" altLang="zh-CN" sz="2400" b="1" dirty="0"/>
+              <a:t>…</a:t>
+            </a:r>
+          </a:p>
+        </p:txBody>
+      </p:sp>
+      <p:sp>
+        <p:nvSpPr>
+          <p:cNvPr id="9" name="矩形: 圆角 8"/>
+          <p:cNvSpPr/>
+          <p:nvPr/>
+        </p:nvSpPr>
+        <p:spPr>
+          <a:xfrm>
+            <a:off x="6507333" y="2945154"/>
+            <a:ext cx="1244353" cy="781235"/>
+          </a:xfrm>
+          <a:prstGeom prst="roundRect">
+            <a:avLst/>
+          </a:prstGeom>
+        </p:spPr>
+        <p:style>
+          <a:lnRef idx="2">
+            <a:schemeClr val="dk1"/>
+          </a:lnRef>
+          <a:fillRef idx="1">
+            <a:schemeClr val="lt1"/>
+          </a:fillRef>
+          <a:effectRef idx="0">
+            <a:schemeClr val="dk1"/>
+          </a:effectRef>
+          <a:fontRef idx="minor">
+            <a:schemeClr val="dk1"/>
+          </a:fontRef>
+        </p:style>
+        <p:txBody>
+          <a:bodyPr rtlCol="0" anchor="ctr"/>
+          <a:lstStyle/>
+          <a:p>
+            <a:pPr algn="ctr"/>
+            <a:r>
+              <a:rPr lang="zh-CN" altLang="en-US" dirty="0"/>
+              <a:t>融合模块</a:t>
+            </a:r>
+          </a:p>
+        </p:txBody>
+      </p:sp>
+      <p:cxnSp>
+        <p:nvCxnSpPr>
+          <p:cNvPr id="11" name="直接箭头连接符 10"/>
+          <p:cNvCxnSpPr>
+            <a:stCxn id="4" idx="3"/>
+          </p:cNvCxnSpPr>
+          <p:nvPr/>
+        </p:nvCxnSpPr>
+        <p:spPr>
+          <a:xfrm>
+            <a:off x="4358936" y="2112886"/>
+            <a:ext cx="2148397" cy="995778"/>
+          </a:xfrm>
+          <a:prstGeom prst="straightConnector1">
+            <a:avLst/>
+          </a:prstGeom>
+          <a:ln>
+            <a:tailEnd type="triangle"/>
+          </a:ln>
+        </p:spPr>
+        <p:style>
+          <a:lnRef idx="3">
+            <a:schemeClr val="dk1"/>
+          </a:lnRef>
+          <a:fillRef idx="0">
+            <a:schemeClr val="dk1"/>
+          </a:fillRef>
+          <a:effectRef idx="2">
+            <a:schemeClr val="dk1"/>
+          </a:effectRef>
+          <a:fontRef idx="minor">
+            <a:schemeClr val="tx1"/>
+          </a:fontRef>
+        </p:style>
+      </p:cxnSp>
+      <p:cxnSp>
+        <p:nvCxnSpPr>
+          <p:cNvPr id="14" name="直接箭头连接符 13"/>
+          <p:cNvCxnSpPr>
+            <a:stCxn id="5" idx="3"/>
+            <a:endCxn id="9" idx="1"/>
+          </p:cNvCxnSpPr>
+          <p:nvPr/>
+        </p:nvCxnSpPr>
+        <p:spPr>
+          <a:xfrm>
+            <a:off x="4358935" y="3108665"/>
+            <a:ext cx="2148398" cy="227107"/>
+          </a:xfrm>
+          <a:prstGeom prst="straightConnector1">
+            <a:avLst/>
+          </a:prstGeom>
+          <a:ln>
+            <a:tailEnd type="triangle"/>
+          </a:ln>
+        </p:spPr>
+        <p:style>
+          <a:lnRef idx="3">
+            <a:schemeClr val="dk1"/>
+          </a:lnRef>
+          <a:fillRef idx="0">
+            <a:schemeClr val="dk1"/>
+          </a:fillRef>
+          <a:effectRef idx="2">
+            <a:schemeClr val="dk1"/>
+          </a:effectRef>
+          <a:fontRef idx="minor">
+            <a:schemeClr val="tx1"/>
+          </a:fontRef>
+        </p:style>
+      </p:cxnSp>
+      <p:cxnSp>
+        <p:nvCxnSpPr>
+          <p:cNvPr id="17" name="直接箭头连接符 16"/>
+          <p:cNvCxnSpPr>
+            <a:stCxn id="7" idx="3"/>
+          </p:cNvCxnSpPr>
+          <p:nvPr/>
+        </p:nvCxnSpPr>
+        <p:spPr>
+          <a:xfrm flipV="1">
+            <a:off x="4358935" y="3599531"/>
+            <a:ext cx="2148398" cy="1206249"/>
+          </a:xfrm>
+          <a:prstGeom prst="straightConnector1">
+            <a:avLst/>
+          </a:prstGeom>
+          <a:ln>
+            <a:tailEnd type="triangle"/>
+          </a:ln>
+        </p:spPr>
+        <p:style>
+          <a:lnRef idx="3">
+            <a:schemeClr val="dk1"/>
+          </a:lnRef>
+          <a:fillRef idx="0">
+            <a:schemeClr val="dk1"/>
+          </a:fillRef>
+          <a:effectRef idx="2">
+            <a:schemeClr val="dk1"/>
+          </a:effectRef>
+          <a:fontRef idx="minor">
+            <a:schemeClr val="tx1"/>
+          </a:fontRef>
+        </p:style>
+      </p:cxnSp>
+      <p:cxnSp>
+        <p:nvCxnSpPr>
+          <p:cNvPr id="20" name="直接箭头连接符 19"/>
+          <p:cNvCxnSpPr>
+            <a:stCxn id="9" idx="3"/>
+          </p:cNvCxnSpPr>
+          <p:nvPr/>
+        </p:nvCxnSpPr>
+        <p:spPr>
+          <a:xfrm>
+            <a:off x="7751686" y="3335772"/>
+            <a:ext cx="708733" cy="0"/>
+          </a:xfrm>
+          <a:prstGeom prst="straightConnector1">
+            <a:avLst/>
+          </a:prstGeom>
+          <a:ln>
+            <a:tailEnd type="triangle"/>
+          </a:ln>
+        </p:spPr>
+        <p:style>
+          <a:lnRef idx="3">
+            <a:schemeClr val="dk1"/>
+          </a:lnRef>
+          <a:fillRef idx="0">
+            <a:schemeClr val="dk1"/>
+          </a:fillRef>
+          <a:effectRef idx="2">
+            <a:schemeClr val="dk1"/>
+          </a:effectRef>
+          <a:fontRef idx="minor">
+            <a:schemeClr val="tx1"/>
+          </a:fontRef>
+        </p:style>
+      </p:cxnSp>
+      <p:sp>
+        <p:nvSpPr>
+          <p:cNvPr id="23" name="文本框 22"/>
+          <p:cNvSpPr txBox="1"/>
+          <p:nvPr/>
+        </p:nvSpPr>
+        <p:spPr>
+          <a:xfrm>
+            <a:off x="8460419" y="3129950"/>
+            <a:ext cx="646331" cy="369332"/>
+          </a:xfrm>
+          <a:prstGeom prst="rect">
+            <a:avLst/>
+          </a:prstGeom>
+          <a:noFill/>
+        </p:spPr>
+        <p:txBody>
+          <a:bodyPr wrap="none" rtlCol="0">
+            <a:spAutoFit/>
+          </a:bodyPr>
+          <a:lstStyle/>
+          <a:p>
+            <a:r>
+              <a:rPr lang="zh-CN" altLang="en-US" dirty="0"/>
+              <a:t>输出</a:t>
+            </a:r>
+          </a:p>
+        </p:txBody>
+      </p:sp>
+    </p:spTree>
+    <p:extLst>
+      <p:ext uri="{BB962C8B-B14F-4D97-AF65-F5344CB8AC3E}">
+        <p14:creationId xmlns:p14="http://schemas.microsoft.com/office/powerpoint/2010/main" val="3107289445"/>
+      </p:ext>
+    </p:extLst>
+  </p:cSld>
+  <p:clrMapOvr>
+    <a:masterClrMapping/>
+  </p:clrMapOvr>
+</p:sld>
+</file>
+
+<file path=ppt/slides/slide7.xml><?xml version="1.0" encoding="utf-8"?>
+<p:sld xmlns:a="http://schemas.openxmlformats.org/drawingml/2006/main" xmlns:r="http://schemas.openxmlformats.org/officeDocument/2006/relationships" xmlns:p="http://schemas.openxmlformats.org/presentationml/2006/main">
+  <p:cSld>
+    <p:spTree>
+      <p:nvGrpSpPr>
+        <p:cNvPr id="1" name=""/>
+        <p:cNvGrpSpPr/>
+        <p:nvPr/>
+      </p:nvGrpSpPr>
+      <p:grpSpPr>
+        <a:xfrm>
+          <a:off x="0" y="0"/>
+          <a:ext cx="0" cy="0"/>
+          <a:chOff x="0" y="0"/>
+          <a:chExt cx="0" cy="0"/>
+        </a:xfrm>
+      </p:grpSpPr>
+      <mc:AlternateContent xmlns:mc="http://schemas.openxmlformats.org/markup-compatibility/2006">
+        <mc:Choice xmlns:a14="http://schemas.microsoft.com/office/drawing/2010/main" Requires="a14">
+          <p:sp>
+            <p:nvSpPr>
+              <p:cNvPr id="4" name="文本框 3"/>
+              <p:cNvSpPr txBox="1"/>
+              <p:nvPr/>
+            </p:nvSpPr>
+            <p:spPr>
+              <a:xfrm>
+                <a:off x="2370338" y="1704513"/>
+                <a:ext cx="5634043" cy="2514022"/>
+              </a:xfrm>
+              <a:prstGeom prst="rect">
+                <a:avLst/>
+              </a:prstGeom>
+              <a:noFill/>
+            </p:spPr>
+            <p:txBody>
+              <a:bodyPr wrap="none" rtlCol="0">
+                <a:spAutoFit/>
+              </a:bodyPr>
+              <a:lstStyle/>
+              <a:p>
+                <a:r>
+                  <a:rPr lang="zh-CN" altLang="en-US" b="1" dirty="0"/>
+                  <a:t>输入</a:t>
+                </a:r>
+                <a:r>
+                  <a:rPr lang="zh-CN" altLang="en-US" dirty="0"/>
+                  <a:t>：样本集</a:t>
+                </a:r>
+                <a14:m>
+                  <m:oMath xmlns:m="http://schemas.openxmlformats.org/officeDocument/2006/math">
+                    <m:r>
+                      <m:rPr>
+                        <m:sty m:val="p"/>
+                      </m:rPr>
+                      <a:rPr lang="en-US" altLang="zh-CN"/>
+                      <m:t>D</m:t>
+                    </m:r>
+                    <m:r>
+                      <a:rPr lang="en-US" altLang="zh-CN"/>
+                      <m:t>=</m:t>
+                    </m:r>
+                    <m:d>
+                      <m:dPr>
+                        <m:begChr m:val="{"/>
+                        <m:endChr m:val="}"/>
+                        <m:ctrlPr>
+                          <a:rPr lang="en-US" altLang="zh-CN">
+                            <a:latin typeface="Cambria Math" panose="02040503050406030204" pitchFamily="18" charset="0"/>
+                          </a:rPr>
+                        </m:ctrlPr>
+                      </m:dPr>
+                      <m:e>
+                        <m:sSub>
+                          <m:sSubPr>
+                            <m:ctrlPr>
+                              <a:rPr lang="zh-CN" altLang="zh-CN" i="1"/>
+                            </m:ctrlPr>
+                          </m:sSubPr>
+                          <m:e>
+                            <m:r>
+                              <a:rPr lang="en-US" altLang="zh-CN" i="1"/>
+                              <m:t>𝑥</m:t>
+                            </m:r>
+                          </m:e>
+                          <m:sub>
+                            <m:r>
+                              <a:rPr lang="en-US" altLang="zh-CN" i="1"/>
+                              <m:t>1</m:t>
+                            </m:r>
+                          </m:sub>
+                        </m:sSub>
+                        <m:r>
+                          <a:rPr lang="en-US" altLang="zh-CN"/>
+                          <m:t>,</m:t>
+                        </m:r>
+                        <m:sSub>
+                          <m:sSubPr>
+                            <m:ctrlPr>
+                              <a:rPr lang="zh-CN" altLang="zh-CN" i="1"/>
+                            </m:ctrlPr>
+                          </m:sSubPr>
+                          <m:e>
+                            <m:r>
+                              <a:rPr lang="en-US" altLang="zh-CN" i="1"/>
+                              <m:t>𝑥</m:t>
+                            </m:r>
+                          </m:e>
+                          <m:sub>
+                            <m:r>
+                              <a:rPr lang="en-US" altLang="zh-CN" i="1"/>
+                              <m:t>2</m:t>
+                            </m:r>
+                          </m:sub>
+                        </m:sSub>
+                        <m:r>
+                          <a:rPr lang="en-US" altLang="zh-CN"/>
+                          <m:t>,…,</m:t>
+                        </m:r>
+                        <m:sSub>
+                          <m:sSubPr>
+                            <m:ctrlPr>
+                              <a:rPr lang="zh-CN" altLang="zh-CN" i="1"/>
+                            </m:ctrlPr>
+                          </m:sSubPr>
+                          <m:e>
+                            <m:r>
+                              <a:rPr lang="en-US" altLang="zh-CN" i="1"/>
+                              <m:t>𝑥</m:t>
+                            </m:r>
+                          </m:e>
+                          <m:sub>
+                            <m:r>
+                              <a:rPr lang="en-US" altLang="zh-CN" i="1"/>
+                              <m:t>𝑚</m:t>
+                            </m:r>
+                          </m:sub>
+                        </m:sSub>
+                      </m:e>
+                    </m:d>
+                    <m:r>
+                      <a:rPr lang="en-US" altLang="zh-CN" b="0" i="0" smtClean="0">
+                        <a:latin typeface="Cambria Math" panose="02040503050406030204" pitchFamily="18" charset="0"/>
+                      </a:rPr>
+                      <m:t>;</m:t>
+                    </m:r>
+                  </m:oMath>
+                </a14:m>
+                <a:endParaRPr lang="en-US" altLang="zh-CN" b="0" dirty="0"/>
+              </a:p>
+              <a:p>
+                <a:r>
+                  <a:rPr lang="en-US" altLang="zh-CN" dirty="0"/>
+                  <a:t>           </a:t>
+                </a:r>
+                <a:r>
+                  <a:rPr lang="zh-CN" altLang="en-US" dirty="0"/>
+                  <a:t>低维空间维数</a:t>
+                </a:r>
+                <a14:m>
+                  <m:oMath xmlns:m="http://schemas.openxmlformats.org/officeDocument/2006/math">
+                    <m:sSup>
+                      <m:sSupPr>
+                        <m:ctrlPr>
+                          <a:rPr lang="zh-CN" altLang="zh-CN" i="1"/>
+                        </m:ctrlPr>
+                      </m:sSupPr>
+                      <m:e>
+                        <m:r>
+                          <a:rPr lang="en-US" altLang="zh-CN" i="1"/>
+                          <m:t>𝑑</m:t>
+                        </m:r>
+                      </m:e>
+                      <m:sup>
+                        <m:r>
+                          <a:rPr lang="en-US" altLang="zh-CN" i="1"/>
+                          <m:t>′</m:t>
+                        </m:r>
+                      </m:sup>
+                    </m:sSup>
+                  </m:oMath>
+                </a14:m>
+                <a:endParaRPr lang="en-US" altLang="zh-CN" dirty="0"/>
+              </a:p>
+              <a:p>
+                <a:r>
+                  <a:rPr lang="zh-CN" altLang="en-US" b="1" dirty="0"/>
+                  <a:t>过程</a:t>
+                </a:r>
+                <a:r>
+                  <a:rPr lang="zh-CN" altLang="en-US" dirty="0"/>
+                  <a:t>：</a:t>
+                </a:r>
+                <a:endParaRPr lang="en-US" altLang="zh-CN" dirty="0"/>
+              </a:p>
+              <a:p>
+                <a:r>
+                  <a:rPr lang="en-US" altLang="zh-CN" dirty="0"/>
+                  <a:t>1.</a:t>
+                </a:r>
+                <a:r>
+                  <a:rPr lang="zh-CN" altLang="en-US" dirty="0"/>
+                  <a:t>对所有样本进行中心化：</a:t>
+                </a:r>
+                <a14:m>
+                  <m:oMath xmlns:m="http://schemas.openxmlformats.org/officeDocument/2006/math">
+                    <m:sSub>
+                      <m:sSubPr>
+                        <m:ctrlPr>
+                          <a:rPr lang="zh-CN" altLang="zh-CN" i="1"/>
+                        </m:ctrlPr>
+                      </m:sSubPr>
+                      <m:e>
+                        <m:r>
+                          <a:rPr lang="en-US" altLang="zh-CN" i="1"/>
+                          <m:t>𝑥</m:t>
+                        </m:r>
+                      </m:e>
+                      <m:sub>
+                        <m:r>
+                          <a:rPr lang="en-US" altLang="zh-CN" i="1"/>
+                          <m:t>𝑖</m:t>
+                        </m:r>
+                      </m:sub>
+                    </m:sSub>
+                    <m:r>
+                      <a:rPr lang="zh-CN" altLang="zh-CN" i="1"/>
+                      <m:t>←</m:t>
+                    </m:r>
+                    <m:sSub>
+                      <m:sSubPr>
+                        <m:ctrlPr>
+                          <a:rPr lang="zh-CN" altLang="zh-CN" i="1"/>
+                        </m:ctrlPr>
+                      </m:sSubPr>
+                      <m:e>
+                        <m:r>
+                          <a:rPr lang="en-US" altLang="zh-CN" i="1"/>
+                          <m:t>𝑥</m:t>
+                        </m:r>
+                      </m:e>
+                      <m:sub>
+                        <m:r>
+                          <a:rPr lang="en-US" altLang="zh-CN" i="1"/>
+                          <m:t>𝑖</m:t>
+                        </m:r>
+                      </m:sub>
+                    </m:sSub>
+                    <m:r>
+                      <a:rPr lang="en-US" altLang="zh-CN" i="1"/>
+                      <m:t>−</m:t>
+                    </m:r>
+                    <m:f>
+                      <m:fPr>
+                        <m:ctrlPr>
+                          <a:rPr lang="zh-CN" altLang="zh-CN" i="1"/>
+                        </m:ctrlPr>
+                      </m:fPr>
+                      <m:num>
+                        <m:r>
+                          <a:rPr lang="en-US" altLang="zh-CN" i="1"/>
+                          <m:t>1</m:t>
+                        </m:r>
+                      </m:num>
+                      <m:den>
+                        <m:r>
+                          <a:rPr lang="en-US" altLang="zh-CN" i="1"/>
+                          <m:t>𝑚</m:t>
+                        </m:r>
+                      </m:den>
+                    </m:f>
+                    <m:nary>
+                      <m:naryPr>
+                        <m:chr m:val="∑"/>
+                        <m:limLoc m:val="subSup"/>
+                        <m:ctrlPr>
+                          <a:rPr lang="zh-CN" altLang="zh-CN" i="1"/>
+                        </m:ctrlPr>
+                      </m:naryPr>
+                      <m:sub>
+                        <m:r>
+                          <a:rPr lang="en-US" altLang="zh-CN" i="1"/>
+                          <m:t>𝑖</m:t>
+                        </m:r>
+                        <m:r>
+                          <a:rPr lang="en-US" altLang="zh-CN" i="1"/>
+                          <m:t>=1</m:t>
+                        </m:r>
+                      </m:sub>
+                      <m:sup>
+                        <m:r>
+                          <a:rPr lang="en-US" altLang="zh-CN" i="1"/>
+                          <m:t>𝑚</m:t>
+                        </m:r>
+                      </m:sup>
+                      <m:e>
+                        <m:sSub>
+                          <m:sSubPr>
+                            <m:ctrlPr>
+                              <a:rPr lang="zh-CN" altLang="zh-CN" i="1"/>
+                            </m:ctrlPr>
+                          </m:sSubPr>
+                          <m:e>
+                            <m:r>
+                              <a:rPr lang="en-US" altLang="zh-CN" i="1"/>
+                              <m:t>𝑥</m:t>
+                            </m:r>
+                          </m:e>
+                          <m:sub>
+                            <m:r>
+                              <a:rPr lang="en-US" altLang="zh-CN" i="1"/>
+                              <m:t>𝑖</m:t>
+                            </m:r>
+                          </m:sub>
+                        </m:sSub>
+                      </m:e>
+                    </m:nary>
+                  </m:oMath>
+                </a14:m>
+                <a:r>
+                  <a:rPr lang="en-US" altLang="zh-CN" dirty="0"/>
+                  <a:t>;</a:t>
+                </a:r>
+              </a:p>
+              <a:p>
+                <a:r>
+                  <a:rPr lang="en-US" altLang="zh-CN" dirty="0"/>
+                  <a:t>2.</a:t>
+                </a:r>
+                <a:r>
+                  <a:rPr lang="zh-CN" altLang="en-US" dirty="0"/>
+                  <a:t>计算样本的协方差矩阵</a:t>
+                </a:r>
+                <a14:m>
+                  <m:oMath xmlns:m="http://schemas.openxmlformats.org/officeDocument/2006/math">
+                    <m:r>
+                      <a:rPr lang="en-US" altLang="zh-CN" i="1"/>
+                      <m:t>𝑋</m:t>
+                    </m:r>
+                    <m:sSup>
+                      <m:sSupPr>
+                        <m:ctrlPr>
+                          <a:rPr lang="zh-CN" altLang="zh-CN" i="1"/>
+                        </m:ctrlPr>
+                      </m:sSupPr>
+                      <m:e>
+                        <m:r>
+                          <a:rPr lang="en-US" altLang="zh-CN" i="1"/>
+                          <m:t>𝑋</m:t>
+                        </m:r>
+                      </m:e>
+                      <m:sup>
+                        <m:r>
+                          <a:rPr lang="en-US" altLang="zh-CN" i="1"/>
+                          <m:t>𝑇</m:t>
+                        </m:r>
+                      </m:sup>
+                    </m:sSup>
+                  </m:oMath>
+                </a14:m>
+                <a:r>
+                  <a:rPr lang="en-US" altLang="zh-CN" dirty="0"/>
+                  <a:t>;</a:t>
+                </a:r>
+              </a:p>
+              <a:p>
+                <a:r>
+                  <a:rPr lang="en-US" altLang="zh-CN" dirty="0"/>
+                  <a:t>3.</a:t>
+                </a:r>
+                <a:r>
+                  <a:rPr lang="zh-CN" altLang="en-US" dirty="0"/>
+                  <a:t>对协方差矩阵</a:t>
+                </a:r>
+                <a14:m>
+                  <m:oMath xmlns:m="http://schemas.openxmlformats.org/officeDocument/2006/math">
+                    <m:r>
+                      <a:rPr lang="en-US" altLang="zh-CN" i="1"/>
+                      <m:t>𝑋</m:t>
+                    </m:r>
+                    <m:sSup>
+                      <m:sSupPr>
+                        <m:ctrlPr>
+                          <a:rPr lang="zh-CN" altLang="zh-CN" i="1"/>
+                        </m:ctrlPr>
+                      </m:sSupPr>
+                      <m:e>
+                        <m:r>
+                          <a:rPr lang="en-US" altLang="zh-CN" i="1"/>
+                          <m:t>𝑋</m:t>
+                        </m:r>
+                      </m:e>
+                      <m:sup>
+                        <m:r>
+                          <a:rPr lang="en-US" altLang="zh-CN" i="1"/>
+                          <m:t>𝑇</m:t>
+                        </m:r>
+                      </m:sup>
+                    </m:sSup>
+                  </m:oMath>
+                </a14:m>
+                <a:r>
+                  <a:rPr lang="zh-CN" altLang="en-US" dirty="0"/>
+                  <a:t>做特征值分解</a:t>
+                </a:r>
+                <a:r>
+                  <a:rPr lang="en-US" altLang="zh-CN" dirty="0"/>
+                  <a:t>;</a:t>
+                </a:r>
+              </a:p>
+              <a:p>
+                <a:r>
+                  <a:rPr lang="en-US" altLang="zh-CN" dirty="0"/>
+                  <a:t>4.</a:t>
+                </a:r>
+                <a:r>
+                  <a:rPr lang="zh-CN" altLang="en-US" dirty="0"/>
+                  <a:t>取最大的</a:t>
+                </a:r>
+                <a14:m>
+                  <m:oMath xmlns:m="http://schemas.openxmlformats.org/officeDocument/2006/math">
+                    <m:sSup>
+                      <m:sSupPr>
+                        <m:ctrlPr>
+                          <a:rPr lang="zh-CN" altLang="zh-CN" i="1">
+                            <a:latin typeface="Cambria Math" panose="02040503050406030204" pitchFamily="18" charset="0"/>
+                          </a:rPr>
+                        </m:ctrlPr>
+                      </m:sSupPr>
+                      <m:e>
+                        <m:r>
+                          <a:rPr lang="en-US" altLang="zh-CN" i="1">
+                            <a:latin typeface="Cambria Math" panose="02040503050406030204" pitchFamily="18" charset="0"/>
+                          </a:rPr>
+                          <m:t>𝑑</m:t>
+                        </m:r>
+                      </m:e>
+                      <m:sup>
+                        <m:r>
+                          <a:rPr lang="en-US" altLang="zh-CN" i="1">
+                            <a:latin typeface="Cambria Math" panose="02040503050406030204" pitchFamily="18" charset="0"/>
+                          </a:rPr>
+                          <m:t>′</m:t>
+                        </m:r>
+                      </m:sup>
+                    </m:sSup>
+                    <m:r>
+                      <a:rPr lang="zh-CN" altLang="en-US" i="1">
+                        <a:latin typeface="Cambria Math" panose="02040503050406030204" pitchFamily="18" charset="0"/>
+                      </a:rPr>
+                      <m:t>个</m:t>
+                    </m:r>
+                  </m:oMath>
+                </a14:m>
+                <a:r>
+                  <a:rPr lang="zh-CN" altLang="en-US" dirty="0"/>
+                  <a:t>特征值所对应的特征向量</a:t>
+                </a:r>
+                <a14:m>
+                  <m:oMath xmlns:m="http://schemas.openxmlformats.org/officeDocument/2006/math">
+                    <m:sSub>
+                      <m:sSubPr>
+                        <m:ctrlPr>
+                          <a:rPr lang="zh-CN" altLang="zh-CN" i="1"/>
+                        </m:ctrlPr>
+                      </m:sSubPr>
+                      <m:e>
+                        <m:r>
+                          <a:rPr lang="en-US" altLang="zh-CN" i="1"/>
+                          <m:t>𝑤</m:t>
+                        </m:r>
+                      </m:e>
+                      <m:sub>
+                        <m:r>
+                          <a:rPr lang="en-US" altLang="zh-CN" i="1"/>
+                          <m:t>1</m:t>
+                        </m:r>
+                      </m:sub>
+                    </m:sSub>
+                    <m:r>
+                      <a:rPr lang="en-US" altLang="zh-CN"/>
+                      <m:t>,</m:t>
+                    </m:r>
+                    <m:sSub>
+                      <m:sSubPr>
+                        <m:ctrlPr>
+                          <a:rPr lang="zh-CN" altLang="zh-CN" i="1"/>
+                        </m:ctrlPr>
+                      </m:sSubPr>
+                      <m:e>
+                        <m:r>
+                          <a:rPr lang="en-US" altLang="zh-CN" i="1"/>
+                          <m:t>𝑤</m:t>
+                        </m:r>
+                      </m:e>
+                      <m:sub>
+                        <m:r>
+                          <a:rPr lang="en-US" altLang="zh-CN" i="1"/>
+                          <m:t>2</m:t>
+                        </m:r>
+                      </m:sub>
+                    </m:sSub>
+                    <m:r>
+                      <a:rPr lang="en-US" altLang="zh-CN"/>
+                      <m:t>,…,</m:t>
+                    </m:r>
+                    <m:sSub>
+                      <m:sSubPr>
+                        <m:ctrlPr>
+                          <a:rPr lang="zh-CN" altLang="zh-CN" i="1"/>
+                        </m:ctrlPr>
+                      </m:sSubPr>
+                      <m:e>
+                        <m:r>
+                          <a:rPr lang="en-US" altLang="zh-CN" i="1"/>
+                          <m:t>𝑤</m:t>
+                        </m:r>
+                      </m:e>
+                      <m:sub>
+                        <m:sSup>
+                          <m:sSupPr>
+                            <m:ctrlPr>
+                              <a:rPr lang="zh-CN" altLang="zh-CN" i="1"/>
+                            </m:ctrlPr>
+                          </m:sSupPr>
+                          <m:e>
+                            <m:r>
+                              <a:rPr lang="en-US" altLang="zh-CN" i="1"/>
+                              <m:t>𝑑</m:t>
+                            </m:r>
+                          </m:e>
+                          <m:sup>
+                            <m:r>
+                              <a:rPr lang="en-US" altLang="zh-CN" i="1"/>
+                              <m:t>′</m:t>
+                            </m:r>
+                          </m:sup>
+                        </m:sSup>
+                      </m:sub>
+                    </m:sSub>
+                    <m:r>
+                      <a:rPr lang="en-US" altLang="zh-CN" b="0" i="1" smtClean="0">
+                        <a:latin typeface="Cambria Math" panose="02040503050406030204" pitchFamily="18" charset="0"/>
+                      </a:rPr>
+                      <m:t>.</m:t>
+                    </m:r>
+                  </m:oMath>
+                </a14:m>
+                <a:endParaRPr lang="en-US" altLang="zh-CN" b="0" dirty="0"/>
+              </a:p>
+              <a:p>
+                <a:r>
+                  <a:rPr lang="zh-CN" altLang="en-US" b="1" dirty="0"/>
+                  <a:t>输出</a:t>
+                </a:r>
+                <a:r>
+                  <a:rPr lang="zh-CN" altLang="en-US" dirty="0"/>
+                  <a:t>：投影矩阵</a:t>
+                </a:r>
+                <a14:m>
+                  <m:oMath xmlns:m="http://schemas.openxmlformats.org/officeDocument/2006/math">
+                    <m:r>
+                      <m:rPr>
+                        <m:sty m:val="p"/>
+                      </m:rPr>
+                      <a:rPr lang="en-US" altLang="zh-CN"/>
+                      <m:t>W</m:t>
+                    </m:r>
+                    <m:r>
+                      <a:rPr lang="en-US" altLang="zh-CN"/>
+                      <m:t>=</m:t>
+                    </m:r>
+                    <m:d>
+                      <m:dPr>
+                        <m:ctrlPr>
+                          <a:rPr lang="en-US" altLang="zh-CN">
+                            <a:latin typeface="Cambria Math" panose="02040503050406030204" pitchFamily="18" charset="0"/>
+                          </a:rPr>
+                        </m:ctrlPr>
+                      </m:dPr>
+                      <m:e>
+                        <m:sSub>
+                          <m:sSubPr>
+                            <m:ctrlPr>
+                              <a:rPr lang="zh-CN" altLang="zh-CN" i="1"/>
+                            </m:ctrlPr>
+                          </m:sSubPr>
+                          <m:e>
+                            <m:r>
+                              <a:rPr lang="en-US" altLang="zh-CN" i="1"/>
+                              <m:t>𝑤</m:t>
+                            </m:r>
+                          </m:e>
+                          <m:sub>
+                            <m:r>
+                              <a:rPr lang="en-US" altLang="zh-CN" i="1"/>
+                              <m:t>1</m:t>
+                            </m:r>
+                          </m:sub>
+                        </m:sSub>
+                        <m:r>
+                          <a:rPr lang="en-US" altLang="zh-CN"/>
+                          <m:t>,</m:t>
+                        </m:r>
+                        <m:sSub>
+                          <m:sSubPr>
+                            <m:ctrlPr>
+                              <a:rPr lang="zh-CN" altLang="zh-CN" i="1"/>
+                            </m:ctrlPr>
+                          </m:sSubPr>
+                          <m:e>
+                            <m:r>
+                              <a:rPr lang="en-US" altLang="zh-CN" i="1"/>
+                              <m:t>𝑤</m:t>
+                            </m:r>
+                          </m:e>
+                          <m:sub>
+                            <m:r>
+                              <a:rPr lang="en-US" altLang="zh-CN" i="1"/>
+                              <m:t>2</m:t>
+                            </m:r>
+                          </m:sub>
+                        </m:sSub>
+                        <m:r>
+                          <a:rPr lang="en-US" altLang="zh-CN"/>
+                          <m:t>,…,</m:t>
+                        </m:r>
+                        <m:sSub>
+                          <m:sSubPr>
+                            <m:ctrlPr>
+                              <a:rPr lang="zh-CN" altLang="zh-CN" i="1"/>
+                            </m:ctrlPr>
+                          </m:sSubPr>
+                          <m:e>
+                            <m:r>
+                              <a:rPr lang="en-US" altLang="zh-CN" i="1"/>
+                              <m:t>𝑤</m:t>
+                            </m:r>
+                          </m:e>
+                          <m:sub>
+                            <m:sSup>
+                              <m:sSupPr>
+                                <m:ctrlPr>
+                                  <a:rPr lang="zh-CN" altLang="zh-CN" i="1"/>
+                                </m:ctrlPr>
+                              </m:sSupPr>
+                              <m:e>
+                                <m:r>
+                                  <a:rPr lang="en-US" altLang="zh-CN" i="1"/>
+                                  <m:t>𝑑</m:t>
+                                </m:r>
+                              </m:e>
+                              <m:sup>
+                                <m:r>
+                                  <a:rPr lang="en-US" altLang="zh-CN" i="1"/>
+                                  <m:t>′</m:t>
+                                </m:r>
+                              </m:sup>
+                            </m:sSup>
+                          </m:sub>
+                        </m:sSub>
+                      </m:e>
+                    </m:d>
+                    <m:r>
+                      <a:rPr lang="en-US" altLang="zh-CN" b="0" i="0" smtClean="0">
+                        <a:latin typeface="Cambria Math" panose="02040503050406030204" pitchFamily="18" charset="0"/>
+                      </a:rPr>
+                      <m:t>.</m:t>
+                    </m:r>
+                  </m:oMath>
+                </a14:m>
+                <a:endParaRPr lang="zh-CN" altLang="zh-CN" dirty="0"/>
+              </a:p>
+            </p:txBody>
+          </p:sp>
+        </mc:Choice>
+        <mc:Fallback>
+          <p:sp>
+            <p:nvSpPr>
+              <p:cNvPr id="4" name="文本框 3"/>
+              <p:cNvSpPr txBox="1">
+                <a:spLocks noRot="1" noChangeAspect="1" noMove="1" noResize="1" noEditPoints="1" noAdjustHandles="1" noChangeArrowheads="1" noChangeShapeType="1" noTextEdit="1"/>
+              </p:cNvSpPr>
+              <p:nvPr/>
+            </p:nvSpPr>
+            <p:spPr>
+              <a:xfrm>
+                <a:off x="2370338" y="1704513"/>
+                <a:ext cx="5634043" cy="2514022"/>
+              </a:xfrm>
+              <a:prstGeom prst="rect">
+                <a:avLst/>
+              </a:prstGeom>
+              <a:blipFill>
+                <a:blip r:embed="rId2"/>
+                <a:stretch>
+                  <a:fillRect l="-974" t="-1456" b="-2913"/>
+                </a:stretch>
+              </a:blipFill>
+            </p:spPr>
+            <p:txBody>
+              <a:bodyPr/>
+              <a:lstStyle/>
+              <a:p>
+                <a:r>
+                  <a:rPr lang="zh-CN" altLang="en-US">
+                    <a:noFill/>
+                  </a:rPr>
+                  <a:t> </a:t>
+                </a:r>
+              </a:p>
+            </p:txBody>
+          </p:sp>
+        </mc:Fallback>
+      </mc:AlternateContent>
+      <p:cxnSp>
+        <p:nvCxnSpPr>
+          <p:cNvPr id="6" name="直接连接符 5"/>
+          <p:cNvCxnSpPr/>
+          <p:nvPr/>
+        </p:nvCxnSpPr>
+        <p:spPr>
+          <a:xfrm>
+            <a:off x="2370338" y="1704513"/>
+            <a:ext cx="5717219" cy="0"/>
+          </a:xfrm>
+          <a:prstGeom prst="line">
+            <a:avLst/>
+          </a:prstGeom>
+          <a:ln w="38100"/>
+        </p:spPr>
+        <p:style>
+          <a:lnRef idx="3">
+            <a:schemeClr val="dk1"/>
+          </a:lnRef>
+          <a:fillRef idx="0">
+            <a:schemeClr val="dk1"/>
+          </a:fillRef>
+          <a:effectRef idx="2">
+            <a:schemeClr val="dk1"/>
+          </a:effectRef>
+          <a:fontRef idx="minor">
+            <a:schemeClr val="tx1"/>
+          </a:fontRef>
+        </p:style>
+      </p:cxnSp>
+      <p:cxnSp>
+        <p:nvCxnSpPr>
+          <p:cNvPr id="7" name="直接连接符 6"/>
+          <p:cNvCxnSpPr/>
+          <p:nvPr/>
+        </p:nvCxnSpPr>
+        <p:spPr>
+          <a:xfrm>
+            <a:off x="2370338" y="4228893"/>
+            <a:ext cx="5717219" cy="0"/>
+          </a:xfrm>
+          <a:prstGeom prst="line">
+            <a:avLst/>
+          </a:prstGeom>
+          <a:ln w="38100"/>
+        </p:spPr>
+        <p:style>
+          <a:lnRef idx="3">
+            <a:schemeClr val="dk1"/>
+          </a:lnRef>
+          <a:fillRef idx="0">
+            <a:schemeClr val="dk1"/>
+          </a:fillRef>
+          <a:effectRef idx="2">
+            <a:schemeClr val="dk1"/>
+          </a:effectRef>
+          <a:fontRef idx="minor">
+            <a:schemeClr val="tx1"/>
+          </a:fontRef>
+        </p:style>
+      </p:cxnSp>
+    </p:spTree>
+    <p:extLst>
+      <p:ext uri="{BB962C8B-B14F-4D97-AF65-F5344CB8AC3E}">
+        <p14:creationId xmlns:p14="http://schemas.microsoft.com/office/powerpoint/2010/main" val="526455585"/>
+      </p:ext>
+    </p:extLst>
+  </p:cSld>
+  <p:clrMapOvr>
+    <a:masterClrMapping/>
+  </p:clrMapOvr>
+</p:sld>
+</file>
+
+<file path=ppt/slides/slide8.xml><?xml version="1.0" encoding="utf-8"?>
+<p:sld xmlns:a="http://schemas.openxmlformats.org/drawingml/2006/main" xmlns:r="http://schemas.openxmlformats.org/officeDocument/2006/relationships" xmlns:p="http://schemas.openxmlformats.org/presentationml/2006/main">
+  <p:cSld>
+    <p:spTree>
+      <p:nvGrpSpPr>
+        <p:cNvPr id="1" name=""/>
+        <p:cNvGrpSpPr/>
+        <p:nvPr/>
+      </p:nvGrpSpPr>
+      <p:grpSpPr>
+        <a:xfrm>
+          <a:off x="0" y="0"/>
+          <a:ext cx="0" cy="0"/>
+          <a:chOff x="0" y="0"/>
+          <a:chExt cx="0" cy="0"/>
+        </a:xfrm>
+      </p:grpSpPr>
+      <p:sp>
+        <p:nvSpPr>
+          <p:cNvPr id="4" name="椭圆 3"/>
+          <p:cNvSpPr/>
+          <p:nvPr/>
+        </p:nvSpPr>
+        <p:spPr>
+          <a:xfrm>
+            <a:off x="4916557" y="238538"/>
+            <a:ext cx="1510748" cy="980661"/>
+          </a:xfrm>
+          <a:prstGeom prst="ellipse">
+            <a:avLst/>
+          </a:prstGeom>
+        </p:spPr>
+        <p:style>
+          <a:lnRef idx="2">
+            <a:schemeClr val="accent1">
+              <a:shade val="50000"/>
+            </a:schemeClr>
+          </a:lnRef>
+          <a:fillRef idx="1">
+            <a:schemeClr val="accent1"/>
+          </a:fillRef>
+          <a:effectRef idx="0">
+            <a:schemeClr val="accent1"/>
+          </a:effectRef>
+          <a:fontRef idx="minor">
+            <a:schemeClr val="lt1"/>
+          </a:fontRef>
+        </p:style>
+        <p:txBody>
+          <a:bodyPr rtlCol="0" anchor="ctr"/>
+          <a:lstStyle/>
+          <a:p>
+            <a:pPr algn="ctr"/>
+            <a:r>
+              <a:rPr lang="zh-CN" altLang="en-US" sz="3200" dirty="0"/>
+              <a:t>天气？</a:t>
+            </a:r>
+          </a:p>
+        </p:txBody>
+      </p:sp>
+      <p:cxnSp>
+        <p:nvCxnSpPr>
+          <p:cNvPr id="6" name="直接箭头连接符 5"/>
+          <p:cNvCxnSpPr>
+            <a:stCxn id="4" idx="3"/>
+          </p:cNvCxnSpPr>
+          <p:nvPr/>
+        </p:nvCxnSpPr>
+        <p:spPr>
+          <a:xfrm flipH="1">
+            <a:off x="4333461" y="1075585"/>
+            <a:ext cx="804340" cy="859232"/>
+          </a:xfrm>
+          <a:prstGeom prst="straightConnector1">
+            <a:avLst/>
+          </a:prstGeom>
+          <a:ln w="28575">
+            <a:tailEnd type="triangle"/>
+          </a:ln>
+        </p:spPr>
+        <p:style>
+          <a:lnRef idx="1">
+            <a:schemeClr val="accent1"/>
+          </a:lnRef>
+          <a:fillRef idx="0">
+            <a:schemeClr val="accent1"/>
+          </a:fillRef>
+          <a:effectRef idx="0">
+            <a:schemeClr val="accent1"/>
+          </a:effectRef>
+          <a:fontRef idx="minor">
+            <a:schemeClr val="tx1"/>
+          </a:fontRef>
+        </p:style>
+      </p:cxnSp>
+      <p:cxnSp>
+        <p:nvCxnSpPr>
+          <p:cNvPr id="7" name="直接箭头连接符 6"/>
+          <p:cNvCxnSpPr>
+            <a:stCxn id="4" idx="5"/>
+          </p:cNvCxnSpPr>
+          <p:nvPr/>
+        </p:nvCxnSpPr>
+        <p:spPr>
+          <a:xfrm>
+            <a:off x="6206061" y="1075585"/>
+            <a:ext cx="618809" cy="859232"/>
+          </a:xfrm>
+          <a:prstGeom prst="straightConnector1">
+            <a:avLst/>
+          </a:prstGeom>
+          <a:ln w="28575">
+            <a:tailEnd type="triangle"/>
+          </a:ln>
+        </p:spPr>
+        <p:style>
+          <a:lnRef idx="1">
+            <a:schemeClr val="accent1"/>
+          </a:lnRef>
+          <a:fillRef idx="0">
+            <a:schemeClr val="accent1"/>
+          </a:fillRef>
+          <a:effectRef idx="0">
+            <a:schemeClr val="accent1"/>
+          </a:effectRef>
+          <a:fontRef idx="minor">
+            <a:schemeClr val="tx1"/>
+          </a:fontRef>
+        </p:style>
+      </p:cxnSp>
+      <p:sp>
+        <p:nvSpPr>
+          <p:cNvPr id="10" name="椭圆 9"/>
+          <p:cNvSpPr/>
+          <p:nvPr/>
+        </p:nvSpPr>
+        <p:spPr>
+          <a:xfrm>
+            <a:off x="3405809" y="1934817"/>
+            <a:ext cx="1510748" cy="980661"/>
+          </a:xfrm>
+          <a:prstGeom prst="ellipse">
+            <a:avLst/>
+          </a:prstGeom>
+        </p:spPr>
+        <p:style>
+          <a:lnRef idx="2">
+            <a:schemeClr val="accent1">
+              <a:shade val="50000"/>
+            </a:schemeClr>
+          </a:lnRef>
+          <a:fillRef idx="1">
+            <a:schemeClr val="accent1"/>
+          </a:fillRef>
+          <a:effectRef idx="0">
+            <a:schemeClr val="accent1"/>
+          </a:effectRef>
+          <a:fontRef idx="minor">
+            <a:schemeClr val="lt1"/>
+          </a:fontRef>
+        </p:style>
+        <p:txBody>
+          <a:bodyPr rtlCol="0" anchor="ctr"/>
+          <a:lstStyle/>
+          <a:p>
+            <a:pPr algn="ctr"/>
+            <a:r>
+              <a:rPr lang="zh-CN" altLang="en-US" sz="3200" dirty="0"/>
+              <a:t>风？</a:t>
+            </a:r>
+          </a:p>
+        </p:txBody>
+      </p:sp>
+      <p:sp>
+        <p:nvSpPr>
+          <p:cNvPr id="11" name="椭圆 10"/>
+          <p:cNvSpPr/>
+          <p:nvPr/>
+        </p:nvSpPr>
+        <p:spPr>
+          <a:xfrm>
+            <a:off x="6065453" y="1934817"/>
+            <a:ext cx="1510748" cy="980661"/>
+          </a:xfrm>
+          <a:prstGeom prst="ellipse">
+            <a:avLst/>
+          </a:prstGeom>
+        </p:spPr>
+        <p:style>
+          <a:lnRef idx="2">
+            <a:schemeClr val="accent1">
+              <a:shade val="50000"/>
+            </a:schemeClr>
+          </a:lnRef>
+          <a:fillRef idx="1">
+            <a:schemeClr val="accent1"/>
+          </a:fillRef>
+          <a:effectRef idx="0">
+            <a:schemeClr val="accent1"/>
+          </a:effectRef>
+          <a:fontRef idx="minor">
+            <a:schemeClr val="lt1"/>
+          </a:fontRef>
+        </p:style>
+        <p:txBody>
+          <a:bodyPr rot="0" spcFirstLastPara="0" vert="horz" wrap="square" lIns="91440" tIns="45720" rIns="91440" bIns="45720" numCol="1" spcCol="0" rtlCol="0" fromWordArt="0" anchor="ctr" anchorCtr="0" forceAA="0" compatLnSpc="1">
+            <a:prstTxWarp prst="textNoShape">
+              <a:avLst/>
+            </a:prstTxWarp>
+            <a:noAutofit/>
+          </a:bodyPr>
+          <a:lstStyle>
+            <a:defPPr>
+              <a:defRPr lang="zh-CN"/>
+            </a:defPPr>
+            <a:lvl1pPr marL="0" algn="l" defTabSz="914400" rtl="0" eaLnBrk="1" latinLnBrk="0" hangingPunct="1">
+              <a:defRPr sz="1800" kern="1200">
+                <a:solidFill>
+                  <a:schemeClr val="lt1"/>
+                </a:solidFill>
+                <a:latin typeface="+mn-lt"/>
+                <a:ea typeface="+mn-ea"/>
+                <a:cs typeface="+mn-cs"/>
+              </a:defRPr>
+            </a:lvl1pPr>
+            <a:lvl2pPr marL="457200" algn="l" defTabSz="914400" rtl="0" eaLnBrk="1" latinLnBrk="0" hangingPunct="1">
+              <a:defRPr sz="1800" kern="1200">
+                <a:solidFill>
+                  <a:schemeClr val="lt1"/>
+                </a:solidFill>
+                <a:latin typeface="+mn-lt"/>
+                <a:ea typeface="+mn-ea"/>
+                <a:cs typeface="+mn-cs"/>
+              </a:defRPr>
+            </a:lvl2pPr>
+            <a:lvl3pPr marL="914400" algn="l" defTabSz="914400" rtl="0" eaLnBrk="1" latinLnBrk="0" hangingPunct="1">
+              <a:defRPr sz="1800" kern="1200">
+                <a:solidFill>
+                  <a:schemeClr val="lt1"/>
+                </a:solidFill>
+                <a:latin typeface="+mn-lt"/>
+                <a:ea typeface="+mn-ea"/>
+                <a:cs typeface="+mn-cs"/>
+              </a:defRPr>
+            </a:lvl3pPr>
+            <a:lvl4pPr marL="1371600" algn="l" defTabSz="914400" rtl="0" eaLnBrk="1" latinLnBrk="0" hangingPunct="1">
+              <a:defRPr sz="1800" kern="1200">
+                <a:solidFill>
+                  <a:schemeClr val="lt1"/>
+                </a:solidFill>
+                <a:latin typeface="+mn-lt"/>
+                <a:ea typeface="+mn-ea"/>
+                <a:cs typeface="+mn-cs"/>
+              </a:defRPr>
+            </a:lvl4pPr>
+            <a:lvl5pPr marL="1828800" algn="l" defTabSz="914400" rtl="0" eaLnBrk="1" latinLnBrk="0" hangingPunct="1">
+              <a:defRPr sz="1800" kern="1200">
+                <a:solidFill>
+                  <a:schemeClr val="lt1"/>
+                </a:solidFill>
+                <a:latin typeface="+mn-lt"/>
+                <a:ea typeface="+mn-ea"/>
+                <a:cs typeface="+mn-cs"/>
+              </a:defRPr>
+            </a:lvl5pPr>
+            <a:lvl6pPr marL="2286000" algn="l" defTabSz="914400" rtl="0" eaLnBrk="1" latinLnBrk="0" hangingPunct="1">
+              <a:defRPr sz="1800" kern="1200">
+                <a:solidFill>
+                  <a:schemeClr val="lt1"/>
+                </a:solidFill>
+                <a:latin typeface="+mn-lt"/>
+                <a:ea typeface="+mn-ea"/>
+                <a:cs typeface="+mn-cs"/>
+              </a:defRPr>
+            </a:lvl6pPr>
+            <a:lvl7pPr marL="2743200" algn="l" defTabSz="914400" rtl="0" eaLnBrk="1" latinLnBrk="0" hangingPunct="1">
+              <a:defRPr sz="1800" kern="1200">
+                <a:solidFill>
+                  <a:schemeClr val="lt1"/>
+                </a:solidFill>
+                <a:latin typeface="+mn-lt"/>
+                <a:ea typeface="+mn-ea"/>
+                <a:cs typeface="+mn-cs"/>
+              </a:defRPr>
+            </a:lvl7pPr>
+            <a:lvl8pPr marL="3200400" algn="l" defTabSz="914400" rtl="0" eaLnBrk="1" latinLnBrk="0" hangingPunct="1">
+              <a:defRPr sz="1800" kern="1200">
+                <a:solidFill>
+                  <a:schemeClr val="lt1"/>
+                </a:solidFill>
+                <a:latin typeface="+mn-lt"/>
+                <a:ea typeface="+mn-ea"/>
+                <a:cs typeface="+mn-cs"/>
+              </a:defRPr>
+            </a:lvl8pPr>
+            <a:lvl9pPr marL="3657600" algn="l" defTabSz="914400" rtl="0" eaLnBrk="1" latinLnBrk="0" hangingPunct="1">
+              <a:defRPr sz="1800" kern="1200">
+                <a:solidFill>
+                  <a:schemeClr val="lt1"/>
+                </a:solidFill>
+                <a:latin typeface="+mn-lt"/>
+                <a:ea typeface="+mn-ea"/>
+                <a:cs typeface="+mn-cs"/>
+              </a:defRPr>
+            </a:lvl9pPr>
+          </a:lstStyle>
+          <a:p>
+            <a:pPr algn="ctr"/>
+            <a:r>
+              <a:rPr lang="zh-CN" altLang="en-US" sz="3200" dirty="0"/>
+              <a:t>否</a:t>
+            </a:r>
+          </a:p>
+        </p:txBody>
+      </p:sp>
+      <p:sp>
+        <p:nvSpPr>
+          <p:cNvPr id="12" name="文本框 11"/>
+          <p:cNvSpPr txBox="1"/>
+          <p:nvPr/>
+        </p:nvSpPr>
+        <p:spPr>
+          <a:xfrm>
+            <a:off x="6587791" y="1320535"/>
+            <a:ext cx="755374" cy="400110"/>
+          </a:xfrm>
+          <a:prstGeom prst="rect">
+            <a:avLst/>
+          </a:prstGeom>
+          <a:noFill/>
+        </p:spPr>
+        <p:txBody>
+          <a:bodyPr wrap="square" rtlCol="0">
+            <a:spAutoFit/>
+          </a:bodyPr>
+          <a:lstStyle/>
+          <a:p>
+            <a:r>
+              <a:rPr lang="zh-CN" altLang="en-US" sz="2000" b="1" dirty="0"/>
+              <a:t>下雨</a:t>
+            </a:r>
+          </a:p>
+        </p:txBody>
+      </p:sp>
+      <p:sp>
+        <p:nvSpPr>
+          <p:cNvPr id="13" name="文本框 12"/>
+          <p:cNvSpPr txBox="1"/>
+          <p:nvPr/>
+        </p:nvSpPr>
+        <p:spPr>
+          <a:xfrm>
+            <a:off x="4161183" y="1200400"/>
+            <a:ext cx="755374" cy="400110"/>
+          </a:xfrm>
+          <a:prstGeom prst="rect">
+            <a:avLst/>
+          </a:prstGeom>
+          <a:noFill/>
+        </p:spPr>
+        <p:txBody>
+          <a:bodyPr wrap="square" rtlCol="0">
+            <a:spAutoFit/>
+          </a:bodyPr>
+          <a:lstStyle/>
+          <a:p>
+            <a:r>
+              <a:rPr lang="zh-CN" altLang="en-US" sz="2000" b="1" dirty="0"/>
+              <a:t>晴天</a:t>
+            </a:r>
+          </a:p>
+        </p:txBody>
+      </p:sp>
+      <p:sp>
+        <p:nvSpPr>
+          <p:cNvPr id="14" name="椭圆 13"/>
+          <p:cNvSpPr/>
+          <p:nvPr/>
+        </p:nvSpPr>
+        <p:spPr>
+          <a:xfrm>
+            <a:off x="2378765" y="3465443"/>
+            <a:ext cx="1510748" cy="980661"/>
+          </a:xfrm>
+          <a:prstGeom prst="ellipse">
+            <a:avLst/>
+          </a:prstGeom>
+        </p:spPr>
+        <p:style>
+          <a:lnRef idx="2">
+            <a:schemeClr val="accent1">
+              <a:shade val="50000"/>
+            </a:schemeClr>
+          </a:lnRef>
+          <a:fillRef idx="1">
+            <a:schemeClr val="accent1"/>
+          </a:fillRef>
+          <a:effectRef idx="0">
+            <a:schemeClr val="accent1"/>
+          </a:effectRef>
+          <a:fontRef idx="minor">
+            <a:schemeClr val="lt1"/>
+          </a:fontRef>
+        </p:style>
+        <p:txBody>
+          <a:bodyPr rtlCol="0" anchor="ctr"/>
+          <a:lstStyle/>
+          <a:p>
+            <a:pPr algn="ctr"/>
+            <a:r>
+              <a:rPr lang="zh-CN" altLang="en-US" sz="3200" dirty="0"/>
+              <a:t>温度？</a:t>
+            </a:r>
+          </a:p>
+        </p:txBody>
+      </p:sp>
+      <p:sp>
+        <p:nvSpPr>
+          <p:cNvPr id="15" name="椭圆 14"/>
+          <p:cNvSpPr/>
+          <p:nvPr/>
+        </p:nvSpPr>
+        <p:spPr>
+          <a:xfrm>
+            <a:off x="4554705" y="3631096"/>
+            <a:ext cx="1510748" cy="980661"/>
+          </a:xfrm>
+          <a:prstGeom prst="ellipse">
+            <a:avLst/>
+          </a:prstGeom>
+        </p:spPr>
+        <p:style>
+          <a:lnRef idx="2">
+            <a:schemeClr val="accent1">
+              <a:shade val="50000"/>
+            </a:schemeClr>
+          </a:lnRef>
+          <a:fillRef idx="1">
+            <a:schemeClr val="accent1"/>
+          </a:fillRef>
+          <a:effectRef idx="0">
+            <a:schemeClr val="accent1"/>
+          </a:effectRef>
+          <a:fontRef idx="minor">
+            <a:schemeClr val="lt1"/>
+          </a:fontRef>
+        </p:style>
+        <p:txBody>
+          <a:bodyPr rot="0" spcFirstLastPara="0" vert="horz" wrap="square" lIns="91440" tIns="45720" rIns="91440" bIns="45720" numCol="1" spcCol="0" rtlCol="0" fromWordArt="0" anchor="ctr" anchorCtr="0" forceAA="0" compatLnSpc="1">
+            <a:prstTxWarp prst="textNoShape">
+              <a:avLst/>
+            </a:prstTxWarp>
+            <a:noAutofit/>
+          </a:bodyPr>
+          <a:lstStyle>
+            <a:defPPr>
+              <a:defRPr lang="zh-CN"/>
+            </a:defPPr>
+            <a:lvl1pPr marL="0" algn="l" defTabSz="914400" rtl="0" eaLnBrk="1" latinLnBrk="0" hangingPunct="1">
+              <a:defRPr sz="1800" kern="1200">
+                <a:solidFill>
+                  <a:schemeClr val="lt1"/>
+                </a:solidFill>
+                <a:latin typeface="+mn-lt"/>
+                <a:ea typeface="+mn-ea"/>
+                <a:cs typeface="+mn-cs"/>
+              </a:defRPr>
+            </a:lvl1pPr>
+            <a:lvl2pPr marL="457200" algn="l" defTabSz="914400" rtl="0" eaLnBrk="1" latinLnBrk="0" hangingPunct="1">
+              <a:defRPr sz="1800" kern="1200">
+                <a:solidFill>
+                  <a:schemeClr val="lt1"/>
+                </a:solidFill>
+                <a:latin typeface="+mn-lt"/>
+                <a:ea typeface="+mn-ea"/>
+                <a:cs typeface="+mn-cs"/>
+              </a:defRPr>
+            </a:lvl2pPr>
+            <a:lvl3pPr marL="914400" algn="l" defTabSz="914400" rtl="0" eaLnBrk="1" latinLnBrk="0" hangingPunct="1">
+              <a:defRPr sz="1800" kern="1200">
+                <a:solidFill>
+                  <a:schemeClr val="lt1"/>
+                </a:solidFill>
+                <a:latin typeface="+mn-lt"/>
+                <a:ea typeface="+mn-ea"/>
+                <a:cs typeface="+mn-cs"/>
+              </a:defRPr>
+            </a:lvl3pPr>
+            <a:lvl4pPr marL="1371600" algn="l" defTabSz="914400" rtl="0" eaLnBrk="1" latinLnBrk="0" hangingPunct="1">
+              <a:defRPr sz="1800" kern="1200">
+                <a:solidFill>
+                  <a:schemeClr val="lt1"/>
+                </a:solidFill>
+                <a:latin typeface="+mn-lt"/>
+                <a:ea typeface="+mn-ea"/>
+                <a:cs typeface="+mn-cs"/>
+              </a:defRPr>
+            </a:lvl4pPr>
+            <a:lvl5pPr marL="1828800" algn="l" defTabSz="914400" rtl="0" eaLnBrk="1" latinLnBrk="0" hangingPunct="1">
+              <a:defRPr sz="1800" kern="1200">
+                <a:solidFill>
+                  <a:schemeClr val="lt1"/>
+                </a:solidFill>
+                <a:latin typeface="+mn-lt"/>
+                <a:ea typeface="+mn-ea"/>
+                <a:cs typeface="+mn-cs"/>
+              </a:defRPr>
+            </a:lvl5pPr>
+            <a:lvl6pPr marL="2286000" algn="l" defTabSz="914400" rtl="0" eaLnBrk="1" latinLnBrk="0" hangingPunct="1">
+              <a:defRPr sz="1800" kern="1200">
+                <a:solidFill>
+                  <a:schemeClr val="lt1"/>
+                </a:solidFill>
+                <a:latin typeface="+mn-lt"/>
+                <a:ea typeface="+mn-ea"/>
+                <a:cs typeface="+mn-cs"/>
+              </a:defRPr>
+            </a:lvl6pPr>
+            <a:lvl7pPr marL="2743200" algn="l" defTabSz="914400" rtl="0" eaLnBrk="1" latinLnBrk="0" hangingPunct="1">
+              <a:defRPr sz="1800" kern="1200">
+                <a:solidFill>
+                  <a:schemeClr val="lt1"/>
+                </a:solidFill>
+                <a:latin typeface="+mn-lt"/>
+                <a:ea typeface="+mn-ea"/>
+                <a:cs typeface="+mn-cs"/>
+              </a:defRPr>
+            </a:lvl7pPr>
+            <a:lvl8pPr marL="3200400" algn="l" defTabSz="914400" rtl="0" eaLnBrk="1" latinLnBrk="0" hangingPunct="1">
+              <a:defRPr sz="1800" kern="1200">
+                <a:solidFill>
+                  <a:schemeClr val="lt1"/>
+                </a:solidFill>
+                <a:latin typeface="+mn-lt"/>
+                <a:ea typeface="+mn-ea"/>
+                <a:cs typeface="+mn-cs"/>
+              </a:defRPr>
+            </a:lvl8pPr>
+            <a:lvl9pPr marL="3657600" algn="l" defTabSz="914400" rtl="0" eaLnBrk="1" latinLnBrk="0" hangingPunct="1">
+              <a:defRPr sz="1800" kern="1200">
+                <a:solidFill>
+                  <a:schemeClr val="lt1"/>
+                </a:solidFill>
+                <a:latin typeface="+mn-lt"/>
+                <a:ea typeface="+mn-ea"/>
+                <a:cs typeface="+mn-cs"/>
+              </a:defRPr>
+            </a:lvl9pPr>
+          </a:lstStyle>
+          <a:p>
+            <a:pPr algn="ctr"/>
+            <a:r>
+              <a:rPr lang="zh-CN" altLang="en-US" sz="3200" dirty="0"/>
+              <a:t>否</a:t>
+            </a:r>
+          </a:p>
+        </p:txBody>
+      </p:sp>
+      <p:cxnSp>
+        <p:nvCxnSpPr>
+          <p:cNvPr id="16" name="直接箭头连接符 15"/>
+          <p:cNvCxnSpPr>
+            <a:stCxn id="10" idx="3"/>
+            <a:endCxn id="14" idx="0"/>
+          </p:cNvCxnSpPr>
+          <p:nvPr/>
+        </p:nvCxnSpPr>
+        <p:spPr>
+          <a:xfrm flipH="1">
+            <a:off x="3134139" y="2771864"/>
+            <a:ext cx="492914" cy="693579"/>
+          </a:xfrm>
+          <a:prstGeom prst="straightConnector1">
+            <a:avLst/>
+          </a:prstGeom>
+          <a:ln w="28575">
+            <a:tailEnd type="triangle"/>
+          </a:ln>
+        </p:spPr>
+        <p:style>
+          <a:lnRef idx="1">
+            <a:schemeClr val="accent1"/>
+          </a:lnRef>
+          <a:fillRef idx="0">
+            <a:schemeClr val="accent1"/>
+          </a:fillRef>
+          <a:effectRef idx="0">
+            <a:schemeClr val="accent1"/>
+          </a:effectRef>
+          <a:fontRef idx="minor">
+            <a:schemeClr val="tx1"/>
+          </a:fontRef>
+        </p:style>
+      </p:cxnSp>
+      <p:cxnSp>
+        <p:nvCxnSpPr>
+          <p:cNvPr id="19" name="直接箭头连接符 18"/>
+          <p:cNvCxnSpPr>
+            <a:stCxn id="10" idx="5"/>
+            <a:endCxn id="15" idx="0"/>
+          </p:cNvCxnSpPr>
+          <p:nvPr/>
+        </p:nvCxnSpPr>
+        <p:spPr>
+          <a:xfrm>
+            <a:off x="4695313" y="2771864"/>
+            <a:ext cx="614766" cy="859232"/>
+          </a:xfrm>
+          <a:prstGeom prst="straightConnector1">
+            <a:avLst/>
+          </a:prstGeom>
+          <a:ln w="28575">
+            <a:tailEnd type="triangle"/>
+          </a:ln>
+        </p:spPr>
+        <p:style>
+          <a:lnRef idx="1">
+            <a:schemeClr val="accent1"/>
+          </a:lnRef>
+          <a:fillRef idx="0">
+            <a:schemeClr val="accent1"/>
+          </a:fillRef>
+          <a:effectRef idx="0">
+            <a:schemeClr val="accent1"/>
+          </a:effectRef>
+          <a:fontRef idx="minor">
+            <a:schemeClr val="tx1"/>
+          </a:fontRef>
+        </p:style>
+      </p:cxnSp>
+      <p:sp>
+        <p:nvSpPr>
+          <p:cNvPr id="22" name="文本框 21"/>
+          <p:cNvSpPr txBox="1"/>
+          <p:nvPr/>
+        </p:nvSpPr>
+        <p:spPr>
+          <a:xfrm>
+            <a:off x="4974171" y="2873177"/>
+            <a:ext cx="755374" cy="400110"/>
+          </a:xfrm>
+          <a:prstGeom prst="rect">
+            <a:avLst/>
+          </a:prstGeom>
+          <a:noFill/>
+        </p:spPr>
+        <p:txBody>
+          <a:bodyPr wrap="square" rtlCol="0">
+            <a:spAutoFit/>
+          </a:bodyPr>
+          <a:lstStyle/>
+          <a:p>
+            <a:r>
+              <a:rPr lang="zh-CN" altLang="en-US" sz="2000" b="1" dirty="0"/>
+              <a:t>大风</a:t>
+            </a:r>
+          </a:p>
+        </p:txBody>
+      </p:sp>
+      <p:sp>
+        <p:nvSpPr>
+          <p:cNvPr id="23" name="文本框 12"/>
+          <p:cNvSpPr txBox="1"/>
+          <p:nvPr/>
+        </p:nvSpPr>
+        <p:spPr>
+          <a:xfrm>
+            <a:off x="2748983" y="2790350"/>
+            <a:ext cx="755374" cy="400110"/>
+          </a:xfrm>
+          <a:prstGeom prst="rect">
+            <a:avLst/>
+          </a:prstGeom>
+          <a:noFill/>
+        </p:spPr>
+        <p:txBody>
+          <a:bodyPr wrap="square" rtlCol="0">
+            <a:spAutoFit/>
+          </a:bodyPr>
+          <a:lstStyle>
+            <a:defPPr>
+              <a:defRPr lang="zh-CN"/>
+            </a:defPPr>
+            <a:lvl1pPr marL="0" algn="l" defTabSz="914400" rtl="0" eaLnBrk="1" latinLnBrk="0" hangingPunct="1">
+              <a:defRPr sz="1800" kern="1200">
+                <a:solidFill>
+                  <a:schemeClr val="tx1"/>
+                </a:solidFill>
+                <a:latin typeface="+mn-lt"/>
+                <a:ea typeface="+mn-ea"/>
+                <a:cs typeface="+mn-cs"/>
+              </a:defRPr>
+            </a:lvl1pPr>
+            <a:lvl2pPr marL="457200" algn="l" defTabSz="914400" rtl="0" eaLnBrk="1" latinLnBrk="0" hangingPunct="1">
+              <a:defRPr sz="1800" kern="1200">
+                <a:solidFill>
+                  <a:schemeClr val="tx1"/>
+                </a:solidFill>
+                <a:latin typeface="+mn-lt"/>
+                <a:ea typeface="+mn-ea"/>
+                <a:cs typeface="+mn-cs"/>
+              </a:defRPr>
+            </a:lvl2pPr>
+            <a:lvl3pPr marL="914400" algn="l" defTabSz="914400" rtl="0" eaLnBrk="1" latinLnBrk="0" hangingPunct="1">
+              <a:defRPr sz="1800" kern="1200">
+                <a:solidFill>
+                  <a:schemeClr val="tx1"/>
+                </a:solidFill>
+                <a:latin typeface="+mn-lt"/>
+                <a:ea typeface="+mn-ea"/>
+                <a:cs typeface="+mn-cs"/>
+              </a:defRPr>
+            </a:lvl3pPr>
+            <a:lvl4pPr marL="1371600" algn="l" defTabSz="914400" rtl="0" eaLnBrk="1" latinLnBrk="0" hangingPunct="1">
+              <a:defRPr sz="1800" kern="1200">
+                <a:solidFill>
+                  <a:schemeClr val="tx1"/>
+                </a:solidFill>
+                <a:latin typeface="+mn-lt"/>
+                <a:ea typeface="+mn-ea"/>
+                <a:cs typeface="+mn-cs"/>
+              </a:defRPr>
+            </a:lvl4pPr>
+            <a:lvl5pPr marL="1828800" algn="l" defTabSz="914400" rtl="0" eaLnBrk="1" latinLnBrk="0" hangingPunct="1">
+              <a:defRPr sz="1800" kern="1200">
+                <a:solidFill>
+                  <a:schemeClr val="tx1"/>
+                </a:solidFill>
+                <a:latin typeface="+mn-lt"/>
+                <a:ea typeface="+mn-ea"/>
+                <a:cs typeface="+mn-cs"/>
+              </a:defRPr>
+            </a:lvl5pPr>
+            <a:lvl6pPr marL="2286000" algn="l" defTabSz="914400" rtl="0" eaLnBrk="1" latinLnBrk="0" hangingPunct="1">
+              <a:defRPr sz="1800" kern="1200">
+                <a:solidFill>
+                  <a:schemeClr val="tx1"/>
+                </a:solidFill>
+                <a:latin typeface="+mn-lt"/>
+                <a:ea typeface="+mn-ea"/>
+                <a:cs typeface="+mn-cs"/>
+              </a:defRPr>
+            </a:lvl6pPr>
+            <a:lvl7pPr marL="2743200" algn="l" defTabSz="914400" rtl="0" eaLnBrk="1" latinLnBrk="0" hangingPunct="1">
+              <a:defRPr sz="1800" kern="1200">
+                <a:solidFill>
+                  <a:schemeClr val="tx1"/>
+                </a:solidFill>
+                <a:latin typeface="+mn-lt"/>
+                <a:ea typeface="+mn-ea"/>
+                <a:cs typeface="+mn-cs"/>
+              </a:defRPr>
+            </a:lvl7pPr>
+            <a:lvl8pPr marL="3200400" algn="l" defTabSz="914400" rtl="0" eaLnBrk="1" latinLnBrk="0" hangingPunct="1">
+              <a:defRPr sz="1800" kern="1200">
+                <a:solidFill>
+                  <a:schemeClr val="tx1"/>
+                </a:solidFill>
+                <a:latin typeface="+mn-lt"/>
+                <a:ea typeface="+mn-ea"/>
+                <a:cs typeface="+mn-cs"/>
+              </a:defRPr>
+            </a:lvl8pPr>
+            <a:lvl9pPr marL="3657600" algn="l" defTabSz="914400" rtl="0" eaLnBrk="1" latinLnBrk="0" hangingPunct="1">
+              <a:defRPr sz="1800" kern="1200">
+                <a:solidFill>
+                  <a:schemeClr val="tx1"/>
+                </a:solidFill>
+                <a:latin typeface="+mn-lt"/>
+                <a:ea typeface="+mn-ea"/>
+                <a:cs typeface="+mn-cs"/>
+              </a:defRPr>
+            </a:lvl9pPr>
+          </a:lstStyle>
+          <a:p>
+            <a:r>
+              <a:rPr lang="zh-CN" altLang="en-US" sz="2000" b="1" dirty="0"/>
+              <a:t>无风</a:t>
+            </a:r>
+          </a:p>
+        </p:txBody>
+      </p:sp>
+      <p:sp>
+        <p:nvSpPr>
+          <p:cNvPr id="24" name="椭圆 23"/>
+          <p:cNvSpPr/>
+          <p:nvPr/>
+        </p:nvSpPr>
+        <p:spPr>
+          <a:xfrm>
+            <a:off x="1585375" y="5128591"/>
+            <a:ext cx="1510748" cy="980661"/>
+          </a:xfrm>
+          <a:prstGeom prst="ellipse">
+            <a:avLst/>
+          </a:prstGeom>
+        </p:spPr>
+        <p:style>
+          <a:lnRef idx="2">
+            <a:schemeClr val="accent1">
+              <a:shade val="50000"/>
+            </a:schemeClr>
+          </a:lnRef>
+          <a:fillRef idx="1">
+            <a:schemeClr val="accent1"/>
+          </a:fillRef>
+          <a:effectRef idx="0">
+            <a:schemeClr val="accent1"/>
+          </a:effectRef>
+          <a:fontRef idx="minor">
+            <a:schemeClr val="lt1"/>
+          </a:fontRef>
+        </p:style>
+        <p:txBody>
+          <a:bodyPr rtlCol="0" anchor="ctr"/>
+          <a:lstStyle/>
+          <a:p>
+            <a:pPr algn="ctr"/>
+            <a:r>
+              <a:rPr lang="zh-CN" altLang="en-US" sz="3200" dirty="0"/>
+              <a:t>是</a:t>
+            </a:r>
+          </a:p>
+        </p:txBody>
+      </p:sp>
+      <p:sp>
+        <p:nvSpPr>
+          <p:cNvPr id="25" name="椭圆 24"/>
+          <p:cNvSpPr/>
+          <p:nvPr/>
+        </p:nvSpPr>
+        <p:spPr>
+          <a:xfrm>
+            <a:off x="3578087" y="5285074"/>
+            <a:ext cx="1510748" cy="980661"/>
+          </a:xfrm>
+          <a:prstGeom prst="ellipse">
+            <a:avLst/>
+          </a:prstGeom>
+        </p:spPr>
+        <p:style>
+          <a:lnRef idx="2">
+            <a:schemeClr val="accent1">
+              <a:shade val="50000"/>
+            </a:schemeClr>
+          </a:lnRef>
+          <a:fillRef idx="1">
+            <a:schemeClr val="accent1"/>
+          </a:fillRef>
+          <a:effectRef idx="0">
+            <a:schemeClr val="accent1"/>
+          </a:effectRef>
+          <a:fontRef idx="minor">
+            <a:schemeClr val="lt1"/>
+          </a:fontRef>
+        </p:style>
+        <p:txBody>
+          <a:bodyPr rot="0" spcFirstLastPara="0" vert="horz" wrap="square" lIns="91440" tIns="45720" rIns="91440" bIns="45720" numCol="1" spcCol="0" rtlCol="0" fromWordArt="0" anchor="ctr" anchorCtr="0" forceAA="0" compatLnSpc="1">
+            <a:prstTxWarp prst="textNoShape">
+              <a:avLst/>
+            </a:prstTxWarp>
+            <a:noAutofit/>
+          </a:bodyPr>
+          <a:lstStyle>
+            <a:defPPr>
+              <a:defRPr lang="zh-CN"/>
+            </a:defPPr>
+            <a:lvl1pPr marL="0" algn="l" defTabSz="914400" rtl="0" eaLnBrk="1" latinLnBrk="0" hangingPunct="1">
+              <a:defRPr sz="1800" kern="1200">
+                <a:solidFill>
+                  <a:schemeClr val="lt1"/>
+                </a:solidFill>
+                <a:latin typeface="+mn-lt"/>
+                <a:ea typeface="+mn-ea"/>
+                <a:cs typeface="+mn-cs"/>
+              </a:defRPr>
+            </a:lvl1pPr>
+            <a:lvl2pPr marL="457200" algn="l" defTabSz="914400" rtl="0" eaLnBrk="1" latinLnBrk="0" hangingPunct="1">
+              <a:defRPr sz="1800" kern="1200">
+                <a:solidFill>
+                  <a:schemeClr val="lt1"/>
+                </a:solidFill>
+                <a:latin typeface="+mn-lt"/>
+                <a:ea typeface="+mn-ea"/>
+                <a:cs typeface="+mn-cs"/>
+              </a:defRPr>
+            </a:lvl2pPr>
+            <a:lvl3pPr marL="914400" algn="l" defTabSz="914400" rtl="0" eaLnBrk="1" latinLnBrk="0" hangingPunct="1">
+              <a:defRPr sz="1800" kern="1200">
+                <a:solidFill>
+                  <a:schemeClr val="lt1"/>
+                </a:solidFill>
+                <a:latin typeface="+mn-lt"/>
+                <a:ea typeface="+mn-ea"/>
+                <a:cs typeface="+mn-cs"/>
+              </a:defRPr>
+            </a:lvl3pPr>
+            <a:lvl4pPr marL="1371600" algn="l" defTabSz="914400" rtl="0" eaLnBrk="1" latinLnBrk="0" hangingPunct="1">
+              <a:defRPr sz="1800" kern="1200">
+                <a:solidFill>
+                  <a:schemeClr val="lt1"/>
+                </a:solidFill>
+                <a:latin typeface="+mn-lt"/>
+                <a:ea typeface="+mn-ea"/>
+                <a:cs typeface="+mn-cs"/>
+              </a:defRPr>
+            </a:lvl4pPr>
+            <a:lvl5pPr marL="1828800" algn="l" defTabSz="914400" rtl="0" eaLnBrk="1" latinLnBrk="0" hangingPunct="1">
+              <a:defRPr sz="1800" kern="1200">
+                <a:solidFill>
+                  <a:schemeClr val="lt1"/>
+                </a:solidFill>
+                <a:latin typeface="+mn-lt"/>
+                <a:ea typeface="+mn-ea"/>
+                <a:cs typeface="+mn-cs"/>
+              </a:defRPr>
+            </a:lvl5pPr>
+            <a:lvl6pPr marL="2286000" algn="l" defTabSz="914400" rtl="0" eaLnBrk="1" latinLnBrk="0" hangingPunct="1">
+              <a:defRPr sz="1800" kern="1200">
+                <a:solidFill>
+                  <a:schemeClr val="lt1"/>
+                </a:solidFill>
+                <a:latin typeface="+mn-lt"/>
+                <a:ea typeface="+mn-ea"/>
+                <a:cs typeface="+mn-cs"/>
+              </a:defRPr>
+            </a:lvl6pPr>
+            <a:lvl7pPr marL="2743200" algn="l" defTabSz="914400" rtl="0" eaLnBrk="1" latinLnBrk="0" hangingPunct="1">
+              <a:defRPr sz="1800" kern="1200">
+                <a:solidFill>
+                  <a:schemeClr val="lt1"/>
+                </a:solidFill>
+                <a:latin typeface="+mn-lt"/>
+                <a:ea typeface="+mn-ea"/>
+                <a:cs typeface="+mn-cs"/>
+              </a:defRPr>
+            </a:lvl7pPr>
+            <a:lvl8pPr marL="3200400" algn="l" defTabSz="914400" rtl="0" eaLnBrk="1" latinLnBrk="0" hangingPunct="1">
+              <a:defRPr sz="1800" kern="1200">
+                <a:solidFill>
+                  <a:schemeClr val="lt1"/>
+                </a:solidFill>
+                <a:latin typeface="+mn-lt"/>
+                <a:ea typeface="+mn-ea"/>
+                <a:cs typeface="+mn-cs"/>
+              </a:defRPr>
+            </a:lvl8pPr>
+            <a:lvl9pPr marL="3657600" algn="l" defTabSz="914400" rtl="0" eaLnBrk="1" latinLnBrk="0" hangingPunct="1">
+              <a:defRPr sz="1800" kern="1200">
+                <a:solidFill>
+                  <a:schemeClr val="lt1"/>
+                </a:solidFill>
+                <a:latin typeface="+mn-lt"/>
+                <a:ea typeface="+mn-ea"/>
+                <a:cs typeface="+mn-cs"/>
+              </a:defRPr>
+            </a:lvl9pPr>
+          </a:lstStyle>
+          <a:p>
+            <a:pPr algn="ctr"/>
+            <a:r>
+              <a:rPr lang="zh-CN" altLang="en-US" sz="3200" dirty="0"/>
+              <a:t>否</a:t>
+            </a:r>
+          </a:p>
+        </p:txBody>
+      </p:sp>
+      <p:sp>
+        <p:nvSpPr>
+          <p:cNvPr id="26" name="文本框 12"/>
+          <p:cNvSpPr txBox="1"/>
+          <p:nvPr/>
+        </p:nvSpPr>
+        <p:spPr>
+          <a:xfrm>
+            <a:off x="1959299" y="4465479"/>
+            <a:ext cx="755374" cy="400110"/>
+          </a:xfrm>
+          <a:prstGeom prst="rect">
+            <a:avLst/>
+          </a:prstGeom>
+          <a:noFill/>
+        </p:spPr>
+        <p:txBody>
+          <a:bodyPr wrap="square" rtlCol="0">
+            <a:spAutoFit/>
+          </a:bodyPr>
+          <a:lstStyle>
+            <a:defPPr>
+              <a:defRPr lang="zh-CN"/>
+            </a:defPPr>
+            <a:lvl1pPr marL="0" algn="l" defTabSz="914400" rtl="0" eaLnBrk="1" latinLnBrk="0" hangingPunct="1">
+              <a:defRPr sz="1800" kern="1200">
+                <a:solidFill>
+                  <a:schemeClr val="tx1"/>
+                </a:solidFill>
+                <a:latin typeface="+mn-lt"/>
+                <a:ea typeface="+mn-ea"/>
+                <a:cs typeface="+mn-cs"/>
+              </a:defRPr>
+            </a:lvl1pPr>
+            <a:lvl2pPr marL="457200" algn="l" defTabSz="914400" rtl="0" eaLnBrk="1" latinLnBrk="0" hangingPunct="1">
+              <a:defRPr sz="1800" kern="1200">
+                <a:solidFill>
+                  <a:schemeClr val="tx1"/>
+                </a:solidFill>
+                <a:latin typeface="+mn-lt"/>
+                <a:ea typeface="+mn-ea"/>
+                <a:cs typeface="+mn-cs"/>
+              </a:defRPr>
+            </a:lvl2pPr>
+            <a:lvl3pPr marL="914400" algn="l" defTabSz="914400" rtl="0" eaLnBrk="1" latinLnBrk="0" hangingPunct="1">
+              <a:defRPr sz="1800" kern="1200">
+                <a:solidFill>
+                  <a:schemeClr val="tx1"/>
+                </a:solidFill>
+                <a:latin typeface="+mn-lt"/>
+                <a:ea typeface="+mn-ea"/>
+                <a:cs typeface="+mn-cs"/>
+              </a:defRPr>
+            </a:lvl3pPr>
+            <a:lvl4pPr marL="1371600" algn="l" defTabSz="914400" rtl="0" eaLnBrk="1" latinLnBrk="0" hangingPunct="1">
+              <a:defRPr sz="1800" kern="1200">
+                <a:solidFill>
+                  <a:schemeClr val="tx1"/>
+                </a:solidFill>
+                <a:latin typeface="+mn-lt"/>
+                <a:ea typeface="+mn-ea"/>
+                <a:cs typeface="+mn-cs"/>
+              </a:defRPr>
+            </a:lvl4pPr>
+            <a:lvl5pPr marL="1828800" algn="l" defTabSz="914400" rtl="0" eaLnBrk="1" latinLnBrk="0" hangingPunct="1">
+              <a:defRPr sz="1800" kern="1200">
+                <a:solidFill>
+                  <a:schemeClr val="tx1"/>
+                </a:solidFill>
+                <a:latin typeface="+mn-lt"/>
+                <a:ea typeface="+mn-ea"/>
+                <a:cs typeface="+mn-cs"/>
+              </a:defRPr>
+            </a:lvl5pPr>
+            <a:lvl6pPr marL="2286000" algn="l" defTabSz="914400" rtl="0" eaLnBrk="1" latinLnBrk="0" hangingPunct="1">
+              <a:defRPr sz="1800" kern="1200">
+                <a:solidFill>
+                  <a:schemeClr val="tx1"/>
+                </a:solidFill>
+                <a:latin typeface="+mn-lt"/>
+                <a:ea typeface="+mn-ea"/>
+                <a:cs typeface="+mn-cs"/>
+              </a:defRPr>
+            </a:lvl6pPr>
+            <a:lvl7pPr marL="2743200" algn="l" defTabSz="914400" rtl="0" eaLnBrk="1" latinLnBrk="0" hangingPunct="1">
+              <a:defRPr sz="1800" kern="1200">
+                <a:solidFill>
+                  <a:schemeClr val="tx1"/>
+                </a:solidFill>
+                <a:latin typeface="+mn-lt"/>
+                <a:ea typeface="+mn-ea"/>
+                <a:cs typeface="+mn-cs"/>
+              </a:defRPr>
+            </a:lvl7pPr>
+            <a:lvl8pPr marL="3200400" algn="l" defTabSz="914400" rtl="0" eaLnBrk="1" latinLnBrk="0" hangingPunct="1">
+              <a:defRPr sz="1800" kern="1200">
+                <a:solidFill>
+                  <a:schemeClr val="tx1"/>
+                </a:solidFill>
+                <a:latin typeface="+mn-lt"/>
+                <a:ea typeface="+mn-ea"/>
+                <a:cs typeface="+mn-cs"/>
+              </a:defRPr>
+            </a:lvl8pPr>
+            <a:lvl9pPr marL="3657600" algn="l" defTabSz="914400" rtl="0" eaLnBrk="1" latinLnBrk="0" hangingPunct="1">
+              <a:defRPr sz="1800" kern="1200">
+                <a:solidFill>
+                  <a:schemeClr val="tx1"/>
+                </a:solidFill>
+                <a:latin typeface="+mn-lt"/>
+                <a:ea typeface="+mn-ea"/>
+                <a:cs typeface="+mn-cs"/>
+              </a:defRPr>
+            </a:lvl9pPr>
+          </a:lstStyle>
+          <a:p>
+            <a:r>
+              <a:rPr lang="zh-CN" altLang="en-US" sz="2000" b="1" dirty="0"/>
+              <a:t>适宜</a:t>
+            </a:r>
+          </a:p>
+        </p:txBody>
+      </p:sp>
+      <p:cxnSp>
+        <p:nvCxnSpPr>
+          <p:cNvPr id="27" name="直接箭头连接符 26"/>
+          <p:cNvCxnSpPr>
+            <a:endCxn id="24" idx="0"/>
+          </p:cNvCxnSpPr>
+          <p:nvPr/>
+        </p:nvCxnSpPr>
+        <p:spPr>
+          <a:xfrm flipH="1">
+            <a:off x="2340749" y="4440559"/>
+            <a:ext cx="654242" cy="688032"/>
+          </a:xfrm>
+          <a:prstGeom prst="straightConnector1">
+            <a:avLst/>
+          </a:prstGeom>
+          <a:ln w="28575">
+            <a:tailEnd type="triangle"/>
+          </a:ln>
+        </p:spPr>
+        <p:style>
+          <a:lnRef idx="1">
+            <a:schemeClr val="accent1"/>
+          </a:lnRef>
+          <a:fillRef idx="0">
+            <a:schemeClr val="accent1"/>
+          </a:fillRef>
+          <a:effectRef idx="0">
+            <a:schemeClr val="accent1"/>
+          </a:effectRef>
+          <a:fontRef idx="minor">
+            <a:schemeClr val="tx1"/>
+          </a:fontRef>
+        </p:style>
+      </p:cxnSp>
+      <p:cxnSp>
+        <p:nvCxnSpPr>
+          <p:cNvPr id="30" name="直接箭头连接符 29"/>
+          <p:cNvCxnSpPr>
+            <a:endCxn id="25" idx="0"/>
+          </p:cNvCxnSpPr>
+          <p:nvPr/>
+        </p:nvCxnSpPr>
+        <p:spPr>
+          <a:xfrm>
+            <a:off x="3319248" y="4440559"/>
+            <a:ext cx="1014213" cy="844515"/>
+          </a:xfrm>
+          <a:prstGeom prst="straightConnector1">
+            <a:avLst/>
+          </a:prstGeom>
+          <a:ln w="28575">
+            <a:tailEnd type="triangle"/>
+          </a:ln>
+        </p:spPr>
+        <p:style>
+          <a:lnRef idx="1">
+            <a:schemeClr val="accent1"/>
+          </a:lnRef>
+          <a:fillRef idx="0">
+            <a:schemeClr val="accent1"/>
+          </a:fillRef>
+          <a:effectRef idx="0">
+            <a:schemeClr val="accent1"/>
+          </a:effectRef>
+          <a:fontRef idx="minor">
+            <a:schemeClr val="tx1"/>
+          </a:fontRef>
+        </p:style>
+      </p:cxnSp>
+      <p:sp>
+        <p:nvSpPr>
+          <p:cNvPr id="34" name="文本框 33"/>
+          <p:cNvSpPr txBox="1"/>
+          <p:nvPr/>
+        </p:nvSpPr>
+        <p:spPr>
+          <a:xfrm>
+            <a:off x="3750365" y="4521032"/>
+            <a:ext cx="755374" cy="400110"/>
+          </a:xfrm>
+          <a:prstGeom prst="rect">
+            <a:avLst/>
+          </a:prstGeom>
+          <a:noFill/>
+        </p:spPr>
+        <p:txBody>
+          <a:bodyPr wrap="square" rtlCol="0">
+            <a:spAutoFit/>
+          </a:bodyPr>
+          <a:lstStyle/>
+          <a:p>
+            <a:r>
+              <a:rPr lang="zh-CN" altLang="en-US" sz="2000" b="1" dirty="0"/>
+              <a:t>极冷</a:t>
+            </a:r>
+          </a:p>
+        </p:txBody>
+      </p:sp>
+    </p:spTree>
+    <p:extLst>
+      <p:ext uri="{BB962C8B-B14F-4D97-AF65-F5344CB8AC3E}">
+        <p14:creationId xmlns:p14="http://schemas.microsoft.com/office/powerpoint/2010/main" val="3219963517"/>
       </p:ext>
     </p:extLst>
   </p:cSld>

--- a/图集.pptx
+++ b/图集.pptx
@@ -5,7 +5,7 @@
     <p:sldMasterId id="2147483648" r:id="rId1"/>
   </p:sldMasterIdLst>
   <p:notesMasterIdLst>
-    <p:notesMasterId r:id="rId10"/>
+    <p:notesMasterId r:id="rId11"/>
   </p:notesMasterIdLst>
   <p:sldIdLst>
     <p:sldId id="256" r:id="rId2"/>
@@ -16,6 +16,7 @@
     <p:sldId id="261" r:id="rId7"/>
     <p:sldId id="262" r:id="rId8"/>
     <p:sldId id="263" r:id="rId9"/>
+    <p:sldId id="264" r:id="rId10"/>
   </p:sldIdLst>
   <p:sldSz cx="12192000" cy="6858000"/>
   <p:notesSz cx="6858000" cy="9144000"/>
@@ -204,7 +205,7 @@
           <a:p>
             <a:fld id="{0A5C0070-62FF-4409-B5E8-A38E1A25C249}" type="datetimeFigureOut">
               <a:rPr lang="zh-CN" altLang="en-US" smtClean="0"/>
-              <a:t>2016/11/17</a:t>
+              <a:t>2016/11/19</a:t>
             </a:fld>
             <a:endParaRPr lang="zh-CN" altLang="en-US"/>
           </a:p>
@@ -684,7 +685,7 @@
           <a:p>
             <a:fld id="{5CC46D4B-9541-4BC3-A144-744E4042BCF0}" type="datetimeFigureOut">
               <a:rPr lang="zh-CN" altLang="en-US" smtClean="0"/>
-              <a:t>2016/11/17</a:t>
+              <a:t>2016/11/19</a:t>
             </a:fld>
             <a:endParaRPr lang="zh-CN" altLang="en-US"/>
           </a:p>
@@ -852,7 +853,7 @@
           <a:p>
             <a:fld id="{5CC46D4B-9541-4BC3-A144-744E4042BCF0}" type="datetimeFigureOut">
               <a:rPr lang="zh-CN" altLang="en-US" smtClean="0"/>
-              <a:t>2016/11/17</a:t>
+              <a:t>2016/11/19</a:t>
             </a:fld>
             <a:endParaRPr lang="zh-CN" altLang="en-US"/>
           </a:p>
@@ -1030,7 +1031,7 @@
           <a:p>
             <a:fld id="{5CC46D4B-9541-4BC3-A144-744E4042BCF0}" type="datetimeFigureOut">
               <a:rPr lang="zh-CN" altLang="en-US" smtClean="0"/>
-              <a:t>2016/11/17</a:t>
+              <a:t>2016/11/19</a:t>
             </a:fld>
             <a:endParaRPr lang="zh-CN" altLang="en-US"/>
           </a:p>
@@ -1198,7 +1199,7 @@
           <a:p>
             <a:fld id="{5CC46D4B-9541-4BC3-A144-744E4042BCF0}" type="datetimeFigureOut">
               <a:rPr lang="zh-CN" altLang="en-US" smtClean="0"/>
-              <a:t>2016/11/17</a:t>
+              <a:t>2016/11/19</a:t>
             </a:fld>
             <a:endParaRPr lang="zh-CN" altLang="en-US"/>
           </a:p>
@@ -1443,7 +1444,7 @@
           <a:p>
             <a:fld id="{5CC46D4B-9541-4BC3-A144-744E4042BCF0}" type="datetimeFigureOut">
               <a:rPr lang="zh-CN" altLang="en-US" smtClean="0"/>
-              <a:t>2016/11/17</a:t>
+              <a:t>2016/11/19</a:t>
             </a:fld>
             <a:endParaRPr lang="zh-CN" altLang="en-US"/>
           </a:p>
@@ -1672,7 +1673,7 @@
           <a:p>
             <a:fld id="{5CC46D4B-9541-4BC3-A144-744E4042BCF0}" type="datetimeFigureOut">
               <a:rPr lang="zh-CN" altLang="en-US" smtClean="0"/>
-              <a:t>2016/11/17</a:t>
+              <a:t>2016/11/19</a:t>
             </a:fld>
             <a:endParaRPr lang="zh-CN" altLang="en-US"/>
           </a:p>
@@ -2036,7 +2037,7 @@
           <a:p>
             <a:fld id="{5CC46D4B-9541-4BC3-A144-744E4042BCF0}" type="datetimeFigureOut">
               <a:rPr lang="zh-CN" altLang="en-US" smtClean="0"/>
-              <a:t>2016/11/17</a:t>
+              <a:t>2016/11/19</a:t>
             </a:fld>
             <a:endParaRPr lang="zh-CN" altLang="en-US"/>
           </a:p>
@@ -2153,7 +2154,7 @@
           <a:p>
             <a:fld id="{5CC46D4B-9541-4BC3-A144-744E4042BCF0}" type="datetimeFigureOut">
               <a:rPr lang="zh-CN" altLang="en-US" smtClean="0"/>
-              <a:t>2016/11/17</a:t>
+              <a:t>2016/11/19</a:t>
             </a:fld>
             <a:endParaRPr lang="zh-CN" altLang="en-US"/>
           </a:p>
@@ -2248,7 +2249,7 @@
           <a:p>
             <a:fld id="{5CC46D4B-9541-4BC3-A144-744E4042BCF0}" type="datetimeFigureOut">
               <a:rPr lang="zh-CN" altLang="en-US" smtClean="0"/>
-              <a:t>2016/11/17</a:t>
+              <a:t>2016/11/19</a:t>
             </a:fld>
             <a:endParaRPr lang="zh-CN" altLang="en-US"/>
           </a:p>
@@ -2523,7 +2524,7 @@
           <a:p>
             <a:fld id="{5CC46D4B-9541-4BC3-A144-744E4042BCF0}" type="datetimeFigureOut">
               <a:rPr lang="zh-CN" altLang="en-US" smtClean="0"/>
-              <a:t>2016/11/17</a:t>
+              <a:t>2016/11/19</a:t>
             </a:fld>
             <a:endParaRPr lang="zh-CN" altLang="en-US"/>
           </a:p>
@@ -2775,7 +2776,7 @@
           <a:p>
             <a:fld id="{5CC46D4B-9541-4BC3-A144-744E4042BCF0}" type="datetimeFigureOut">
               <a:rPr lang="zh-CN" altLang="en-US" smtClean="0"/>
-              <a:t>2016/11/17</a:t>
+              <a:t>2016/11/19</a:t>
             </a:fld>
             <a:endParaRPr lang="zh-CN" altLang="en-US"/>
           </a:p>
@@ -2986,7 +2987,7 @@
           <a:p>
             <a:fld id="{5CC46D4B-9541-4BC3-A144-744E4042BCF0}" type="datetimeFigureOut">
               <a:rPr lang="zh-CN" altLang="en-US" smtClean="0"/>
-              <a:t>2016/11/17</a:t>
+              <a:t>2016/11/19</a:t>
             </a:fld>
             <a:endParaRPr lang="zh-CN" altLang="en-US"/>
           </a:p>
@@ -13875,8 +13876,8 @@
           <a:chExt cx="0" cy="0"/>
         </a:xfrm>
       </p:grpSpPr>
-      <mc:AlternateContent xmlns:mc="http://schemas.openxmlformats.org/markup-compatibility/2006">
-        <mc:Choice xmlns:a14="http://schemas.microsoft.com/office/drawing/2010/main" Requires="a14">
+      <mc:AlternateContent xmlns:mc="http://schemas.openxmlformats.org/markup-compatibility/2006" xmlns:a14="http://schemas.microsoft.com/office/drawing/2010/main">
+        <mc:Choice Requires="a14">
           <p:sp>
             <p:nvSpPr>
               <p:cNvPr id="4" name="文本框 3"/>
@@ -13913,11 +13914,15 @@
                       <m:rPr>
                         <m:sty m:val="p"/>
                       </m:rPr>
-                      <a:rPr lang="en-US" altLang="zh-CN"/>
+                      <a:rPr lang="en-US" altLang="zh-CN">
+                        <a:latin typeface="Cambria Math" panose="02040503050406030204" pitchFamily="18" charset="0"/>
+                      </a:rPr>
                       <m:t>D</m:t>
                     </m:r>
                     <m:r>
-                      <a:rPr lang="en-US" altLang="zh-CN"/>
+                      <a:rPr lang="en-US" altLang="zh-CN">
+                        <a:latin typeface="Cambria Math" panose="02040503050406030204" pitchFamily="18" charset="0"/>
+                      </a:rPr>
                       <m:t>=</m:t>
                     </m:r>
                     <m:d>
@@ -13925,7 +13930,7 @@
                         <m:begChr m:val="{"/>
                         <m:endChr m:val="}"/>
                         <m:ctrlPr>
-                          <a:rPr lang="en-US" altLang="zh-CN">
+                          <a:rPr lang="en-US" altLang="zh-CN" i="1">
                             <a:latin typeface="Cambria Math" panose="02040503050406030204" pitchFamily="18" charset="0"/>
                           </a:rPr>
                         </m:ctrlPr>
@@ -13934,64 +13939,86 @@
                         <m:sSub>
                           <m:sSubPr>
                             <m:ctrlPr>
-                              <a:rPr lang="zh-CN" altLang="zh-CN" i="1"/>
+                              <a:rPr lang="zh-CN" altLang="zh-CN" i="1">
+                                <a:latin typeface="Cambria Math" panose="02040503050406030204" pitchFamily="18" charset="0"/>
+                              </a:rPr>
                             </m:ctrlPr>
                           </m:sSubPr>
                           <m:e>
                             <m:r>
-                              <a:rPr lang="en-US" altLang="zh-CN" i="1"/>
+                              <a:rPr lang="en-US" altLang="zh-CN" i="1">
+                                <a:latin typeface="Cambria Math" panose="02040503050406030204" pitchFamily="18" charset="0"/>
+                              </a:rPr>
                               <m:t>𝑥</m:t>
                             </m:r>
                           </m:e>
                           <m:sub>
                             <m:r>
-                              <a:rPr lang="en-US" altLang="zh-CN" i="1"/>
+                              <a:rPr lang="en-US" altLang="zh-CN" i="1">
+                                <a:latin typeface="Cambria Math" panose="02040503050406030204" pitchFamily="18" charset="0"/>
+                              </a:rPr>
                               <m:t>1</m:t>
                             </m:r>
                           </m:sub>
                         </m:sSub>
                         <m:r>
-                          <a:rPr lang="en-US" altLang="zh-CN"/>
+                          <a:rPr lang="en-US" altLang="zh-CN">
+                            <a:latin typeface="Cambria Math" panose="02040503050406030204" pitchFamily="18" charset="0"/>
+                          </a:rPr>
                           <m:t>,</m:t>
                         </m:r>
                         <m:sSub>
                           <m:sSubPr>
                             <m:ctrlPr>
-                              <a:rPr lang="zh-CN" altLang="zh-CN" i="1"/>
+                              <a:rPr lang="zh-CN" altLang="zh-CN" i="1">
+                                <a:latin typeface="Cambria Math" panose="02040503050406030204" pitchFamily="18" charset="0"/>
+                              </a:rPr>
                             </m:ctrlPr>
                           </m:sSubPr>
                           <m:e>
                             <m:r>
-                              <a:rPr lang="en-US" altLang="zh-CN" i="1"/>
+                              <a:rPr lang="en-US" altLang="zh-CN" i="1">
+                                <a:latin typeface="Cambria Math" panose="02040503050406030204" pitchFamily="18" charset="0"/>
+                              </a:rPr>
                               <m:t>𝑥</m:t>
                             </m:r>
                           </m:e>
                           <m:sub>
                             <m:r>
-                              <a:rPr lang="en-US" altLang="zh-CN" i="1"/>
+                              <a:rPr lang="en-US" altLang="zh-CN" i="1">
+                                <a:latin typeface="Cambria Math" panose="02040503050406030204" pitchFamily="18" charset="0"/>
+                              </a:rPr>
                               <m:t>2</m:t>
                             </m:r>
                           </m:sub>
                         </m:sSub>
                         <m:r>
-                          <a:rPr lang="en-US" altLang="zh-CN"/>
+                          <a:rPr lang="en-US" altLang="zh-CN">
+                            <a:latin typeface="Cambria Math" panose="02040503050406030204" pitchFamily="18" charset="0"/>
+                          </a:rPr>
                           <m:t>,…,</m:t>
                         </m:r>
                         <m:sSub>
                           <m:sSubPr>
                             <m:ctrlPr>
-                              <a:rPr lang="zh-CN" altLang="zh-CN" i="1"/>
+                              <a:rPr lang="zh-CN" altLang="zh-CN" i="1">
+                                <a:latin typeface="Cambria Math" panose="02040503050406030204" pitchFamily="18" charset="0"/>
+                              </a:rPr>
                             </m:ctrlPr>
                           </m:sSubPr>
                           <m:e>
                             <m:r>
-                              <a:rPr lang="en-US" altLang="zh-CN" i="1"/>
+                              <a:rPr lang="en-US" altLang="zh-CN" i="1">
+                                <a:latin typeface="Cambria Math" panose="02040503050406030204" pitchFamily="18" charset="0"/>
+                              </a:rPr>
                               <m:t>𝑥</m:t>
                             </m:r>
                           </m:e>
                           <m:sub>
                             <m:r>
-                              <a:rPr lang="en-US" altLang="zh-CN" i="1"/>
+                              <a:rPr lang="en-US" altLang="zh-CN" i="1">
+                                <a:latin typeface="Cambria Math" panose="02040503050406030204" pitchFamily="18" charset="0"/>
+                              </a:rPr>
                               <m:t>𝑚</m:t>
                             </m:r>
                           </m:sub>
@@ -14022,18 +14049,24 @@
                     <m:sSup>
                       <m:sSupPr>
                         <m:ctrlPr>
-                          <a:rPr lang="zh-CN" altLang="zh-CN" i="1"/>
+                          <a:rPr lang="zh-CN" altLang="zh-CN" i="1">
+                            <a:latin typeface="Cambria Math" panose="02040503050406030204" pitchFamily="18" charset="0"/>
+                          </a:rPr>
                         </m:ctrlPr>
                       </m:sSupPr>
                       <m:e>
                         <m:r>
-                          <a:rPr lang="en-US" altLang="zh-CN" i="1"/>
+                          <a:rPr lang="en-US" altLang="zh-CN" i="1">
+                            <a:latin typeface="Cambria Math" panose="02040503050406030204" pitchFamily="18" charset="0"/>
+                          </a:rPr>
                           <m:t>𝑑</m:t>
                         </m:r>
                       </m:e>
                       <m:sup>
                         <m:r>
-                          <a:rPr lang="en-US" altLang="zh-CN" i="1"/>
+                          <a:rPr lang="en-US" altLang="zh-CN" i="1">
+                            <a:latin typeface="Cambria Math" panose="02040503050406030204" pitchFamily="18" charset="0"/>
+                          </a:rPr>
                           <m:t>′</m:t>
                         </m:r>
                       </m:sup>
@@ -14067,64 +14100,86 @@
                     <m:sSub>
                       <m:sSubPr>
                         <m:ctrlPr>
-                          <a:rPr lang="zh-CN" altLang="zh-CN" i="1"/>
+                          <a:rPr lang="zh-CN" altLang="zh-CN" i="1">
+                            <a:latin typeface="Cambria Math" panose="02040503050406030204" pitchFamily="18" charset="0"/>
+                          </a:rPr>
                         </m:ctrlPr>
                       </m:sSubPr>
                       <m:e>
                         <m:r>
-                          <a:rPr lang="en-US" altLang="zh-CN" i="1"/>
+                          <a:rPr lang="en-US" altLang="zh-CN" i="1">
+                            <a:latin typeface="Cambria Math" panose="02040503050406030204" pitchFamily="18" charset="0"/>
+                          </a:rPr>
                           <m:t>𝑥</m:t>
                         </m:r>
                       </m:e>
                       <m:sub>
                         <m:r>
-                          <a:rPr lang="en-US" altLang="zh-CN" i="1"/>
+                          <a:rPr lang="en-US" altLang="zh-CN" i="1">
+                            <a:latin typeface="Cambria Math" panose="02040503050406030204" pitchFamily="18" charset="0"/>
+                          </a:rPr>
                           <m:t>𝑖</m:t>
                         </m:r>
                       </m:sub>
                     </m:sSub>
                     <m:r>
-                      <a:rPr lang="zh-CN" altLang="zh-CN" i="1"/>
+                      <a:rPr lang="zh-CN" altLang="zh-CN" i="1">
+                        <a:latin typeface="Cambria Math" panose="02040503050406030204" pitchFamily="18" charset="0"/>
+                      </a:rPr>
                       <m:t>←</m:t>
                     </m:r>
                     <m:sSub>
                       <m:sSubPr>
                         <m:ctrlPr>
-                          <a:rPr lang="zh-CN" altLang="zh-CN" i="1"/>
+                          <a:rPr lang="zh-CN" altLang="zh-CN" i="1">
+                            <a:latin typeface="Cambria Math" panose="02040503050406030204" pitchFamily="18" charset="0"/>
+                          </a:rPr>
                         </m:ctrlPr>
                       </m:sSubPr>
                       <m:e>
                         <m:r>
-                          <a:rPr lang="en-US" altLang="zh-CN" i="1"/>
+                          <a:rPr lang="en-US" altLang="zh-CN" i="1">
+                            <a:latin typeface="Cambria Math" panose="02040503050406030204" pitchFamily="18" charset="0"/>
+                          </a:rPr>
                           <m:t>𝑥</m:t>
                         </m:r>
                       </m:e>
                       <m:sub>
                         <m:r>
-                          <a:rPr lang="en-US" altLang="zh-CN" i="1"/>
+                          <a:rPr lang="en-US" altLang="zh-CN" i="1">
+                            <a:latin typeface="Cambria Math" panose="02040503050406030204" pitchFamily="18" charset="0"/>
+                          </a:rPr>
                           <m:t>𝑖</m:t>
                         </m:r>
                       </m:sub>
                     </m:sSub>
                     <m:r>
-                      <a:rPr lang="en-US" altLang="zh-CN" i="1"/>
+                      <a:rPr lang="en-US" altLang="zh-CN" i="1">
+                        <a:latin typeface="Cambria Math" panose="02040503050406030204" pitchFamily="18" charset="0"/>
+                      </a:rPr>
                       <m:t>−</m:t>
                     </m:r>
                     <m:f>
                       <m:fPr>
                         <m:ctrlPr>
-                          <a:rPr lang="zh-CN" altLang="zh-CN" i="1"/>
+                          <a:rPr lang="zh-CN" altLang="zh-CN" i="1">
+                            <a:latin typeface="Cambria Math" panose="02040503050406030204" pitchFamily="18" charset="0"/>
+                          </a:rPr>
                         </m:ctrlPr>
                       </m:fPr>
                       <m:num>
                         <m:r>
-                          <a:rPr lang="en-US" altLang="zh-CN" i="1"/>
+                          <a:rPr lang="en-US" altLang="zh-CN" i="1">
+                            <a:latin typeface="Cambria Math" panose="02040503050406030204" pitchFamily="18" charset="0"/>
+                          </a:rPr>
                           <m:t>1</m:t>
                         </m:r>
                       </m:num>
                       <m:den>
                         <m:r>
-                          <a:rPr lang="en-US" altLang="zh-CN" i="1"/>
+                          <a:rPr lang="en-US" altLang="zh-CN" i="1">
+                            <a:latin typeface="Cambria Math" panose="02040503050406030204" pitchFamily="18" charset="0"/>
+                          </a:rPr>
                           <m:t>𝑚</m:t>
                         </m:r>
                       </m:den>
@@ -14134,22 +14189,30 @@
                         <m:chr m:val="∑"/>
                         <m:limLoc m:val="subSup"/>
                         <m:ctrlPr>
-                          <a:rPr lang="zh-CN" altLang="zh-CN" i="1"/>
+                          <a:rPr lang="zh-CN" altLang="zh-CN" i="1">
+                            <a:latin typeface="Cambria Math" panose="02040503050406030204" pitchFamily="18" charset="0"/>
+                          </a:rPr>
                         </m:ctrlPr>
                       </m:naryPr>
                       <m:sub>
                         <m:r>
-                          <a:rPr lang="en-US" altLang="zh-CN" i="1"/>
+                          <a:rPr lang="en-US" altLang="zh-CN" i="1">
+                            <a:latin typeface="Cambria Math" panose="02040503050406030204" pitchFamily="18" charset="0"/>
+                          </a:rPr>
                           <m:t>𝑖</m:t>
                         </m:r>
                         <m:r>
-                          <a:rPr lang="en-US" altLang="zh-CN" i="1"/>
+                          <a:rPr lang="en-US" altLang="zh-CN" i="1">
+                            <a:latin typeface="Cambria Math" panose="02040503050406030204" pitchFamily="18" charset="0"/>
+                          </a:rPr>
                           <m:t>=1</m:t>
                         </m:r>
                       </m:sub>
                       <m:sup>
                         <m:r>
-                          <a:rPr lang="en-US" altLang="zh-CN" i="1"/>
+                          <a:rPr lang="en-US" altLang="zh-CN" i="1">
+                            <a:latin typeface="Cambria Math" panose="02040503050406030204" pitchFamily="18" charset="0"/>
+                          </a:rPr>
                           <m:t>𝑚</m:t>
                         </m:r>
                       </m:sup>
@@ -14157,18 +14220,24 @@
                         <m:sSub>
                           <m:sSubPr>
                             <m:ctrlPr>
-                              <a:rPr lang="zh-CN" altLang="zh-CN" i="1"/>
+                              <a:rPr lang="zh-CN" altLang="zh-CN" i="1">
+                                <a:latin typeface="Cambria Math" panose="02040503050406030204" pitchFamily="18" charset="0"/>
+                              </a:rPr>
                             </m:ctrlPr>
                           </m:sSubPr>
                           <m:e>
                             <m:r>
-                              <a:rPr lang="en-US" altLang="zh-CN" i="1"/>
+                              <a:rPr lang="en-US" altLang="zh-CN" i="1">
+                                <a:latin typeface="Cambria Math" panose="02040503050406030204" pitchFamily="18" charset="0"/>
+                              </a:rPr>
                               <m:t>𝑥</m:t>
                             </m:r>
                           </m:e>
                           <m:sub>
                             <m:r>
-                              <a:rPr lang="en-US" altLang="zh-CN" i="1"/>
+                              <a:rPr lang="en-US" altLang="zh-CN" i="1">
+                                <a:latin typeface="Cambria Math" panose="02040503050406030204" pitchFamily="18" charset="0"/>
+                              </a:rPr>
                               <m:t>𝑖</m:t>
                             </m:r>
                           </m:sub>
@@ -14194,24 +14263,32 @@
                 <a14:m>
                   <m:oMath xmlns:m="http://schemas.openxmlformats.org/officeDocument/2006/math">
                     <m:r>
-                      <a:rPr lang="en-US" altLang="zh-CN" i="1"/>
+                      <a:rPr lang="en-US" altLang="zh-CN" i="1">
+                        <a:latin typeface="Cambria Math" panose="02040503050406030204" pitchFamily="18" charset="0"/>
+                      </a:rPr>
                       <m:t>𝑋</m:t>
                     </m:r>
                     <m:sSup>
                       <m:sSupPr>
                         <m:ctrlPr>
-                          <a:rPr lang="zh-CN" altLang="zh-CN" i="1"/>
+                          <a:rPr lang="zh-CN" altLang="zh-CN" i="1">
+                            <a:latin typeface="Cambria Math" panose="02040503050406030204" pitchFamily="18" charset="0"/>
+                          </a:rPr>
                         </m:ctrlPr>
                       </m:sSupPr>
                       <m:e>
                         <m:r>
-                          <a:rPr lang="en-US" altLang="zh-CN" i="1"/>
+                          <a:rPr lang="en-US" altLang="zh-CN" i="1">
+                            <a:latin typeface="Cambria Math" panose="02040503050406030204" pitchFamily="18" charset="0"/>
+                          </a:rPr>
                           <m:t>𝑋</m:t>
                         </m:r>
                       </m:e>
                       <m:sup>
                         <m:r>
-                          <a:rPr lang="en-US" altLang="zh-CN" i="1"/>
+                          <a:rPr lang="en-US" altLang="zh-CN" i="1">
+                            <a:latin typeface="Cambria Math" panose="02040503050406030204" pitchFamily="18" charset="0"/>
+                          </a:rPr>
                           <m:t>𝑇</m:t>
                         </m:r>
                       </m:sup>
@@ -14235,24 +14312,32 @@
                 <a14:m>
                   <m:oMath xmlns:m="http://schemas.openxmlformats.org/officeDocument/2006/math">
                     <m:r>
-                      <a:rPr lang="en-US" altLang="zh-CN" i="1"/>
+                      <a:rPr lang="en-US" altLang="zh-CN" i="1">
+                        <a:latin typeface="Cambria Math" panose="02040503050406030204" pitchFamily="18" charset="0"/>
+                      </a:rPr>
                       <m:t>𝑋</m:t>
                     </m:r>
                     <m:sSup>
                       <m:sSupPr>
                         <m:ctrlPr>
-                          <a:rPr lang="zh-CN" altLang="zh-CN" i="1"/>
+                          <a:rPr lang="zh-CN" altLang="zh-CN" i="1">
+                            <a:latin typeface="Cambria Math" panose="02040503050406030204" pitchFamily="18" charset="0"/>
+                          </a:rPr>
                         </m:ctrlPr>
                       </m:sSupPr>
                       <m:e>
                         <m:r>
-                          <a:rPr lang="en-US" altLang="zh-CN" i="1"/>
+                          <a:rPr lang="en-US" altLang="zh-CN" i="1">
+                            <a:latin typeface="Cambria Math" panose="02040503050406030204" pitchFamily="18" charset="0"/>
+                          </a:rPr>
                           <m:t>𝑋</m:t>
                         </m:r>
                       </m:e>
                       <m:sup>
                         <m:r>
-                          <a:rPr lang="en-US" altLang="zh-CN" i="1"/>
+                          <a:rPr lang="en-US" altLang="zh-CN" i="1">
+                            <a:latin typeface="Cambria Math" panose="02040503050406030204" pitchFamily="18" charset="0"/>
+                          </a:rPr>
                           <m:t>𝑇</m:t>
                         </m:r>
                       </m:sup>
@@ -14321,58 +14406,78 @@
                     <m:sSub>
                       <m:sSubPr>
                         <m:ctrlPr>
-                          <a:rPr lang="zh-CN" altLang="zh-CN" i="1"/>
+                          <a:rPr lang="zh-CN" altLang="zh-CN" i="1">
+                            <a:latin typeface="Cambria Math" panose="02040503050406030204" pitchFamily="18" charset="0"/>
+                          </a:rPr>
                         </m:ctrlPr>
                       </m:sSubPr>
                       <m:e>
                         <m:r>
-                          <a:rPr lang="en-US" altLang="zh-CN" i="1"/>
+                          <a:rPr lang="en-US" altLang="zh-CN" i="1">
+                            <a:latin typeface="Cambria Math" panose="02040503050406030204" pitchFamily="18" charset="0"/>
+                          </a:rPr>
                           <m:t>𝑤</m:t>
                         </m:r>
                       </m:e>
                       <m:sub>
                         <m:r>
-                          <a:rPr lang="en-US" altLang="zh-CN" i="1"/>
+                          <a:rPr lang="en-US" altLang="zh-CN" i="1">
+                            <a:latin typeface="Cambria Math" panose="02040503050406030204" pitchFamily="18" charset="0"/>
+                          </a:rPr>
                           <m:t>1</m:t>
                         </m:r>
                       </m:sub>
                     </m:sSub>
                     <m:r>
-                      <a:rPr lang="en-US" altLang="zh-CN"/>
+                      <a:rPr lang="en-US" altLang="zh-CN">
+                        <a:latin typeface="Cambria Math" panose="02040503050406030204" pitchFamily="18" charset="0"/>
+                      </a:rPr>
                       <m:t>,</m:t>
                     </m:r>
                     <m:sSub>
                       <m:sSubPr>
                         <m:ctrlPr>
-                          <a:rPr lang="zh-CN" altLang="zh-CN" i="1"/>
+                          <a:rPr lang="zh-CN" altLang="zh-CN" i="1">
+                            <a:latin typeface="Cambria Math" panose="02040503050406030204" pitchFamily="18" charset="0"/>
+                          </a:rPr>
                         </m:ctrlPr>
                       </m:sSubPr>
                       <m:e>
                         <m:r>
-                          <a:rPr lang="en-US" altLang="zh-CN" i="1"/>
+                          <a:rPr lang="en-US" altLang="zh-CN" i="1">
+                            <a:latin typeface="Cambria Math" panose="02040503050406030204" pitchFamily="18" charset="0"/>
+                          </a:rPr>
                           <m:t>𝑤</m:t>
                         </m:r>
                       </m:e>
                       <m:sub>
                         <m:r>
-                          <a:rPr lang="en-US" altLang="zh-CN" i="1"/>
+                          <a:rPr lang="en-US" altLang="zh-CN" i="1">
+                            <a:latin typeface="Cambria Math" panose="02040503050406030204" pitchFamily="18" charset="0"/>
+                          </a:rPr>
                           <m:t>2</m:t>
                         </m:r>
                       </m:sub>
                     </m:sSub>
                     <m:r>
-                      <a:rPr lang="en-US" altLang="zh-CN"/>
+                      <a:rPr lang="en-US" altLang="zh-CN">
+                        <a:latin typeface="Cambria Math" panose="02040503050406030204" pitchFamily="18" charset="0"/>
+                      </a:rPr>
                       <m:t>,…,</m:t>
                     </m:r>
                     <m:sSub>
                       <m:sSubPr>
                         <m:ctrlPr>
-                          <a:rPr lang="zh-CN" altLang="zh-CN" i="1"/>
+                          <a:rPr lang="zh-CN" altLang="zh-CN" i="1">
+                            <a:latin typeface="Cambria Math" panose="02040503050406030204" pitchFamily="18" charset="0"/>
+                          </a:rPr>
                         </m:ctrlPr>
                       </m:sSubPr>
                       <m:e>
                         <m:r>
-                          <a:rPr lang="en-US" altLang="zh-CN" i="1"/>
+                          <a:rPr lang="en-US" altLang="zh-CN" i="1">
+                            <a:latin typeface="Cambria Math" panose="02040503050406030204" pitchFamily="18" charset="0"/>
+                          </a:rPr>
                           <m:t>𝑤</m:t>
                         </m:r>
                       </m:e>
@@ -14380,18 +14485,24 @@
                         <m:sSup>
                           <m:sSupPr>
                             <m:ctrlPr>
-                              <a:rPr lang="zh-CN" altLang="zh-CN" i="1"/>
+                              <a:rPr lang="zh-CN" altLang="zh-CN" i="1">
+                                <a:latin typeface="Cambria Math" panose="02040503050406030204" pitchFamily="18" charset="0"/>
+                              </a:rPr>
                             </m:ctrlPr>
                           </m:sSupPr>
                           <m:e>
                             <m:r>
-                              <a:rPr lang="en-US" altLang="zh-CN" i="1"/>
+                              <a:rPr lang="en-US" altLang="zh-CN" i="1">
+                                <a:latin typeface="Cambria Math" panose="02040503050406030204" pitchFamily="18" charset="0"/>
+                              </a:rPr>
                               <m:t>𝑑</m:t>
                             </m:r>
                           </m:e>
                           <m:sup>
                             <m:r>
-                              <a:rPr lang="en-US" altLang="zh-CN" i="1"/>
+                              <a:rPr lang="en-US" altLang="zh-CN" i="1">
+                                <a:latin typeface="Cambria Math" panose="02040503050406030204" pitchFamily="18" charset="0"/>
+                              </a:rPr>
                               <m:t>′</m:t>
                             </m:r>
                           </m:sup>
@@ -14423,17 +14534,21 @@
                       <m:rPr>
                         <m:sty m:val="p"/>
                       </m:rPr>
-                      <a:rPr lang="en-US" altLang="zh-CN"/>
+                      <a:rPr lang="en-US" altLang="zh-CN">
+                        <a:latin typeface="Cambria Math" panose="02040503050406030204" pitchFamily="18" charset="0"/>
+                      </a:rPr>
                       <m:t>W</m:t>
                     </m:r>
                     <m:r>
-                      <a:rPr lang="en-US" altLang="zh-CN"/>
+                      <a:rPr lang="en-US" altLang="zh-CN">
+                        <a:latin typeface="Cambria Math" panose="02040503050406030204" pitchFamily="18" charset="0"/>
+                      </a:rPr>
                       <m:t>=</m:t>
                     </m:r>
                     <m:d>
                       <m:dPr>
                         <m:ctrlPr>
-                          <a:rPr lang="en-US" altLang="zh-CN">
+                          <a:rPr lang="en-US" altLang="zh-CN" i="1">
                             <a:latin typeface="Cambria Math" panose="02040503050406030204" pitchFamily="18" charset="0"/>
                           </a:rPr>
                         </m:ctrlPr>
@@ -14442,58 +14557,78 @@
                         <m:sSub>
                           <m:sSubPr>
                             <m:ctrlPr>
-                              <a:rPr lang="zh-CN" altLang="zh-CN" i="1"/>
+                              <a:rPr lang="zh-CN" altLang="zh-CN" i="1">
+                                <a:latin typeface="Cambria Math" panose="02040503050406030204" pitchFamily="18" charset="0"/>
+                              </a:rPr>
                             </m:ctrlPr>
                           </m:sSubPr>
                           <m:e>
                             <m:r>
-                              <a:rPr lang="en-US" altLang="zh-CN" i="1"/>
+                              <a:rPr lang="en-US" altLang="zh-CN" i="1">
+                                <a:latin typeface="Cambria Math" panose="02040503050406030204" pitchFamily="18" charset="0"/>
+                              </a:rPr>
                               <m:t>𝑤</m:t>
                             </m:r>
                           </m:e>
                           <m:sub>
                             <m:r>
-                              <a:rPr lang="en-US" altLang="zh-CN" i="1"/>
+                              <a:rPr lang="en-US" altLang="zh-CN" i="1">
+                                <a:latin typeface="Cambria Math" panose="02040503050406030204" pitchFamily="18" charset="0"/>
+                              </a:rPr>
                               <m:t>1</m:t>
                             </m:r>
                           </m:sub>
                         </m:sSub>
                         <m:r>
-                          <a:rPr lang="en-US" altLang="zh-CN"/>
+                          <a:rPr lang="en-US" altLang="zh-CN">
+                            <a:latin typeface="Cambria Math" panose="02040503050406030204" pitchFamily="18" charset="0"/>
+                          </a:rPr>
                           <m:t>,</m:t>
                         </m:r>
                         <m:sSub>
                           <m:sSubPr>
                             <m:ctrlPr>
-                              <a:rPr lang="zh-CN" altLang="zh-CN" i="1"/>
+                              <a:rPr lang="zh-CN" altLang="zh-CN" i="1">
+                                <a:latin typeface="Cambria Math" panose="02040503050406030204" pitchFamily="18" charset="0"/>
+                              </a:rPr>
                             </m:ctrlPr>
                           </m:sSubPr>
                           <m:e>
                             <m:r>
-                              <a:rPr lang="en-US" altLang="zh-CN" i="1"/>
+                              <a:rPr lang="en-US" altLang="zh-CN" i="1">
+                                <a:latin typeface="Cambria Math" panose="02040503050406030204" pitchFamily="18" charset="0"/>
+                              </a:rPr>
                               <m:t>𝑤</m:t>
                             </m:r>
                           </m:e>
                           <m:sub>
                             <m:r>
-                              <a:rPr lang="en-US" altLang="zh-CN" i="1"/>
+                              <a:rPr lang="en-US" altLang="zh-CN" i="1">
+                                <a:latin typeface="Cambria Math" panose="02040503050406030204" pitchFamily="18" charset="0"/>
+                              </a:rPr>
                               <m:t>2</m:t>
                             </m:r>
                           </m:sub>
                         </m:sSub>
                         <m:r>
-                          <a:rPr lang="en-US" altLang="zh-CN"/>
+                          <a:rPr lang="en-US" altLang="zh-CN">
+                            <a:latin typeface="Cambria Math" panose="02040503050406030204" pitchFamily="18" charset="0"/>
+                          </a:rPr>
                           <m:t>,…,</m:t>
                         </m:r>
                         <m:sSub>
                           <m:sSubPr>
                             <m:ctrlPr>
-                              <a:rPr lang="zh-CN" altLang="zh-CN" i="1"/>
+                              <a:rPr lang="zh-CN" altLang="zh-CN" i="1">
+                                <a:latin typeface="Cambria Math" panose="02040503050406030204" pitchFamily="18" charset="0"/>
+                              </a:rPr>
                             </m:ctrlPr>
                           </m:sSubPr>
                           <m:e>
                             <m:r>
-                              <a:rPr lang="en-US" altLang="zh-CN" i="1"/>
+                              <a:rPr lang="en-US" altLang="zh-CN" i="1">
+                                <a:latin typeface="Cambria Math" panose="02040503050406030204" pitchFamily="18" charset="0"/>
+                              </a:rPr>
                               <m:t>𝑤</m:t>
                             </m:r>
                           </m:e>
@@ -14501,18 +14636,24 @@
                             <m:sSup>
                               <m:sSupPr>
                                 <m:ctrlPr>
-                                  <a:rPr lang="zh-CN" altLang="zh-CN" i="1"/>
+                                  <a:rPr lang="zh-CN" altLang="zh-CN" i="1">
+                                    <a:latin typeface="Cambria Math" panose="02040503050406030204" pitchFamily="18" charset="0"/>
+                                  </a:rPr>
                                 </m:ctrlPr>
                               </m:sSupPr>
                               <m:e>
                                 <m:r>
-                                  <a:rPr lang="en-US" altLang="zh-CN" i="1"/>
+                                  <a:rPr lang="en-US" altLang="zh-CN" i="1">
+                                    <a:latin typeface="Cambria Math" panose="02040503050406030204" pitchFamily="18" charset="0"/>
+                                  </a:rPr>
                                   <m:t>𝑑</m:t>
                                 </m:r>
                               </m:e>
                               <m:sup>
                                 <m:r>
-                                  <a:rPr lang="en-US" altLang="zh-CN" i="1"/>
+                                  <a:rPr lang="en-US" altLang="zh-CN" i="1">
+                                    <a:latin typeface="Cambria Math" panose="02040503050406030204" pitchFamily="18" charset="0"/>
+                                  </a:rPr>
                                   <m:t>′</m:t>
                                 </m:r>
                               </m:sup>
@@ -14534,7 +14675,7 @@
             </p:txBody>
           </p:sp>
         </mc:Choice>
-        <mc:Fallback>
+        <mc:Fallback xmlns="">
           <p:sp>
             <p:nvSpPr>
               <p:cNvPr id="4" name="文本框 3"/>
@@ -15841,6 +15982,1466 @@
     <p:extLst>
       <p:ext uri="{BB962C8B-B14F-4D97-AF65-F5344CB8AC3E}">
         <p14:creationId xmlns:p14="http://schemas.microsoft.com/office/powerpoint/2010/main" val="3219963517"/>
+      </p:ext>
+    </p:extLst>
+  </p:cSld>
+  <p:clrMapOvr>
+    <a:masterClrMapping/>
+  </p:clrMapOvr>
+</p:sld>
+</file>
+
+<file path=ppt/slides/slide9.xml><?xml version="1.0" encoding="utf-8"?>
+<p:sld xmlns:a="http://schemas.openxmlformats.org/drawingml/2006/main" xmlns:r="http://schemas.openxmlformats.org/officeDocument/2006/relationships" xmlns:p="http://schemas.openxmlformats.org/presentationml/2006/main">
+  <p:cSld>
+    <p:spTree>
+      <p:nvGrpSpPr>
+        <p:cNvPr id="1" name=""/>
+        <p:cNvGrpSpPr/>
+        <p:nvPr/>
+      </p:nvGrpSpPr>
+      <p:grpSpPr>
+        <a:xfrm>
+          <a:off x="0" y="0"/>
+          <a:ext cx="0" cy="0"/>
+          <a:chOff x="0" y="0"/>
+          <a:chExt cx="0" cy="0"/>
+        </a:xfrm>
+      </p:grpSpPr>
+      <p:sp>
+        <p:nvSpPr>
+          <p:cNvPr id="4" name="矩形: 圆角 3"/>
+          <p:cNvSpPr/>
+          <p:nvPr/>
+        </p:nvSpPr>
+        <p:spPr>
+          <a:xfrm>
+            <a:off x="2050742" y="2654423"/>
+            <a:ext cx="1003176" cy="639192"/>
+          </a:xfrm>
+          <a:prstGeom prst="roundRect">
+            <a:avLst/>
+          </a:prstGeom>
+        </p:spPr>
+        <p:style>
+          <a:lnRef idx="2">
+            <a:schemeClr val="dk1"/>
+          </a:lnRef>
+          <a:fillRef idx="1">
+            <a:schemeClr val="lt1"/>
+          </a:fillRef>
+          <a:effectRef idx="0">
+            <a:schemeClr val="dk1"/>
+          </a:effectRef>
+          <a:fontRef idx="minor">
+            <a:schemeClr val="dk1"/>
+          </a:fontRef>
+        </p:style>
+        <p:txBody>
+          <a:bodyPr rtlCol="0" anchor="ctr"/>
+          <a:lstStyle/>
+          <a:p>
+            <a:pPr algn="ctr"/>
+            <a:r>
+              <a:rPr lang="zh-CN" altLang="en-US" sz="2400" dirty="0"/>
+              <a:t>被试</a:t>
+            </a:r>
+          </a:p>
+        </p:txBody>
+      </p:sp>
+      <p:sp>
+        <p:nvSpPr>
+          <p:cNvPr id="5" name="矩形: 圆角 4"/>
+          <p:cNvSpPr/>
+          <p:nvPr/>
+        </p:nvSpPr>
+        <p:spPr>
+          <a:xfrm>
+            <a:off x="2886723" y="4350057"/>
+            <a:ext cx="1081596" cy="596283"/>
+          </a:xfrm>
+          <a:prstGeom prst="roundRect">
+            <a:avLst/>
+          </a:prstGeom>
+        </p:spPr>
+        <p:style>
+          <a:lnRef idx="2">
+            <a:schemeClr val="dk1"/>
+          </a:lnRef>
+          <a:fillRef idx="1">
+            <a:schemeClr val="lt1"/>
+          </a:fillRef>
+          <a:effectRef idx="0">
+            <a:schemeClr val="dk1"/>
+          </a:effectRef>
+          <a:fontRef idx="minor">
+            <a:schemeClr val="dk1"/>
+          </a:fontRef>
+        </p:style>
+        <p:txBody>
+          <a:bodyPr rtlCol="0" anchor="ctr"/>
+          <a:lstStyle/>
+          <a:p>
+            <a:pPr algn="ctr"/>
+            <a:r>
+              <a:rPr lang="en-US" altLang="zh-CN" sz="2000" dirty="0"/>
+              <a:t>VR</a:t>
+            </a:r>
+            <a:r>
+              <a:rPr lang="zh-CN" altLang="en-US" sz="2000" dirty="0"/>
+              <a:t>头显</a:t>
+            </a:r>
+          </a:p>
+        </p:txBody>
+      </p:sp>
+      <p:sp>
+        <p:nvSpPr>
+          <p:cNvPr id="6" name="矩形: 圆角 5"/>
+          <p:cNvSpPr/>
+          <p:nvPr/>
+        </p:nvSpPr>
+        <p:spPr>
+          <a:xfrm>
+            <a:off x="4776186" y="4270158"/>
+            <a:ext cx="1452978" cy="759780"/>
+          </a:xfrm>
+          <a:prstGeom prst="roundRect">
+            <a:avLst/>
+          </a:prstGeom>
+        </p:spPr>
+        <p:style>
+          <a:lnRef idx="2">
+            <a:schemeClr val="dk1"/>
+          </a:lnRef>
+          <a:fillRef idx="1">
+            <a:schemeClr val="lt1"/>
+          </a:fillRef>
+          <a:effectRef idx="0">
+            <a:schemeClr val="dk1"/>
+          </a:effectRef>
+          <a:fontRef idx="minor">
+            <a:schemeClr val="dk1"/>
+          </a:fontRef>
+        </p:style>
+        <p:txBody>
+          <a:bodyPr rot="0" spcFirstLastPara="0" vert="horz" wrap="square" lIns="91440" tIns="45720" rIns="91440" bIns="45720" numCol="1" spcCol="0" rtlCol="0" fromWordArt="0" anchor="ctr" anchorCtr="0" forceAA="0" compatLnSpc="1">
+            <a:prstTxWarp prst="textNoShape">
+              <a:avLst/>
+            </a:prstTxWarp>
+            <a:noAutofit/>
+          </a:bodyPr>
+          <a:lstStyle>
+            <a:defPPr>
+              <a:defRPr lang="zh-CN"/>
+            </a:defPPr>
+            <a:lvl1pPr marL="0" algn="l" defTabSz="914400" rtl="0" eaLnBrk="1" latinLnBrk="0" hangingPunct="1">
+              <a:defRPr sz="1800" kern="1200">
+                <a:solidFill>
+                  <a:schemeClr val="dk1"/>
+                </a:solidFill>
+                <a:latin typeface="+mn-lt"/>
+                <a:ea typeface="+mn-ea"/>
+                <a:cs typeface="+mn-cs"/>
+              </a:defRPr>
+            </a:lvl1pPr>
+            <a:lvl2pPr marL="457200" algn="l" defTabSz="914400" rtl="0" eaLnBrk="1" latinLnBrk="0" hangingPunct="1">
+              <a:defRPr sz="1800" kern="1200">
+                <a:solidFill>
+                  <a:schemeClr val="dk1"/>
+                </a:solidFill>
+                <a:latin typeface="+mn-lt"/>
+                <a:ea typeface="+mn-ea"/>
+                <a:cs typeface="+mn-cs"/>
+              </a:defRPr>
+            </a:lvl2pPr>
+            <a:lvl3pPr marL="914400" algn="l" defTabSz="914400" rtl="0" eaLnBrk="1" latinLnBrk="0" hangingPunct="1">
+              <a:defRPr sz="1800" kern="1200">
+                <a:solidFill>
+                  <a:schemeClr val="dk1"/>
+                </a:solidFill>
+                <a:latin typeface="+mn-lt"/>
+                <a:ea typeface="+mn-ea"/>
+                <a:cs typeface="+mn-cs"/>
+              </a:defRPr>
+            </a:lvl3pPr>
+            <a:lvl4pPr marL="1371600" algn="l" defTabSz="914400" rtl="0" eaLnBrk="1" latinLnBrk="0" hangingPunct="1">
+              <a:defRPr sz="1800" kern="1200">
+                <a:solidFill>
+                  <a:schemeClr val="dk1"/>
+                </a:solidFill>
+                <a:latin typeface="+mn-lt"/>
+                <a:ea typeface="+mn-ea"/>
+                <a:cs typeface="+mn-cs"/>
+              </a:defRPr>
+            </a:lvl4pPr>
+            <a:lvl5pPr marL="1828800" algn="l" defTabSz="914400" rtl="0" eaLnBrk="1" latinLnBrk="0" hangingPunct="1">
+              <a:defRPr sz="1800" kern="1200">
+                <a:solidFill>
+                  <a:schemeClr val="dk1"/>
+                </a:solidFill>
+                <a:latin typeface="+mn-lt"/>
+                <a:ea typeface="+mn-ea"/>
+                <a:cs typeface="+mn-cs"/>
+              </a:defRPr>
+            </a:lvl5pPr>
+            <a:lvl6pPr marL="2286000" algn="l" defTabSz="914400" rtl="0" eaLnBrk="1" latinLnBrk="0" hangingPunct="1">
+              <a:defRPr sz="1800" kern="1200">
+                <a:solidFill>
+                  <a:schemeClr val="dk1"/>
+                </a:solidFill>
+                <a:latin typeface="+mn-lt"/>
+                <a:ea typeface="+mn-ea"/>
+                <a:cs typeface="+mn-cs"/>
+              </a:defRPr>
+            </a:lvl6pPr>
+            <a:lvl7pPr marL="2743200" algn="l" defTabSz="914400" rtl="0" eaLnBrk="1" latinLnBrk="0" hangingPunct="1">
+              <a:defRPr sz="1800" kern="1200">
+                <a:solidFill>
+                  <a:schemeClr val="dk1"/>
+                </a:solidFill>
+                <a:latin typeface="+mn-lt"/>
+                <a:ea typeface="+mn-ea"/>
+                <a:cs typeface="+mn-cs"/>
+              </a:defRPr>
+            </a:lvl7pPr>
+            <a:lvl8pPr marL="3200400" algn="l" defTabSz="914400" rtl="0" eaLnBrk="1" latinLnBrk="0" hangingPunct="1">
+              <a:defRPr sz="1800" kern="1200">
+                <a:solidFill>
+                  <a:schemeClr val="dk1"/>
+                </a:solidFill>
+                <a:latin typeface="+mn-lt"/>
+                <a:ea typeface="+mn-ea"/>
+                <a:cs typeface="+mn-cs"/>
+              </a:defRPr>
+            </a:lvl8pPr>
+            <a:lvl9pPr marL="3657600" algn="l" defTabSz="914400" rtl="0" eaLnBrk="1" latinLnBrk="0" hangingPunct="1">
+              <a:defRPr sz="1800" kern="1200">
+                <a:solidFill>
+                  <a:schemeClr val="dk1"/>
+                </a:solidFill>
+                <a:latin typeface="+mn-lt"/>
+                <a:ea typeface="+mn-ea"/>
+                <a:cs typeface="+mn-cs"/>
+              </a:defRPr>
+            </a:lvl9pPr>
+          </a:lstStyle>
+          <a:p>
+            <a:pPr algn="ctr"/>
+            <a:r>
+              <a:rPr lang="en-US" altLang="zh-CN" sz="2400" dirty="0"/>
+              <a:t>VR</a:t>
+            </a:r>
+            <a:r>
+              <a:rPr lang="zh-CN" altLang="en-US" sz="2400" dirty="0"/>
+              <a:t>主机</a:t>
+            </a:r>
+          </a:p>
+        </p:txBody>
+      </p:sp>
+      <p:sp>
+        <p:nvSpPr>
+          <p:cNvPr id="7" name="矩形: 圆角 6"/>
+          <p:cNvSpPr/>
+          <p:nvPr/>
+        </p:nvSpPr>
+        <p:spPr>
+          <a:xfrm>
+            <a:off x="3200398" y="719091"/>
+            <a:ext cx="4208015" cy="1158535"/>
+          </a:xfrm>
+          <a:prstGeom prst="roundRect">
+            <a:avLst/>
+          </a:prstGeom>
+        </p:spPr>
+        <p:style>
+          <a:lnRef idx="2">
+            <a:schemeClr val="dk1"/>
+          </a:lnRef>
+          <a:fillRef idx="1">
+            <a:schemeClr val="lt1"/>
+          </a:fillRef>
+          <a:effectRef idx="0">
+            <a:schemeClr val="dk1"/>
+          </a:effectRef>
+          <a:fontRef idx="minor">
+            <a:schemeClr val="dk1"/>
+          </a:fontRef>
+        </p:style>
+        <p:txBody>
+          <a:bodyPr rot="0" spcFirstLastPara="0" vert="horz" wrap="square" lIns="91440" tIns="45720" rIns="91440" bIns="45720" numCol="1" spcCol="0" rtlCol="0" fromWordArt="0" anchor="ctr" anchorCtr="0" forceAA="0" compatLnSpc="1">
+            <a:prstTxWarp prst="textNoShape">
+              <a:avLst/>
+            </a:prstTxWarp>
+            <a:noAutofit/>
+          </a:bodyPr>
+          <a:lstStyle>
+            <a:defPPr>
+              <a:defRPr lang="zh-CN"/>
+            </a:defPPr>
+            <a:lvl1pPr marL="0" algn="l" defTabSz="914400" rtl="0" eaLnBrk="1" latinLnBrk="0" hangingPunct="1">
+              <a:defRPr sz="1800" kern="1200">
+                <a:solidFill>
+                  <a:schemeClr val="dk1"/>
+                </a:solidFill>
+                <a:latin typeface="+mn-lt"/>
+                <a:ea typeface="+mn-ea"/>
+                <a:cs typeface="+mn-cs"/>
+              </a:defRPr>
+            </a:lvl1pPr>
+            <a:lvl2pPr marL="457200" algn="l" defTabSz="914400" rtl="0" eaLnBrk="1" latinLnBrk="0" hangingPunct="1">
+              <a:defRPr sz="1800" kern="1200">
+                <a:solidFill>
+                  <a:schemeClr val="dk1"/>
+                </a:solidFill>
+                <a:latin typeface="+mn-lt"/>
+                <a:ea typeface="+mn-ea"/>
+                <a:cs typeface="+mn-cs"/>
+              </a:defRPr>
+            </a:lvl2pPr>
+            <a:lvl3pPr marL="914400" algn="l" defTabSz="914400" rtl="0" eaLnBrk="1" latinLnBrk="0" hangingPunct="1">
+              <a:defRPr sz="1800" kern="1200">
+                <a:solidFill>
+                  <a:schemeClr val="dk1"/>
+                </a:solidFill>
+                <a:latin typeface="+mn-lt"/>
+                <a:ea typeface="+mn-ea"/>
+                <a:cs typeface="+mn-cs"/>
+              </a:defRPr>
+            </a:lvl3pPr>
+            <a:lvl4pPr marL="1371600" algn="l" defTabSz="914400" rtl="0" eaLnBrk="1" latinLnBrk="0" hangingPunct="1">
+              <a:defRPr sz="1800" kern="1200">
+                <a:solidFill>
+                  <a:schemeClr val="dk1"/>
+                </a:solidFill>
+                <a:latin typeface="+mn-lt"/>
+                <a:ea typeface="+mn-ea"/>
+                <a:cs typeface="+mn-cs"/>
+              </a:defRPr>
+            </a:lvl4pPr>
+            <a:lvl5pPr marL="1828800" algn="l" defTabSz="914400" rtl="0" eaLnBrk="1" latinLnBrk="0" hangingPunct="1">
+              <a:defRPr sz="1800" kern="1200">
+                <a:solidFill>
+                  <a:schemeClr val="dk1"/>
+                </a:solidFill>
+                <a:latin typeface="+mn-lt"/>
+                <a:ea typeface="+mn-ea"/>
+                <a:cs typeface="+mn-cs"/>
+              </a:defRPr>
+            </a:lvl5pPr>
+            <a:lvl6pPr marL="2286000" algn="l" defTabSz="914400" rtl="0" eaLnBrk="1" latinLnBrk="0" hangingPunct="1">
+              <a:defRPr sz="1800" kern="1200">
+                <a:solidFill>
+                  <a:schemeClr val="dk1"/>
+                </a:solidFill>
+                <a:latin typeface="+mn-lt"/>
+                <a:ea typeface="+mn-ea"/>
+                <a:cs typeface="+mn-cs"/>
+              </a:defRPr>
+            </a:lvl6pPr>
+            <a:lvl7pPr marL="2743200" algn="l" defTabSz="914400" rtl="0" eaLnBrk="1" latinLnBrk="0" hangingPunct="1">
+              <a:defRPr sz="1800" kern="1200">
+                <a:solidFill>
+                  <a:schemeClr val="dk1"/>
+                </a:solidFill>
+                <a:latin typeface="+mn-lt"/>
+                <a:ea typeface="+mn-ea"/>
+                <a:cs typeface="+mn-cs"/>
+              </a:defRPr>
+            </a:lvl7pPr>
+            <a:lvl8pPr marL="3200400" algn="l" defTabSz="914400" rtl="0" eaLnBrk="1" latinLnBrk="0" hangingPunct="1">
+              <a:defRPr sz="1800" kern="1200">
+                <a:solidFill>
+                  <a:schemeClr val="dk1"/>
+                </a:solidFill>
+                <a:latin typeface="+mn-lt"/>
+                <a:ea typeface="+mn-ea"/>
+                <a:cs typeface="+mn-cs"/>
+              </a:defRPr>
+            </a:lvl8pPr>
+            <a:lvl9pPr marL="3657600" algn="l" defTabSz="914400" rtl="0" eaLnBrk="1" latinLnBrk="0" hangingPunct="1">
+              <a:defRPr sz="1800" kern="1200">
+                <a:solidFill>
+                  <a:schemeClr val="dk1"/>
+                </a:solidFill>
+                <a:latin typeface="+mn-lt"/>
+                <a:ea typeface="+mn-ea"/>
+                <a:cs typeface="+mn-cs"/>
+              </a:defRPr>
+            </a:lvl9pPr>
+          </a:lstStyle>
+          <a:p>
+            <a:pPr algn="ctr"/>
+            <a:endParaRPr lang="zh-CN" altLang="en-US" dirty="0"/>
+          </a:p>
+        </p:txBody>
+      </p:sp>
+      <p:sp>
+        <p:nvSpPr>
+          <p:cNvPr id="8" name="矩形 7"/>
+          <p:cNvSpPr/>
+          <p:nvPr/>
+        </p:nvSpPr>
+        <p:spPr>
+          <a:xfrm>
+            <a:off x="4993684" y="1154096"/>
+            <a:ext cx="896645" cy="523783"/>
+          </a:xfrm>
+          <a:prstGeom prst="rect">
+            <a:avLst/>
+          </a:prstGeom>
+          <a:solidFill>
+            <a:schemeClr val="accent1">
+              <a:lumMod val="60000"/>
+              <a:lumOff val="40000"/>
+            </a:schemeClr>
+          </a:solidFill>
+        </p:spPr>
+        <p:style>
+          <a:lnRef idx="2">
+            <a:schemeClr val="accent1">
+              <a:shade val="50000"/>
+            </a:schemeClr>
+          </a:lnRef>
+          <a:fillRef idx="1">
+            <a:schemeClr val="accent1"/>
+          </a:fillRef>
+          <a:effectRef idx="0">
+            <a:schemeClr val="accent1"/>
+          </a:effectRef>
+          <a:fontRef idx="minor">
+            <a:schemeClr val="lt1"/>
+          </a:fontRef>
+        </p:style>
+        <p:txBody>
+          <a:bodyPr rtlCol="0" anchor="ctr"/>
+          <a:lstStyle/>
+          <a:p>
+            <a:pPr algn="ctr"/>
+            <a:r>
+              <a:rPr lang="zh-CN" altLang="en-US" b="1" dirty="0">
+                <a:solidFill>
+                  <a:schemeClr val="tx1"/>
+                </a:solidFill>
+              </a:rPr>
+              <a:t>接线盒</a:t>
+            </a:r>
+          </a:p>
+        </p:txBody>
+      </p:sp>
+      <p:sp>
+        <p:nvSpPr>
+          <p:cNvPr id="9" name="矩形 8"/>
+          <p:cNvSpPr/>
+          <p:nvPr/>
+        </p:nvSpPr>
+        <p:spPr>
+          <a:xfrm>
+            <a:off x="3648716" y="1154096"/>
+            <a:ext cx="896645" cy="523783"/>
+          </a:xfrm>
+          <a:prstGeom prst="rect">
+            <a:avLst/>
+          </a:prstGeom>
+          <a:solidFill>
+            <a:schemeClr val="accent1">
+              <a:lumMod val="60000"/>
+              <a:lumOff val="40000"/>
+            </a:schemeClr>
+          </a:solidFill>
+        </p:spPr>
+        <p:style>
+          <a:lnRef idx="2">
+            <a:schemeClr val="accent1">
+              <a:shade val="50000"/>
+            </a:schemeClr>
+          </a:lnRef>
+          <a:fillRef idx="1">
+            <a:schemeClr val="accent1"/>
+          </a:fillRef>
+          <a:effectRef idx="0">
+            <a:schemeClr val="accent1"/>
+          </a:effectRef>
+          <a:fontRef idx="minor">
+            <a:schemeClr val="lt1"/>
+          </a:fontRef>
+        </p:style>
+        <p:txBody>
+          <a:bodyPr rtlCol="0" anchor="ctr"/>
+          <a:lstStyle/>
+          <a:p>
+            <a:pPr algn="ctr"/>
+            <a:r>
+              <a:rPr lang="zh-CN" altLang="en-US" b="1" dirty="0">
+                <a:solidFill>
+                  <a:schemeClr val="tx1"/>
+                </a:solidFill>
+              </a:rPr>
+              <a:t>脑电帽</a:t>
+            </a:r>
+          </a:p>
+        </p:txBody>
+      </p:sp>
+      <p:sp>
+        <p:nvSpPr>
+          <p:cNvPr id="10" name="矩形 9"/>
+          <p:cNvSpPr/>
+          <p:nvPr/>
+        </p:nvSpPr>
+        <p:spPr>
+          <a:xfrm>
+            <a:off x="6223245" y="1154096"/>
+            <a:ext cx="896645" cy="523783"/>
+          </a:xfrm>
+          <a:prstGeom prst="rect">
+            <a:avLst/>
+          </a:prstGeom>
+          <a:solidFill>
+            <a:schemeClr val="accent1">
+              <a:lumMod val="60000"/>
+              <a:lumOff val="40000"/>
+            </a:schemeClr>
+          </a:solidFill>
+        </p:spPr>
+        <p:style>
+          <a:lnRef idx="2">
+            <a:schemeClr val="accent1">
+              <a:shade val="50000"/>
+            </a:schemeClr>
+          </a:lnRef>
+          <a:fillRef idx="1">
+            <a:schemeClr val="accent1"/>
+          </a:fillRef>
+          <a:effectRef idx="0">
+            <a:schemeClr val="accent1"/>
+          </a:effectRef>
+          <a:fontRef idx="minor">
+            <a:schemeClr val="lt1"/>
+          </a:fontRef>
+        </p:style>
+        <p:txBody>
+          <a:bodyPr rtlCol="0" anchor="ctr"/>
+          <a:lstStyle/>
+          <a:p>
+            <a:pPr algn="ctr"/>
+            <a:r>
+              <a:rPr lang="zh-CN" altLang="en-US" b="1" dirty="0">
+                <a:solidFill>
+                  <a:schemeClr val="tx1"/>
+                </a:solidFill>
+              </a:rPr>
+              <a:t>放大器</a:t>
+            </a:r>
+          </a:p>
+        </p:txBody>
+      </p:sp>
+      <p:sp>
+        <p:nvSpPr>
+          <p:cNvPr id="11" name="矩形: 圆角 10"/>
+          <p:cNvSpPr/>
+          <p:nvPr/>
+        </p:nvSpPr>
+        <p:spPr>
+          <a:xfrm>
+            <a:off x="7001520" y="2467992"/>
+            <a:ext cx="1377518" cy="730186"/>
+          </a:xfrm>
+          <a:prstGeom prst="roundRect">
+            <a:avLst/>
+          </a:prstGeom>
+        </p:spPr>
+        <p:style>
+          <a:lnRef idx="2">
+            <a:schemeClr val="dk1"/>
+          </a:lnRef>
+          <a:fillRef idx="1">
+            <a:schemeClr val="lt1"/>
+          </a:fillRef>
+          <a:effectRef idx="0">
+            <a:schemeClr val="dk1"/>
+          </a:effectRef>
+          <a:fontRef idx="minor">
+            <a:schemeClr val="dk1"/>
+          </a:fontRef>
+        </p:style>
+        <p:txBody>
+          <a:bodyPr rtlCol="0" anchor="ctr"/>
+          <a:lstStyle/>
+          <a:p>
+            <a:pPr algn="ctr"/>
+            <a:r>
+              <a:rPr lang="en-US" altLang="zh-CN" sz="2000" dirty="0"/>
+              <a:t>NSD</a:t>
+            </a:r>
+            <a:r>
+              <a:rPr lang="zh-CN" altLang="en-US" sz="2000" dirty="0"/>
+              <a:t>主机</a:t>
+            </a:r>
+          </a:p>
+        </p:txBody>
+      </p:sp>
+      <p:cxnSp>
+        <p:nvCxnSpPr>
+          <p:cNvPr id="15" name="直接连接符 14"/>
+          <p:cNvCxnSpPr>
+            <a:stCxn id="4" idx="0"/>
+          </p:cNvCxnSpPr>
+          <p:nvPr/>
+        </p:nvCxnSpPr>
+        <p:spPr>
+          <a:xfrm flipH="1" flipV="1">
+            <a:off x="2539016" y="1415987"/>
+            <a:ext cx="13314" cy="1238436"/>
+          </a:xfrm>
+          <a:prstGeom prst="line">
+            <a:avLst/>
+          </a:prstGeom>
+          <a:ln w="38100"/>
+        </p:spPr>
+        <p:style>
+          <a:lnRef idx="3">
+            <a:schemeClr val="dk1"/>
+          </a:lnRef>
+          <a:fillRef idx="0">
+            <a:schemeClr val="dk1"/>
+          </a:fillRef>
+          <a:effectRef idx="2">
+            <a:schemeClr val="dk1"/>
+          </a:effectRef>
+          <a:fontRef idx="minor">
+            <a:schemeClr val="tx1"/>
+          </a:fontRef>
+        </p:style>
+      </p:cxnSp>
+      <p:cxnSp>
+        <p:nvCxnSpPr>
+          <p:cNvPr id="17" name="直接箭头连接符 16"/>
+          <p:cNvCxnSpPr/>
+          <p:nvPr/>
+        </p:nvCxnSpPr>
+        <p:spPr>
+          <a:xfrm>
+            <a:off x="2539013" y="1415987"/>
+            <a:ext cx="661385" cy="0"/>
+          </a:xfrm>
+          <a:prstGeom prst="straightConnector1">
+            <a:avLst/>
+          </a:prstGeom>
+          <a:ln w="38100">
+            <a:solidFill>
+              <a:schemeClr val="tx1"/>
+            </a:solidFill>
+            <a:tailEnd type="triangle"/>
+          </a:ln>
+        </p:spPr>
+        <p:style>
+          <a:lnRef idx="3">
+            <a:schemeClr val="dk1"/>
+          </a:lnRef>
+          <a:fillRef idx="0">
+            <a:schemeClr val="dk1"/>
+          </a:fillRef>
+          <a:effectRef idx="2">
+            <a:schemeClr val="dk1"/>
+          </a:effectRef>
+          <a:fontRef idx="minor">
+            <a:schemeClr val="tx1"/>
+          </a:fontRef>
+        </p:style>
+      </p:cxnSp>
+      <p:cxnSp>
+        <p:nvCxnSpPr>
+          <p:cNvPr id="25" name="直接箭头连接符 24"/>
+          <p:cNvCxnSpPr>
+            <a:endCxn id="9" idx="1"/>
+          </p:cNvCxnSpPr>
+          <p:nvPr/>
+        </p:nvCxnSpPr>
+        <p:spPr>
+          <a:xfrm>
+            <a:off x="3200398" y="1415987"/>
+            <a:ext cx="448318" cy="1"/>
+          </a:xfrm>
+          <a:prstGeom prst="straightConnector1">
+            <a:avLst/>
+          </a:prstGeom>
+          <a:ln w="38100">
+            <a:solidFill>
+              <a:schemeClr val="tx1"/>
+            </a:solidFill>
+            <a:tailEnd type="triangle"/>
+          </a:ln>
+        </p:spPr>
+        <p:style>
+          <a:lnRef idx="3">
+            <a:schemeClr val="dk1"/>
+          </a:lnRef>
+          <a:fillRef idx="0">
+            <a:schemeClr val="dk1"/>
+          </a:fillRef>
+          <a:effectRef idx="2">
+            <a:schemeClr val="dk1"/>
+          </a:effectRef>
+          <a:fontRef idx="minor">
+            <a:schemeClr val="tx1"/>
+          </a:fontRef>
+        </p:style>
+      </p:cxnSp>
+      <p:cxnSp>
+        <p:nvCxnSpPr>
+          <p:cNvPr id="28" name="直接箭头连接符 27"/>
+          <p:cNvCxnSpPr>
+            <a:stCxn id="8" idx="3"/>
+            <a:endCxn id="10" idx="1"/>
+          </p:cNvCxnSpPr>
+          <p:nvPr/>
+        </p:nvCxnSpPr>
+        <p:spPr>
+          <a:xfrm>
+            <a:off x="5890329" y="1415988"/>
+            <a:ext cx="332916" cy="0"/>
+          </a:xfrm>
+          <a:prstGeom prst="straightConnector1">
+            <a:avLst/>
+          </a:prstGeom>
+          <a:ln w="38100">
+            <a:solidFill>
+              <a:schemeClr val="tx1"/>
+            </a:solidFill>
+            <a:tailEnd type="triangle"/>
+          </a:ln>
+        </p:spPr>
+        <p:style>
+          <a:lnRef idx="3">
+            <a:schemeClr val="dk1"/>
+          </a:lnRef>
+          <a:fillRef idx="0">
+            <a:schemeClr val="dk1"/>
+          </a:fillRef>
+          <a:effectRef idx="2">
+            <a:schemeClr val="dk1"/>
+          </a:effectRef>
+          <a:fontRef idx="minor">
+            <a:schemeClr val="tx1"/>
+          </a:fontRef>
+        </p:style>
+      </p:cxnSp>
+      <p:cxnSp>
+        <p:nvCxnSpPr>
+          <p:cNvPr id="31" name="直接箭头连接符 30"/>
+          <p:cNvCxnSpPr>
+            <a:stCxn id="9" idx="3"/>
+          </p:cNvCxnSpPr>
+          <p:nvPr/>
+        </p:nvCxnSpPr>
+        <p:spPr>
+          <a:xfrm flipV="1">
+            <a:off x="4545361" y="1415987"/>
+            <a:ext cx="470515" cy="1"/>
+          </a:xfrm>
+          <a:prstGeom prst="straightConnector1">
+            <a:avLst/>
+          </a:prstGeom>
+          <a:ln w="38100">
+            <a:solidFill>
+              <a:schemeClr val="tx1"/>
+            </a:solidFill>
+            <a:tailEnd type="triangle"/>
+          </a:ln>
+        </p:spPr>
+        <p:style>
+          <a:lnRef idx="3">
+            <a:schemeClr val="dk1"/>
+          </a:lnRef>
+          <a:fillRef idx="0">
+            <a:schemeClr val="dk1"/>
+          </a:fillRef>
+          <a:effectRef idx="2">
+            <a:schemeClr val="dk1"/>
+          </a:effectRef>
+          <a:fontRef idx="minor">
+            <a:schemeClr val="tx1"/>
+          </a:fontRef>
+        </p:style>
+      </p:cxnSp>
+      <p:cxnSp>
+        <p:nvCxnSpPr>
+          <p:cNvPr id="34" name="直接箭头连接符 33"/>
+          <p:cNvCxnSpPr/>
+          <p:nvPr/>
+        </p:nvCxnSpPr>
+        <p:spPr>
+          <a:xfrm>
+            <a:off x="7119890" y="1415987"/>
+            <a:ext cx="288523" cy="0"/>
+          </a:xfrm>
+          <a:prstGeom prst="straightConnector1">
+            <a:avLst/>
+          </a:prstGeom>
+          <a:ln w="38100">
+            <a:solidFill>
+              <a:schemeClr val="tx1"/>
+            </a:solidFill>
+            <a:tailEnd type="triangle"/>
+          </a:ln>
+        </p:spPr>
+        <p:style>
+          <a:lnRef idx="3">
+            <a:schemeClr val="dk1"/>
+          </a:lnRef>
+          <a:fillRef idx="0">
+            <a:schemeClr val="dk1"/>
+          </a:fillRef>
+          <a:effectRef idx="2">
+            <a:schemeClr val="dk1"/>
+          </a:effectRef>
+          <a:fontRef idx="minor">
+            <a:schemeClr val="tx1"/>
+          </a:fontRef>
+        </p:style>
+      </p:cxnSp>
+      <p:cxnSp>
+        <p:nvCxnSpPr>
+          <p:cNvPr id="36" name="直接箭头连接符 35"/>
+          <p:cNvCxnSpPr>
+            <a:endCxn id="11" idx="0"/>
+          </p:cNvCxnSpPr>
+          <p:nvPr/>
+        </p:nvCxnSpPr>
+        <p:spPr>
+          <a:xfrm>
+            <a:off x="7690279" y="1415987"/>
+            <a:ext cx="0" cy="1052005"/>
+          </a:xfrm>
+          <a:prstGeom prst="straightConnector1">
+            <a:avLst/>
+          </a:prstGeom>
+          <a:ln w="38100">
+            <a:solidFill>
+              <a:schemeClr val="tx1"/>
+            </a:solidFill>
+            <a:tailEnd type="triangle"/>
+          </a:ln>
+        </p:spPr>
+        <p:style>
+          <a:lnRef idx="3">
+            <a:schemeClr val="dk1"/>
+          </a:lnRef>
+          <a:fillRef idx="0">
+            <a:schemeClr val="dk1"/>
+          </a:fillRef>
+          <a:effectRef idx="2">
+            <a:schemeClr val="dk1"/>
+          </a:effectRef>
+          <a:fontRef idx="minor">
+            <a:schemeClr val="tx1"/>
+          </a:fontRef>
+        </p:style>
+      </p:cxnSp>
+      <p:cxnSp>
+        <p:nvCxnSpPr>
+          <p:cNvPr id="37" name="直接连接符 36"/>
+          <p:cNvCxnSpPr/>
+          <p:nvPr/>
+        </p:nvCxnSpPr>
+        <p:spPr>
+          <a:xfrm flipH="1">
+            <a:off x="7408413" y="1415987"/>
+            <a:ext cx="281866" cy="0"/>
+          </a:xfrm>
+          <a:prstGeom prst="line">
+            <a:avLst/>
+          </a:prstGeom>
+          <a:ln w="38100"/>
+        </p:spPr>
+        <p:style>
+          <a:lnRef idx="3">
+            <a:schemeClr val="dk1"/>
+          </a:lnRef>
+          <a:fillRef idx="0">
+            <a:schemeClr val="dk1"/>
+          </a:fillRef>
+          <a:effectRef idx="2">
+            <a:schemeClr val="dk1"/>
+          </a:effectRef>
+          <a:fontRef idx="minor">
+            <a:schemeClr val="tx1"/>
+          </a:fontRef>
+        </p:style>
+      </p:cxnSp>
+      <p:cxnSp>
+        <p:nvCxnSpPr>
+          <p:cNvPr id="54" name="直接连接符 53"/>
+          <p:cNvCxnSpPr/>
+          <p:nvPr/>
+        </p:nvCxnSpPr>
+        <p:spPr>
+          <a:xfrm flipH="1" flipV="1">
+            <a:off x="2539013" y="4648198"/>
+            <a:ext cx="347710" cy="1"/>
+          </a:xfrm>
+          <a:prstGeom prst="line">
+            <a:avLst/>
+          </a:prstGeom>
+          <a:ln w="38100"/>
+        </p:spPr>
+        <p:style>
+          <a:lnRef idx="3">
+            <a:schemeClr val="dk1"/>
+          </a:lnRef>
+          <a:fillRef idx="0">
+            <a:schemeClr val="dk1"/>
+          </a:fillRef>
+          <a:effectRef idx="2">
+            <a:schemeClr val="dk1"/>
+          </a:effectRef>
+          <a:fontRef idx="minor">
+            <a:schemeClr val="tx1"/>
+          </a:fontRef>
+        </p:style>
+      </p:cxnSp>
+      <p:cxnSp>
+        <p:nvCxnSpPr>
+          <p:cNvPr id="57" name="直接箭头连接符 56"/>
+          <p:cNvCxnSpPr>
+            <a:endCxn id="4" idx="2"/>
+          </p:cNvCxnSpPr>
+          <p:nvPr/>
+        </p:nvCxnSpPr>
+        <p:spPr>
+          <a:xfrm flipV="1">
+            <a:off x="2539013" y="3293615"/>
+            <a:ext cx="13317" cy="1354584"/>
+          </a:xfrm>
+          <a:prstGeom prst="straightConnector1">
+            <a:avLst/>
+          </a:prstGeom>
+          <a:ln w="38100">
+            <a:solidFill>
+              <a:schemeClr val="tx1"/>
+            </a:solidFill>
+            <a:tailEnd type="triangle"/>
+          </a:ln>
+        </p:spPr>
+        <p:style>
+          <a:lnRef idx="3">
+            <a:schemeClr val="dk1"/>
+          </a:lnRef>
+          <a:fillRef idx="0">
+            <a:schemeClr val="dk1"/>
+          </a:fillRef>
+          <a:effectRef idx="2">
+            <a:schemeClr val="dk1"/>
+          </a:effectRef>
+          <a:fontRef idx="minor">
+            <a:schemeClr val="tx1"/>
+          </a:fontRef>
+        </p:style>
+      </p:cxnSp>
+      <p:cxnSp>
+        <p:nvCxnSpPr>
+          <p:cNvPr id="60" name="直接箭头连接符 59"/>
+          <p:cNvCxnSpPr>
+            <a:stCxn id="6" idx="1"/>
+            <a:endCxn id="5" idx="3"/>
+          </p:cNvCxnSpPr>
+          <p:nvPr/>
+        </p:nvCxnSpPr>
+        <p:spPr>
+          <a:xfrm flipH="1" flipV="1">
+            <a:off x="3968319" y="4648199"/>
+            <a:ext cx="807867" cy="1849"/>
+          </a:xfrm>
+          <a:prstGeom prst="straightConnector1">
+            <a:avLst/>
+          </a:prstGeom>
+          <a:ln w="38100">
+            <a:solidFill>
+              <a:schemeClr val="tx1"/>
+            </a:solidFill>
+            <a:tailEnd type="triangle"/>
+          </a:ln>
+        </p:spPr>
+        <p:style>
+          <a:lnRef idx="3">
+            <a:schemeClr val="dk1"/>
+          </a:lnRef>
+          <a:fillRef idx="0">
+            <a:schemeClr val="dk1"/>
+          </a:fillRef>
+          <a:effectRef idx="2">
+            <a:schemeClr val="dk1"/>
+          </a:effectRef>
+          <a:fontRef idx="minor">
+            <a:schemeClr val="tx1"/>
+          </a:fontRef>
+        </p:style>
+      </p:cxnSp>
+      <p:sp>
+        <p:nvSpPr>
+          <p:cNvPr id="69" name="文本框 68"/>
+          <p:cNvSpPr txBox="1"/>
+          <p:nvPr/>
+        </p:nvSpPr>
+        <p:spPr>
+          <a:xfrm>
+            <a:off x="6854415" y="3880850"/>
+            <a:ext cx="1107996" cy="369332"/>
+          </a:xfrm>
+          <a:prstGeom prst="rect">
+            <a:avLst/>
+          </a:prstGeom>
+          <a:noFill/>
+        </p:spPr>
+        <p:txBody>
+          <a:bodyPr wrap="none" rtlCol="0">
+            <a:spAutoFit/>
+          </a:bodyPr>
+          <a:lstStyle/>
+          <a:p>
+            <a:r>
+              <a:rPr lang="zh-CN" altLang="en-US" dirty="0"/>
+              <a:t>信号同步</a:t>
+            </a:r>
+          </a:p>
+        </p:txBody>
+      </p:sp>
+      <p:cxnSp>
+        <p:nvCxnSpPr>
+          <p:cNvPr id="70" name="直接箭头连接符 69"/>
+          <p:cNvCxnSpPr>
+            <a:stCxn id="6" idx="3"/>
+            <a:endCxn id="11" idx="2"/>
+          </p:cNvCxnSpPr>
+          <p:nvPr/>
+        </p:nvCxnSpPr>
+        <p:spPr>
+          <a:xfrm flipV="1">
+            <a:off x="6229164" y="3198178"/>
+            <a:ext cx="1461115" cy="1451870"/>
+          </a:xfrm>
+          <a:prstGeom prst="straightConnector1">
+            <a:avLst/>
+          </a:prstGeom>
+          <a:ln w="38100">
+            <a:solidFill>
+              <a:schemeClr val="tx1"/>
+            </a:solidFill>
+            <a:tailEnd type="triangle"/>
+          </a:ln>
+        </p:spPr>
+        <p:style>
+          <a:lnRef idx="3">
+            <a:schemeClr val="dk1"/>
+          </a:lnRef>
+          <a:fillRef idx="0">
+            <a:schemeClr val="dk1"/>
+          </a:fillRef>
+          <a:effectRef idx="2">
+            <a:schemeClr val="dk1"/>
+          </a:effectRef>
+          <a:fontRef idx="minor">
+            <a:schemeClr val="tx1"/>
+          </a:fontRef>
+        </p:style>
+      </p:cxnSp>
+      <p:cxnSp>
+        <p:nvCxnSpPr>
+          <p:cNvPr id="79" name="直接箭头连接符 78"/>
+          <p:cNvCxnSpPr>
+            <a:stCxn id="11" idx="2"/>
+            <a:endCxn id="6" idx="3"/>
+          </p:cNvCxnSpPr>
+          <p:nvPr/>
+        </p:nvCxnSpPr>
+        <p:spPr>
+          <a:xfrm flipH="1">
+            <a:off x="6229164" y="3198178"/>
+            <a:ext cx="1461115" cy="1451870"/>
+          </a:xfrm>
+          <a:prstGeom prst="straightConnector1">
+            <a:avLst/>
+          </a:prstGeom>
+          <a:ln w="38100">
+            <a:solidFill>
+              <a:schemeClr val="tx1"/>
+            </a:solidFill>
+            <a:tailEnd type="triangle"/>
+          </a:ln>
+        </p:spPr>
+        <p:style>
+          <a:lnRef idx="3">
+            <a:schemeClr val="dk1"/>
+          </a:lnRef>
+          <a:fillRef idx="0">
+            <a:schemeClr val="dk1"/>
+          </a:fillRef>
+          <a:effectRef idx="2">
+            <a:schemeClr val="dk1"/>
+          </a:effectRef>
+          <a:fontRef idx="minor">
+            <a:schemeClr val="tx1"/>
+          </a:fontRef>
+        </p:style>
+      </p:cxnSp>
+      <p:sp>
+        <p:nvSpPr>
+          <p:cNvPr id="86" name="文本框 85"/>
+          <p:cNvSpPr txBox="1"/>
+          <p:nvPr/>
+        </p:nvSpPr>
+        <p:spPr>
+          <a:xfrm>
+            <a:off x="1572846" y="3880850"/>
+            <a:ext cx="1001251" cy="584775"/>
+          </a:xfrm>
+          <a:prstGeom prst="rect">
+            <a:avLst/>
+          </a:prstGeom>
+          <a:noFill/>
+        </p:spPr>
+        <p:txBody>
+          <a:bodyPr wrap="square" rtlCol="0">
+            <a:spAutoFit/>
+          </a:bodyPr>
+          <a:lstStyle/>
+          <a:p>
+            <a:pPr algn="ctr"/>
+            <a:r>
+              <a:rPr lang="en-US" altLang="zh-CN" sz="1600" dirty="0"/>
+              <a:t>VR</a:t>
+            </a:r>
+          </a:p>
+          <a:p>
+            <a:pPr algn="ctr"/>
+            <a:r>
+              <a:rPr lang="zh-CN" altLang="en-US" sz="1600" dirty="0"/>
+              <a:t>视频刺激</a:t>
+            </a:r>
+          </a:p>
+        </p:txBody>
+      </p:sp>
+      <p:sp>
+        <p:nvSpPr>
+          <p:cNvPr id="96" name="文本框 95"/>
+          <p:cNvSpPr txBox="1"/>
+          <p:nvPr/>
+        </p:nvSpPr>
+        <p:spPr>
+          <a:xfrm>
+            <a:off x="4528935" y="719091"/>
+            <a:ext cx="1826141" cy="338554"/>
+          </a:xfrm>
+          <a:prstGeom prst="rect">
+            <a:avLst/>
+          </a:prstGeom>
+          <a:noFill/>
+        </p:spPr>
+        <p:txBody>
+          <a:bodyPr wrap="none" rtlCol="0">
+            <a:spAutoFit/>
+          </a:bodyPr>
+          <a:lstStyle/>
+          <a:p>
+            <a:r>
+              <a:rPr lang="zh-CN" altLang="en-US" sz="1600" dirty="0"/>
+              <a:t>脑电采集外围设备</a:t>
+            </a:r>
+          </a:p>
+        </p:txBody>
+      </p:sp>
+      <p:sp>
+        <p:nvSpPr>
+          <p:cNvPr id="97" name="文本框 96"/>
+          <p:cNvSpPr txBox="1"/>
+          <p:nvPr/>
+        </p:nvSpPr>
+        <p:spPr>
+          <a:xfrm>
+            <a:off x="1572846" y="1772712"/>
+            <a:ext cx="1001251" cy="338554"/>
+          </a:xfrm>
+          <a:prstGeom prst="rect">
+            <a:avLst/>
+          </a:prstGeom>
+          <a:noFill/>
+        </p:spPr>
+        <p:txBody>
+          <a:bodyPr wrap="square" rtlCol="0">
+            <a:spAutoFit/>
+          </a:bodyPr>
+          <a:lstStyle/>
+          <a:p>
+            <a:pPr algn="ctr"/>
+            <a:r>
+              <a:rPr lang="zh-CN" altLang="en-US" sz="1600" dirty="0"/>
+              <a:t>脑电信号</a:t>
+            </a:r>
+          </a:p>
+        </p:txBody>
+      </p:sp>
+      <p:sp>
+        <p:nvSpPr>
+          <p:cNvPr id="98" name="文本框 97"/>
+          <p:cNvSpPr txBox="1"/>
+          <p:nvPr/>
+        </p:nvSpPr>
+        <p:spPr>
+          <a:xfrm>
+            <a:off x="7668512" y="1805168"/>
+            <a:ext cx="1001251" cy="338554"/>
+          </a:xfrm>
+          <a:prstGeom prst="rect">
+            <a:avLst/>
+          </a:prstGeom>
+          <a:noFill/>
+        </p:spPr>
+        <p:txBody>
+          <a:bodyPr wrap="square" rtlCol="0">
+            <a:spAutoFit/>
+          </a:bodyPr>
+          <a:lstStyle/>
+          <a:p>
+            <a:pPr algn="ctr"/>
+            <a:r>
+              <a:rPr lang="zh-CN" altLang="en-US" sz="1600" dirty="0"/>
+              <a:t>脑电信号</a:t>
+            </a:r>
+          </a:p>
+        </p:txBody>
+      </p:sp>
+      <p:sp>
+        <p:nvSpPr>
+          <p:cNvPr id="101" name="矩形 100"/>
+          <p:cNvSpPr/>
+          <p:nvPr/>
+        </p:nvSpPr>
+        <p:spPr>
+          <a:xfrm>
+            <a:off x="9051503" y="2535683"/>
+            <a:ext cx="1162974" cy="594804"/>
+          </a:xfrm>
+          <a:prstGeom prst="rect">
+            <a:avLst/>
+          </a:prstGeom>
+        </p:spPr>
+        <p:style>
+          <a:lnRef idx="2">
+            <a:schemeClr val="accent1">
+              <a:shade val="50000"/>
+            </a:schemeClr>
+          </a:lnRef>
+          <a:fillRef idx="1">
+            <a:schemeClr val="accent1"/>
+          </a:fillRef>
+          <a:effectRef idx="0">
+            <a:schemeClr val="accent1"/>
+          </a:effectRef>
+          <a:fontRef idx="minor">
+            <a:schemeClr val="lt1"/>
+          </a:fontRef>
+        </p:style>
+        <p:txBody>
+          <a:bodyPr rtlCol="0" anchor="ctr"/>
+          <a:lstStyle/>
+          <a:p>
+            <a:pPr algn="ctr"/>
+            <a:r>
+              <a:rPr lang="zh-CN" altLang="en-US" dirty="0"/>
+              <a:t>情绪识别算法</a:t>
+            </a:r>
+          </a:p>
+        </p:txBody>
+      </p:sp>
+      <p:sp>
+        <p:nvSpPr>
+          <p:cNvPr id="102" name="箭头: 右 101"/>
+          <p:cNvSpPr/>
+          <p:nvPr/>
+        </p:nvSpPr>
+        <p:spPr>
+          <a:xfrm flipH="1">
+            <a:off x="8384195" y="2706934"/>
+            <a:ext cx="667308" cy="252302"/>
+          </a:xfrm>
+          <a:prstGeom prst="rightArrow">
+            <a:avLst/>
+          </a:prstGeom>
+        </p:spPr>
+        <p:style>
+          <a:lnRef idx="2">
+            <a:schemeClr val="accent1">
+              <a:shade val="50000"/>
+            </a:schemeClr>
+          </a:lnRef>
+          <a:fillRef idx="1">
+            <a:schemeClr val="accent1"/>
+          </a:fillRef>
+          <a:effectRef idx="0">
+            <a:schemeClr val="accent1"/>
+          </a:effectRef>
+          <a:fontRef idx="minor">
+            <a:schemeClr val="lt1"/>
+          </a:fontRef>
+        </p:style>
+        <p:txBody>
+          <a:bodyPr rtlCol="0" anchor="ctr"/>
+          <a:lstStyle/>
+          <a:p>
+            <a:pPr algn="ctr"/>
+            <a:endParaRPr lang="zh-CN" altLang="en-US"/>
+          </a:p>
+        </p:txBody>
+      </p:sp>
+      <p:sp>
+        <p:nvSpPr>
+          <p:cNvPr id="103" name="矩形 102"/>
+          <p:cNvSpPr/>
+          <p:nvPr/>
+        </p:nvSpPr>
+        <p:spPr>
+          <a:xfrm>
+            <a:off x="2787588" y="4154749"/>
+            <a:ext cx="3567488" cy="1330905"/>
+          </a:xfrm>
+          <a:prstGeom prst="rect">
+            <a:avLst/>
+          </a:prstGeom>
+          <a:noFill/>
+          <a:ln>
+            <a:prstDash val="dashDot"/>
+          </a:ln>
+        </p:spPr>
+        <p:style>
+          <a:lnRef idx="2">
+            <a:schemeClr val="dk1"/>
+          </a:lnRef>
+          <a:fillRef idx="1">
+            <a:schemeClr val="lt1"/>
+          </a:fillRef>
+          <a:effectRef idx="0">
+            <a:schemeClr val="dk1"/>
+          </a:effectRef>
+          <a:fontRef idx="minor">
+            <a:schemeClr val="dk1"/>
+          </a:fontRef>
+        </p:style>
+        <p:txBody>
+          <a:bodyPr rtlCol="0" anchor="ctr"/>
+          <a:lstStyle/>
+          <a:p>
+            <a:pPr algn="ctr"/>
+            <a:endParaRPr lang="zh-CN" altLang="en-US"/>
+          </a:p>
+        </p:txBody>
+      </p:sp>
+      <p:sp>
+        <p:nvSpPr>
+          <p:cNvPr id="104" name="文本框 103"/>
+          <p:cNvSpPr txBox="1"/>
+          <p:nvPr/>
+        </p:nvSpPr>
+        <p:spPr>
+          <a:xfrm>
+            <a:off x="3968319" y="5116323"/>
+            <a:ext cx="938077" cy="369332"/>
+          </a:xfrm>
+          <a:prstGeom prst="rect">
+            <a:avLst/>
+          </a:prstGeom>
+          <a:noFill/>
+        </p:spPr>
+        <p:txBody>
+          <a:bodyPr wrap="none" rtlCol="0">
+            <a:spAutoFit/>
+          </a:bodyPr>
+          <a:lstStyle/>
+          <a:p>
+            <a:r>
+              <a:rPr lang="en-US" altLang="zh-CN" b="1" dirty="0"/>
+              <a:t>VR</a:t>
+            </a:r>
+            <a:r>
+              <a:rPr lang="zh-CN" altLang="en-US" b="1" dirty="0"/>
+              <a:t>设备</a:t>
+            </a:r>
+          </a:p>
+        </p:txBody>
+      </p:sp>
+      <p:sp>
+        <p:nvSpPr>
+          <p:cNvPr id="105" name="矩形 104"/>
+          <p:cNvSpPr/>
+          <p:nvPr/>
+        </p:nvSpPr>
+        <p:spPr>
+          <a:xfrm>
+            <a:off x="3124940" y="611084"/>
+            <a:ext cx="5544822" cy="2730452"/>
+          </a:xfrm>
+          <a:prstGeom prst="rect">
+            <a:avLst/>
+          </a:prstGeom>
+          <a:noFill/>
+          <a:ln>
+            <a:prstDash val="dashDot"/>
+          </a:ln>
+        </p:spPr>
+        <p:style>
+          <a:lnRef idx="2">
+            <a:schemeClr val="dk1"/>
+          </a:lnRef>
+          <a:fillRef idx="1">
+            <a:schemeClr val="lt1"/>
+          </a:fillRef>
+          <a:effectRef idx="0">
+            <a:schemeClr val="dk1"/>
+          </a:effectRef>
+          <a:fontRef idx="minor">
+            <a:schemeClr val="dk1"/>
+          </a:fontRef>
+        </p:style>
+        <p:txBody>
+          <a:bodyPr rtlCol="0" anchor="ctr"/>
+          <a:lstStyle/>
+          <a:p>
+            <a:pPr algn="ctr"/>
+            <a:endParaRPr lang="zh-CN" altLang="en-US"/>
+          </a:p>
+        </p:txBody>
+      </p:sp>
+      <p:sp>
+        <p:nvSpPr>
+          <p:cNvPr id="106" name="文本框 105"/>
+          <p:cNvSpPr txBox="1"/>
+          <p:nvPr/>
+        </p:nvSpPr>
+        <p:spPr>
+          <a:xfrm>
+            <a:off x="5111522" y="3020430"/>
+            <a:ext cx="1569660" cy="369332"/>
+          </a:xfrm>
+          <a:prstGeom prst="rect">
+            <a:avLst/>
+          </a:prstGeom>
+          <a:noFill/>
+        </p:spPr>
+        <p:txBody>
+          <a:bodyPr wrap="none" rtlCol="0">
+            <a:spAutoFit/>
+          </a:bodyPr>
+          <a:lstStyle/>
+          <a:p>
+            <a:r>
+              <a:rPr lang="zh-CN" altLang="en-US" b="1" dirty="0"/>
+              <a:t>脑电采集设备</a:t>
+            </a:r>
+          </a:p>
+        </p:txBody>
+      </p:sp>
+    </p:spTree>
+    <p:extLst>
+      <p:ext uri="{BB962C8B-B14F-4D97-AF65-F5344CB8AC3E}">
+        <p14:creationId xmlns:p14="http://schemas.microsoft.com/office/powerpoint/2010/main" val="2301936036"/>
       </p:ext>
     </p:extLst>
   </p:cSld>

--- a/图集.pptx
+++ b/图集.pptx
@@ -5,7 +5,7 @@
     <p:sldMasterId id="2147483648" r:id="rId1"/>
   </p:sldMasterIdLst>
   <p:notesMasterIdLst>
-    <p:notesMasterId r:id="rId11"/>
+    <p:notesMasterId r:id="rId14"/>
   </p:notesMasterIdLst>
   <p:sldIdLst>
     <p:sldId id="256" r:id="rId2"/>
@@ -17,6 +17,9 @@
     <p:sldId id="262" r:id="rId8"/>
     <p:sldId id="263" r:id="rId9"/>
     <p:sldId id="264" r:id="rId10"/>
+    <p:sldId id="265" r:id="rId11"/>
+    <p:sldId id="266" r:id="rId12"/>
+    <p:sldId id="267" r:id="rId13"/>
   </p:sldIdLst>
   <p:sldSz cx="12192000" cy="6858000"/>
   <p:notesSz cx="6858000" cy="9144000"/>
@@ -205,7 +208,7 @@
           <a:p>
             <a:fld id="{0A5C0070-62FF-4409-B5E8-A38E1A25C249}" type="datetimeFigureOut">
               <a:rPr lang="zh-CN" altLang="en-US" smtClean="0"/>
-              <a:t>2016/11/19</a:t>
+              <a:t>2016/11/23</a:t>
             </a:fld>
             <a:endParaRPr lang="zh-CN" altLang="en-US"/>
           </a:p>
@@ -685,7 +688,7 @@
           <a:p>
             <a:fld id="{5CC46D4B-9541-4BC3-A144-744E4042BCF0}" type="datetimeFigureOut">
               <a:rPr lang="zh-CN" altLang="en-US" smtClean="0"/>
-              <a:t>2016/11/19</a:t>
+              <a:t>2016/11/23</a:t>
             </a:fld>
             <a:endParaRPr lang="zh-CN" altLang="en-US"/>
           </a:p>
@@ -853,7 +856,7 @@
           <a:p>
             <a:fld id="{5CC46D4B-9541-4BC3-A144-744E4042BCF0}" type="datetimeFigureOut">
               <a:rPr lang="zh-CN" altLang="en-US" smtClean="0"/>
-              <a:t>2016/11/19</a:t>
+              <a:t>2016/11/23</a:t>
             </a:fld>
             <a:endParaRPr lang="zh-CN" altLang="en-US"/>
           </a:p>
@@ -1031,7 +1034,7 @@
           <a:p>
             <a:fld id="{5CC46D4B-9541-4BC3-A144-744E4042BCF0}" type="datetimeFigureOut">
               <a:rPr lang="zh-CN" altLang="en-US" smtClean="0"/>
-              <a:t>2016/11/19</a:t>
+              <a:t>2016/11/23</a:t>
             </a:fld>
             <a:endParaRPr lang="zh-CN" altLang="en-US"/>
           </a:p>
@@ -1199,7 +1202,7 @@
           <a:p>
             <a:fld id="{5CC46D4B-9541-4BC3-A144-744E4042BCF0}" type="datetimeFigureOut">
               <a:rPr lang="zh-CN" altLang="en-US" smtClean="0"/>
-              <a:t>2016/11/19</a:t>
+              <a:t>2016/11/23</a:t>
             </a:fld>
             <a:endParaRPr lang="zh-CN" altLang="en-US"/>
           </a:p>
@@ -1444,7 +1447,7 @@
           <a:p>
             <a:fld id="{5CC46D4B-9541-4BC3-A144-744E4042BCF0}" type="datetimeFigureOut">
               <a:rPr lang="zh-CN" altLang="en-US" smtClean="0"/>
-              <a:t>2016/11/19</a:t>
+              <a:t>2016/11/23</a:t>
             </a:fld>
             <a:endParaRPr lang="zh-CN" altLang="en-US"/>
           </a:p>
@@ -1673,7 +1676,7 @@
           <a:p>
             <a:fld id="{5CC46D4B-9541-4BC3-A144-744E4042BCF0}" type="datetimeFigureOut">
               <a:rPr lang="zh-CN" altLang="en-US" smtClean="0"/>
-              <a:t>2016/11/19</a:t>
+              <a:t>2016/11/23</a:t>
             </a:fld>
             <a:endParaRPr lang="zh-CN" altLang="en-US"/>
           </a:p>
@@ -2037,7 +2040,7 @@
           <a:p>
             <a:fld id="{5CC46D4B-9541-4BC3-A144-744E4042BCF0}" type="datetimeFigureOut">
               <a:rPr lang="zh-CN" altLang="en-US" smtClean="0"/>
-              <a:t>2016/11/19</a:t>
+              <a:t>2016/11/23</a:t>
             </a:fld>
             <a:endParaRPr lang="zh-CN" altLang="en-US"/>
           </a:p>
@@ -2154,7 +2157,7 @@
           <a:p>
             <a:fld id="{5CC46D4B-9541-4BC3-A144-744E4042BCF0}" type="datetimeFigureOut">
               <a:rPr lang="zh-CN" altLang="en-US" smtClean="0"/>
-              <a:t>2016/11/19</a:t>
+              <a:t>2016/11/23</a:t>
             </a:fld>
             <a:endParaRPr lang="zh-CN" altLang="en-US"/>
           </a:p>
@@ -2249,7 +2252,7 @@
           <a:p>
             <a:fld id="{5CC46D4B-9541-4BC3-A144-744E4042BCF0}" type="datetimeFigureOut">
               <a:rPr lang="zh-CN" altLang="en-US" smtClean="0"/>
-              <a:t>2016/11/19</a:t>
+              <a:t>2016/11/23</a:t>
             </a:fld>
             <a:endParaRPr lang="zh-CN" altLang="en-US"/>
           </a:p>
@@ -2524,7 +2527,7 @@
           <a:p>
             <a:fld id="{5CC46D4B-9541-4BC3-A144-744E4042BCF0}" type="datetimeFigureOut">
               <a:rPr lang="zh-CN" altLang="en-US" smtClean="0"/>
-              <a:t>2016/11/19</a:t>
+              <a:t>2016/11/23</a:t>
             </a:fld>
             <a:endParaRPr lang="zh-CN" altLang="en-US"/>
           </a:p>
@@ -2776,7 +2779,7 @@
           <a:p>
             <a:fld id="{5CC46D4B-9541-4BC3-A144-744E4042BCF0}" type="datetimeFigureOut">
               <a:rPr lang="zh-CN" altLang="en-US" smtClean="0"/>
-              <a:t>2016/11/19</a:t>
+              <a:t>2016/11/23</a:t>
             </a:fld>
             <a:endParaRPr lang="zh-CN" altLang="en-US"/>
           </a:p>
@@ -2987,7 +2990,7 @@
           <a:p>
             <a:fld id="{5CC46D4B-9541-4BC3-A144-744E4042BCF0}" type="datetimeFigureOut">
               <a:rPr lang="zh-CN" altLang="en-US" smtClean="0"/>
-              <a:t>2016/11/19</a:t>
+              <a:t>2016/11/23</a:t>
             </a:fld>
             <a:endParaRPr lang="zh-CN" altLang="en-US"/>
           </a:p>
@@ -6236,6 +6239,1984 @@
     <p:extLst>
       <p:ext uri="{BB962C8B-B14F-4D97-AF65-F5344CB8AC3E}">
         <p14:creationId xmlns:p14="http://schemas.microsoft.com/office/powerpoint/2010/main" val="2370184853"/>
+      </p:ext>
+    </p:extLst>
+  </p:cSld>
+  <p:clrMapOvr>
+    <a:masterClrMapping/>
+  </p:clrMapOvr>
+</p:sld>
+</file>
+
+<file path=ppt/slides/slide10.xml><?xml version="1.0" encoding="utf-8"?>
+<p:sld xmlns:a="http://schemas.openxmlformats.org/drawingml/2006/main" xmlns:r="http://schemas.openxmlformats.org/officeDocument/2006/relationships" xmlns:p="http://schemas.openxmlformats.org/presentationml/2006/main">
+  <p:cSld>
+    <p:spTree>
+      <p:nvGrpSpPr>
+        <p:cNvPr id="1" name=""/>
+        <p:cNvGrpSpPr/>
+        <p:nvPr/>
+      </p:nvGrpSpPr>
+      <p:grpSpPr>
+        <a:xfrm>
+          <a:off x="0" y="0"/>
+          <a:ext cx="0" cy="0"/>
+          <a:chOff x="0" y="0"/>
+          <a:chExt cx="0" cy="0"/>
+        </a:xfrm>
+      </p:grpSpPr>
+      <p:pic>
+        <p:nvPicPr>
+          <p:cNvPr id="4" name="图片 3" descr="C:\Users\VR_team\AppData\Local\Temp\WeChat Files\1313070500@chatroom_1475639991044_40.png"/>
+          <p:cNvPicPr/>
+          <p:nvPr/>
+        </p:nvPicPr>
+        <p:blipFill>
+          <a:blip r:embed="rId2">
+            <a:extLst>
+              <a:ext uri="{28A0092B-C50C-407E-A947-70E740481C1C}">
+                <a14:useLocalDpi xmlns:a14="http://schemas.microsoft.com/office/drawing/2010/main" val="0"/>
+              </a:ext>
+            </a:extLst>
+          </a:blip>
+          <a:srcRect/>
+          <a:stretch>
+            <a:fillRect/>
+          </a:stretch>
+        </p:blipFill>
+        <p:spPr bwMode="auto">
+          <a:xfrm>
+            <a:off x="6800211" y="925043"/>
+            <a:ext cx="4625350" cy="5324837"/>
+          </a:xfrm>
+          <a:prstGeom prst="rect">
+            <a:avLst/>
+          </a:prstGeom>
+          <a:noFill/>
+          <a:ln>
+            <a:noFill/>
+          </a:ln>
+        </p:spPr>
+      </p:pic>
+      <p:pic>
+        <p:nvPicPr>
+          <p:cNvPr id="5" name="图片 4"/>
+          <p:cNvPicPr>
+            <a:picLocks noChangeAspect="1"/>
+          </p:cNvPicPr>
+          <p:nvPr/>
+        </p:nvPicPr>
+        <p:blipFill rotWithShape="1">
+          <a:blip r:embed="rId3">
+            <a:extLst>
+              <a:ext uri="{28A0092B-C50C-407E-A947-70E740481C1C}">
+                <a14:useLocalDpi xmlns:a14="http://schemas.microsoft.com/office/drawing/2010/main" val="0"/>
+              </a:ext>
+            </a:extLst>
+          </a:blip>
+          <a:srcRect b="34328"/>
+          <a:stretch/>
+        </p:blipFill>
+        <p:spPr>
+          <a:xfrm>
+            <a:off x="2421423" y="1166845"/>
+            <a:ext cx="4102100" cy="3069253"/>
+          </a:xfrm>
+          <a:prstGeom prst="rect">
+            <a:avLst/>
+          </a:prstGeom>
+        </p:spPr>
+      </p:pic>
+      <p:sp>
+        <p:nvSpPr>
+          <p:cNvPr id="6" name="文本框 5"/>
+          <p:cNvSpPr txBox="1"/>
+          <p:nvPr/>
+        </p:nvSpPr>
+        <p:spPr>
+          <a:xfrm>
+            <a:off x="3249227" y="2701471"/>
+            <a:ext cx="328474" cy="369332"/>
+          </a:xfrm>
+          <a:prstGeom prst="rect">
+            <a:avLst/>
+          </a:prstGeom>
+          <a:noFill/>
+        </p:spPr>
+        <p:txBody>
+          <a:bodyPr wrap="square" rtlCol="0">
+            <a:spAutoFit/>
+          </a:bodyPr>
+          <a:lstStyle/>
+          <a:p>
+            <a:r>
+              <a:rPr lang="en-US" altLang="zh-CN" dirty="0"/>
+              <a:t>A</a:t>
+            </a:r>
+            <a:endParaRPr lang="zh-CN" altLang="en-US" dirty="0"/>
+          </a:p>
+        </p:txBody>
+      </p:sp>
+      <p:sp>
+        <p:nvSpPr>
+          <p:cNvPr id="7" name="文本框 6"/>
+          <p:cNvSpPr txBox="1"/>
+          <p:nvPr/>
+        </p:nvSpPr>
+        <p:spPr>
+          <a:xfrm>
+            <a:off x="5115018" y="2701471"/>
+            <a:ext cx="328474" cy="369332"/>
+          </a:xfrm>
+          <a:prstGeom prst="rect">
+            <a:avLst/>
+          </a:prstGeom>
+          <a:noFill/>
+        </p:spPr>
+        <p:txBody>
+          <a:bodyPr wrap="square" rtlCol="0">
+            <a:spAutoFit/>
+          </a:bodyPr>
+          <a:lstStyle/>
+          <a:p>
+            <a:r>
+              <a:rPr lang="en-US" altLang="zh-CN" dirty="0"/>
+              <a:t>B</a:t>
+            </a:r>
+            <a:endParaRPr lang="zh-CN" altLang="en-US" dirty="0"/>
+          </a:p>
+        </p:txBody>
+      </p:sp>
+      <p:sp>
+        <p:nvSpPr>
+          <p:cNvPr id="8" name="文本框 5"/>
+          <p:cNvSpPr txBox="1"/>
+          <p:nvPr/>
+        </p:nvSpPr>
+        <p:spPr>
+          <a:xfrm>
+            <a:off x="3272161" y="4236097"/>
+            <a:ext cx="282606" cy="369332"/>
+          </a:xfrm>
+          <a:prstGeom prst="rect">
+            <a:avLst/>
+          </a:prstGeom>
+          <a:noFill/>
+        </p:spPr>
+        <p:txBody>
+          <a:bodyPr wrap="square" rtlCol="0">
+            <a:spAutoFit/>
+          </a:bodyPr>
+          <a:lstStyle>
+            <a:defPPr>
+              <a:defRPr lang="zh-CN"/>
+            </a:defPPr>
+            <a:lvl1pPr marL="0" algn="l" defTabSz="914400" rtl="0" eaLnBrk="1" latinLnBrk="0" hangingPunct="1">
+              <a:defRPr sz="1800" kern="1200">
+                <a:solidFill>
+                  <a:schemeClr val="tx1"/>
+                </a:solidFill>
+                <a:latin typeface="+mn-lt"/>
+                <a:ea typeface="+mn-ea"/>
+                <a:cs typeface="+mn-cs"/>
+              </a:defRPr>
+            </a:lvl1pPr>
+            <a:lvl2pPr marL="457200" algn="l" defTabSz="914400" rtl="0" eaLnBrk="1" latinLnBrk="0" hangingPunct="1">
+              <a:defRPr sz="1800" kern="1200">
+                <a:solidFill>
+                  <a:schemeClr val="tx1"/>
+                </a:solidFill>
+                <a:latin typeface="+mn-lt"/>
+                <a:ea typeface="+mn-ea"/>
+                <a:cs typeface="+mn-cs"/>
+              </a:defRPr>
+            </a:lvl2pPr>
+            <a:lvl3pPr marL="914400" algn="l" defTabSz="914400" rtl="0" eaLnBrk="1" latinLnBrk="0" hangingPunct="1">
+              <a:defRPr sz="1800" kern="1200">
+                <a:solidFill>
+                  <a:schemeClr val="tx1"/>
+                </a:solidFill>
+                <a:latin typeface="+mn-lt"/>
+                <a:ea typeface="+mn-ea"/>
+                <a:cs typeface="+mn-cs"/>
+              </a:defRPr>
+            </a:lvl3pPr>
+            <a:lvl4pPr marL="1371600" algn="l" defTabSz="914400" rtl="0" eaLnBrk="1" latinLnBrk="0" hangingPunct="1">
+              <a:defRPr sz="1800" kern="1200">
+                <a:solidFill>
+                  <a:schemeClr val="tx1"/>
+                </a:solidFill>
+                <a:latin typeface="+mn-lt"/>
+                <a:ea typeface="+mn-ea"/>
+                <a:cs typeface="+mn-cs"/>
+              </a:defRPr>
+            </a:lvl4pPr>
+            <a:lvl5pPr marL="1828800" algn="l" defTabSz="914400" rtl="0" eaLnBrk="1" latinLnBrk="0" hangingPunct="1">
+              <a:defRPr sz="1800" kern="1200">
+                <a:solidFill>
+                  <a:schemeClr val="tx1"/>
+                </a:solidFill>
+                <a:latin typeface="+mn-lt"/>
+                <a:ea typeface="+mn-ea"/>
+                <a:cs typeface="+mn-cs"/>
+              </a:defRPr>
+            </a:lvl5pPr>
+            <a:lvl6pPr marL="2286000" algn="l" defTabSz="914400" rtl="0" eaLnBrk="1" latinLnBrk="0" hangingPunct="1">
+              <a:defRPr sz="1800" kern="1200">
+                <a:solidFill>
+                  <a:schemeClr val="tx1"/>
+                </a:solidFill>
+                <a:latin typeface="+mn-lt"/>
+                <a:ea typeface="+mn-ea"/>
+                <a:cs typeface="+mn-cs"/>
+              </a:defRPr>
+            </a:lvl6pPr>
+            <a:lvl7pPr marL="2743200" algn="l" defTabSz="914400" rtl="0" eaLnBrk="1" latinLnBrk="0" hangingPunct="1">
+              <a:defRPr sz="1800" kern="1200">
+                <a:solidFill>
+                  <a:schemeClr val="tx1"/>
+                </a:solidFill>
+                <a:latin typeface="+mn-lt"/>
+                <a:ea typeface="+mn-ea"/>
+                <a:cs typeface="+mn-cs"/>
+              </a:defRPr>
+            </a:lvl7pPr>
+            <a:lvl8pPr marL="3200400" algn="l" defTabSz="914400" rtl="0" eaLnBrk="1" latinLnBrk="0" hangingPunct="1">
+              <a:defRPr sz="1800" kern="1200">
+                <a:solidFill>
+                  <a:schemeClr val="tx1"/>
+                </a:solidFill>
+                <a:latin typeface="+mn-lt"/>
+                <a:ea typeface="+mn-ea"/>
+                <a:cs typeface="+mn-cs"/>
+              </a:defRPr>
+            </a:lvl8pPr>
+            <a:lvl9pPr marL="3657600" algn="l" defTabSz="914400" rtl="0" eaLnBrk="1" latinLnBrk="0" hangingPunct="1">
+              <a:defRPr sz="1800" kern="1200">
+                <a:solidFill>
+                  <a:schemeClr val="tx1"/>
+                </a:solidFill>
+                <a:latin typeface="+mn-lt"/>
+                <a:ea typeface="+mn-ea"/>
+                <a:cs typeface="+mn-cs"/>
+              </a:defRPr>
+            </a:lvl9pPr>
+          </a:lstStyle>
+          <a:p>
+            <a:r>
+              <a:rPr lang="en-US" altLang="zh-CN" dirty="0"/>
+              <a:t>C</a:t>
+            </a:r>
+            <a:endParaRPr lang="zh-CN" altLang="en-US" dirty="0"/>
+          </a:p>
+        </p:txBody>
+      </p:sp>
+      <p:sp>
+        <p:nvSpPr>
+          <p:cNvPr id="9" name="文本框 5"/>
+          <p:cNvSpPr txBox="1"/>
+          <p:nvPr/>
+        </p:nvSpPr>
+        <p:spPr>
+          <a:xfrm>
+            <a:off x="5115018" y="4264747"/>
+            <a:ext cx="328474" cy="369332"/>
+          </a:xfrm>
+          <a:prstGeom prst="rect">
+            <a:avLst/>
+          </a:prstGeom>
+          <a:noFill/>
+        </p:spPr>
+        <p:txBody>
+          <a:bodyPr wrap="square" rtlCol="0">
+            <a:spAutoFit/>
+          </a:bodyPr>
+          <a:lstStyle>
+            <a:defPPr>
+              <a:defRPr lang="zh-CN"/>
+            </a:defPPr>
+            <a:lvl1pPr marL="0" algn="l" defTabSz="914400" rtl="0" eaLnBrk="1" latinLnBrk="0" hangingPunct="1">
+              <a:defRPr sz="1800" kern="1200">
+                <a:solidFill>
+                  <a:schemeClr val="tx1"/>
+                </a:solidFill>
+                <a:latin typeface="+mn-lt"/>
+                <a:ea typeface="+mn-ea"/>
+                <a:cs typeface="+mn-cs"/>
+              </a:defRPr>
+            </a:lvl1pPr>
+            <a:lvl2pPr marL="457200" algn="l" defTabSz="914400" rtl="0" eaLnBrk="1" latinLnBrk="0" hangingPunct="1">
+              <a:defRPr sz="1800" kern="1200">
+                <a:solidFill>
+                  <a:schemeClr val="tx1"/>
+                </a:solidFill>
+                <a:latin typeface="+mn-lt"/>
+                <a:ea typeface="+mn-ea"/>
+                <a:cs typeface="+mn-cs"/>
+              </a:defRPr>
+            </a:lvl2pPr>
+            <a:lvl3pPr marL="914400" algn="l" defTabSz="914400" rtl="0" eaLnBrk="1" latinLnBrk="0" hangingPunct="1">
+              <a:defRPr sz="1800" kern="1200">
+                <a:solidFill>
+                  <a:schemeClr val="tx1"/>
+                </a:solidFill>
+                <a:latin typeface="+mn-lt"/>
+                <a:ea typeface="+mn-ea"/>
+                <a:cs typeface="+mn-cs"/>
+              </a:defRPr>
+            </a:lvl3pPr>
+            <a:lvl4pPr marL="1371600" algn="l" defTabSz="914400" rtl="0" eaLnBrk="1" latinLnBrk="0" hangingPunct="1">
+              <a:defRPr sz="1800" kern="1200">
+                <a:solidFill>
+                  <a:schemeClr val="tx1"/>
+                </a:solidFill>
+                <a:latin typeface="+mn-lt"/>
+                <a:ea typeface="+mn-ea"/>
+                <a:cs typeface="+mn-cs"/>
+              </a:defRPr>
+            </a:lvl4pPr>
+            <a:lvl5pPr marL="1828800" algn="l" defTabSz="914400" rtl="0" eaLnBrk="1" latinLnBrk="0" hangingPunct="1">
+              <a:defRPr sz="1800" kern="1200">
+                <a:solidFill>
+                  <a:schemeClr val="tx1"/>
+                </a:solidFill>
+                <a:latin typeface="+mn-lt"/>
+                <a:ea typeface="+mn-ea"/>
+                <a:cs typeface="+mn-cs"/>
+              </a:defRPr>
+            </a:lvl5pPr>
+            <a:lvl6pPr marL="2286000" algn="l" defTabSz="914400" rtl="0" eaLnBrk="1" latinLnBrk="0" hangingPunct="1">
+              <a:defRPr sz="1800" kern="1200">
+                <a:solidFill>
+                  <a:schemeClr val="tx1"/>
+                </a:solidFill>
+                <a:latin typeface="+mn-lt"/>
+                <a:ea typeface="+mn-ea"/>
+                <a:cs typeface="+mn-cs"/>
+              </a:defRPr>
+            </a:lvl6pPr>
+            <a:lvl7pPr marL="2743200" algn="l" defTabSz="914400" rtl="0" eaLnBrk="1" latinLnBrk="0" hangingPunct="1">
+              <a:defRPr sz="1800" kern="1200">
+                <a:solidFill>
+                  <a:schemeClr val="tx1"/>
+                </a:solidFill>
+                <a:latin typeface="+mn-lt"/>
+                <a:ea typeface="+mn-ea"/>
+                <a:cs typeface="+mn-cs"/>
+              </a:defRPr>
+            </a:lvl7pPr>
+            <a:lvl8pPr marL="3200400" algn="l" defTabSz="914400" rtl="0" eaLnBrk="1" latinLnBrk="0" hangingPunct="1">
+              <a:defRPr sz="1800" kern="1200">
+                <a:solidFill>
+                  <a:schemeClr val="tx1"/>
+                </a:solidFill>
+                <a:latin typeface="+mn-lt"/>
+                <a:ea typeface="+mn-ea"/>
+                <a:cs typeface="+mn-cs"/>
+              </a:defRPr>
+            </a:lvl8pPr>
+            <a:lvl9pPr marL="3657600" algn="l" defTabSz="914400" rtl="0" eaLnBrk="1" latinLnBrk="0" hangingPunct="1">
+              <a:defRPr sz="1800" kern="1200">
+                <a:solidFill>
+                  <a:schemeClr val="tx1"/>
+                </a:solidFill>
+                <a:latin typeface="+mn-lt"/>
+                <a:ea typeface="+mn-ea"/>
+                <a:cs typeface="+mn-cs"/>
+              </a:defRPr>
+            </a:lvl9pPr>
+          </a:lstStyle>
+          <a:p>
+            <a:r>
+              <a:rPr lang="en-US" altLang="zh-CN" dirty="0"/>
+              <a:t>D</a:t>
+            </a:r>
+            <a:endParaRPr lang="zh-CN" altLang="en-US" dirty="0"/>
+          </a:p>
+        </p:txBody>
+      </p:sp>
+      <p:sp>
+        <p:nvSpPr>
+          <p:cNvPr id="10" name="文本框 9"/>
+          <p:cNvSpPr txBox="1"/>
+          <p:nvPr/>
+        </p:nvSpPr>
+        <p:spPr>
+          <a:xfrm>
+            <a:off x="2572961" y="4662728"/>
+            <a:ext cx="3950562" cy="954107"/>
+          </a:xfrm>
+          <a:prstGeom prst="rect">
+            <a:avLst/>
+          </a:prstGeom>
+          <a:noFill/>
+        </p:spPr>
+        <p:txBody>
+          <a:bodyPr wrap="square" rtlCol="0">
+            <a:spAutoFit/>
+          </a:bodyPr>
+          <a:lstStyle/>
+          <a:p>
+            <a:r>
+              <a:rPr lang="en-US" altLang="zh-CN" sz="1400" dirty="0"/>
+              <a:t>A:</a:t>
+            </a:r>
+            <a:r>
+              <a:rPr lang="zh-CN" altLang="en-US" sz="1400" dirty="0"/>
+              <a:t>眶额回皮层（绿色）和腹中前额叶皮层（红色）</a:t>
+            </a:r>
+            <a:endParaRPr lang="en-US" altLang="zh-CN" sz="1400" dirty="0"/>
+          </a:p>
+          <a:p>
+            <a:r>
+              <a:rPr lang="en-US" altLang="zh-CN" sz="1400" dirty="0"/>
+              <a:t>B:</a:t>
+            </a:r>
+            <a:r>
+              <a:rPr lang="zh-CN" altLang="en-US" sz="1400" dirty="0"/>
+              <a:t>背外侧前额也皮层（蓝色）</a:t>
+            </a:r>
+            <a:endParaRPr lang="en-US" altLang="zh-CN" sz="1400" dirty="0"/>
+          </a:p>
+          <a:p>
+            <a:r>
+              <a:rPr lang="en-US" altLang="zh-CN" sz="1400" dirty="0"/>
+              <a:t>C:</a:t>
+            </a:r>
+            <a:r>
+              <a:rPr lang="zh-CN" altLang="en-US" sz="1400" dirty="0"/>
+              <a:t>海马（紫色）和杏仁核（橘色）</a:t>
+            </a:r>
+            <a:endParaRPr lang="en-US" altLang="zh-CN" sz="1400" dirty="0"/>
+          </a:p>
+          <a:p>
+            <a:r>
+              <a:rPr lang="en-US" altLang="zh-CN" sz="1400" dirty="0"/>
+              <a:t>D:</a:t>
+            </a:r>
+            <a:r>
+              <a:rPr lang="zh-CN" altLang="en-US" sz="1400" dirty="0"/>
+              <a:t>前扣带回皮层（黄色）</a:t>
+            </a:r>
+          </a:p>
+        </p:txBody>
+      </p:sp>
+    </p:spTree>
+    <p:extLst>
+      <p:ext uri="{BB962C8B-B14F-4D97-AF65-F5344CB8AC3E}">
+        <p14:creationId xmlns:p14="http://schemas.microsoft.com/office/powerpoint/2010/main" val="1279023496"/>
+      </p:ext>
+    </p:extLst>
+  </p:cSld>
+  <p:clrMapOvr>
+    <a:masterClrMapping/>
+  </p:clrMapOvr>
+</p:sld>
+</file>
+
+<file path=ppt/slides/slide11.xml><?xml version="1.0" encoding="utf-8"?>
+<p:sld xmlns:a="http://schemas.openxmlformats.org/drawingml/2006/main" xmlns:r="http://schemas.openxmlformats.org/officeDocument/2006/relationships" xmlns:p="http://schemas.openxmlformats.org/presentationml/2006/main">
+  <p:cSld>
+    <p:spTree>
+      <p:nvGrpSpPr>
+        <p:cNvPr id="1" name=""/>
+        <p:cNvGrpSpPr/>
+        <p:nvPr/>
+      </p:nvGrpSpPr>
+      <p:grpSpPr>
+        <a:xfrm>
+          <a:off x="0" y="0"/>
+          <a:ext cx="0" cy="0"/>
+          <a:chOff x="0" y="0"/>
+          <a:chExt cx="0" cy="0"/>
+        </a:xfrm>
+      </p:grpSpPr>
+      <p:pic>
+        <p:nvPicPr>
+          <p:cNvPr id="4" name="图片 3"/>
+          <p:cNvPicPr/>
+          <p:nvPr/>
+        </p:nvPicPr>
+        <p:blipFill>
+          <a:blip r:embed="rId2"/>
+          <a:stretch>
+            <a:fillRect/>
+          </a:stretch>
+        </p:blipFill>
+        <p:spPr>
+          <a:xfrm>
+            <a:off x="8787907" y="1841072"/>
+            <a:ext cx="2771140" cy="2485390"/>
+          </a:xfrm>
+          <a:prstGeom prst="rect">
+            <a:avLst/>
+          </a:prstGeom>
+        </p:spPr>
+      </p:pic>
+      <p:cxnSp>
+        <p:nvCxnSpPr>
+          <p:cNvPr id="6" name="直接箭头连接符 5"/>
+          <p:cNvCxnSpPr/>
+          <p:nvPr/>
+        </p:nvCxnSpPr>
+        <p:spPr>
+          <a:xfrm>
+            <a:off x="1296955" y="3480318"/>
+            <a:ext cx="2883159" cy="0"/>
+          </a:xfrm>
+          <a:prstGeom prst="straightConnector1">
+            <a:avLst/>
+          </a:prstGeom>
+          <a:ln>
+            <a:tailEnd type="triangle"/>
+          </a:ln>
+        </p:spPr>
+        <p:style>
+          <a:lnRef idx="3">
+            <a:schemeClr val="dk1"/>
+          </a:lnRef>
+          <a:fillRef idx="0">
+            <a:schemeClr val="dk1"/>
+          </a:fillRef>
+          <a:effectRef idx="2">
+            <a:schemeClr val="dk1"/>
+          </a:effectRef>
+          <a:fontRef idx="minor">
+            <a:schemeClr val="tx1"/>
+          </a:fontRef>
+        </p:style>
+      </p:cxnSp>
+      <p:cxnSp>
+        <p:nvCxnSpPr>
+          <p:cNvPr id="7" name="直接箭头连接符 6"/>
+          <p:cNvCxnSpPr/>
+          <p:nvPr/>
+        </p:nvCxnSpPr>
+        <p:spPr>
+          <a:xfrm flipV="1">
+            <a:off x="2658635" y="2135350"/>
+            <a:ext cx="0" cy="2689935"/>
+          </a:xfrm>
+          <a:prstGeom prst="straightConnector1">
+            <a:avLst/>
+          </a:prstGeom>
+          <a:ln>
+            <a:tailEnd type="triangle"/>
+          </a:ln>
+        </p:spPr>
+        <p:style>
+          <a:lnRef idx="3">
+            <a:schemeClr val="dk1"/>
+          </a:lnRef>
+          <a:fillRef idx="0">
+            <a:schemeClr val="dk1"/>
+          </a:fillRef>
+          <a:effectRef idx="2">
+            <a:schemeClr val="dk1"/>
+          </a:effectRef>
+          <a:fontRef idx="minor">
+            <a:schemeClr val="tx1"/>
+          </a:fontRef>
+        </p:style>
+      </p:cxnSp>
+      <p:sp>
+        <p:nvSpPr>
+          <p:cNvPr id="11" name="文本框 10"/>
+          <p:cNvSpPr txBox="1"/>
+          <p:nvPr/>
+        </p:nvSpPr>
+        <p:spPr>
+          <a:xfrm>
+            <a:off x="3149475" y="2160269"/>
+            <a:ext cx="539799" cy="307777"/>
+          </a:xfrm>
+          <a:prstGeom prst="rect">
+            <a:avLst/>
+          </a:prstGeom>
+          <a:noFill/>
+        </p:spPr>
+        <p:txBody>
+          <a:bodyPr wrap="square" rtlCol="0">
+            <a:spAutoFit/>
+          </a:bodyPr>
+          <a:lstStyle/>
+          <a:p>
+            <a:r>
+              <a:rPr lang="zh-CN" altLang="en-US" sz="1400" b="1" dirty="0">
+                <a:latin typeface="宋体" panose="02010600030101010101" pitchFamily="2" charset="-122"/>
+                <a:ea typeface="宋体" panose="02010600030101010101" pitchFamily="2" charset="-122"/>
+              </a:rPr>
+              <a:t>愉快</a:t>
+            </a:r>
+          </a:p>
+        </p:txBody>
+      </p:sp>
+      <p:sp>
+        <p:nvSpPr>
+          <p:cNvPr id="12" name="文本框 11"/>
+          <p:cNvSpPr txBox="1"/>
+          <p:nvPr/>
+        </p:nvSpPr>
+        <p:spPr>
+          <a:xfrm>
+            <a:off x="3689274" y="2613455"/>
+            <a:ext cx="539800" cy="307778"/>
+          </a:xfrm>
+          <a:prstGeom prst="rect">
+            <a:avLst/>
+          </a:prstGeom>
+          <a:noFill/>
+        </p:spPr>
+        <p:txBody>
+          <a:bodyPr wrap="square" rtlCol="0">
+            <a:spAutoFit/>
+          </a:bodyPr>
+          <a:lstStyle/>
+          <a:p>
+            <a:r>
+              <a:rPr lang="zh-CN" altLang="en-US" sz="1400" b="1" dirty="0">
+                <a:latin typeface="宋体" panose="02010600030101010101" pitchFamily="2" charset="-122"/>
+                <a:ea typeface="宋体" panose="02010600030101010101" pitchFamily="2" charset="-122"/>
+              </a:rPr>
+              <a:t>高兴</a:t>
+            </a:r>
+          </a:p>
+        </p:txBody>
+      </p:sp>
+      <p:sp>
+        <p:nvSpPr>
+          <p:cNvPr id="13" name="文本框 12"/>
+          <p:cNvSpPr txBox="1"/>
+          <p:nvPr/>
+        </p:nvSpPr>
+        <p:spPr>
+          <a:xfrm>
+            <a:off x="3904384" y="4030910"/>
+            <a:ext cx="539800" cy="307778"/>
+          </a:xfrm>
+          <a:prstGeom prst="rect">
+            <a:avLst/>
+          </a:prstGeom>
+          <a:noFill/>
+        </p:spPr>
+        <p:txBody>
+          <a:bodyPr wrap="square" rtlCol="0">
+            <a:spAutoFit/>
+          </a:bodyPr>
+          <a:lstStyle/>
+          <a:p>
+            <a:r>
+              <a:rPr lang="zh-CN" altLang="en-US" sz="1400" b="1" dirty="0">
+                <a:latin typeface="宋体" panose="02010600030101010101" pitchFamily="2" charset="-122"/>
+                <a:ea typeface="宋体" panose="02010600030101010101" pitchFamily="2" charset="-122"/>
+              </a:rPr>
+              <a:t>愤怒</a:t>
+            </a:r>
+          </a:p>
+        </p:txBody>
+      </p:sp>
+      <p:sp>
+        <p:nvSpPr>
+          <p:cNvPr id="14" name="文本框 13"/>
+          <p:cNvSpPr txBox="1"/>
+          <p:nvPr/>
+        </p:nvSpPr>
+        <p:spPr>
+          <a:xfrm>
+            <a:off x="3331427" y="4492591"/>
+            <a:ext cx="539800" cy="307778"/>
+          </a:xfrm>
+          <a:prstGeom prst="rect">
+            <a:avLst/>
+          </a:prstGeom>
+          <a:noFill/>
+        </p:spPr>
+        <p:txBody>
+          <a:bodyPr wrap="square" rtlCol="0">
+            <a:spAutoFit/>
+          </a:bodyPr>
+          <a:lstStyle/>
+          <a:p>
+            <a:r>
+              <a:rPr lang="zh-CN" altLang="en-US" sz="1400" b="1" dirty="0">
+                <a:latin typeface="宋体" panose="02010600030101010101" pitchFamily="2" charset="-122"/>
+                <a:ea typeface="宋体" panose="02010600030101010101" pitchFamily="2" charset="-122"/>
+              </a:rPr>
+              <a:t>厌恶</a:t>
+            </a:r>
+          </a:p>
+        </p:txBody>
+      </p:sp>
+      <p:sp>
+        <p:nvSpPr>
+          <p:cNvPr id="15" name="文本框 14"/>
+          <p:cNvSpPr txBox="1"/>
+          <p:nvPr/>
+        </p:nvSpPr>
+        <p:spPr>
+          <a:xfrm>
+            <a:off x="1652109" y="4463465"/>
+            <a:ext cx="539800" cy="307778"/>
+          </a:xfrm>
+          <a:prstGeom prst="rect">
+            <a:avLst/>
+          </a:prstGeom>
+          <a:noFill/>
+        </p:spPr>
+        <p:txBody>
+          <a:bodyPr wrap="square" rtlCol="0">
+            <a:spAutoFit/>
+          </a:bodyPr>
+          <a:lstStyle/>
+          <a:p>
+            <a:r>
+              <a:rPr lang="zh-CN" altLang="en-US" sz="1400" b="1" dirty="0">
+                <a:latin typeface="宋体" panose="02010600030101010101" pitchFamily="2" charset="-122"/>
+                <a:ea typeface="宋体" panose="02010600030101010101" pitchFamily="2" charset="-122"/>
+              </a:rPr>
+              <a:t>悲伤</a:t>
+            </a:r>
+          </a:p>
+        </p:txBody>
+      </p:sp>
+      <p:sp>
+        <p:nvSpPr>
+          <p:cNvPr id="16" name="文本框 15"/>
+          <p:cNvSpPr txBox="1"/>
+          <p:nvPr/>
+        </p:nvSpPr>
+        <p:spPr>
+          <a:xfrm>
+            <a:off x="1215539" y="3986453"/>
+            <a:ext cx="539800" cy="307778"/>
+          </a:xfrm>
+          <a:prstGeom prst="rect">
+            <a:avLst/>
+          </a:prstGeom>
+          <a:noFill/>
+        </p:spPr>
+        <p:txBody>
+          <a:bodyPr wrap="square" rtlCol="0">
+            <a:spAutoFit/>
+          </a:bodyPr>
+          <a:lstStyle/>
+          <a:p>
+            <a:r>
+              <a:rPr lang="zh-CN" altLang="en-US" sz="1400" b="1" dirty="0">
+                <a:latin typeface="宋体" panose="02010600030101010101" pitchFamily="2" charset="-122"/>
+                <a:ea typeface="宋体" panose="02010600030101010101" pitchFamily="2" charset="-122"/>
+              </a:rPr>
+              <a:t>沮丧</a:t>
+            </a:r>
+          </a:p>
+        </p:txBody>
+      </p:sp>
+      <p:sp>
+        <p:nvSpPr>
+          <p:cNvPr id="17" name="文本框 16"/>
+          <p:cNvSpPr txBox="1"/>
+          <p:nvPr/>
+        </p:nvSpPr>
+        <p:spPr>
+          <a:xfrm>
+            <a:off x="816153" y="3296207"/>
+            <a:ext cx="539800" cy="307778"/>
+          </a:xfrm>
+          <a:prstGeom prst="rect">
+            <a:avLst/>
+          </a:prstGeom>
+          <a:noFill/>
+        </p:spPr>
+        <p:txBody>
+          <a:bodyPr wrap="square" rtlCol="0">
+            <a:spAutoFit/>
+          </a:bodyPr>
+          <a:lstStyle/>
+          <a:p>
+            <a:r>
+              <a:rPr lang="zh-CN" altLang="en-US" sz="1400" b="1" dirty="0">
+                <a:latin typeface="宋体" panose="02010600030101010101" pitchFamily="2" charset="-122"/>
+                <a:ea typeface="宋体" panose="02010600030101010101" pitchFamily="2" charset="-122"/>
+              </a:rPr>
+              <a:t>无聊</a:t>
+            </a:r>
+          </a:p>
+        </p:txBody>
+      </p:sp>
+      <p:sp>
+        <p:nvSpPr>
+          <p:cNvPr id="18" name="文本框 17"/>
+          <p:cNvSpPr txBox="1"/>
+          <p:nvPr/>
+        </p:nvSpPr>
+        <p:spPr>
+          <a:xfrm>
+            <a:off x="1135969" y="2695831"/>
+            <a:ext cx="539800" cy="307778"/>
+          </a:xfrm>
+          <a:prstGeom prst="rect">
+            <a:avLst/>
+          </a:prstGeom>
+          <a:noFill/>
+        </p:spPr>
+        <p:txBody>
+          <a:bodyPr wrap="square" rtlCol="0">
+            <a:spAutoFit/>
+          </a:bodyPr>
+          <a:lstStyle/>
+          <a:p>
+            <a:r>
+              <a:rPr lang="zh-CN" altLang="en-US" sz="1400" b="1" dirty="0">
+                <a:latin typeface="宋体" panose="02010600030101010101" pitchFamily="2" charset="-122"/>
+                <a:ea typeface="宋体" panose="02010600030101010101" pitchFamily="2" charset="-122"/>
+              </a:rPr>
+              <a:t>放松</a:t>
+            </a:r>
+          </a:p>
+        </p:txBody>
+      </p:sp>
+      <p:sp>
+        <p:nvSpPr>
+          <p:cNvPr id="19" name="文本框 18"/>
+          <p:cNvSpPr txBox="1"/>
+          <p:nvPr/>
+        </p:nvSpPr>
+        <p:spPr>
+          <a:xfrm>
+            <a:off x="1652109" y="2234166"/>
+            <a:ext cx="539800" cy="307778"/>
+          </a:xfrm>
+          <a:prstGeom prst="rect">
+            <a:avLst/>
+          </a:prstGeom>
+          <a:noFill/>
+        </p:spPr>
+        <p:txBody>
+          <a:bodyPr wrap="square" rtlCol="0">
+            <a:spAutoFit/>
+          </a:bodyPr>
+          <a:lstStyle/>
+          <a:p>
+            <a:r>
+              <a:rPr lang="zh-CN" altLang="en-US" sz="1400" b="1" dirty="0">
+                <a:latin typeface="宋体" panose="02010600030101010101" pitchFamily="2" charset="-122"/>
+                <a:ea typeface="宋体" panose="02010600030101010101" pitchFamily="2" charset="-122"/>
+              </a:rPr>
+              <a:t>轻松</a:t>
+            </a:r>
+          </a:p>
+        </p:txBody>
+      </p:sp>
+      <p:sp>
+        <p:nvSpPr>
+          <p:cNvPr id="20" name="文本框 19"/>
+          <p:cNvSpPr txBox="1"/>
+          <p:nvPr/>
+        </p:nvSpPr>
+        <p:spPr>
+          <a:xfrm>
+            <a:off x="2388735" y="1827572"/>
+            <a:ext cx="539800" cy="307778"/>
+          </a:xfrm>
+          <a:prstGeom prst="rect">
+            <a:avLst/>
+          </a:prstGeom>
+          <a:noFill/>
+        </p:spPr>
+        <p:txBody>
+          <a:bodyPr wrap="square" rtlCol="0">
+            <a:spAutoFit/>
+          </a:bodyPr>
+          <a:lstStyle/>
+          <a:p>
+            <a:r>
+              <a:rPr lang="zh-CN" altLang="en-US" sz="1400" b="1" dirty="0">
+                <a:latin typeface="宋体" panose="02010600030101010101" pitchFamily="2" charset="-122"/>
+                <a:ea typeface="宋体" panose="02010600030101010101" pitchFamily="2" charset="-122"/>
+              </a:rPr>
+              <a:t>喜欢</a:t>
+            </a:r>
+          </a:p>
+        </p:txBody>
+      </p:sp>
+      <p:sp>
+        <p:nvSpPr>
+          <p:cNvPr id="21" name="文本框 20"/>
+          <p:cNvSpPr txBox="1"/>
+          <p:nvPr/>
+        </p:nvSpPr>
+        <p:spPr>
+          <a:xfrm>
+            <a:off x="2388735" y="4869754"/>
+            <a:ext cx="539800" cy="307778"/>
+          </a:xfrm>
+          <a:prstGeom prst="rect">
+            <a:avLst/>
+          </a:prstGeom>
+          <a:noFill/>
+        </p:spPr>
+        <p:txBody>
+          <a:bodyPr wrap="square" rtlCol="0">
+            <a:spAutoFit/>
+          </a:bodyPr>
+          <a:lstStyle/>
+          <a:p>
+            <a:r>
+              <a:rPr lang="zh-CN" altLang="en-US" sz="1400" b="1" dirty="0">
+                <a:latin typeface="宋体" panose="02010600030101010101" pitchFamily="2" charset="-122"/>
+                <a:ea typeface="宋体" panose="02010600030101010101" pitchFamily="2" charset="-122"/>
+              </a:rPr>
+              <a:t>憎恨</a:t>
+            </a:r>
+          </a:p>
+        </p:txBody>
+      </p:sp>
+      <p:sp>
+        <p:nvSpPr>
+          <p:cNvPr id="22" name="文本框 21"/>
+          <p:cNvSpPr txBox="1"/>
+          <p:nvPr/>
+        </p:nvSpPr>
+        <p:spPr>
+          <a:xfrm>
+            <a:off x="4131153" y="3296207"/>
+            <a:ext cx="539800" cy="307778"/>
+          </a:xfrm>
+          <a:prstGeom prst="rect">
+            <a:avLst/>
+          </a:prstGeom>
+          <a:noFill/>
+        </p:spPr>
+        <p:txBody>
+          <a:bodyPr wrap="square" rtlCol="0">
+            <a:spAutoFit/>
+          </a:bodyPr>
+          <a:lstStyle/>
+          <a:p>
+            <a:r>
+              <a:rPr lang="zh-CN" altLang="en-US" sz="1400" b="1" dirty="0">
+                <a:latin typeface="宋体" panose="02010600030101010101" pitchFamily="2" charset="-122"/>
+                <a:ea typeface="宋体" panose="02010600030101010101" pitchFamily="2" charset="-122"/>
+              </a:rPr>
+              <a:t>兴奋</a:t>
+            </a:r>
+          </a:p>
+        </p:txBody>
+      </p:sp>
+    </p:spTree>
+    <p:extLst>
+      <p:ext uri="{BB962C8B-B14F-4D97-AF65-F5344CB8AC3E}">
+        <p14:creationId xmlns:p14="http://schemas.microsoft.com/office/powerpoint/2010/main" val="2324270500"/>
+      </p:ext>
+    </p:extLst>
+  </p:cSld>
+  <p:clrMapOvr>
+    <a:masterClrMapping/>
+  </p:clrMapOvr>
+</p:sld>
+</file>
+
+<file path=ppt/slides/slide12.xml><?xml version="1.0" encoding="utf-8"?>
+<p:sld xmlns:a="http://schemas.openxmlformats.org/drawingml/2006/main" xmlns:r="http://schemas.openxmlformats.org/officeDocument/2006/relationships" xmlns:p="http://schemas.openxmlformats.org/presentationml/2006/main">
+  <p:cSld>
+    <p:spTree>
+      <p:nvGrpSpPr>
+        <p:cNvPr id="1" name=""/>
+        <p:cNvGrpSpPr/>
+        <p:nvPr/>
+      </p:nvGrpSpPr>
+      <p:grpSpPr>
+        <a:xfrm>
+          <a:off x="0" y="0"/>
+          <a:ext cx="0" cy="0"/>
+          <a:chOff x="0" y="0"/>
+          <a:chExt cx="0" cy="0"/>
+        </a:xfrm>
+      </p:grpSpPr>
+      <p:pic>
+        <p:nvPicPr>
+          <p:cNvPr id="4" name="图片 3"/>
+          <p:cNvPicPr>
+            <a:picLocks noChangeAspect="1"/>
+          </p:cNvPicPr>
+          <p:nvPr/>
+        </p:nvPicPr>
+        <p:blipFill>
+          <a:blip r:embed="rId2">
+            <a:extLst>
+              <a:ext uri="{28A0092B-C50C-407E-A947-70E740481C1C}">
+                <a14:useLocalDpi xmlns:a14="http://schemas.microsoft.com/office/drawing/2010/main" val="0"/>
+              </a:ext>
+            </a:extLst>
+          </a:blip>
+          <a:stretch>
+            <a:fillRect/>
+          </a:stretch>
+        </p:blipFill>
+        <p:spPr>
+          <a:xfrm>
+            <a:off x="2062532" y="0"/>
+            <a:ext cx="8066936" cy="6858000"/>
+          </a:xfrm>
+          <a:prstGeom prst="rect">
+            <a:avLst/>
+          </a:prstGeom>
+        </p:spPr>
+      </p:pic>
+      <p:sp>
+        <p:nvSpPr>
+          <p:cNvPr id="6" name="矩形 5"/>
+          <p:cNvSpPr/>
+          <p:nvPr/>
+        </p:nvSpPr>
+        <p:spPr>
+          <a:xfrm>
+            <a:off x="2805344" y="929936"/>
+            <a:ext cx="958788" cy="426128"/>
+          </a:xfrm>
+          <a:prstGeom prst="rect">
+            <a:avLst/>
+          </a:prstGeom>
+          <a:solidFill>
+            <a:schemeClr val="tx1"/>
+          </a:solidFill>
+        </p:spPr>
+        <p:style>
+          <a:lnRef idx="2">
+            <a:schemeClr val="accent1">
+              <a:shade val="50000"/>
+            </a:schemeClr>
+          </a:lnRef>
+          <a:fillRef idx="1">
+            <a:schemeClr val="accent1"/>
+          </a:fillRef>
+          <a:effectRef idx="0">
+            <a:schemeClr val="accent1"/>
+          </a:effectRef>
+          <a:fontRef idx="minor">
+            <a:schemeClr val="lt1"/>
+          </a:fontRef>
+        </p:style>
+        <p:txBody>
+          <a:bodyPr rtlCol="0" anchor="ctr"/>
+          <a:lstStyle/>
+          <a:p>
+            <a:pPr algn="ctr"/>
+            <a:r>
+              <a:rPr lang="en-US" altLang="zh-CN" dirty="0"/>
+              <a:t>VR</a:t>
+            </a:r>
+            <a:r>
+              <a:rPr lang="zh-CN" altLang="en-US" dirty="0"/>
+              <a:t>头显</a:t>
+            </a:r>
+          </a:p>
+        </p:txBody>
+      </p:sp>
+      <p:sp>
+        <p:nvSpPr>
+          <p:cNvPr id="7" name="矩形 6"/>
+          <p:cNvSpPr/>
+          <p:nvPr/>
+        </p:nvSpPr>
+        <p:spPr>
+          <a:xfrm>
+            <a:off x="3827756" y="90997"/>
+            <a:ext cx="958788" cy="426128"/>
+          </a:xfrm>
+          <a:prstGeom prst="rect">
+            <a:avLst/>
+          </a:prstGeom>
+          <a:solidFill>
+            <a:schemeClr val="tx1"/>
+          </a:solidFill>
+        </p:spPr>
+        <p:style>
+          <a:lnRef idx="2">
+            <a:schemeClr val="accent1">
+              <a:shade val="50000"/>
+            </a:schemeClr>
+          </a:lnRef>
+          <a:fillRef idx="1">
+            <a:schemeClr val="accent1"/>
+          </a:fillRef>
+          <a:effectRef idx="0">
+            <a:schemeClr val="accent1"/>
+          </a:effectRef>
+          <a:fontRef idx="minor">
+            <a:schemeClr val="lt1"/>
+          </a:fontRef>
+        </p:style>
+        <p:txBody>
+          <a:bodyPr rtlCol="0" anchor="ctr"/>
+          <a:lstStyle/>
+          <a:p>
+            <a:pPr algn="ctr"/>
+            <a:r>
+              <a:rPr lang="zh-CN" altLang="en-US" dirty="0"/>
+              <a:t>脑电帽</a:t>
+            </a:r>
+          </a:p>
+        </p:txBody>
+      </p:sp>
+      <p:sp>
+        <p:nvSpPr>
+          <p:cNvPr id="10" name="矩形 9"/>
+          <p:cNvSpPr/>
+          <p:nvPr/>
+        </p:nvSpPr>
+        <p:spPr>
+          <a:xfrm>
+            <a:off x="5993906" y="2215719"/>
+            <a:ext cx="1214762" cy="426128"/>
+          </a:xfrm>
+          <a:prstGeom prst="rect">
+            <a:avLst/>
+          </a:prstGeom>
+          <a:solidFill>
+            <a:schemeClr val="tx1"/>
+          </a:solidFill>
+        </p:spPr>
+        <p:style>
+          <a:lnRef idx="2">
+            <a:schemeClr val="accent1">
+              <a:shade val="50000"/>
+            </a:schemeClr>
+          </a:lnRef>
+          <a:fillRef idx="1">
+            <a:schemeClr val="accent1"/>
+          </a:fillRef>
+          <a:effectRef idx="0">
+            <a:schemeClr val="accent1"/>
+          </a:effectRef>
+          <a:fontRef idx="minor">
+            <a:schemeClr val="lt1"/>
+          </a:fontRef>
+        </p:style>
+        <p:txBody>
+          <a:bodyPr rtlCol="0" anchor="ctr"/>
+          <a:lstStyle/>
+          <a:p>
+            <a:pPr algn="ctr"/>
+            <a:r>
+              <a:rPr lang="en-US" altLang="zh-CN" dirty="0"/>
+              <a:t>VR</a:t>
+            </a:r>
+            <a:r>
+              <a:rPr lang="zh-CN" altLang="en-US" dirty="0"/>
+              <a:t>显示器</a:t>
+            </a:r>
+          </a:p>
+        </p:txBody>
+      </p:sp>
+      <p:sp>
+        <p:nvSpPr>
+          <p:cNvPr id="11" name="矩形 10"/>
+          <p:cNvSpPr/>
+          <p:nvPr/>
+        </p:nvSpPr>
+        <p:spPr>
+          <a:xfrm>
+            <a:off x="8469297" y="2256407"/>
+            <a:ext cx="1455937" cy="557813"/>
+          </a:xfrm>
+          <a:prstGeom prst="rect">
+            <a:avLst/>
+          </a:prstGeom>
+          <a:solidFill>
+            <a:schemeClr val="tx1"/>
+          </a:solidFill>
+        </p:spPr>
+        <p:style>
+          <a:lnRef idx="2">
+            <a:schemeClr val="accent1">
+              <a:shade val="50000"/>
+            </a:schemeClr>
+          </a:lnRef>
+          <a:fillRef idx="1">
+            <a:schemeClr val="accent1"/>
+          </a:fillRef>
+          <a:effectRef idx="0">
+            <a:schemeClr val="accent1"/>
+          </a:effectRef>
+          <a:fontRef idx="minor">
+            <a:schemeClr val="lt1"/>
+          </a:fontRef>
+        </p:style>
+        <p:txBody>
+          <a:bodyPr rot="0" spcFirstLastPara="0" vert="horz" wrap="square" lIns="91440" tIns="45720" rIns="91440" bIns="45720" numCol="1" spcCol="0" rtlCol="0" fromWordArt="0" anchor="ctr" anchorCtr="0" forceAA="0" compatLnSpc="1">
+            <a:prstTxWarp prst="textNoShape">
+              <a:avLst/>
+            </a:prstTxWarp>
+            <a:noAutofit/>
+          </a:bodyPr>
+          <a:lstStyle>
+            <a:defPPr>
+              <a:defRPr lang="zh-CN"/>
+            </a:defPPr>
+            <a:lvl1pPr marL="0" algn="l" defTabSz="914400" rtl="0" eaLnBrk="1" latinLnBrk="0" hangingPunct="1">
+              <a:defRPr sz="1800" kern="1200">
+                <a:solidFill>
+                  <a:schemeClr val="lt1"/>
+                </a:solidFill>
+                <a:latin typeface="+mn-lt"/>
+                <a:ea typeface="+mn-ea"/>
+                <a:cs typeface="+mn-cs"/>
+              </a:defRPr>
+            </a:lvl1pPr>
+            <a:lvl2pPr marL="457200" algn="l" defTabSz="914400" rtl="0" eaLnBrk="1" latinLnBrk="0" hangingPunct="1">
+              <a:defRPr sz="1800" kern="1200">
+                <a:solidFill>
+                  <a:schemeClr val="lt1"/>
+                </a:solidFill>
+                <a:latin typeface="+mn-lt"/>
+                <a:ea typeface="+mn-ea"/>
+                <a:cs typeface="+mn-cs"/>
+              </a:defRPr>
+            </a:lvl2pPr>
+            <a:lvl3pPr marL="914400" algn="l" defTabSz="914400" rtl="0" eaLnBrk="1" latinLnBrk="0" hangingPunct="1">
+              <a:defRPr sz="1800" kern="1200">
+                <a:solidFill>
+                  <a:schemeClr val="lt1"/>
+                </a:solidFill>
+                <a:latin typeface="+mn-lt"/>
+                <a:ea typeface="+mn-ea"/>
+                <a:cs typeface="+mn-cs"/>
+              </a:defRPr>
+            </a:lvl3pPr>
+            <a:lvl4pPr marL="1371600" algn="l" defTabSz="914400" rtl="0" eaLnBrk="1" latinLnBrk="0" hangingPunct="1">
+              <a:defRPr sz="1800" kern="1200">
+                <a:solidFill>
+                  <a:schemeClr val="lt1"/>
+                </a:solidFill>
+                <a:latin typeface="+mn-lt"/>
+                <a:ea typeface="+mn-ea"/>
+                <a:cs typeface="+mn-cs"/>
+              </a:defRPr>
+            </a:lvl4pPr>
+            <a:lvl5pPr marL="1828800" algn="l" defTabSz="914400" rtl="0" eaLnBrk="1" latinLnBrk="0" hangingPunct="1">
+              <a:defRPr sz="1800" kern="1200">
+                <a:solidFill>
+                  <a:schemeClr val="lt1"/>
+                </a:solidFill>
+                <a:latin typeface="+mn-lt"/>
+                <a:ea typeface="+mn-ea"/>
+                <a:cs typeface="+mn-cs"/>
+              </a:defRPr>
+            </a:lvl5pPr>
+            <a:lvl6pPr marL="2286000" algn="l" defTabSz="914400" rtl="0" eaLnBrk="1" latinLnBrk="0" hangingPunct="1">
+              <a:defRPr sz="1800" kern="1200">
+                <a:solidFill>
+                  <a:schemeClr val="lt1"/>
+                </a:solidFill>
+                <a:latin typeface="+mn-lt"/>
+                <a:ea typeface="+mn-ea"/>
+                <a:cs typeface="+mn-cs"/>
+              </a:defRPr>
+            </a:lvl6pPr>
+            <a:lvl7pPr marL="2743200" algn="l" defTabSz="914400" rtl="0" eaLnBrk="1" latinLnBrk="0" hangingPunct="1">
+              <a:defRPr sz="1800" kern="1200">
+                <a:solidFill>
+                  <a:schemeClr val="lt1"/>
+                </a:solidFill>
+                <a:latin typeface="+mn-lt"/>
+                <a:ea typeface="+mn-ea"/>
+                <a:cs typeface="+mn-cs"/>
+              </a:defRPr>
+            </a:lvl7pPr>
+            <a:lvl8pPr marL="3200400" algn="l" defTabSz="914400" rtl="0" eaLnBrk="1" latinLnBrk="0" hangingPunct="1">
+              <a:defRPr sz="1800" kern="1200">
+                <a:solidFill>
+                  <a:schemeClr val="lt1"/>
+                </a:solidFill>
+                <a:latin typeface="+mn-lt"/>
+                <a:ea typeface="+mn-ea"/>
+                <a:cs typeface="+mn-cs"/>
+              </a:defRPr>
+            </a:lvl8pPr>
+            <a:lvl9pPr marL="3657600" algn="l" defTabSz="914400" rtl="0" eaLnBrk="1" latinLnBrk="0" hangingPunct="1">
+              <a:defRPr sz="1800" kern="1200">
+                <a:solidFill>
+                  <a:schemeClr val="lt1"/>
+                </a:solidFill>
+                <a:latin typeface="+mn-lt"/>
+                <a:ea typeface="+mn-ea"/>
+                <a:cs typeface="+mn-cs"/>
+              </a:defRPr>
+            </a:lvl9pPr>
+          </a:lstStyle>
+          <a:p>
+            <a:pPr algn="ctr"/>
+            <a:r>
+              <a:rPr lang="zh-CN" altLang="en-US" dirty="0"/>
+              <a:t>脑电采集设备显示器</a:t>
+            </a:r>
+          </a:p>
+        </p:txBody>
+      </p:sp>
+      <p:sp>
+        <p:nvSpPr>
+          <p:cNvPr id="12" name="矩形 11"/>
+          <p:cNvSpPr/>
+          <p:nvPr/>
+        </p:nvSpPr>
+        <p:spPr>
+          <a:xfrm>
+            <a:off x="4733277" y="2620393"/>
+            <a:ext cx="958788" cy="426128"/>
+          </a:xfrm>
+          <a:prstGeom prst="rect">
+            <a:avLst/>
+          </a:prstGeom>
+          <a:solidFill>
+            <a:schemeClr val="tx1"/>
+          </a:solidFill>
+        </p:spPr>
+        <p:style>
+          <a:lnRef idx="2">
+            <a:schemeClr val="accent1">
+              <a:shade val="50000"/>
+            </a:schemeClr>
+          </a:lnRef>
+          <a:fillRef idx="1">
+            <a:schemeClr val="accent1"/>
+          </a:fillRef>
+          <a:effectRef idx="0">
+            <a:schemeClr val="accent1"/>
+          </a:effectRef>
+          <a:fontRef idx="minor">
+            <a:schemeClr val="lt1"/>
+          </a:fontRef>
+        </p:style>
+        <p:txBody>
+          <a:bodyPr rot="0" spcFirstLastPara="0" vert="horz" wrap="square" lIns="91440" tIns="45720" rIns="91440" bIns="45720" numCol="1" spcCol="0" rtlCol="0" fromWordArt="0" anchor="ctr" anchorCtr="0" forceAA="0" compatLnSpc="1">
+            <a:prstTxWarp prst="textNoShape">
+              <a:avLst/>
+            </a:prstTxWarp>
+            <a:noAutofit/>
+          </a:bodyPr>
+          <a:lstStyle>
+            <a:defPPr>
+              <a:defRPr lang="zh-CN"/>
+            </a:defPPr>
+            <a:lvl1pPr marL="0" algn="l" defTabSz="914400" rtl="0" eaLnBrk="1" latinLnBrk="0" hangingPunct="1">
+              <a:defRPr sz="1800" kern="1200">
+                <a:solidFill>
+                  <a:schemeClr val="lt1"/>
+                </a:solidFill>
+                <a:latin typeface="+mn-lt"/>
+                <a:ea typeface="+mn-ea"/>
+                <a:cs typeface="+mn-cs"/>
+              </a:defRPr>
+            </a:lvl1pPr>
+            <a:lvl2pPr marL="457200" algn="l" defTabSz="914400" rtl="0" eaLnBrk="1" latinLnBrk="0" hangingPunct="1">
+              <a:defRPr sz="1800" kern="1200">
+                <a:solidFill>
+                  <a:schemeClr val="lt1"/>
+                </a:solidFill>
+                <a:latin typeface="+mn-lt"/>
+                <a:ea typeface="+mn-ea"/>
+                <a:cs typeface="+mn-cs"/>
+              </a:defRPr>
+            </a:lvl2pPr>
+            <a:lvl3pPr marL="914400" algn="l" defTabSz="914400" rtl="0" eaLnBrk="1" latinLnBrk="0" hangingPunct="1">
+              <a:defRPr sz="1800" kern="1200">
+                <a:solidFill>
+                  <a:schemeClr val="lt1"/>
+                </a:solidFill>
+                <a:latin typeface="+mn-lt"/>
+                <a:ea typeface="+mn-ea"/>
+                <a:cs typeface="+mn-cs"/>
+              </a:defRPr>
+            </a:lvl3pPr>
+            <a:lvl4pPr marL="1371600" algn="l" defTabSz="914400" rtl="0" eaLnBrk="1" latinLnBrk="0" hangingPunct="1">
+              <a:defRPr sz="1800" kern="1200">
+                <a:solidFill>
+                  <a:schemeClr val="lt1"/>
+                </a:solidFill>
+                <a:latin typeface="+mn-lt"/>
+                <a:ea typeface="+mn-ea"/>
+                <a:cs typeface="+mn-cs"/>
+              </a:defRPr>
+            </a:lvl4pPr>
+            <a:lvl5pPr marL="1828800" algn="l" defTabSz="914400" rtl="0" eaLnBrk="1" latinLnBrk="0" hangingPunct="1">
+              <a:defRPr sz="1800" kern="1200">
+                <a:solidFill>
+                  <a:schemeClr val="lt1"/>
+                </a:solidFill>
+                <a:latin typeface="+mn-lt"/>
+                <a:ea typeface="+mn-ea"/>
+                <a:cs typeface="+mn-cs"/>
+              </a:defRPr>
+            </a:lvl5pPr>
+            <a:lvl6pPr marL="2286000" algn="l" defTabSz="914400" rtl="0" eaLnBrk="1" latinLnBrk="0" hangingPunct="1">
+              <a:defRPr sz="1800" kern="1200">
+                <a:solidFill>
+                  <a:schemeClr val="lt1"/>
+                </a:solidFill>
+                <a:latin typeface="+mn-lt"/>
+                <a:ea typeface="+mn-ea"/>
+                <a:cs typeface="+mn-cs"/>
+              </a:defRPr>
+            </a:lvl6pPr>
+            <a:lvl7pPr marL="2743200" algn="l" defTabSz="914400" rtl="0" eaLnBrk="1" latinLnBrk="0" hangingPunct="1">
+              <a:defRPr sz="1800" kern="1200">
+                <a:solidFill>
+                  <a:schemeClr val="lt1"/>
+                </a:solidFill>
+                <a:latin typeface="+mn-lt"/>
+                <a:ea typeface="+mn-ea"/>
+                <a:cs typeface="+mn-cs"/>
+              </a:defRPr>
+            </a:lvl7pPr>
+            <a:lvl8pPr marL="3200400" algn="l" defTabSz="914400" rtl="0" eaLnBrk="1" latinLnBrk="0" hangingPunct="1">
+              <a:defRPr sz="1800" kern="1200">
+                <a:solidFill>
+                  <a:schemeClr val="lt1"/>
+                </a:solidFill>
+                <a:latin typeface="+mn-lt"/>
+                <a:ea typeface="+mn-ea"/>
+                <a:cs typeface="+mn-cs"/>
+              </a:defRPr>
+            </a:lvl8pPr>
+            <a:lvl9pPr marL="3657600" algn="l" defTabSz="914400" rtl="0" eaLnBrk="1" latinLnBrk="0" hangingPunct="1">
+              <a:defRPr sz="1800" kern="1200">
+                <a:solidFill>
+                  <a:schemeClr val="lt1"/>
+                </a:solidFill>
+                <a:latin typeface="+mn-lt"/>
+                <a:ea typeface="+mn-ea"/>
+                <a:cs typeface="+mn-cs"/>
+              </a:defRPr>
+            </a:lvl9pPr>
+          </a:lstStyle>
+          <a:p>
+            <a:pPr algn="ctr"/>
+            <a:r>
+              <a:rPr lang="zh-CN" altLang="en-US" dirty="0"/>
+              <a:t>被试</a:t>
+            </a:r>
+          </a:p>
+        </p:txBody>
+      </p:sp>
+      <p:sp>
+        <p:nvSpPr>
+          <p:cNvPr id="13" name="矩形 12"/>
+          <p:cNvSpPr/>
+          <p:nvPr/>
+        </p:nvSpPr>
+        <p:spPr>
+          <a:xfrm>
+            <a:off x="8094956" y="4944862"/>
+            <a:ext cx="1315374" cy="571870"/>
+          </a:xfrm>
+          <a:prstGeom prst="rect">
+            <a:avLst/>
+          </a:prstGeom>
+          <a:solidFill>
+            <a:schemeClr val="tx1"/>
+          </a:solidFill>
+        </p:spPr>
+        <p:style>
+          <a:lnRef idx="2">
+            <a:schemeClr val="accent1">
+              <a:shade val="50000"/>
+            </a:schemeClr>
+          </a:lnRef>
+          <a:fillRef idx="1">
+            <a:schemeClr val="accent1"/>
+          </a:fillRef>
+          <a:effectRef idx="0">
+            <a:schemeClr val="accent1"/>
+          </a:effectRef>
+          <a:fontRef idx="minor">
+            <a:schemeClr val="lt1"/>
+          </a:fontRef>
+        </p:style>
+        <p:txBody>
+          <a:bodyPr rot="0" spcFirstLastPara="0" vert="horz" wrap="square" lIns="91440" tIns="45720" rIns="91440" bIns="45720" numCol="1" spcCol="0" rtlCol="0" fromWordArt="0" anchor="ctr" anchorCtr="0" forceAA="0" compatLnSpc="1">
+            <a:prstTxWarp prst="textNoShape">
+              <a:avLst/>
+            </a:prstTxWarp>
+            <a:noAutofit/>
+          </a:bodyPr>
+          <a:lstStyle>
+            <a:defPPr>
+              <a:defRPr lang="zh-CN"/>
+            </a:defPPr>
+            <a:lvl1pPr marL="0" algn="l" defTabSz="914400" rtl="0" eaLnBrk="1" latinLnBrk="0" hangingPunct="1">
+              <a:defRPr sz="1800" kern="1200">
+                <a:solidFill>
+                  <a:schemeClr val="lt1"/>
+                </a:solidFill>
+                <a:latin typeface="+mn-lt"/>
+                <a:ea typeface="+mn-ea"/>
+                <a:cs typeface="+mn-cs"/>
+              </a:defRPr>
+            </a:lvl1pPr>
+            <a:lvl2pPr marL="457200" algn="l" defTabSz="914400" rtl="0" eaLnBrk="1" latinLnBrk="0" hangingPunct="1">
+              <a:defRPr sz="1800" kern="1200">
+                <a:solidFill>
+                  <a:schemeClr val="lt1"/>
+                </a:solidFill>
+                <a:latin typeface="+mn-lt"/>
+                <a:ea typeface="+mn-ea"/>
+                <a:cs typeface="+mn-cs"/>
+              </a:defRPr>
+            </a:lvl2pPr>
+            <a:lvl3pPr marL="914400" algn="l" defTabSz="914400" rtl="0" eaLnBrk="1" latinLnBrk="0" hangingPunct="1">
+              <a:defRPr sz="1800" kern="1200">
+                <a:solidFill>
+                  <a:schemeClr val="lt1"/>
+                </a:solidFill>
+                <a:latin typeface="+mn-lt"/>
+                <a:ea typeface="+mn-ea"/>
+                <a:cs typeface="+mn-cs"/>
+              </a:defRPr>
+            </a:lvl3pPr>
+            <a:lvl4pPr marL="1371600" algn="l" defTabSz="914400" rtl="0" eaLnBrk="1" latinLnBrk="0" hangingPunct="1">
+              <a:defRPr sz="1800" kern="1200">
+                <a:solidFill>
+                  <a:schemeClr val="lt1"/>
+                </a:solidFill>
+                <a:latin typeface="+mn-lt"/>
+                <a:ea typeface="+mn-ea"/>
+                <a:cs typeface="+mn-cs"/>
+              </a:defRPr>
+            </a:lvl4pPr>
+            <a:lvl5pPr marL="1828800" algn="l" defTabSz="914400" rtl="0" eaLnBrk="1" latinLnBrk="0" hangingPunct="1">
+              <a:defRPr sz="1800" kern="1200">
+                <a:solidFill>
+                  <a:schemeClr val="lt1"/>
+                </a:solidFill>
+                <a:latin typeface="+mn-lt"/>
+                <a:ea typeface="+mn-ea"/>
+                <a:cs typeface="+mn-cs"/>
+              </a:defRPr>
+            </a:lvl5pPr>
+            <a:lvl6pPr marL="2286000" algn="l" defTabSz="914400" rtl="0" eaLnBrk="1" latinLnBrk="0" hangingPunct="1">
+              <a:defRPr sz="1800" kern="1200">
+                <a:solidFill>
+                  <a:schemeClr val="lt1"/>
+                </a:solidFill>
+                <a:latin typeface="+mn-lt"/>
+                <a:ea typeface="+mn-ea"/>
+                <a:cs typeface="+mn-cs"/>
+              </a:defRPr>
+            </a:lvl6pPr>
+            <a:lvl7pPr marL="2743200" algn="l" defTabSz="914400" rtl="0" eaLnBrk="1" latinLnBrk="0" hangingPunct="1">
+              <a:defRPr sz="1800" kern="1200">
+                <a:solidFill>
+                  <a:schemeClr val="lt1"/>
+                </a:solidFill>
+                <a:latin typeface="+mn-lt"/>
+                <a:ea typeface="+mn-ea"/>
+                <a:cs typeface="+mn-cs"/>
+              </a:defRPr>
+            </a:lvl7pPr>
+            <a:lvl8pPr marL="3200400" algn="l" defTabSz="914400" rtl="0" eaLnBrk="1" latinLnBrk="0" hangingPunct="1">
+              <a:defRPr sz="1800" kern="1200">
+                <a:solidFill>
+                  <a:schemeClr val="lt1"/>
+                </a:solidFill>
+                <a:latin typeface="+mn-lt"/>
+                <a:ea typeface="+mn-ea"/>
+                <a:cs typeface="+mn-cs"/>
+              </a:defRPr>
+            </a:lvl8pPr>
+            <a:lvl9pPr marL="3657600" algn="l" defTabSz="914400" rtl="0" eaLnBrk="1" latinLnBrk="0" hangingPunct="1">
+              <a:defRPr sz="1800" kern="1200">
+                <a:solidFill>
+                  <a:schemeClr val="lt1"/>
+                </a:solidFill>
+                <a:latin typeface="+mn-lt"/>
+                <a:ea typeface="+mn-ea"/>
+                <a:cs typeface="+mn-cs"/>
+              </a:defRPr>
+            </a:lvl9pPr>
+          </a:lstStyle>
+          <a:p>
+            <a:pPr algn="ctr"/>
+            <a:r>
+              <a:rPr lang="zh-CN" altLang="en-US" dirty="0"/>
+              <a:t>脑电采集设备主机</a:t>
+            </a:r>
+          </a:p>
+        </p:txBody>
+      </p:sp>
+      <p:sp>
+        <p:nvSpPr>
+          <p:cNvPr id="14" name="矩形 13"/>
+          <p:cNvSpPr/>
+          <p:nvPr/>
+        </p:nvSpPr>
+        <p:spPr>
+          <a:xfrm>
+            <a:off x="7615561" y="6347164"/>
+            <a:ext cx="1386395" cy="426128"/>
+          </a:xfrm>
+          <a:prstGeom prst="rect">
+            <a:avLst/>
+          </a:prstGeom>
+          <a:solidFill>
+            <a:schemeClr val="tx1"/>
+          </a:solidFill>
+        </p:spPr>
+        <p:style>
+          <a:lnRef idx="2">
+            <a:schemeClr val="accent1">
+              <a:shade val="50000"/>
+            </a:schemeClr>
+          </a:lnRef>
+          <a:fillRef idx="1">
+            <a:schemeClr val="accent1"/>
+          </a:fillRef>
+          <a:effectRef idx="0">
+            <a:schemeClr val="accent1"/>
+          </a:effectRef>
+          <a:fontRef idx="minor">
+            <a:schemeClr val="lt1"/>
+          </a:fontRef>
+        </p:style>
+        <p:txBody>
+          <a:bodyPr rot="0" spcFirstLastPara="0" vert="horz" wrap="square" lIns="91440" tIns="45720" rIns="91440" bIns="45720" numCol="1" spcCol="0" rtlCol="0" fromWordArt="0" anchor="ctr" anchorCtr="0" forceAA="0" compatLnSpc="1">
+            <a:prstTxWarp prst="textNoShape">
+              <a:avLst/>
+            </a:prstTxWarp>
+            <a:noAutofit/>
+          </a:bodyPr>
+          <a:lstStyle>
+            <a:defPPr>
+              <a:defRPr lang="zh-CN"/>
+            </a:defPPr>
+            <a:lvl1pPr marL="0" algn="l" defTabSz="914400" rtl="0" eaLnBrk="1" latinLnBrk="0" hangingPunct="1">
+              <a:defRPr sz="1800" kern="1200">
+                <a:solidFill>
+                  <a:schemeClr val="lt1"/>
+                </a:solidFill>
+                <a:latin typeface="+mn-lt"/>
+                <a:ea typeface="+mn-ea"/>
+                <a:cs typeface="+mn-cs"/>
+              </a:defRPr>
+            </a:lvl1pPr>
+            <a:lvl2pPr marL="457200" algn="l" defTabSz="914400" rtl="0" eaLnBrk="1" latinLnBrk="0" hangingPunct="1">
+              <a:defRPr sz="1800" kern="1200">
+                <a:solidFill>
+                  <a:schemeClr val="lt1"/>
+                </a:solidFill>
+                <a:latin typeface="+mn-lt"/>
+                <a:ea typeface="+mn-ea"/>
+                <a:cs typeface="+mn-cs"/>
+              </a:defRPr>
+            </a:lvl2pPr>
+            <a:lvl3pPr marL="914400" algn="l" defTabSz="914400" rtl="0" eaLnBrk="1" latinLnBrk="0" hangingPunct="1">
+              <a:defRPr sz="1800" kern="1200">
+                <a:solidFill>
+                  <a:schemeClr val="lt1"/>
+                </a:solidFill>
+                <a:latin typeface="+mn-lt"/>
+                <a:ea typeface="+mn-ea"/>
+                <a:cs typeface="+mn-cs"/>
+              </a:defRPr>
+            </a:lvl3pPr>
+            <a:lvl4pPr marL="1371600" algn="l" defTabSz="914400" rtl="0" eaLnBrk="1" latinLnBrk="0" hangingPunct="1">
+              <a:defRPr sz="1800" kern="1200">
+                <a:solidFill>
+                  <a:schemeClr val="lt1"/>
+                </a:solidFill>
+                <a:latin typeface="+mn-lt"/>
+                <a:ea typeface="+mn-ea"/>
+                <a:cs typeface="+mn-cs"/>
+              </a:defRPr>
+            </a:lvl4pPr>
+            <a:lvl5pPr marL="1828800" algn="l" defTabSz="914400" rtl="0" eaLnBrk="1" latinLnBrk="0" hangingPunct="1">
+              <a:defRPr sz="1800" kern="1200">
+                <a:solidFill>
+                  <a:schemeClr val="lt1"/>
+                </a:solidFill>
+                <a:latin typeface="+mn-lt"/>
+                <a:ea typeface="+mn-ea"/>
+                <a:cs typeface="+mn-cs"/>
+              </a:defRPr>
+            </a:lvl5pPr>
+            <a:lvl6pPr marL="2286000" algn="l" defTabSz="914400" rtl="0" eaLnBrk="1" latinLnBrk="0" hangingPunct="1">
+              <a:defRPr sz="1800" kern="1200">
+                <a:solidFill>
+                  <a:schemeClr val="lt1"/>
+                </a:solidFill>
+                <a:latin typeface="+mn-lt"/>
+                <a:ea typeface="+mn-ea"/>
+                <a:cs typeface="+mn-cs"/>
+              </a:defRPr>
+            </a:lvl6pPr>
+            <a:lvl7pPr marL="2743200" algn="l" defTabSz="914400" rtl="0" eaLnBrk="1" latinLnBrk="0" hangingPunct="1">
+              <a:defRPr sz="1800" kern="1200">
+                <a:solidFill>
+                  <a:schemeClr val="lt1"/>
+                </a:solidFill>
+                <a:latin typeface="+mn-lt"/>
+                <a:ea typeface="+mn-ea"/>
+                <a:cs typeface="+mn-cs"/>
+              </a:defRPr>
+            </a:lvl7pPr>
+            <a:lvl8pPr marL="3200400" algn="l" defTabSz="914400" rtl="0" eaLnBrk="1" latinLnBrk="0" hangingPunct="1">
+              <a:defRPr sz="1800" kern="1200">
+                <a:solidFill>
+                  <a:schemeClr val="lt1"/>
+                </a:solidFill>
+                <a:latin typeface="+mn-lt"/>
+                <a:ea typeface="+mn-ea"/>
+                <a:cs typeface="+mn-cs"/>
+              </a:defRPr>
+            </a:lvl8pPr>
+            <a:lvl9pPr marL="3657600" algn="l" defTabSz="914400" rtl="0" eaLnBrk="1" latinLnBrk="0" hangingPunct="1">
+              <a:defRPr sz="1800" kern="1200">
+                <a:solidFill>
+                  <a:schemeClr val="lt1"/>
+                </a:solidFill>
+                <a:latin typeface="+mn-lt"/>
+                <a:ea typeface="+mn-ea"/>
+                <a:cs typeface="+mn-cs"/>
+              </a:defRPr>
+            </a:lvl9pPr>
+          </a:lstStyle>
+          <a:p>
+            <a:pPr algn="ctr"/>
+            <a:r>
+              <a:rPr lang="en-US" altLang="zh-CN" dirty="0"/>
+              <a:t>VR</a:t>
+            </a:r>
+            <a:r>
+              <a:rPr lang="zh-CN" altLang="en-US" dirty="0"/>
+              <a:t>设备主机</a:t>
+            </a:r>
+          </a:p>
+        </p:txBody>
+      </p:sp>
+      <p:cxnSp>
+        <p:nvCxnSpPr>
+          <p:cNvPr id="16" name="直接箭头连接符 15"/>
+          <p:cNvCxnSpPr/>
+          <p:nvPr/>
+        </p:nvCxnSpPr>
+        <p:spPr>
+          <a:xfrm flipH="1" flipV="1">
+            <a:off x="7615561" y="5193437"/>
+            <a:ext cx="479395" cy="8878"/>
+          </a:xfrm>
+          <a:prstGeom prst="straightConnector1">
+            <a:avLst/>
+          </a:prstGeom>
+          <a:ln w="38100">
+            <a:solidFill>
+              <a:srgbClr val="FF0000"/>
+            </a:solidFill>
+            <a:tailEnd type="triangle"/>
+          </a:ln>
+        </p:spPr>
+        <p:style>
+          <a:lnRef idx="3">
+            <a:schemeClr val="accent6"/>
+          </a:lnRef>
+          <a:fillRef idx="0">
+            <a:schemeClr val="accent6"/>
+          </a:fillRef>
+          <a:effectRef idx="2">
+            <a:schemeClr val="accent6"/>
+          </a:effectRef>
+          <a:fontRef idx="minor">
+            <a:schemeClr val="tx1"/>
+          </a:fontRef>
+        </p:style>
+      </p:cxnSp>
+      <p:cxnSp>
+        <p:nvCxnSpPr>
+          <p:cNvPr id="17" name="直接箭头连接符 16"/>
+          <p:cNvCxnSpPr/>
+          <p:nvPr/>
+        </p:nvCxnSpPr>
+        <p:spPr>
+          <a:xfrm flipH="1" flipV="1">
+            <a:off x="7136166" y="6533225"/>
+            <a:ext cx="479395" cy="8878"/>
+          </a:xfrm>
+          <a:prstGeom prst="straightConnector1">
+            <a:avLst/>
+          </a:prstGeom>
+          <a:ln w="38100">
+            <a:solidFill>
+              <a:srgbClr val="FF0000"/>
+            </a:solidFill>
+            <a:tailEnd type="triangle"/>
+          </a:ln>
+        </p:spPr>
+        <p:style>
+          <a:lnRef idx="3">
+            <a:schemeClr val="accent6"/>
+          </a:lnRef>
+          <a:fillRef idx="0">
+            <a:schemeClr val="accent6"/>
+          </a:fillRef>
+          <a:effectRef idx="2">
+            <a:schemeClr val="accent6"/>
+          </a:effectRef>
+          <a:fontRef idx="minor">
+            <a:schemeClr val="tx1"/>
+          </a:fontRef>
+        </p:style>
+      </p:cxnSp>
+      <p:cxnSp>
+        <p:nvCxnSpPr>
+          <p:cNvPr id="18" name="直接箭头连接符 17"/>
+          <p:cNvCxnSpPr/>
+          <p:nvPr/>
+        </p:nvCxnSpPr>
+        <p:spPr>
+          <a:xfrm flipH="1" flipV="1">
+            <a:off x="9001956" y="1871709"/>
+            <a:ext cx="195310" cy="384699"/>
+          </a:xfrm>
+          <a:prstGeom prst="straightConnector1">
+            <a:avLst/>
+          </a:prstGeom>
+          <a:ln w="38100">
+            <a:solidFill>
+              <a:srgbClr val="FF0000"/>
+            </a:solidFill>
+            <a:tailEnd type="triangle"/>
+          </a:ln>
+        </p:spPr>
+        <p:style>
+          <a:lnRef idx="3">
+            <a:schemeClr val="accent6"/>
+          </a:lnRef>
+          <a:fillRef idx="0">
+            <a:schemeClr val="accent6"/>
+          </a:fillRef>
+          <a:effectRef idx="2">
+            <a:schemeClr val="accent6"/>
+          </a:effectRef>
+          <a:fontRef idx="minor">
+            <a:schemeClr val="tx1"/>
+          </a:fontRef>
+        </p:style>
+      </p:cxnSp>
+      <p:cxnSp>
+        <p:nvCxnSpPr>
+          <p:cNvPr id="21" name="直接箭头连接符 20"/>
+          <p:cNvCxnSpPr>
+            <a:stCxn id="10" idx="0"/>
+          </p:cNvCxnSpPr>
+          <p:nvPr/>
+        </p:nvCxnSpPr>
+        <p:spPr>
+          <a:xfrm flipV="1">
+            <a:off x="6601287" y="1802167"/>
+            <a:ext cx="0" cy="413552"/>
+          </a:xfrm>
+          <a:prstGeom prst="straightConnector1">
+            <a:avLst/>
+          </a:prstGeom>
+          <a:ln w="38100">
+            <a:solidFill>
+              <a:srgbClr val="FF0000"/>
+            </a:solidFill>
+            <a:tailEnd type="triangle"/>
+          </a:ln>
+        </p:spPr>
+        <p:style>
+          <a:lnRef idx="3">
+            <a:schemeClr val="accent6"/>
+          </a:lnRef>
+          <a:fillRef idx="0">
+            <a:schemeClr val="accent6"/>
+          </a:fillRef>
+          <a:effectRef idx="2">
+            <a:schemeClr val="accent6"/>
+          </a:effectRef>
+          <a:fontRef idx="minor">
+            <a:schemeClr val="tx1"/>
+          </a:fontRef>
+        </p:style>
+      </p:cxnSp>
+      <p:cxnSp>
+        <p:nvCxnSpPr>
+          <p:cNvPr id="24" name="直接箭头连接符 23"/>
+          <p:cNvCxnSpPr>
+            <a:stCxn id="7" idx="3"/>
+          </p:cNvCxnSpPr>
+          <p:nvPr/>
+        </p:nvCxnSpPr>
+        <p:spPr>
+          <a:xfrm>
+            <a:off x="4786544" y="304061"/>
+            <a:ext cx="504547" cy="406154"/>
+          </a:xfrm>
+          <a:prstGeom prst="straightConnector1">
+            <a:avLst/>
+          </a:prstGeom>
+          <a:ln w="38100">
+            <a:solidFill>
+              <a:srgbClr val="FF0000"/>
+            </a:solidFill>
+            <a:tailEnd type="triangle"/>
+          </a:ln>
+        </p:spPr>
+        <p:style>
+          <a:lnRef idx="3">
+            <a:schemeClr val="accent6"/>
+          </a:lnRef>
+          <a:fillRef idx="0">
+            <a:schemeClr val="accent6"/>
+          </a:fillRef>
+          <a:effectRef idx="2">
+            <a:schemeClr val="accent6"/>
+          </a:effectRef>
+          <a:fontRef idx="minor">
+            <a:schemeClr val="tx1"/>
+          </a:fontRef>
+        </p:style>
+      </p:cxnSp>
+      <p:cxnSp>
+        <p:nvCxnSpPr>
+          <p:cNvPr id="29" name="直接箭头连接符 28"/>
+          <p:cNvCxnSpPr/>
+          <p:nvPr/>
+        </p:nvCxnSpPr>
+        <p:spPr>
+          <a:xfrm>
+            <a:off x="3764132" y="1143000"/>
+            <a:ext cx="230819" cy="1"/>
+          </a:xfrm>
+          <a:prstGeom prst="straightConnector1">
+            <a:avLst/>
+          </a:prstGeom>
+          <a:ln w="38100">
+            <a:solidFill>
+              <a:srgbClr val="FF0000"/>
+            </a:solidFill>
+            <a:tailEnd type="triangle"/>
+          </a:ln>
+        </p:spPr>
+        <p:style>
+          <a:lnRef idx="3">
+            <a:schemeClr val="accent6"/>
+          </a:lnRef>
+          <a:fillRef idx="0">
+            <a:schemeClr val="accent6"/>
+          </a:fillRef>
+          <a:effectRef idx="2">
+            <a:schemeClr val="accent6"/>
+          </a:effectRef>
+          <a:fontRef idx="minor">
+            <a:schemeClr val="tx1"/>
+          </a:fontRef>
+        </p:style>
+      </p:cxnSp>
+    </p:spTree>
+    <p:extLst>
+      <p:ext uri="{BB962C8B-B14F-4D97-AF65-F5344CB8AC3E}">
+        <p14:creationId xmlns:p14="http://schemas.microsoft.com/office/powerpoint/2010/main" val="1852312290"/>
       </p:ext>
     </p:extLst>
   </p:cSld>

--- a/图集.pptx
+++ b/图集.pptx
@@ -5,7 +5,7 @@
     <p:sldMasterId id="2147483648" r:id="rId1"/>
   </p:sldMasterIdLst>
   <p:notesMasterIdLst>
-    <p:notesMasterId r:id="rId14"/>
+    <p:notesMasterId r:id="rId17"/>
   </p:notesMasterIdLst>
   <p:sldIdLst>
     <p:sldId id="256" r:id="rId2"/>
@@ -20,6 +20,9 @@
     <p:sldId id="265" r:id="rId11"/>
     <p:sldId id="266" r:id="rId12"/>
     <p:sldId id="267" r:id="rId13"/>
+    <p:sldId id="268" r:id="rId14"/>
+    <p:sldId id="269" r:id="rId15"/>
+    <p:sldId id="270" r:id="rId16"/>
   </p:sldIdLst>
   <p:sldSz cx="12192000" cy="6858000"/>
   <p:notesSz cx="6858000" cy="9144000"/>
@@ -208,7 +211,7 @@
           <a:p>
             <a:fld id="{0A5C0070-62FF-4409-B5E8-A38E1A25C249}" type="datetimeFigureOut">
               <a:rPr lang="zh-CN" altLang="en-US" smtClean="0"/>
-              <a:t>2016/11/23</a:t>
+              <a:t>2016/11/24</a:t>
             </a:fld>
             <a:endParaRPr lang="zh-CN" altLang="en-US"/>
           </a:p>
@@ -559,6 +562,94 @@
 </p:notes>
 </file>
 
+<file path=ppt/notesSlides/notesSlide2.xml><?xml version="1.0" encoding="utf-8"?>
+<p:notes xmlns:a="http://schemas.openxmlformats.org/drawingml/2006/main" xmlns:r="http://schemas.openxmlformats.org/officeDocument/2006/relationships" xmlns:p="http://schemas.openxmlformats.org/presentationml/2006/main">
+  <p:cSld>
+    <p:spTree>
+      <p:nvGrpSpPr>
+        <p:cNvPr id="1" name=""/>
+        <p:cNvGrpSpPr/>
+        <p:nvPr/>
+      </p:nvGrpSpPr>
+      <p:grpSpPr>
+        <a:xfrm>
+          <a:off x="0" y="0"/>
+          <a:ext cx="0" cy="0"/>
+          <a:chOff x="0" y="0"/>
+          <a:chExt cx="0" cy="0"/>
+        </a:xfrm>
+      </p:grpSpPr>
+      <p:sp>
+        <p:nvSpPr>
+          <p:cNvPr id="2" name="幻灯片图像占位符 1"/>
+          <p:cNvSpPr>
+            <a:spLocks noGrp="1" noRot="1" noChangeAspect="1"/>
+          </p:cNvSpPr>
+          <p:nvPr>
+            <p:ph type="sldImg"/>
+          </p:nvPr>
+        </p:nvSpPr>
+        <p:spPr/>
+      </p:sp>
+      <p:sp>
+        <p:nvSpPr>
+          <p:cNvPr id="3" name="备注占位符 2"/>
+          <p:cNvSpPr>
+            <a:spLocks noGrp="1"/>
+          </p:cNvSpPr>
+          <p:nvPr>
+            <p:ph type="body" idx="1"/>
+          </p:nvPr>
+        </p:nvSpPr>
+        <p:spPr/>
+        <p:txBody>
+          <a:bodyPr/>
+          <a:lstStyle/>
+          <a:p>
+            <a:r>
+              <a:rPr lang="en-US" altLang="zh-CN" dirty="0"/>
+              <a:t>      </a:t>
+            </a:r>
+            <a:endParaRPr lang="zh-CN" altLang="en-US" dirty="0"/>
+          </a:p>
+        </p:txBody>
+      </p:sp>
+      <p:sp>
+        <p:nvSpPr>
+          <p:cNvPr id="4" name="灯片编号占位符 3"/>
+          <p:cNvSpPr>
+            <a:spLocks noGrp="1"/>
+          </p:cNvSpPr>
+          <p:nvPr>
+            <p:ph type="sldNum" sz="quarter" idx="10"/>
+          </p:nvPr>
+        </p:nvSpPr>
+        <p:spPr/>
+        <p:txBody>
+          <a:bodyPr/>
+          <a:lstStyle/>
+          <a:p>
+            <a:fld id="{5CE9C267-2C8D-44EE-A34C-CB9E8D3B98C4}" type="slidenum">
+              <a:rPr lang="zh-CN" altLang="en-US" smtClean="0"/>
+              <a:t>15</a:t>
+            </a:fld>
+            <a:endParaRPr lang="zh-CN" altLang="en-US"/>
+          </a:p>
+        </p:txBody>
+      </p:sp>
+    </p:spTree>
+    <p:extLst>
+      <p:ext uri="{BB962C8B-B14F-4D97-AF65-F5344CB8AC3E}">
+        <p14:creationId xmlns:p14="http://schemas.microsoft.com/office/powerpoint/2010/main" val="1105372879"/>
+      </p:ext>
+    </p:extLst>
+  </p:cSld>
+  <p:clrMapOvr>
+    <a:masterClrMapping/>
+  </p:clrMapOvr>
+</p:notes>
+</file>
+
 <file path=ppt/slideLayouts/slideLayout1.xml><?xml version="1.0" encoding="utf-8"?>
 <p:sldLayout xmlns:a="http://schemas.openxmlformats.org/drawingml/2006/main" xmlns:r="http://schemas.openxmlformats.org/officeDocument/2006/relationships" xmlns:p="http://schemas.openxmlformats.org/presentationml/2006/main" type="title" preserve="1">
   <p:cSld name="标题幻灯片">
@@ -688,7 +779,7 @@
           <a:p>
             <a:fld id="{5CC46D4B-9541-4BC3-A144-744E4042BCF0}" type="datetimeFigureOut">
               <a:rPr lang="zh-CN" altLang="en-US" smtClean="0"/>
-              <a:t>2016/11/23</a:t>
+              <a:t>2016/11/24</a:t>
             </a:fld>
             <a:endParaRPr lang="zh-CN" altLang="en-US"/>
           </a:p>
@@ -856,7 +947,7 @@
           <a:p>
             <a:fld id="{5CC46D4B-9541-4BC3-A144-744E4042BCF0}" type="datetimeFigureOut">
               <a:rPr lang="zh-CN" altLang="en-US" smtClean="0"/>
-              <a:t>2016/11/23</a:t>
+              <a:t>2016/11/24</a:t>
             </a:fld>
             <a:endParaRPr lang="zh-CN" altLang="en-US"/>
           </a:p>
@@ -1034,7 +1125,7 @@
           <a:p>
             <a:fld id="{5CC46D4B-9541-4BC3-A144-744E4042BCF0}" type="datetimeFigureOut">
               <a:rPr lang="zh-CN" altLang="en-US" smtClean="0"/>
-              <a:t>2016/11/23</a:t>
+              <a:t>2016/11/24</a:t>
             </a:fld>
             <a:endParaRPr lang="zh-CN" altLang="en-US"/>
           </a:p>
@@ -1202,7 +1293,7 @@
           <a:p>
             <a:fld id="{5CC46D4B-9541-4BC3-A144-744E4042BCF0}" type="datetimeFigureOut">
               <a:rPr lang="zh-CN" altLang="en-US" smtClean="0"/>
-              <a:t>2016/11/23</a:t>
+              <a:t>2016/11/24</a:t>
             </a:fld>
             <a:endParaRPr lang="zh-CN" altLang="en-US"/>
           </a:p>
@@ -1447,7 +1538,7 @@
           <a:p>
             <a:fld id="{5CC46D4B-9541-4BC3-A144-744E4042BCF0}" type="datetimeFigureOut">
               <a:rPr lang="zh-CN" altLang="en-US" smtClean="0"/>
-              <a:t>2016/11/23</a:t>
+              <a:t>2016/11/24</a:t>
             </a:fld>
             <a:endParaRPr lang="zh-CN" altLang="en-US"/>
           </a:p>
@@ -1676,7 +1767,7 @@
           <a:p>
             <a:fld id="{5CC46D4B-9541-4BC3-A144-744E4042BCF0}" type="datetimeFigureOut">
               <a:rPr lang="zh-CN" altLang="en-US" smtClean="0"/>
-              <a:t>2016/11/23</a:t>
+              <a:t>2016/11/24</a:t>
             </a:fld>
             <a:endParaRPr lang="zh-CN" altLang="en-US"/>
           </a:p>
@@ -2040,7 +2131,7 @@
           <a:p>
             <a:fld id="{5CC46D4B-9541-4BC3-A144-744E4042BCF0}" type="datetimeFigureOut">
               <a:rPr lang="zh-CN" altLang="en-US" smtClean="0"/>
-              <a:t>2016/11/23</a:t>
+              <a:t>2016/11/24</a:t>
             </a:fld>
             <a:endParaRPr lang="zh-CN" altLang="en-US"/>
           </a:p>
@@ -2157,7 +2248,7 @@
           <a:p>
             <a:fld id="{5CC46D4B-9541-4BC3-A144-744E4042BCF0}" type="datetimeFigureOut">
               <a:rPr lang="zh-CN" altLang="en-US" smtClean="0"/>
-              <a:t>2016/11/23</a:t>
+              <a:t>2016/11/24</a:t>
             </a:fld>
             <a:endParaRPr lang="zh-CN" altLang="en-US"/>
           </a:p>
@@ -2252,7 +2343,7 @@
           <a:p>
             <a:fld id="{5CC46D4B-9541-4BC3-A144-744E4042BCF0}" type="datetimeFigureOut">
               <a:rPr lang="zh-CN" altLang="en-US" smtClean="0"/>
-              <a:t>2016/11/23</a:t>
+              <a:t>2016/11/24</a:t>
             </a:fld>
             <a:endParaRPr lang="zh-CN" altLang="en-US"/>
           </a:p>
@@ -2527,7 +2618,7 @@
           <a:p>
             <a:fld id="{5CC46D4B-9541-4BC3-A144-744E4042BCF0}" type="datetimeFigureOut">
               <a:rPr lang="zh-CN" altLang="en-US" smtClean="0"/>
-              <a:t>2016/11/23</a:t>
+              <a:t>2016/11/24</a:t>
             </a:fld>
             <a:endParaRPr lang="zh-CN" altLang="en-US"/>
           </a:p>
@@ -2779,7 +2870,7 @@
           <a:p>
             <a:fld id="{5CC46D4B-9541-4BC3-A144-744E4042BCF0}" type="datetimeFigureOut">
               <a:rPr lang="zh-CN" altLang="en-US" smtClean="0"/>
-              <a:t>2016/11/23</a:t>
+              <a:t>2016/11/24</a:t>
             </a:fld>
             <a:endParaRPr lang="zh-CN" altLang="en-US"/>
           </a:p>
@@ -2990,7 +3081,7 @@
           <a:p>
             <a:fld id="{5CC46D4B-9541-4BC3-A144-744E4042BCF0}" type="datetimeFigureOut">
               <a:rPr lang="zh-CN" altLang="en-US" smtClean="0"/>
-              <a:t>2016/11/23</a:t>
+              <a:t>2016/11/24</a:t>
             </a:fld>
             <a:endParaRPr lang="zh-CN" altLang="en-US"/>
           </a:p>
@@ -7038,7 +7129,7 @@
                 <a:latin typeface="宋体" panose="02010600030101010101" pitchFamily="2" charset="-122"/>
                 <a:ea typeface="宋体" panose="02010600030101010101" pitchFamily="2" charset="-122"/>
               </a:rPr>
-              <a:t>无聊</a:t>
+              <a:t>平静</a:t>
             </a:r>
           </a:p>
         </p:txBody>
@@ -8217,6 +8308,3084 @@
     <p:extLst>
       <p:ext uri="{BB962C8B-B14F-4D97-AF65-F5344CB8AC3E}">
         <p14:creationId xmlns:p14="http://schemas.microsoft.com/office/powerpoint/2010/main" val="1852312290"/>
+      </p:ext>
+    </p:extLst>
+  </p:cSld>
+  <p:clrMapOvr>
+    <a:masterClrMapping/>
+  </p:clrMapOvr>
+</p:sld>
+</file>
+
+<file path=ppt/slides/slide13.xml><?xml version="1.0" encoding="utf-8"?>
+<p:sld xmlns:a="http://schemas.openxmlformats.org/drawingml/2006/main" xmlns:r="http://schemas.openxmlformats.org/officeDocument/2006/relationships" xmlns:p="http://schemas.openxmlformats.org/presentationml/2006/main">
+  <p:cSld>
+    <p:spTree>
+      <p:nvGrpSpPr>
+        <p:cNvPr id="1" name=""/>
+        <p:cNvGrpSpPr/>
+        <p:nvPr/>
+      </p:nvGrpSpPr>
+      <p:grpSpPr>
+        <a:xfrm>
+          <a:off x="0" y="0"/>
+          <a:ext cx="0" cy="0"/>
+          <a:chOff x="0" y="0"/>
+          <a:chExt cx="0" cy="0"/>
+        </a:xfrm>
+      </p:grpSpPr>
+      <p:pic>
+        <p:nvPicPr>
+          <p:cNvPr id="4" name="图片 3"/>
+          <p:cNvPicPr>
+            <a:picLocks noChangeAspect="1"/>
+          </p:cNvPicPr>
+          <p:nvPr/>
+        </p:nvPicPr>
+        <p:blipFill>
+          <a:blip r:embed="rId2">
+            <a:extLst>
+              <a:ext uri="{28A0092B-C50C-407E-A947-70E740481C1C}">
+                <a14:useLocalDpi xmlns:a14="http://schemas.microsoft.com/office/drawing/2010/main" val="0"/>
+              </a:ext>
+            </a:extLst>
+          </a:blip>
+          <a:stretch>
+            <a:fillRect/>
+          </a:stretch>
+        </p:blipFill>
+        <p:spPr>
+          <a:xfrm>
+            <a:off x="1887831" y="0"/>
+            <a:ext cx="8416337" cy="6858000"/>
+          </a:xfrm>
+          <a:prstGeom prst="rect">
+            <a:avLst/>
+          </a:prstGeom>
+        </p:spPr>
+      </p:pic>
+      <p:sp>
+        <p:nvSpPr>
+          <p:cNvPr id="5" name="矩形 4"/>
+          <p:cNvSpPr/>
+          <p:nvPr/>
+        </p:nvSpPr>
+        <p:spPr>
+          <a:xfrm>
+            <a:off x="6762430" y="957883"/>
+            <a:ext cx="737118" cy="317241"/>
+          </a:xfrm>
+          <a:prstGeom prst="rect">
+            <a:avLst/>
+          </a:prstGeom>
+          <a:solidFill>
+            <a:schemeClr val="bg1"/>
+          </a:solidFill>
+          <a:ln>
+            <a:noFill/>
+          </a:ln>
+        </p:spPr>
+        <p:style>
+          <a:lnRef idx="2">
+            <a:schemeClr val="accent1">
+              <a:shade val="50000"/>
+            </a:schemeClr>
+          </a:lnRef>
+          <a:fillRef idx="1">
+            <a:schemeClr val="accent1"/>
+          </a:fillRef>
+          <a:effectRef idx="0">
+            <a:schemeClr val="accent1"/>
+          </a:effectRef>
+          <a:fontRef idx="minor">
+            <a:schemeClr val="lt1"/>
+          </a:fontRef>
+        </p:style>
+        <p:txBody>
+          <a:bodyPr rtlCol="0" anchor="ctr"/>
+          <a:lstStyle/>
+          <a:p>
+            <a:pPr algn="ctr"/>
+            <a:endParaRPr lang="zh-CN" altLang="en-US"/>
+          </a:p>
+        </p:txBody>
+      </p:sp>
+      <p:sp>
+        <p:nvSpPr>
+          <p:cNvPr id="6" name="矩形 5"/>
+          <p:cNvSpPr/>
+          <p:nvPr/>
+        </p:nvSpPr>
+        <p:spPr>
+          <a:xfrm>
+            <a:off x="6468976" y="954533"/>
+            <a:ext cx="1810517" cy="1047285"/>
+          </a:xfrm>
+          <a:prstGeom prst="rect">
+            <a:avLst/>
+          </a:prstGeom>
+          <a:solidFill>
+            <a:schemeClr val="bg1"/>
+          </a:solidFill>
+          <a:ln>
+            <a:noFill/>
+          </a:ln>
+        </p:spPr>
+        <p:style>
+          <a:lnRef idx="2">
+            <a:schemeClr val="accent1">
+              <a:shade val="50000"/>
+            </a:schemeClr>
+          </a:lnRef>
+          <a:fillRef idx="1">
+            <a:schemeClr val="accent1"/>
+          </a:fillRef>
+          <a:effectRef idx="0">
+            <a:schemeClr val="accent1"/>
+          </a:effectRef>
+          <a:fontRef idx="minor">
+            <a:schemeClr val="lt1"/>
+          </a:fontRef>
+        </p:style>
+        <p:txBody>
+          <a:bodyPr rtlCol="0" anchor="ctr"/>
+          <a:lstStyle/>
+          <a:p>
+            <a:pPr algn="ctr"/>
+            <a:r>
+              <a:rPr lang="zh-CN" altLang="en-US" dirty="0">
+                <a:solidFill>
+                  <a:schemeClr val="tx1"/>
+                </a:solidFill>
+              </a:rPr>
+              <a:t>兴奋</a:t>
+            </a:r>
+          </a:p>
+        </p:txBody>
+      </p:sp>
+      <p:sp>
+        <p:nvSpPr>
+          <p:cNvPr id="7" name="矩形 6"/>
+          <p:cNvSpPr/>
+          <p:nvPr/>
+        </p:nvSpPr>
+        <p:spPr>
+          <a:xfrm>
+            <a:off x="7700941" y="1940374"/>
+            <a:ext cx="1305892" cy="665251"/>
+          </a:xfrm>
+          <a:prstGeom prst="rect">
+            <a:avLst/>
+          </a:prstGeom>
+          <a:solidFill>
+            <a:schemeClr val="bg1"/>
+          </a:solidFill>
+          <a:ln>
+            <a:noFill/>
+          </a:ln>
+        </p:spPr>
+        <p:style>
+          <a:lnRef idx="2">
+            <a:schemeClr val="accent1">
+              <a:shade val="50000"/>
+            </a:schemeClr>
+          </a:lnRef>
+          <a:fillRef idx="1">
+            <a:schemeClr val="accent1"/>
+          </a:fillRef>
+          <a:effectRef idx="0">
+            <a:schemeClr val="accent1"/>
+          </a:effectRef>
+          <a:fontRef idx="minor">
+            <a:schemeClr val="lt1"/>
+          </a:fontRef>
+        </p:style>
+        <p:txBody>
+          <a:bodyPr rtlCol="0" anchor="ctr"/>
+          <a:lstStyle/>
+          <a:p>
+            <a:pPr algn="ctr"/>
+            <a:r>
+              <a:rPr lang="zh-CN" altLang="en-US" dirty="0">
+                <a:solidFill>
+                  <a:schemeClr val="tx1"/>
+                </a:solidFill>
+              </a:rPr>
+              <a:t>愉快</a:t>
+            </a:r>
+          </a:p>
+        </p:txBody>
+      </p:sp>
+      <p:sp>
+        <p:nvSpPr>
+          <p:cNvPr id="8" name="矩形 7"/>
+          <p:cNvSpPr/>
+          <p:nvPr/>
+        </p:nvSpPr>
+        <p:spPr>
+          <a:xfrm>
+            <a:off x="8171758" y="2739636"/>
+            <a:ext cx="737118" cy="317241"/>
+          </a:xfrm>
+          <a:prstGeom prst="rect">
+            <a:avLst/>
+          </a:prstGeom>
+          <a:solidFill>
+            <a:schemeClr val="bg1"/>
+          </a:solidFill>
+          <a:ln>
+            <a:noFill/>
+          </a:ln>
+        </p:spPr>
+        <p:style>
+          <a:lnRef idx="2">
+            <a:schemeClr val="accent1">
+              <a:shade val="50000"/>
+            </a:schemeClr>
+          </a:lnRef>
+          <a:fillRef idx="1">
+            <a:schemeClr val="accent1"/>
+          </a:fillRef>
+          <a:effectRef idx="0">
+            <a:schemeClr val="accent1"/>
+          </a:effectRef>
+          <a:fontRef idx="minor">
+            <a:schemeClr val="lt1"/>
+          </a:fontRef>
+        </p:style>
+        <p:txBody>
+          <a:bodyPr rtlCol="0" anchor="ctr"/>
+          <a:lstStyle/>
+          <a:p>
+            <a:pPr algn="ctr"/>
+            <a:endParaRPr lang="zh-CN" altLang="en-US"/>
+          </a:p>
+        </p:txBody>
+      </p:sp>
+      <p:sp>
+        <p:nvSpPr>
+          <p:cNvPr id="9" name="矩形 8"/>
+          <p:cNvSpPr/>
+          <p:nvPr/>
+        </p:nvSpPr>
+        <p:spPr>
+          <a:xfrm>
+            <a:off x="7616768" y="5194011"/>
+            <a:ext cx="923549" cy="317241"/>
+          </a:xfrm>
+          <a:prstGeom prst="rect">
+            <a:avLst/>
+          </a:prstGeom>
+          <a:solidFill>
+            <a:schemeClr val="bg1"/>
+          </a:solidFill>
+          <a:ln>
+            <a:noFill/>
+          </a:ln>
+        </p:spPr>
+        <p:style>
+          <a:lnRef idx="2">
+            <a:schemeClr val="accent1">
+              <a:shade val="50000"/>
+            </a:schemeClr>
+          </a:lnRef>
+          <a:fillRef idx="1">
+            <a:schemeClr val="accent1"/>
+          </a:fillRef>
+          <a:effectRef idx="0">
+            <a:schemeClr val="accent1"/>
+          </a:effectRef>
+          <a:fontRef idx="minor">
+            <a:schemeClr val="lt1"/>
+          </a:fontRef>
+        </p:style>
+        <p:txBody>
+          <a:bodyPr rtlCol="0" anchor="ctr"/>
+          <a:lstStyle/>
+          <a:p>
+            <a:pPr algn="ctr"/>
+            <a:r>
+              <a:rPr lang="zh-CN" altLang="en-US" dirty="0">
+                <a:solidFill>
+                  <a:schemeClr val="tx1"/>
+                </a:solidFill>
+              </a:rPr>
+              <a:t>放松</a:t>
+            </a:r>
+          </a:p>
+        </p:txBody>
+      </p:sp>
+      <p:sp>
+        <p:nvSpPr>
+          <p:cNvPr id="10" name="矩形 9"/>
+          <p:cNvSpPr/>
+          <p:nvPr/>
+        </p:nvSpPr>
+        <p:spPr>
+          <a:xfrm>
+            <a:off x="6777392" y="5700641"/>
+            <a:ext cx="923549" cy="317241"/>
+          </a:xfrm>
+          <a:prstGeom prst="rect">
+            <a:avLst/>
+          </a:prstGeom>
+          <a:solidFill>
+            <a:schemeClr val="bg1"/>
+          </a:solidFill>
+          <a:ln>
+            <a:noFill/>
+          </a:ln>
+        </p:spPr>
+        <p:style>
+          <a:lnRef idx="2">
+            <a:schemeClr val="accent1">
+              <a:shade val="50000"/>
+            </a:schemeClr>
+          </a:lnRef>
+          <a:fillRef idx="1">
+            <a:schemeClr val="accent1"/>
+          </a:fillRef>
+          <a:effectRef idx="0">
+            <a:schemeClr val="accent1"/>
+          </a:effectRef>
+          <a:fontRef idx="minor">
+            <a:schemeClr val="lt1"/>
+          </a:fontRef>
+        </p:style>
+        <p:txBody>
+          <a:bodyPr rtlCol="0" anchor="ctr"/>
+          <a:lstStyle/>
+          <a:p>
+            <a:pPr algn="ctr"/>
+            <a:r>
+              <a:rPr lang="zh-CN" altLang="en-US" dirty="0">
+                <a:solidFill>
+                  <a:schemeClr val="tx1"/>
+                </a:solidFill>
+              </a:rPr>
+              <a:t>平静</a:t>
+            </a:r>
+          </a:p>
+        </p:txBody>
+      </p:sp>
+      <p:sp>
+        <p:nvSpPr>
+          <p:cNvPr id="11" name="矩形 10"/>
+          <p:cNvSpPr/>
+          <p:nvPr/>
+        </p:nvSpPr>
+        <p:spPr>
+          <a:xfrm>
+            <a:off x="6830658" y="957882"/>
+            <a:ext cx="737118" cy="317241"/>
+          </a:xfrm>
+          <a:prstGeom prst="rect">
+            <a:avLst/>
+          </a:prstGeom>
+          <a:solidFill>
+            <a:schemeClr val="bg1"/>
+          </a:solidFill>
+          <a:ln>
+            <a:noFill/>
+          </a:ln>
+        </p:spPr>
+        <p:style>
+          <a:lnRef idx="2">
+            <a:schemeClr val="accent1">
+              <a:shade val="50000"/>
+            </a:schemeClr>
+          </a:lnRef>
+          <a:fillRef idx="1">
+            <a:schemeClr val="accent1"/>
+          </a:fillRef>
+          <a:effectRef idx="0">
+            <a:schemeClr val="accent1"/>
+          </a:effectRef>
+          <a:fontRef idx="minor">
+            <a:schemeClr val="lt1"/>
+          </a:fontRef>
+        </p:style>
+        <p:txBody>
+          <a:bodyPr rtlCol="0" anchor="ctr"/>
+          <a:lstStyle/>
+          <a:p>
+            <a:pPr algn="ctr"/>
+            <a:endParaRPr lang="zh-CN" altLang="en-US"/>
+          </a:p>
+        </p:txBody>
+      </p:sp>
+      <p:sp>
+        <p:nvSpPr>
+          <p:cNvPr id="12" name="矩形 11"/>
+          <p:cNvSpPr/>
+          <p:nvPr/>
+        </p:nvSpPr>
+        <p:spPr>
+          <a:xfrm>
+            <a:off x="7985328" y="4573192"/>
+            <a:ext cx="737118" cy="317241"/>
+          </a:xfrm>
+          <a:prstGeom prst="rect">
+            <a:avLst/>
+          </a:prstGeom>
+          <a:solidFill>
+            <a:schemeClr val="bg1"/>
+          </a:solidFill>
+          <a:ln>
+            <a:noFill/>
+          </a:ln>
+        </p:spPr>
+        <p:style>
+          <a:lnRef idx="2">
+            <a:schemeClr val="accent1">
+              <a:shade val="50000"/>
+            </a:schemeClr>
+          </a:lnRef>
+          <a:fillRef idx="1">
+            <a:schemeClr val="accent1"/>
+          </a:fillRef>
+          <a:effectRef idx="0">
+            <a:schemeClr val="accent1"/>
+          </a:effectRef>
+          <a:fontRef idx="minor">
+            <a:schemeClr val="lt1"/>
+          </a:fontRef>
+        </p:style>
+        <p:txBody>
+          <a:bodyPr rtlCol="0" anchor="ctr"/>
+          <a:lstStyle/>
+          <a:p>
+            <a:pPr algn="ctr"/>
+            <a:endParaRPr lang="zh-CN" altLang="en-US"/>
+          </a:p>
+        </p:txBody>
+      </p:sp>
+      <p:sp>
+        <p:nvSpPr>
+          <p:cNvPr id="13" name="矩形 12"/>
+          <p:cNvSpPr/>
+          <p:nvPr/>
+        </p:nvSpPr>
+        <p:spPr>
+          <a:xfrm>
+            <a:off x="7900990" y="3945542"/>
+            <a:ext cx="1438319" cy="324072"/>
+          </a:xfrm>
+          <a:prstGeom prst="rect">
+            <a:avLst/>
+          </a:prstGeom>
+          <a:solidFill>
+            <a:schemeClr val="bg1"/>
+          </a:solidFill>
+          <a:ln>
+            <a:noFill/>
+          </a:ln>
+        </p:spPr>
+        <p:style>
+          <a:lnRef idx="2">
+            <a:schemeClr val="accent1">
+              <a:shade val="50000"/>
+            </a:schemeClr>
+          </a:lnRef>
+          <a:fillRef idx="1">
+            <a:schemeClr val="accent1"/>
+          </a:fillRef>
+          <a:effectRef idx="0">
+            <a:schemeClr val="accent1"/>
+          </a:effectRef>
+          <a:fontRef idx="minor">
+            <a:schemeClr val="lt1"/>
+          </a:fontRef>
+        </p:style>
+        <p:txBody>
+          <a:bodyPr rtlCol="0" anchor="ctr"/>
+          <a:lstStyle/>
+          <a:p>
+            <a:pPr algn="ctr"/>
+            <a:r>
+              <a:rPr lang="zh-CN" altLang="en-US" dirty="0">
+                <a:solidFill>
+                  <a:schemeClr val="tx1"/>
+                </a:solidFill>
+              </a:rPr>
+              <a:t>满意</a:t>
+            </a:r>
+          </a:p>
+        </p:txBody>
+      </p:sp>
+      <p:sp>
+        <p:nvSpPr>
+          <p:cNvPr id="14" name="矩形 13"/>
+          <p:cNvSpPr/>
+          <p:nvPr/>
+        </p:nvSpPr>
+        <p:spPr>
+          <a:xfrm>
+            <a:off x="4242284" y="870878"/>
+            <a:ext cx="849948" cy="491247"/>
+          </a:xfrm>
+          <a:prstGeom prst="rect">
+            <a:avLst/>
+          </a:prstGeom>
+          <a:solidFill>
+            <a:schemeClr val="bg1"/>
+          </a:solidFill>
+          <a:ln>
+            <a:noFill/>
+          </a:ln>
+        </p:spPr>
+        <p:style>
+          <a:lnRef idx="2">
+            <a:schemeClr val="accent1">
+              <a:shade val="50000"/>
+            </a:schemeClr>
+          </a:lnRef>
+          <a:fillRef idx="1">
+            <a:schemeClr val="accent1"/>
+          </a:fillRef>
+          <a:effectRef idx="0">
+            <a:schemeClr val="accent1"/>
+          </a:effectRef>
+          <a:fontRef idx="minor">
+            <a:schemeClr val="lt1"/>
+          </a:fontRef>
+        </p:style>
+        <p:txBody>
+          <a:bodyPr rtlCol="0" anchor="ctr"/>
+          <a:lstStyle/>
+          <a:p>
+            <a:pPr algn="ctr"/>
+            <a:r>
+              <a:rPr lang="zh-CN" altLang="en-US" dirty="0">
+                <a:solidFill>
+                  <a:schemeClr val="tx1"/>
+                </a:solidFill>
+              </a:rPr>
+              <a:t>紧张</a:t>
+            </a:r>
+          </a:p>
+        </p:txBody>
+      </p:sp>
+      <p:sp>
+        <p:nvSpPr>
+          <p:cNvPr id="15" name="矩形 14"/>
+          <p:cNvSpPr/>
+          <p:nvPr/>
+        </p:nvSpPr>
+        <p:spPr>
+          <a:xfrm>
+            <a:off x="3589338" y="1398011"/>
+            <a:ext cx="1305892" cy="665251"/>
+          </a:xfrm>
+          <a:prstGeom prst="rect">
+            <a:avLst/>
+          </a:prstGeom>
+          <a:solidFill>
+            <a:schemeClr val="bg1"/>
+          </a:solidFill>
+          <a:ln>
+            <a:noFill/>
+          </a:ln>
+        </p:spPr>
+        <p:style>
+          <a:lnRef idx="2">
+            <a:schemeClr val="accent1">
+              <a:shade val="50000"/>
+            </a:schemeClr>
+          </a:lnRef>
+          <a:fillRef idx="1">
+            <a:schemeClr val="accent1"/>
+          </a:fillRef>
+          <a:effectRef idx="0">
+            <a:schemeClr val="accent1"/>
+          </a:effectRef>
+          <a:fontRef idx="minor">
+            <a:schemeClr val="lt1"/>
+          </a:fontRef>
+        </p:style>
+        <p:txBody>
+          <a:bodyPr rtlCol="0" anchor="ctr"/>
+          <a:lstStyle/>
+          <a:p>
+            <a:pPr algn="ctr"/>
+            <a:r>
+              <a:rPr lang="zh-CN" altLang="en-US" dirty="0">
+                <a:solidFill>
+                  <a:schemeClr val="tx1"/>
+                </a:solidFill>
+              </a:rPr>
+              <a:t>焦虑</a:t>
+            </a:r>
+          </a:p>
+        </p:txBody>
+      </p:sp>
+      <p:sp>
+        <p:nvSpPr>
+          <p:cNvPr id="16" name="矩形 15"/>
+          <p:cNvSpPr/>
+          <p:nvPr/>
+        </p:nvSpPr>
+        <p:spPr>
+          <a:xfrm>
+            <a:off x="3180606" y="2063262"/>
+            <a:ext cx="903121" cy="361509"/>
+          </a:xfrm>
+          <a:prstGeom prst="rect">
+            <a:avLst/>
+          </a:prstGeom>
+          <a:solidFill>
+            <a:schemeClr val="bg1"/>
+          </a:solidFill>
+          <a:ln>
+            <a:noFill/>
+          </a:ln>
+        </p:spPr>
+        <p:style>
+          <a:lnRef idx="2">
+            <a:schemeClr val="accent1">
+              <a:shade val="50000"/>
+            </a:schemeClr>
+          </a:lnRef>
+          <a:fillRef idx="1">
+            <a:schemeClr val="accent1"/>
+          </a:fillRef>
+          <a:effectRef idx="0">
+            <a:schemeClr val="accent1"/>
+          </a:effectRef>
+          <a:fontRef idx="minor">
+            <a:schemeClr val="lt1"/>
+          </a:fontRef>
+        </p:style>
+        <p:txBody>
+          <a:bodyPr rot="0" spcFirstLastPara="0" vert="horz" wrap="square" lIns="91440" tIns="45720" rIns="91440" bIns="45720" numCol="1" spcCol="0" rtlCol="0" fromWordArt="0" anchor="ctr" anchorCtr="0" forceAA="0" compatLnSpc="1">
+            <a:prstTxWarp prst="textNoShape">
+              <a:avLst/>
+            </a:prstTxWarp>
+            <a:noAutofit/>
+          </a:bodyPr>
+          <a:lstStyle>
+            <a:defPPr>
+              <a:defRPr lang="zh-CN"/>
+            </a:defPPr>
+            <a:lvl1pPr marL="0" algn="l" defTabSz="914400" rtl="0" eaLnBrk="1" latinLnBrk="0" hangingPunct="1">
+              <a:defRPr sz="1800" kern="1200">
+                <a:solidFill>
+                  <a:schemeClr val="lt1"/>
+                </a:solidFill>
+                <a:latin typeface="+mn-lt"/>
+                <a:ea typeface="+mn-ea"/>
+                <a:cs typeface="+mn-cs"/>
+              </a:defRPr>
+            </a:lvl1pPr>
+            <a:lvl2pPr marL="457200" algn="l" defTabSz="914400" rtl="0" eaLnBrk="1" latinLnBrk="0" hangingPunct="1">
+              <a:defRPr sz="1800" kern="1200">
+                <a:solidFill>
+                  <a:schemeClr val="lt1"/>
+                </a:solidFill>
+                <a:latin typeface="+mn-lt"/>
+                <a:ea typeface="+mn-ea"/>
+                <a:cs typeface="+mn-cs"/>
+              </a:defRPr>
+            </a:lvl2pPr>
+            <a:lvl3pPr marL="914400" algn="l" defTabSz="914400" rtl="0" eaLnBrk="1" latinLnBrk="0" hangingPunct="1">
+              <a:defRPr sz="1800" kern="1200">
+                <a:solidFill>
+                  <a:schemeClr val="lt1"/>
+                </a:solidFill>
+                <a:latin typeface="+mn-lt"/>
+                <a:ea typeface="+mn-ea"/>
+                <a:cs typeface="+mn-cs"/>
+              </a:defRPr>
+            </a:lvl3pPr>
+            <a:lvl4pPr marL="1371600" algn="l" defTabSz="914400" rtl="0" eaLnBrk="1" latinLnBrk="0" hangingPunct="1">
+              <a:defRPr sz="1800" kern="1200">
+                <a:solidFill>
+                  <a:schemeClr val="lt1"/>
+                </a:solidFill>
+                <a:latin typeface="+mn-lt"/>
+                <a:ea typeface="+mn-ea"/>
+                <a:cs typeface="+mn-cs"/>
+              </a:defRPr>
+            </a:lvl4pPr>
+            <a:lvl5pPr marL="1828800" algn="l" defTabSz="914400" rtl="0" eaLnBrk="1" latinLnBrk="0" hangingPunct="1">
+              <a:defRPr sz="1800" kern="1200">
+                <a:solidFill>
+                  <a:schemeClr val="lt1"/>
+                </a:solidFill>
+                <a:latin typeface="+mn-lt"/>
+                <a:ea typeface="+mn-ea"/>
+                <a:cs typeface="+mn-cs"/>
+              </a:defRPr>
+            </a:lvl5pPr>
+            <a:lvl6pPr marL="2286000" algn="l" defTabSz="914400" rtl="0" eaLnBrk="1" latinLnBrk="0" hangingPunct="1">
+              <a:defRPr sz="1800" kern="1200">
+                <a:solidFill>
+                  <a:schemeClr val="lt1"/>
+                </a:solidFill>
+                <a:latin typeface="+mn-lt"/>
+                <a:ea typeface="+mn-ea"/>
+                <a:cs typeface="+mn-cs"/>
+              </a:defRPr>
+            </a:lvl6pPr>
+            <a:lvl7pPr marL="2743200" algn="l" defTabSz="914400" rtl="0" eaLnBrk="1" latinLnBrk="0" hangingPunct="1">
+              <a:defRPr sz="1800" kern="1200">
+                <a:solidFill>
+                  <a:schemeClr val="lt1"/>
+                </a:solidFill>
+                <a:latin typeface="+mn-lt"/>
+                <a:ea typeface="+mn-ea"/>
+                <a:cs typeface="+mn-cs"/>
+              </a:defRPr>
+            </a:lvl7pPr>
+            <a:lvl8pPr marL="3200400" algn="l" defTabSz="914400" rtl="0" eaLnBrk="1" latinLnBrk="0" hangingPunct="1">
+              <a:defRPr sz="1800" kern="1200">
+                <a:solidFill>
+                  <a:schemeClr val="lt1"/>
+                </a:solidFill>
+                <a:latin typeface="+mn-lt"/>
+                <a:ea typeface="+mn-ea"/>
+                <a:cs typeface="+mn-cs"/>
+              </a:defRPr>
+            </a:lvl8pPr>
+            <a:lvl9pPr marL="3657600" algn="l" defTabSz="914400" rtl="0" eaLnBrk="1" latinLnBrk="0" hangingPunct="1">
+              <a:defRPr sz="1800" kern="1200">
+                <a:solidFill>
+                  <a:schemeClr val="lt1"/>
+                </a:solidFill>
+                <a:latin typeface="+mn-lt"/>
+                <a:ea typeface="+mn-ea"/>
+                <a:cs typeface="+mn-cs"/>
+              </a:defRPr>
+            </a:lvl9pPr>
+          </a:lstStyle>
+          <a:p>
+            <a:pPr algn="ctr"/>
+            <a:r>
+              <a:rPr lang="zh-CN" altLang="en-US" dirty="0">
+                <a:solidFill>
+                  <a:schemeClr val="tx1"/>
+                </a:solidFill>
+              </a:rPr>
+              <a:t>压力</a:t>
+            </a:r>
+          </a:p>
+        </p:txBody>
+      </p:sp>
+      <p:sp>
+        <p:nvSpPr>
+          <p:cNvPr id="17" name="矩形 16"/>
+          <p:cNvSpPr/>
+          <p:nvPr/>
+        </p:nvSpPr>
+        <p:spPr>
+          <a:xfrm>
+            <a:off x="3004612" y="2695368"/>
+            <a:ext cx="903121" cy="361509"/>
+          </a:xfrm>
+          <a:prstGeom prst="rect">
+            <a:avLst/>
+          </a:prstGeom>
+          <a:solidFill>
+            <a:schemeClr val="bg1"/>
+          </a:solidFill>
+          <a:ln>
+            <a:noFill/>
+          </a:ln>
+        </p:spPr>
+        <p:style>
+          <a:lnRef idx="2">
+            <a:schemeClr val="accent1">
+              <a:shade val="50000"/>
+            </a:schemeClr>
+          </a:lnRef>
+          <a:fillRef idx="1">
+            <a:schemeClr val="accent1"/>
+          </a:fillRef>
+          <a:effectRef idx="0">
+            <a:schemeClr val="accent1"/>
+          </a:effectRef>
+          <a:fontRef idx="minor">
+            <a:schemeClr val="lt1"/>
+          </a:fontRef>
+        </p:style>
+        <p:txBody>
+          <a:bodyPr rot="0" spcFirstLastPara="0" vert="horz" wrap="square" lIns="91440" tIns="45720" rIns="91440" bIns="45720" numCol="1" spcCol="0" rtlCol="0" fromWordArt="0" anchor="ctr" anchorCtr="0" forceAA="0" compatLnSpc="1">
+            <a:prstTxWarp prst="textNoShape">
+              <a:avLst/>
+            </a:prstTxWarp>
+            <a:noAutofit/>
+          </a:bodyPr>
+          <a:lstStyle>
+            <a:defPPr>
+              <a:defRPr lang="zh-CN"/>
+            </a:defPPr>
+            <a:lvl1pPr marL="0" algn="l" defTabSz="914400" rtl="0" eaLnBrk="1" latinLnBrk="0" hangingPunct="1">
+              <a:defRPr sz="1800" kern="1200">
+                <a:solidFill>
+                  <a:schemeClr val="lt1"/>
+                </a:solidFill>
+                <a:latin typeface="+mn-lt"/>
+                <a:ea typeface="+mn-ea"/>
+                <a:cs typeface="+mn-cs"/>
+              </a:defRPr>
+            </a:lvl1pPr>
+            <a:lvl2pPr marL="457200" algn="l" defTabSz="914400" rtl="0" eaLnBrk="1" latinLnBrk="0" hangingPunct="1">
+              <a:defRPr sz="1800" kern="1200">
+                <a:solidFill>
+                  <a:schemeClr val="lt1"/>
+                </a:solidFill>
+                <a:latin typeface="+mn-lt"/>
+                <a:ea typeface="+mn-ea"/>
+                <a:cs typeface="+mn-cs"/>
+              </a:defRPr>
+            </a:lvl2pPr>
+            <a:lvl3pPr marL="914400" algn="l" defTabSz="914400" rtl="0" eaLnBrk="1" latinLnBrk="0" hangingPunct="1">
+              <a:defRPr sz="1800" kern="1200">
+                <a:solidFill>
+                  <a:schemeClr val="lt1"/>
+                </a:solidFill>
+                <a:latin typeface="+mn-lt"/>
+                <a:ea typeface="+mn-ea"/>
+                <a:cs typeface="+mn-cs"/>
+              </a:defRPr>
+            </a:lvl3pPr>
+            <a:lvl4pPr marL="1371600" algn="l" defTabSz="914400" rtl="0" eaLnBrk="1" latinLnBrk="0" hangingPunct="1">
+              <a:defRPr sz="1800" kern="1200">
+                <a:solidFill>
+                  <a:schemeClr val="lt1"/>
+                </a:solidFill>
+                <a:latin typeface="+mn-lt"/>
+                <a:ea typeface="+mn-ea"/>
+                <a:cs typeface="+mn-cs"/>
+              </a:defRPr>
+            </a:lvl4pPr>
+            <a:lvl5pPr marL="1828800" algn="l" defTabSz="914400" rtl="0" eaLnBrk="1" latinLnBrk="0" hangingPunct="1">
+              <a:defRPr sz="1800" kern="1200">
+                <a:solidFill>
+                  <a:schemeClr val="lt1"/>
+                </a:solidFill>
+                <a:latin typeface="+mn-lt"/>
+                <a:ea typeface="+mn-ea"/>
+                <a:cs typeface="+mn-cs"/>
+              </a:defRPr>
+            </a:lvl5pPr>
+            <a:lvl6pPr marL="2286000" algn="l" defTabSz="914400" rtl="0" eaLnBrk="1" latinLnBrk="0" hangingPunct="1">
+              <a:defRPr sz="1800" kern="1200">
+                <a:solidFill>
+                  <a:schemeClr val="lt1"/>
+                </a:solidFill>
+                <a:latin typeface="+mn-lt"/>
+                <a:ea typeface="+mn-ea"/>
+                <a:cs typeface="+mn-cs"/>
+              </a:defRPr>
+            </a:lvl6pPr>
+            <a:lvl7pPr marL="2743200" algn="l" defTabSz="914400" rtl="0" eaLnBrk="1" latinLnBrk="0" hangingPunct="1">
+              <a:defRPr sz="1800" kern="1200">
+                <a:solidFill>
+                  <a:schemeClr val="lt1"/>
+                </a:solidFill>
+                <a:latin typeface="+mn-lt"/>
+                <a:ea typeface="+mn-ea"/>
+                <a:cs typeface="+mn-cs"/>
+              </a:defRPr>
+            </a:lvl7pPr>
+            <a:lvl8pPr marL="3200400" algn="l" defTabSz="914400" rtl="0" eaLnBrk="1" latinLnBrk="0" hangingPunct="1">
+              <a:defRPr sz="1800" kern="1200">
+                <a:solidFill>
+                  <a:schemeClr val="lt1"/>
+                </a:solidFill>
+                <a:latin typeface="+mn-lt"/>
+                <a:ea typeface="+mn-ea"/>
+                <a:cs typeface="+mn-cs"/>
+              </a:defRPr>
+            </a:lvl8pPr>
+            <a:lvl9pPr marL="3657600" algn="l" defTabSz="914400" rtl="0" eaLnBrk="1" latinLnBrk="0" hangingPunct="1">
+              <a:defRPr sz="1800" kern="1200">
+                <a:solidFill>
+                  <a:schemeClr val="lt1"/>
+                </a:solidFill>
+                <a:latin typeface="+mn-lt"/>
+                <a:ea typeface="+mn-ea"/>
+                <a:cs typeface="+mn-cs"/>
+              </a:defRPr>
+            </a:lvl9pPr>
+          </a:lstStyle>
+          <a:p>
+            <a:pPr algn="ctr"/>
+            <a:r>
+              <a:rPr lang="zh-CN" altLang="en-US" dirty="0">
+                <a:solidFill>
+                  <a:schemeClr val="tx1"/>
+                </a:solidFill>
+              </a:rPr>
+              <a:t>烦心</a:t>
+            </a:r>
+          </a:p>
+        </p:txBody>
+      </p:sp>
+      <p:sp>
+        <p:nvSpPr>
+          <p:cNvPr id="19" name="矩形 18"/>
+          <p:cNvSpPr/>
+          <p:nvPr/>
+        </p:nvSpPr>
+        <p:spPr>
+          <a:xfrm>
+            <a:off x="2810783" y="3764787"/>
+            <a:ext cx="903121" cy="361509"/>
+          </a:xfrm>
+          <a:prstGeom prst="rect">
+            <a:avLst/>
+          </a:prstGeom>
+          <a:solidFill>
+            <a:schemeClr val="bg1"/>
+          </a:solidFill>
+          <a:ln>
+            <a:noFill/>
+          </a:ln>
+        </p:spPr>
+        <p:style>
+          <a:lnRef idx="2">
+            <a:schemeClr val="accent1">
+              <a:shade val="50000"/>
+            </a:schemeClr>
+          </a:lnRef>
+          <a:fillRef idx="1">
+            <a:schemeClr val="accent1"/>
+          </a:fillRef>
+          <a:effectRef idx="0">
+            <a:schemeClr val="accent1"/>
+          </a:effectRef>
+          <a:fontRef idx="minor">
+            <a:schemeClr val="lt1"/>
+          </a:fontRef>
+        </p:style>
+        <p:txBody>
+          <a:bodyPr rot="0" spcFirstLastPara="0" vert="horz" wrap="square" lIns="91440" tIns="45720" rIns="91440" bIns="45720" numCol="1" spcCol="0" rtlCol="0" fromWordArt="0" anchor="ctr" anchorCtr="0" forceAA="0" compatLnSpc="1">
+            <a:prstTxWarp prst="textNoShape">
+              <a:avLst/>
+            </a:prstTxWarp>
+            <a:noAutofit/>
+          </a:bodyPr>
+          <a:lstStyle>
+            <a:defPPr>
+              <a:defRPr lang="zh-CN"/>
+            </a:defPPr>
+            <a:lvl1pPr marL="0" algn="l" defTabSz="914400" rtl="0" eaLnBrk="1" latinLnBrk="0" hangingPunct="1">
+              <a:defRPr sz="1800" kern="1200">
+                <a:solidFill>
+                  <a:schemeClr val="lt1"/>
+                </a:solidFill>
+                <a:latin typeface="+mn-lt"/>
+                <a:ea typeface="+mn-ea"/>
+                <a:cs typeface="+mn-cs"/>
+              </a:defRPr>
+            </a:lvl1pPr>
+            <a:lvl2pPr marL="457200" algn="l" defTabSz="914400" rtl="0" eaLnBrk="1" latinLnBrk="0" hangingPunct="1">
+              <a:defRPr sz="1800" kern="1200">
+                <a:solidFill>
+                  <a:schemeClr val="lt1"/>
+                </a:solidFill>
+                <a:latin typeface="+mn-lt"/>
+                <a:ea typeface="+mn-ea"/>
+                <a:cs typeface="+mn-cs"/>
+              </a:defRPr>
+            </a:lvl2pPr>
+            <a:lvl3pPr marL="914400" algn="l" defTabSz="914400" rtl="0" eaLnBrk="1" latinLnBrk="0" hangingPunct="1">
+              <a:defRPr sz="1800" kern="1200">
+                <a:solidFill>
+                  <a:schemeClr val="lt1"/>
+                </a:solidFill>
+                <a:latin typeface="+mn-lt"/>
+                <a:ea typeface="+mn-ea"/>
+                <a:cs typeface="+mn-cs"/>
+              </a:defRPr>
+            </a:lvl3pPr>
+            <a:lvl4pPr marL="1371600" algn="l" defTabSz="914400" rtl="0" eaLnBrk="1" latinLnBrk="0" hangingPunct="1">
+              <a:defRPr sz="1800" kern="1200">
+                <a:solidFill>
+                  <a:schemeClr val="lt1"/>
+                </a:solidFill>
+                <a:latin typeface="+mn-lt"/>
+                <a:ea typeface="+mn-ea"/>
+                <a:cs typeface="+mn-cs"/>
+              </a:defRPr>
+            </a:lvl4pPr>
+            <a:lvl5pPr marL="1828800" algn="l" defTabSz="914400" rtl="0" eaLnBrk="1" latinLnBrk="0" hangingPunct="1">
+              <a:defRPr sz="1800" kern="1200">
+                <a:solidFill>
+                  <a:schemeClr val="lt1"/>
+                </a:solidFill>
+                <a:latin typeface="+mn-lt"/>
+                <a:ea typeface="+mn-ea"/>
+                <a:cs typeface="+mn-cs"/>
+              </a:defRPr>
+            </a:lvl5pPr>
+            <a:lvl6pPr marL="2286000" algn="l" defTabSz="914400" rtl="0" eaLnBrk="1" latinLnBrk="0" hangingPunct="1">
+              <a:defRPr sz="1800" kern="1200">
+                <a:solidFill>
+                  <a:schemeClr val="lt1"/>
+                </a:solidFill>
+                <a:latin typeface="+mn-lt"/>
+                <a:ea typeface="+mn-ea"/>
+                <a:cs typeface="+mn-cs"/>
+              </a:defRPr>
+            </a:lvl6pPr>
+            <a:lvl7pPr marL="2743200" algn="l" defTabSz="914400" rtl="0" eaLnBrk="1" latinLnBrk="0" hangingPunct="1">
+              <a:defRPr sz="1800" kern="1200">
+                <a:solidFill>
+                  <a:schemeClr val="lt1"/>
+                </a:solidFill>
+                <a:latin typeface="+mn-lt"/>
+                <a:ea typeface="+mn-ea"/>
+                <a:cs typeface="+mn-cs"/>
+              </a:defRPr>
+            </a:lvl7pPr>
+            <a:lvl8pPr marL="3200400" algn="l" defTabSz="914400" rtl="0" eaLnBrk="1" latinLnBrk="0" hangingPunct="1">
+              <a:defRPr sz="1800" kern="1200">
+                <a:solidFill>
+                  <a:schemeClr val="lt1"/>
+                </a:solidFill>
+                <a:latin typeface="+mn-lt"/>
+                <a:ea typeface="+mn-ea"/>
+                <a:cs typeface="+mn-cs"/>
+              </a:defRPr>
+            </a:lvl8pPr>
+            <a:lvl9pPr marL="3657600" algn="l" defTabSz="914400" rtl="0" eaLnBrk="1" latinLnBrk="0" hangingPunct="1">
+              <a:defRPr sz="1800" kern="1200">
+                <a:solidFill>
+                  <a:schemeClr val="lt1"/>
+                </a:solidFill>
+                <a:latin typeface="+mn-lt"/>
+                <a:ea typeface="+mn-ea"/>
+                <a:cs typeface="+mn-cs"/>
+              </a:defRPr>
+            </a:lvl9pPr>
+          </a:lstStyle>
+          <a:p>
+            <a:pPr algn="ctr"/>
+            <a:r>
+              <a:rPr lang="zh-CN" altLang="en-US" dirty="0">
+                <a:solidFill>
+                  <a:schemeClr val="tx1"/>
+                </a:solidFill>
+              </a:rPr>
+              <a:t>生气</a:t>
+            </a:r>
+          </a:p>
+        </p:txBody>
+      </p:sp>
+      <p:sp>
+        <p:nvSpPr>
+          <p:cNvPr id="20" name="矩形 19"/>
+          <p:cNvSpPr/>
+          <p:nvPr/>
+        </p:nvSpPr>
+        <p:spPr>
+          <a:xfrm>
+            <a:off x="2985253" y="4551057"/>
+            <a:ext cx="1257031" cy="361509"/>
+          </a:xfrm>
+          <a:prstGeom prst="rect">
+            <a:avLst/>
+          </a:prstGeom>
+          <a:solidFill>
+            <a:schemeClr val="bg1"/>
+          </a:solidFill>
+          <a:ln>
+            <a:noFill/>
+          </a:ln>
+        </p:spPr>
+        <p:style>
+          <a:lnRef idx="2">
+            <a:schemeClr val="accent1">
+              <a:shade val="50000"/>
+            </a:schemeClr>
+          </a:lnRef>
+          <a:fillRef idx="1">
+            <a:schemeClr val="accent1"/>
+          </a:fillRef>
+          <a:effectRef idx="0">
+            <a:schemeClr val="accent1"/>
+          </a:effectRef>
+          <a:fontRef idx="minor">
+            <a:schemeClr val="lt1"/>
+          </a:fontRef>
+        </p:style>
+        <p:txBody>
+          <a:bodyPr rot="0" spcFirstLastPara="0" vert="horz" wrap="square" lIns="91440" tIns="45720" rIns="91440" bIns="45720" numCol="1" spcCol="0" rtlCol="0" fromWordArt="0" anchor="ctr" anchorCtr="0" forceAA="0" compatLnSpc="1">
+            <a:prstTxWarp prst="textNoShape">
+              <a:avLst/>
+            </a:prstTxWarp>
+            <a:noAutofit/>
+          </a:bodyPr>
+          <a:lstStyle>
+            <a:defPPr>
+              <a:defRPr lang="zh-CN"/>
+            </a:defPPr>
+            <a:lvl1pPr marL="0" algn="l" defTabSz="914400" rtl="0" eaLnBrk="1" latinLnBrk="0" hangingPunct="1">
+              <a:defRPr sz="1800" kern="1200">
+                <a:solidFill>
+                  <a:schemeClr val="lt1"/>
+                </a:solidFill>
+                <a:latin typeface="+mn-lt"/>
+                <a:ea typeface="+mn-ea"/>
+                <a:cs typeface="+mn-cs"/>
+              </a:defRPr>
+            </a:lvl1pPr>
+            <a:lvl2pPr marL="457200" algn="l" defTabSz="914400" rtl="0" eaLnBrk="1" latinLnBrk="0" hangingPunct="1">
+              <a:defRPr sz="1800" kern="1200">
+                <a:solidFill>
+                  <a:schemeClr val="lt1"/>
+                </a:solidFill>
+                <a:latin typeface="+mn-lt"/>
+                <a:ea typeface="+mn-ea"/>
+                <a:cs typeface="+mn-cs"/>
+              </a:defRPr>
+            </a:lvl2pPr>
+            <a:lvl3pPr marL="914400" algn="l" defTabSz="914400" rtl="0" eaLnBrk="1" latinLnBrk="0" hangingPunct="1">
+              <a:defRPr sz="1800" kern="1200">
+                <a:solidFill>
+                  <a:schemeClr val="lt1"/>
+                </a:solidFill>
+                <a:latin typeface="+mn-lt"/>
+                <a:ea typeface="+mn-ea"/>
+                <a:cs typeface="+mn-cs"/>
+              </a:defRPr>
+            </a:lvl3pPr>
+            <a:lvl4pPr marL="1371600" algn="l" defTabSz="914400" rtl="0" eaLnBrk="1" latinLnBrk="0" hangingPunct="1">
+              <a:defRPr sz="1800" kern="1200">
+                <a:solidFill>
+                  <a:schemeClr val="lt1"/>
+                </a:solidFill>
+                <a:latin typeface="+mn-lt"/>
+                <a:ea typeface="+mn-ea"/>
+                <a:cs typeface="+mn-cs"/>
+              </a:defRPr>
+            </a:lvl4pPr>
+            <a:lvl5pPr marL="1828800" algn="l" defTabSz="914400" rtl="0" eaLnBrk="1" latinLnBrk="0" hangingPunct="1">
+              <a:defRPr sz="1800" kern="1200">
+                <a:solidFill>
+                  <a:schemeClr val="lt1"/>
+                </a:solidFill>
+                <a:latin typeface="+mn-lt"/>
+                <a:ea typeface="+mn-ea"/>
+                <a:cs typeface="+mn-cs"/>
+              </a:defRPr>
+            </a:lvl5pPr>
+            <a:lvl6pPr marL="2286000" algn="l" defTabSz="914400" rtl="0" eaLnBrk="1" latinLnBrk="0" hangingPunct="1">
+              <a:defRPr sz="1800" kern="1200">
+                <a:solidFill>
+                  <a:schemeClr val="lt1"/>
+                </a:solidFill>
+                <a:latin typeface="+mn-lt"/>
+                <a:ea typeface="+mn-ea"/>
+                <a:cs typeface="+mn-cs"/>
+              </a:defRPr>
+            </a:lvl6pPr>
+            <a:lvl7pPr marL="2743200" algn="l" defTabSz="914400" rtl="0" eaLnBrk="1" latinLnBrk="0" hangingPunct="1">
+              <a:defRPr sz="1800" kern="1200">
+                <a:solidFill>
+                  <a:schemeClr val="lt1"/>
+                </a:solidFill>
+                <a:latin typeface="+mn-lt"/>
+                <a:ea typeface="+mn-ea"/>
+                <a:cs typeface="+mn-cs"/>
+              </a:defRPr>
+            </a:lvl7pPr>
+            <a:lvl8pPr marL="3200400" algn="l" defTabSz="914400" rtl="0" eaLnBrk="1" latinLnBrk="0" hangingPunct="1">
+              <a:defRPr sz="1800" kern="1200">
+                <a:solidFill>
+                  <a:schemeClr val="lt1"/>
+                </a:solidFill>
+                <a:latin typeface="+mn-lt"/>
+                <a:ea typeface="+mn-ea"/>
+                <a:cs typeface="+mn-cs"/>
+              </a:defRPr>
+            </a:lvl8pPr>
+            <a:lvl9pPr marL="3657600" algn="l" defTabSz="914400" rtl="0" eaLnBrk="1" latinLnBrk="0" hangingPunct="1">
+              <a:defRPr sz="1800" kern="1200">
+                <a:solidFill>
+                  <a:schemeClr val="lt1"/>
+                </a:solidFill>
+                <a:latin typeface="+mn-lt"/>
+                <a:ea typeface="+mn-ea"/>
+                <a:cs typeface="+mn-cs"/>
+              </a:defRPr>
+            </a:lvl9pPr>
+          </a:lstStyle>
+          <a:p>
+            <a:pPr algn="ctr"/>
+            <a:r>
+              <a:rPr lang="zh-CN" altLang="en-US" dirty="0">
+                <a:solidFill>
+                  <a:schemeClr val="tx1"/>
+                </a:solidFill>
+              </a:rPr>
+              <a:t>沮丧</a:t>
+            </a:r>
+          </a:p>
+        </p:txBody>
+      </p:sp>
+      <p:sp>
+        <p:nvSpPr>
+          <p:cNvPr id="21" name="矩形 20"/>
+          <p:cNvSpPr/>
+          <p:nvPr/>
+        </p:nvSpPr>
+        <p:spPr>
+          <a:xfrm>
+            <a:off x="3589338" y="5183163"/>
+            <a:ext cx="1257031" cy="361509"/>
+          </a:xfrm>
+          <a:prstGeom prst="rect">
+            <a:avLst/>
+          </a:prstGeom>
+          <a:solidFill>
+            <a:schemeClr val="bg1"/>
+          </a:solidFill>
+          <a:ln>
+            <a:noFill/>
+          </a:ln>
+        </p:spPr>
+        <p:style>
+          <a:lnRef idx="2">
+            <a:schemeClr val="accent1">
+              <a:shade val="50000"/>
+            </a:schemeClr>
+          </a:lnRef>
+          <a:fillRef idx="1">
+            <a:schemeClr val="accent1"/>
+          </a:fillRef>
+          <a:effectRef idx="0">
+            <a:schemeClr val="accent1"/>
+          </a:effectRef>
+          <a:fontRef idx="minor">
+            <a:schemeClr val="lt1"/>
+          </a:fontRef>
+        </p:style>
+        <p:txBody>
+          <a:bodyPr rot="0" spcFirstLastPara="0" vert="horz" wrap="square" lIns="91440" tIns="45720" rIns="91440" bIns="45720" numCol="1" spcCol="0" rtlCol="0" fromWordArt="0" anchor="ctr" anchorCtr="0" forceAA="0" compatLnSpc="1">
+            <a:prstTxWarp prst="textNoShape">
+              <a:avLst/>
+            </a:prstTxWarp>
+            <a:noAutofit/>
+          </a:bodyPr>
+          <a:lstStyle>
+            <a:defPPr>
+              <a:defRPr lang="zh-CN"/>
+            </a:defPPr>
+            <a:lvl1pPr marL="0" algn="l" defTabSz="914400" rtl="0" eaLnBrk="1" latinLnBrk="0" hangingPunct="1">
+              <a:defRPr sz="1800" kern="1200">
+                <a:solidFill>
+                  <a:schemeClr val="lt1"/>
+                </a:solidFill>
+                <a:latin typeface="+mn-lt"/>
+                <a:ea typeface="+mn-ea"/>
+                <a:cs typeface="+mn-cs"/>
+              </a:defRPr>
+            </a:lvl1pPr>
+            <a:lvl2pPr marL="457200" algn="l" defTabSz="914400" rtl="0" eaLnBrk="1" latinLnBrk="0" hangingPunct="1">
+              <a:defRPr sz="1800" kern="1200">
+                <a:solidFill>
+                  <a:schemeClr val="lt1"/>
+                </a:solidFill>
+                <a:latin typeface="+mn-lt"/>
+                <a:ea typeface="+mn-ea"/>
+                <a:cs typeface="+mn-cs"/>
+              </a:defRPr>
+            </a:lvl2pPr>
+            <a:lvl3pPr marL="914400" algn="l" defTabSz="914400" rtl="0" eaLnBrk="1" latinLnBrk="0" hangingPunct="1">
+              <a:defRPr sz="1800" kern="1200">
+                <a:solidFill>
+                  <a:schemeClr val="lt1"/>
+                </a:solidFill>
+                <a:latin typeface="+mn-lt"/>
+                <a:ea typeface="+mn-ea"/>
+                <a:cs typeface="+mn-cs"/>
+              </a:defRPr>
+            </a:lvl3pPr>
+            <a:lvl4pPr marL="1371600" algn="l" defTabSz="914400" rtl="0" eaLnBrk="1" latinLnBrk="0" hangingPunct="1">
+              <a:defRPr sz="1800" kern="1200">
+                <a:solidFill>
+                  <a:schemeClr val="lt1"/>
+                </a:solidFill>
+                <a:latin typeface="+mn-lt"/>
+                <a:ea typeface="+mn-ea"/>
+                <a:cs typeface="+mn-cs"/>
+              </a:defRPr>
+            </a:lvl4pPr>
+            <a:lvl5pPr marL="1828800" algn="l" defTabSz="914400" rtl="0" eaLnBrk="1" latinLnBrk="0" hangingPunct="1">
+              <a:defRPr sz="1800" kern="1200">
+                <a:solidFill>
+                  <a:schemeClr val="lt1"/>
+                </a:solidFill>
+                <a:latin typeface="+mn-lt"/>
+                <a:ea typeface="+mn-ea"/>
+                <a:cs typeface="+mn-cs"/>
+              </a:defRPr>
+            </a:lvl5pPr>
+            <a:lvl6pPr marL="2286000" algn="l" defTabSz="914400" rtl="0" eaLnBrk="1" latinLnBrk="0" hangingPunct="1">
+              <a:defRPr sz="1800" kern="1200">
+                <a:solidFill>
+                  <a:schemeClr val="lt1"/>
+                </a:solidFill>
+                <a:latin typeface="+mn-lt"/>
+                <a:ea typeface="+mn-ea"/>
+                <a:cs typeface="+mn-cs"/>
+              </a:defRPr>
+            </a:lvl6pPr>
+            <a:lvl7pPr marL="2743200" algn="l" defTabSz="914400" rtl="0" eaLnBrk="1" latinLnBrk="0" hangingPunct="1">
+              <a:defRPr sz="1800" kern="1200">
+                <a:solidFill>
+                  <a:schemeClr val="lt1"/>
+                </a:solidFill>
+                <a:latin typeface="+mn-lt"/>
+                <a:ea typeface="+mn-ea"/>
+                <a:cs typeface="+mn-cs"/>
+              </a:defRPr>
+            </a:lvl7pPr>
+            <a:lvl8pPr marL="3200400" algn="l" defTabSz="914400" rtl="0" eaLnBrk="1" latinLnBrk="0" hangingPunct="1">
+              <a:defRPr sz="1800" kern="1200">
+                <a:solidFill>
+                  <a:schemeClr val="lt1"/>
+                </a:solidFill>
+                <a:latin typeface="+mn-lt"/>
+                <a:ea typeface="+mn-ea"/>
+                <a:cs typeface="+mn-cs"/>
+              </a:defRPr>
+            </a:lvl8pPr>
+            <a:lvl9pPr marL="3657600" algn="l" defTabSz="914400" rtl="0" eaLnBrk="1" latinLnBrk="0" hangingPunct="1">
+              <a:defRPr sz="1800" kern="1200">
+                <a:solidFill>
+                  <a:schemeClr val="lt1"/>
+                </a:solidFill>
+                <a:latin typeface="+mn-lt"/>
+                <a:ea typeface="+mn-ea"/>
+                <a:cs typeface="+mn-cs"/>
+              </a:defRPr>
+            </a:lvl9pPr>
+          </a:lstStyle>
+          <a:p>
+            <a:pPr algn="ctr"/>
+            <a:endParaRPr lang="zh-CN" altLang="en-US" dirty="0">
+              <a:solidFill>
+                <a:schemeClr val="tx1"/>
+              </a:solidFill>
+            </a:endParaRPr>
+          </a:p>
+        </p:txBody>
+      </p:sp>
+      <p:sp>
+        <p:nvSpPr>
+          <p:cNvPr id="23" name="矩形 22"/>
+          <p:cNvSpPr/>
+          <p:nvPr/>
+        </p:nvSpPr>
+        <p:spPr>
+          <a:xfrm>
+            <a:off x="4294711" y="5700641"/>
+            <a:ext cx="1257031" cy="361509"/>
+          </a:xfrm>
+          <a:prstGeom prst="rect">
+            <a:avLst/>
+          </a:prstGeom>
+          <a:solidFill>
+            <a:schemeClr val="bg1"/>
+          </a:solidFill>
+          <a:ln>
+            <a:noFill/>
+          </a:ln>
+        </p:spPr>
+        <p:style>
+          <a:lnRef idx="2">
+            <a:schemeClr val="accent1">
+              <a:shade val="50000"/>
+            </a:schemeClr>
+          </a:lnRef>
+          <a:fillRef idx="1">
+            <a:schemeClr val="accent1"/>
+          </a:fillRef>
+          <a:effectRef idx="0">
+            <a:schemeClr val="accent1"/>
+          </a:effectRef>
+          <a:fontRef idx="minor">
+            <a:schemeClr val="lt1"/>
+          </a:fontRef>
+        </p:style>
+        <p:txBody>
+          <a:bodyPr rot="0" spcFirstLastPara="0" vert="horz" wrap="square" lIns="91440" tIns="45720" rIns="91440" bIns="45720" numCol="1" spcCol="0" rtlCol="0" fromWordArt="0" anchor="ctr" anchorCtr="0" forceAA="0" compatLnSpc="1">
+            <a:prstTxWarp prst="textNoShape">
+              <a:avLst/>
+            </a:prstTxWarp>
+            <a:noAutofit/>
+          </a:bodyPr>
+          <a:lstStyle>
+            <a:defPPr>
+              <a:defRPr lang="zh-CN"/>
+            </a:defPPr>
+            <a:lvl1pPr marL="0" algn="l" defTabSz="914400" rtl="0" eaLnBrk="1" latinLnBrk="0" hangingPunct="1">
+              <a:defRPr sz="1800" kern="1200">
+                <a:solidFill>
+                  <a:schemeClr val="lt1"/>
+                </a:solidFill>
+                <a:latin typeface="+mn-lt"/>
+                <a:ea typeface="+mn-ea"/>
+                <a:cs typeface="+mn-cs"/>
+              </a:defRPr>
+            </a:lvl1pPr>
+            <a:lvl2pPr marL="457200" algn="l" defTabSz="914400" rtl="0" eaLnBrk="1" latinLnBrk="0" hangingPunct="1">
+              <a:defRPr sz="1800" kern="1200">
+                <a:solidFill>
+                  <a:schemeClr val="lt1"/>
+                </a:solidFill>
+                <a:latin typeface="+mn-lt"/>
+                <a:ea typeface="+mn-ea"/>
+                <a:cs typeface="+mn-cs"/>
+              </a:defRPr>
+            </a:lvl2pPr>
+            <a:lvl3pPr marL="914400" algn="l" defTabSz="914400" rtl="0" eaLnBrk="1" latinLnBrk="0" hangingPunct="1">
+              <a:defRPr sz="1800" kern="1200">
+                <a:solidFill>
+                  <a:schemeClr val="lt1"/>
+                </a:solidFill>
+                <a:latin typeface="+mn-lt"/>
+                <a:ea typeface="+mn-ea"/>
+                <a:cs typeface="+mn-cs"/>
+              </a:defRPr>
+            </a:lvl3pPr>
+            <a:lvl4pPr marL="1371600" algn="l" defTabSz="914400" rtl="0" eaLnBrk="1" latinLnBrk="0" hangingPunct="1">
+              <a:defRPr sz="1800" kern="1200">
+                <a:solidFill>
+                  <a:schemeClr val="lt1"/>
+                </a:solidFill>
+                <a:latin typeface="+mn-lt"/>
+                <a:ea typeface="+mn-ea"/>
+                <a:cs typeface="+mn-cs"/>
+              </a:defRPr>
+            </a:lvl4pPr>
+            <a:lvl5pPr marL="1828800" algn="l" defTabSz="914400" rtl="0" eaLnBrk="1" latinLnBrk="0" hangingPunct="1">
+              <a:defRPr sz="1800" kern="1200">
+                <a:solidFill>
+                  <a:schemeClr val="lt1"/>
+                </a:solidFill>
+                <a:latin typeface="+mn-lt"/>
+                <a:ea typeface="+mn-ea"/>
+                <a:cs typeface="+mn-cs"/>
+              </a:defRPr>
+            </a:lvl5pPr>
+            <a:lvl6pPr marL="2286000" algn="l" defTabSz="914400" rtl="0" eaLnBrk="1" latinLnBrk="0" hangingPunct="1">
+              <a:defRPr sz="1800" kern="1200">
+                <a:solidFill>
+                  <a:schemeClr val="lt1"/>
+                </a:solidFill>
+                <a:latin typeface="+mn-lt"/>
+                <a:ea typeface="+mn-ea"/>
+                <a:cs typeface="+mn-cs"/>
+              </a:defRPr>
+            </a:lvl6pPr>
+            <a:lvl7pPr marL="2743200" algn="l" defTabSz="914400" rtl="0" eaLnBrk="1" latinLnBrk="0" hangingPunct="1">
+              <a:defRPr sz="1800" kern="1200">
+                <a:solidFill>
+                  <a:schemeClr val="lt1"/>
+                </a:solidFill>
+                <a:latin typeface="+mn-lt"/>
+                <a:ea typeface="+mn-ea"/>
+                <a:cs typeface="+mn-cs"/>
+              </a:defRPr>
+            </a:lvl7pPr>
+            <a:lvl8pPr marL="3200400" algn="l" defTabSz="914400" rtl="0" eaLnBrk="1" latinLnBrk="0" hangingPunct="1">
+              <a:defRPr sz="1800" kern="1200">
+                <a:solidFill>
+                  <a:schemeClr val="lt1"/>
+                </a:solidFill>
+                <a:latin typeface="+mn-lt"/>
+                <a:ea typeface="+mn-ea"/>
+                <a:cs typeface="+mn-cs"/>
+              </a:defRPr>
+            </a:lvl8pPr>
+            <a:lvl9pPr marL="3657600" algn="l" defTabSz="914400" rtl="0" eaLnBrk="1" latinLnBrk="0" hangingPunct="1">
+              <a:defRPr sz="1800" kern="1200">
+                <a:solidFill>
+                  <a:schemeClr val="lt1"/>
+                </a:solidFill>
+                <a:latin typeface="+mn-lt"/>
+                <a:ea typeface="+mn-ea"/>
+                <a:cs typeface="+mn-cs"/>
+              </a:defRPr>
+            </a:lvl9pPr>
+          </a:lstStyle>
+          <a:p>
+            <a:pPr algn="ctr"/>
+            <a:r>
+              <a:rPr lang="zh-CN" altLang="en-US" dirty="0">
+                <a:solidFill>
+                  <a:schemeClr val="tx1"/>
+                </a:solidFill>
+              </a:rPr>
+              <a:t>昏睡</a:t>
+            </a:r>
+          </a:p>
+        </p:txBody>
+      </p:sp>
+    </p:spTree>
+    <p:extLst>
+      <p:ext uri="{BB962C8B-B14F-4D97-AF65-F5344CB8AC3E}">
+        <p14:creationId xmlns:p14="http://schemas.microsoft.com/office/powerpoint/2010/main" val="2229913173"/>
+      </p:ext>
+    </p:extLst>
+  </p:cSld>
+  <p:clrMapOvr>
+    <a:masterClrMapping/>
+  </p:clrMapOvr>
+</p:sld>
+</file>
+
+<file path=ppt/slides/slide14.xml><?xml version="1.0" encoding="utf-8"?>
+<p:sld xmlns:a="http://schemas.openxmlformats.org/drawingml/2006/main" xmlns:r="http://schemas.openxmlformats.org/officeDocument/2006/relationships" xmlns:p="http://schemas.openxmlformats.org/presentationml/2006/main">
+  <p:cSld>
+    <p:spTree>
+      <p:nvGrpSpPr>
+        <p:cNvPr id="1" name=""/>
+        <p:cNvGrpSpPr/>
+        <p:nvPr/>
+      </p:nvGrpSpPr>
+      <p:grpSpPr>
+        <a:xfrm>
+          <a:off x="0" y="0"/>
+          <a:ext cx="0" cy="0"/>
+          <a:chOff x="0" y="0"/>
+          <a:chExt cx="0" cy="0"/>
+        </a:xfrm>
+      </p:grpSpPr>
+      <p:pic>
+        <p:nvPicPr>
+          <p:cNvPr id="4" name="图片 3"/>
+          <p:cNvPicPr>
+            <a:picLocks noChangeAspect="1"/>
+          </p:cNvPicPr>
+          <p:nvPr/>
+        </p:nvPicPr>
+        <p:blipFill>
+          <a:blip r:embed="rId2">
+            <a:extLst>
+              <a:ext uri="{28A0092B-C50C-407E-A947-70E740481C1C}">
+                <a14:useLocalDpi xmlns:a14="http://schemas.microsoft.com/office/drawing/2010/main" val="0"/>
+              </a:ext>
+            </a:extLst>
+          </a:blip>
+          <a:stretch>
+            <a:fillRect/>
+          </a:stretch>
+        </p:blipFill>
+        <p:spPr>
+          <a:xfrm>
+            <a:off x="3113470" y="995598"/>
+            <a:ext cx="6179820" cy="4857122"/>
+          </a:xfrm>
+          <a:prstGeom prst="rect">
+            <a:avLst/>
+          </a:prstGeom>
+        </p:spPr>
+      </p:pic>
+    </p:spTree>
+    <p:extLst>
+      <p:ext uri="{BB962C8B-B14F-4D97-AF65-F5344CB8AC3E}">
+        <p14:creationId xmlns:p14="http://schemas.microsoft.com/office/powerpoint/2010/main" val="1291622601"/>
+      </p:ext>
+    </p:extLst>
+  </p:cSld>
+  <p:clrMapOvr>
+    <a:masterClrMapping/>
+  </p:clrMapOvr>
+</p:sld>
+</file>
+
+<file path=ppt/slides/slide15.xml><?xml version="1.0" encoding="utf-8"?>
+<p:sld xmlns:a="http://schemas.openxmlformats.org/drawingml/2006/main" xmlns:r="http://schemas.openxmlformats.org/officeDocument/2006/relationships" xmlns:p="http://schemas.openxmlformats.org/presentationml/2006/main">
+  <p:cSld>
+    <p:spTree>
+      <p:nvGrpSpPr>
+        <p:cNvPr id="1" name=""/>
+        <p:cNvGrpSpPr/>
+        <p:nvPr/>
+      </p:nvGrpSpPr>
+      <p:grpSpPr>
+        <a:xfrm>
+          <a:off x="0" y="0"/>
+          <a:ext cx="0" cy="0"/>
+          <a:chOff x="0" y="0"/>
+          <a:chExt cx="0" cy="0"/>
+        </a:xfrm>
+      </p:grpSpPr>
+      <p:sp>
+        <p:nvSpPr>
+          <p:cNvPr id="5" name="椭圆 4"/>
+          <p:cNvSpPr/>
+          <p:nvPr/>
+        </p:nvSpPr>
+        <p:spPr>
+          <a:xfrm>
+            <a:off x="3915053" y="1429305"/>
+            <a:ext cx="3524434" cy="3373513"/>
+          </a:xfrm>
+          <a:prstGeom prst="ellipse">
+            <a:avLst/>
+          </a:prstGeom>
+        </p:spPr>
+        <p:style>
+          <a:lnRef idx="2">
+            <a:schemeClr val="dk1"/>
+          </a:lnRef>
+          <a:fillRef idx="1">
+            <a:schemeClr val="lt1"/>
+          </a:fillRef>
+          <a:effectRef idx="0">
+            <a:schemeClr val="dk1"/>
+          </a:effectRef>
+          <a:fontRef idx="minor">
+            <a:schemeClr val="dk1"/>
+          </a:fontRef>
+        </p:style>
+        <p:txBody>
+          <a:bodyPr rtlCol="0" anchor="ctr"/>
+          <a:lstStyle/>
+          <a:p>
+            <a:pPr algn="ctr"/>
+            <a:endParaRPr lang="zh-CN" altLang="en-US" dirty="0"/>
+          </a:p>
+        </p:txBody>
+      </p:sp>
+      <p:cxnSp>
+        <p:nvCxnSpPr>
+          <p:cNvPr id="8" name="直接连接符 7"/>
+          <p:cNvCxnSpPr>
+            <a:stCxn id="5" idx="0"/>
+            <a:endCxn id="5" idx="4"/>
+          </p:cNvCxnSpPr>
+          <p:nvPr/>
+        </p:nvCxnSpPr>
+        <p:spPr>
+          <a:xfrm>
+            <a:off x="5677270" y="1429305"/>
+            <a:ext cx="0" cy="3373513"/>
+          </a:xfrm>
+          <a:prstGeom prst="line">
+            <a:avLst/>
+          </a:prstGeom>
+        </p:spPr>
+        <p:style>
+          <a:lnRef idx="3">
+            <a:schemeClr val="dk1"/>
+          </a:lnRef>
+          <a:fillRef idx="0">
+            <a:schemeClr val="dk1"/>
+          </a:fillRef>
+          <a:effectRef idx="2">
+            <a:schemeClr val="dk1"/>
+          </a:effectRef>
+          <a:fontRef idx="minor">
+            <a:schemeClr val="tx1"/>
+          </a:fontRef>
+        </p:style>
+      </p:cxnSp>
+      <p:cxnSp>
+        <p:nvCxnSpPr>
+          <p:cNvPr id="10" name="直接连接符 9"/>
+          <p:cNvCxnSpPr>
+            <a:stCxn id="5" idx="2"/>
+            <a:endCxn id="5" idx="6"/>
+          </p:cNvCxnSpPr>
+          <p:nvPr/>
+        </p:nvCxnSpPr>
+        <p:spPr>
+          <a:xfrm>
+            <a:off x="3915053" y="3116062"/>
+            <a:ext cx="3524434" cy="0"/>
+          </a:xfrm>
+          <a:prstGeom prst="line">
+            <a:avLst/>
+          </a:prstGeom>
+        </p:spPr>
+        <p:style>
+          <a:lnRef idx="3">
+            <a:schemeClr val="dk1"/>
+          </a:lnRef>
+          <a:fillRef idx="0">
+            <a:schemeClr val="dk1"/>
+          </a:fillRef>
+          <a:effectRef idx="2">
+            <a:schemeClr val="dk1"/>
+          </a:effectRef>
+          <a:fontRef idx="minor">
+            <a:schemeClr val="tx1"/>
+          </a:fontRef>
+        </p:style>
+      </p:cxnSp>
+      <p:sp>
+        <p:nvSpPr>
+          <p:cNvPr id="11" name="文本框 10"/>
+          <p:cNvSpPr txBox="1"/>
+          <p:nvPr/>
+        </p:nvSpPr>
+        <p:spPr>
+          <a:xfrm>
+            <a:off x="5814093" y="1526961"/>
+            <a:ext cx="646331" cy="369332"/>
+          </a:xfrm>
+          <a:prstGeom prst="rect">
+            <a:avLst/>
+          </a:prstGeom>
+          <a:noFill/>
+        </p:spPr>
+        <p:txBody>
+          <a:bodyPr wrap="none" rtlCol="0">
+            <a:spAutoFit/>
+          </a:bodyPr>
+          <a:lstStyle/>
+          <a:p>
+            <a:r>
+              <a:rPr lang="zh-CN" altLang="en-US" dirty="0"/>
+              <a:t>兴奋</a:t>
+            </a:r>
+          </a:p>
+        </p:txBody>
+      </p:sp>
+      <p:sp>
+        <p:nvSpPr>
+          <p:cNvPr id="12" name="文本框 11"/>
+          <p:cNvSpPr txBox="1"/>
+          <p:nvPr/>
+        </p:nvSpPr>
+        <p:spPr>
+          <a:xfrm>
+            <a:off x="5826361" y="4401503"/>
+            <a:ext cx="646331" cy="369332"/>
+          </a:xfrm>
+          <a:prstGeom prst="rect">
+            <a:avLst/>
+          </a:prstGeom>
+          <a:noFill/>
+        </p:spPr>
+        <p:txBody>
+          <a:bodyPr wrap="none" rtlCol="0">
+            <a:spAutoFit/>
+          </a:bodyPr>
+          <a:lstStyle/>
+          <a:p>
+            <a:r>
+              <a:rPr lang="zh-CN" altLang="en-US" dirty="0"/>
+              <a:t>平静</a:t>
+            </a:r>
+          </a:p>
+        </p:txBody>
+      </p:sp>
+      <p:sp>
+        <p:nvSpPr>
+          <p:cNvPr id="13" name="文本框 10"/>
+          <p:cNvSpPr txBox="1"/>
+          <p:nvPr/>
+        </p:nvSpPr>
+        <p:spPr>
+          <a:xfrm>
+            <a:off x="6669478" y="2409833"/>
+            <a:ext cx="646331" cy="369332"/>
+          </a:xfrm>
+          <a:prstGeom prst="rect">
+            <a:avLst/>
+          </a:prstGeom>
+          <a:noFill/>
+        </p:spPr>
+        <p:txBody>
+          <a:bodyPr wrap="none" rtlCol="0">
+            <a:spAutoFit/>
+          </a:bodyPr>
+          <a:lstStyle>
+            <a:defPPr>
+              <a:defRPr lang="zh-CN"/>
+            </a:defPPr>
+            <a:lvl1pPr marL="0" algn="l" defTabSz="914400" rtl="0" eaLnBrk="1" latinLnBrk="0" hangingPunct="1">
+              <a:defRPr sz="1800" kern="1200">
+                <a:solidFill>
+                  <a:schemeClr val="tx1"/>
+                </a:solidFill>
+                <a:latin typeface="+mn-lt"/>
+                <a:ea typeface="+mn-ea"/>
+                <a:cs typeface="+mn-cs"/>
+              </a:defRPr>
+            </a:lvl1pPr>
+            <a:lvl2pPr marL="457200" algn="l" defTabSz="914400" rtl="0" eaLnBrk="1" latinLnBrk="0" hangingPunct="1">
+              <a:defRPr sz="1800" kern="1200">
+                <a:solidFill>
+                  <a:schemeClr val="tx1"/>
+                </a:solidFill>
+                <a:latin typeface="+mn-lt"/>
+                <a:ea typeface="+mn-ea"/>
+                <a:cs typeface="+mn-cs"/>
+              </a:defRPr>
+            </a:lvl2pPr>
+            <a:lvl3pPr marL="914400" algn="l" defTabSz="914400" rtl="0" eaLnBrk="1" latinLnBrk="0" hangingPunct="1">
+              <a:defRPr sz="1800" kern="1200">
+                <a:solidFill>
+                  <a:schemeClr val="tx1"/>
+                </a:solidFill>
+                <a:latin typeface="+mn-lt"/>
+                <a:ea typeface="+mn-ea"/>
+                <a:cs typeface="+mn-cs"/>
+              </a:defRPr>
+            </a:lvl3pPr>
+            <a:lvl4pPr marL="1371600" algn="l" defTabSz="914400" rtl="0" eaLnBrk="1" latinLnBrk="0" hangingPunct="1">
+              <a:defRPr sz="1800" kern="1200">
+                <a:solidFill>
+                  <a:schemeClr val="tx1"/>
+                </a:solidFill>
+                <a:latin typeface="+mn-lt"/>
+                <a:ea typeface="+mn-ea"/>
+                <a:cs typeface="+mn-cs"/>
+              </a:defRPr>
+            </a:lvl4pPr>
+            <a:lvl5pPr marL="1828800" algn="l" defTabSz="914400" rtl="0" eaLnBrk="1" latinLnBrk="0" hangingPunct="1">
+              <a:defRPr sz="1800" kern="1200">
+                <a:solidFill>
+                  <a:schemeClr val="tx1"/>
+                </a:solidFill>
+                <a:latin typeface="+mn-lt"/>
+                <a:ea typeface="+mn-ea"/>
+                <a:cs typeface="+mn-cs"/>
+              </a:defRPr>
+            </a:lvl5pPr>
+            <a:lvl6pPr marL="2286000" algn="l" defTabSz="914400" rtl="0" eaLnBrk="1" latinLnBrk="0" hangingPunct="1">
+              <a:defRPr sz="1800" kern="1200">
+                <a:solidFill>
+                  <a:schemeClr val="tx1"/>
+                </a:solidFill>
+                <a:latin typeface="+mn-lt"/>
+                <a:ea typeface="+mn-ea"/>
+                <a:cs typeface="+mn-cs"/>
+              </a:defRPr>
+            </a:lvl6pPr>
+            <a:lvl7pPr marL="2743200" algn="l" defTabSz="914400" rtl="0" eaLnBrk="1" latinLnBrk="0" hangingPunct="1">
+              <a:defRPr sz="1800" kern="1200">
+                <a:solidFill>
+                  <a:schemeClr val="tx1"/>
+                </a:solidFill>
+                <a:latin typeface="+mn-lt"/>
+                <a:ea typeface="+mn-ea"/>
+                <a:cs typeface="+mn-cs"/>
+              </a:defRPr>
+            </a:lvl7pPr>
+            <a:lvl8pPr marL="3200400" algn="l" defTabSz="914400" rtl="0" eaLnBrk="1" latinLnBrk="0" hangingPunct="1">
+              <a:defRPr sz="1800" kern="1200">
+                <a:solidFill>
+                  <a:schemeClr val="tx1"/>
+                </a:solidFill>
+                <a:latin typeface="+mn-lt"/>
+                <a:ea typeface="+mn-ea"/>
+                <a:cs typeface="+mn-cs"/>
+              </a:defRPr>
+            </a:lvl8pPr>
+            <a:lvl9pPr marL="3657600" algn="l" defTabSz="914400" rtl="0" eaLnBrk="1" latinLnBrk="0" hangingPunct="1">
+              <a:defRPr sz="1800" kern="1200">
+                <a:solidFill>
+                  <a:schemeClr val="tx1"/>
+                </a:solidFill>
+                <a:latin typeface="+mn-lt"/>
+                <a:ea typeface="+mn-ea"/>
+                <a:cs typeface="+mn-cs"/>
+              </a:defRPr>
+            </a:lvl9pPr>
+          </a:lstStyle>
+          <a:p>
+            <a:r>
+              <a:rPr lang="zh-CN" altLang="en-US" dirty="0"/>
+              <a:t>高兴</a:t>
+            </a:r>
+          </a:p>
+        </p:txBody>
+      </p:sp>
+      <p:sp>
+        <p:nvSpPr>
+          <p:cNvPr id="14" name="文本框 10"/>
+          <p:cNvSpPr txBox="1"/>
+          <p:nvPr/>
+        </p:nvSpPr>
+        <p:spPr>
+          <a:xfrm>
+            <a:off x="6669477" y="3268294"/>
+            <a:ext cx="646331" cy="369332"/>
+          </a:xfrm>
+          <a:prstGeom prst="rect">
+            <a:avLst/>
+          </a:prstGeom>
+          <a:noFill/>
+        </p:spPr>
+        <p:txBody>
+          <a:bodyPr wrap="none" rtlCol="0">
+            <a:spAutoFit/>
+          </a:bodyPr>
+          <a:lstStyle>
+            <a:defPPr>
+              <a:defRPr lang="zh-CN"/>
+            </a:defPPr>
+            <a:lvl1pPr marL="0" algn="l" defTabSz="914400" rtl="0" eaLnBrk="1" latinLnBrk="0" hangingPunct="1">
+              <a:defRPr sz="1800" kern="1200">
+                <a:solidFill>
+                  <a:schemeClr val="tx1"/>
+                </a:solidFill>
+                <a:latin typeface="+mn-lt"/>
+                <a:ea typeface="+mn-ea"/>
+                <a:cs typeface="+mn-cs"/>
+              </a:defRPr>
+            </a:lvl1pPr>
+            <a:lvl2pPr marL="457200" algn="l" defTabSz="914400" rtl="0" eaLnBrk="1" latinLnBrk="0" hangingPunct="1">
+              <a:defRPr sz="1800" kern="1200">
+                <a:solidFill>
+                  <a:schemeClr val="tx1"/>
+                </a:solidFill>
+                <a:latin typeface="+mn-lt"/>
+                <a:ea typeface="+mn-ea"/>
+                <a:cs typeface="+mn-cs"/>
+              </a:defRPr>
+            </a:lvl2pPr>
+            <a:lvl3pPr marL="914400" algn="l" defTabSz="914400" rtl="0" eaLnBrk="1" latinLnBrk="0" hangingPunct="1">
+              <a:defRPr sz="1800" kern="1200">
+                <a:solidFill>
+                  <a:schemeClr val="tx1"/>
+                </a:solidFill>
+                <a:latin typeface="+mn-lt"/>
+                <a:ea typeface="+mn-ea"/>
+                <a:cs typeface="+mn-cs"/>
+              </a:defRPr>
+            </a:lvl3pPr>
+            <a:lvl4pPr marL="1371600" algn="l" defTabSz="914400" rtl="0" eaLnBrk="1" latinLnBrk="0" hangingPunct="1">
+              <a:defRPr sz="1800" kern="1200">
+                <a:solidFill>
+                  <a:schemeClr val="tx1"/>
+                </a:solidFill>
+                <a:latin typeface="+mn-lt"/>
+                <a:ea typeface="+mn-ea"/>
+                <a:cs typeface="+mn-cs"/>
+              </a:defRPr>
+            </a:lvl4pPr>
+            <a:lvl5pPr marL="1828800" algn="l" defTabSz="914400" rtl="0" eaLnBrk="1" latinLnBrk="0" hangingPunct="1">
+              <a:defRPr sz="1800" kern="1200">
+                <a:solidFill>
+                  <a:schemeClr val="tx1"/>
+                </a:solidFill>
+                <a:latin typeface="+mn-lt"/>
+                <a:ea typeface="+mn-ea"/>
+                <a:cs typeface="+mn-cs"/>
+              </a:defRPr>
+            </a:lvl5pPr>
+            <a:lvl6pPr marL="2286000" algn="l" defTabSz="914400" rtl="0" eaLnBrk="1" latinLnBrk="0" hangingPunct="1">
+              <a:defRPr sz="1800" kern="1200">
+                <a:solidFill>
+                  <a:schemeClr val="tx1"/>
+                </a:solidFill>
+                <a:latin typeface="+mn-lt"/>
+                <a:ea typeface="+mn-ea"/>
+                <a:cs typeface="+mn-cs"/>
+              </a:defRPr>
+            </a:lvl6pPr>
+            <a:lvl7pPr marL="2743200" algn="l" defTabSz="914400" rtl="0" eaLnBrk="1" latinLnBrk="0" hangingPunct="1">
+              <a:defRPr sz="1800" kern="1200">
+                <a:solidFill>
+                  <a:schemeClr val="tx1"/>
+                </a:solidFill>
+                <a:latin typeface="+mn-lt"/>
+                <a:ea typeface="+mn-ea"/>
+                <a:cs typeface="+mn-cs"/>
+              </a:defRPr>
+            </a:lvl7pPr>
+            <a:lvl8pPr marL="3200400" algn="l" defTabSz="914400" rtl="0" eaLnBrk="1" latinLnBrk="0" hangingPunct="1">
+              <a:defRPr sz="1800" kern="1200">
+                <a:solidFill>
+                  <a:schemeClr val="tx1"/>
+                </a:solidFill>
+                <a:latin typeface="+mn-lt"/>
+                <a:ea typeface="+mn-ea"/>
+                <a:cs typeface="+mn-cs"/>
+              </a:defRPr>
+            </a:lvl8pPr>
+            <a:lvl9pPr marL="3657600" algn="l" defTabSz="914400" rtl="0" eaLnBrk="1" latinLnBrk="0" hangingPunct="1">
+              <a:defRPr sz="1800" kern="1200">
+                <a:solidFill>
+                  <a:schemeClr val="tx1"/>
+                </a:solidFill>
+                <a:latin typeface="+mn-lt"/>
+                <a:ea typeface="+mn-ea"/>
+                <a:cs typeface="+mn-cs"/>
+              </a:defRPr>
+            </a:lvl9pPr>
+          </a:lstStyle>
+          <a:p>
+            <a:r>
+              <a:rPr lang="zh-CN" altLang="en-US" dirty="0"/>
+              <a:t>满意</a:t>
+            </a:r>
+          </a:p>
+        </p:txBody>
+      </p:sp>
+      <p:sp>
+        <p:nvSpPr>
+          <p:cNvPr id="15" name="文本框 10"/>
+          <p:cNvSpPr txBox="1"/>
+          <p:nvPr/>
+        </p:nvSpPr>
+        <p:spPr>
+          <a:xfrm>
+            <a:off x="4149830" y="3268294"/>
+            <a:ext cx="646331" cy="369332"/>
+          </a:xfrm>
+          <a:prstGeom prst="rect">
+            <a:avLst/>
+          </a:prstGeom>
+          <a:noFill/>
+        </p:spPr>
+        <p:txBody>
+          <a:bodyPr wrap="none" rtlCol="0">
+            <a:spAutoFit/>
+          </a:bodyPr>
+          <a:lstStyle>
+            <a:defPPr>
+              <a:defRPr lang="zh-CN"/>
+            </a:defPPr>
+            <a:lvl1pPr marL="0" algn="l" defTabSz="914400" rtl="0" eaLnBrk="1" latinLnBrk="0" hangingPunct="1">
+              <a:defRPr sz="1800" kern="1200">
+                <a:solidFill>
+                  <a:schemeClr val="tx1"/>
+                </a:solidFill>
+                <a:latin typeface="+mn-lt"/>
+                <a:ea typeface="+mn-ea"/>
+                <a:cs typeface="+mn-cs"/>
+              </a:defRPr>
+            </a:lvl1pPr>
+            <a:lvl2pPr marL="457200" algn="l" defTabSz="914400" rtl="0" eaLnBrk="1" latinLnBrk="0" hangingPunct="1">
+              <a:defRPr sz="1800" kern="1200">
+                <a:solidFill>
+                  <a:schemeClr val="tx1"/>
+                </a:solidFill>
+                <a:latin typeface="+mn-lt"/>
+                <a:ea typeface="+mn-ea"/>
+                <a:cs typeface="+mn-cs"/>
+              </a:defRPr>
+            </a:lvl2pPr>
+            <a:lvl3pPr marL="914400" algn="l" defTabSz="914400" rtl="0" eaLnBrk="1" latinLnBrk="0" hangingPunct="1">
+              <a:defRPr sz="1800" kern="1200">
+                <a:solidFill>
+                  <a:schemeClr val="tx1"/>
+                </a:solidFill>
+                <a:latin typeface="+mn-lt"/>
+                <a:ea typeface="+mn-ea"/>
+                <a:cs typeface="+mn-cs"/>
+              </a:defRPr>
+            </a:lvl3pPr>
+            <a:lvl4pPr marL="1371600" algn="l" defTabSz="914400" rtl="0" eaLnBrk="1" latinLnBrk="0" hangingPunct="1">
+              <a:defRPr sz="1800" kern="1200">
+                <a:solidFill>
+                  <a:schemeClr val="tx1"/>
+                </a:solidFill>
+                <a:latin typeface="+mn-lt"/>
+                <a:ea typeface="+mn-ea"/>
+                <a:cs typeface="+mn-cs"/>
+              </a:defRPr>
+            </a:lvl4pPr>
+            <a:lvl5pPr marL="1828800" algn="l" defTabSz="914400" rtl="0" eaLnBrk="1" latinLnBrk="0" hangingPunct="1">
+              <a:defRPr sz="1800" kern="1200">
+                <a:solidFill>
+                  <a:schemeClr val="tx1"/>
+                </a:solidFill>
+                <a:latin typeface="+mn-lt"/>
+                <a:ea typeface="+mn-ea"/>
+                <a:cs typeface="+mn-cs"/>
+              </a:defRPr>
+            </a:lvl5pPr>
+            <a:lvl6pPr marL="2286000" algn="l" defTabSz="914400" rtl="0" eaLnBrk="1" latinLnBrk="0" hangingPunct="1">
+              <a:defRPr sz="1800" kern="1200">
+                <a:solidFill>
+                  <a:schemeClr val="tx1"/>
+                </a:solidFill>
+                <a:latin typeface="+mn-lt"/>
+                <a:ea typeface="+mn-ea"/>
+                <a:cs typeface="+mn-cs"/>
+              </a:defRPr>
+            </a:lvl6pPr>
+            <a:lvl7pPr marL="2743200" algn="l" defTabSz="914400" rtl="0" eaLnBrk="1" latinLnBrk="0" hangingPunct="1">
+              <a:defRPr sz="1800" kern="1200">
+                <a:solidFill>
+                  <a:schemeClr val="tx1"/>
+                </a:solidFill>
+                <a:latin typeface="+mn-lt"/>
+                <a:ea typeface="+mn-ea"/>
+                <a:cs typeface="+mn-cs"/>
+              </a:defRPr>
+            </a:lvl7pPr>
+            <a:lvl8pPr marL="3200400" algn="l" defTabSz="914400" rtl="0" eaLnBrk="1" latinLnBrk="0" hangingPunct="1">
+              <a:defRPr sz="1800" kern="1200">
+                <a:solidFill>
+                  <a:schemeClr val="tx1"/>
+                </a:solidFill>
+                <a:latin typeface="+mn-lt"/>
+                <a:ea typeface="+mn-ea"/>
+                <a:cs typeface="+mn-cs"/>
+              </a:defRPr>
+            </a:lvl8pPr>
+            <a:lvl9pPr marL="3657600" algn="l" defTabSz="914400" rtl="0" eaLnBrk="1" latinLnBrk="0" hangingPunct="1">
+              <a:defRPr sz="1800" kern="1200">
+                <a:solidFill>
+                  <a:schemeClr val="tx1"/>
+                </a:solidFill>
+                <a:latin typeface="+mn-lt"/>
+                <a:ea typeface="+mn-ea"/>
+                <a:cs typeface="+mn-cs"/>
+              </a:defRPr>
+            </a:lvl9pPr>
+          </a:lstStyle>
+          <a:p>
+            <a:r>
+              <a:rPr lang="zh-CN" altLang="en-US" dirty="0"/>
+              <a:t>悲伤</a:t>
+            </a:r>
+          </a:p>
+        </p:txBody>
+      </p:sp>
+      <p:sp>
+        <p:nvSpPr>
+          <p:cNvPr id="17" name="文本框 10"/>
+          <p:cNvSpPr txBox="1"/>
+          <p:nvPr/>
+        </p:nvSpPr>
+        <p:spPr>
+          <a:xfrm>
+            <a:off x="4897775" y="4410381"/>
+            <a:ext cx="646331" cy="369332"/>
+          </a:xfrm>
+          <a:prstGeom prst="rect">
+            <a:avLst/>
+          </a:prstGeom>
+          <a:noFill/>
+        </p:spPr>
+        <p:txBody>
+          <a:bodyPr wrap="none" rtlCol="0">
+            <a:spAutoFit/>
+          </a:bodyPr>
+          <a:lstStyle>
+            <a:defPPr>
+              <a:defRPr lang="zh-CN"/>
+            </a:defPPr>
+            <a:lvl1pPr marL="0" algn="l" defTabSz="914400" rtl="0" eaLnBrk="1" latinLnBrk="0" hangingPunct="1">
+              <a:defRPr sz="1800" kern="1200">
+                <a:solidFill>
+                  <a:schemeClr val="tx1"/>
+                </a:solidFill>
+                <a:latin typeface="+mn-lt"/>
+                <a:ea typeface="+mn-ea"/>
+                <a:cs typeface="+mn-cs"/>
+              </a:defRPr>
+            </a:lvl1pPr>
+            <a:lvl2pPr marL="457200" algn="l" defTabSz="914400" rtl="0" eaLnBrk="1" latinLnBrk="0" hangingPunct="1">
+              <a:defRPr sz="1800" kern="1200">
+                <a:solidFill>
+                  <a:schemeClr val="tx1"/>
+                </a:solidFill>
+                <a:latin typeface="+mn-lt"/>
+                <a:ea typeface="+mn-ea"/>
+                <a:cs typeface="+mn-cs"/>
+              </a:defRPr>
+            </a:lvl2pPr>
+            <a:lvl3pPr marL="914400" algn="l" defTabSz="914400" rtl="0" eaLnBrk="1" latinLnBrk="0" hangingPunct="1">
+              <a:defRPr sz="1800" kern="1200">
+                <a:solidFill>
+                  <a:schemeClr val="tx1"/>
+                </a:solidFill>
+                <a:latin typeface="+mn-lt"/>
+                <a:ea typeface="+mn-ea"/>
+                <a:cs typeface="+mn-cs"/>
+              </a:defRPr>
+            </a:lvl3pPr>
+            <a:lvl4pPr marL="1371600" algn="l" defTabSz="914400" rtl="0" eaLnBrk="1" latinLnBrk="0" hangingPunct="1">
+              <a:defRPr sz="1800" kern="1200">
+                <a:solidFill>
+                  <a:schemeClr val="tx1"/>
+                </a:solidFill>
+                <a:latin typeface="+mn-lt"/>
+                <a:ea typeface="+mn-ea"/>
+                <a:cs typeface="+mn-cs"/>
+              </a:defRPr>
+            </a:lvl4pPr>
+            <a:lvl5pPr marL="1828800" algn="l" defTabSz="914400" rtl="0" eaLnBrk="1" latinLnBrk="0" hangingPunct="1">
+              <a:defRPr sz="1800" kern="1200">
+                <a:solidFill>
+                  <a:schemeClr val="tx1"/>
+                </a:solidFill>
+                <a:latin typeface="+mn-lt"/>
+                <a:ea typeface="+mn-ea"/>
+                <a:cs typeface="+mn-cs"/>
+              </a:defRPr>
+            </a:lvl5pPr>
+            <a:lvl6pPr marL="2286000" algn="l" defTabSz="914400" rtl="0" eaLnBrk="1" latinLnBrk="0" hangingPunct="1">
+              <a:defRPr sz="1800" kern="1200">
+                <a:solidFill>
+                  <a:schemeClr val="tx1"/>
+                </a:solidFill>
+                <a:latin typeface="+mn-lt"/>
+                <a:ea typeface="+mn-ea"/>
+                <a:cs typeface="+mn-cs"/>
+              </a:defRPr>
+            </a:lvl6pPr>
+            <a:lvl7pPr marL="2743200" algn="l" defTabSz="914400" rtl="0" eaLnBrk="1" latinLnBrk="0" hangingPunct="1">
+              <a:defRPr sz="1800" kern="1200">
+                <a:solidFill>
+                  <a:schemeClr val="tx1"/>
+                </a:solidFill>
+                <a:latin typeface="+mn-lt"/>
+                <a:ea typeface="+mn-ea"/>
+                <a:cs typeface="+mn-cs"/>
+              </a:defRPr>
+            </a:lvl7pPr>
+            <a:lvl8pPr marL="3200400" algn="l" defTabSz="914400" rtl="0" eaLnBrk="1" latinLnBrk="0" hangingPunct="1">
+              <a:defRPr sz="1800" kern="1200">
+                <a:solidFill>
+                  <a:schemeClr val="tx1"/>
+                </a:solidFill>
+                <a:latin typeface="+mn-lt"/>
+                <a:ea typeface="+mn-ea"/>
+                <a:cs typeface="+mn-cs"/>
+              </a:defRPr>
+            </a:lvl8pPr>
+            <a:lvl9pPr marL="3657600" algn="l" defTabSz="914400" rtl="0" eaLnBrk="1" latinLnBrk="0" hangingPunct="1">
+              <a:defRPr sz="1800" kern="1200">
+                <a:solidFill>
+                  <a:schemeClr val="tx1"/>
+                </a:solidFill>
+                <a:latin typeface="+mn-lt"/>
+                <a:ea typeface="+mn-ea"/>
+                <a:cs typeface="+mn-cs"/>
+              </a:defRPr>
+            </a:lvl9pPr>
+          </a:lstStyle>
+          <a:p>
+            <a:r>
+              <a:rPr lang="zh-CN" altLang="en-US" dirty="0"/>
+              <a:t>疲劳</a:t>
+            </a:r>
+          </a:p>
+        </p:txBody>
+      </p:sp>
+      <p:sp>
+        <p:nvSpPr>
+          <p:cNvPr id="18" name="文本框 10"/>
+          <p:cNvSpPr txBox="1"/>
+          <p:nvPr/>
+        </p:nvSpPr>
+        <p:spPr>
+          <a:xfrm>
+            <a:off x="4827712" y="1622851"/>
+            <a:ext cx="646331" cy="369332"/>
+          </a:xfrm>
+          <a:prstGeom prst="rect">
+            <a:avLst/>
+          </a:prstGeom>
+          <a:noFill/>
+        </p:spPr>
+        <p:txBody>
+          <a:bodyPr wrap="none" rtlCol="0">
+            <a:spAutoFit/>
+          </a:bodyPr>
+          <a:lstStyle>
+            <a:defPPr>
+              <a:defRPr lang="zh-CN"/>
+            </a:defPPr>
+            <a:lvl1pPr marL="0" algn="l" defTabSz="914400" rtl="0" eaLnBrk="1" latinLnBrk="0" hangingPunct="1">
+              <a:defRPr sz="1800" kern="1200">
+                <a:solidFill>
+                  <a:schemeClr val="tx1"/>
+                </a:solidFill>
+                <a:latin typeface="+mn-lt"/>
+                <a:ea typeface="+mn-ea"/>
+                <a:cs typeface="+mn-cs"/>
+              </a:defRPr>
+            </a:lvl1pPr>
+            <a:lvl2pPr marL="457200" algn="l" defTabSz="914400" rtl="0" eaLnBrk="1" latinLnBrk="0" hangingPunct="1">
+              <a:defRPr sz="1800" kern="1200">
+                <a:solidFill>
+                  <a:schemeClr val="tx1"/>
+                </a:solidFill>
+                <a:latin typeface="+mn-lt"/>
+                <a:ea typeface="+mn-ea"/>
+                <a:cs typeface="+mn-cs"/>
+              </a:defRPr>
+            </a:lvl2pPr>
+            <a:lvl3pPr marL="914400" algn="l" defTabSz="914400" rtl="0" eaLnBrk="1" latinLnBrk="0" hangingPunct="1">
+              <a:defRPr sz="1800" kern="1200">
+                <a:solidFill>
+                  <a:schemeClr val="tx1"/>
+                </a:solidFill>
+                <a:latin typeface="+mn-lt"/>
+                <a:ea typeface="+mn-ea"/>
+                <a:cs typeface="+mn-cs"/>
+              </a:defRPr>
+            </a:lvl3pPr>
+            <a:lvl4pPr marL="1371600" algn="l" defTabSz="914400" rtl="0" eaLnBrk="1" latinLnBrk="0" hangingPunct="1">
+              <a:defRPr sz="1800" kern="1200">
+                <a:solidFill>
+                  <a:schemeClr val="tx1"/>
+                </a:solidFill>
+                <a:latin typeface="+mn-lt"/>
+                <a:ea typeface="+mn-ea"/>
+                <a:cs typeface="+mn-cs"/>
+              </a:defRPr>
+            </a:lvl4pPr>
+            <a:lvl5pPr marL="1828800" algn="l" defTabSz="914400" rtl="0" eaLnBrk="1" latinLnBrk="0" hangingPunct="1">
+              <a:defRPr sz="1800" kern="1200">
+                <a:solidFill>
+                  <a:schemeClr val="tx1"/>
+                </a:solidFill>
+                <a:latin typeface="+mn-lt"/>
+                <a:ea typeface="+mn-ea"/>
+                <a:cs typeface="+mn-cs"/>
+              </a:defRPr>
+            </a:lvl5pPr>
+            <a:lvl6pPr marL="2286000" algn="l" defTabSz="914400" rtl="0" eaLnBrk="1" latinLnBrk="0" hangingPunct="1">
+              <a:defRPr sz="1800" kern="1200">
+                <a:solidFill>
+                  <a:schemeClr val="tx1"/>
+                </a:solidFill>
+                <a:latin typeface="+mn-lt"/>
+                <a:ea typeface="+mn-ea"/>
+                <a:cs typeface="+mn-cs"/>
+              </a:defRPr>
+            </a:lvl6pPr>
+            <a:lvl7pPr marL="2743200" algn="l" defTabSz="914400" rtl="0" eaLnBrk="1" latinLnBrk="0" hangingPunct="1">
+              <a:defRPr sz="1800" kern="1200">
+                <a:solidFill>
+                  <a:schemeClr val="tx1"/>
+                </a:solidFill>
+                <a:latin typeface="+mn-lt"/>
+                <a:ea typeface="+mn-ea"/>
+                <a:cs typeface="+mn-cs"/>
+              </a:defRPr>
+            </a:lvl7pPr>
+            <a:lvl8pPr marL="3200400" algn="l" defTabSz="914400" rtl="0" eaLnBrk="1" latinLnBrk="0" hangingPunct="1">
+              <a:defRPr sz="1800" kern="1200">
+                <a:solidFill>
+                  <a:schemeClr val="tx1"/>
+                </a:solidFill>
+                <a:latin typeface="+mn-lt"/>
+                <a:ea typeface="+mn-ea"/>
+                <a:cs typeface="+mn-cs"/>
+              </a:defRPr>
+            </a:lvl8pPr>
+            <a:lvl9pPr marL="3657600" algn="l" defTabSz="914400" rtl="0" eaLnBrk="1" latinLnBrk="0" hangingPunct="1">
+              <a:defRPr sz="1800" kern="1200">
+                <a:solidFill>
+                  <a:schemeClr val="tx1"/>
+                </a:solidFill>
+                <a:latin typeface="+mn-lt"/>
+                <a:ea typeface="+mn-ea"/>
+                <a:cs typeface="+mn-cs"/>
+              </a:defRPr>
+            </a:lvl9pPr>
+          </a:lstStyle>
+          <a:p>
+            <a:r>
+              <a:rPr lang="zh-CN" altLang="en-US" dirty="0"/>
+              <a:t>紧张</a:t>
+            </a:r>
+          </a:p>
+        </p:txBody>
+      </p:sp>
+      <p:sp>
+        <p:nvSpPr>
+          <p:cNvPr id="19" name="文本框 10"/>
+          <p:cNvSpPr txBox="1"/>
+          <p:nvPr/>
+        </p:nvSpPr>
+        <p:spPr>
+          <a:xfrm>
+            <a:off x="4251444" y="2407902"/>
+            <a:ext cx="646331" cy="369332"/>
+          </a:xfrm>
+          <a:prstGeom prst="rect">
+            <a:avLst/>
+          </a:prstGeom>
+          <a:noFill/>
+        </p:spPr>
+        <p:txBody>
+          <a:bodyPr wrap="none" rtlCol="0">
+            <a:spAutoFit/>
+          </a:bodyPr>
+          <a:lstStyle>
+            <a:defPPr>
+              <a:defRPr lang="zh-CN"/>
+            </a:defPPr>
+            <a:lvl1pPr marL="0" algn="l" defTabSz="914400" rtl="0" eaLnBrk="1" latinLnBrk="0" hangingPunct="1">
+              <a:defRPr sz="1800" kern="1200">
+                <a:solidFill>
+                  <a:schemeClr val="tx1"/>
+                </a:solidFill>
+                <a:latin typeface="+mn-lt"/>
+                <a:ea typeface="+mn-ea"/>
+                <a:cs typeface="+mn-cs"/>
+              </a:defRPr>
+            </a:lvl1pPr>
+            <a:lvl2pPr marL="457200" algn="l" defTabSz="914400" rtl="0" eaLnBrk="1" latinLnBrk="0" hangingPunct="1">
+              <a:defRPr sz="1800" kern="1200">
+                <a:solidFill>
+                  <a:schemeClr val="tx1"/>
+                </a:solidFill>
+                <a:latin typeface="+mn-lt"/>
+                <a:ea typeface="+mn-ea"/>
+                <a:cs typeface="+mn-cs"/>
+              </a:defRPr>
+            </a:lvl2pPr>
+            <a:lvl3pPr marL="914400" algn="l" defTabSz="914400" rtl="0" eaLnBrk="1" latinLnBrk="0" hangingPunct="1">
+              <a:defRPr sz="1800" kern="1200">
+                <a:solidFill>
+                  <a:schemeClr val="tx1"/>
+                </a:solidFill>
+                <a:latin typeface="+mn-lt"/>
+                <a:ea typeface="+mn-ea"/>
+                <a:cs typeface="+mn-cs"/>
+              </a:defRPr>
+            </a:lvl3pPr>
+            <a:lvl4pPr marL="1371600" algn="l" defTabSz="914400" rtl="0" eaLnBrk="1" latinLnBrk="0" hangingPunct="1">
+              <a:defRPr sz="1800" kern="1200">
+                <a:solidFill>
+                  <a:schemeClr val="tx1"/>
+                </a:solidFill>
+                <a:latin typeface="+mn-lt"/>
+                <a:ea typeface="+mn-ea"/>
+                <a:cs typeface="+mn-cs"/>
+              </a:defRPr>
+            </a:lvl4pPr>
+            <a:lvl5pPr marL="1828800" algn="l" defTabSz="914400" rtl="0" eaLnBrk="1" latinLnBrk="0" hangingPunct="1">
+              <a:defRPr sz="1800" kern="1200">
+                <a:solidFill>
+                  <a:schemeClr val="tx1"/>
+                </a:solidFill>
+                <a:latin typeface="+mn-lt"/>
+                <a:ea typeface="+mn-ea"/>
+                <a:cs typeface="+mn-cs"/>
+              </a:defRPr>
+            </a:lvl5pPr>
+            <a:lvl6pPr marL="2286000" algn="l" defTabSz="914400" rtl="0" eaLnBrk="1" latinLnBrk="0" hangingPunct="1">
+              <a:defRPr sz="1800" kern="1200">
+                <a:solidFill>
+                  <a:schemeClr val="tx1"/>
+                </a:solidFill>
+                <a:latin typeface="+mn-lt"/>
+                <a:ea typeface="+mn-ea"/>
+                <a:cs typeface="+mn-cs"/>
+              </a:defRPr>
+            </a:lvl6pPr>
+            <a:lvl7pPr marL="2743200" algn="l" defTabSz="914400" rtl="0" eaLnBrk="1" latinLnBrk="0" hangingPunct="1">
+              <a:defRPr sz="1800" kern="1200">
+                <a:solidFill>
+                  <a:schemeClr val="tx1"/>
+                </a:solidFill>
+                <a:latin typeface="+mn-lt"/>
+                <a:ea typeface="+mn-ea"/>
+                <a:cs typeface="+mn-cs"/>
+              </a:defRPr>
+            </a:lvl7pPr>
+            <a:lvl8pPr marL="3200400" algn="l" defTabSz="914400" rtl="0" eaLnBrk="1" latinLnBrk="0" hangingPunct="1">
+              <a:defRPr sz="1800" kern="1200">
+                <a:solidFill>
+                  <a:schemeClr val="tx1"/>
+                </a:solidFill>
+                <a:latin typeface="+mn-lt"/>
+                <a:ea typeface="+mn-ea"/>
+                <a:cs typeface="+mn-cs"/>
+              </a:defRPr>
+            </a:lvl8pPr>
+            <a:lvl9pPr marL="3657600" algn="l" defTabSz="914400" rtl="0" eaLnBrk="1" latinLnBrk="0" hangingPunct="1">
+              <a:defRPr sz="1800" kern="1200">
+                <a:solidFill>
+                  <a:schemeClr val="tx1"/>
+                </a:solidFill>
+                <a:latin typeface="+mn-lt"/>
+                <a:ea typeface="+mn-ea"/>
+                <a:cs typeface="+mn-cs"/>
+              </a:defRPr>
+            </a:lvl9pPr>
+          </a:lstStyle>
+          <a:p>
+            <a:r>
+              <a:rPr lang="zh-CN" altLang="en-US" dirty="0"/>
+              <a:t>生气</a:t>
+            </a:r>
+          </a:p>
+        </p:txBody>
+      </p:sp>
+      <p:sp>
+        <p:nvSpPr>
+          <p:cNvPr id="22" name="文本框 10"/>
+          <p:cNvSpPr txBox="1"/>
+          <p:nvPr/>
+        </p:nvSpPr>
+        <p:spPr>
+          <a:xfrm>
+            <a:off x="5354104" y="4860439"/>
+            <a:ext cx="646331" cy="369332"/>
+          </a:xfrm>
+          <a:prstGeom prst="rect">
+            <a:avLst/>
+          </a:prstGeom>
+          <a:noFill/>
+        </p:spPr>
+        <p:txBody>
+          <a:bodyPr wrap="none" rtlCol="0">
+            <a:spAutoFit/>
+          </a:bodyPr>
+          <a:lstStyle>
+            <a:defPPr>
+              <a:defRPr lang="zh-CN"/>
+            </a:defPPr>
+            <a:lvl1pPr marL="0" algn="l" defTabSz="914400" rtl="0" eaLnBrk="1" latinLnBrk="0" hangingPunct="1">
+              <a:defRPr sz="1800" kern="1200">
+                <a:solidFill>
+                  <a:schemeClr val="tx1"/>
+                </a:solidFill>
+                <a:latin typeface="+mn-lt"/>
+                <a:ea typeface="+mn-ea"/>
+                <a:cs typeface="+mn-cs"/>
+              </a:defRPr>
+            </a:lvl1pPr>
+            <a:lvl2pPr marL="457200" algn="l" defTabSz="914400" rtl="0" eaLnBrk="1" latinLnBrk="0" hangingPunct="1">
+              <a:defRPr sz="1800" kern="1200">
+                <a:solidFill>
+                  <a:schemeClr val="tx1"/>
+                </a:solidFill>
+                <a:latin typeface="+mn-lt"/>
+                <a:ea typeface="+mn-ea"/>
+                <a:cs typeface="+mn-cs"/>
+              </a:defRPr>
+            </a:lvl2pPr>
+            <a:lvl3pPr marL="914400" algn="l" defTabSz="914400" rtl="0" eaLnBrk="1" latinLnBrk="0" hangingPunct="1">
+              <a:defRPr sz="1800" kern="1200">
+                <a:solidFill>
+                  <a:schemeClr val="tx1"/>
+                </a:solidFill>
+                <a:latin typeface="+mn-lt"/>
+                <a:ea typeface="+mn-ea"/>
+                <a:cs typeface="+mn-cs"/>
+              </a:defRPr>
+            </a:lvl3pPr>
+            <a:lvl4pPr marL="1371600" algn="l" defTabSz="914400" rtl="0" eaLnBrk="1" latinLnBrk="0" hangingPunct="1">
+              <a:defRPr sz="1800" kern="1200">
+                <a:solidFill>
+                  <a:schemeClr val="tx1"/>
+                </a:solidFill>
+                <a:latin typeface="+mn-lt"/>
+                <a:ea typeface="+mn-ea"/>
+                <a:cs typeface="+mn-cs"/>
+              </a:defRPr>
+            </a:lvl4pPr>
+            <a:lvl5pPr marL="1828800" algn="l" defTabSz="914400" rtl="0" eaLnBrk="1" latinLnBrk="0" hangingPunct="1">
+              <a:defRPr sz="1800" kern="1200">
+                <a:solidFill>
+                  <a:schemeClr val="tx1"/>
+                </a:solidFill>
+                <a:latin typeface="+mn-lt"/>
+                <a:ea typeface="+mn-ea"/>
+                <a:cs typeface="+mn-cs"/>
+              </a:defRPr>
+            </a:lvl5pPr>
+            <a:lvl6pPr marL="2286000" algn="l" defTabSz="914400" rtl="0" eaLnBrk="1" latinLnBrk="0" hangingPunct="1">
+              <a:defRPr sz="1800" kern="1200">
+                <a:solidFill>
+                  <a:schemeClr val="tx1"/>
+                </a:solidFill>
+                <a:latin typeface="+mn-lt"/>
+                <a:ea typeface="+mn-ea"/>
+                <a:cs typeface="+mn-cs"/>
+              </a:defRPr>
+            </a:lvl6pPr>
+            <a:lvl7pPr marL="2743200" algn="l" defTabSz="914400" rtl="0" eaLnBrk="1" latinLnBrk="0" hangingPunct="1">
+              <a:defRPr sz="1800" kern="1200">
+                <a:solidFill>
+                  <a:schemeClr val="tx1"/>
+                </a:solidFill>
+                <a:latin typeface="+mn-lt"/>
+                <a:ea typeface="+mn-ea"/>
+                <a:cs typeface="+mn-cs"/>
+              </a:defRPr>
+            </a:lvl7pPr>
+            <a:lvl8pPr marL="3200400" algn="l" defTabSz="914400" rtl="0" eaLnBrk="1" latinLnBrk="0" hangingPunct="1">
+              <a:defRPr sz="1800" kern="1200">
+                <a:solidFill>
+                  <a:schemeClr val="tx1"/>
+                </a:solidFill>
+                <a:latin typeface="+mn-lt"/>
+                <a:ea typeface="+mn-ea"/>
+                <a:cs typeface="+mn-cs"/>
+              </a:defRPr>
+            </a:lvl8pPr>
+            <a:lvl9pPr marL="3657600" algn="l" defTabSz="914400" rtl="0" eaLnBrk="1" latinLnBrk="0" hangingPunct="1">
+              <a:defRPr sz="1800" kern="1200">
+                <a:solidFill>
+                  <a:schemeClr val="tx1"/>
+                </a:solidFill>
+                <a:latin typeface="+mn-lt"/>
+                <a:ea typeface="+mn-ea"/>
+                <a:cs typeface="+mn-cs"/>
+              </a:defRPr>
+            </a:lvl9pPr>
+          </a:lstStyle>
+          <a:p>
+            <a:r>
+              <a:rPr lang="zh-CN" altLang="en-US" b="1" dirty="0"/>
+              <a:t>无聊</a:t>
+            </a:r>
+          </a:p>
+        </p:txBody>
+      </p:sp>
+      <p:sp>
+        <p:nvSpPr>
+          <p:cNvPr id="23" name="文本框 10"/>
+          <p:cNvSpPr txBox="1"/>
+          <p:nvPr/>
+        </p:nvSpPr>
+        <p:spPr>
+          <a:xfrm>
+            <a:off x="5354103" y="988215"/>
+            <a:ext cx="646331" cy="369332"/>
+          </a:xfrm>
+          <a:prstGeom prst="rect">
+            <a:avLst/>
+          </a:prstGeom>
+          <a:noFill/>
+        </p:spPr>
+        <p:txBody>
+          <a:bodyPr wrap="none" rtlCol="0">
+            <a:spAutoFit/>
+          </a:bodyPr>
+          <a:lstStyle>
+            <a:defPPr>
+              <a:defRPr lang="zh-CN"/>
+            </a:defPPr>
+            <a:lvl1pPr marL="0" algn="l" defTabSz="914400" rtl="0" eaLnBrk="1" latinLnBrk="0" hangingPunct="1">
+              <a:defRPr sz="1800" kern="1200">
+                <a:solidFill>
+                  <a:schemeClr val="tx1"/>
+                </a:solidFill>
+                <a:latin typeface="+mn-lt"/>
+                <a:ea typeface="+mn-ea"/>
+                <a:cs typeface="+mn-cs"/>
+              </a:defRPr>
+            </a:lvl1pPr>
+            <a:lvl2pPr marL="457200" algn="l" defTabSz="914400" rtl="0" eaLnBrk="1" latinLnBrk="0" hangingPunct="1">
+              <a:defRPr sz="1800" kern="1200">
+                <a:solidFill>
+                  <a:schemeClr val="tx1"/>
+                </a:solidFill>
+                <a:latin typeface="+mn-lt"/>
+                <a:ea typeface="+mn-ea"/>
+                <a:cs typeface="+mn-cs"/>
+              </a:defRPr>
+            </a:lvl2pPr>
+            <a:lvl3pPr marL="914400" algn="l" defTabSz="914400" rtl="0" eaLnBrk="1" latinLnBrk="0" hangingPunct="1">
+              <a:defRPr sz="1800" kern="1200">
+                <a:solidFill>
+                  <a:schemeClr val="tx1"/>
+                </a:solidFill>
+                <a:latin typeface="+mn-lt"/>
+                <a:ea typeface="+mn-ea"/>
+                <a:cs typeface="+mn-cs"/>
+              </a:defRPr>
+            </a:lvl3pPr>
+            <a:lvl4pPr marL="1371600" algn="l" defTabSz="914400" rtl="0" eaLnBrk="1" latinLnBrk="0" hangingPunct="1">
+              <a:defRPr sz="1800" kern="1200">
+                <a:solidFill>
+                  <a:schemeClr val="tx1"/>
+                </a:solidFill>
+                <a:latin typeface="+mn-lt"/>
+                <a:ea typeface="+mn-ea"/>
+                <a:cs typeface="+mn-cs"/>
+              </a:defRPr>
+            </a:lvl4pPr>
+            <a:lvl5pPr marL="1828800" algn="l" defTabSz="914400" rtl="0" eaLnBrk="1" latinLnBrk="0" hangingPunct="1">
+              <a:defRPr sz="1800" kern="1200">
+                <a:solidFill>
+                  <a:schemeClr val="tx1"/>
+                </a:solidFill>
+                <a:latin typeface="+mn-lt"/>
+                <a:ea typeface="+mn-ea"/>
+                <a:cs typeface="+mn-cs"/>
+              </a:defRPr>
+            </a:lvl5pPr>
+            <a:lvl6pPr marL="2286000" algn="l" defTabSz="914400" rtl="0" eaLnBrk="1" latinLnBrk="0" hangingPunct="1">
+              <a:defRPr sz="1800" kern="1200">
+                <a:solidFill>
+                  <a:schemeClr val="tx1"/>
+                </a:solidFill>
+                <a:latin typeface="+mn-lt"/>
+                <a:ea typeface="+mn-ea"/>
+                <a:cs typeface="+mn-cs"/>
+              </a:defRPr>
+            </a:lvl6pPr>
+            <a:lvl7pPr marL="2743200" algn="l" defTabSz="914400" rtl="0" eaLnBrk="1" latinLnBrk="0" hangingPunct="1">
+              <a:defRPr sz="1800" kern="1200">
+                <a:solidFill>
+                  <a:schemeClr val="tx1"/>
+                </a:solidFill>
+                <a:latin typeface="+mn-lt"/>
+                <a:ea typeface="+mn-ea"/>
+                <a:cs typeface="+mn-cs"/>
+              </a:defRPr>
+            </a:lvl7pPr>
+            <a:lvl8pPr marL="3200400" algn="l" defTabSz="914400" rtl="0" eaLnBrk="1" latinLnBrk="0" hangingPunct="1">
+              <a:defRPr sz="1800" kern="1200">
+                <a:solidFill>
+                  <a:schemeClr val="tx1"/>
+                </a:solidFill>
+                <a:latin typeface="+mn-lt"/>
+                <a:ea typeface="+mn-ea"/>
+                <a:cs typeface="+mn-cs"/>
+              </a:defRPr>
+            </a:lvl8pPr>
+            <a:lvl9pPr marL="3657600" algn="l" defTabSz="914400" rtl="0" eaLnBrk="1" latinLnBrk="0" hangingPunct="1">
+              <a:defRPr sz="1800" kern="1200">
+                <a:solidFill>
+                  <a:schemeClr val="tx1"/>
+                </a:solidFill>
+                <a:latin typeface="+mn-lt"/>
+                <a:ea typeface="+mn-ea"/>
+                <a:cs typeface="+mn-cs"/>
+              </a:defRPr>
+            </a:lvl9pPr>
+          </a:lstStyle>
+          <a:p>
+            <a:r>
+              <a:rPr lang="zh-CN" altLang="en-US" b="1" dirty="0"/>
+              <a:t>兴奋</a:t>
+            </a:r>
+          </a:p>
+        </p:txBody>
+      </p:sp>
+      <p:sp>
+        <p:nvSpPr>
+          <p:cNvPr id="24" name="文本框 10"/>
+          <p:cNvSpPr txBox="1"/>
+          <p:nvPr/>
+        </p:nvSpPr>
+        <p:spPr>
+          <a:xfrm>
+            <a:off x="7503057" y="2931395"/>
+            <a:ext cx="646331" cy="369332"/>
+          </a:xfrm>
+          <a:prstGeom prst="rect">
+            <a:avLst/>
+          </a:prstGeom>
+          <a:noFill/>
+        </p:spPr>
+        <p:txBody>
+          <a:bodyPr wrap="none" rtlCol="0">
+            <a:spAutoFit/>
+          </a:bodyPr>
+          <a:lstStyle>
+            <a:defPPr>
+              <a:defRPr lang="zh-CN"/>
+            </a:defPPr>
+            <a:lvl1pPr marL="0" algn="l" defTabSz="914400" rtl="0" eaLnBrk="1" latinLnBrk="0" hangingPunct="1">
+              <a:defRPr sz="1800" kern="1200">
+                <a:solidFill>
+                  <a:schemeClr val="tx1"/>
+                </a:solidFill>
+                <a:latin typeface="+mn-lt"/>
+                <a:ea typeface="+mn-ea"/>
+                <a:cs typeface="+mn-cs"/>
+              </a:defRPr>
+            </a:lvl1pPr>
+            <a:lvl2pPr marL="457200" algn="l" defTabSz="914400" rtl="0" eaLnBrk="1" latinLnBrk="0" hangingPunct="1">
+              <a:defRPr sz="1800" kern="1200">
+                <a:solidFill>
+                  <a:schemeClr val="tx1"/>
+                </a:solidFill>
+                <a:latin typeface="+mn-lt"/>
+                <a:ea typeface="+mn-ea"/>
+                <a:cs typeface="+mn-cs"/>
+              </a:defRPr>
+            </a:lvl2pPr>
+            <a:lvl3pPr marL="914400" algn="l" defTabSz="914400" rtl="0" eaLnBrk="1" latinLnBrk="0" hangingPunct="1">
+              <a:defRPr sz="1800" kern="1200">
+                <a:solidFill>
+                  <a:schemeClr val="tx1"/>
+                </a:solidFill>
+                <a:latin typeface="+mn-lt"/>
+                <a:ea typeface="+mn-ea"/>
+                <a:cs typeface="+mn-cs"/>
+              </a:defRPr>
+            </a:lvl3pPr>
+            <a:lvl4pPr marL="1371600" algn="l" defTabSz="914400" rtl="0" eaLnBrk="1" latinLnBrk="0" hangingPunct="1">
+              <a:defRPr sz="1800" kern="1200">
+                <a:solidFill>
+                  <a:schemeClr val="tx1"/>
+                </a:solidFill>
+                <a:latin typeface="+mn-lt"/>
+                <a:ea typeface="+mn-ea"/>
+                <a:cs typeface="+mn-cs"/>
+              </a:defRPr>
+            </a:lvl4pPr>
+            <a:lvl5pPr marL="1828800" algn="l" defTabSz="914400" rtl="0" eaLnBrk="1" latinLnBrk="0" hangingPunct="1">
+              <a:defRPr sz="1800" kern="1200">
+                <a:solidFill>
+                  <a:schemeClr val="tx1"/>
+                </a:solidFill>
+                <a:latin typeface="+mn-lt"/>
+                <a:ea typeface="+mn-ea"/>
+                <a:cs typeface="+mn-cs"/>
+              </a:defRPr>
+            </a:lvl5pPr>
+            <a:lvl6pPr marL="2286000" algn="l" defTabSz="914400" rtl="0" eaLnBrk="1" latinLnBrk="0" hangingPunct="1">
+              <a:defRPr sz="1800" kern="1200">
+                <a:solidFill>
+                  <a:schemeClr val="tx1"/>
+                </a:solidFill>
+                <a:latin typeface="+mn-lt"/>
+                <a:ea typeface="+mn-ea"/>
+                <a:cs typeface="+mn-cs"/>
+              </a:defRPr>
+            </a:lvl6pPr>
+            <a:lvl7pPr marL="2743200" algn="l" defTabSz="914400" rtl="0" eaLnBrk="1" latinLnBrk="0" hangingPunct="1">
+              <a:defRPr sz="1800" kern="1200">
+                <a:solidFill>
+                  <a:schemeClr val="tx1"/>
+                </a:solidFill>
+                <a:latin typeface="+mn-lt"/>
+                <a:ea typeface="+mn-ea"/>
+                <a:cs typeface="+mn-cs"/>
+              </a:defRPr>
+            </a:lvl7pPr>
+            <a:lvl8pPr marL="3200400" algn="l" defTabSz="914400" rtl="0" eaLnBrk="1" latinLnBrk="0" hangingPunct="1">
+              <a:defRPr sz="1800" kern="1200">
+                <a:solidFill>
+                  <a:schemeClr val="tx1"/>
+                </a:solidFill>
+                <a:latin typeface="+mn-lt"/>
+                <a:ea typeface="+mn-ea"/>
+                <a:cs typeface="+mn-cs"/>
+              </a:defRPr>
+            </a:lvl8pPr>
+            <a:lvl9pPr marL="3657600" algn="l" defTabSz="914400" rtl="0" eaLnBrk="1" latinLnBrk="0" hangingPunct="1">
+              <a:defRPr sz="1800" kern="1200">
+                <a:solidFill>
+                  <a:schemeClr val="tx1"/>
+                </a:solidFill>
+                <a:latin typeface="+mn-lt"/>
+                <a:ea typeface="+mn-ea"/>
+                <a:cs typeface="+mn-cs"/>
+              </a:defRPr>
+            </a:lvl9pPr>
+          </a:lstStyle>
+          <a:p>
+            <a:r>
+              <a:rPr lang="zh-CN" altLang="en-US" b="1" dirty="0"/>
+              <a:t>愉快</a:t>
+            </a:r>
+          </a:p>
+        </p:txBody>
+      </p:sp>
+      <p:sp>
+        <p:nvSpPr>
+          <p:cNvPr id="25" name="文本框 10"/>
+          <p:cNvSpPr txBox="1"/>
+          <p:nvPr/>
+        </p:nvSpPr>
+        <p:spPr>
+          <a:xfrm>
+            <a:off x="3236937" y="2931395"/>
+            <a:ext cx="646331" cy="369332"/>
+          </a:xfrm>
+          <a:prstGeom prst="rect">
+            <a:avLst/>
+          </a:prstGeom>
+          <a:noFill/>
+        </p:spPr>
+        <p:txBody>
+          <a:bodyPr wrap="none" rtlCol="0">
+            <a:spAutoFit/>
+          </a:bodyPr>
+          <a:lstStyle>
+            <a:defPPr>
+              <a:defRPr lang="zh-CN"/>
+            </a:defPPr>
+            <a:lvl1pPr marL="0" algn="l" defTabSz="914400" rtl="0" eaLnBrk="1" latinLnBrk="0" hangingPunct="1">
+              <a:defRPr sz="1800" kern="1200">
+                <a:solidFill>
+                  <a:schemeClr val="tx1"/>
+                </a:solidFill>
+                <a:latin typeface="+mn-lt"/>
+                <a:ea typeface="+mn-ea"/>
+                <a:cs typeface="+mn-cs"/>
+              </a:defRPr>
+            </a:lvl1pPr>
+            <a:lvl2pPr marL="457200" algn="l" defTabSz="914400" rtl="0" eaLnBrk="1" latinLnBrk="0" hangingPunct="1">
+              <a:defRPr sz="1800" kern="1200">
+                <a:solidFill>
+                  <a:schemeClr val="tx1"/>
+                </a:solidFill>
+                <a:latin typeface="+mn-lt"/>
+                <a:ea typeface="+mn-ea"/>
+                <a:cs typeface="+mn-cs"/>
+              </a:defRPr>
+            </a:lvl2pPr>
+            <a:lvl3pPr marL="914400" algn="l" defTabSz="914400" rtl="0" eaLnBrk="1" latinLnBrk="0" hangingPunct="1">
+              <a:defRPr sz="1800" kern="1200">
+                <a:solidFill>
+                  <a:schemeClr val="tx1"/>
+                </a:solidFill>
+                <a:latin typeface="+mn-lt"/>
+                <a:ea typeface="+mn-ea"/>
+                <a:cs typeface="+mn-cs"/>
+              </a:defRPr>
+            </a:lvl3pPr>
+            <a:lvl4pPr marL="1371600" algn="l" defTabSz="914400" rtl="0" eaLnBrk="1" latinLnBrk="0" hangingPunct="1">
+              <a:defRPr sz="1800" kern="1200">
+                <a:solidFill>
+                  <a:schemeClr val="tx1"/>
+                </a:solidFill>
+                <a:latin typeface="+mn-lt"/>
+                <a:ea typeface="+mn-ea"/>
+                <a:cs typeface="+mn-cs"/>
+              </a:defRPr>
+            </a:lvl4pPr>
+            <a:lvl5pPr marL="1828800" algn="l" defTabSz="914400" rtl="0" eaLnBrk="1" latinLnBrk="0" hangingPunct="1">
+              <a:defRPr sz="1800" kern="1200">
+                <a:solidFill>
+                  <a:schemeClr val="tx1"/>
+                </a:solidFill>
+                <a:latin typeface="+mn-lt"/>
+                <a:ea typeface="+mn-ea"/>
+                <a:cs typeface="+mn-cs"/>
+              </a:defRPr>
+            </a:lvl5pPr>
+            <a:lvl6pPr marL="2286000" algn="l" defTabSz="914400" rtl="0" eaLnBrk="1" latinLnBrk="0" hangingPunct="1">
+              <a:defRPr sz="1800" kern="1200">
+                <a:solidFill>
+                  <a:schemeClr val="tx1"/>
+                </a:solidFill>
+                <a:latin typeface="+mn-lt"/>
+                <a:ea typeface="+mn-ea"/>
+                <a:cs typeface="+mn-cs"/>
+              </a:defRPr>
+            </a:lvl6pPr>
+            <a:lvl7pPr marL="2743200" algn="l" defTabSz="914400" rtl="0" eaLnBrk="1" latinLnBrk="0" hangingPunct="1">
+              <a:defRPr sz="1800" kern="1200">
+                <a:solidFill>
+                  <a:schemeClr val="tx1"/>
+                </a:solidFill>
+                <a:latin typeface="+mn-lt"/>
+                <a:ea typeface="+mn-ea"/>
+                <a:cs typeface="+mn-cs"/>
+              </a:defRPr>
+            </a:lvl7pPr>
+            <a:lvl8pPr marL="3200400" algn="l" defTabSz="914400" rtl="0" eaLnBrk="1" latinLnBrk="0" hangingPunct="1">
+              <a:defRPr sz="1800" kern="1200">
+                <a:solidFill>
+                  <a:schemeClr val="tx1"/>
+                </a:solidFill>
+                <a:latin typeface="+mn-lt"/>
+                <a:ea typeface="+mn-ea"/>
+                <a:cs typeface="+mn-cs"/>
+              </a:defRPr>
+            </a:lvl8pPr>
+            <a:lvl9pPr marL="3657600" algn="l" defTabSz="914400" rtl="0" eaLnBrk="1" latinLnBrk="0" hangingPunct="1">
+              <a:defRPr sz="1800" kern="1200">
+                <a:solidFill>
+                  <a:schemeClr val="tx1"/>
+                </a:solidFill>
+                <a:latin typeface="+mn-lt"/>
+                <a:ea typeface="+mn-ea"/>
+                <a:cs typeface="+mn-cs"/>
+              </a:defRPr>
+            </a:lvl9pPr>
+          </a:lstStyle>
+          <a:p>
+            <a:r>
+              <a:rPr lang="zh-CN" altLang="en-US" b="1" dirty="0"/>
+              <a:t>悲伤</a:t>
+            </a:r>
+          </a:p>
+        </p:txBody>
+      </p:sp>
+      <p:cxnSp>
+        <p:nvCxnSpPr>
+          <p:cNvPr id="27" name="直接箭头连接符 26"/>
+          <p:cNvCxnSpPr>
+            <a:stCxn id="5" idx="4"/>
+            <a:endCxn id="5" idx="0"/>
+          </p:cNvCxnSpPr>
+          <p:nvPr/>
+        </p:nvCxnSpPr>
+        <p:spPr>
+          <a:xfrm flipV="1">
+            <a:off x="5677270" y="1429305"/>
+            <a:ext cx="0" cy="3373513"/>
+          </a:xfrm>
+          <a:prstGeom prst="straightConnector1">
+            <a:avLst/>
+          </a:prstGeom>
+          <a:ln>
+            <a:tailEnd type="triangle"/>
+          </a:ln>
+        </p:spPr>
+        <p:style>
+          <a:lnRef idx="3">
+            <a:schemeClr val="dk1"/>
+          </a:lnRef>
+          <a:fillRef idx="0">
+            <a:schemeClr val="dk1"/>
+          </a:fillRef>
+          <a:effectRef idx="2">
+            <a:schemeClr val="dk1"/>
+          </a:effectRef>
+          <a:fontRef idx="minor">
+            <a:schemeClr val="tx1"/>
+          </a:fontRef>
+        </p:style>
+      </p:cxnSp>
+      <p:cxnSp>
+        <p:nvCxnSpPr>
+          <p:cNvPr id="30" name="直接箭头连接符 29"/>
+          <p:cNvCxnSpPr>
+            <a:stCxn id="5" idx="2"/>
+            <a:endCxn id="5" idx="6"/>
+          </p:cNvCxnSpPr>
+          <p:nvPr/>
+        </p:nvCxnSpPr>
+        <p:spPr>
+          <a:xfrm>
+            <a:off x="3915053" y="3116062"/>
+            <a:ext cx="3524434" cy="0"/>
+          </a:xfrm>
+          <a:prstGeom prst="straightConnector1">
+            <a:avLst/>
+          </a:prstGeom>
+          <a:ln>
+            <a:tailEnd type="triangle"/>
+          </a:ln>
+        </p:spPr>
+        <p:style>
+          <a:lnRef idx="3">
+            <a:schemeClr val="dk1"/>
+          </a:lnRef>
+          <a:fillRef idx="0">
+            <a:schemeClr val="dk1"/>
+          </a:fillRef>
+          <a:effectRef idx="2">
+            <a:schemeClr val="dk1"/>
+          </a:effectRef>
+          <a:fontRef idx="minor">
+            <a:schemeClr val="tx1"/>
+          </a:fontRef>
+        </p:style>
+      </p:cxnSp>
+    </p:spTree>
+    <p:extLst>
+      <p:ext uri="{BB962C8B-B14F-4D97-AF65-F5344CB8AC3E}">
+        <p14:creationId xmlns:p14="http://schemas.microsoft.com/office/powerpoint/2010/main" val="3826299921"/>
       </p:ext>
     </p:extLst>
   </p:cSld>

--- a/图集.pptx
+++ b/图集.pptx
@@ -5,7 +5,7 @@
     <p:sldMasterId id="2147483648" r:id="rId1"/>
   </p:sldMasterIdLst>
   <p:notesMasterIdLst>
-    <p:notesMasterId r:id="rId17"/>
+    <p:notesMasterId r:id="rId18"/>
   </p:notesMasterIdLst>
   <p:sldIdLst>
     <p:sldId id="256" r:id="rId2"/>
@@ -22,7 +22,8 @@
     <p:sldId id="267" r:id="rId13"/>
     <p:sldId id="268" r:id="rId14"/>
     <p:sldId id="269" r:id="rId15"/>
-    <p:sldId id="270" r:id="rId16"/>
+    <p:sldId id="271" r:id="rId16"/>
+    <p:sldId id="270" r:id="rId17"/>
   </p:sldIdLst>
   <p:sldSz cx="12192000" cy="6858000"/>
   <p:notesSz cx="6858000" cy="9144000"/>
@@ -211,7 +212,7 @@
           <a:p>
             <a:fld id="{0A5C0070-62FF-4409-B5E8-A38E1A25C249}" type="datetimeFigureOut">
               <a:rPr lang="zh-CN" altLang="en-US" smtClean="0"/>
-              <a:t>2016/11/24</a:t>
+              <a:t>2016/11/25</a:t>
             </a:fld>
             <a:endParaRPr lang="zh-CN" altLang="en-US"/>
           </a:p>
@@ -631,7 +632,7 @@
           <a:p>
             <a:fld id="{5CE9C267-2C8D-44EE-A34C-CB9E8D3B98C4}" type="slidenum">
               <a:rPr lang="zh-CN" altLang="en-US" smtClean="0"/>
-              <a:t>15</a:t>
+              <a:t>16</a:t>
             </a:fld>
             <a:endParaRPr lang="zh-CN" altLang="en-US"/>
           </a:p>
@@ -779,7 +780,7 @@
           <a:p>
             <a:fld id="{5CC46D4B-9541-4BC3-A144-744E4042BCF0}" type="datetimeFigureOut">
               <a:rPr lang="zh-CN" altLang="en-US" smtClean="0"/>
-              <a:t>2016/11/24</a:t>
+              <a:t>2016/11/25</a:t>
             </a:fld>
             <a:endParaRPr lang="zh-CN" altLang="en-US"/>
           </a:p>
@@ -947,7 +948,7 @@
           <a:p>
             <a:fld id="{5CC46D4B-9541-4BC3-A144-744E4042BCF0}" type="datetimeFigureOut">
               <a:rPr lang="zh-CN" altLang="en-US" smtClean="0"/>
-              <a:t>2016/11/24</a:t>
+              <a:t>2016/11/25</a:t>
             </a:fld>
             <a:endParaRPr lang="zh-CN" altLang="en-US"/>
           </a:p>
@@ -1125,7 +1126,7 @@
           <a:p>
             <a:fld id="{5CC46D4B-9541-4BC3-A144-744E4042BCF0}" type="datetimeFigureOut">
               <a:rPr lang="zh-CN" altLang="en-US" smtClean="0"/>
-              <a:t>2016/11/24</a:t>
+              <a:t>2016/11/25</a:t>
             </a:fld>
             <a:endParaRPr lang="zh-CN" altLang="en-US"/>
           </a:p>
@@ -1293,7 +1294,7 @@
           <a:p>
             <a:fld id="{5CC46D4B-9541-4BC3-A144-744E4042BCF0}" type="datetimeFigureOut">
               <a:rPr lang="zh-CN" altLang="en-US" smtClean="0"/>
-              <a:t>2016/11/24</a:t>
+              <a:t>2016/11/25</a:t>
             </a:fld>
             <a:endParaRPr lang="zh-CN" altLang="en-US"/>
           </a:p>
@@ -1538,7 +1539,7 @@
           <a:p>
             <a:fld id="{5CC46D4B-9541-4BC3-A144-744E4042BCF0}" type="datetimeFigureOut">
               <a:rPr lang="zh-CN" altLang="en-US" smtClean="0"/>
-              <a:t>2016/11/24</a:t>
+              <a:t>2016/11/25</a:t>
             </a:fld>
             <a:endParaRPr lang="zh-CN" altLang="en-US"/>
           </a:p>
@@ -1767,7 +1768,7 @@
           <a:p>
             <a:fld id="{5CC46D4B-9541-4BC3-A144-744E4042BCF0}" type="datetimeFigureOut">
               <a:rPr lang="zh-CN" altLang="en-US" smtClean="0"/>
-              <a:t>2016/11/24</a:t>
+              <a:t>2016/11/25</a:t>
             </a:fld>
             <a:endParaRPr lang="zh-CN" altLang="en-US"/>
           </a:p>
@@ -2131,7 +2132,7 @@
           <a:p>
             <a:fld id="{5CC46D4B-9541-4BC3-A144-744E4042BCF0}" type="datetimeFigureOut">
               <a:rPr lang="zh-CN" altLang="en-US" smtClean="0"/>
-              <a:t>2016/11/24</a:t>
+              <a:t>2016/11/25</a:t>
             </a:fld>
             <a:endParaRPr lang="zh-CN" altLang="en-US"/>
           </a:p>
@@ -2248,7 +2249,7 @@
           <a:p>
             <a:fld id="{5CC46D4B-9541-4BC3-A144-744E4042BCF0}" type="datetimeFigureOut">
               <a:rPr lang="zh-CN" altLang="en-US" smtClean="0"/>
-              <a:t>2016/11/24</a:t>
+              <a:t>2016/11/25</a:t>
             </a:fld>
             <a:endParaRPr lang="zh-CN" altLang="en-US"/>
           </a:p>
@@ -2343,7 +2344,7 @@
           <a:p>
             <a:fld id="{5CC46D4B-9541-4BC3-A144-744E4042BCF0}" type="datetimeFigureOut">
               <a:rPr lang="zh-CN" altLang="en-US" smtClean="0"/>
-              <a:t>2016/11/24</a:t>
+              <a:t>2016/11/25</a:t>
             </a:fld>
             <a:endParaRPr lang="zh-CN" altLang="en-US"/>
           </a:p>
@@ -2618,7 +2619,7 @@
           <a:p>
             <a:fld id="{5CC46D4B-9541-4BC3-A144-744E4042BCF0}" type="datetimeFigureOut">
               <a:rPr lang="zh-CN" altLang="en-US" smtClean="0"/>
-              <a:t>2016/11/24</a:t>
+              <a:t>2016/11/25</a:t>
             </a:fld>
             <a:endParaRPr lang="zh-CN" altLang="en-US"/>
           </a:p>
@@ -2870,7 +2871,7 @@
           <a:p>
             <a:fld id="{5CC46D4B-9541-4BC3-A144-744E4042BCF0}" type="datetimeFigureOut">
               <a:rPr lang="zh-CN" altLang="en-US" smtClean="0"/>
-              <a:t>2016/11/24</a:t>
+              <a:t>2016/11/25</a:t>
             </a:fld>
             <a:endParaRPr lang="zh-CN" altLang="en-US"/>
           </a:p>
@@ -3081,7 +3082,7 @@
           <a:p>
             <a:fld id="{5CC46D4B-9541-4BC3-A144-744E4042BCF0}" type="datetimeFigureOut">
               <a:rPr lang="zh-CN" altLang="en-US" smtClean="0"/>
-              <a:t>2016/11/24</a:t>
+              <a:t>2016/11/25</a:t>
             </a:fld>
             <a:endParaRPr lang="zh-CN" altLang="en-US"/>
           </a:p>
@@ -9858,36 +9859,528 @@
           <a:chExt cx="0" cy="0"/>
         </a:xfrm>
       </p:grpSpPr>
-      <p:pic>
-        <p:nvPicPr>
-          <p:cNvPr id="4" name="图片 3"/>
-          <p:cNvPicPr>
-            <a:picLocks noChangeAspect="1"/>
-          </p:cNvPicPr>
-          <p:nvPr/>
-        </p:nvPicPr>
-        <p:blipFill>
-          <a:blip r:embed="rId2">
-            <a:extLst>
-              <a:ext uri="{28A0092B-C50C-407E-A947-70E740481C1C}">
-                <a14:useLocalDpi xmlns:a14="http://schemas.microsoft.com/office/drawing/2010/main" val="0"/>
-              </a:ext>
-            </a:extLst>
-          </a:blip>
-          <a:stretch>
-            <a:fillRect/>
-          </a:stretch>
-        </p:blipFill>
-        <p:spPr>
-          <a:xfrm>
-            <a:off x="3113470" y="995598"/>
-            <a:ext cx="6179820" cy="4857122"/>
+      <p:sp>
+        <p:nvSpPr>
+          <p:cNvPr id="3" name="矩形 2"/>
+          <p:cNvSpPr/>
+          <p:nvPr/>
+        </p:nvSpPr>
+        <p:spPr>
+          <a:xfrm>
+            <a:off x="3080551" y="1627972"/>
+            <a:ext cx="1411550" cy="763479"/>
           </a:xfrm>
           <a:prstGeom prst="rect">
             <a:avLst/>
           </a:prstGeom>
         </p:spPr>
-      </p:pic>
+        <p:style>
+          <a:lnRef idx="2">
+            <a:schemeClr val="accent1">
+              <a:shade val="50000"/>
+            </a:schemeClr>
+          </a:lnRef>
+          <a:fillRef idx="1">
+            <a:schemeClr val="accent1"/>
+          </a:fillRef>
+          <a:effectRef idx="0">
+            <a:schemeClr val="accent1"/>
+          </a:effectRef>
+          <a:fontRef idx="minor">
+            <a:schemeClr val="lt1"/>
+          </a:fontRef>
+        </p:style>
+        <p:txBody>
+          <a:bodyPr rtlCol="0" anchor="ctr"/>
+          <a:lstStyle/>
+          <a:p>
+            <a:pPr algn="ctr"/>
+            <a:r>
+              <a:rPr lang="en-US" altLang="zh-CN" dirty="0"/>
+              <a:t>SVM</a:t>
+            </a:r>
+          </a:p>
+          <a:p>
+            <a:pPr algn="ctr"/>
+            <a:r>
+              <a:rPr lang="zh-CN" altLang="en-US" dirty="0"/>
+              <a:t>（</a:t>
+            </a:r>
+            <a:r>
+              <a:rPr lang="en-US" altLang="zh-CN" dirty="0"/>
+              <a:t>75.34%</a:t>
+            </a:r>
+            <a:r>
+              <a:rPr lang="zh-CN" altLang="en-US" dirty="0"/>
+              <a:t>）</a:t>
+            </a:r>
+          </a:p>
+        </p:txBody>
+      </p:sp>
+      <p:sp>
+        <p:nvSpPr>
+          <p:cNvPr id="5" name="矩形 4"/>
+          <p:cNvSpPr/>
+          <p:nvPr/>
+        </p:nvSpPr>
+        <p:spPr>
+          <a:xfrm>
+            <a:off x="2787588" y="2895601"/>
+            <a:ext cx="1411550" cy="717611"/>
+          </a:xfrm>
+          <a:prstGeom prst="rect">
+            <a:avLst/>
+          </a:prstGeom>
+        </p:spPr>
+        <p:style>
+          <a:lnRef idx="2">
+            <a:schemeClr val="accent1">
+              <a:shade val="50000"/>
+            </a:schemeClr>
+          </a:lnRef>
+          <a:fillRef idx="1">
+            <a:schemeClr val="accent1"/>
+          </a:fillRef>
+          <a:effectRef idx="0">
+            <a:schemeClr val="accent1"/>
+          </a:effectRef>
+          <a:fontRef idx="minor">
+            <a:schemeClr val="lt1"/>
+          </a:fontRef>
+        </p:style>
+        <p:txBody>
+          <a:bodyPr rtlCol="0" anchor="ctr"/>
+          <a:lstStyle/>
+          <a:p>
+            <a:pPr algn="ctr"/>
+            <a:r>
+              <a:rPr lang="en-US" altLang="zh-CN" dirty="0"/>
+              <a:t>LR</a:t>
+            </a:r>
+          </a:p>
+          <a:p>
+            <a:pPr algn="ctr"/>
+            <a:r>
+              <a:rPr lang="zh-CN" altLang="en-US" dirty="0"/>
+              <a:t>（</a:t>
+            </a:r>
+            <a:r>
+              <a:rPr lang="en-US" altLang="zh-CN" dirty="0"/>
+              <a:t>74.09%</a:t>
+            </a:r>
+            <a:r>
+              <a:rPr lang="zh-CN" altLang="en-US" dirty="0"/>
+              <a:t>）</a:t>
+            </a:r>
+          </a:p>
+        </p:txBody>
+      </p:sp>
+      <p:sp>
+        <p:nvSpPr>
+          <p:cNvPr id="6" name="矩形 5"/>
+          <p:cNvSpPr/>
+          <p:nvPr/>
+        </p:nvSpPr>
+        <p:spPr>
+          <a:xfrm>
+            <a:off x="3080551" y="4245007"/>
+            <a:ext cx="1411550" cy="717611"/>
+          </a:xfrm>
+          <a:prstGeom prst="rect">
+            <a:avLst/>
+          </a:prstGeom>
+        </p:spPr>
+        <p:style>
+          <a:lnRef idx="2">
+            <a:schemeClr val="accent1">
+              <a:shade val="50000"/>
+            </a:schemeClr>
+          </a:lnRef>
+          <a:fillRef idx="1">
+            <a:schemeClr val="accent1"/>
+          </a:fillRef>
+          <a:effectRef idx="0">
+            <a:schemeClr val="accent1"/>
+          </a:effectRef>
+          <a:fontRef idx="minor">
+            <a:schemeClr val="lt1"/>
+          </a:fontRef>
+        </p:style>
+        <p:txBody>
+          <a:bodyPr rtlCol="0" anchor="ctr"/>
+          <a:lstStyle/>
+          <a:p>
+            <a:pPr algn="ctr"/>
+            <a:r>
+              <a:rPr lang="en-US" altLang="zh-CN" dirty="0"/>
+              <a:t>DT</a:t>
+            </a:r>
+          </a:p>
+          <a:p>
+            <a:pPr algn="ctr"/>
+            <a:r>
+              <a:rPr lang="zh-CN" altLang="en-US" dirty="0"/>
+              <a:t>（</a:t>
+            </a:r>
+            <a:r>
+              <a:rPr lang="en-US" altLang="zh-CN" dirty="0"/>
+              <a:t>78.88%</a:t>
+            </a:r>
+            <a:r>
+              <a:rPr lang="zh-CN" altLang="en-US" dirty="0"/>
+              <a:t>）</a:t>
+            </a:r>
+          </a:p>
+        </p:txBody>
+      </p:sp>
+      <p:sp>
+        <p:nvSpPr>
+          <p:cNvPr id="7" name="椭圆 6"/>
+          <p:cNvSpPr/>
+          <p:nvPr/>
+        </p:nvSpPr>
+        <p:spPr>
+          <a:xfrm>
+            <a:off x="5974672" y="2920753"/>
+            <a:ext cx="701336" cy="692459"/>
+          </a:xfrm>
+          <a:prstGeom prst="ellipse">
+            <a:avLst/>
+          </a:prstGeom>
+        </p:spPr>
+        <p:style>
+          <a:lnRef idx="2">
+            <a:schemeClr val="dk1"/>
+          </a:lnRef>
+          <a:fillRef idx="1">
+            <a:schemeClr val="lt1"/>
+          </a:fillRef>
+          <a:effectRef idx="0">
+            <a:schemeClr val="dk1"/>
+          </a:effectRef>
+          <a:fontRef idx="minor">
+            <a:schemeClr val="dk1"/>
+          </a:fontRef>
+        </p:style>
+        <p:txBody>
+          <a:bodyPr rtlCol="0" anchor="ctr"/>
+          <a:lstStyle/>
+          <a:p>
+            <a:pPr algn="ctr"/>
+            <a:endParaRPr lang="zh-CN" altLang="en-US"/>
+          </a:p>
+        </p:txBody>
+      </p:sp>
+      <p:cxnSp>
+        <p:nvCxnSpPr>
+          <p:cNvPr id="9" name="直接连接符 8"/>
+          <p:cNvCxnSpPr>
+            <a:stCxn id="7" idx="0"/>
+            <a:endCxn id="7" idx="4"/>
+          </p:cNvCxnSpPr>
+          <p:nvPr/>
+        </p:nvCxnSpPr>
+        <p:spPr>
+          <a:xfrm>
+            <a:off x="6325340" y="2920753"/>
+            <a:ext cx="0" cy="692459"/>
+          </a:xfrm>
+          <a:prstGeom prst="line">
+            <a:avLst/>
+          </a:prstGeom>
+          <a:ln>
+            <a:solidFill>
+              <a:schemeClr val="tx1"/>
+            </a:solidFill>
+          </a:ln>
+        </p:spPr>
+        <p:style>
+          <a:lnRef idx="1">
+            <a:schemeClr val="accent1"/>
+          </a:lnRef>
+          <a:fillRef idx="0">
+            <a:schemeClr val="accent1"/>
+          </a:fillRef>
+          <a:effectRef idx="0">
+            <a:schemeClr val="accent1"/>
+          </a:effectRef>
+          <a:fontRef idx="minor">
+            <a:schemeClr val="tx1"/>
+          </a:fontRef>
+        </p:style>
+      </p:cxnSp>
+      <p:cxnSp>
+        <p:nvCxnSpPr>
+          <p:cNvPr id="10" name="直接连接符 9"/>
+          <p:cNvCxnSpPr/>
+          <p:nvPr/>
+        </p:nvCxnSpPr>
+        <p:spPr>
+          <a:xfrm>
+            <a:off x="5974672" y="3266982"/>
+            <a:ext cx="701336" cy="0"/>
+          </a:xfrm>
+          <a:prstGeom prst="line">
+            <a:avLst/>
+          </a:prstGeom>
+          <a:ln>
+            <a:solidFill>
+              <a:schemeClr val="tx1"/>
+            </a:solidFill>
+          </a:ln>
+        </p:spPr>
+        <p:style>
+          <a:lnRef idx="1">
+            <a:schemeClr val="accent1"/>
+          </a:lnRef>
+          <a:fillRef idx="0">
+            <a:schemeClr val="accent1"/>
+          </a:fillRef>
+          <a:effectRef idx="0">
+            <a:schemeClr val="accent1"/>
+          </a:effectRef>
+          <a:fontRef idx="minor">
+            <a:schemeClr val="tx1"/>
+          </a:fontRef>
+        </p:style>
+      </p:cxnSp>
+      <p:cxnSp>
+        <p:nvCxnSpPr>
+          <p:cNvPr id="14" name="直接箭头连接符 13"/>
+          <p:cNvCxnSpPr>
+            <a:stCxn id="3" idx="3"/>
+            <a:endCxn id="7" idx="1"/>
+          </p:cNvCxnSpPr>
+          <p:nvPr/>
+        </p:nvCxnSpPr>
+        <p:spPr>
+          <a:xfrm>
+            <a:off x="4492101" y="2009712"/>
+            <a:ext cx="1585279" cy="1012449"/>
+          </a:xfrm>
+          <a:prstGeom prst="straightConnector1">
+            <a:avLst/>
+          </a:prstGeom>
+          <a:ln>
+            <a:tailEnd type="triangle"/>
+          </a:ln>
+        </p:spPr>
+        <p:style>
+          <a:lnRef idx="1">
+            <a:schemeClr val="accent1"/>
+          </a:lnRef>
+          <a:fillRef idx="0">
+            <a:schemeClr val="accent1"/>
+          </a:fillRef>
+          <a:effectRef idx="0">
+            <a:schemeClr val="accent1"/>
+          </a:effectRef>
+          <a:fontRef idx="minor">
+            <a:schemeClr val="tx1"/>
+          </a:fontRef>
+        </p:style>
+      </p:cxnSp>
+      <p:cxnSp>
+        <p:nvCxnSpPr>
+          <p:cNvPr id="16" name="直接箭头连接符 15"/>
+          <p:cNvCxnSpPr>
+            <a:stCxn id="5" idx="3"/>
+            <a:endCxn id="7" idx="2"/>
+          </p:cNvCxnSpPr>
+          <p:nvPr/>
+        </p:nvCxnSpPr>
+        <p:spPr>
+          <a:xfrm>
+            <a:off x="4199138" y="3254407"/>
+            <a:ext cx="1775534" cy="12576"/>
+          </a:xfrm>
+          <a:prstGeom prst="straightConnector1">
+            <a:avLst/>
+          </a:prstGeom>
+          <a:ln>
+            <a:tailEnd type="triangle"/>
+          </a:ln>
+        </p:spPr>
+        <p:style>
+          <a:lnRef idx="1">
+            <a:schemeClr val="accent1"/>
+          </a:lnRef>
+          <a:fillRef idx="0">
+            <a:schemeClr val="accent1"/>
+          </a:fillRef>
+          <a:effectRef idx="0">
+            <a:schemeClr val="accent1"/>
+          </a:effectRef>
+          <a:fontRef idx="minor">
+            <a:schemeClr val="tx1"/>
+          </a:fontRef>
+        </p:style>
+      </p:cxnSp>
+      <p:cxnSp>
+        <p:nvCxnSpPr>
+          <p:cNvPr id="18" name="直接箭头连接符 17"/>
+          <p:cNvCxnSpPr>
+            <a:stCxn id="6" idx="3"/>
+            <a:endCxn id="7" idx="3"/>
+          </p:cNvCxnSpPr>
+          <p:nvPr/>
+        </p:nvCxnSpPr>
+        <p:spPr>
+          <a:xfrm flipV="1">
+            <a:off x="4492101" y="3511804"/>
+            <a:ext cx="1585279" cy="1092009"/>
+          </a:xfrm>
+          <a:prstGeom prst="straightConnector1">
+            <a:avLst/>
+          </a:prstGeom>
+          <a:ln>
+            <a:tailEnd type="triangle"/>
+          </a:ln>
+        </p:spPr>
+        <p:style>
+          <a:lnRef idx="1">
+            <a:schemeClr val="accent1"/>
+          </a:lnRef>
+          <a:fillRef idx="0">
+            <a:schemeClr val="accent1"/>
+          </a:fillRef>
+          <a:effectRef idx="0">
+            <a:schemeClr val="accent1"/>
+          </a:effectRef>
+          <a:fontRef idx="minor">
+            <a:schemeClr val="tx1"/>
+          </a:fontRef>
+        </p:style>
+      </p:cxnSp>
+      <p:sp>
+        <p:nvSpPr>
+          <p:cNvPr id="29" name="箭头: 右 28"/>
+          <p:cNvSpPr/>
+          <p:nvPr/>
+        </p:nvSpPr>
+        <p:spPr>
+          <a:xfrm>
+            <a:off x="6676008" y="3187083"/>
+            <a:ext cx="328474" cy="159799"/>
+          </a:xfrm>
+          <a:prstGeom prst="rightArrow">
+            <a:avLst/>
+          </a:prstGeom>
+        </p:spPr>
+        <p:style>
+          <a:lnRef idx="2">
+            <a:schemeClr val="accent1">
+              <a:shade val="50000"/>
+            </a:schemeClr>
+          </a:lnRef>
+          <a:fillRef idx="1">
+            <a:schemeClr val="accent1"/>
+          </a:fillRef>
+          <a:effectRef idx="0">
+            <a:schemeClr val="accent1"/>
+          </a:effectRef>
+          <a:fontRef idx="minor">
+            <a:schemeClr val="lt1"/>
+          </a:fontRef>
+        </p:style>
+        <p:txBody>
+          <a:bodyPr rtlCol="0" anchor="ctr"/>
+          <a:lstStyle/>
+          <a:p>
+            <a:pPr algn="ctr"/>
+            <a:endParaRPr lang="zh-CN" altLang="en-US"/>
+          </a:p>
+        </p:txBody>
+      </p:sp>
+      <p:sp>
+        <p:nvSpPr>
+          <p:cNvPr id="31" name="矩形: 圆角 30"/>
+          <p:cNvSpPr/>
+          <p:nvPr/>
+        </p:nvSpPr>
+        <p:spPr>
+          <a:xfrm>
+            <a:off x="7026675" y="2621430"/>
+            <a:ext cx="1202925" cy="1265951"/>
+          </a:xfrm>
+          <a:prstGeom prst="roundRect">
+            <a:avLst/>
+          </a:prstGeom>
+        </p:spPr>
+        <p:style>
+          <a:lnRef idx="2">
+            <a:schemeClr val="accent1">
+              <a:shade val="50000"/>
+            </a:schemeClr>
+          </a:lnRef>
+          <a:fillRef idx="1">
+            <a:schemeClr val="accent1"/>
+          </a:fillRef>
+          <a:effectRef idx="0">
+            <a:schemeClr val="accent1"/>
+          </a:effectRef>
+          <a:fontRef idx="minor">
+            <a:schemeClr val="lt1"/>
+          </a:fontRef>
+        </p:style>
+        <p:txBody>
+          <a:bodyPr rtlCol="0" anchor="ctr"/>
+          <a:lstStyle/>
+          <a:p>
+            <a:pPr algn="ctr"/>
+            <a:r>
+              <a:rPr lang="zh-CN" altLang="en-US" dirty="0"/>
+              <a:t>融合</a:t>
+            </a:r>
+            <a:endParaRPr lang="en-US" altLang="zh-CN" dirty="0"/>
+          </a:p>
+          <a:p>
+            <a:pPr algn="ctr"/>
+            <a:r>
+              <a:rPr lang="zh-CN" altLang="en-US" dirty="0"/>
+              <a:t>（</a:t>
+            </a:r>
+            <a:r>
+              <a:rPr lang="en-US" altLang="zh-CN" dirty="0"/>
+              <a:t>80.24%</a:t>
+            </a:r>
+            <a:r>
+              <a:rPr lang="zh-CN" altLang="en-US" dirty="0"/>
+              <a:t>）</a:t>
+            </a:r>
+          </a:p>
+        </p:txBody>
+      </p:sp>
+      <p:sp>
+        <p:nvSpPr>
+          <p:cNvPr id="32" name="文本框 31"/>
+          <p:cNvSpPr txBox="1"/>
+          <p:nvPr/>
+        </p:nvSpPr>
+        <p:spPr>
+          <a:xfrm>
+            <a:off x="5720966" y="3730076"/>
+            <a:ext cx="1298753" cy="369332"/>
+          </a:xfrm>
+          <a:prstGeom prst="rect">
+            <a:avLst/>
+          </a:prstGeom>
+          <a:noFill/>
+        </p:spPr>
+        <p:txBody>
+          <a:bodyPr wrap="none" rtlCol="0">
+            <a:spAutoFit/>
+          </a:bodyPr>
+          <a:lstStyle/>
+          <a:p>
+            <a:r>
+              <a:rPr lang="en-US" altLang="zh-CN" dirty="0"/>
+              <a:t>Soft Voting</a:t>
+            </a:r>
+            <a:endParaRPr lang="zh-CN" altLang="en-US" dirty="0"/>
+          </a:p>
+        </p:txBody>
+      </p:sp>
     </p:spTree>
     <p:extLst>
       <p:ext uri="{BB962C8B-B14F-4D97-AF65-F5344CB8AC3E}">
@@ -9902,6 +10395,398 @@
 </file>
 
 <file path=ppt/slides/slide15.xml><?xml version="1.0" encoding="utf-8"?>
+<p:sld xmlns:a="http://schemas.openxmlformats.org/drawingml/2006/main" xmlns:r="http://schemas.openxmlformats.org/officeDocument/2006/relationships" xmlns:p="http://schemas.openxmlformats.org/presentationml/2006/main">
+  <p:cSld>
+    <p:spTree>
+      <p:nvGrpSpPr>
+        <p:cNvPr id="1" name=""/>
+        <p:cNvGrpSpPr/>
+        <p:nvPr/>
+      </p:nvGrpSpPr>
+      <p:grpSpPr>
+        <a:xfrm>
+          <a:off x="0" y="0"/>
+          <a:ext cx="0" cy="0"/>
+          <a:chOff x="0" y="0"/>
+          <a:chExt cx="0" cy="0"/>
+        </a:xfrm>
+      </p:grpSpPr>
+      <p:graphicFrame>
+        <p:nvGraphicFramePr>
+          <p:cNvPr id="4" name="表格 3"/>
+          <p:cNvGraphicFramePr>
+            <a:graphicFrameLocks noGrp="1"/>
+          </p:cNvGraphicFramePr>
+          <p:nvPr>
+            <p:extLst>
+              <p:ext uri="{D42A27DB-BD31-4B8C-83A1-F6EECF244321}">
+                <p14:modId xmlns:p14="http://schemas.microsoft.com/office/powerpoint/2010/main" val="2077488659"/>
+              </p:ext>
+            </p:extLst>
+          </p:nvPr>
+        </p:nvGraphicFramePr>
+        <p:xfrm>
+          <a:off x="3115076" y="1589677"/>
+          <a:ext cx="6463929" cy="955081"/>
+        </p:xfrm>
+        <a:graphic>
+          <a:graphicData uri="http://schemas.openxmlformats.org/drawingml/2006/table">
+            <a:tbl>
+              <a:tblPr firstRow="1" bandRow="1">
+                <a:tableStyleId>{5C22544A-7EE6-4342-B048-85BDC9FD1C3A}</a:tableStyleId>
+              </a:tblPr>
+              <a:tblGrid>
+                <a:gridCol w="877617">
+                  <a:extLst>
+                    <a:ext uri="{9D8B030D-6E8A-4147-A177-3AD203B41FA5}">
+                      <a16:colId xmlns:a16="http://schemas.microsoft.com/office/drawing/2014/main" val="2942270591"/>
+                    </a:ext>
+                  </a:extLst>
+                </a:gridCol>
+                <a:gridCol w="877617">
+                  <a:extLst>
+                    <a:ext uri="{9D8B030D-6E8A-4147-A177-3AD203B41FA5}">
+                      <a16:colId xmlns:a16="http://schemas.microsoft.com/office/drawing/2014/main" val="1776819714"/>
+                    </a:ext>
+                  </a:extLst>
+                </a:gridCol>
+                <a:gridCol w="877617">
+                  <a:extLst>
+                    <a:ext uri="{9D8B030D-6E8A-4147-A177-3AD203B41FA5}">
+                      <a16:colId xmlns:a16="http://schemas.microsoft.com/office/drawing/2014/main" val="3774828406"/>
+                    </a:ext>
+                  </a:extLst>
+                </a:gridCol>
+                <a:gridCol w="877617">
+                  <a:extLst>
+                    <a:ext uri="{9D8B030D-6E8A-4147-A177-3AD203B41FA5}">
+                      <a16:colId xmlns:a16="http://schemas.microsoft.com/office/drawing/2014/main" val="3119370870"/>
+                    </a:ext>
+                  </a:extLst>
+                </a:gridCol>
+                <a:gridCol w="909868">
+                  <a:extLst>
+                    <a:ext uri="{9D8B030D-6E8A-4147-A177-3AD203B41FA5}">
+                      <a16:colId xmlns:a16="http://schemas.microsoft.com/office/drawing/2014/main" val="172632905"/>
+                    </a:ext>
+                  </a:extLst>
+                </a:gridCol>
+                <a:gridCol w="909868">
+                  <a:extLst>
+                    <a:ext uri="{9D8B030D-6E8A-4147-A177-3AD203B41FA5}">
+                      <a16:colId xmlns:a16="http://schemas.microsoft.com/office/drawing/2014/main" val="186719225"/>
+                    </a:ext>
+                  </a:extLst>
+                </a:gridCol>
+                <a:gridCol w="1133725">
+                  <a:extLst>
+                    <a:ext uri="{9D8B030D-6E8A-4147-A177-3AD203B41FA5}">
+                      <a16:colId xmlns:a16="http://schemas.microsoft.com/office/drawing/2014/main" val="2172667096"/>
+                    </a:ext>
+                  </a:extLst>
+                </a:gridCol>
+              </a:tblGrid>
+              <a:tr h="365760">
+                <a:tc>
+                  <a:txBody>
+                    <a:bodyPr/>
+                    <a:lstStyle/>
+                    <a:p>
+                      <a:endParaRPr lang="zh-CN" altLang="en-US" dirty="0"/>
+                    </a:p>
+                  </a:txBody>
+                  <a:tcPr/>
+                </a:tc>
+                <a:tc>
+                  <a:txBody>
+                    <a:bodyPr/>
+                    <a:lstStyle/>
+                    <a:p>
+                      <a:endParaRPr lang="zh-CN" altLang="en-US"/>
+                    </a:p>
+                  </a:txBody>
+                  <a:tcPr/>
+                </a:tc>
+                <a:tc>
+                  <a:txBody>
+                    <a:bodyPr/>
+                    <a:lstStyle/>
+                    <a:p>
+                      <a:endParaRPr lang="zh-CN" altLang="en-US" dirty="0"/>
+                    </a:p>
+                  </a:txBody>
+                  <a:tcPr/>
+                </a:tc>
+                <a:tc>
+                  <a:txBody>
+                    <a:bodyPr/>
+                    <a:lstStyle/>
+                    <a:p>
+                      <a:endParaRPr lang="zh-CN" altLang="en-US"/>
+                    </a:p>
+                  </a:txBody>
+                  <a:tcPr/>
+                </a:tc>
+                <a:tc>
+                  <a:txBody>
+                    <a:bodyPr/>
+                    <a:lstStyle/>
+                    <a:p>
+                      <a:endParaRPr lang="zh-CN" altLang="en-US"/>
+                    </a:p>
+                  </a:txBody>
+                  <a:tcPr/>
+                </a:tc>
+                <a:tc>
+                  <a:txBody>
+                    <a:bodyPr/>
+                    <a:lstStyle/>
+                    <a:p>
+                      <a:endParaRPr lang="zh-CN" altLang="en-US" dirty="0"/>
+                    </a:p>
+                  </a:txBody>
+                  <a:tcPr/>
+                </a:tc>
+                <a:tc>
+                  <a:txBody>
+                    <a:bodyPr/>
+                    <a:lstStyle/>
+                    <a:p>
+                      <a:endParaRPr lang="zh-CN" altLang="en-US" dirty="0"/>
+                    </a:p>
+                  </a:txBody>
+                  <a:tcPr/>
+                </a:tc>
+                <a:extLst>
+                  <a:ext uri="{0D108BD9-81ED-4DB2-BD59-A6C34878D82A}">
+                    <a16:rowId xmlns:a16="http://schemas.microsoft.com/office/drawing/2014/main" val="3636508797"/>
+                  </a:ext>
+                </a:extLst>
+              </a:tr>
+              <a:tr h="589321">
+                <a:tc>
+                  <a:txBody>
+                    <a:bodyPr/>
+                    <a:lstStyle/>
+                    <a:p>
+                      <a:r>
+                        <a:rPr lang="en-US" altLang="zh-CN" dirty="0"/>
+                        <a:t>0.6040</a:t>
+                      </a:r>
+                    </a:p>
+                  </a:txBody>
+                  <a:tcPr/>
+                </a:tc>
+                <a:tc>
+                  <a:txBody>
+                    <a:bodyPr/>
+                    <a:lstStyle/>
+                    <a:p>
+                      <a:pPr marL="0" marR="0" lvl="0" indent="0" algn="l" defTabSz="914400" rtl="0" eaLnBrk="1" fontAlgn="auto" latinLnBrk="0" hangingPunct="1">
+                        <a:lnSpc>
+                          <a:spcPct val="100000"/>
+                        </a:lnSpc>
+                        <a:spcBef>
+                          <a:spcPts val="0"/>
+                        </a:spcBef>
+                        <a:spcAft>
+                          <a:spcPts val="0"/>
+                        </a:spcAft>
+                        <a:buClrTx/>
+                        <a:buSzTx/>
+                        <a:buFontTx/>
+                        <a:buNone/>
+                        <a:tabLst/>
+                        <a:defRPr/>
+                      </a:pPr>
+                      <a:r>
+                        <a:rPr lang="en-US" altLang="zh-CN" dirty="0"/>
+                        <a:t>0.7422</a:t>
+                      </a:r>
+                      <a:endParaRPr lang="zh-CN" altLang="en-US" dirty="0"/>
+                    </a:p>
+                  </a:txBody>
+                  <a:tcPr/>
+                </a:tc>
+                <a:tc>
+                  <a:txBody>
+                    <a:bodyPr/>
+                    <a:lstStyle/>
+                    <a:p>
+                      <a:pPr marL="0" marR="0" lvl="0" indent="0" algn="l" defTabSz="914400" rtl="0" eaLnBrk="1" fontAlgn="auto" latinLnBrk="0" hangingPunct="1">
+                        <a:lnSpc>
+                          <a:spcPct val="100000"/>
+                        </a:lnSpc>
+                        <a:spcBef>
+                          <a:spcPts val="0"/>
+                        </a:spcBef>
+                        <a:spcAft>
+                          <a:spcPts val="0"/>
+                        </a:spcAft>
+                        <a:buClrTx/>
+                        <a:buSzTx/>
+                        <a:buFontTx/>
+                        <a:buNone/>
+                        <a:tabLst/>
+                        <a:defRPr/>
+                      </a:pPr>
+                      <a:r>
+                        <a:rPr lang="en-US" altLang="zh-CN" dirty="0"/>
+                        <a:t>0.6642</a:t>
+                      </a:r>
+                      <a:endParaRPr lang="zh-CN" altLang="en-US" dirty="0"/>
+                    </a:p>
+                  </a:txBody>
+                  <a:tcPr/>
+                </a:tc>
+                <a:tc>
+                  <a:txBody>
+                    <a:bodyPr/>
+                    <a:lstStyle/>
+                    <a:p>
+                      <a:pPr marL="0" marR="0" lvl="0" indent="0" algn="l" defTabSz="914400" rtl="0" eaLnBrk="1" fontAlgn="auto" latinLnBrk="0" hangingPunct="1">
+                        <a:lnSpc>
+                          <a:spcPct val="100000"/>
+                        </a:lnSpc>
+                        <a:spcBef>
+                          <a:spcPts val="0"/>
+                        </a:spcBef>
+                        <a:spcAft>
+                          <a:spcPts val="0"/>
+                        </a:spcAft>
+                        <a:buClrTx/>
+                        <a:buSzTx/>
+                        <a:buFontTx/>
+                        <a:buNone/>
+                        <a:tabLst/>
+                        <a:defRPr/>
+                      </a:pPr>
+                      <a:r>
+                        <a:rPr lang="en-US" altLang="zh-CN" dirty="0"/>
+                        <a:t>0.6857</a:t>
+                      </a:r>
+                      <a:endParaRPr lang="zh-CN" altLang="en-US" dirty="0"/>
+                    </a:p>
+                  </a:txBody>
+                  <a:tcPr/>
+                </a:tc>
+                <a:tc>
+                  <a:txBody>
+                    <a:bodyPr/>
+                    <a:lstStyle/>
+                    <a:p>
+                      <a:pPr marL="0" marR="0" lvl="0" indent="0" algn="l" defTabSz="914400" rtl="0" eaLnBrk="1" fontAlgn="auto" latinLnBrk="0" hangingPunct="1">
+                        <a:lnSpc>
+                          <a:spcPct val="100000"/>
+                        </a:lnSpc>
+                        <a:spcBef>
+                          <a:spcPts val="0"/>
+                        </a:spcBef>
+                        <a:spcAft>
+                          <a:spcPts val="0"/>
+                        </a:spcAft>
+                        <a:buClrTx/>
+                        <a:buSzTx/>
+                        <a:buFontTx/>
+                        <a:buNone/>
+                        <a:tabLst/>
+                        <a:defRPr/>
+                      </a:pPr>
+                      <a:r>
+                        <a:rPr lang="en-US" altLang="zh-CN" dirty="0"/>
+                        <a:t>0.6823</a:t>
+                      </a:r>
+                      <a:endParaRPr lang="zh-CN" altLang="en-US" dirty="0"/>
+                    </a:p>
+                  </a:txBody>
+                  <a:tcPr/>
+                </a:tc>
+                <a:tc>
+                  <a:txBody>
+                    <a:bodyPr/>
+                    <a:lstStyle/>
+                    <a:p>
+                      <a:pPr marL="0" marR="0" lvl="0" indent="0" algn="l" defTabSz="914400" rtl="0" eaLnBrk="1" fontAlgn="auto" latinLnBrk="0" hangingPunct="1">
+                        <a:lnSpc>
+                          <a:spcPct val="100000"/>
+                        </a:lnSpc>
+                        <a:spcBef>
+                          <a:spcPts val="0"/>
+                        </a:spcBef>
+                        <a:spcAft>
+                          <a:spcPts val="0"/>
+                        </a:spcAft>
+                        <a:buClrTx/>
+                        <a:buSzTx/>
+                        <a:buFontTx/>
+                        <a:buNone/>
+                        <a:tabLst/>
+                        <a:defRPr/>
+                      </a:pPr>
+                      <a:r>
+                        <a:rPr lang="en-US" altLang="zh-CN" dirty="0"/>
+                        <a:t>0.6070</a:t>
+                      </a:r>
+                      <a:endParaRPr lang="zh-CN" altLang="en-US" dirty="0"/>
+                    </a:p>
+                  </a:txBody>
+                  <a:tcPr/>
+                </a:tc>
+                <a:tc>
+                  <a:txBody>
+                    <a:bodyPr/>
+                    <a:lstStyle/>
+                    <a:p>
+                      <a:pPr marL="0" marR="0" lvl="0" indent="0" algn="l" defTabSz="914400" rtl="0" eaLnBrk="1" fontAlgn="auto" latinLnBrk="0" hangingPunct="1">
+                        <a:lnSpc>
+                          <a:spcPct val="100000"/>
+                        </a:lnSpc>
+                        <a:spcBef>
+                          <a:spcPts val="0"/>
+                        </a:spcBef>
+                        <a:spcAft>
+                          <a:spcPts val="0"/>
+                        </a:spcAft>
+                        <a:buClrTx/>
+                        <a:buSzTx/>
+                        <a:buFontTx/>
+                        <a:buNone/>
+                        <a:tabLst/>
+                        <a:defRPr/>
+                      </a:pPr>
+                      <a:r>
+                        <a:rPr lang="en-US" altLang="zh-CN" dirty="0"/>
+                        <a:t>0.7755</a:t>
+                      </a:r>
+                      <a:endParaRPr lang="zh-CN" altLang="en-US" dirty="0"/>
+                    </a:p>
+                  </a:txBody>
+                  <a:tcPr/>
+                </a:tc>
+                <a:extLst>
+                  <a:ext uri="{0D108BD9-81ED-4DB2-BD59-A6C34878D82A}">
+                    <a16:rowId xmlns:a16="http://schemas.microsoft.com/office/drawing/2014/main" val="4142105507"/>
+                  </a:ext>
+                </a:extLst>
+              </a:tr>
+            </a:tbl>
+          </a:graphicData>
+        </a:graphic>
+      </p:graphicFrame>
+    </p:spTree>
+    <p:extLst>
+      <p:ext uri="{BB962C8B-B14F-4D97-AF65-F5344CB8AC3E}">
+        <p14:creationId xmlns:p14="http://schemas.microsoft.com/office/powerpoint/2010/main" val="1240278226"/>
+      </p:ext>
+    </p:extLst>
+  </p:cSld>
+  <p:clrMapOvr>
+    <a:masterClrMapping/>
+  </p:clrMapOvr>
+</p:sld>
+</file>
+
+<file path=ppt/slides/slide16.xml><?xml version="1.0" encoding="utf-8"?>
 <p:sld xmlns:a="http://schemas.openxmlformats.org/drawingml/2006/main" xmlns:r="http://schemas.openxmlformats.org/officeDocument/2006/relationships" xmlns:p="http://schemas.openxmlformats.org/presentationml/2006/main">
   <p:cSld>
     <p:spTree>

--- a/图集.pptx
+++ b/图集.pptx
@@ -5,7 +5,7 @@
     <p:sldMasterId id="2147483648" r:id="rId1"/>
   </p:sldMasterIdLst>
   <p:notesMasterIdLst>
-    <p:notesMasterId r:id="rId21"/>
+    <p:notesMasterId r:id="rId22"/>
   </p:notesMasterIdLst>
   <p:sldIdLst>
     <p:sldId id="256" r:id="rId2"/>
@@ -25,8 +25,9 @@
     <p:sldId id="268" r:id="rId16"/>
     <p:sldId id="269" r:id="rId17"/>
     <p:sldId id="271" r:id="rId18"/>
-    <p:sldId id="270" r:id="rId19"/>
-    <p:sldId id="272" r:id="rId20"/>
+    <p:sldId id="275" r:id="rId19"/>
+    <p:sldId id="270" r:id="rId20"/>
+    <p:sldId id="272" r:id="rId21"/>
   </p:sldIdLst>
   <p:sldSz cx="12192000" cy="6858000"/>
   <p:notesSz cx="6858000" cy="9144000"/>
@@ -215,7 +216,7 @@
           <a:p>
             <a:fld id="{0A5C0070-62FF-4409-B5E8-A38E1A25C249}" type="datetimeFigureOut">
               <a:rPr lang="zh-CN" altLang="en-US" smtClean="0"/>
-              <a:t>2016/12/5</a:t>
+              <a:t>2016/12/8</a:t>
             </a:fld>
             <a:endParaRPr lang="zh-CN" altLang="en-US"/>
           </a:p>
@@ -635,7 +636,7 @@
           <a:p>
             <a:fld id="{5CE9C267-2C8D-44EE-A34C-CB9E8D3B98C4}" type="slidenum">
               <a:rPr lang="zh-CN" altLang="en-US" smtClean="0"/>
-              <a:t>18</a:t>
+              <a:t>19</a:t>
             </a:fld>
             <a:endParaRPr lang="zh-CN" altLang="en-US"/>
           </a:p>
@@ -783,7 +784,7 @@
           <a:p>
             <a:fld id="{5CC46D4B-9541-4BC3-A144-744E4042BCF0}" type="datetimeFigureOut">
               <a:rPr lang="zh-CN" altLang="en-US" smtClean="0"/>
-              <a:t>2016/12/5</a:t>
+              <a:t>2016/12/8</a:t>
             </a:fld>
             <a:endParaRPr lang="zh-CN" altLang="en-US"/>
           </a:p>
@@ -951,7 +952,7 @@
           <a:p>
             <a:fld id="{5CC46D4B-9541-4BC3-A144-744E4042BCF0}" type="datetimeFigureOut">
               <a:rPr lang="zh-CN" altLang="en-US" smtClean="0"/>
-              <a:t>2016/12/5</a:t>
+              <a:t>2016/12/8</a:t>
             </a:fld>
             <a:endParaRPr lang="zh-CN" altLang="en-US"/>
           </a:p>
@@ -1129,7 +1130,7 @@
           <a:p>
             <a:fld id="{5CC46D4B-9541-4BC3-A144-744E4042BCF0}" type="datetimeFigureOut">
               <a:rPr lang="zh-CN" altLang="en-US" smtClean="0"/>
-              <a:t>2016/12/5</a:t>
+              <a:t>2016/12/8</a:t>
             </a:fld>
             <a:endParaRPr lang="zh-CN" altLang="en-US"/>
           </a:p>
@@ -1297,7 +1298,7 @@
           <a:p>
             <a:fld id="{5CC46D4B-9541-4BC3-A144-744E4042BCF0}" type="datetimeFigureOut">
               <a:rPr lang="zh-CN" altLang="en-US" smtClean="0"/>
-              <a:t>2016/12/5</a:t>
+              <a:t>2016/12/8</a:t>
             </a:fld>
             <a:endParaRPr lang="zh-CN" altLang="en-US"/>
           </a:p>
@@ -1542,7 +1543,7 @@
           <a:p>
             <a:fld id="{5CC46D4B-9541-4BC3-A144-744E4042BCF0}" type="datetimeFigureOut">
               <a:rPr lang="zh-CN" altLang="en-US" smtClean="0"/>
-              <a:t>2016/12/5</a:t>
+              <a:t>2016/12/8</a:t>
             </a:fld>
             <a:endParaRPr lang="zh-CN" altLang="en-US"/>
           </a:p>
@@ -1771,7 +1772,7 @@
           <a:p>
             <a:fld id="{5CC46D4B-9541-4BC3-A144-744E4042BCF0}" type="datetimeFigureOut">
               <a:rPr lang="zh-CN" altLang="en-US" smtClean="0"/>
-              <a:t>2016/12/5</a:t>
+              <a:t>2016/12/8</a:t>
             </a:fld>
             <a:endParaRPr lang="zh-CN" altLang="en-US"/>
           </a:p>
@@ -2135,7 +2136,7 @@
           <a:p>
             <a:fld id="{5CC46D4B-9541-4BC3-A144-744E4042BCF0}" type="datetimeFigureOut">
               <a:rPr lang="zh-CN" altLang="en-US" smtClean="0"/>
-              <a:t>2016/12/5</a:t>
+              <a:t>2016/12/8</a:t>
             </a:fld>
             <a:endParaRPr lang="zh-CN" altLang="en-US"/>
           </a:p>
@@ -2252,7 +2253,7 @@
           <a:p>
             <a:fld id="{5CC46D4B-9541-4BC3-A144-744E4042BCF0}" type="datetimeFigureOut">
               <a:rPr lang="zh-CN" altLang="en-US" smtClean="0"/>
-              <a:t>2016/12/5</a:t>
+              <a:t>2016/12/8</a:t>
             </a:fld>
             <a:endParaRPr lang="zh-CN" altLang="en-US"/>
           </a:p>
@@ -2347,7 +2348,7 @@
           <a:p>
             <a:fld id="{5CC46D4B-9541-4BC3-A144-744E4042BCF0}" type="datetimeFigureOut">
               <a:rPr lang="zh-CN" altLang="en-US" smtClean="0"/>
-              <a:t>2016/12/5</a:t>
+              <a:t>2016/12/8</a:t>
             </a:fld>
             <a:endParaRPr lang="zh-CN" altLang="en-US"/>
           </a:p>
@@ -2622,7 +2623,7 @@
           <a:p>
             <a:fld id="{5CC46D4B-9541-4BC3-A144-744E4042BCF0}" type="datetimeFigureOut">
               <a:rPr lang="zh-CN" altLang="en-US" smtClean="0"/>
-              <a:t>2016/12/5</a:t>
+              <a:t>2016/12/8</a:t>
             </a:fld>
             <a:endParaRPr lang="zh-CN" altLang="en-US"/>
           </a:p>
@@ -2874,7 +2875,7 @@
           <a:p>
             <a:fld id="{5CC46D4B-9541-4BC3-A144-744E4042BCF0}" type="datetimeFigureOut">
               <a:rPr lang="zh-CN" altLang="en-US" smtClean="0"/>
-              <a:t>2016/12/5</a:t>
+              <a:t>2016/12/8</a:t>
             </a:fld>
             <a:endParaRPr lang="zh-CN" altLang="en-US"/>
           </a:p>
@@ -3085,7 +3086,7 @@
           <a:p>
             <a:fld id="{5CC46D4B-9541-4BC3-A144-744E4042BCF0}" type="datetimeFigureOut">
               <a:rPr lang="zh-CN" altLang="en-US" smtClean="0"/>
-              <a:t>2016/12/5</a:t>
+              <a:t>2016/12/8</a:t>
             </a:fld>
             <a:endParaRPr lang="zh-CN" altLang="en-US"/>
           </a:p>
@@ -12723,7 +12724,7 @@
           <a:prstGeom prst="line">
             <a:avLst/>
           </a:prstGeom>
-          <a:ln>
+          <a:ln w="12700">
             <a:solidFill>
               <a:schemeClr val="tx1"/>
             </a:solidFill>
@@ -12758,7 +12759,7 @@
           <a:prstGeom prst="line">
             <a:avLst/>
           </a:prstGeom>
-          <a:ln>
+          <a:ln w="12700">
             <a:solidFill>
               <a:schemeClr val="tx1"/>
             </a:solidFill>
@@ -12796,7 +12797,7 @@
           <a:prstGeom prst="straightConnector1">
             <a:avLst/>
           </a:prstGeom>
-          <a:ln>
+          <a:ln w="19050">
             <a:tailEnd type="triangle"/>
           </a:ln>
         </p:spPr>
@@ -12832,7 +12833,7 @@
           <a:prstGeom prst="straightConnector1">
             <a:avLst/>
           </a:prstGeom>
-          <a:ln>
+          <a:ln w="19050">
             <a:tailEnd type="triangle"/>
           </a:ln>
         </p:spPr>
@@ -12868,7 +12869,7 @@
           <a:prstGeom prst="straightConnector1">
             <a:avLst/>
           </a:prstGeom>
-          <a:ln>
+          <a:ln w="19050">
             <a:tailEnd type="triangle"/>
           </a:ln>
         </p:spPr>
@@ -13452,1474 +13453,43 @@
           <a:chExt cx="0" cy="0"/>
         </a:xfrm>
       </p:grpSpPr>
-      <p:sp>
-        <p:nvSpPr>
-          <p:cNvPr id="5" name="椭圆 4"/>
-          <p:cNvSpPr/>
-          <p:nvPr/>
-        </p:nvSpPr>
-        <p:spPr>
-          <a:xfrm>
-            <a:off x="3915053" y="1429305"/>
-            <a:ext cx="3524434" cy="3373513"/>
-          </a:xfrm>
-          <a:prstGeom prst="ellipse">
-            <a:avLst/>
-          </a:prstGeom>
-        </p:spPr>
-        <p:style>
-          <a:lnRef idx="2">
-            <a:schemeClr val="dk1"/>
-          </a:lnRef>
-          <a:fillRef idx="1">
-            <a:schemeClr val="lt1"/>
-          </a:fillRef>
-          <a:effectRef idx="0">
-            <a:schemeClr val="dk1"/>
-          </a:effectRef>
-          <a:fontRef idx="minor">
-            <a:schemeClr val="dk1"/>
-          </a:fontRef>
-        </p:style>
-        <p:txBody>
-          <a:bodyPr rtlCol="0" anchor="ctr"/>
-          <a:lstStyle/>
-          <a:p>
-            <a:pPr algn="ctr"/>
-            <a:endParaRPr lang="zh-CN" altLang="en-US" dirty="0"/>
-          </a:p>
-        </p:txBody>
-      </p:sp>
-      <p:cxnSp>
-        <p:nvCxnSpPr>
-          <p:cNvPr id="8" name="直接连接符 7"/>
-          <p:cNvCxnSpPr>
-            <a:stCxn id="5" idx="0"/>
-            <a:endCxn id="5" idx="4"/>
-          </p:cNvCxnSpPr>
-          <p:nvPr/>
-        </p:nvCxnSpPr>
-        <p:spPr>
-          <a:xfrm>
-            <a:off x="5677270" y="1429305"/>
-            <a:ext cx="0" cy="3373513"/>
-          </a:xfrm>
-          <a:prstGeom prst="line">
-            <a:avLst/>
-          </a:prstGeom>
-        </p:spPr>
-        <p:style>
-          <a:lnRef idx="3">
-            <a:schemeClr val="dk1"/>
-          </a:lnRef>
-          <a:fillRef idx="0">
-            <a:schemeClr val="dk1"/>
-          </a:fillRef>
-          <a:effectRef idx="2">
-            <a:schemeClr val="dk1"/>
-          </a:effectRef>
-          <a:fontRef idx="minor">
-            <a:schemeClr val="tx1"/>
-          </a:fontRef>
-        </p:style>
-      </p:cxnSp>
-      <p:cxnSp>
-        <p:nvCxnSpPr>
-          <p:cNvPr id="10" name="直接连接符 9"/>
-          <p:cNvCxnSpPr>
-            <a:stCxn id="5" idx="2"/>
-            <a:endCxn id="5" idx="6"/>
-          </p:cNvCxnSpPr>
-          <p:nvPr/>
-        </p:nvCxnSpPr>
-        <p:spPr>
-          <a:xfrm>
-            <a:off x="3915053" y="3116062"/>
-            <a:ext cx="3524434" cy="0"/>
-          </a:xfrm>
-          <a:prstGeom prst="line">
-            <a:avLst/>
-          </a:prstGeom>
-        </p:spPr>
-        <p:style>
-          <a:lnRef idx="3">
-            <a:schemeClr val="dk1"/>
-          </a:lnRef>
-          <a:fillRef idx="0">
-            <a:schemeClr val="dk1"/>
-          </a:fillRef>
-          <a:effectRef idx="2">
-            <a:schemeClr val="dk1"/>
-          </a:effectRef>
-          <a:fontRef idx="minor">
-            <a:schemeClr val="tx1"/>
-          </a:fontRef>
-        </p:style>
-      </p:cxnSp>
-      <p:sp>
-        <p:nvSpPr>
-          <p:cNvPr id="11" name="文本框 10"/>
-          <p:cNvSpPr txBox="1"/>
-          <p:nvPr/>
-        </p:nvSpPr>
-        <p:spPr>
-          <a:xfrm>
-            <a:off x="5814093" y="1526961"/>
-            <a:ext cx="646331" cy="369332"/>
+      <p:pic>
+        <p:nvPicPr>
+          <p:cNvPr id="4" name="图片 3" descr="C:\Users\VR_team\AppData\Local\Microsoft\Windows\INetCacheContent.Word\ori_4d9c1aa0865c1.jpeg"/>
+          <p:cNvPicPr/>
+          <p:nvPr/>
+        </p:nvPicPr>
+        <p:blipFill>
+          <a:blip r:embed="rId2">
+            <a:extLst>
+              <a:ext uri="{28A0092B-C50C-407E-A947-70E740481C1C}">
+                <a14:useLocalDpi xmlns:a14="http://schemas.microsoft.com/office/drawing/2010/main" val="0"/>
+              </a:ext>
+            </a:extLst>
+          </a:blip>
+          <a:srcRect/>
+          <a:stretch>
+            <a:fillRect/>
+          </a:stretch>
+        </p:blipFill>
+        <p:spPr bwMode="auto">
+          <a:xfrm>
+            <a:off x="2390140" y="1139190"/>
+            <a:ext cx="4622800" cy="3467100"/>
           </a:xfrm>
           <a:prstGeom prst="rect">
             <a:avLst/>
           </a:prstGeom>
           <a:noFill/>
-        </p:spPr>
-        <p:txBody>
-          <a:bodyPr wrap="none" rtlCol="0">
-            <a:spAutoFit/>
-          </a:bodyPr>
-          <a:lstStyle/>
-          <a:p>
-            <a:r>
-              <a:rPr lang="zh-CN" altLang="en-US" dirty="0"/>
-              <a:t>兴奋</a:t>
-            </a:r>
-          </a:p>
-        </p:txBody>
-      </p:sp>
-      <p:sp>
-        <p:nvSpPr>
-          <p:cNvPr id="12" name="文本框 11"/>
-          <p:cNvSpPr txBox="1"/>
-          <p:nvPr/>
-        </p:nvSpPr>
-        <p:spPr>
-          <a:xfrm>
-            <a:off x="5826361" y="4401503"/>
-            <a:ext cx="646331" cy="369332"/>
-          </a:xfrm>
-          <a:prstGeom prst="rect">
-            <a:avLst/>
-          </a:prstGeom>
-          <a:noFill/>
-        </p:spPr>
-        <p:txBody>
-          <a:bodyPr wrap="none" rtlCol="0">
-            <a:spAutoFit/>
-          </a:bodyPr>
-          <a:lstStyle/>
-          <a:p>
-            <a:r>
-              <a:rPr lang="zh-CN" altLang="en-US" dirty="0"/>
-              <a:t>平静</a:t>
-            </a:r>
-          </a:p>
-        </p:txBody>
-      </p:sp>
-      <p:sp>
-        <p:nvSpPr>
-          <p:cNvPr id="13" name="文本框 10"/>
-          <p:cNvSpPr txBox="1"/>
-          <p:nvPr/>
-        </p:nvSpPr>
-        <p:spPr>
-          <a:xfrm>
-            <a:off x="6669478" y="2409833"/>
-            <a:ext cx="646331" cy="369332"/>
-          </a:xfrm>
-          <a:prstGeom prst="rect">
-            <a:avLst/>
-          </a:prstGeom>
-          <a:noFill/>
-        </p:spPr>
-        <p:txBody>
-          <a:bodyPr wrap="none" rtlCol="0">
-            <a:spAutoFit/>
-          </a:bodyPr>
-          <a:lstStyle>
-            <a:defPPr>
-              <a:defRPr lang="zh-CN"/>
-            </a:defPPr>
-            <a:lvl1pPr marL="0" algn="l" defTabSz="914400" rtl="0" eaLnBrk="1" latinLnBrk="0" hangingPunct="1">
-              <a:defRPr sz="1800" kern="1200">
-                <a:solidFill>
-                  <a:schemeClr val="tx1"/>
-                </a:solidFill>
-                <a:latin typeface="+mn-lt"/>
-                <a:ea typeface="+mn-ea"/>
-                <a:cs typeface="+mn-cs"/>
-              </a:defRPr>
-            </a:lvl1pPr>
-            <a:lvl2pPr marL="457200" algn="l" defTabSz="914400" rtl="0" eaLnBrk="1" latinLnBrk="0" hangingPunct="1">
-              <a:defRPr sz="1800" kern="1200">
-                <a:solidFill>
-                  <a:schemeClr val="tx1"/>
-                </a:solidFill>
-                <a:latin typeface="+mn-lt"/>
-                <a:ea typeface="+mn-ea"/>
-                <a:cs typeface="+mn-cs"/>
-              </a:defRPr>
-            </a:lvl2pPr>
-            <a:lvl3pPr marL="914400" algn="l" defTabSz="914400" rtl="0" eaLnBrk="1" latinLnBrk="0" hangingPunct="1">
-              <a:defRPr sz="1800" kern="1200">
-                <a:solidFill>
-                  <a:schemeClr val="tx1"/>
-                </a:solidFill>
-                <a:latin typeface="+mn-lt"/>
-                <a:ea typeface="+mn-ea"/>
-                <a:cs typeface="+mn-cs"/>
-              </a:defRPr>
-            </a:lvl3pPr>
-            <a:lvl4pPr marL="1371600" algn="l" defTabSz="914400" rtl="0" eaLnBrk="1" latinLnBrk="0" hangingPunct="1">
-              <a:defRPr sz="1800" kern="1200">
-                <a:solidFill>
-                  <a:schemeClr val="tx1"/>
-                </a:solidFill>
-                <a:latin typeface="+mn-lt"/>
-                <a:ea typeface="+mn-ea"/>
-                <a:cs typeface="+mn-cs"/>
-              </a:defRPr>
-            </a:lvl4pPr>
-            <a:lvl5pPr marL="1828800" algn="l" defTabSz="914400" rtl="0" eaLnBrk="1" latinLnBrk="0" hangingPunct="1">
-              <a:defRPr sz="1800" kern="1200">
-                <a:solidFill>
-                  <a:schemeClr val="tx1"/>
-                </a:solidFill>
-                <a:latin typeface="+mn-lt"/>
-                <a:ea typeface="+mn-ea"/>
-                <a:cs typeface="+mn-cs"/>
-              </a:defRPr>
-            </a:lvl5pPr>
-            <a:lvl6pPr marL="2286000" algn="l" defTabSz="914400" rtl="0" eaLnBrk="1" latinLnBrk="0" hangingPunct="1">
-              <a:defRPr sz="1800" kern="1200">
-                <a:solidFill>
-                  <a:schemeClr val="tx1"/>
-                </a:solidFill>
-                <a:latin typeface="+mn-lt"/>
-                <a:ea typeface="+mn-ea"/>
-                <a:cs typeface="+mn-cs"/>
-              </a:defRPr>
-            </a:lvl6pPr>
-            <a:lvl7pPr marL="2743200" algn="l" defTabSz="914400" rtl="0" eaLnBrk="1" latinLnBrk="0" hangingPunct="1">
-              <a:defRPr sz="1800" kern="1200">
-                <a:solidFill>
-                  <a:schemeClr val="tx1"/>
-                </a:solidFill>
-                <a:latin typeface="+mn-lt"/>
-                <a:ea typeface="+mn-ea"/>
-                <a:cs typeface="+mn-cs"/>
-              </a:defRPr>
-            </a:lvl7pPr>
-            <a:lvl8pPr marL="3200400" algn="l" defTabSz="914400" rtl="0" eaLnBrk="1" latinLnBrk="0" hangingPunct="1">
-              <a:defRPr sz="1800" kern="1200">
-                <a:solidFill>
-                  <a:schemeClr val="tx1"/>
-                </a:solidFill>
-                <a:latin typeface="+mn-lt"/>
-                <a:ea typeface="+mn-ea"/>
-                <a:cs typeface="+mn-cs"/>
-              </a:defRPr>
-            </a:lvl8pPr>
-            <a:lvl9pPr marL="3657600" algn="l" defTabSz="914400" rtl="0" eaLnBrk="1" latinLnBrk="0" hangingPunct="1">
-              <a:defRPr sz="1800" kern="1200">
-                <a:solidFill>
-                  <a:schemeClr val="tx1"/>
-                </a:solidFill>
-                <a:latin typeface="+mn-lt"/>
-                <a:ea typeface="+mn-ea"/>
-                <a:cs typeface="+mn-cs"/>
-              </a:defRPr>
-            </a:lvl9pPr>
-          </a:lstStyle>
-          <a:p>
-            <a:r>
-              <a:rPr lang="zh-CN" altLang="en-US" dirty="0"/>
-              <a:t>高兴</a:t>
-            </a:r>
-          </a:p>
-        </p:txBody>
-      </p:sp>
-      <p:sp>
-        <p:nvSpPr>
-          <p:cNvPr id="14" name="文本框 10"/>
-          <p:cNvSpPr txBox="1"/>
-          <p:nvPr/>
-        </p:nvSpPr>
-        <p:spPr>
-          <a:xfrm>
-            <a:off x="6669477" y="3268294"/>
-            <a:ext cx="646331" cy="369332"/>
-          </a:xfrm>
-          <a:prstGeom prst="rect">
-            <a:avLst/>
-          </a:prstGeom>
-          <a:noFill/>
-        </p:spPr>
-        <p:txBody>
-          <a:bodyPr wrap="none" rtlCol="0">
-            <a:spAutoFit/>
-          </a:bodyPr>
-          <a:lstStyle>
-            <a:defPPr>
-              <a:defRPr lang="zh-CN"/>
-            </a:defPPr>
-            <a:lvl1pPr marL="0" algn="l" defTabSz="914400" rtl="0" eaLnBrk="1" latinLnBrk="0" hangingPunct="1">
-              <a:defRPr sz="1800" kern="1200">
-                <a:solidFill>
-                  <a:schemeClr val="tx1"/>
-                </a:solidFill>
-                <a:latin typeface="+mn-lt"/>
-                <a:ea typeface="+mn-ea"/>
-                <a:cs typeface="+mn-cs"/>
-              </a:defRPr>
-            </a:lvl1pPr>
-            <a:lvl2pPr marL="457200" algn="l" defTabSz="914400" rtl="0" eaLnBrk="1" latinLnBrk="0" hangingPunct="1">
-              <a:defRPr sz="1800" kern="1200">
-                <a:solidFill>
-                  <a:schemeClr val="tx1"/>
-                </a:solidFill>
-                <a:latin typeface="+mn-lt"/>
-                <a:ea typeface="+mn-ea"/>
-                <a:cs typeface="+mn-cs"/>
-              </a:defRPr>
-            </a:lvl2pPr>
-            <a:lvl3pPr marL="914400" algn="l" defTabSz="914400" rtl="0" eaLnBrk="1" latinLnBrk="0" hangingPunct="1">
-              <a:defRPr sz="1800" kern="1200">
-                <a:solidFill>
-                  <a:schemeClr val="tx1"/>
-                </a:solidFill>
-                <a:latin typeface="+mn-lt"/>
-                <a:ea typeface="+mn-ea"/>
-                <a:cs typeface="+mn-cs"/>
-              </a:defRPr>
-            </a:lvl3pPr>
-            <a:lvl4pPr marL="1371600" algn="l" defTabSz="914400" rtl="0" eaLnBrk="1" latinLnBrk="0" hangingPunct="1">
-              <a:defRPr sz="1800" kern="1200">
-                <a:solidFill>
-                  <a:schemeClr val="tx1"/>
-                </a:solidFill>
-                <a:latin typeface="+mn-lt"/>
-                <a:ea typeface="+mn-ea"/>
-                <a:cs typeface="+mn-cs"/>
-              </a:defRPr>
-            </a:lvl4pPr>
-            <a:lvl5pPr marL="1828800" algn="l" defTabSz="914400" rtl="0" eaLnBrk="1" latinLnBrk="0" hangingPunct="1">
-              <a:defRPr sz="1800" kern="1200">
-                <a:solidFill>
-                  <a:schemeClr val="tx1"/>
-                </a:solidFill>
-                <a:latin typeface="+mn-lt"/>
-                <a:ea typeface="+mn-ea"/>
-                <a:cs typeface="+mn-cs"/>
-              </a:defRPr>
-            </a:lvl5pPr>
-            <a:lvl6pPr marL="2286000" algn="l" defTabSz="914400" rtl="0" eaLnBrk="1" latinLnBrk="0" hangingPunct="1">
-              <a:defRPr sz="1800" kern="1200">
-                <a:solidFill>
-                  <a:schemeClr val="tx1"/>
-                </a:solidFill>
-                <a:latin typeface="+mn-lt"/>
-                <a:ea typeface="+mn-ea"/>
-                <a:cs typeface="+mn-cs"/>
-              </a:defRPr>
-            </a:lvl6pPr>
-            <a:lvl7pPr marL="2743200" algn="l" defTabSz="914400" rtl="0" eaLnBrk="1" latinLnBrk="0" hangingPunct="1">
-              <a:defRPr sz="1800" kern="1200">
-                <a:solidFill>
-                  <a:schemeClr val="tx1"/>
-                </a:solidFill>
-                <a:latin typeface="+mn-lt"/>
-                <a:ea typeface="+mn-ea"/>
-                <a:cs typeface="+mn-cs"/>
-              </a:defRPr>
-            </a:lvl7pPr>
-            <a:lvl8pPr marL="3200400" algn="l" defTabSz="914400" rtl="0" eaLnBrk="1" latinLnBrk="0" hangingPunct="1">
-              <a:defRPr sz="1800" kern="1200">
-                <a:solidFill>
-                  <a:schemeClr val="tx1"/>
-                </a:solidFill>
-                <a:latin typeface="+mn-lt"/>
-                <a:ea typeface="+mn-ea"/>
-                <a:cs typeface="+mn-cs"/>
-              </a:defRPr>
-            </a:lvl8pPr>
-            <a:lvl9pPr marL="3657600" algn="l" defTabSz="914400" rtl="0" eaLnBrk="1" latinLnBrk="0" hangingPunct="1">
-              <a:defRPr sz="1800" kern="1200">
-                <a:solidFill>
-                  <a:schemeClr val="tx1"/>
-                </a:solidFill>
-                <a:latin typeface="+mn-lt"/>
-                <a:ea typeface="+mn-ea"/>
-                <a:cs typeface="+mn-cs"/>
-              </a:defRPr>
-            </a:lvl9pPr>
-          </a:lstStyle>
-          <a:p>
-            <a:r>
-              <a:rPr lang="zh-CN" altLang="en-US" dirty="0"/>
-              <a:t>满意</a:t>
-            </a:r>
-          </a:p>
-        </p:txBody>
-      </p:sp>
-      <p:sp>
-        <p:nvSpPr>
-          <p:cNvPr id="15" name="文本框 10"/>
-          <p:cNvSpPr txBox="1"/>
-          <p:nvPr/>
-        </p:nvSpPr>
-        <p:spPr>
-          <a:xfrm>
-            <a:off x="4149830" y="3268294"/>
-            <a:ext cx="646331" cy="369332"/>
-          </a:xfrm>
-          <a:prstGeom prst="rect">
-            <a:avLst/>
-          </a:prstGeom>
-          <a:noFill/>
-        </p:spPr>
-        <p:txBody>
-          <a:bodyPr wrap="none" rtlCol="0">
-            <a:spAutoFit/>
-          </a:bodyPr>
-          <a:lstStyle>
-            <a:defPPr>
-              <a:defRPr lang="zh-CN"/>
-            </a:defPPr>
-            <a:lvl1pPr marL="0" algn="l" defTabSz="914400" rtl="0" eaLnBrk="1" latinLnBrk="0" hangingPunct="1">
-              <a:defRPr sz="1800" kern="1200">
-                <a:solidFill>
-                  <a:schemeClr val="tx1"/>
-                </a:solidFill>
-                <a:latin typeface="+mn-lt"/>
-                <a:ea typeface="+mn-ea"/>
-                <a:cs typeface="+mn-cs"/>
-              </a:defRPr>
-            </a:lvl1pPr>
-            <a:lvl2pPr marL="457200" algn="l" defTabSz="914400" rtl="0" eaLnBrk="1" latinLnBrk="0" hangingPunct="1">
-              <a:defRPr sz="1800" kern="1200">
-                <a:solidFill>
-                  <a:schemeClr val="tx1"/>
-                </a:solidFill>
-                <a:latin typeface="+mn-lt"/>
-                <a:ea typeface="+mn-ea"/>
-                <a:cs typeface="+mn-cs"/>
-              </a:defRPr>
-            </a:lvl2pPr>
-            <a:lvl3pPr marL="914400" algn="l" defTabSz="914400" rtl="0" eaLnBrk="1" latinLnBrk="0" hangingPunct="1">
-              <a:defRPr sz="1800" kern="1200">
-                <a:solidFill>
-                  <a:schemeClr val="tx1"/>
-                </a:solidFill>
-                <a:latin typeface="+mn-lt"/>
-                <a:ea typeface="+mn-ea"/>
-                <a:cs typeface="+mn-cs"/>
-              </a:defRPr>
-            </a:lvl3pPr>
-            <a:lvl4pPr marL="1371600" algn="l" defTabSz="914400" rtl="0" eaLnBrk="1" latinLnBrk="0" hangingPunct="1">
-              <a:defRPr sz="1800" kern="1200">
-                <a:solidFill>
-                  <a:schemeClr val="tx1"/>
-                </a:solidFill>
-                <a:latin typeface="+mn-lt"/>
-                <a:ea typeface="+mn-ea"/>
-                <a:cs typeface="+mn-cs"/>
-              </a:defRPr>
-            </a:lvl4pPr>
-            <a:lvl5pPr marL="1828800" algn="l" defTabSz="914400" rtl="0" eaLnBrk="1" latinLnBrk="0" hangingPunct="1">
-              <a:defRPr sz="1800" kern="1200">
-                <a:solidFill>
-                  <a:schemeClr val="tx1"/>
-                </a:solidFill>
-                <a:latin typeface="+mn-lt"/>
-                <a:ea typeface="+mn-ea"/>
-                <a:cs typeface="+mn-cs"/>
-              </a:defRPr>
-            </a:lvl5pPr>
-            <a:lvl6pPr marL="2286000" algn="l" defTabSz="914400" rtl="0" eaLnBrk="1" latinLnBrk="0" hangingPunct="1">
-              <a:defRPr sz="1800" kern="1200">
-                <a:solidFill>
-                  <a:schemeClr val="tx1"/>
-                </a:solidFill>
-                <a:latin typeface="+mn-lt"/>
-                <a:ea typeface="+mn-ea"/>
-                <a:cs typeface="+mn-cs"/>
-              </a:defRPr>
-            </a:lvl6pPr>
-            <a:lvl7pPr marL="2743200" algn="l" defTabSz="914400" rtl="0" eaLnBrk="1" latinLnBrk="0" hangingPunct="1">
-              <a:defRPr sz="1800" kern="1200">
-                <a:solidFill>
-                  <a:schemeClr val="tx1"/>
-                </a:solidFill>
-                <a:latin typeface="+mn-lt"/>
-                <a:ea typeface="+mn-ea"/>
-                <a:cs typeface="+mn-cs"/>
-              </a:defRPr>
-            </a:lvl7pPr>
-            <a:lvl8pPr marL="3200400" algn="l" defTabSz="914400" rtl="0" eaLnBrk="1" latinLnBrk="0" hangingPunct="1">
-              <a:defRPr sz="1800" kern="1200">
-                <a:solidFill>
-                  <a:schemeClr val="tx1"/>
-                </a:solidFill>
-                <a:latin typeface="+mn-lt"/>
-                <a:ea typeface="+mn-ea"/>
-                <a:cs typeface="+mn-cs"/>
-              </a:defRPr>
-            </a:lvl8pPr>
-            <a:lvl9pPr marL="3657600" algn="l" defTabSz="914400" rtl="0" eaLnBrk="1" latinLnBrk="0" hangingPunct="1">
-              <a:defRPr sz="1800" kern="1200">
-                <a:solidFill>
-                  <a:schemeClr val="tx1"/>
-                </a:solidFill>
-                <a:latin typeface="+mn-lt"/>
-                <a:ea typeface="+mn-ea"/>
-                <a:cs typeface="+mn-cs"/>
-              </a:defRPr>
-            </a:lvl9pPr>
-          </a:lstStyle>
-          <a:p>
-            <a:r>
-              <a:rPr lang="zh-CN" altLang="en-US" dirty="0"/>
-              <a:t>悲伤</a:t>
-            </a:r>
-          </a:p>
-        </p:txBody>
-      </p:sp>
-      <p:sp>
-        <p:nvSpPr>
-          <p:cNvPr id="17" name="文本框 10"/>
-          <p:cNvSpPr txBox="1"/>
-          <p:nvPr/>
-        </p:nvSpPr>
-        <p:spPr>
-          <a:xfrm>
-            <a:off x="4897775" y="4410381"/>
-            <a:ext cx="646331" cy="369332"/>
-          </a:xfrm>
-          <a:prstGeom prst="rect">
-            <a:avLst/>
-          </a:prstGeom>
-          <a:noFill/>
-        </p:spPr>
-        <p:txBody>
-          <a:bodyPr wrap="none" rtlCol="0">
-            <a:spAutoFit/>
-          </a:bodyPr>
-          <a:lstStyle>
-            <a:defPPr>
-              <a:defRPr lang="zh-CN"/>
-            </a:defPPr>
-            <a:lvl1pPr marL="0" algn="l" defTabSz="914400" rtl="0" eaLnBrk="1" latinLnBrk="0" hangingPunct="1">
-              <a:defRPr sz="1800" kern="1200">
-                <a:solidFill>
-                  <a:schemeClr val="tx1"/>
-                </a:solidFill>
-                <a:latin typeface="+mn-lt"/>
-                <a:ea typeface="+mn-ea"/>
-                <a:cs typeface="+mn-cs"/>
-              </a:defRPr>
-            </a:lvl1pPr>
-            <a:lvl2pPr marL="457200" algn="l" defTabSz="914400" rtl="0" eaLnBrk="1" latinLnBrk="0" hangingPunct="1">
-              <a:defRPr sz="1800" kern="1200">
-                <a:solidFill>
-                  <a:schemeClr val="tx1"/>
-                </a:solidFill>
-                <a:latin typeface="+mn-lt"/>
-                <a:ea typeface="+mn-ea"/>
-                <a:cs typeface="+mn-cs"/>
-              </a:defRPr>
-            </a:lvl2pPr>
-            <a:lvl3pPr marL="914400" algn="l" defTabSz="914400" rtl="0" eaLnBrk="1" latinLnBrk="0" hangingPunct="1">
-              <a:defRPr sz="1800" kern="1200">
-                <a:solidFill>
-                  <a:schemeClr val="tx1"/>
-                </a:solidFill>
-                <a:latin typeface="+mn-lt"/>
-                <a:ea typeface="+mn-ea"/>
-                <a:cs typeface="+mn-cs"/>
-              </a:defRPr>
-            </a:lvl3pPr>
-            <a:lvl4pPr marL="1371600" algn="l" defTabSz="914400" rtl="0" eaLnBrk="1" latinLnBrk="0" hangingPunct="1">
-              <a:defRPr sz="1800" kern="1200">
-                <a:solidFill>
-                  <a:schemeClr val="tx1"/>
-                </a:solidFill>
-                <a:latin typeface="+mn-lt"/>
-                <a:ea typeface="+mn-ea"/>
-                <a:cs typeface="+mn-cs"/>
-              </a:defRPr>
-            </a:lvl4pPr>
-            <a:lvl5pPr marL="1828800" algn="l" defTabSz="914400" rtl="0" eaLnBrk="1" latinLnBrk="0" hangingPunct="1">
-              <a:defRPr sz="1800" kern="1200">
-                <a:solidFill>
-                  <a:schemeClr val="tx1"/>
-                </a:solidFill>
-                <a:latin typeface="+mn-lt"/>
-                <a:ea typeface="+mn-ea"/>
-                <a:cs typeface="+mn-cs"/>
-              </a:defRPr>
-            </a:lvl5pPr>
-            <a:lvl6pPr marL="2286000" algn="l" defTabSz="914400" rtl="0" eaLnBrk="1" latinLnBrk="0" hangingPunct="1">
-              <a:defRPr sz="1800" kern="1200">
-                <a:solidFill>
-                  <a:schemeClr val="tx1"/>
-                </a:solidFill>
-                <a:latin typeface="+mn-lt"/>
-                <a:ea typeface="+mn-ea"/>
-                <a:cs typeface="+mn-cs"/>
-              </a:defRPr>
-            </a:lvl6pPr>
-            <a:lvl7pPr marL="2743200" algn="l" defTabSz="914400" rtl="0" eaLnBrk="1" latinLnBrk="0" hangingPunct="1">
-              <a:defRPr sz="1800" kern="1200">
-                <a:solidFill>
-                  <a:schemeClr val="tx1"/>
-                </a:solidFill>
-                <a:latin typeface="+mn-lt"/>
-                <a:ea typeface="+mn-ea"/>
-                <a:cs typeface="+mn-cs"/>
-              </a:defRPr>
-            </a:lvl7pPr>
-            <a:lvl8pPr marL="3200400" algn="l" defTabSz="914400" rtl="0" eaLnBrk="1" latinLnBrk="0" hangingPunct="1">
-              <a:defRPr sz="1800" kern="1200">
-                <a:solidFill>
-                  <a:schemeClr val="tx1"/>
-                </a:solidFill>
-                <a:latin typeface="+mn-lt"/>
-                <a:ea typeface="+mn-ea"/>
-                <a:cs typeface="+mn-cs"/>
-              </a:defRPr>
-            </a:lvl8pPr>
-            <a:lvl9pPr marL="3657600" algn="l" defTabSz="914400" rtl="0" eaLnBrk="1" latinLnBrk="0" hangingPunct="1">
-              <a:defRPr sz="1800" kern="1200">
-                <a:solidFill>
-                  <a:schemeClr val="tx1"/>
-                </a:solidFill>
-                <a:latin typeface="+mn-lt"/>
-                <a:ea typeface="+mn-ea"/>
-                <a:cs typeface="+mn-cs"/>
-              </a:defRPr>
-            </a:lvl9pPr>
-          </a:lstStyle>
-          <a:p>
-            <a:r>
-              <a:rPr lang="zh-CN" altLang="en-US" dirty="0"/>
-              <a:t>疲劳</a:t>
-            </a:r>
-          </a:p>
-        </p:txBody>
-      </p:sp>
-      <p:sp>
-        <p:nvSpPr>
-          <p:cNvPr id="18" name="文本框 10"/>
-          <p:cNvSpPr txBox="1"/>
-          <p:nvPr/>
-        </p:nvSpPr>
-        <p:spPr>
-          <a:xfrm>
-            <a:off x="4827712" y="1622851"/>
-            <a:ext cx="646331" cy="369332"/>
-          </a:xfrm>
-          <a:prstGeom prst="rect">
-            <a:avLst/>
-          </a:prstGeom>
-          <a:noFill/>
-        </p:spPr>
-        <p:txBody>
-          <a:bodyPr wrap="none" rtlCol="0">
-            <a:spAutoFit/>
-          </a:bodyPr>
-          <a:lstStyle>
-            <a:defPPr>
-              <a:defRPr lang="zh-CN"/>
-            </a:defPPr>
-            <a:lvl1pPr marL="0" algn="l" defTabSz="914400" rtl="0" eaLnBrk="1" latinLnBrk="0" hangingPunct="1">
-              <a:defRPr sz="1800" kern="1200">
-                <a:solidFill>
-                  <a:schemeClr val="tx1"/>
-                </a:solidFill>
-                <a:latin typeface="+mn-lt"/>
-                <a:ea typeface="+mn-ea"/>
-                <a:cs typeface="+mn-cs"/>
-              </a:defRPr>
-            </a:lvl1pPr>
-            <a:lvl2pPr marL="457200" algn="l" defTabSz="914400" rtl="0" eaLnBrk="1" latinLnBrk="0" hangingPunct="1">
-              <a:defRPr sz="1800" kern="1200">
-                <a:solidFill>
-                  <a:schemeClr val="tx1"/>
-                </a:solidFill>
-                <a:latin typeface="+mn-lt"/>
-                <a:ea typeface="+mn-ea"/>
-                <a:cs typeface="+mn-cs"/>
-              </a:defRPr>
-            </a:lvl2pPr>
-            <a:lvl3pPr marL="914400" algn="l" defTabSz="914400" rtl="0" eaLnBrk="1" latinLnBrk="0" hangingPunct="1">
-              <a:defRPr sz="1800" kern="1200">
-                <a:solidFill>
-                  <a:schemeClr val="tx1"/>
-                </a:solidFill>
-                <a:latin typeface="+mn-lt"/>
-                <a:ea typeface="+mn-ea"/>
-                <a:cs typeface="+mn-cs"/>
-              </a:defRPr>
-            </a:lvl3pPr>
-            <a:lvl4pPr marL="1371600" algn="l" defTabSz="914400" rtl="0" eaLnBrk="1" latinLnBrk="0" hangingPunct="1">
-              <a:defRPr sz="1800" kern="1200">
-                <a:solidFill>
-                  <a:schemeClr val="tx1"/>
-                </a:solidFill>
-                <a:latin typeface="+mn-lt"/>
-                <a:ea typeface="+mn-ea"/>
-                <a:cs typeface="+mn-cs"/>
-              </a:defRPr>
-            </a:lvl4pPr>
-            <a:lvl5pPr marL="1828800" algn="l" defTabSz="914400" rtl="0" eaLnBrk="1" latinLnBrk="0" hangingPunct="1">
-              <a:defRPr sz="1800" kern="1200">
-                <a:solidFill>
-                  <a:schemeClr val="tx1"/>
-                </a:solidFill>
-                <a:latin typeface="+mn-lt"/>
-                <a:ea typeface="+mn-ea"/>
-                <a:cs typeface="+mn-cs"/>
-              </a:defRPr>
-            </a:lvl5pPr>
-            <a:lvl6pPr marL="2286000" algn="l" defTabSz="914400" rtl="0" eaLnBrk="1" latinLnBrk="0" hangingPunct="1">
-              <a:defRPr sz="1800" kern="1200">
-                <a:solidFill>
-                  <a:schemeClr val="tx1"/>
-                </a:solidFill>
-                <a:latin typeface="+mn-lt"/>
-                <a:ea typeface="+mn-ea"/>
-                <a:cs typeface="+mn-cs"/>
-              </a:defRPr>
-            </a:lvl6pPr>
-            <a:lvl7pPr marL="2743200" algn="l" defTabSz="914400" rtl="0" eaLnBrk="1" latinLnBrk="0" hangingPunct="1">
-              <a:defRPr sz="1800" kern="1200">
-                <a:solidFill>
-                  <a:schemeClr val="tx1"/>
-                </a:solidFill>
-                <a:latin typeface="+mn-lt"/>
-                <a:ea typeface="+mn-ea"/>
-                <a:cs typeface="+mn-cs"/>
-              </a:defRPr>
-            </a:lvl7pPr>
-            <a:lvl8pPr marL="3200400" algn="l" defTabSz="914400" rtl="0" eaLnBrk="1" latinLnBrk="0" hangingPunct="1">
-              <a:defRPr sz="1800" kern="1200">
-                <a:solidFill>
-                  <a:schemeClr val="tx1"/>
-                </a:solidFill>
-                <a:latin typeface="+mn-lt"/>
-                <a:ea typeface="+mn-ea"/>
-                <a:cs typeface="+mn-cs"/>
-              </a:defRPr>
-            </a:lvl8pPr>
-            <a:lvl9pPr marL="3657600" algn="l" defTabSz="914400" rtl="0" eaLnBrk="1" latinLnBrk="0" hangingPunct="1">
-              <a:defRPr sz="1800" kern="1200">
-                <a:solidFill>
-                  <a:schemeClr val="tx1"/>
-                </a:solidFill>
-                <a:latin typeface="+mn-lt"/>
-                <a:ea typeface="+mn-ea"/>
-                <a:cs typeface="+mn-cs"/>
-              </a:defRPr>
-            </a:lvl9pPr>
-          </a:lstStyle>
-          <a:p>
-            <a:r>
-              <a:rPr lang="zh-CN" altLang="en-US" dirty="0"/>
-              <a:t>紧张</a:t>
-            </a:r>
-          </a:p>
-        </p:txBody>
-      </p:sp>
-      <p:sp>
-        <p:nvSpPr>
-          <p:cNvPr id="19" name="文本框 10"/>
-          <p:cNvSpPr txBox="1"/>
-          <p:nvPr/>
-        </p:nvSpPr>
-        <p:spPr>
-          <a:xfrm>
-            <a:off x="4251444" y="2407902"/>
-            <a:ext cx="646331" cy="369332"/>
-          </a:xfrm>
-          <a:prstGeom prst="rect">
-            <a:avLst/>
-          </a:prstGeom>
-          <a:noFill/>
-        </p:spPr>
-        <p:txBody>
-          <a:bodyPr wrap="none" rtlCol="0">
-            <a:spAutoFit/>
-          </a:bodyPr>
-          <a:lstStyle>
-            <a:defPPr>
-              <a:defRPr lang="zh-CN"/>
-            </a:defPPr>
-            <a:lvl1pPr marL="0" algn="l" defTabSz="914400" rtl="0" eaLnBrk="1" latinLnBrk="0" hangingPunct="1">
-              <a:defRPr sz="1800" kern="1200">
-                <a:solidFill>
-                  <a:schemeClr val="tx1"/>
-                </a:solidFill>
-                <a:latin typeface="+mn-lt"/>
-                <a:ea typeface="+mn-ea"/>
-                <a:cs typeface="+mn-cs"/>
-              </a:defRPr>
-            </a:lvl1pPr>
-            <a:lvl2pPr marL="457200" algn="l" defTabSz="914400" rtl="0" eaLnBrk="1" latinLnBrk="0" hangingPunct="1">
-              <a:defRPr sz="1800" kern="1200">
-                <a:solidFill>
-                  <a:schemeClr val="tx1"/>
-                </a:solidFill>
-                <a:latin typeface="+mn-lt"/>
-                <a:ea typeface="+mn-ea"/>
-                <a:cs typeface="+mn-cs"/>
-              </a:defRPr>
-            </a:lvl2pPr>
-            <a:lvl3pPr marL="914400" algn="l" defTabSz="914400" rtl="0" eaLnBrk="1" latinLnBrk="0" hangingPunct="1">
-              <a:defRPr sz="1800" kern="1200">
-                <a:solidFill>
-                  <a:schemeClr val="tx1"/>
-                </a:solidFill>
-                <a:latin typeface="+mn-lt"/>
-                <a:ea typeface="+mn-ea"/>
-                <a:cs typeface="+mn-cs"/>
-              </a:defRPr>
-            </a:lvl3pPr>
-            <a:lvl4pPr marL="1371600" algn="l" defTabSz="914400" rtl="0" eaLnBrk="1" latinLnBrk="0" hangingPunct="1">
-              <a:defRPr sz="1800" kern="1200">
-                <a:solidFill>
-                  <a:schemeClr val="tx1"/>
-                </a:solidFill>
-                <a:latin typeface="+mn-lt"/>
-                <a:ea typeface="+mn-ea"/>
-                <a:cs typeface="+mn-cs"/>
-              </a:defRPr>
-            </a:lvl4pPr>
-            <a:lvl5pPr marL="1828800" algn="l" defTabSz="914400" rtl="0" eaLnBrk="1" latinLnBrk="0" hangingPunct="1">
-              <a:defRPr sz="1800" kern="1200">
-                <a:solidFill>
-                  <a:schemeClr val="tx1"/>
-                </a:solidFill>
-                <a:latin typeface="+mn-lt"/>
-                <a:ea typeface="+mn-ea"/>
-                <a:cs typeface="+mn-cs"/>
-              </a:defRPr>
-            </a:lvl5pPr>
-            <a:lvl6pPr marL="2286000" algn="l" defTabSz="914400" rtl="0" eaLnBrk="1" latinLnBrk="0" hangingPunct="1">
-              <a:defRPr sz="1800" kern="1200">
-                <a:solidFill>
-                  <a:schemeClr val="tx1"/>
-                </a:solidFill>
-                <a:latin typeface="+mn-lt"/>
-                <a:ea typeface="+mn-ea"/>
-                <a:cs typeface="+mn-cs"/>
-              </a:defRPr>
-            </a:lvl6pPr>
-            <a:lvl7pPr marL="2743200" algn="l" defTabSz="914400" rtl="0" eaLnBrk="1" latinLnBrk="0" hangingPunct="1">
-              <a:defRPr sz="1800" kern="1200">
-                <a:solidFill>
-                  <a:schemeClr val="tx1"/>
-                </a:solidFill>
-                <a:latin typeface="+mn-lt"/>
-                <a:ea typeface="+mn-ea"/>
-                <a:cs typeface="+mn-cs"/>
-              </a:defRPr>
-            </a:lvl7pPr>
-            <a:lvl8pPr marL="3200400" algn="l" defTabSz="914400" rtl="0" eaLnBrk="1" latinLnBrk="0" hangingPunct="1">
-              <a:defRPr sz="1800" kern="1200">
-                <a:solidFill>
-                  <a:schemeClr val="tx1"/>
-                </a:solidFill>
-                <a:latin typeface="+mn-lt"/>
-                <a:ea typeface="+mn-ea"/>
-                <a:cs typeface="+mn-cs"/>
-              </a:defRPr>
-            </a:lvl8pPr>
-            <a:lvl9pPr marL="3657600" algn="l" defTabSz="914400" rtl="0" eaLnBrk="1" latinLnBrk="0" hangingPunct="1">
-              <a:defRPr sz="1800" kern="1200">
-                <a:solidFill>
-                  <a:schemeClr val="tx1"/>
-                </a:solidFill>
-                <a:latin typeface="+mn-lt"/>
-                <a:ea typeface="+mn-ea"/>
-                <a:cs typeface="+mn-cs"/>
-              </a:defRPr>
-            </a:lvl9pPr>
-          </a:lstStyle>
-          <a:p>
-            <a:r>
-              <a:rPr lang="zh-CN" altLang="en-US" dirty="0"/>
-              <a:t>生气</a:t>
-            </a:r>
-          </a:p>
-        </p:txBody>
-      </p:sp>
-      <p:sp>
-        <p:nvSpPr>
-          <p:cNvPr id="22" name="文本框 10"/>
-          <p:cNvSpPr txBox="1"/>
-          <p:nvPr/>
-        </p:nvSpPr>
-        <p:spPr>
-          <a:xfrm>
-            <a:off x="5354104" y="4860439"/>
-            <a:ext cx="646331" cy="369332"/>
-          </a:xfrm>
-          <a:prstGeom prst="rect">
-            <a:avLst/>
-          </a:prstGeom>
-          <a:noFill/>
-        </p:spPr>
-        <p:txBody>
-          <a:bodyPr wrap="none" rtlCol="0">
-            <a:spAutoFit/>
-          </a:bodyPr>
-          <a:lstStyle>
-            <a:defPPr>
-              <a:defRPr lang="zh-CN"/>
-            </a:defPPr>
-            <a:lvl1pPr marL="0" algn="l" defTabSz="914400" rtl="0" eaLnBrk="1" latinLnBrk="0" hangingPunct="1">
-              <a:defRPr sz="1800" kern="1200">
-                <a:solidFill>
-                  <a:schemeClr val="tx1"/>
-                </a:solidFill>
-                <a:latin typeface="+mn-lt"/>
-                <a:ea typeface="+mn-ea"/>
-                <a:cs typeface="+mn-cs"/>
-              </a:defRPr>
-            </a:lvl1pPr>
-            <a:lvl2pPr marL="457200" algn="l" defTabSz="914400" rtl="0" eaLnBrk="1" latinLnBrk="0" hangingPunct="1">
-              <a:defRPr sz="1800" kern="1200">
-                <a:solidFill>
-                  <a:schemeClr val="tx1"/>
-                </a:solidFill>
-                <a:latin typeface="+mn-lt"/>
-                <a:ea typeface="+mn-ea"/>
-                <a:cs typeface="+mn-cs"/>
-              </a:defRPr>
-            </a:lvl2pPr>
-            <a:lvl3pPr marL="914400" algn="l" defTabSz="914400" rtl="0" eaLnBrk="1" latinLnBrk="0" hangingPunct="1">
-              <a:defRPr sz="1800" kern="1200">
-                <a:solidFill>
-                  <a:schemeClr val="tx1"/>
-                </a:solidFill>
-                <a:latin typeface="+mn-lt"/>
-                <a:ea typeface="+mn-ea"/>
-                <a:cs typeface="+mn-cs"/>
-              </a:defRPr>
-            </a:lvl3pPr>
-            <a:lvl4pPr marL="1371600" algn="l" defTabSz="914400" rtl="0" eaLnBrk="1" latinLnBrk="0" hangingPunct="1">
-              <a:defRPr sz="1800" kern="1200">
-                <a:solidFill>
-                  <a:schemeClr val="tx1"/>
-                </a:solidFill>
-                <a:latin typeface="+mn-lt"/>
-                <a:ea typeface="+mn-ea"/>
-                <a:cs typeface="+mn-cs"/>
-              </a:defRPr>
-            </a:lvl4pPr>
-            <a:lvl5pPr marL="1828800" algn="l" defTabSz="914400" rtl="0" eaLnBrk="1" latinLnBrk="0" hangingPunct="1">
-              <a:defRPr sz="1800" kern="1200">
-                <a:solidFill>
-                  <a:schemeClr val="tx1"/>
-                </a:solidFill>
-                <a:latin typeface="+mn-lt"/>
-                <a:ea typeface="+mn-ea"/>
-                <a:cs typeface="+mn-cs"/>
-              </a:defRPr>
-            </a:lvl5pPr>
-            <a:lvl6pPr marL="2286000" algn="l" defTabSz="914400" rtl="0" eaLnBrk="1" latinLnBrk="0" hangingPunct="1">
-              <a:defRPr sz="1800" kern="1200">
-                <a:solidFill>
-                  <a:schemeClr val="tx1"/>
-                </a:solidFill>
-                <a:latin typeface="+mn-lt"/>
-                <a:ea typeface="+mn-ea"/>
-                <a:cs typeface="+mn-cs"/>
-              </a:defRPr>
-            </a:lvl6pPr>
-            <a:lvl7pPr marL="2743200" algn="l" defTabSz="914400" rtl="0" eaLnBrk="1" latinLnBrk="0" hangingPunct="1">
-              <a:defRPr sz="1800" kern="1200">
-                <a:solidFill>
-                  <a:schemeClr val="tx1"/>
-                </a:solidFill>
-                <a:latin typeface="+mn-lt"/>
-                <a:ea typeface="+mn-ea"/>
-                <a:cs typeface="+mn-cs"/>
-              </a:defRPr>
-            </a:lvl7pPr>
-            <a:lvl8pPr marL="3200400" algn="l" defTabSz="914400" rtl="0" eaLnBrk="1" latinLnBrk="0" hangingPunct="1">
-              <a:defRPr sz="1800" kern="1200">
-                <a:solidFill>
-                  <a:schemeClr val="tx1"/>
-                </a:solidFill>
-                <a:latin typeface="+mn-lt"/>
-                <a:ea typeface="+mn-ea"/>
-                <a:cs typeface="+mn-cs"/>
-              </a:defRPr>
-            </a:lvl8pPr>
-            <a:lvl9pPr marL="3657600" algn="l" defTabSz="914400" rtl="0" eaLnBrk="1" latinLnBrk="0" hangingPunct="1">
-              <a:defRPr sz="1800" kern="1200">
-                <a:solidFill>
-                  <a:schemeClr val="tx1"/>
-                </a:solidFill>
-                <a:latin typeface="+mn-lt"/>
-                <a:ea typeface="+mn-ea"/>
-                <a:cs typeface="+mn-cs"/>
-              </a:defRPr>
-            </a:lvl9pPr>
-          </a:lstStyle>
-          <a:p>
-            <a:r>
-              <a:rPr lang="zh-CN" altLang="en-US" b="1" dirty="0"/>
-              <a:t>无聊</a:t>
-            </a:r>
-          </a:p>
-        </p:txBody>
-      </p:sp>
-      <p:sp>
-        <p:nvSpPr>
-          <p:cNvPr id="23" name="文本框 10"/>
-          <p:cNvSpPr txBox="1"/>
-          <p:nvPr/>
-        </p:nvSpPr>
-        <p:spPr>
-          <a:xfrm>
-            <a:off x="5354103" y="988215"/>
-            <a:ext cx="646331" cy="369332"/>
-          </a:xfrm>
-          <a:prstGeom prst="rect">
-            <a:avLst/>
-          </a:prstGeom>
-          <a:noFill/>
-        </p:spPr>
-        <p:txBody>
-          <a:bodyPr wrap="none" rtlCol="0">
-            <a:spAutoFit/>
-          </a:bodyPr>
-          <a:lstStyle>
-            <a:defPPr>
-              <a:defRPr lang="zh-CN"/>
-            </a:defPPr>
-            <a:lvl1pPr marL="0" algn="l" defTabSz="914400" rtl="0" eaLnBrk="1" latinLnBrk="0" hangingPunct="1">
-              <a:defRPr sz="1800" kern="1200">
-                <a:solidFill>
-                  <a:schemeClr val="tx1"/>
-                </a:solidFill>
-                <a:latin typeface="+mn-lt"/>
-                <a:ea typeface="+mn-ea"/>
-                <a:cs typeface="+mn-cs"/>
-              </a:defRPr>
-            </a:lvl1pPr>
-            <a:lvl2pPr marL="457200" algn="l" defTabSz="914400" rtl="0" eaLnBrk="1" latinLnBrk="0" hangingPunct="1">
-              <a:defRPr sz="1800" kern="1200">
-                <a:solidFill>
-                  <a:schemeClr val="tx1"/>
-                </a:solidFill>
-                <a:latin typeface="+mn-lt"/>
-                <a:ea typeface="+mn-ea"/>
-                <a:cs typeface="+mn-cs"/>
-              </a:defRPr>
-            </a:lvl2pPr>
-            <a:lvl3pPr marL="914400" algn="l" defTabSz="914400" rtl="0" eaLnBrk="1" latinLnBrk="0" hangingPunct="1">
-              <a:defRPr sz="1800" kern="1200">
-                <a:solidFill>
-                  <a:schemeClr val="tx1"/>
-                </a:solidFill>
-                <a:latin typeface="+mn-lt"/>
-                <a:ea typeface="+mn-ea"/>
-                <a:cs typeface="+mn-cs"/>
-              </a:defRPr>
-            </a:lvl3pPr>
-            <a:lvl4pPr marL="1371600" algn="l" defTabSz="914400" rtl="0" eaLnBrk="1" latinLnBrk="0" hangingPunct="1">
-              <a:defRPr sz="1800" kern="1200">
-                <a:solidFill>
-                  <a:schemeClr val="tx1"/>
-                </a:solidFill>
-                <a:latin typeface="+mn-lt"/>
-                <a:ea typeface="+mn-ea"/>
-                <a:cs typeface="+mn-cs"/>
-              </a:defRPr>
-            </a:lvl4pPr>
-            <a:lvl5pPr marL="1828800" algn="l" defTabSz="914400" rtl="0" eaLnBrk="1" latinLnBrk="0" hangingPunct="1">
-              <a:defRPr sz="1800" kern="1200">
-                <a:solidFill>
-                  <a:schemeClr val="tx1"/>
-                </a:solidFill>
-                <a:latin typeface="+mn-lt"/>
-                <a:ea typeface="+mn-ea"/>
-                <a:cs typeface="+mn-cs"/>
-              </a:defRPr>
-            </a:lvl5pPr>
-            <a:lvl6pPr marL="2286000" algn="l" defTabSz="914400" rtl="0" eaLnBrk="1" latinLnBrk="0" hangingPunct="1">
-              <a:defRPr sz="1800" kern="1200">
-                <a:solidFill>
-                  <a:schemeClr val="tx1"/>
-                </a:solidFill>
-                <a:latin typeface="+mn-lt"/>
-                <a:ea typeface="+mn-ea"/>
-                <a:cs typeface="+mn-cs"/>
-              </a:defRPr>
-            </a:lvl6pPr>
-            <a:lvl7pPr marL="2743200" algn="l" defTabSz="914400" rtl="0" eaLnBrk="1" latinLnBrk="0" hangingPunct="1">
-              <a:defRPr sz="1800" kern="1200">
-                <a:solidFill>
-                  <a:schemeClr val="tx1"/>
-                </a:solidFill>
-                <a:latin typeface="+mn-lt"/>
-                <a:ea typeface="+mn-ea"/>
-                <a:cs typeface="+mn-cs"/>
-              </a:defRPr>
-            </a:lvl7pPr>
-            <a:lvl8pPr marL="3200400" algn="l" defTabSz="914400" rtl="0" eaLnBrk="1" latinLnBrk="0" hangingPunct="1">
-              <a:defRPr sz="1800" kern="1200">
-                <a:solidFill>
-                  <a:schemeClr val="tx1"/>
-                </a:solidFill>
-                <a:latin typeface="+mn-lt"/>
-                <a:ea typeface="+mn-ea"/>
-                <a:cs typeface="+mn-cs"/>
-              </a:defRPr>
-            </a:lvl8pPr>
-            <a:lvl9pPr marL="3657600" algn="l" defTabSz="914400" rtl="0" eaLnBrk="1" latinLnBrk="0" hangingPunct="1">
-              <a:defRPr sz="1800" kern="1200">
-                <a:solidFill>
-                  <a:schemeClr val="tx1"/>
-                </a:solidFill>
-                <a:latin typeface="+mn-lt"/>
-                <a:ea typeface="+mn-ea"/>
-                <a:cs typeface="+mn-cs"/>
-              </a:defRPr>
-            </a:lvl9pPr>
-          </a:lstStyle>
-          <a:p>
-            <a:r>
-              <a:rPr lang="zh-CN" altLang="en-US" b="1" dirty="0"/>
-              <a:t>兴奋</a:t>
-            </a:r>
-          </a:p>
-        </p:txBody>
-      </p:sp>
-      <p:sp>
-        <p:nvSpPr>
-          <p:cNvPr id="24" name="文本框 10"/>
-          <p:cNvSpPr txBox="1"/>
-          <p:nvPr/>
-        </p:nvSpPr>
-        <p:spPr>
-          <a:xfrm>
-            <a:off x="7503057" y="2931395"/>
-            <a:ext cx="646331" cy="369332"/>
-          </a:xfrm>
-          <a:prstGeom prst="rect">
-            <a:avLst/>
-          </a:prstGeom>
-          <a:noFill/>
-        </p:spPr>
-        <p:txBody>
-          <a:bodyPr wrap="none" rtlCol="0">
-            <a:spAutoFit/>
-          </a:bodyPr>
-          <a:lstStyle>
-            <a:defPPr>
-              <a:defRPr lang="zh-CN"/>
-            </a:defPPr>
-            <a:lvl1pPr marL="0" algn="l" defTabSz="914400" rtl="0" eaLnBrk="1" latinLnBrk="0" hangingPunct="1">
-              <a:defRPr sz="1800" kern="1200">
-                <a:solidFill>
-                  <a:schemeClr val="tx1"/>
-                </a:solidFill>
-                <a:latin typeface="+mn-lt"/>
-                <a:ea typeface="+mn-ea"/>
-                <a:cs typeface="+mn-cs"/>
-              </a:defRPr>
-            </a:lvl1pPr>
-            <a:lvl2pPr marL="457200" algn="l" defTabSz="914400" rtl="0" eaLnBrk="1" latinLnBrk="0" hangingPunct="1">
-              <a:defRPr sz="1800" kern="1200">
-                <a:solidFill>
-                  <a:schemeClr val="tx1"/>
-                </a:solidFill>
-                <a:latin typeface="+mn-lt"/>
-                <a:ea typeface="+mn-ea"/>
-                <a:cs typeface="+mn-cs"/>
-              </a:defRPr>
-            </a:lvl2pPr>
-            <a:lvl3pPr marL="914400" algn="l" defTabSz="914400" rtl="0" eaLnBrk="1" latinLnBrk="0" hangingPunct="1">
-              <a:defRPr sz="1800" kern="1200">
-                <a:solidFill>
-                  <a:schemeClr val="tx1"/>
-                </a:solidFill>
-                <a:latin typeface="+mn-lt"/>
-                <a:ea typeface="+mn-ea"/>
-                <a:cs typeface="+mn-cs"/>
-              </a:defRPr>
-            </a:lvl3pPr>
-            <a:lvl4pPr marL="1371600" algn="l" defTabSz="914400" rtl="0" eaLnBrk="1" latinLnBrk="0" hangingPunct="1">
-              <a:defRPr sz="1800" kern="1200">
-                <a:solidFill>
-                  <a:schemeClr val="tx1"/>
-                </a:solidFill>
-                <a:latin typeface="+mn-lt"/>
-                <a:ea typeface="+mn-ea"/>
-                <a:cs typeface="+mn-cs"/>
-              </a:defRPr>
-            </a:lvl4pPr>
-            <a:lvl5pPr marL="1828800" algn="l" defTabSz="914400" rtl="0" eaLnBrk="1" latinLnBrk="0" hangingPunct="1">
-              <a:defRPr sz="1800" kern="1200">
-                <a:solidFill>
-                  <a:schemeClr val="tx1"/>
-                </a:solidFill>
-                <a:latin typeface="+mn-lt"/>
-                <a:ea typeface="+mn-ea"/>
-                <a:cs typeface="+mn-cs"/>
-              </a:defRPr>
-            </a:lvl5pPr>
-            <a:lvl6pPr marL="2286000" algn="l" defTabSz="914400" rtl="0" eaLnBrk="1" latinLnBrk="0" hangingPunct="1">
-              <a:defRPr sz="1800" kern="1200">
-                <a:solidFill>
-                  <a:schemeClr val="tx1"/>
-                </a:solidFill>
-                <a:latin typeface="+mn-lt"/>
-                <a:ea typeface="+mn-ea"/>
-                <a:cs typeface="+mn-cs"/>
-              </a:defRPr>
-            </a:lvl6pPr>
-            <a:lvl7pPr marL="2743200" algn="l" defTabSz="914400" rtl="0" eaLnBrk="1" latinLnBrk="0" hangingPunct="1">
-              <a:defRPr sz="1800" kern="1200">
-                <a:solidFill>
-                  <a:schemeClr val="tx1"/>
-                </a:solidFill>
-                <a:latin typeface="+mn-lt"/>
-                <a:ea typeface="+mn-ea"/>
-                <a:cs typeface="+mn-cs"/>
-              </a:defRPr>
-            </a:lvl7pPr>
-            <a:lvl8pPr marL="3200400" algn="l" defTabSz="914400" rtl="0" eaLnBrk="1" latinLnBrk="0" hangingPunct="1">
-              <a:defRPr sz="1800" kern="1200">
-                <a:solidFill>
-                  <a:schemeClr val="tx1"/>
-                </a:solidFill>
-                <a:latin typeface="+mn-lt"/>
-                <a:ea typeface="+mn-ea"/>
-                <a:cs typeface="+mn-cs"/>
-              </a:defRPr>
-            </a:lvl8pPr>
-            <a:lvl9pPr marL="3657600" algn="l" defTabSz="914400" rtl="0" eaLnBrk="1" latinLnBrk="0" hangingPunct="1">
-              <a:defRPr sz="1800" kern="1200">
-                <a:solidFill>
-                  <a:schemeClr val="tx1"/>
-                </a:solidFill>
-                <a:latin typeface="+mn-lt"/>
-                <a:ea typeface="+mn-ea"/>
-                <a:cs typeface="+mn-cs"/>
-              </a:defRPr>
-            </a:lvl9pPr>
-          </a:lstStyle>
-          <a:p>
-            <a:r>
-              <a:rPr lang="zh-CN" altLang="en-US" b="1" dirty="0"/>
-              <a:t>愉快</a:t>
-            </a:r>
-          </a:p>
-        </p:txBody>
-      </p:sp>
-      <p:sp>
-        <p:nvSpPr>
-          <p:cNvPr id="25" name="文本框 10"/>
-          <p:cNvSpPr txBox="1"/>
-          <p:nvPr/>
-        </p:nvSpPr>
-        <p:spPr>
-          <a:xfrm>
-            <a:off x="3236937" y="2931395"/>
-            <a:ext cx="646331" cy="369332"/>
-          </a:xfrm>
-          <a:prstGeom prst="rect">
-            <a:avLst/>
-          </a:prstGeom>
-          <a:noFill/>
-        </p:spPr>
-        <p:txBody>
-          <a:bodyPr wrap="none" rtlCol="0">
-            <a:spAutoFit/>
-          </a:bodyPr>
-          <a:lstStyle>
-            <a:defPPr>
-              <a:defRPr lang="zh-CN"/>
-            </a:defPPr>
-            <a:lvl1pPr marL="0" algn="l" defTabSz="914400" rtl="0" eaLnBrk="1" latinLnBrk="0" hangingPunct="1">
-              <a:defRPr sz="1800" kern="1200">
-                <a:solidFill>
-                  <a:schemeClr val="tx1"/>
-                </a:solidFill>
-                <a:latin typeface="+mn-lt"/>
-                <a:ea typeface="+mn-ea"/>
-                <a:cs typeface="+mn-cs"/>
-              </a:defRPr>
-            </a:lvl1pPr>
-            <a:lvl2pPr marL="457200" algn="l" defTabSz="914400" rtl="0" eaLnBrk="1" latinLnBrk="0" hangingPunct="1">
-              <a:defRPr sz="1800" kern="1200">
-                <a:solidFill>
-                  <a:schemeClr val="tx1"/>
-                </a:solidFill>
-                <a:latin typeface="+mn-lt"/>
-                <a:ea typeface="+mn-ea"/>
-                <a:cs typeface="+mn-cs"/>
-              </a:defRPr>
-            </a:lvl2pPr>
-            <a:lvl3pPr marL="914400" algn="l" defTabSz="914400" rtl="0" eaLnBrk="1" latinLnBrk="0" hangingPunct="1">
-              <a:defRPr sz="1800" kern="1200">
-                <a:solidFill>
-                  <a:schemeClr val="tx1"/>
-                </a:solidFill>
-                <a:latin typeface="+mn-lt"/>
-                <a:ea typeface="+mn-ea"/>
-                <a:cs typeface="+mn-cs"/>
-              </a:defRPr>
-            </a:lvl3pPr>
-            <a:lvl4pPr marL="1371600" algn="l" defTabSz="914400" rtl="0" eaLnBrk="1" latinLnBrk="0" hangingPunct="1">
-              <a:defRPr sz="1800" kern="1200">
-                <a:solidFill>
-                  <a:schemeClr val="tx1"/>
-                </a:solidFill>
-                <a:latin typeface="+mn-lt"/>
-                <a:ea typeface="+mn-ea"/>
-                <a:cs typeface="+mn-cs"/>
-              </a:defRPr>
-            </a:lvl4pPr>
-            <a:lvl5pPr marL="1828800" algn="l" defTabSz="914400" rtl="0" eaLnBrk="1" latinLnBrk="0" hangingPunct="1">
-              <a:defRPr sz="1800" kern="1200">
-                <a:solidFill>
-                  <a:schemeClr val="tx1"/>
-                </a:solidFill>
-                <a:latin typeface="+mn-lt"/>
-                <a:ea typeface="+mn-ea"/>
-                <a:cs typeface="+mn-cs"/>
-              </a:defRPr>
-            </a:lvl5pPr>
-            <a:lvl6pPr marL="2286000" algn="l" defTabSz="914400" rtl="0" eaLnBrk="1" latinLnBrk="0" hangingPunct="1">
-              <a:defRPr sz="1800" kern="1200">
-                <a:solidFill>
-                  <a:schemeClr val="tx1"/>
-                </a:solidFill>
-                <a:latin typeface="+mn-lt"/>
-                <a:ea typeface="+mn-ea"/>
-                <a:cs typeface="+mn-cs"/>
-              </a:defRPr>
-            </a:lvl6pPr>
-            <a:lvl7pPr marL="2743200" algn="l" defTabSz="914400" rtl="0" eaLnBrk="1" latinLnBrk="0" hangingPunct="1">
-              <a:defRPr sz="1800" kern="1200">
-                <a:solidFill>
-                  <a:schemeClr val="tx1"/>
-                </a:solidFill>
-                <a:latin typeface="+mn-lt"/>
-                <a:ea typeface="+mn-ea"/>
-                <a:cs typeface="+mn-cs"/>
-              </a:defRPr>
-            </a:lvl7pPr>
-            <a:lvl8pPr marL="3200400" algn="l" defTabSz="914400" rtl="0" eaLnBrk="1" latinLnBrk="0" hangingPunct="1">
-              <a:defRPr sz="1800" kern="1200">
-                <a:solidFill>
-                  <a:schemeClr val="tx1"/>
-                </a:solidFill>
-                <a:latin typeface="+mn-lt"/>
-                <a:ea typeface="+mn-ea"/>
-                <a:cs typeface="+mn-cs"/>
-              </a:defRPr>
-            </a:lvl8pPr>
-            <a:lvl9pPr marL="3657600" algn="l" defTabSz="914400" rtl="0" eaLnBrk="1" latinLnBrk="0" hangingPunct="1">
-              <a:defRPr sz="1800" kern="1200">
-                <a:solidFill>
-                  <a:schemeClr val="tx1"/>
-                </a:solidFill>
-                <a:latin typeface="+mn-lt"/>
-                <a:ea typeface="+mn-ea"/>
-                <a:cs typeface="+mn-cs"/>
-              </a:defRPr>
-            </a:lvl9pPr>
-          </a:lstStyle>
-          <a:p>
-            <a:r>
-              <a:rPr lang="zh-CN" altLang="en-US" b="1" dirty="0"/>
-              <a:t>悲伤</a:t>
-            </a:r>
-          </a:p>
-        </p:txBody>
-      </p:sp>
-      <p:cxnSp>
-        <p:nvCxnSpPr>
-          <p:cNvPr id="27" name="直接箭头连接符 26"/>
-          <p:cNvCxnSpPr>
-            <a:stCxn id="5" idx="4"/>
-            <a:endCxn id="5" idx="0"/>
-          </p:cNvCxnSpPr>
-          <p:nvPr/>
-        </p:nvCxnSpPr>
-        <p:spPr>
-          <a:xfrm flipV="1">
-            <a:off x="5677270" y="1429305"/>
-            <a:ext cx="0" cy="3373513"/>
-          </a:xfrm>
-          <a:prstGeom prst="straightConnector1">
-            <a:avLst/>
-          </a:prstGeom>
           <a:ln>
-            <a:tailEnd type="triangle"/>
+            <a:noFill/>
           </a:ln>
         </p:spPr>
-        <p:style>
-          <a:lnRef idx="3">
-            <a:schemeClr val="dk1"/>
-          </a:lnRef>
-          <a:fillRef idx="0">
-            <a:schemeClr val="dk1"/>
-          </a:fillRef>
-          <a:effectRef idx="2">
-            <a:schemeClr val="dk1"/>
-          </a:effectRef>
-          <a:fontRef idx="minor">
-            <a:schemeClr val="tx1"/>
-          </a:fontRef>
-        </p:style>
-      </p:cxnSp>
-      <p:cxnSp>
-        <p:nvCxnSpPr>
-          <p:cNvPr id="30" name="直接箭头连接符 29"/>
-          <p:cNvCxnSpPr>
-            <a:stCxn id="5" idx="2"/>
-            <a:endCxn id="5" idx="6"/>
-          </p:cNvCxnSpPr>
-          <p:nvPr/>
-        </p:nvCxnSpPr>
-        <p:spPr>
-          <a:xfrm>
-            <a:off x="3915053" y="3116062"/>
-            <a:ext cx="3524434" cy="0"/>
-          </a:xfrm>
-          <a:prstGeom prst="straightConnector1">
-            <a:avLst/>
-          </a:prstGeom>
-          <a:ln>
-            <a:tailEnd type="triangle"/>
-          </a:ln>
-        </p:spPr>
-        <p:style>
-          <a:lnRef idx="3">
-            <a:schemeClr val="dk1"/>
-          </a:lnRef>
-          <a:fillRef idx="0">
-            <a:schemeClr val="dk1"/>
-          </a:fillRef>
-          <a:effectRef idx="2">
-            <a:schemeClr val="dk1"/>
-          </a:effectRef>
-          <a:fontRef idx="minor">
-            <a:schemeClr val="tx1"/>
-          </a:fontRef>
-        </p:style>
-      </p:cxnSp>
+      </p:pic>
     </p:spTree>
     <p:extLst>
       <p:ext uri="{BB962C8B-B14F-4D97-AF65-F5344CB8AC3E}">
-        <p14:creationId xmlns:p14="http://schemas.microsoft.com/office/powerpoint/2010/main" val="3826299921"/>
+        <p14:creationId xmlns:p14="http://schemas.microsoft.com/office/powerpoint/2010/main" val="3459790649"/>
       </p:ext>
     </p:extLst>
   </p:cSld>
@@ -14948,33 +13518,31 @@
       </p:grpSpPr>
       <p:sp>
         <p:nvSpPr>
-          <p:cNvPr id="5" name="矩形 4"/>
+          <p:cNvPr id="5" name="椭圆 4"/>
           <p:cNvSpPr/>
           <p:nvPr/>
         </p:nvSpPr>
         <p:spPr>
           <a:xfrm>
-            <a:off x="2138069" y="1404800"/>
-            <a:ext cx="791562" cy="457381"/>
-          </a:xfrm>
-          <a:prstGeom prst="rect">
+            <a:off x="3915053" y="1429305"/>
+            <a:ext cx="3524434" cy="3373513"/>
+          </a:xfrm>
+          <a:prstGeom prst="ellipse">
             <a:avLst/>
           </a:prstGeom>
         </p:spPr>
         <p:style>
           <a:lnRef idx="2">
-            <a:schemeClr val="accent1">
-              <a:shade val="50000"/>
-            </a:schemeClr>
+            <a:schemeClr val="dk1"/>
           </a:lnRef>
           <a:fillRef idx="1">
-            <a:schemeClr val="accent1"/>
+            <a:schemeClr val="lt1"/>
           </a:fillRef>
           <a:effectRef idx="0">
-            <a:schemeClr val="accent1"/>
+            <a:schemeClr val="dk1"/>
           </a:effectRef>
           <a:fontRef idx="minor">
-            <a:schemeClr val="lt1"/>
+            <a:schemeClr val="dk1"/>
           </a:fontRef>
         </p:style>
         <p:txBody>
@@ -14982,100 +13550,153 @@
           <a:lstStyle/>
           <a:p>
             <a:pPr algn="ctr"/>
-            <a:r>
-              <a:rPr lang="en-US" altLang="zh-CN" dirty="0">
-                <a:latin typeface="+mn-ea"/>
-              </a:rPr>
-              <a:t>EEG</a:t>
-            </a:r>
-            <a:endParaRPr lang="zh-CN" altLang="en-US" dirty="0">
-              <a:latin typeface="+mn-ea"/>
-            </a:endParaRPr>
-          </a:p>
-        </p:txBody>
-      </p:sp>
-      <p:sp>
-        <p:nvSpPr>
-          <p:cNvPr id="6" name="矩形 5"/>
-          <p:cNvSpPr/>
-          <p:nvPr/>
-        </p:nvSpPr>
-        <p:spPr>
-          <a:xfrm>
-            <a:off x="3861817" y="1331650"/>
-            <a:ext cx="791562" cy="603683"/>
-          </a:xfrm>
-          <a:prstGeom prst="rect">
+            <a:endParaRPr lang="zh-CN" altLang="en-US" dirty="0"/>
+          </a:p>
+        </p:txBody>
+      </p:sp>
+      <p:cxnSp>
+        <p:nvCxnSpPr>
+          <p:cNvPr id="8" name="直接连接符 7"/>
+          <p:cNvCxnSpPr>
+            <a:stCxn id="5" idx="0"/>
+            <a:endCxn id="5" idx="4"/>
+          </p:cNvCxnSpPr>
+          <p:nvPr/>
+        </p:nvCxnSpPr>
+        <p:spPr>
+          <a:xfrm>
+            <a:off x="5677270" y="1429305"/>
+            <a:ext cx="0" cy="3373513"/>
+          </a:xfrm>
+          <a:prstGeom prst="line">
             <a:avLst/>
           </a:prstGeom>
         </p:spPr>
         <p:style>
-          <a:lnRef idx="2">
-            <a:schemeClr val="accent1">
-              <a:shade val="50000"/>
-            </a:schemeClr>
+          <a:lnRef idx="3">
+            <a:schemeClr val="dk1"/>
           </a:lnRef>
-          <a:fillRef idx="1">
-            <a:schemeClr val="accent1"/>
+          <a:fillRef idx="0">
+            <a:schemeClr val="dk1"/>
           </a:fillRef>
-          <a:effectRef idx="0">
-            <a:schemeClr val="accent1"/>
+          <a:effectRef idx="2">
+            <a:schemeClr val="dk1"/>
           </a:effectRef>
           <a:fontRef idx="minor">
-            <a:schemeClr val="lt1"/>
+            <a:schemeClr val="tx1"/>
           </a:fontRef>
         </p:style>
-        <p:txBody>
-          <a:bodyPr rtlCol="0" anchor="ctr"/>
-          <a:lstStyle/>
-          <a:p>
-            <a:pPr algn="ctr"/>
-            <a:r>
-              <a:rPr lang="zh-CN" altLang="en-US" dirty="0">
-                <a:latin typeface="+mn-ea"/>
-              </a:rPr>
-              <a:t>去除伪迹</a:t>
-            </a:r>
-          </a:p>
-        </p:txBody>
-      </p:sp>
-      <p:sp>
-        <p:nvSpPr>
-          <p:cNvPr id="7" name="矩形 6"/>
-          <p:cNvSpPr/>
-          <p:nvPr/>
-        </p:nvSpPr>
-        <p:spPr>
-          <a:xfrm>
-            <a:off x="5585565" y="1331650"/>
-            <a:ext cx="791562" cy="603683"/>
-          </a:xfrm>
-          <a:prstGeom prst="rect">
+      </p:cxnSp>
+      <p:cxnSp>
+        <p:nvCxnSpPr>
+          <p:cNvPr id="10" name="直接连接符 9"/>
+          <p:cNvCxnSpPr>
+            <a:stCxn id="5" idx="2"/>
+            <a:endCxn id="5" idx="6"/>
+          </p:cNvCxnSpPr>
+          <p:nvPr/>
+        </p:nvCxnSpPr>
+        <p:spPr>
+          <a:xfrm>
+            <a:off x="3915053" y="3116062"/>
+            <a:ext cx="3524434" cy="0"/>
+          </a:xfrm>
+          <a:prstGeom prst="line">
             <a:avLst/>
           </a:prstGeom>
         </p:spPr>
         <p:style>
-          <a:lnRef idx="2">
-            <a:schemeClr val="accent1">
-              <a:shade val="50000"/>
-            </a:schemeClr>
+          <a:lnRef idx="3">
+            <a:schemeClr val="dk1"/>
           </a:lnRef>
-          <a:fillRef idx="1">
-            <a:schemeClr val="accent1"/>
+          <a:fillRef idx="0">
+            <a:schemeClr val="dk1"/>
           </a:fillRef>
-          <a:effectRef idx="0">
-            <a:schemeClr val="accent1"/>
+          <a:effectRef idx="2">
+            <a:schemeClr val="dk1"/>
           </a:effectRef>
           <a:fontRef idx="minor">
-            <a:schemeClr val="lt1"/>
+            <a:schemeClr val="tx1"/>
           </a:fontRef>
         </p:style>
-        <p:txBody>
-          <a:bodyPr rot="0" spcFirstLastPara="0" vert="horz" wrap="square" lIns="91440" tIns="45720" rIns="91440" bIns="45720" numCol="1" spcCol="0" rtlCol="0" fromWordArt="0" anchor="ctr" anchorCtr="0" forceAA="0" compatLnSpc="1">
-            <a:prstTxWarp prst="textNoShape">
-              <a:avLst/>
-            </a:prstTxWarp>
-            <a:noAutofit/>
+      </p:cxnSp>
+      <p:sp>
+        <p:nvSpPr>
+          <p:cNvPr id="11" name="文本框 10"/>
+          <p:cNvSpPr txBox="1"/>
+          <p:nvPr/>
+        </p:nvSpPr>
+        <p:spPr>
+          <a:xfrm>
+            <a:off x="5814093" y="1526961"/>
+            <a:ext cx="646331" cy="369332"/>
+          </a:xfrm>
+          <a:prstGeom prst="rect">
+            <a:avLst/>
+          </a:prstGeom>
+          <a:noFill/>
+        </p:spPr>
+        <p:txBody>
+          <a:bodyPr wrap="none" rtlCol="0">
+            <a:spAutoFit/>
+          </a:bodyPr>
+          <a:lstStyle/>
+          <a:p>
+            <a:r>
+              <a:rPr lang="zh-CN" altLang="en-US" dirty="0"/>
+              <a:t>兴奋</a:t>
+            </a:r>
+          </a:p>
+        </p:txBody>
+      </p:sp>
+      <p:sp>
+        <p:nvSpPr>
+          <p:cNvPr id="12" name="文本框 11"/>
+          <p:cNvSpPr txBox="1"/>
+          <p:nvPr/>
+        </p:nvSpPr>
+        <p:spPr>
+          <a:xfrm>
+            <a:off x="5826361" y="4401503"/>
+            <a:ext cx="646331" cy="369332"/>
+          </a:xfrm>
+          <a:prstGeom prst="rect">
+            <a:avLst/>
+          </a:prstGeom>
+          <a:noFill/>
+        </p:spPr>
+        <p:txBody>
+          <a:bodyPr wrap="none" rtlCol="0">
+            <a:spAutoFit/>
+          </a:bodyPr>
+          <a:lstStyle/>
+          <a:p>
+            <a:r>
+              <a:rPr lang="zh-CN" altLang="en-US" dirty="0"/>
+              <a:t>平静</a:t>
+            </a:r>
+          </a:p>
+        </p:txBody>
+      </p:sp>
+      <p:sp>
+        <p:nvSpPr>
+          <p:cNvPr id="13" name="文本框 10"/>
+          <p:cNvSpPr txBox="1"/>
+          <p:nvPr/>
+        </p:nvSpPr>
+        <p:spPr>
+          <a:xfrm>
+            <a:off x="6669478" y="2409833"/>
+            <a:ext cx="646331" cy="369332"/>
+          </a:xfrm>
+          <a:prstGeom prst="rect">
+            <a:avLst/>
+          </a:prstGeom>
+          <a:noFill/>
+        </p:spPr>
+        <p:txBody>
+          <a:bodyPr wrap="none" rtlCol="0">
+            <a:spAutoFit/>
           </a:bodyPr>
           <a:lstStyle>
             <a:defPPr>
@@ -15084,7 +13705,7 @@
             <a:lvl1pPr marL="0" algn="l" defTabSz="914400" rtl="0" eaLnBrk="1" latinLnBrk="0" hangingPunct="1">
               <a:defRPr sz="1800" kern="1200">
                 <a:solidFill>
-                  <a:schemeClr val="lt1"/>
+                  <a:schemeClr val="tx1"/>
                 </a:solidFill>
                 <a:latin typeface="+mn-lt"/>
                 <a:ea typeface="+mn-ea"/>
@@ -15094,7 +13715,7 @@
             <a:lvl2pPr marL="457200" algn="l" defTabSz="914400" rtl="0" eaLnBrk="1" latinLnBrk="0" hangingPunct="1">
               <a:defRPr sz="1800" kern="1200">
                 <a:solidFill>
-                  <a:schemeClr val="lt1"/>
+                  <a:schemeClr val="tx1"/>
                 </a:solidFill>
                 <a:latin typeface="+mn-lt"/>
                 <a:ea typeface="+mn-ea"/>
@@ -15104,7 +13725,7 @@
             <a:lvl3pPr marL="914400" algn="l" defTabSz="914400" rtl="0" eaLnBrk="1" latinLnBrk="0" hangingPunct="1">
               <a:defRPr sz="1800" kern="1200">
                 <a:solidFill>
-                  <a:schemeClr val="lt1"/>
+                  <a:schemeClr val="tx1"/>
                 </a:solidFill>
                 <a:latin typeface="+mn-lt"/>
                 <a:ea typeface="+mn-ea"/>
@@ -15114,7 +13735,7 @@
             <a:lvl4pPr marL="1371600" algn="l" defTabSz="914400" rtl="0" eaLnBrk="1" latinLnBrk="0" hangingPunct="1">
               <a:defRPr sz="1800" kern="1200">
                 <a:solidFill>
-                  <a:schemeClr val="lt1"/>
+                  <a:schemeClr val="tx1"/>
                 </a:solidFill>
                 <a:latin typeface="+mn-lt"/>
                 <a:ea typeface="+mn-ea"/>
@@ -15124,7 +13745,7 @@
             <a:lvl5pPr marL="1828800" algn="l" defTabSz="914400" rtl="0" eaLnBrk="1" latinLnBrk="0" hangingPunct="1">
               <a:defRPr sz="1800" kern="1200">
                 <a:solidFill>
-                  <a:schemeClr val="lt1"/>
+                  <a:schemeClr val="tx1"/>
                 </a:solidFill>
                 <a:latin typeface="+mn-lt"/>
                 <a:ea typeface="+mn-ea"/>
@@ -15134,7 +13755,7 @@
             <a:lvl6pPr marL="2286000" algn="l" defTabSz="914400" rtl="0" eaLnBrk="1" latinLnBrk="0" hangingPunct="1">
               <a:defRPr sz="1800" kern="1200">
                 <a:solidFill>
-                  <a:schemeClr val="lt1"/>
+                  <a:schemeClr val="tx1"/>
                 </a:solidFill>
                 <a:latin typeface="+mn-lt"/>
                 <a:ea typeface="+mn-ea"/>
@@ -15144,7 +13765,7 @@
             <a:lvl7pPr marL="2743200" algn="l" defTabSz="914400" rtl="0" eaLnBrk="1" latinLnBrk="0" hangingPunct="1">
               <a:defRPr sz="1800" kern="1200">
                 <a:solidFill>
-                  <a:schemeClr val="lt1"/>
+                  <a:schemeClr val="tx1"/>
                 </a:solidFill>
                 <a:latin typeface="+mn-lt"/>
                 <a:ea typeface="+mn-ea"/>
@@ -15154,7 +13775,7 @@
             <a:lvl8pPr marL="3200400" algn="l" defTabSz="914400" rtl="0" eaLnBrk="1" latinLnBrk="0" hangingPunct="1">
               <a:defRPr sz="1800" kern="1200">
                 <a:solidFill>
-                  <a:schemeClr val="lt1"/>
+                  <a:schemeClr val="tx1"/>
                 </a:solidFill>
                 <a:latin typeface="+mn-lt"/>
                 <a:ea typeface="+mn-ea"/>
@@ -15164,7 +13785,7 @@
             <a:lvl9pPr marL="3657600" algn="l" defTabSz="914400" rtl="0" eaLnBrk="1" latinLnBrk="0" hangingPunct="1">
               <a:defRPr sz="1800" kern="1200">
                 <a:solidFill>
-                  <a:schemeClr val="lt1"/>
+                  <a:schemeClr val="tx1"/>
                 </a:solidFill>
                 <a:latin typeface="+mn-lt"/>
                 <a:ea typeface="+mn-ea"/>
@@ -15173,53 +13794,32 @@
             </a:lvl9pPr>
           </a:lstStyle>
           <a:p>
-            <a:pPr algn="ctr"/>
-            <a:r>
-              <a:rPr lang="zh-CN" altLang="en-US" dirty="0">
-                <a:latin typeface="+mn-ea"/>
-              </a:rPr>
-              <a:t>特征提取</a:t>
-            </a:r>
-          </a:p>
-        </p:txBody>
-      </p:sp>
-      <p:sp>
-        <p:nvSpPr>
-          <p:cNvPr id="8" name="矩形 7"/>
-          <p:cNvSpPr/>
-          <p:nvPr/>
-        </p:nvSpPr>
-        <p:spPr>
-          <a:xfrm>
-            <a:off x="7309313" y="1331651"/>
-            <a:ext cx="1390804" cy="603682"/>
+            <a:r>
+              <a:rPr lang="zh-CN" altLang="en-US" dirty="0"/>
+              <a:t>高兴</a:t>
+            </a:r>
+          </a:p>
+        </p:txBody>
+      </p:sp>
+      <p:sp>
+        <p:nvSpPr>
+          <p:cNvPr id="14" name="文本框 10"/>
+          <p:cNvSpPr txBox="1"/>
+          <p:nvPr/>
+        </p:nvSpPr>
+        <p:spPr>
+          <a:xfrm>
+            <a:off x="6669477" y="3268294"/>
+            <a:ext cx="646331" cy="369332"/>
           </a:xfrm>
           <a:prstGeom prst="rect">
             <a:avLst/>
           </a:prstGeom>
-        </p:spPr>
-        <p:style>
-          <a:lnRef idx="2">
-            <a:schemeClr val="accent1">
-              <a:shade val="50000"/>
-            </a:schemeClr>
-          </a:lnRef>
-          <a:fillRef idx="1">
-            <a:schemeClr val="accent1"/>
-          </a:fillRef>
-          <a:effectRef idx="0">
-            <a:schemeClr val="accent1"/>
-          </a:effectRef>
-          <a:fontRef idx="minor">
-            <a:schemeClr val="lt1"/>
-          </a:fontRef>
-        </p:style>
-        <p:txBody>
-          <a:bodyPr rot="0" spcFirstLastPara="0" vert="horz" wrap="square" lIns="91440" tIns="45720" rIns="91440" bIns="45720" numCol="1" spcCol="0" rtlCol="0" fromWordArt="0" anchor="ctr" anchorCtr="0" forceAA="0" compatLnSpc="1">
-            <a:prstTxWarp prst="textNoShape">
-              <a:avLst/>
-            </a:prstTxWarp>
-            <a:noAutofit/>
+          <a:noFill/>
+        </p:spPr>
+        <p:txBody>
+          <a:bodyPr wrap="none" rtlCol="0">
+            <a:spAutoFit/>
           </a:bodyPr>
           <a:lstStyle>
             <a:defPPr>
@@ -15228,7 +13828,7 @@
             <a:lvl1pPr marL="0" algn="l" defTabSz="914400" rtl="0" eaLnBrk="1" latinLnBrk="0" hangingPunct="1">
               <a:defRPr sz="1800" kern="1200">
                 <a:solidFill>
-                  <a:schemeClr val="lt1"/>
+                  <a:schemeClr val="tx1"/>
                 </a:solidFill>
                 <a:latin typeface="+mn-lt"/>
                 <a:ea typeface="+mn-ea"/>
@@ -15238,7 +13838,7 @@
             <a:lvl2pPr marL="457200" algn="l" defTabSz="914400" rtl="0" eaLnBrk="1" latinLnBrk="0" hangingPunct="1">
               <a:defRPr sz="1800" kern="1200">
                 <a:solidFill>
-                  <a:schemeClr val="lt1"/>
+                  <a:schemeClr val="tx1"/>
                 </a:solidFill>
                 <a:latin typeface="+mn-lt"/>
                 <a:ea typeface="+mn-ea"/>
@@ -15248,7 +13848,7 @@
             <a:lvl3pPr marL="914400" algn="l" defTabSz="914400" rtl="0" eaLnBrk="1" latinLnBrk="0" hangingPunct="1">
               <a:defRPr sz="1800" kern="1200">
                 <a:solidFill>
-                  <a:schemeClr val="lt1"/>
+                  <a:schemeClr val="tx1"/>
                 </a:solidFill>
                 <a:latin typeface="+mn-lt"/>
                 <a:ea typeface="+mn-ea"/>
@@ -15258,7 +13858,7 @@
             <a:lvl4pPr marL="1371600" algn="l" defTabSz="914400" rtl="0" eaLnBrk="1" latinLnBrk="0" hangingPunct="1">
               <a:defRPr sz="1800" kern="1200">
                 <a:solidFill>
-                  <a:schemeClr val="lt1"/>
+                  <a:schemeClr val="tx1"/>
                 </a:solidFill>
                 <a:latin typeface="+mn-lt"/>
                 <a:ea typeface="+mn-ea"/>
@@ -15268,7 +13868,7 @@
             <a:lvl5pPr marL="1828800" algn="l" defTabSz="914400" rtl="0" eaLnBrk="1" latinLnBrk="0" hangingPunct="1">
               <a:defRPr sz="1800" kern="1200">
                 <a:solidFill>
-                  <a:schemeClr val="lt1"/>
+                  <a:schemeClr val="tx1"/>
                 </a:solidFill>
                 <a:latin typeface="+mn-lt"/>
                 <a:ea typeface="+mn-ea"/>
@@ -15278,7 +13878,7 @@
             <a:lvl6pPr marL="2286000" algn="l" defTabSz="914400" rtl="0" eaLnBrk="1" latinLnBrk="0" hangingPunct="1">
               <a:defRPr sz="1800" kern="1200">
                 <a:solidFill>
-                  <a:schemeClr val="lt1"/>
+                  <a:schemeClr val="tx1"/>
                 </a:solidFill>
                 <a:latin typeface="+mn-lt"/>
                 <a:ea typeface="+mn-ea"/>
@@ -15288,7 +13888,7 @@
             <a:lvl7pPr marL="2743200" algn="l" defTabSz="914400" rtl="0" eaLnBrk="1" latinLnBrk="0" hangingPunct="1">
               <a:defRPr sz="1800" kern="1200">
                 <a:solidFill>
-                  <a:schemeClr val="lt1"/>
+                  <a:schemeClr val="tx1"/>
                 </a:solidFill>
                 <a:latin typeface="+mn-lt"/>
                 <a:ea typeface="+mn-ea"/>
@@ -15298,7 +13898,7 @@
             <a:lvl8pPr marL="3200400" algn="l" defTabSz="914400" rtl="0" eaLnBrk="1" latinLnBrk="0" hangingPunct="1">
               <a:defRPr sz="1800" kern="1200">
                 <a:solidFill>
-                  <a:schemeClr val="lt1"/>
+                  <a:schemeClr val="tx1"/>
                 </a:solidFill>
                 <a:latin typeface="+mn-lt"/>
                 <a:ea typeface="+mn-ea"/>
@@ -15308,7 +13908,7 @@
             <a:lvl9pPr marL="3657600" algn="l" defTabSz="914400" rtl="0" eaLnBrk="1" latinLnBrk="0" hangingPunct="1">
               <a:defRPr sz="1800" kern="1200">
                 <a:solidFill>
-                  <a:schemeClr val="lt1"/>
+                  <a:schemeClr val="tx1"/>
                 </a:solidFill>
                 <a:latin typeface="+mn-lt"/>
                 <a:ea typeface="+mn-ea"/>
@@ -15317,65 +13917,32 @@
             </a:lvl9pPr>
           </a:lstStyle>
           <a:p>
-            <a:pPr algn="ctr"/>
-            <a:r>
-              <a:rPr lang="zh-CN" altLang="en-US" dirty="0">
-                <a:latin typeface="+mn-ea"/>
-              </a:rPr>
-              <a:t>特征选择</a:t>
-            </a:r>
-            <a:endParaRPr lang="en-US" altLang="zh-CN" dirty="0">
-              <a:latin typeface="+mn-ea"/>
-            </a:endParaRPr>
-          </a:p>
-          <a:p>
-            <a:pPr algn="ctr"/>
-            <a:r>
-              <a:rPr lang="zh-CN" altLang="en-US" dirty="0">
-                <a:latin typeface="+mn-ea"/>
-              </a:rPr>
-              <a:t>与降维</a:t>
-            </a:r>
-          </a:p>
-        </p:txBody>
-      </p:sp>
-      <p:sp>
-        <p:nvSpPr>
-          <p:cNvPr id="9" name="矩形 8"/>
-          <p:cNvSpPr/>
-          <p:nvPr/>
-        </p:nvSpPr>
-        <p:spPr>
-          <a:xfrm>
-            <a:off x="9632303" y="1220633"/>
-            <a:ext cx="1145219" cy="825713"/>
+            <a:r>
+              <a:rPr lang="zh-CN" altLang="en-US" dirty="0"/>
+              <a:t>满意</a:t>
+            </a:r>
+          </a:p>
+        </p:txBody>
+      </p:sp>
+      <p:sp>
+        <p:nvSpPr>
+          <p:cNvPr id="15" name="文本框 10"/>
+          <p:cNvSpPr txBox="1"/>
+          <p:nvPr/>
+        </p:nvSpPr>
+        <p:spPr>
+          <a:xfrm>
+            <a:off x="4149830" y="3268294"/>
+            <a:ext cx="646331" cy="369332"/>
           </a:xfrm>
           <a:prstGeom prst="rect">
             <a:avLst/>
           </a:prstGeom>
-        </p:spPr>
-        <p:style>
-          <a:lnRef idx="2">
-            <a:schemeClr val="accent1">
-              <a:shade val="50000"/>
-            </a:schemeClr>
-          </a:lnRef>
-          <a:fillRef idx="1">
-            <a:schemeClr val="accent1"/>
-          </a:fillRef>
-          <a:effectRef idx="0">
-            <a:schemeClr val="accent1"/>
-          </a:effectRef>
-          <a:fontRef idx="minor">
-            <a:schemeClr val="lt1"/>
-          </a:fontRef>
-        </p:style>
-        <p:txBody>
-          <a:bodyPr rot="0" spcFirstLastPara="0" vert="horz" wrap="square" lIns="91440" tIns="45720" rIns="91440" bIns="45720" numCol="1" spcCol="0" rtlCol="0" fromWordArt="0" anchor="ctr" anchorCtr="0" forceAA="0" compatLnSpc="1">
-            <a:prstTxWarp prst="textNoShape">
-              <a:avLst/>
-            </a:prstTxWarp>
-            <a:noAutofit/>
+          <a:noFill/>
+        </p:spPr>
+        <p:txBody>
+          <a:bodyPr wrap="none" rtlCol="0">
+            <a:spAutoFit/>
           </a:bodyPr>
           <a:lstStyle>
             <a:defPPr>
@@ -15384,7 +13951,7 @@
             <a:lvl1pPr marL="0" algn="l" defTabSz="914400" rtl="0" eaLnBrk="1" latinLnBrk="0" hangingPunct="1">
               <a:defRPr sz="1800" kern="1200">
                 <a:solidFill>
-                  <a:schemeClr val="lt1"/>
+                  <a:schemeClr val="tx1"/>
                 </a:solidFill>
                 <a:latin typeface="+mn-lt"/>
                 <a:ea typeface="+mn-ea"/>
@@ -15394,7 +13961,7 @@
             <a:lvl2pPr marL="457200" algn="l" defTabSz="914400" rtl="0" eaLnBrk="1" latinLnBrk="0" hangingPunct="1">
               <a:defRPr sz="1800" kern="1200">
                 <a:solidFill>
-                  <a:schemeClr val="lt1"/>
+                  <a:schemeClr val="tx1"/>
                 </a:solidFill>
                 <a:latin typeface="+mn-lt"/>
                 <a:ea typeface="+mn-ea"/>
@@ -15404,7 +13971,7 @@
             <a:lvl3pPr marL="914400" algn="l" defTabSz="914400" rtl="0" eaLnBrk="1" latinLnBrk="0" hangingPunct="1">
               <a:defRPr sz="1800" kern="1200">
                 <a:solidFill>
-                  <a:schemeClr val="lt1"/>
+                  <a:schemeClr val="tx1"/>
                 </a:solidFill>
                 <a:latin typeface="+mn-lt"/>
                 <a:ea typeface="+mn-ea"/>
@@ -15414,7 +13981,7 @@
             <a:lvl4pPr marL="1371600" algn="l" defTabSz="914400" rtl="0" eaLnBrk="1" latinLnBrk="0" hangingPunct="1">
               <a:defRPr sz="1800" kern="1200">
                 <a:solidFill>
-                  <a:schemeClr val="lt1"/>
+                  <a:schemeClr val="tx1"/>
                 </a:solidFill>
                 <a:latin typeface="+mn-lt"/>
                 <a:ea typeface="+mn-ea"/>
@@ -15424,7 +13991,7 @@
             <a:lvl5pPr marL="1828800" algn="l" defTabSz="914400" rtl="0" eaLnBrk="1" latinLnBrk="0" hangingPunct="1">
               <a:defRPr sz="1800" kern="1200">
                 <a:solidFill>
-                  <a:schemeClr val="lt1"/>
+                  <a:schemeClr val="tx1"/>
                 </a:solidFill>
                 <a:latin typeface="+mn-lt"/>
                 <a:ea typeface="+mn-ea"/>
@@ -15434,7 +14001,7 @@
             <a:lvl6pPr marL="2286000" algn="l" defTabSz="914400" rtl="0" eaLnBrk="1" latinLnBrk="0" hangingPunct="1">
               <a:defRPr sz="1800" kern="1200">
                 <a:solidFill>
-                  <a:schemeClr val="lt1"/>
+                  <a:schemeClr val="tx1"/>
                 </a:solidFill>
                 <a:latin typeface="+mn-lt"/>
                 <a:ea typeface="+mn-ea"/>
@@ -15444,7 +14011,7 @@
             <a:lvl7pPr marL="2743200" algn="l" defTabSz="914400" rtl="0" eaLnBrk="1" latinLnBrk="0" hangingPunct="1">
               <a:defRPr sz="1800" kern="1200">
                 <a:solidFill>
-                  <a:schemeClr val="lt1"/>
+                  <a:schemeClr val="tx1"/>
                 </a:solidFill>
                 <a:latin typeface="+mn-lt"/>
                 <a:ea typeface="+mn-ea"/>
@@ -15454,7 +14021,7 @@
             <a:lvl8pPr marL="3200400" algn="l" defTabSz="914400" rtl="0" eaLnBrk="1" latinLnBrk="0" hangingPunct="1">
               <a:defRPr sz="1800" kern="1200">
                 <a:solidFill>
-                  <a:schemeClr val="lt1"/>
+                  <a:schemeClr val="tx1"/>
                 </a:solidFill>
                 <a:latin typeface="+mn-lt"/>
                 <a:ea typeface="+mn-ea"/>
@@ -15464,7 +14031,7 @@
             <a:lvl9pPr marL="3657600" algn="l" defTabSz="914400" rtl="0" eaLnBrk="1" latinLnBrk="0" hangingPunct="1">
               <a:defRPr sz="1800" kern="1200">
                 <a:solidFill>
-                  <a:schemeClr val="lt1"/>
+                  <a:schemeClr val="tx1"/>
                 </a:solidFill>
                 <a:latin typeface="+mn-lt"/>
                 <a:ea typeface="+mn-ea"/>
@@ -15473,20 +14040,950 @@
             </a:lvl9pPr>
           </a:lstStyle>
           <a:p>
-            <a:pPr algn="ctr"/>
-            <a:r>
-              <a:rPr lang="zh-CN" altLang="en-US" dirty="0">
-                <a:latin typeface="+mn-ea"/>
-              </a:rPr>
-              <a:t>情绪识别算法</a:t>
-            </a:r>
-          </a:p>
-        </p:txBody>
-      </p:sp>
+            <a:r>
+              <a:rPr lang="zh-CN" altLang="en-US" dirty="0"/>
+              <a:t>悲伤</a:t>
+            </a:r>
+          </a:p>
+        </p:txBody>
+      </p:sp>
+      <p:sp>
+        <p:nvSpPr>
+          <p:cNvPr id="17" name="文本框 10"/>
+          <p:cNvSpPr txBox="1"/>
+          <p:nvPr/>
+        </p:nvSpPr>
+        <p:spPr>
+          <a:xfrm>
+            <a:off x="4897775" y="4410381"/>
+            <a:ext cx="646331" cy="369332"/>
+          </a:xfrm>
+          <a:prstGeom prst="rect">
+            <a:avLst/>
+          </a:prstGeom>
+          <a:noFill/>
+        </p:spPr>
+        <p:txBody>
+          <a:bodyPr wrap="none" rtlCol="0">
+            <a:spAutoFit/>
+          </a:bodyPr>
+          <a:lstStyle>
+            <a:defPPr>
+              <a:defRPr lang="zh-CN"/>
+            </a:defPPr>
+            <a:lvl1pPr marL="0" algn="l" defTabSz="914400" rtl="0" eaLnBrk="1" latinLnBrk="0" hangingPunct="1">
+              <a:defRPr sz="1800" kern="1200">
+                <a:solidFill>
+                  <a:schemeClr val="tx1"/>
+                </a:solidFill>
+                <a:latin typeface="+mn-lt"/>
+                <a:ea typeface="+mn-ea"/>
+                <a:cs typeface="+mn-cs"/>
+              </a:defRPr>
+            </a:lvl1pPr>
+            <a:lvl2pPr marL="457200" algn="l" defTabSz="914400" rtl="0" eaLnBrk="1" latinLnBrk="0" hangingPunct="1">
+              <a:defRPr sz="1800" kern="1200">
+                <a:solidFill>
+                  <a:schemeClr val="tx1"/>
+                </a:solidFill>
+                <a:latin typeface="+mn-lt"/>
+                <a:ea typeface="+mn-ea"/>
+                <a:cs typeface="+mn-cs"/>
+              </a:defRPr>
+            </a:lvl2pPr>
+            <a:lvl3pPr marL="914400" algn="l" defTabSz="914400" rtl="0" eaLnBrk="1" latinLnBrk="0" hangingPunct="1">
+              <a:defRPr sz="1800" kern="1200">
+                <a:solidFill>
+                  <a:schemeClr val="tx1"/>
+                </a:solidFill>
+                <a:latin typeface="+mn-lt"/>
+                <a:ea typeface="+mn-ea"/>
+                <a:cs typeface="+mn-cs"/>
+              </a:defRPr>
+            </a:lvl3pPr>
+            <a:lvl4pPr marL="1371600" algn="l" defTabSz="914400" rtl="0" eaLnBrk="1" latinLnBrk="0" hangingPunct="1">
+              <a:defRPr sz="1800" kern="1200">
+                <a:solidFill>
+                  <a:schemeClr val="tx1"/>
+                </a:solidFill>
+                <a:latin typeface="+mn-lt"/>
+                <a:ea typeface="+mn-ea"/>
+                <a:cs typeface="+mn-cs"/>
+              </a:defRPr>
+            </a:lvl4pPr>
+            <a:lvl5pPr marL="1828800" algn="l" defTabSz="914400" rtl="0" eaLnBrk="1" latinLnBrk="0" hangingPunct="1">
+              <a:defRPr sz="1800" kern="1200">
+                <a:solidFill>
+                  <a:schemeClr val="tx1"/>
+                </a:solidFill>
+                <a:latin typeface="+mn-lt"/>
+                <a:ea typeface="+mn-ea"/>
+                <a:cs typeface="+mn-cs"/>
+              </a:defRPr>
+            </a:lvl5pPr>
+            <a:lvl6pPr marL="2286000" algn="l" defTabSz="914400" rtl="0" eaLnBrk="1" latinLnBrk="0" hangingPunct="1">
+              <a:defRPr sz="1800" kern="1200">
+                <a:solidFill>
+                  <a:schemeClr val="tx1"/>
+                </a:solidFill>
+                <a:latin typeface="+mn-lt"/>
+                <a:ea typeface="+mn-ea"/>
+                <a:cs typeface="+mn-cs"/>
+              </a:defRPr>
+            </a:lvl6pPr>
+            <a:lvl7pPr marL="2743200" algn="l" defTabSz="914400" rtl="0" eaLnBrk="1" latinLnBrk="0" hangingPunct="1">
+              <a:defRPr sz="1800" kern="1200">
+                <a:solidFill>
+                  <a:schemeClr val="tx1"/>
+                </a:solidFill>
+                <a:latin typeface="+mn-lt"/>
+                <a:ea typeface="+mn-ea"/>
+                <a:cs typeface="+mn-cs"/>
+              </a:defRPr>
+            </a:lvl7pPr>
+            <a:lvl8pPr marL="3200400" algn="l" defTabSz="914400" rtl="0" eaLnBrk="1" latinLnBrk="0" hangingPunct="1">
+              <a:defRPr sz="1800" kern="1200">
+                <a:solidFill>
+                  <a:schemeClr val="tx1"/>
+                </a:solidFill>
+                <a:latin typeface="+mn-lt"/>
+                <a:ea typeface="+mn-ea"/>
+                <a:cs typeface="+mn-cs"/>
+              </a:defRPr>
+            </a:lvl8pPr>
+            <a:lvl9pPr marL="3657600" algn="l" defTabSz="914400" rtl="0" eaLnBrk="1" latinLnBrk="0" hangingPunct="1">
+              <a:defRPr sz="1800" kern="1200">
+                <a:solidFill>
+                  <a:schemeClr val="tx1"/>
+                </a:solidFill>
+                <a:latin typeface="+mn-lt"/>
+                <a:ea typeface="+mn-ea"/>
+                <a:cs typeface="+mn-cs"/>
+              </a:defRPr>
+            </a:lvl9pPr>
+          </a:lstStyle>
+          <a:p>
+            <a:r>
+              <a:rPr lang="zh-CN" altLang="en-US" dirty="0"/>
+              <a:t>疲劳</a:t>
+            </a:r>
+          </a:p>
+        </p:txBody>
+      </p:sp>
+      <p:sp>
+        <p:nvSpPr>
+          <p:cNvPr id="18" name="文本框 10"/>
+          <p:cNvSpPr txBox="1"/>
+          <p:nvPr/>
+        </p:nvSpPr>
+        <p:spPr>
+          <a:xfrm>
+            <a:off x="4827712" y="1622851"/>
+            <a:ext cx="646331" cy="369332"/>
+          </a:xfrm>
+          <a:prstGeom prst="rect">
+            <a:avLst/>
+          </a:prstGeom>
+          <a:noFill/>
+        </p:spPr>
+        <p:txBody>
+          <a:bodyPr wrap="none" rtlCol="0">
+            <a:spAutoFit/>
+          </a:bodyPr>
+          <a:lstStyle>
+            <a:defPPr>
+              <a:defRPr lang="zh-CN"/>
+            </a:defPPr>
+            <a:lvl1pPr marL="0" algn="l" defTabSz="914400" rtl="0" eaLnBrk="1" latinLnBrk="0" hangingPunct="1">
+              <a:defRPr sz="1800" kern="1200">
+                <a:solidFill>
+                  <a:schemeClr val="tx1"/>
+                </a:solidFill>
+                <a:latin typeface="+mn-lt"/>
+                <a:ea typeface="+mn-ea"/>
+                <a:cs typeface="+mn-cs"/>
+              </a:defRPr>
+            </a:lvl1pPr>
+            <a:lvl2pPr marL="457200" algn="l" defTabSz="914400" rtl="0" eaLnBrk="1" latinLnBrk="0" hangingPunct="1">
+              <a:defRPr sz="1800" kern="1200">
+                <a:solidFill>
+                  <a:schemeClr val="tx1"/>
+                </a:solidFill>
+                <a:latin typeface="+mn-lt"/>
+                <a:ea typeface="+mn-ea"/>
+                <a:cs typeface="+mn-cs"/>
+              </a:defRPr>
+            </a:lvl2pPr>
+            <a:lvl3pPr marL="914400" algn="l" defTabSz="914400" rtl="0" eaLnBrk="1" latinLnBrk="0" hangingPunct="1">
+              <a:defRPr sz="1800" kern="1200">
+                <a:solidFill>
+                  <a:schemeClr val="tx1"/>
+                </a:solidFill>
+                <a:latin typeface="+mn-lt"/>
+                <a:ea typeface="+mn-ea"/>
+                <a:cs typeface="+mn-cs"/>
+              </a:defRPr>
+            </a:lvl3pPr>
+            <a:lvl4pPr marL="1371600" algn="l" defTabSz="914400" rtl="0" eaLnBrk="1" latinLnBrk="0" hangingPunct="1">
+              <a:defRPr sz="1800" kern="1200">
+                <a:solidFill>
+                  <a:schemeClr val="tx1"/>
+                </a:solidFill>
+                <a:latin typeface="+mn-lt"/>
+                <a:ea typeface="+mn-ea"/>
+                <a:cs typeface="+mn-cs"/>
+              </a:defRPr>
+            </a:lvl4pPr>
+            <a:lvl5pPr marL="1828800" algn="l" defTabSz="914400" rtl="0" eaLnBrk="1" latinLnBrk="0" hangingPunct="1">
+              <a:defRPr sz="1800" kern="1200">
+                <a:solidFill>
+                  <a:schemeClr val="tx1"/>
+                </a:solidFill>
+                <a:latin typeface="+mn-lt"/>
+                <a:ea typeface="+mn-ea"/>
+                <a:cs typeface="+mn-cs"/>
+              </a:defRPr>
+            </a:lvl5pPr>
+            <a:lvl6pPr marL="2286000" algn="l" defTabSz="914400" rtl="0" eaLnBrk="1" latinLnBrk="0" hangingPunct="1">
+              <a:defRPr sz="1800" kern="1200">
+                <a:solidFill>
+                  <a:schemeClr val="tx1"/>
+                </a:solidFill>
+                <a:latin typeface="+mn-lt"/>
+                <a:ea typeface="+mn-ea"/>
+                <a:cs typeface="+mn-cs"/>
+              </a:defRPr>
+            </a:lvl6pPr>
+            <a:lvl7pPr marL="2743200" algn="l" defTabSz="914400" rtl="0" eaLnBrk="1" latinLnBrk="0" hangingPunct="1">
+              <a:defRPr sz="1800" kern="1200">
+                <a:solidFill>
+                  <a:schemeClr val="tx1"/>
+                </a:solidFill>
+                <a:latin typeface="+mn-lt"/>
+                <a:ea typeface="+mn-ea"/>
+                <a:cs typeface="+mn-cs"/>
+              </a:defRPr>
+            </a:lvl7pPr>
+            <a:lvl8pPr marL="3200400" algn="l" defTabSz="914400" rtl="0" eaLnBrk="1" latinLnBrk="0" hangingPunct="1">
+              <a:defRPr sz="1800" kern="1200">
+                <a:solidFill>
+                  <a:schemeClr val="tx1"/>
+                </a:solidFill>
+                <a:latin typeface="+mn-lt"/>
+                <a:ea typeface="+mn-ea"/>
+                <a:cs typeface="+mn-cs"/>
+              </a:defRPr>
+            </a:lvl8pPr>
+            <a:lvl9pPr marL="3657600" algn="l" defTabSz="914400" rtl="0" eaLnBrk="1" latinLnBrk="0" hangingPunct="1">
+              <a:defRPr sz="1800" kern="1200">
+                <a:solidFill>
+                  <a:schemeClr val="tx1"/>
+                </a:solidFill>
+                <a:latin typeface="+mn-lt"/>
+                <a:ea typeface="+mn-ea"/>
+                <a:cs typeface="+mn-cs"/>
+              </a:defRPr>
+            </a:lvl9pPr>
+          </a:lstStyle>
+          <a:p>
+            <a:r>
+              <a:rPr lang="zh-CN" altLang="en-US" dirty="0"/>
+              <a:t>紧张</a:t>
+            </a:r>
+          </a:p>
+        </p:txBody>
+      </p:sp>
+      <p:sp>
+        <p:nvSpPr>
+          <p:cNvPr id="19" name="文本框 10"/>
+          <p:cNvSpPr txBox="1"/>
+          <p:nvPr/>
+        </p:nvSpPr>
+        <p:spPr>
+          <a:xfrm>
+            <a:off x="4251444" y="2407902"/>
+            <a:ext cx="646331" cy="369332"/>
+          </a:xfrm>
+          <a:prstGeom prst="rect">
+            <a:avLst/>
+          </a:prstGeom>
+          <a:noFill/>
+        </p:spPr>
+        <p:txBody>
+          <a:bodyPr wrap="none" rtlCol="0">
+            <a:spAutoFit/>
+          </a:bodyPr>
+          <a:lstStyle>
+            <a:defPPr>
+              <a:defRPr lang="zh-CN"/>
+            </a:defPPr>
+            <a:lvl1pPr marL="0" algn="l" defTabSz="914400" rtl="0" eaLnBrk="1" latinLnBrk="0" hangingPunct="1">
+              <a:defRPr sz="1800" kern="1200">
+                <a:solidFill>
+                  <a:schemeClr val="tx1"/>
+                </a:solidFill>
+                <a:latin typeface="+mn-lt"/>
+                <a:ea typeface="+mn-ea"/>
+                <a:cs typeface="+mn-cs"/>
+              </a:defRPr>
+            </a:lvl1pPr>
+            <a:lvl2pPr marL="457200" algn="l" defTabSz="914400" rtl="0" eaLnBrk="1" latinLnBrk="0" hangingPunct="1">
+              <a:defRPr sz="1800" kern="1200">
+                <a:solidFill>
+                  <a:schemeClr val="tx1"/>
+                </a:solidFill>
+                <a:latin typeface="+mn-lt"/>
+                <a:ea typeface="+mn-ea"/>
+                <a:cs typeface="+mn-cs"/>
+              </a:defRPr>
+            </a:lvl2pPr>
+            <a:lvl3pPr marL="914400" algn="l" defTabSz="914400" rtl="0" eaLnBrk="1" latinLnBrk="0" hangingPunct="1">
+              <a:defRPr sz="1800" kern="1200">
+                <a:solidFill>
+                  <a:schemeClr val="tx1"/>
+                </a:solidFill>
+                <a:latin typeface="+mn-lt"/>
+                <a:ea typeface="+mn-ea"/>
+                <a:cs typeface="+mn-cs"/>
+              </a:defRPr>
+            </a:lvl3pPr>
+            <a:lvl4pPr marL="1371600" algn="l" defTabSz="914400" rtl="0" eaLnBrk="1" latinLnBrk="0" hangingPunct="1">
+              <a:defRPr sz="1800" kern="1200">
+                <a:solidFill>
+                  <a:schemeClr val="tx1"/>
+                </a:solidFill>
+                <a:latin typeface="+mn-lt"/>
+                <a:ea typeface="+mn-ea"/>
+                <a:cs typeface="+mn-cs"/>
+              </a:defRPr>
+            </a:lvl4pPr>
+            <a:lvl5pPr marL="1828800" algn="l" defTabSz="914400" rtl="0" eaLnBrk="1" latinLnBrk="0" hangingPunct="1">
+              <a:defRPr sz="1800" kern="1200">
+                <a:solidFill>
+                  <a:schemeClr val="tx1"/>
+                </a:solidFill>
+                <a:latin typeface="+mn-lt"/>
+                <a:ea typeface="+mn-ea"/>
+                <a:cs typeface="+mn-cs"/>
+              </a:defRPr>
+            </a:lvl5pPr>
+            <a:lvl6pPr marL="2286000" algn="l" defTabSz="914400" rtl="0" eaLnBrk="1" latinLnBrk="0" hangingPunct="1">
+              <a:defRPr sz="1800" kern="1200">
+                <a:solidFill>
+                  <a:schemeClr val="tx1"/>
+                </a:solidFill>
+                <a:latin typeface="+mn-lt"/>
+                <a:ea typeface="+mn-ea"/>
+                <a:cs typeface="+mn-cs"/>
+              </a:defRPr>
+            </a:lvl6pPr>
+            <a:lvl7pPr marL="2743200" algn="l" defTabSz="914400" rtl="0" eaLnBrk="1" latinLnBrk="0" hangingPunct="1">
+              <a:defRPr sz="1800" kern="1200">
+                <a:solidFill>
+                  <a:schemeClr val="tx1"/>
+                </a:solidFill>
+                <a:latin typeface="+mn-lt"/>
+                <a:ea typeface="+mn-ea"/>
+                <a:cs typeface="+mn-cs"/>
+              </a:defRPr>
+            </a:lvl7pPr>
+            <a:lvl8pPr marL="3200400" algn="l" defTabSz="914400" rtl="0" eaLnBrk="1" latinLnBrk="0" hangingPunct="1">
+              <a:defRPr sz="1800" kern="1200">
+                <a:solidFill>
+                  <a:schemeClr val="tx1"/>
+                </a:solidFill>
+                <a:latin typeface="+mn-lt"/>
+                <a:ea typeface="+mn-ea"/>
+                <a:cs typeface="+mn-cs"/>
+              </a:defRPr>
+            </a:lvl8pPr>
+            <a:lvl9pPr marL="3657600" algn="l" defTabSz="914400" rtl="0" eaLnBrk="1" latinLnBrk="0" hangingPunct="1">
+              <a:defRPr sz="1800" kern="1200">
+                <a:solidFill>
+                  <a:schemeClr val="tx1"/>
+                </a:solidFill>
+                <a:latin typeface="+mn-lt"/>
+                <a:ea typeface="+mn-ea"/>
+                <a:cs typeface="+mn-cs"/>
+              </a:defRPr>
+            </a:lvl9pPr>
+          </a:lstStyle>
+          <a:p>
+            <a:r>
+              <a:rPr lang="zh-CN" altLang="en-US" dirty="0"/>
+              <a:t>生气</a:t>
+            </a:r>
+          </a:p>
+        </p:txBody>
+      </p:sp>
+      <p:sp>
+        <p:nvSpPr>
+          <p:cNvPr id="22" name="文本框 10"/>
+          <p:cNvSpPr txBox="1"/>
+          <p:nvPr/>
+        </p:nvSpPr>
+        <p:spPr>
+          <a:xfrm>
+            <a:off x="5354104" y="4860439"/>
+            <a:ext cx="646331" cy="369332"/>
+          </a:xfrm>
+          <a:prstGeom prst="rect">
+            <a:avLst/>
+          </a:prstGeom>
+          <a:noFill/>
+        </p:spPr>
+        <p:txBody>
+          <a:bodyPr wrap="none" rtlCol="0">
+            <a:spAutoFit/>
+          </a:bodyPr>
+          <a:lstStyle>
+            <a:defPPr>
+              <a:defRPr lang="zh-CN"/>
+            </a:defPPr>
+            <a:lvl1pPr marL="0" algn="l" defTabSz="914400" rtl="0" eaLnBrk="1" latinLnBrk="0" hangingPunct="1">
+              <a:defRPr sz="1800" kern="1200">
+                <a:solidFill>
+                  <a:schemeClr val="tx1"/>
+                </a:solidFill>
+                <a:latin typeface="+mn-lt"/>
+                <a:ea typeface="+mn-ea"/>
+                <a:cs typeface="+mn-cs"/>
+              </a:defRPr>
+            </a:lvl1pPr>
+            <a:lvl2pPr marL="457200" algn="l" defTabSz="914400" rtl="0" eaLnBrk="1" latinLnBrk="0" hangingPunct="1">
+              <a:defRPr sz="1800" kern="1200">
+                <a:solidFill>
+                  <a:schemeClr val="tx1"/>
+                </a:solidFill>
+                <a:latin typeface="+mn-lt"/>
+                <a:ea typeface="+mn-ea"/>
+                <a:cs typeface="+mn-cs"/>
+              </a:defRPr>
+            </a:lvl2pPr>
+            <a:lvl3pPr marL="914400" algn="l" defTabSz="914400" rtl="0" eaLnBrk="1" latinLnBrk="0" hangingPunct="1">
+              <a:defRPr sz="1800" kern="1200">
+                <a:solidFill>
+                  <a:schemeClr val="tx1"/>
+                </a:solidFill>
+                <a:latin typeface="+mn-lt"/>
+                <a:ea typeface="+mn-ea"/>
+                <a:cs typeface="+mn-cs"/>
+              </a:defRPr>
+            </a:lvl3pPr>
+            <a:lvl4pPr marL="1371600" algn="l" defTabSz="914400" rtl="0" eaLnBrk="1" latinLnBrk="0" hangingPunct="1">
+              <a:defRPr sz="1800" kern="1200">
+                <a:solidFill>
+                  <a:schemeClr val="tx1"/>
+                </a:solidFill>
+                <a:latin typeface="+mn-lt"/>
+                <a:ea typeface="+mn-ea"/>
+                <a:cs typeface="+mn-cs"/>
+              </a:defRPr>
+            </a:lvl4pPr>
+            <a:lvl5pPr marL="1828800" algn="l" defTabSz="914400" rtl="0" eaLnBrk="1" latinLnBrk="0" hangingPunct="1">
+              <a:defRPr sz="1800" kern="1200">
+                <a:solidFill>
+                  <a:schemeClr val="tx1"/>
+                </a:solidFill>
+                <a:latin typeface="+mn-lt"/>
+                <a:ea typeface="+mn-ea"/>
+                <a:cs typeface="+mn-cs"/>
+              </a:defRPr>
+            </a:lvl5pPr>
+            <a:lvl6pPr marL="2286000" algn="l" defTabSz="914400" rtl="0" eaLnBrk="1" latinLnBrk="0" hangingPunct="1">
+              <a:defRPr sz="1800" kern="1200">
+                <a:solidFill>
+                  <a:schemeClr val="tx1"/>
+                </a:solidFill>
+                <a:latin typeface="+mn-lt"/>
+                <a:ea typeface="+mn-ea"/>
+                <a:cs typeface="+mn-cs"/>
+              </a:defRPr>
+            </a:lvl6pPr>
+            <a:lvl7pPr marL="2743200" algn="l" defTabSz="914400" rtl="0" eaLnBrk="1" latinLnBrk="0" hangingPunct="1">
+              <a:defRPr sz="1800" kern="1200">
+                <a:solidFill>
+                  <a:schemeClr val="tx1"/>
+                </a:solidFill>
+                <a:latin typeface="+mn-lt"/>
+                <a:ea typeface="+mn-ea"/>
+                <a:cs typeface="+mn-cs"/>
+              </a:defRPr>
+            </a:lvl7pPr>
+            <a:lvl8pPr marL="3200400" algn="l" defTabSz="914400" rtl="0" eaLnBrk="1" latinLnBrk="0" hangingPunct="1">
+              <a:defRPr sz="1800" kern="1200">
+                <a:solidFill>
+                  <a:schemeClr val="tx1"/>
+                </a:solidFill>
+                <a:latin typeface="+mn-lt"/>
+                <a:ea typeface="+mn-ea"/>
+                <a:cs typeface="+mn-cs"/>
+              </a:defRPr>
+            </a:lvl8pPr>
+            <a:lvl9pPr marL="3657600" algn="l" defTabSz="914400" rtl="0" eaLnBrk="1" latinLnBrk="0" hangingPunct="1">
+              <a:defRPr sz="1800" kern="1200">
+                <a:solidFill>
+                  <a:schemeClr val="tx1"/>
+                </a:solidFill>
+                <a:latin typeface="+mn-lt"/>
+                <a:ea typeface="+mn-ea"/>
+                <a:cs typeface="+mn-cs"/>
+              </a:defRPr>
+            </a:lvl9pPr>
+          </a:lstStyle>
+          <a:p>
+            <a:r>
+              <a:rPr lang="zh-CN" altLang="en-US" b="1" dirty="0"/>
+              <a:t>无聊</a:t>
+            </a:r>
+          </a:p>
+        </p:txBody>
+      </p:sp>
+      <p:sp>
+        <p:nvSpPr>
+          <p:cNvPr id="23" name="文本框 10"/>
+          <p:cNvSpPr txBox="1"/>
+          <p:nvPr/>
+        </p:nvSpPr>
+        <p:spPr>
+          <a:xfrm>
+            <a:off x="5354103" y="988215"/>
+            <a:ext cx="646331" cy="369332"/>
+          </a:xfrm>
+          <a:prstGeom prst="rect">
+            <a:avLst/>
+          </a:prstGeom>
+          <a:noFill/>
+        </p:spPr>
+        <p:txBody>
+          <a:bodyPr wrap="none" rtlCol="0">
+            <a:spAutoFit/>
+          </a:bodyPr>
+          <a:lstStyle>
+            <a:defPPr>
+              <a:defRPr lang="zh-CN"/>
+            </a:defPPr>
+            <a:lvl1pPr marL="0" algn="l" defTabSz="914400" rtl="0" eaLnBrk="1" latinLnBrk="0" hangingPunct="1">
+              <a:defRPr sz="1800" kern="1200">
+                <a:solidFill>
+                  <a:schemeClr val="tx1"/>
+                </a:solidFill>
+                <a:latin typeface="+mn-lt"/>
+                <a:ea typeface="+mn-ea"/>
+                <a:cs typeface="+mn-cs"/>
+              </a:defRPr>
+            </a:lvl1pPr>
+            <a:lvl2pPr marL="457200" algn="l" defTabSz="914400" rtl="0" eaLnBrk="1" latinLnBrk="0" hangingPunct="1">
+              <a:defRPr sz="1800" kern="1200">
+                <a:solidFill>
+                  <a:schemeClr val="tx1"/>
+                </a:solidFill>
+                <a:latin typeface="+mn-lt"/>
+                <a:ea typeface="+mn-ea"/>
+                <a:cs typeface="+mn-cs"/>
+              </a:defRPr>
+            </a:lvl2pPr>
+            <a:lvl3pPr marL="914400" algn="l" defTabSz="914400" rtl="0" eaLnBrk="1" latinLnBrk="0" hangingPunct="1">
+              <a:defRPr sz="1800" kern="1200">
+                <a:solidFill>
+                  <a:schemeClr val="tx1"/>
+                </a:solidFill>
+                <a:latin typeface="+mn-lt"/>
+                <a:ea typeface="+mn-ea"/>
+                <a:cs typeface="+mn-cs"/>
+              </a:defRPr>
+            </a:lvl3pPr>
+            <a:lvl4pPr marL="1371600" algn="l" defTabSz="914400" rtl="0" eaLnBrk="1" latinLnBrk="0" hangingPunct="1">
+              <a:defRPr sz="1800" kern="1200">
+                <a:solidFill>
+                  <a:schemeClr val="tx1"/>
+                </a:solidFill>
+                <a:latin typeface="+mn-lt"/>
+                <a:ea typeface="+mn-ea"/>
+                <a:cs typeface="+mn-cs"/>
+              </a:defRPr>
+            </a:lvl4pPr>
+            <a:lvl5pPr marL="1828800" algn="l" defTabSz="914400" rtl="0" eaLnBrk="1" latinLnBrk="0" hangingPunct="1">
+              <a:defRPr sz="1800" kern="1200">
+                <a:solidFill>
+                  <a:schemeClr val="tx1"/>
+                </a:solidFill>
+                <a:latin typeface="+mn-lt"/>
+                <a:ea typeface="+mn-ea"/>
+                <a:cs typeface="+mn-cs"/>
+              </a:defRPr>
+            </a:lvl5pPr>
+            <a:lvl6pPr marL="2286000" algn="l" defTabSz="914400" rtl="0" eaLnBrk="1" latinLnBrk="0" hangingPunct="1">
+              <a:defRPr sz="1800" kern="1200">
+                <a:solidFill>
+                  <a:schemeClr val="tx1"/>
+                </a:solidFill>
+                <a:latin typeface="+mn-lt"/>
+                <a:ea typeface="+mn-ea"/>
+                <a:cs typeface="+mn-cs"/>
+              </a:defRPr>
+            </a:lvl6pPr>
+            <a:lvl7pPr marL="2743200" algn="l" defTabSz="914400" rtl="0" eaLnBrk="1" latinLnBrk="0" hangingPunct="1">
+              <a:defRPr sz="1800" kern="1200">
+                <a:solidFill>
+                  <a:schemeClr val="tx1"/>
+                </a:solidFill>
+                <a:latin typeface="+mn-lt"/>
+                <a:ea typeface="+mn-ea"/>
+                <a:cs typeface="+mn-cs"/>
+              </a:defRPr>
+            </a:lvl7pPr>
+            <a:lvl8pPr marL="3200400" algn="l" defTabSz="914400" rtl="0" eaLnBrk="1" latinLnBrk="0" hangingPunct="1">
+              <a:defRPr sz="1800" kern="1200">
+                <a:solidFill>
+                  <a:schemeClr val="tx1"/>
+                </a:solidFill>
+                <a:latin typeface="+mn-lt"/>
+                <a:ea typeface="+mn-ea"/>
+                <a:cs typeface="+mn-cs"/>
+              </a:defRPr>
+            </a:lvl8pPr>
+            <a:lvl9pPr marL="3657600" algn="l" defTabSz="914400" rtl="0" eaLnBrk="1" latinLnBrk="0" hangingPunct="1">
+              <a:defRPr sz="1800" kern="1200">
+                <a:solidFill>
+                  <a:schemeClr val="tx1"/>
+                </a:solidFill>
+                <a:latin typeface="+mn-lt"/>
+                <a:ea typeface="+mn-ea"/>
+                <a:cs typeface="+mn-cs"/>
+              </a:defRPr>
+            </a:lvl9pPr>
+          </a:lstStyle>
+          <a:p>
+            <a:r>
+              <a:rPr lang="zh-CN" altLang="en-US" b="1" dirty="0"/>
+              <a:t>兴奋</a:t>
+            </a:r>
+          </a:p>
+        </p:txBody>
+      </p:sp>
+      <p:sp>
+        <p:nvSpPr>
+          <p:cNvPr id="24" name="文本框 10"/>
+          <p:cNvSpPr txBox="1"/>
+          <p:nvPr/>
+        </p:nvSpPr>
+        <p:spPr>
+          <a:xfrm>
+            <a:off x="7503057" y="2931395"/>
+            <a:ext cx="646331" cy="369332"/>
+          </a:xfrm>
+          <a:prstGeom prst="rect">
+            <a:avLst/>
+          </a:prstGeom>
+          <a:noFill/>
+        </p:spPr>
+        <p:txBody>
+          <a:bodyPr wrap="none" rtlCol="0">
+            <a:spAutoFit/>
+          </a:bodyPr>
+          <a:lstStyle>
+            <a:defPPr>
+              <a:defRPr lang="zh-CN"/>
+            </a:defPPr>
+            <a:lvl1pPr marL="0" algn="l" defTabSz="914400" rtl="0" eaLnBrk="1" latinLnBrk="0" hangingPunct="1">
+              <a:defRPr sz="1800" kern="1200">
+                <a:solidFill>
+                  <a:schemeClr val="tx1"/>
+                </a:solidFill>
+                <a:latin typeface="+mn-lt"/>
+                <a:ea typeface="+mn-ea"/>
+                <a:cs typeface="+mn-cs"/>
+              </a:defRPr>
+            </a:lvl1pPr>
+            <a:lvl2pPr marL="457200" algn="l" defTabSz="914400" rtl="0" eaLnBrk="1" latinLnBrk="0" hangingPunct="1">
+              <a:defRPr sz="1800" kern="1200">
+                <a:solidFill>
+                  <a:schemeClr val="tx1"/>
+                </a:solidFill>
+                <a:latin typeface="+mn-lt"/>
+                <a:ea typeface="+mn-ea"/>
+                <a:cs typeface="+mn-cs"/>
+              </a:defRPr>
+            </a:lvl2pPr>
+            <a:lvl3pPr marL="914400" algn="l" defTabSz="914400" rtl="0" eaLnBrk="1" latinLnBrk="0" hangingPunct="1">
+              <a:defRPr sz="1800" kern="1200">
+                <a:solidFill>
+                  <a:schemeClr val="tx1"/>
+                </a:solidFill>
+                <a:latin typeface="+mn-lt"/>
+                <a:ea typeface="+mn-ea"/>
+                <a:cs typeface="+mn-cs"/>
+              </a:defRPr>
+            </a:lvl3pPr>
+            <a:lvl4pPr marL="1371600" algn="l" defTabSz="914400" rtl="0" eaLnBrk="1" latinLnBrk="0" hangingPunct="1">
+              <a:defRPr sz="1800" kern="1200">
+                <a:solidFill>
+                  <a:schemeClr val="tx1"/>
+                </a:solidFill>
+                <a:latin typeface="+mn-lt"/>
+                <a:ea typeface="+mn-ea"/>
+                <a:cs typeface="+mn-cs"/>
+              </a:defRPr>
+            </a:lvl4pPr>
+            <a:lvl5pPr marL="1828800" algn="l" defTabSz="914400" rtl="0" eaLnBrk="1" latinLnBrk="0" hangingPunct="1">
+              <a:defRPr sz="1800" kern="1200">
+                <a:solidFill>
+                  <a:schemeClr val="tx1"/>
+                </a:solidFill>
+                <a:latin typeface="+mn-lt"/>
+                <a:ea typeface="+mn-ea"/>
+                <a:cs typeface="+mn-cs"/>
+              </a:defRPr>
+            </a:lvl5pPr>
+            <a:lvl6pPr marL="2286000" algn="l" defTabSz="914400" rtl="0" eaLnBrk="1" latinLnBrk="0" hangingPunct="1">
+              <a:defRPr sz="1800" kern="1200">
+                <a:solidFill>
+                  <a:schemeClr val="tx1"/>
+                </a:solidFill>
+                <a:latin typeface="+mn-lt"/>
+                <a:ea typeface="+mn-ea"/>
+                <a:cs typeface="+mn-cs"/>
+              </a:defRPr>
+            </a:lvl6pPr>
+            <a:lvl7pPr marL="2743200" algn="l" defTabSz="914400" rtl="0" eaLnBrk="1" latinLnBrk="0" hangingPunct="1">
+              <a:defRPr sz="1800" kern="1200">
+                <a:solidFill>
+                  <a:schemeClr val="tx1"/>
+                </a:solidFill>
+                <a:latin typeface="+mn-lt"/>
+                <a:ea typeface="+mn-ea"/>
+                <a:cs typeface="+mn-cs"/>
+              </a:defRPr>
+            </a:lvl7pPr>
+            <a:lvl8pPr marL="3200400" algn="l" defTabSz="914400" rtl="0" eaLnBrk="1" latinLnBrk="0" hangingPunct="1">
+              <a:defRPr sz="1800" kern="1200">
+                <a:solidFill>
+                  <a:schemeClr val="tx1"/>
+                </a:solidFill>
+                <a:latin typeface="+mn-lt"/>
+                <a:ea typeface="+mn-ea"/>
+                <a:cs typeface="+mn-cs"/>
+              </a:defRPr>
+            </a:lvl8pPr>
+            <a:lvl9pPr marL="3657600" algn="l" defTabSz="914400" rtl="0" eaLnBrk="1" latinLnBrk="0" hangingPunct="1">
+              <a:defRPr sz="1800" kern="1200">
+                <a:solidFill>
+                  <a:schemeClr val="tx1"/>
+                </a:solidFill>
+                <a:latin typeface="+mn-lt"/>
+                <a:ea typeface="+mn-ea"/>
+                <a:cs typeface="+mn-cs"/>
+              </a:defRPr>
+            </a:lvl9pPr>
+          </a:lstStyle>
+          <a:p>
+            <a:r>
+              <a:rPr lang="zh-CN" altLang="en-US" b="1" dirty="0"/>
+              <a:t>愉快</a:t>
+            </a:r>
+          </a:p>
+        </p:txBody>
+      </p:sp>
+      <p:sp>
+        <p:nvSpPr>
+          <p:cNvPr id="25" name="文本框 10"/>
+          <p:cNvSpPr txBox="1"/>
+          <p:nvPr/>
+        </p:nvSpPr>
+        <p:spPr>
+          <a:xfrm>
+            <a:off x="3236937" y="2931395"/>
+            <a:ext cx="646331" cy="369332"/>
+          </a:xfrm>
+          <a:prstGeom prst="rect">
+            <a:avLst/>
+          </a:prstGeom>
+          <a:noFill/>
+        </p:spPr>
+        <p:txBody>
+          <a:bodyPr wrap="none" rtlCol="0">
+            <a:spAutoFit/>
+          </a:bodyPr>
+          <a:lstStyle>
+            <a:defPPr>
+              <a:defRPr lang="zh-CN"/>
+            </a:defPPr>
+            <a:lvl1pPr marL="0" algn="l" defTabSz="914400" rtl="0" eaLnBrk="1" latinLnBrk="0" hangingPunct="1">
+              <a:defRPr sz="1800" kern="1200">
+                <a:solidFill>
+                  <a:schemeClr val="tx1"/>
+                </a:solidFill>
+                <a:latin typeface="+mn-lt"/>
+                <a:ea typeface="+mn-ea"/>
+                <a:cs typeface="+mn-cs"/>
+              </a:defRPr>
+            </a:lvl1pPr>
+            <a:lvl2pPr marL="457200" algn="l" defTabSz="914400" rtl="0" eaLnBrk="1" latinLnBrk="0" hangingPunct="1">
+              <a:defRPr sz="1800" kern="1200">
+                <a:solidFill>
+                  <a:schemeClr val="tx1"/>
+                </a:solidFill>
+                <a:latin typeface="+mn-lt"/>
+                <a:ea typeface="+mn-ea"/>
+                <a:cs typeface="+mn-cs"/>
+              </a:defRPr>
+            </a:lvl2pPr>
+            <a:lvl3pPr marL="914400" algn="l" defTabSz="914400" rtl="0" eaLnBrk="1" latinLnBrk="0" hangingPunct="1">
+              <a:defRPr sz="1800" kern="1200">
+                <a:solidFill>
+                  <a:schemeClr val="tx1"/>
+                </a:solidFill>
+                <a:latin typeface="+mn-lt"/>
+                <a:ea typeface="+mn-ea"/>
+                <a:cs typeface="+mn-cs"/>
+              </a:defRPr>
+            </a:lvl3pPr>
+            <a:lvl4pPr marL="1371600" algn="l" defTabSz="914400" rtl="0" eaLnBrk="1" latinLnBrk="0" hangingPunct="1">
+              <a:defRPr sz="1800" kern="1200">
+                <a:solidFill>
+                  <a:schemeClr val="tx1"/>
+                </a:solidFill>
+                <a:latin typeface="+mn-lt"/>
+                <a:ea typeface="+mn-ea"/>
+                <a:cs typeface="+mn-cs"/>
+              </a:defRPr>
+            </a:lvl4pPr>
+            <a:lvl5pPr marL="1828800" algn="l" defTabSz="914400" rtl="0" eaLnBrk="1" latinLnBrk="0" hangingPunct="1">
+              <a:defRPr sz="1800" kern="1200">
+                <a:solidFill>
+                  <a:schemeClr val="tx1"/>
+                </a:solidFill>
+                <a:latin typeface="+mn-lt"/>
+                <a:ea typeface="+mn-ea"/>
+                <a:cs typeface="+mn-cs"/>
+              </a:defRPr>
+            </a:lvl5pPr>
+            <a:lvl6pPr marL="2286000" algn="l" defTabSz="914400" rtl="0" eaLnBrk="1" latinLnBrk="0" hangingPunct="1">
+              <a:defRPr sz="1800" kern="1200">
+                <a:solidFill>
+                  <a:schemeClr val="tx1"/>
+                </a:solidFill>
+                <a:latin typeface="+mn-lt"/>
+                <a:ea typeface="+mn-ea"/>
+                <a:cs typeface="+mn-cs"/>
+              </a:defRPr>
+            </a:lvl6pPr>
+            <a:lvl7pPr marL="2743200" algn="l" defTabSz="914400" rtl="0" eaLnBrk="1" latinLnBrk="0" hangingPunct="1">
+              <a:defRPr sz="1800" kern="1200">
+                <a:solidFill>
+                  <a:schemeClr val="tx1"/>
+                </a:solidFill>
+                <a:latin typeface="+mn-lt"/>
+                <a:ea typeface="+mn-ea"/>
+                <a:cs typeface="+mn-cs"/>
+              </a:defRPr>
+            </a:lvl7pPr>
+            <a:lvl8pPr marL="3200400" algn="l" defTabSz="914400" rtl="0" eaLnBrk="1" latinLnBrk="0" hangingPunct="1">
+              <a:defRPr sz="1800" kern="1200">
+                <a:solidFill>
+                  <a:schemeClr val="tx1"/>
+                </a:solidFill>
+                <a:latin typeface="+mn-lt"/>
+                <a:ea typeface="+mn-ea"/>
+                <a:cs typeface="+mn-cs"/>
+              </a:defRPr>
+            </a:lvl8pPr>
+            <a:lvl9pPr marL="3657600" algn="l" defTabSz="914400" rtl="0" eaLnBrk="1" latinLnBrk="0" hangingPunct="1">
+              <a:defRPr sz="1800" kern="1200">
+                <a:solidFill>
+                  <a:schemeClr val="tx1"/>
+                </a:solidFill>
+                <a:latin typeface="+mn-lt"/>
+                <a:ea typeface="+mn-ea"/>
+                <a:cs typeface="+mn-cs"/>
+              </a:defRPr>
+            </a:lvl9pPr>
+          </a:lstStyle>
+          <a:p>
+            <a:r>
+              <a:rPr lang="zh-CN" altLang="en-US" b="1" dirty="0"/>
+              <a:t>悲伤</a:t>
+            </a:r>
+          </a:p>
+        </p:txBody>
+      </p:sp>
+      <p:cxnSp>
+        <p:nvCxnSpPr>
+          <p:cNvPr id="27" name="直接箭头连接符 26"/>
+          <p:cNvCxnSpPr>
+            <a:stCxn id="5" idx="4"/>
+            <a:endCxn id="5" idx="0"/>
+          </p:cNvCxnSpPr>
+          <p:nvPr/>
+        </p:nvCxnSpPr>
+        <p:spPr>
+          <a:xfrm flipV="1">
+            <a:off x="5677270" y="1429305"/>
+            <a:ext cx="0" cy="3373513"/>
+          </a:xfrm>
+          <a:prstGeom prst="straightConnector1">
+            <a:avLst/>
+          </a:prstGeom>
+          <a:ln>
+            <a:tailEnd type="triangle"/>
+          </a:ln>
+        </p:spPr>
+        <p:style>
+          <a:lnRef idx="3">
+            <a:schemeClr val="dk1"/>
+          </a:lnRef>
+          <a:fillRef idx="0">
+            <a:schemeClr val="dk1"/>
+          </a:fillRef>
+          <a:effectRef idx="2">
+            <a:schemeClr val="dk1"/>
+          </a:effectRef>
+          <a:fontRef idx="minor">
+            <a:schemeClr val="tx1"/>
+          </a:fontRef>
+        </p:style>
+      </p:cxnSp>
+      <p:cxnSp>
+        <p:nvCxnSpPr>
+          <p:cNvPr id="30" name="直接箭头连接符 29"/>
+          <p:cNvCxnSpPr>
+            <a:stCxn id="5" idx="2"/>
+            <a:endCxn id="5" idx="6"/>
+          </p:cNvCxnSpPr>
+          <p:nvPr/>
+        </p:nvCxnSpPr>
+        <p:spPr>
+          <a:xfrm>
+            <a:off x="3915053" y="3116062"/>
+            <a:ext cx="3524434" cy="0"/>
+          </a:xfrm>
+          <a:prstGeom prst="straightConnector1">
+            <a:avLst/>
+          </a:prstGeom>
+          <a:ln>
+            <a:tailEnd type="triangle"/>
+          </a:ln>
+        </p:spPr>
+        <p:style>
+          <a:lnRef idx="3">
+            <a:schemeClr val="dk1"/>
+          </a:lnRef>
+          <a:fillRef idx="0">
+            <a:schemeClr val="dk1"/>
+          </a:fillRef>
+          <a:effectRef idx="2">
+            <a:schemeClr val="dk1"/>
+          </a:effectRef>
+          <a:fontRef idx="minor">
+            <a:schemeClr val="tx1"/>
+          </a:fontRef>
+        </p:style>
+      </p:cxnSp>
     </p:spTree>
     <p:extLst>
       <p:ext uri="{BB962C8B-B14F-4D97-AF65-F5344CB8AC3E}">
-        <p14:creationId xmlns:p14="http://schemas.microsoft.com/office/powerpoint/2010/main" val="1838463927"/>
+        <p14:creationId xmlns:p14="http://schemas.microsoft.com/office/powerpoint/2010/main" val="3826299921"/>
       </p:ext>
     </p:extLst>
   </p:cSld>
@@ -16735,7 +16232,7 @@
         </p:nvCxnSpPr>
         <p:spPr>
           <a:xfrm>
-            <a:off x="6658252" y="2214977"/>
+            <a:off x="6658252" y="1722267"/>
             <a:ext cx="381740" cy="0"/>
           </a:xfrm>
           <a:prstGeom prst="straightConnector1">
@@ -16768,7 +16265,7 @@
         </p:nvSpPr>
         <p:spPr>
           <a:xfrm>
-            <a:off x="7017329" y="1722267"/>
+            <a:off x="7016289" y="1555812"/>
             <a:ext cx="1664449" cy="2117322"/>
           </a:xfrm>
           <a:prstGeom prst="roundRect">
@@ -16798,7 +16295,7 @@
             <a:pPr algn="ctr"/>
             <a:r>
               <a:rPr lang="en-US" altLang="zh-CN" dirty="0"/>
-              <a:t>power,</a:t>
+              <a:t>energy,</a:t>
             </a:r>
           </a:p>
           <a:p>
@@ -16985,36 +16482,6 @@
           </a:p>
         </p:txBody>
       </p:sp>
-      <p:sp>
-        <p:nvSpPr>
-          <p:cNvPr id="49" name="文本框 48"/>
-          <p:cNvSpPr txBox="1"/>
-          <p:nvPr/>
-        </p:nvSpPr>
-        <p:spPr>
-          <a:xfrm>
-            <a:off x="7636308" y="4000699"/>
-            <a:ext cx="440719" cy="369332"/>
-          </a:xfrm>
-          <a:prstGeom prst="rect">
-            <a:avLst/>
-          </a:prstGeom>
-          <a:noFill/>
-        </p:spPr>
-        <p:txBody>
-          <a:bodyPr wrap="square" rtlCol="0">
-            <a:spAutoFit/>
-          </a:bodyPr>
-          <a:lstStyle/>
-          <a:p>
-            <a:r>
-              <a:rPr lang="en-US" altLang="zh-CN" b="1" dirty="0"/>
-              <a:t>…</a:t>
-            </a:r>
-            <a:endParaRPr lang="zh-CN" altLang="en-US" b="1" dirty="0"/>
-          </a:p>
-        </p:txBody>
-      </p:sp>
       <p:cxnSp>
         <p:nvCxnSpPr>
           <p:cNvPr id="50" name="直接箭头连接符 49"/>
@@ -17112,7 +16579,7 @@
                   <a:schemeClr val="tx1"/>
                 </a:solidFill>
               </a:rPr>
-              <a:t>选择</a:t>
+              <a:t>融合</a:t>
             </a:r>
           </a:p>
         </p:txBody>
@@ -17125,8 +16592,8 @@
         </p:nvSpPr>
         <p:spPr>
           <a:xfrm>
-            <a:off x="10438360" y="2614474"/>
-            <a:ext cx="839240" cy="839926"/>
+            <a:off x="10450190" y="2734321"/>
+            <a:ext cx="1601240" cy="600231"/>
           </a:xfrm>
           <a:prstGeom prst="rect">
             <a:avLst/>
@@ -17165,7 +16632,7 @@
                   <a:schemeClr val="tx1"/>
                 </a:solidFill>
               </a:rPr>
-              <a:t>情绪识别</a:t>
+              <a:t>情绪识别算法融合</a:t>
             </a:r>
             <a:endParaRPr lang="en-US" altLang="zh-CN" b="1" dirty="0">
               <a:solidFill>
@@ -17183,8 +16650,8 @@
         </p:nvSpPr>
         <p:spPr>
           <a:xfrm>
-            <a:off x="10438360" y="4185816"/>
-            <a:ext cx="839240" cy="729083"/>
+            <a:off x="10645792" y="3913331"/>
+            <a:ext cx="1210036" cy="572235"/>
           </a:xfrm>
           <a:prstGeom prst="rect">
             <a:avLst/>
@@ -17322,7 +16789,7 @@
                   <a:schemeClr val="tx1"/>
                 </a:solidFill>
               </a:rPr>
-              <a:t>效果评估</a:t>
+              <a:t>效果分析</a:t>
             </a:r>
             <a:endParaRPr lang="en-US" altLang="zh-CN" b="1" dirty="0">
               <a:solidFill>
@@ -17344,7 +16811,7 @@
         <p:spPr>
           <a:xfrm>
             <a:off x="9935185" y="3034437"/>
-            <a:ext cx="503175" cy="0"/>
+            <a:ext cx="515005" cy="0"/>
           </a:xfrm>
           <a:prstGeom prst="straightConnector1">
             <a:avLst/>
@@ -17379,8 +16846,180 @@
         </p:nvCxnSpPr>
         <p:spPr>
           <a:xfrm>
-            <a:off x="10857980" y="3454400"/>
-            <a:ext cx="0" cy="731416"/>
+            <a:off x="11250810" y="3334552"/>
+            <a:ext cx="0" cy="578779"/>
+          </a:xfrm>
+          <a:prstGeom prst="straightConnector1">
+            <a:avLst/>
+          </a:prstGeom>
+          <a:ln>
+            <a:tailEnd type="triangle"/>
+          </a:ln>
+        </p:spPr>
+        <p:style>
+          <a:lnRef idx="3">
+            <a:schemeClr val="dk1"/>
+          </a:lnRef>
+          <a:fillRef idx="0">
+            <a:schemeClr val="dk1"/>
+          </a:fillRef>
+          <a:effectRef idx="2">
+            <a:schemeClr val="dk1"/>
+          </a:effectRef>
+          <a:fontRef idx="minor">
+            <a:schemeClr val="tx1"/>
+          </a:fontRef>
+        </p:style>
+      </p:cxnSp>
+      <p:sp>
+        <p:nvSpPr>
+          <p:cNvPr id="39" name="矩形: 圆角 38"/>
+          <p:cNvSpPr/>
+          <p:nvPr/>
+        </p:nvSpPr>
+        <p:spPr>
+          <a:xfrm>
+            <a:off x="7000612" y="4034217"/>
+            <a:ext cx="1664449" cy="302296"/>
+          </a:xfrm>
+          <a:prstGeom prst="roundRect">
+            <a:avLst/>
+          </a:prstGeom>
+        </p:spPr>
+        <p:style>
+          <a:lnRef idx="2">
+            <a:schemeClr val="accent1">
+              <a:shade val="50000"/>
+            </a:schemeClr>
+          </a:lnRef>
+          <a:fillRef idx="1">
+            <a:schemeClr val="accent1"/>
+          </a:fillRef>
+          <a:effectRef idx="0">
+            <a:schemeClr val="accent1"/>
+          </a:effectRef>
+          <a:fontRef idx="minor">
+            <a:schemeClr val="lt1"/>
+          </a:fontRef>
+        </p:style>
+        <p:txBody>
+          <a:bodyPr rtlCol="0" anchor="ctr"/>
+          <a:lstStyle>
+            <a:defPPr>
+              <a:defRPr lang="zh-CN"/>
+            </a:defPPr>
+            <a:lvl1pPr marL="0" algn="l" defTabSz="914400" rtl="0" eaLnBrk="1" latinLnBrk="0" hangingPunct="1">
+              <a:defRPr sz="1800" kern="1200">
+                <a:solidFill>
+                  <a:schemeClr val="lt1"/>
+                </a:solidFill>
+                <a:latin typeface="+mn-lt"/>
+                <a:ea typeface="+mn-ea"/>
+                <a:cs typeface="+mn-cs"/>
+              </a:defRPr>
+            </a:lvl1pPr>
+            <a:lvl2pPr marL="457200" algn="l" defTabSz="914400" rtl="0" eaLnBrk="1" latinLnBrk="0" hangingPunct="1">
+              <a:defRPr sz="1800" kern="1200">
+                <a:solidFill>
+                  <a:schemeClr val="lt1"/>
+                </a:solidFill>
+                <a:latin typeface="+mn-lt"/>
+                <a:ea typeface="+mn-ea"/>
+                <a:cs typeface="+mn-cs"/>
+              </a:defRPr>
+            </a:lvl2pPr>
+            <a:lvl3pPr marL="914400" algn="l" defTabSz="914400" rtl="0" eaLnBrk="1" latinLnBrk="0" hangingPunct="1">
+              <a:defRPr sz="1800" kern="1200">
+                <a:solidFill>
+                  <a:schemeClr val="lt1"/>
+                </a:solidFill>
+                <a:latin typeface="+mn-lt"/>
+                <a:ea typeface="+mn-ea"/>
+                <a:cs typeface="+mn-cs"/>
+              </a:defRPr>
+            </a:lvl3pPr>
+            <a:lvl4pPr marL="1371600" algn="l" defTabSz="914400" rtl="0" eaLnBrk="1" latinLnBrk="0" hangingPunct="1">
+              <a:defRPr sz="1800" kern="1200">
+                <a:solidFill>
+                  <a:schemeClr val="lt1"/>
+                </a:solidFill>
+                <a:latin typeface="+mn-lt"/>
+                <a:ea typeface="+mn-ea"/>
+                <a:cs typeface="+mn-cs"/>
+              </a:defRPr>
+            </a:lvl4pPr>
+            <a:lvl5pPr marL="1828800" algn="l" defTabSz="914400" rtl="0" eaLnBrk="1" latinLnBrk="0" hangingPunct="1">
+              <a:defRPr sz="1800" kern="1200">
+                <a:solidFill>
+                  <a:schemeClr val="lt1"/>
+                </a:solidFill>
+                <a:latin typeface="+mn-lt"/>
+                <a:ea typeface="+mn-ea"/>
+                <a:cs typeface="+mn-cs"/>
+              </a:defRPr>
+            </a:lvl5pPr>
+            <a:lvl6pPr marL="2286000" algn="l" defTabSz="914400" rtl="0" eaLnBrk="1" latinLnBrk="0" hangingPunct="1">
+              <a:defRPr sz="1800" kern="1200">
+                <a:solidFill>
+                  <a:schemeClr val="lt1"/>
+                </a:solidFill>
+                <a:latin typeface="+mn-lt"/>
+                <a:ea typeface="+mn-ea"/>
+                <a:cs typeface="+mn-cs"/>
+              </a:defRPr>
+            </a:lvl6pPr>
+            <a:lvl7pPr marL="2743200" algn="l" defTabSz="914400" rtl="0" eaLnBrk="1" latinLnBrk="0" hangingPunct="1">
+              <a:defRPr sz="1800" kern="1200">
+                <a:solidFill>
+                  <a:schemeClr val="lt1"/>
+                </a:solidFill>
+                <a:latin typeface="+mn-lt"/>
+                <a:ea typeface="+mn-ea"/>
+                <a:cs typeface="+mn-cs"/>
+              </a:defRPr>
+            </a:lvl7pPr>
+            <a:lvl8pPr marL="3200400" algn="l" defTabSz="914400" rtl="0" eaLnBrk="1" latinLnBrk="0" hangingPunct="1">
+              <a:defRPr sz="1800" kern="1200">
+                <a:solidFill>
+                  <a:schemeClr val="lt1"/>
+                </a:solidFill>
+                <a:latin typeface="+mn-lt"/>
+                <a:ea typeface="+mn-ea"/>
+                <a:cs typeface="+mn-cs"/>
+              </a:defRPr>
+            </a:lvl8pPr>
+            <a:lvl9pPr marL="3657600" algn="l" defTabSz="914400" rtl="0" eaLnBrk="1" latinLnBrk="0" hangingPunct="1">
+              <a:defRPr sz="1800" kern="1200">
+                <a:solidFill>
+                  <a:schemeClr val="lt1"/>
+                </a:solidFill>
+                <a:latin typeface="+mn-lt"/>
+                <a:ea typeface="+mn-ea"/>
+                <a:cs typeface="+mn-cs"/>
+              </a:defRPr>
+            </a:lvl9pPr>
+          </a:lstStyle>
+          <a:p>
+            <a:pPr algn="ctr"/>
+            <a:r>
+              <a:rPr lang="en-US" altLang="zh-CN" dirty="0"/>
+              <a:t>PSI,RIR</a:t>
+            </a:r>
+          </a:p>
+        </p:txBody>
+      </p:sp>
+      <p:cxnSp>
+        <p:nvCxnSpPr>
+          <p:cNvPr id="40" name="直接箭头连接符 39"/>
+          <p:cNvCxnSpPr>
+            <a:endCxn id="39" idx="1"/>
+          </p:cNvCxnSpPr>
+          <p:nvPr/>
+        </p:nvCxnSpPr>
+        <p:spPr>
+          <a:xfrm>
+            <a:off x="6722326" y="4185365"/>
+            <a:ext cx="278286" cy="0"/>
           </a:xfrm>
           <a:prstGeom prst="straightConnector1">
             <a:avLst/>
@@ -17408,6 +17047,665 @@
     <p:extLst>
       <p:ext uri="{BB962C8B-B14F-4D97-AF65-F5344CB8AC3E}">
         <p14:creationId xmlns:p14="http://schemas.microsoft.com/office/powerpoint/2010/main" val="2622946741"/>
+      </p:ext>
+    </p:extLst>
+  </p:cSld>
+  <p:clrMapOvr>
+    <a:masterClrMapping/>
+  </p:clrMapOvr>
+</p:sld>
+</file>
+
+<file path=ppt/slides/slide20.xml><?xml version="1.0" encoding="utf-8"?>
+<p:sld xmlns:a="http://schemas.openxmlformats.org/drawingml/2006/main" xmlns:r="http://schemas.openxmlformats.org/officeDocument/2006/relationships" xmlns:p="http://schemas.openxmlformats.org/presentationml/2006/main">
+  <p:cSld>
+    <p:spTree>
+      <p:nvGrpSpPr>
+        <p:cNvPr id="1" name=""/>
+        <p:cNvGrpSpPr/>
+        <p:nvPr/>
+      </p:nvGrpSpPr>
+      <p:grpSpPr>
+        <a:xfrm>
+          <a:off x="0" y="0"/>
+          <a:ext cx="0" cy="0"/>
+          <a:chOff x="0" y="0"/>
+          <a:chExt cx="0" cy="0"/>
+        </a:xfrm>
+      </p:grpSpPr>
+      <p:sp>
+        <p:nvSpPr>
+          <p:cNvPr id="5" name="矩形 4"/>
+          <p:cNvSpPr/>
+          <p:nvPr/>
+        </p:nvSpPr>
+        <p:spPr>
+          <a:xfrm>
+            <a:off x="2138069" y="1404800"/>
+            <a:ext cx="791562" cy="457381"/>
+          </a:xfrm>
+          <a:prstGeom prst="rect">
+            <a:avLst/>
+          </a:prstGeom>
+        </p:spPr>
+        <p:style>
+          <a:lnRef idx="2">
+            <a:schemeClr val="accent1">
+              <a:shade val="50000"/>
+            </a:schemeClr>
+          </a:lnRef>
+          <a:fillRef idx="1">
+            <a:schemeClr val="accent1"/>
+          </a:fillRef>
+          <a:effectRef idx="0">
+            <a:schemeClr val="accent1"/>
+          </a:effectRef>
+          <a:fontRef idx="minor">
+            <a:schemeClr val="lt1"/>
+          </a:fontRef>
+        </p:style>
+        <p:txBody>
+          <a:bodyPr rtlCol="0" anchor="ctr"/>
+          <a:lstStyle/>
+          <a:p>
+            <a:pPr algn="ctr"/>
+            <a:r>
+              <a:rPr lang="en-US" altLang="zh-CN" dirty="0">
+                <a:latin typeface="+mn-ea"/>
+              </a:rPr>
+              <a:t>EEG</a:t>
+            </a:r>
+            <a:endParaRPr lang="zh-CN" altLang="en-US" dirty="0">
+              <a:latin typeface="+mn-ea"/>
+            </a:endParaRPr>
+          </a:p>
+        </p:txBody>
+      </p:sp>
+      <p:sp>
+        <p:nvSpPr>
+          <p:cNvPr id="6" name="矩形 5"/>
+          <p:cNvSpPr/>
+          <p:nvPr/>
+        </p:nvSpPr>
+        <p:spPr>
+          <a:xfrm>
+            <a:off x="3861817" y="1331650"/>
+            <a:ext cx="791562" cy="603683"/>
+          </a:xfrm>
+          <a:prstGeom prst="rect">
+            <a:avLst/>
+          </a:prstGeom>
+        </p:spPr>
+        <p:style>
+          <a:lnRef idx="2">
+            <a:schemeClr val="accent1">
+              <a:shade val="50000"/>
+            </a:schemeClr>
+          </a:lnRef>
+          <a:fillRef idx="1">
+            <a:schemeClr val="accent1"/>
+          </a:fillRef>
+          <a:effectRef idx="0">
+            <a:schemeClr val="accent1"/>
+          </a:effectRef>
+          <a:fontRef idx="minor">
+            <a:schemeClr val="lt1"/>
+          </a:fontRef>
+        </p:style>
+        <p:txBody>
+          <a:bodyPr rtlCol="0" anchor="ctr"/>
+          <a:lstStyle/>
+          <a:p>
+            <a:pPr algn="ctr"/>
+            <a:r>
+              <a:rPr lang="zh-CN" altLang="en-US" dirty="0">
+                <a:latin typeface="+mn-ea"/>
+              </a:rPr>
+              <a:t>去除伪迹</a:t>
+            </a:r>
+          </a:p>
+        </p:txBody>
+      </p:sp>
+      <p:sp>
+        <p:nvSpPr>
+          <p:cNvPr id="7" name="矩形 6"/>
+          <p:cNvSpPr/>
+          <p:nvPr/>
+        </p:nvSpPr>
+        <p:spPr>
+          <a:xfrm>
+            <a:off x="5585565" y="1331650"/>
+            <a:ext cx="791562" cy="603683"/>
+          </a:xfrm>
+          <a:prstGeom prst="rect">
+            <a:avLst/>
+          </a:prstGeom>
+        </p:spPr>
+        <p:style>
+          <a:lnRef idx="2">
+            <a:schemeClr val="accent1">
+              <a:shade val="50000"/>
+            </a:schemeClr>
+          </a:lnRef>
+          <a:fillRef idx="1">
+            <a:schemeClr val="accent1"/>
+          </a:fillRef>
+          <a:effectRef idx="0">
+            <a:schemeClr val="accent1"/>
+          </a:effectRef>
+          <a:fontRef idx="minor">
+            <a:schemeClr val="lt1"/>
+          </a:fontRef>
+        </p:style>
+        <p:txBody>
+          <a:bodyPr rot="0" spcFirstLastPara="0" vert="horz" wrap="square" lIns="91440" tIns="45720" rIns="91440" bIns="45720" numCol="1" spcCol="0" rtlCol="0" fromWordArt="0" anchor="ctr" anchorCtr="0" forceAA="0" compatLnSpc="1">
+            <a:prstTxWarp prst="textNoShape">
+              <a:avLst/>
+            </a:prstTxWarp>
+            <a:noAutofit/>
+          </a:bodyPr>
+          <a:lstStyle>
+            <a:defPPr>
+              <a:defRPr lang="zh-CN"/>
+            </a:defPPr>
+            <a:lvl1pPr marL="0" algn="l" defTabSz="914400" rtl="0" eaLnBrk="1" latinLnBrk="0" hangingPunct="1">
+              <a:defRPr sz="1800" kern="1200">
+                <a:solidFill>
+                  <a:schemeClr val="lt1"/>
+                </a:solidFill>
+                <a:latin typeface="+mn-lt"/>
+                <a:ea typeface="+mn-ea"/>
+                <a:cs typeface="+mn-cs"/>
+              </a:defRPr>
+            </a:lvl1pPr>
+            <a:lvl2pPr marL="457200" algn="l" defTabSz="914400" rtl="0" eaLnBrk="1" latinLnBrk="0" hangingPunct="1">
+              <a:defRPr sz="1800" kern="1200">
+                <a:solidFill>
+                  <a:schemeClr val="lt1"/>
+                </a:solidFill>
+                <a:latin typeface="+mn-lt"/>
+                <a:ea typeface="+mn-ea"/>
+                <a:cs typeface="+mn-cs"/>
+              </a:defRPr>
+            </a:lvl2pPr>
+            <a:lvl3pPr marL="914400" algn="l" defTabSz="914400" rtl="0" eaLnBrk="1" latinLnBrk="0" hangingPunct="1">
+              <a:defRPr sz="1800" kern="1200">
+                <a:solidFill>
+                  <a:schemeClr val="lt1"/>
+                </a:solidFill>
+                <a:latin typeface="+mn-lt"/>
+                <a:ea typeface="+mn-ea"/>
+                <a:cs typeface="+mn-cs"/>
+              </a:defRPr>
+            </a:lvl3pPr>
+            <a:lvl4pPr marL="1371600" algn="l" defTabSz="914400" rtl="0" eaLnBrk="1" latinLnBrk="0" hangingPunct="1">
+              <a:defRPr sz="1800" kern="1200">
+                <a:solidFill>
+                  <a:schemeClr val="lt1"/>
+                </a:solidFill>
+                <a:latin typeface="+mn-lt"/>
+                <a:ea typeface="+mn-ea"/>
+                <a:cs typeface="+mn-cs"/>
+              </a:defRPr>
+            </a:lvl4pPr>
+            <a:lvl5pPr marL="1828800" algn="l" defTabSz="914400" rtl="0" eaLnBrk="1" latinLnBrk="0" hangingPunct="1">
+              <a:defRPr sz="1800" kern="1200">
+                <a:solidFill>
+                  <a:schemeClr val="lt1"/>
+                </a:solidFill>
+                <a:latin typeface="+mn-lt"/>
+                <a:ea typeface="+mn-ea"/>
+                <a:cs typeface="+mn-cs"/>
+              </a:defRPr>
+            </a:lvl5pPr>
+            <a:lvl6pPr marL="2286000" algn="l" defTabSz="914400" rtl="0" eaLnBrk="1" latinLnBrk="0" hangingPunct="1">
+              <a:defRPr sz="1800" kern="1200">
+                <a:solidFill>
+                  <a:schemeClr val="lt1"/>
+                </a:solidFill>
+                <a:latin typeface="+mn-lt"/>
+                <a:ea typeface="+mn-ea"/>
+                <a:cs typeface="+mn-cs"/>
+              </a:defRPr>
+            </a:lvl6pPr>
+            <a:lvl7pPr marL="2743200" algn="l" defTabSz="914400" rtl="0" eaLnBrk="1" latinLnBrk="0" hangingPunct="1">
+              <a:defRPr sz="1800" kern="1200">
+                <a:solidFill>
+                  <a:schemeClr val="lt1"/>
+                </a:solidFill>
+                <a:latin typeface="+mn-lt"/>
+                <a:ea typeface="+mn-ea"/>
+                <a:cs typeface="+mn-cs"/>
+              </a:defRPr>
+            </a:lvl7pPr>
+            <a:lvl8pPr marL="3200400" algn="l" defTabSz="914400" rtl="0" eaLnBrk="1" latinLnBrk="0" hangingPunct="1">
+              <a:defRPr sz="1800" kern="1200">
+                <a:solidFill>
+                  <a:schemeClr val="lt1"/>
+                </a:solidFill>
+                <a:latin typeface="+mn-lt"/>
+                <a:ea typeface="+mn-ea"/>
+                <a:cs typeface="+mn-cs"/>
+              </a:defRPr>
+            </a:lvl8pPr>
+            <a:lvl9pPr marL="3657600" algn="l" defTabSz="914400" rtl="0" eaLnBrk="1" latinLnBrk="0" hangingPunct="1">
+              <a:defRPr sz="1800" kern="1200">
+                <a:solidFill>
+                  <a:schemeClr val="lt1"/>
+                </a:solidFill>
+                <a:latin typeface="+mn-lt"/>
+                <a:ea typeface="+mn-ea"/>
+                <a:cs typeface="+mn-cs"/>
+              </a:defRPr>
+            </a:lvl9pPr>
+          </a:lstStyle>
+          <a:p>
+            <a:pPr algn="ctr"/>
+            <a:r>
+              <a:rPr lang="zh-CN" altLang="en-US" dirty="0">
+                <a:latin typeface="+mn-ea"/>
+              </a:rPr>
+              <a:t>特征提取</a:t>
+            </a:r>
+          </a:p>
+        </p:txBody>
+      </p:sp>
+      <p:sp>
+        <p:nvSpPr>
+          <p:cNvPr id="8" name="矩形 7"/>
+          <p:cNvSpPr/>
+          <p:nvPr/>
+        </p:nvSpPr>
+        <p:spPr>
+          <a:xfrm>
+            <a:off x="7309313" y="1331651"/>
+            <a:ext cx="1390804" cy="603682"/>
+          </a:xfrm>
+          <a:prstGeom prst="rect">
+            <a:avLst/>
+          </a:prstGeom>
+        </p:spPr>
+        <p:style>
+          <a:lnRef idx="2">
+            <a:schemeClr val="accent1">
+              <a:shade val="50000"/>
+            </a:schemeClr>
+          </a:lnRef>
+          <a:fillRef idx="1">
+            <a:schemeClr val="accent1"/>
+          </a:fillRef>
+          <a:effectRef idx="0">
+            <a:schemeClr val="accent1"/>
+          </a:effectRef>
+          <a:fontRef idx="minor">
+            <a:schemeClr val="lt1"/>
+          </a:fontRef>
+        </p:style>
+        <p:txBody>
+          <a:bodyPr rot="0" spcFirstLastPara="0" vert="horz" wrap="square" lIns="91440" tIns="45720" rIns="91440" bIns="45720" numCol="1" spcCol="0" rtlCol="0" fromWordArt="0" anchor="ctr" anchorCtr="0" forceAA="0" compatLnSpc="1">
+            <a:prstTxWarp prst="textNoShape">
+              <a:avLst/>
+            </a:prstTxWarp>
+            <a:noAutofit/>
+          </a:bodyPr>
+          <a:lstStyle>
+            <a:defPPr>
+              <a:defRPr lang="zh-CN"/>
+            </a:defPPr>
+            <a:lvl1pPr marL="0" algn="l" defTabSz="914400" rtl="0" eaLnBrk="1" latinLnBrk="0" hangingPunct="1">
+              <a:defRPr sz="1800" kern="1200">
+                <a:solidFill>
+                  <a:schemeClr val="lt1"/>
+                </a:solidFill>
+                <a:latin typeface="+mn-lt"/>
+                <a:ea typeface="+mn-ea"/>
+                <a:cs typeface="+mn-cs"/>
+              </a:defRPr>
+            </a:lvl1pPr>
+            <a:lvl2pPr marL="457200" algn="l" defTabSz="914400" rtl="0" eaLnBrk="1" latinLnBrk="0" hangingPunct="1">
+              <a:defRPr sz="1800" kern="1200">
+                <a:solidFill>
+                  <a:schemeClr val="lt1"/>
+                </a:solidFill>
+                <a:latin typeface="+mn-lt"/>
+                <a:ea typeface="+mn-ea"/>
+                <a:cs typeface="+mn-cs"/>
+              </a:defRPr>
+            </a:lvl2pPr>
+            <a:lvl3pPr marL="914400" algn="l" defTabSz="914400" rtl="0" eaLnBrk="1" latinLnBrk="0" hangingPunct="1">
+              <a:defRPr sz="1800" kern="1200">
+                <a:solidFill>
+                  <a:schemeClr val="lt1"/>
+                </a:solidFill>
+                <a:latin typeface="+mn-lt"/>
+                <a:ea typeface="+mn-ea"/>
+                <a:cs typeface="+mn-cs"/>
+              </a:defRPr>
+            </a:lvl3pPr>
+            <a:lvl4pPr marL="1371600" algn="l" defTabSz="914400" rtl="0" eaLnBrk="1" latinLnBrk="0" hangingPunct="1">
+              <a:defRPr sz="1800" kern="1200">
+                <a:solidFill>
+                  <a:schemeClr val="lt1"/>
+                </a:solidFill>
+                <a:latin typeface="+mn-lt"/>
+                <a:ea typeface="+mn-ea"/>
+                <a:cs typeface="+mn-cs"/>
+              </a:defRPr>
+            </a:lvl4pPr>
+            <a:lvl5pPr marL="1828800" algn="l" defTabSz="914400" rtl="0" eaLnBrk="1" latinLnBrk="0" hangingPunct="1">
+              <a:defRPr sz="1800" kern="1200">
+                <a:solidFill>
+                  <a:schemeClr val="lt1"/>
+                </a:solidFill>
+                <a:latin typeface="+mn-lt"/>
+                <a:ea typeface="+mn-ea"/>
+                <a:cs typeface="+mn-cs"/>
+              </a:defRPr>
+            </a:lvl5pPr>
+            <a:lvl6pPr marL="2286000" algn="l" defTabSz="914400" rtl="0" eaLnBrk="1" latinLnBrk="0" hangingPunct="1">
+              <a:defRPr sz="1800" kern="1200">
+                <a:solidFill>
+                  <a:schemeClr val="lt1"/>
+                </a:solidFill>
+                <a:latin typeface="+mn-lt"/>
+                <a:ea typeface="+mn-ea"/>
+                <a:cs typeface="+mn-cs"/>
+              </a:defRPr>
+            </a:lvl6pPr>
+            <a:lvl7pPr marL="2743200" algn="l" defTabSz="914400" rtl="0" eaLnBrk="1" latinLnBrk="0" hangingPunct="1">
+              <a:defRPr sz="1800" kern="1200">
+                <a:solidFill>
+                  <a:schemeClr val="lt1"/>
+                </a:solidFill>
+                <a:latin typeface="+mn-lt"/>
+                <a:ea typeface="+mn-ea"/>
+                <a:cs typeface="+mn-cs"/>
+              </a:defRPr>
+            </a:lvl7pPr>
+            <a:lvl8pPr marL="3200400" algn="l" defTabSz="914400" rtl="0" eaLnBrk="1" latinLnBrk="0" hangingPunct="1">
+              <a:defRPr sz="1800" kern="1200">
+                <a:solidFill>
+                  <a:schemeClr val="lt1"/>
+                </a:solidFill>
+                <a:latin typeface="+mn-lt"/>
+                <a:ea typeface="+mn-ea"/>
+                <a:cs typeface="+mn-cs"/>
+              </a:defRPr>
+            </a:lvl8pPr>
+            <a:lvl9pPr marL="3657600" algn="l" defTabSz="914400" rtl="0" eaLnBrk="1" latinLnBrk="0" hangingPunct="1">
+              <a:defRPr sz="1800" kern="1200">
+                <a:solidFill>
+                  <a:schemeClr val="lt1"/>
+                </a:solidFill>
+                <a:latin typeface="+mn-lt"/>
+                <a:ea typeface="+mn-ea"/>
+                <a:cs typeface="+mn-cs"/>
+              </a:defRPr>
+            </a:lvl9pPr>
+          </a:lstStyle>
+          <a:p>
+            <a:pPr algn="ctr"/>
+            <a:r>
+              <a:rPr lang="zh-CN" altLang="en-US" dirty="0">
+                <a:latin typeface="+mn-ea"/>
+              </a:rPr>
+              <a:t>特征选择</a:t>
+            </a:r>
+            <a:endParaRPr lang="en-US" altLang="zh-CN" dirty="0">
+              <a:latin typeface="+mn-ea"/>
+            </a:endParaRPr>
+          </a:p>
+          <a:p>
+            <a:pPr algn="ctr"/>
+            <a:r>
+              <a:rPr lang="zh-CN" altLang="en-US" dirty="0">
+                <a:latin typeface="+mn-ea"/>
+              </a:rPr>
+              <a:t>与降维</a:t>
+            </a:r>
+          </a:p>
+        </p:txBody>
+      </p:sp>
+      <p:sp>
+        <p:nvSpPr>
+          <p:cNvPr id="9" name="矩形 8"/>
+          <p:cNvSpPr/>
+          <p:nvPr/>
+        </p:nvSpPr>
+        <p:spPr>
+          <a:xfrm>
+            <a:off x="9632303" y="1220633"/>
+            <a:ext cx="1145219" cy="825713"/>
+          </a:xfrm>
+          <a:prstGeom prst="rect">
+            <a:avLst/>
+          </a:prstGeom>
+        </p:spPr>
+        <p:style>
+          <a:lnRef idx="2">
+            <a:schemeClr val="accent1">
+              <a:shade val="50000"/>
+            </a:schemeClr>
+          </a:lnRef>
+          <a:fillRef idx="1">
+            <a:schemeClr val="accent1"/>
+          </a:fillRef>
+          <a:effectRef idx="0">
+            <a:schemeClr val="accent1"/>
+          </a:effectRef>
+          <a:fontRef idx="minor">
+            <a:schemeClr val="lt1"/>
+          </a:fontRef>
+        </p:style>
+        <p:txBody>
+          <a:bodyPr rot="0" spcFirstLastPara="0" vert="horz" wrap="square" lIns="91440" tIns="45720" rIns="91440" bIns="45720" numCol="1" spcCol="0" rtlCol="0" fromWordArt="0" anchor="ctr" anchorCtr="0" forceAA="0" compatLnSpc="1">
+            <a:prstTxWarp prst="textNoShape">
+              <a:avLst/>
+            </a:prstTxWarp>
+            <a:noAutofit/>
+          </a:bodyPr>
+          <a:lstStyle>
+            <a:defPPr>
+              <a:defRPr lang="zh-CN"/>
+            </a:defPPr>
+            <a:lvl1pPr marL="0" algn="l" defTabSz="914400" rtl="0" eaLnBrk="1" latinLnBrk="0" hangingPunct="1">
+              <a:defRPr sz="1800" kern="1200">
+                <a:solidFill>
+                  <a:schemeClr val="lt1"/>
+                </a:solidFill>
+                <a:latin typeface="+mn-lt"/>
+                <a:ea typeface="+mn-ea"/>
+                <a:cs typeface="+mn-cs"/>
+              </a:defRPr>
+            </a:lvl1pPr>
+            <a:lvl2pPr marL="457200" algn="l" defTabSz="914400" rtl="0" eaLnBrk="1" latinLnBrk="0" hangingPunct="1">
+              <a:defRPr sz="1800" kern="1200">
+                <a:solidFill>
+                  <a:schemeClr val="lt1"/>
+                </a:solidFill>
+                <a:latin typeface="+mn-lt"/>
+                <a:ea typeface="+mn-ea"/>
+                <a:cs typeface="+mn-cs"/>
+              </a:defRPr>
+            </a:lvl2pPr>
+            <a:lvl3pPr marL="914400" algn="l" defTabSz="914400" rtl="0" eaLnBrk="1" latinLnBrk="0" hangingPunct="1">
+              <a:defRPr sz="1800" kern="1200">
+                <a:solidFill>
+                  <a:schemeClr val="lt1"/>
+                </a:solidFill>
+                <a:latin typeface="+mn-lt"/>
+                <a:ea typeface="+mn-ea"/>
+                <a:cs typeface="+mn-cs"/>
+              </a:defRPr>
+            </a:lvl3pPr>
+            <a:lvl4pPr marL="1371600" algn="l" defTabSz="914400" rtl="0" eaLnBrk="1" latinLnBrk="0" hangingPunct="1">
+              <a:defRPr sz="1800" kern="1200">
+                <a:solidFill>
+                  <a:schemeClr val="lt1"/>
+                </a:solidFill>
+                <a:latin typeface="+mn-lt"/>
+                <a:ea typeface="+mn-ea"/>
+                <a:cs typeface="+mn-cs"/>
+              </a:defRPr>
+            </a:lvl4pPr>
+            <a:lvl5pPr marL="1828800" algn="l" defTabSz="914400" rtl="0" eaLnBrk="1" latinLnBrk="0" hangingPunct="1">
+              <a:defRPr sz="1800" kern="1200">
+                <a:solidFill>
+                  <a:schemeClr val="lt1"/>
+                </a:solidFill>
+                <a:latin typeface="+mn-lt"/>
+                <a:ea typeface="+mn-ea"/>
+                <a:cs typeface="+mn-cs"/>
+              </a:defRPr>
+            </a:lvl5pPr>
+            <a:lvl6pPr marL="2286000" algn="l" defTabSz="914400" rtl="0" eaLnBrk="1" latinLnBrk="0" hangingPunct="1">
+              <a:defRPr sz="1800" kern="1200">
+                <a:solidFill>
+                  <a:schemeClr val="lt1"/>
+                </a:solidFill>
+                <a:latin typeface="+mn-lt"/>
+                <a:ea typeface="+mn-ea"/>
+                <a:cs typeface="+mn-cs"/>
+              </a:defRPr>
+            </a:lvl6pPr>
+            <a:lvl7pPr marL="2743200" algn="l" defTabSz="914400" rtl="0" eaLnBrk="1" latinLnBrk="0" hangingPunct="1">
+              <a:defRPr sz="1800" kern="1200">
+                <a:solidFill>
+                  <a:schemeClr val="lt1"/>
+                </a:solidFill>
+                <a:latin typeface="+mn-lt"/>
+                <a:ea typeface="+mn-ea"/>
+                <a:cs typeface="+mn-cs"/>
+              </a:defRPr>
+            </a:lvl7pPr>
+            <a:lvl8pPr marL="3200400" algn="l" defTabSz="914400" rtl="0" eaLnBrk="1" latinLnBrk="0" hangingPunct="1">
+              <a:defRPr sz="1800" kern="1200">
+                <a:solidFill>
+                  <a:schemeClr val="lt1"/>
+                </a:solidFill>
+                <a:latin typeface="+mn-lt"/>
+                <a:ea typeface="+mn-ea"/>
+                <a:cs typeface="+mn-cs"/>
+              </a:defRPr>
+            </a:lvl8pPr>
+            <a:lvl9pPr marL="3657600" algn="l" defTabSz="914400" rtl="0" eaLnBrk="1" latinLnBrk="0" hangingPunct="1">
+              <a:defRPr sz="1800" kern="1200">
+                <a:solidFill>
+                  <a:schemeClr val="lt1"/>
+                </a:solidFill>
+                <a:latin typeface="+mn-lt"/>
+                <a:ea typeface="+mn-ea"/>
+                <a:cs typeface="+mn-cs"/>
+              </a:defRPr>
+            </a:lvl9pPr>
+          </a:lstStyle>
+          <a:p>
+            <a:pPr algn="ctr"/>
+            <a:r>
+              <a:rPr lang="zh-CN" altLang="en-US" dirty="0">
+                <a:latin typeface="+mn-ea"/>
+              </a:rPr>
+              <a:t>情绪识别算法</a:t>
+            </a:r>
+          </a:p>
+        </p:txBody>
+      </p:sp>
+      <p:pic>
+        <p:nvPicPr>
+          <p:cNvPr id="2" name="图片 1"/>
+          <p:cNvPicPr>
+            <a:picLocks noChangeAspect="1"/>
+          </p:cNvPicPr>
+          <p:nvPr/>
+        </p:nvPicPr>
+        <p:blipFill>
+          <a:blip r:embed="rId2">
+            <a:extLst>
+              <a:ext uri="{28A0092B-C50C-407E-A947-70E740481C1C}">
+                <a14:useLocalDpi xmlns:a14="http://schemas.microsoft.com/office/drawing/2010/main" val="0"/>
+              </a:ext>
+            </a:extLst>
+          </a:blip>
+          <a:stretch>
+            <a:fillRect/>
+          </a:stretch>
+        </p:blipFill>
+        <p:spPr>
+          <a:xfrm>
+            <a:off x="3578873" y="2827369"/>
+            <a:ext cx="5121244" cy="2397774"/>
+          </a:xfrm>
+          <a:prstGeom prst="rect">
+            <a:avLst/>
+          </a:prstGeom>
+        </p:spPr>
+      </p:pic>
+      <p:sp>
+        <p:nvSpPr>
+          <p:cNvPr id="3" name="文本框 2"/>
+          <p:cNvSpPr txBox="1"/>
+          <p:nvPr/>
+        </p:nvSpPr>
+        <p:spPr>
+          <a:xfrm>
+            <a:off x="7978081" y="4355319"/>
+            <a:ext cx="646331" cy="369332"/>
+          </a:xfrm>
+          <a:prstGeom prst="rect">
+            <a:avLst/>
+          </a:prstGeom>
+          <a:noFill/>
+        </p:spPr>
+        <p:txBody>
+          <a:bodyPr wrap="none" rtlCol="0">
+            <a:spAutoFit/>
+          </a:bodyPr>
+          <a:lstStyle/>
+          <a:p>
+            <a:r>
+              <a:rPr lang="zh-CN" altLang="en-US" dirty="0"/>
+              <a:t>头动</a:t>
+            </a:r>
+          </a:p>
+        </p:txBody>
+      </p:sp>
+      <p:cxnSp>
+        <p:nvCxnSpPr>
+          <p:cNvPr id="10" name="直接箭头连接符 9"/>
+          <p:cNvCxnSpPr/>
+          <p:nvPr/>
+        </p:nvCxnSpPr>
+        <p:spPr>
+          <a:xfrm flipH="1" flipV="1">
+            <a:off x="8131945" y="4092225"/>
+            <a:ext cx="62144" cy="328855"/>
+          </a:xfrm>
+          <a:prstGeom prst="straightConnector1">
+            <a:avLst/>
+          </a:prstGeom>
+          <a:ln>
+            <a:tailEnd type="triangle"/>
+          </a:ln>
+        </p:spPr>
+        <p:style>
+          <a:lnRef idx="1">
+            <a:schemeClr val="accent1"/>
+          </a:lnRef>
+          <a:fillRef idx="0">
+            <a:schemeClr val="accent1"/>
+          </a:fillRef>
+          <a:effectRef idx="0">
+            <a:schemeClr val="accent1"/>
+          </a:effectRef>
+          <a:fontRef idx="minor">
+            <a:schemeClr val="tx1"/>
+          </a:fontRef>
+        </p:style>
+      </p:cxnSp>
+    </p:spTree>
+    <p:extLst>
+      <p:ext uri="{BB962C8B-B14F-4D97-AF65-F5344CB8AC3E}">
+        <p14:creationId xmlns:p14="http://schemas.microsoft.com/office/powerpoint/2010/main" val="1838463927"/>
       </p:ext>
     </p:extLst>
   </p:cSld>
@@ -24863,8 +25161,8 @@
           </a:fontRef>
         </p:style>
       </p:cxnSp>
-      <mc:AlternateContent xmlns:mc="http://schemas.openxmlformats.org/markup-compatibility/2006">
-        <mc:Choice xmlns:a14="http://schemas.microsoft.com/office/drawing/2010/main" Requires="a14">
+      <mc:AlternateContent xmlns:mc="http://schemas.openxmlformats.org/markup-compatibility/2006" xmlns:a14="http://schemas.microsoft.com/office/drawing/2010/main">
+        <mc:Choice Requires="a14">
           <p:sp>
             <p:nvSpPr>
               <p:cNvPr id="7" name="文本框 6"/>
@@ -24901,87 +25199,117 @@
                       <m:accPr>
                         <m:chr m:val="̃"/>
                         <m:ctrlPr>
-                          <a:rPr lang="zh-CN" altLang="zh-CN" b="1" i="1"/>
+                          <a:rPr lang="zh-CN" altLang="zh-CN" b="1" i="1">
+                            <a:latin typeface="Cambria Math" panose="02040503050406030204" pitchFamily="18" charset="0"/>
+                          </a:rPr>
                         </m:ctrlPr>
                       </m:accPr>
                       <m:e>
                         <m:r>
-                          <a:rPr lang="en-US" altLang="zh-CN" b="1" i="1"/>
+                          <a:rPr lang="en-US" altLang="zh-CN" b="1" i="1">
+                            <a:latin typeface="Cambria Math" panose="02040503050406030204" pitchFamily="18" charset="0"/>
+                          </a:rPr>
                           <m:t>𝒙</m:t>
                         </m:r>
                       </m:e>
                     </m:acc>
                     <m:r>
-                      <a:rPr lang="en-US" altLang="zh-CN" b="1"/>
+                      <a:rPr lang="en-US" altLang="zh-CN" b="1">
+                        <a:latin typeface="Cambria Math" panose="02040503050406030204" pitchFamily="18" charset="0"/>
+                      </a:rPr>
                       <m:t>=[</m:t>
                     </m:r>
                     <m:sSub>
                       <m:sSubPr>
                         <m:ctrlPr>
-                          <a:rPr lang="zh-CN" altLang="zh-CN" i="1"/>
+                          <a:rPr lang="zh-CN" altLang="zh-CN" i="1">
+                            <a:latin typeface="Cambria Math" panose="02040503050406030204" pitchFamily="18" charset="0"/>
+                          </a:rPr>
                         </m:ctrlPr>
                       </m:sSubPr>
                       <m:e>
                         <m:r>
-                          <a:rPr lang="en-US" altLang="zh-CN" i="1"/>
+                          <a:rPr lang="en-US" altLang="zh-CN" i="1">
+                            <a:latin typeface="Cambria Math" panose="02040503050406030204" pitchFamily="18" charset="0"/>
+                          </a:rPr>
                           <m:t>𝑥</m:t>
                         </m:r>
                       </m:e>
                       <m:sub>
                         <m:r>
-                          <a:rPr lang="en-US" altLang="zh-CN" i="1"/>
+                          <a:rPr lang="en-US" altLang="zh-CN" i="1">
+                            <a:latin typeface="Cambria Math" panose="02040503050406030204" pitchFamily="18" charset="0"/>
+                          </a:rPr>
                           <m:t>1</m:t>
                         </m:r>
                       </m:sub>
                     </m:sSub>
                     <m:r>
-                      <a:rPr lang="en-US" altLang="zh-CN" i="1"/>
+                      <a:rPr lang="en-US" altLang="zh-CN" i="1">
+                        <a:latin typeface="Cambria Math" panose="02040503050406030204" pitchFamily="18" charset="0"/>
+                      </a:rPr>
                       <m:t>,</m:t>
                     </m:r>
                     <m:sSub>
                       <m:sSubPr>
                         <m:ctrlPr>
-                          <a:rPr lang="zh-CN" altLang="zh-CN" i="1"/>
+                          <a:rPr lang="zh-CN" altLang="zh-CN" i="1">
+                            <a:latin typeface="Cambria Math" panose="02040503050406030204" pitchFamily="18" charset="0"/>
+                          </a:rPr>
                         </m:ctrlPr>
                       </m:sSubPr>
                       <m:e>
                         <m:r>
-                          <a:rPr lang="en-US" altLang="zh-CN" i="1"/>
+                          <a:rPr lang="en-US" altLang="zh-CN" i="1">
+                            <a:latin typeface="Cambria Math" panose="02040503050406030204" pitchFamily="18" charset="0"/>
+                          </a:rPr>
                           <m:t>𝑥</m:t>
                         </m:r>
                       </m:e>
                       <m:sub>
                         <m:r>
-                          <a:rPr lang="en-US" altLang="zh-CN" i="1"/>
+                          <a:rPr lang="en-US" altLang="zh-CN" i="1">
+                            <a:latin typeface="Cambria Math" panose="02040503050406030204" pitchFamily="18" charset="0"/>
+                          </a:rPr>
                           <m:t>2</m:t>
                         </m:r>
                       </m:sub>
                     </m:sSub>
                     <m:r>
-                      <a:rPr lang="en-US" altLang="zh-CN" i="1"/>
+                      <a:rPr lang="en-US" altLang="zh-CN" i="1">
+                        <a:latin typeface="Cambria Math" panose="02040503050406030204" pitchFamily="18" charset="0"/>
+                      </a:rPr>
                       <m:t>,…,</m:t>
                     </m:r>
                     <m:sSub>
                       <m:sSubPr>
                         <m:ctrlPr>
-                          <a:rPr lang="zh-CN" altLang="zh-CN" i="1"/>
+                          <a:rPr lang="zh-CN" altLang="zh-CN" i="1">
+                            <a:latin typeface="Cambria Math" panose="02040503050406030204" pitchFamily="18" charset="0"/>
+                          </a:rPr>
                         </m:ctrlPr>
                       </m:sSubPr>
                       <m:e>
                         <m:r>
-                          <a:rPr lang="en-US" altLang="zh-CN" i="1"/>
+                          <a:rPr lang="en-US" altLang="zh-CN" i="1">
+                            <a:latin typeface="Cambria Math" panose="02040503050406030204" pitchFamily="18" charset="0"/>
+                          </a:rPr>
                           <m:t>𝑥</m:t>
                         </m:r>
                       </m:e>
                       <m:sub>
                         <m:r>
-                          <a:rPr lang="en-US" altLang="zh-CN" i="1"/>
+                          <a:rPr lang="en-US" altLang="zh-CN" i="1">
+                            <a:latin typeface="Cambria Math" panose="02040503050406030204" pitchFamily="18" charset="0"/>
+                          </a:rPr>
                           <m:t>𝑁</m:t>
                         </m:r>
                       </m:sub>
                     </m:sSub>
                     <m:r>
-                      <a:rPr lang="en-US" altLang="zh-CN" b="1"/>
+                      <a:rPr lang="en-US" altLang="zh-CN" b="1">
+                        <a:latin typeface="Cambria Math" panose="02040503050406030204" pitchFamily="18" charset="0"/>
+                      </a:rPr>
                       <m:t>]</m:t>
                     </m:r>
                     <m:r>
@@ -25349,7 +25677,7 @@
             </p:txBody>
           </p:sp>
         </mc:Choice>
-        <mc:Fallback>
+        <mc:Fallback xmlns="">
           <p:sp>
             <p:nvSpPr>
               <p:cNvPr id="7" name="文本框 6"/>
@@ -25427,7 +25755,7 @@
         <p:spPr>
           <a:xfrm>
             <a:off x="2370338" y="1704513"/>
-            <a:ext cx="5717219" cy="0"/>
+            <a:ext cx="7363175" cy="0"/>
           </a:xfrm>
           <a:prstGeom prst="line">
             <a:avLst/>
@@ -25456,9 +25784,9 @@
           <p:nvPr/>
         </p:nvCxnSpPr>
         <p:spPr>
-          <a:xfrm>
-            <a:off x="2370338" y="5460793"/>
-            <a:ext cx="5717219" cy="0"/>
+          <a:xfrm flipV="1">
+            <a:off x="2370338" y="4012837"/>
+            <a:ext cx="7363175" cy="2"/>
           </a:xfrm>
           <a:prstGeom prst="line">
             <a:avLst/>
@@ -25491,7 +25819,7 @@
             <p:spPr>
               <a:xfrm>
                 <a:off x="2500443" y="1704513"/>
-                <a:ext cx="5457007" cy="4247317"/>
+                <a:ext cx="7233070" cy="2308324"/>
               </a:xfrm>
               <a:prstGeom prst="rect">
                 <a:avLst/>
@@ -25510,95 +25838,246 @@
                 </a:r>
                 <a:r>
                   <a:rPr lang="zh-CN" altLang="en-US" dirty="0"/>
-                  <a:t>：时间序列</a:t>
+                  <a:t>：降维后的样本集</a:t>
                 </a:r>
                 <a14:m>
                   <m:oMath xmlns:m="http://schemas.openxmlformats.org/officeDocument/2006/math">
-                    <m:acc>
-                      <m:accPr>
-                        <m:chr m:val="̃"/>
+                    <m:r>
+                      <a:rPr lang="en-US" altLang="zh-CN" b="1" i="0" dirty="0" smtClean="0">
+                        <a:latin typeface="Cambria Math" panose="02040503050406030204" pitchFamily="18" charset="0"/>
+                      </a:rPr>
+                      <m:t>𝐗</m:t>
+                    </m:r>
+                    <m:r>
+                      <a:rPr lang="en-US" altLang="zh-CN" b="1">
+                        <a:latin typeface="Cambria Math" panose="02040503050406030204" pitchFamily="18" charset="0"/>
+                      </a:rPr>
+                      <m:t>=[</m:t>
+                    </m:r>
+                    <m:d>
+                      <m:dPr>
                         <m:ctrlPr>
-                          <a:rPr lang="zh-CN" altLang="zh-CN" b="1" i="1"/>
+                          <a:rPr lang="en-US" altLang="zh-CN" b="0" i="1" smtClean="0">
+                            <a:latin typeface="Cambria Math" panose="02040503050406030204" pitchFamily="18" charset="0"/>
+                          </a:rPr>
                         </m:ctrlPr>
-                      </m:accPr>
+                      </m:dPr>
                       <m:e>
+                        <m:sSub>
+                          <m:sSubPr>
+                            <m:ctrlPr>
+                              <a:rPr lang="zh-CN" altLang="zh-CN" i="1">
+                                <a:latin typeface="Cambria Math" panose="02040503050406030204" pitchFamily="18" charset="0"/>
+                              </a:rPr>
+                            </m:ctrlPr>
+                          </m:sSubPr>
+                          <m:e>
+                            <m:r>
+                              <a:rPr lang="en-US" altLang="zh-CN" i="1">
+                                <a:latin typeface="Cambria Math" panose="02040503050406030204" pitchFamily="18" charset="0"/>
+                              </a:rPr>
+                              <m:t>𝑥</m:t>
+                            </m:r>
+                          </m:e>
+                          <m:sub>
+                            <m:r>
+                              <a:rPr lang="en-US" altLang="zh-CN" i="1">
+                                <a:latin typeface="Cambria Math" panose="02040503050406030204" pitchFamily="18" charset="0"/>
+                              </a:rPr>
+                              <m:t>1</m:t>
+                            </m:r>
+                          </m:sub>
+                        </m:sSub>
                         <m:r>
-                          <a:rPr lang="en-US" altLang="zh-CN" b="1" i="1"/>
-                          <m:t>𝒙</m:t>
+                          <a:rPr lang="en-US" altLang="zh-CN" b="0" i="1" smtClean="0">
+                            <a:latin typeface="Cambria Math" panose="02040503050406030204" pitchFamily="18" charset="0"/>
+                          </a:rPr>
+                          <m:t>,</m:t>
                         </m:r>
+                        <m:sSub>
+                          <m:sSubPr>
+                            <m:ctrlPr>
+                              <a:rPr lang="zh-CN" altLang="zh-CN" i="1">
+                                <a:latin typeface="Cambria Math" panose="02040503050406030204" pitchFamily="18" charset="0"/>
+                              </a:rPr>
+                            </m:ctrlPr>
+                          </m:sSubPr>
+                          <m:e>
+                            <m:r>
+                              <a:rPr lang="en-US" altLang="zh-CN" b="0" i="1" smtClean="0">
+                                <a:latin typeface="Cambria Math" panose="02040503050406030204" pitchFamily="18" charset="0"/>
+                              </a:rPr>
+                              <m:t>𝑦</m:t>
+                            </m:r>
+                          </m:e>
+                          <m:sub>
+                            <m:r>
+                              <a:rPr lang="en-US" altLang="zh-CN" b="0" i="1" smtClean="0">
+                                <a:latin typeface="Cambria Math" panose="02040503050406030204" pitchFamily="18" charset="0"/>
+                              </a:rPr>
+                              <m:t>1</m:t>
+                            </m:r>
+                          </m:sub>
+                        </m:sSub>
                       </m:e>
-                    </m:acc>
+                    </m:d>
                     <m:r>
-                      <a:rPr lang="en-US" altLang="zh-CN" b="1"/>
-                      <m:t>=[</m:t>
+                      <a:rPr lang="en-US" altLang="zh-CN" i="1">
+                        <a:latin typeface="Cambria Math" panose="02040503050406030204" pitchFamily="18" charset="0"/>
+                      </a:rPr>
+                      <m:t>,</m:t>
+                    </m:r>
+                    <m:d>
+                      <m:dPr>
+                        <m:ctrlPr>
+                          <a:rPr lang="en-US" altLang="zh-CN" b="0" i="1" smtClean="0">
+                            <a:latin typeface="Cambria Math" panose="02040503050406030204" pitchFamily="18" charset="0"/>
+                          </a:rPr>
+                        </m:ctrlPr>
+                      </m:dPr>
+                      <m:e>
+                        <m:sSub>
+                          <m:sSubPr>
+                            <m:ctrlPr>
+                              <a:rPr lang="zh-CN" altLang="zh-CN" i="1">
+                                <a:latin typeface="Cambria Math" panose="02040503050406030204" pitchFamily="18" charset="0"/>
+                              </a:rPr>
+                            </m:ctrlPr>
+                          </m:sSubPr>
+                          <m:e>
+                            <m:r>
+                              <a:rPr lang="en-US" altLang="zh-CN" i="1">
+                                <a:latin typeface="Cambria Math" panose="02040503050406030204" pitchFamily="18" charset="0"/>
+                              </a:rPr>
+                              <m:t>𝑥</m:t>
+                            </m:r>
+                          </m:e>
+                          <m:sub>
+                            <m:r>
+                              <a:rPr lang="en-US" altLang="zh-CN" i="1">
+                                <a:latin typeface="Cambria Math" panose="02040503050406030204" pitchFamily="18" charset="0"/>
+                              </a:rPr>
+                              <m:t>2</m:t>
+                            </m:r>
+                          </m:sub>
+                        </m:sSub>
+                        <m:r>
+                          <a:rPr lang="en-US" altLang="zh-CN" i="1">
+                            <a:latin typeface="Cambria Math" panose="02040503050406030204" pitchFamily="18" charset="0"/>
+                          </a:rPr>
+                          <m:t>,</m:t>
+                        </m:r>
+                        <m:sSub>
+                          <m:sSubPr>
+                            <m:ctrlPr>
+                              <a:rPr lang="zh-CN" altLang="zh-CN" i="1">
+                                <a:latin typeface="Cambria Math" panose="02040503050406030204" pitchFamily="18" charset="0"/>
+                              </a:rPr>
+                            </m:ctrlPr>
+                          </m:sSubPr>
+                          <m:e>
+                            <m:r>
+                              <a:rPr lang="en-US" altLang="zh-CN" b="0" i="1" smtClean="0">
+                                <a:latin typeface="Cambria Math" panose="02040503050406030204" pitchFamily="18" charset="0"/>
+                              </a:rPr>
+                              <m:t>𝑦</m:t>
+                            </m:r>
+                          </m:e>
+                          <m:sub>
+                            <m:r>
+                              <a:rPr lang="en-US" altLang="zh-CN" i="1">
+                                <a:latin typeface="Cambria Math" panose="02040503050406030204" pitchFamily="18" charset="0"/>
+                              </a:rPr>
+                              <m:t>2</m:t>
+                            </m:r>
+                          </m:sub>
+                        </m:sSub>
+                      </m:e>
+                    </m:d>
+                    <m:r>
+                      <a:rPr lang="en-US" altLang="zh-CN" b="0" i="1" smtClean="0">
+                        <a:latin typeface="Cambria Math" panose="02040503050406030204" pitchFamily="18" charset="0"/>
+                      </a:rPr>
+                      <m:t>,</m:t>
+                    </m:r>
+                    <m:r>
+                      <a:rPr lang="en-US" altLang="zh-CN" i="1">
+                        <a:latin typeface="Cambria Math" panose="02040503050406030204" pitchFamily="18" charset="0"/>
+                      </a:rPr>
+                      <m:t>…,</m:t>
+                    </m:r>
+                    <m:r>
+                      <a:rPr lang="en-US" altLang="zh-CN" b="0" i="1" smtClean="0">
+                        <a:latin typeface="Cambria Math" panose="02040503050406030204" pitchFamily="18" charset="0"/>
+                      </a:rPr>
+                      <m:t>(</m:t>
                     </m:r>
                     <m:sSub>
                       <m:sSubPr>
                         <m:ctrlPr>
-                          <a:rPr lang="zh-CN" altLang="zh-CN" i="1"/>
+                          <a:rPr lang="zh-CN" altLang="zh-CN" i="1">
+                            <a:latin typeface="Cambria Math" panose="02040503050406030204" pitchFamily="18" charset="0"/>
+                          </a:rPr>
                         </m:ctrlPr>
                       </m:sSubPr>
                       <m:e>
                         <m:r>
-                          <a:rPr lang="en-US" altLang="zh-CN" i="1"/>
+                          <a:rPr lang="en-US" altLang="zh-CN" i="1">
+                            <a:latin typeface="Cambria Math" panose="02040503050406030204" pitchFamily="18" charset="0"/>
+                          </a:rPr>
                           <m:t>𝑥</m:t>
                         </m:r>
                       </m:e>
                       <m:sub>
                         <m:r>
-                          <a:rPr lang="en-US" altLang="zh-CN" i="1"/>
-                          <m:t>1</m:t>
+                          <a:rPr lang="en-US" altLang="zh-CN" i="1">
+                            <a:latin typeface="Cambria Math" panose="02040503050406030204" pitchFamily="18" charset="0"/>
+                          </a:rPr>
+                          <m:t>𝑁</m:t>
                         </m:r>
                       </m:sub>
                     </m:sSub>
                     <m:r>
-                      <a:rPr lang="en-US" altLang="zh-CN" i="1"/>
+                      <a:rPr lang="en-US" altLang="zh-CN" b="0" i="1" smtClean="0">
+                        <a:latin typeface="Cambria Math" panose="02040503050406030204" pitchFamily="18" charset="0"/>
+                      </a:rPr>
                       <m:t>,</m:t>
                     </m:r>
                     <m:sSub>
                       <m:sSubPr>
                         <m:ctrlPr>
-                          <a:rPr lang="zh-CN" altLang="zh-CN" i="1"/>
+                          <a:rPr lang="zh-CN" altLang="zh-CN" i="1">
+                            <a:latin typeface="Cambria Math" panose="02040503050406030204" pitchFamily="18" charset="0"/>
+                          </a:rPr>
                         </m:ctrlPr>
                       </m:sSubPr>
                       <m:e>
                         <m:r>
-                          <a:rPr lang="en-US" altLang="zh-CN" i="1"/>
-                          <m:t>𝑥</m:t>
+                          <a:rPr lang="en-US" altLang="zh-CN" i="1">
+                            <a:latin typeface="Cambria Math" panose="02040503050406030204" pitchFamily="18" charset="0"/>
+                          </a:rPr>
+                          <m:t>𝑦</m:t>
                         </m:r>
                       </m:e>
                       <m:sub>
                         <m:r>
-                          <a:rPr lang="en-US" altLang="zh-CN" i="1"/>
-                          <m:t>2</m:t>
-                        </m:r>
-                      </m:sub>
-                    </m:sSub>
-                    <m:r>
-                      <a:rPr lang="en-US" altLang="zh-CN" i="1"/>
-                      <m:t>,…,</m:t>
-                    </m:r>
-                    <m:sSub>
-                      <m:sSubPr>
-                        <m:ctrlPr>
-                          <a:rPr lang="zh-CN" altLang="zh-CN" i="1"/>
-                        </m:ctrlPr>
-                      </m:sSubPr>
-                      <m:e>
-                        <m:r>
-                          <a:rPr lang="en-US" altLang="zh-CN" i="1"/>
-                          <m:t>𝑥</m:t>
-                        </m:r>
-                      </m:e>
-                      <m:sub>
-                        <m:r>
-                          <a:rPr lang="en-US" altLang="zh-CN" i="1"/>
+                          <a:rPr lang="en-US" altLang="zh-CN" b="0" i="1" smtClean="0">
+                            <a:latin typeface="Cambria Math" panose="02040503050406030204" pitchFamily="18" charset="0"/>
+                          </a:rPr>
                           <m:t>𝑁</m:t>
                         </m:r>
                       </m:sub>
                     </m:sSub>
                     <m:r>
-                      <a:rPr lang="en-US" altLang="zh-CN" b="1"/>
+                      <a:rPr lang="en-US" altLang="zh-CN" b="0" i="1" smtClean="0">
+                        <a:latin typeface="Cambria Math" panose="02040503050406030204" pitchFamily="18" charset="0"/>
+                      </a:rPr>
+                      <m:t>)</m:t>
+                    </m:r>
+                    <m:r>
+                      <a:rPr lang="en-US" altLang="zh-CN" b="1">
+                        <a:latin typeface="Cambria Math" panose="02040503050406030204" pitchFamily="18" charset="0"/>
+                      </a:rPr>
                       <m:t>]</m:t>
                     </m:r>
                     <m:r>
@@ -25618,27 +26097,12 @@
                 </a:r>
                 <a:r>
                   <a:rPr lang="zh-CN" altLang="en-US" dirty="0"/>
-                  <a:t>参数子序列长度</a:t>
+                  <a:t>算法模型</a:t>
                 </a:r>
                 <a:r>
                   <a:rPr lang="en-US" altLang="zh-CN" dirty="0"/>
-                  <a:t>m;</a:t>
+                  <a:t>classifier={'dt','lr','svm'} ;</a:t>
                 </a:r>
-              </a:p>
-              <a:p>
-                <a:r>
-                  <a:rPr lang="en-US" altLang="zh-CN" dirty="0"/>
-                  <a:t>           </a:t>
-                </a:r>
-                <a:r>
-                  <a:rPr lang="zh-CN" altLang="zh-CN" dirty="0"/>
-                  <a:t>信号噪声等级</a:t>
-                </a:r>
-                <a:r>
-                  <a:rPr lang="en-US" altLang="zh-CN" dirty="0"/>
-                  <a:t>r</a:t>
-                </a:r>
-                <a:endParaRPr lang="en-US" altLang="zh-CN" dirty="0"/>
               </a:p>
               <a:p>
                 <a:r>
@@ -25653,246 +26117,67 @@
               </a:p>
               <a:p>
                 <a:r>
+                  <a:rPr lang="en-US" altLang="zh-CN" dirty="0"/>
+                  <a:t>1.</a:t>
+                </a:r>
+                <a:r>
                   <a:rPr lang="zh-CN" altLang="en-US" dirty="0"/>
-                  <a:t>根据步骤</a:t>
+                  <a:t>训练决策树模型得到</a:t>
                 </a:r>
                 <a:r>
                   <a:rPr lang="en-US" altLang="zh-CN" dirty="0"/>
-                  <a:t>Step1</a:t>
-                </a:r>
-                <a:r>
-                  <a:rPr lang="zh-CN" altLang="en-US" dirty="0"/>
-                  <a:t>构造子空间矩阵</a:t>
-                </a:r>
-                <a:r>
-                  <a:rPr lang="en-US" altLang="zh-CN" dirty="0" err="1"/>
-                  <a:t>Em</a:t>
-                </a:r>
-                <a:endParaRPr lang="en-US" altLang="zh-CN" dirty="0"/>
-              </a:p>
-              <a:p>
-                <a:r>
-                  <a:rPr lang="zh-CN" altLang="en-US" dirty="0"/>
-                  <a:t>初始化列表</a:t>
-                </a:r>
-                <a:r>
-                  <a:rPr lang="en-US" altLang="zh-CN" dirty="0" err="1"/>
-                  <a:t>Cm,Cmp</a:t>
-                </a:r>
-                <a:endParaRPr lang="en-US" altLang="zh-CN" dirty="0"/>
-              </a:p>
-              <a:p>
-                <a:r>
-                  <a:rPr lang="en-US" altLang="zh-CN" b="1" i="1" dirty="0"/>
-                  <a:t>for</a:t>
-                </a:r>
-                <a:r>
-                  <a:rPr lang="en-US" altLang="zh-CN" dirty="0"/>
-                  <a:t> k=1,2,…,N </a:t>
-                </a:r>
-                <a:r>
-                  <a:rPr lang="en-US" altLang="zh-CN" b="1" i="1" dirty="0"/>
-                  <a:t>do</a:t>
+                  <a:t>model_dt;</a:t>
                 </a:r>
               </a:p>
               <a:p>
                 <a:r>
                   <a:rPr lang="en-US" altLang="zh-CN" dirty="0"/>
-                  <a:t>    </a:t>
+                  <a:t>2.</a:t>
                 </a:r>
                 <a:r>
-                  <a:rPr lang="en-US" altLang="zh-CN" b="1" i="1" dirty="0"/>
-                  <a:t>for</a:t>
+                  <a:rPr lang="zh-CN" altLang="en-US" dirty="0"/>
+                  <a:t>训练逻辑回归模型得到</a:t>
                 </a:r>
                 <a:r>
                   <a:rPr lang="en-US" altLang="zh-CN" dirty="0"/>
-                  <a:t> m=1,2,…,k </a:t>
-                </a:r>
-                <a:r>
-                  <a:rPr lang="en-US" altLang="zh-CN" b="1" i="1" dirty="0"/>
-                  <a:t>do</a:t>
+                  <a:t>model_lr;</a:t>
                 </a:r>
               </a:p>
               <a:p>
                 <a:r>
                   <a:rPr lang="en-US" altLang="zh-CN" dirty="0"/>
-                  <a:t>        </a:t>
+                  <a:t>3.</a:t>
                 </a:r>
                 <a:r>
                   <a:rPr lang="zh-CN" altLang="en-US" dirty="0"/>
-                  <a:t>计算每个新序列的长度</a:t>
+                  <a:t>训练支持向量机模型得到</a:t>
                 </a:r>
                 <a:r>
                   <a:rPr lang="en-US" altLang="zh-CN" dirty="0"/>
-                  <a:t>L(</a:t>
-                </a:r>
-                <a:r>
-                  <a:rPr lang="en-US" altLang="zh-CN" dirty="0" err="1"/>
-                  <a:t>m,k</a:t>
-                </a:r>
-                <a:r>
-                  <a:rPr lang="en-US" altLang="zh-CN" dirty="0"/>
-                  <a:t>)</a:t>
-                </a:r>
-                <a:r>
-                  <a:rPr lang="zh-CN" altLang="en-US" dirty="0"/>
-                  <a:t>添加到列表</a:t>
-                </a:r>
-                <a:r>
-                  <a:rPr lang="en-US" altLang="zh-CN" dirty="0"/>
-                  <a:t>LK</a:t>
-                </a:r>
-                <a:r>
-                  <a:rPr lang="zh-CN" altLang="en-US" dirty="0"/>
-                  <a:t>中</a:t>
-                </a:r>
-                <a:endParaRPr lang="en-US" altLang="zh-CN" dirty="0"/>
-              </a:p>
-              <a:p>
-                <a:r>
-                  <a:rPr lang="en-US" altLang="zh-CN" dirty="0"/>
-                  <a:t>    </a:t>
-                </a:r>
-                <a:r>
-                  <a:rPr lang="en-US" altLang="zh-CN" b="1" i="1" dirty="0"/>
-                  <a:t>end for</a:t>
+                  <a:t>model_svm;</a:t>
                 </a:r>
               </a:p>
               <a:p>
                 <a:r>
                   <a:rPr lang="en-US" altLang="zh-CN" dirty="0"/>
-                  <a:t>    LK</a:t>
+                  <a:t>4.</a:t>
                 </a:r>
                 <a:r>
                   <a:rPr lang="zh-CN" altLang="en-US" dirty="0"/>
-                  <a:t>的均值取</a:t>
+                  <a:t>利用软投票法对</a:t>
                 </a:r>
                 <a:r>
                   <a:rPr lang="en-US" altLang="zh-CN" dirty="0"/>
-                  <a:t>log</a:t>
+                  <a:t>model_dt,model_lr,model_svm</a:t>
                 </a:r>
                 <a:r>
                   <a:rPr lang="zh-CN" altLang="en-US" dirty="0"/>
-                  <a:t>后添加到</a:t>
+                  <a:t>进行融合，得到</a:t>
                 </a:r>
                 <a:r>
                   <a:rPr lang="en-US" altLang="zh-CN" dirty="0"/>
-                  <a:t>L</a:t>
+                  <a:t>model</a:t>
                 </a:r>
-                <a:r>
-                  <a:rPr lang="zh-CN" altLang="en-US" dirty="0"/>
-                  <a:t>列表</a:t>
-                </a:r>
-                <a:endParaRPr lang="en-US" altLang="zh-CN" dirty="0"/>
-              </a:p>
-              <a:p>
-                <a:r>
-                  <a:rPr lang="en-US" altLang="zh-CN" dirty="0"/>
-                  <a:t>    1.0/k</a:t>
-                </a:r>
-                <a:r>
-                  <a:rPr lang="zh-CN" altLang="en-US" dirty="0"/>
-                  <a:t>取</a:t>
-                </a:r>
-                <a:r>
-                  <a:rPr lang="en-US" altLang="zh-CN" dirty="0"/>
-                  <a:t>log</a:t>
-                </a:r>
-                <a:r>
-                  <a:rPr lang="zh-CN" altLang="en-US" dirty="0"/>
-                  <a:t>后添加到</a:t>
-                </a:r>
-                <a:r>
-                  <a:rPr lang="en-US" altLang="zh-CN" dirty="0"/>
-                  <a:t>X</a:t>
-                </a:r>
-                <a:r>
-                  <a:rPr lang="zh-CN" altLang="en-US" dirty="0"/>
-                  <a:t>列表</a:t>
-                </a:r>
-                <a:endParaRPr lang="en-US" altLang="zh-CN" dirty="0"/>
-              </a:p>
-              <a:p>
-                <a:r>
-                  <a:rPr lang="en-US" altLang="zh-CN" b="1" i="1" dirty="0"/>
-                  <a:t>end for</a:t>
-                </a:r>
-              </a:p>
-              <a:p>
-                <a:r>
-                  <a:rPr lang="zh-CN" altLang="en-US" dirty="0"/>
-                  <a:t>用最小二乘法拟合数据</a:t>
-                </a:r>
-                <a:r>
-                  <a:rPr lang="en-US" altLang="zh-CN" dirty="0"/>
-                  <a:t>(X,L)</a:t>
-                </a:r>
-                <a:r>
-                  <a:rPr lang="zh-CN" altLang="en-US" dirty="0"/>
-                  <a:t>得到拟合直线</a:t>
-                </a:r>
-                <a14:m>
-                  <m:oMath xmlns:m="http://schemas.openxmlformats.org/officeDocument/2006/math">
-                    <m:sSup>
-                      <m:sSupPr>
-                        <m:ctrlPr>
-                          <a:rPr lang="en-US" altLang="zh-CN" i="1" smtClean="0">
-                            <a:latin typeface="Cambria Math" panose="02040503050406030204" pitchFamily="18" charset="0"/>
-                          </a:rPr>
-                        </m:ctrlPr>
-                      </m:sSupPr>
-                      <m:e>
-                        <m:r>
-                          <a:rPr lang="en-US" altLang="zh-CN" b="0" i="1" smtClean="0">
-                            <a:latin typeface="Cambria Math" panose="02040503050406030204" pitchFamily="18" charset="0"/>
-                          </a:rPr>
-                          <m:t>𝑙</m:t>
-                        </m:r>
-                      </m:e>
-                      <m:sup>
-                        <m:r>
-                          <a:rPr lang="en-US" altLang="zh-CN" b="0" i="1" smtClean="0">
-                            <a:latin typeface="Cambria Math" panose="02040503050406030204" pitchFamily="18" charset="0"/>
-                          </a:rPr>
-                          <m:t>′</m:t>
-                        </m:r>
-                      </m:sup>
-                    </m:sSup>
-                  </m:oMath>
-                </a14:m>
-                <a:r>
-                  <a:rPr lang="en-US" altLang="zh-CN" dirty="0"/>
-                  <a:t>:l</a:t>
-                </a:r>
-                <a14:m>
-                  <m:oMath xmlns:m="http://schemas.openxmlformats.org/officeDocument/2006/math">
-                    <m:r>
-                      <a:rPr lang="en-US" altLang="zh-CN" b="0" i="1" smtClean="0">
-                        <a:latin typeface="Cambria Math" panose="02040503050406030204" pitchFamily="18" charset="0"/>
-                      </a:rPr>
-                      <m:t>=</m:t>
-                    </m:r>
-                    <m:r>
-                      <a:rPr lang="en-US" altLang="zh-CN" b="0" i="1" smtClean="0">
-                        <a:latin typeface="Cambria Math" panose="02040503050406030204" pitchFamily="18" charset="0"/>
-                      </a:rPr>
-                      <m:t>𝑎𝑥</m:t>
-                    </m:r>
-                    <m:r>
-                      <a:rPr lang="en-US" altLang="zh-CN" b="0" i="1" smtClean="0">
-                        <a:latin typeface="Cambria Math" panose="02040503050406030204" pitchFamily="18" charset="0"/>
-                      </a:rPr>
-                      <m:t>+</m:t>
-                    </m:r>
-                    <m:r>
-                      <a:rPr lang="en-US" altLang="zh-CN" b="0" i="1" smtClean="0">
-                        <a:latin typeface="Cambria Math" panose="02040503050406030204" pitchFamily="18" charset="0"/>
-                      </a:rPr>
-                      <m:t>𝑏</m:t>
-                    </m:r>
-                  </m:oMath>
-                </a14:m>
-                <a:endParaRPr lang="en-US" altLang="zh-CN" b="0" dirty="0"/>
               </a:p>
               <a:p>
                 <a:r>
@@ -25901,50 +26186,11 @@
                 </a:r>
                 <a:r>
                   <a:rPr lang="zh-CN" altLang="en-US" dirty="0"/>
-                  <a:t>：直线</a:t>
-                </a:r>
-                <a14:m>
-                  <m:oMath xmlns:m="http://schemas.openxmlformats.org/officeDocument/2006/math">
-                    <m:sSup>
-                      <m:sSupPr>
-                        <m:ctrlPr>
-                          <a:rPr lang="en-US" altLang="zh-CN" i="1">
-                            <a:latin typeface="Cambria Math" panose="02040503050406030204" pitchFamily="18" charset="0"/>
-                          </a:rPr>
-                        </m:ctrlPr>
-                      </m:sSupPr>
-                      <m:e>
-                        <m:r>
-                          <a:rPr lang="en-US" altLang="zh-CN" i="1">
-                            <a:latin typeface="Cambria Math" panose="02040503050406030204" pitchFamily="18" charset="0"/>
-                          </a:rPr>
-                          <m:t>𝑙</m:t>
-                        </m:r>
-                      </m:e>
-                      <m:sup>
-                        <m:r>
-                          <a:rPr lang="en-US" altLang="zh-CN" i="1">
-                            <a:latin typeface="Cambria Math" panose="02040503050406030204" pitchFamily="18" charset="0"/>
-                          </a:rPr>
-                          <m:t>′</m:t>
-                        </m:r>
-                      </m:sup>
-                    </m:sSup>
-                    <m:r>
-                      <a:rPr lang="zh-CN" altLang="en-US" i="1" smtClean="0">
-                        <a:latin typeface="Cambria Math" panose="02040503050406030204" pitchFamily="18" charset="0"/>
-                      </a:rPr>
-                      <m:t>的</m:t>
-                    </m:r>
-                  </m:oMath>
-                </a14:m>
-                <a:r>
-                  <a:rPr lang="zh-CN" altLang="en-US" dirty="0"/>
-                  <a:t>斜率</a:t>
+                  <a:t>：融合模型</a:t>
                 </a:r>
                 <a:r>
                   <a:rPr lang="en-US" altLang="zh-CN" dirty="0"/>
-                  <a:t>a</a:t>
+                  <a:t>model</a:t>
                 </a:r>
               </a:p>
             </p:txBody>
@@ -25962,7 +26208,7 @@
             <p:spPr>
               <a:xfrm>
                 <a:off x="2500443" y="1704513"/>
-                <a:ext cx="5457007" cy="4247317"/>
+                <a:ext cx="7233070" cy="2308324"/>
               </a:xfrm>
               <a:prstGeom prst="rect">
                 <a:avLst/>
@@ -25970,7 +26216,7 @@
               <a:blipFill>
                 <a:blip r:embed="rId2"/>
                 <a:stretch>
-                  <a:fillRect l="-894" t="-862" b="-1437"/>
+                  <a:fillRect l="-674" t="-1587" b="-3439"/>
                 </a:stretch>
               </a:blipFill>
             </p:spPr>
